--- a/slides/TP558_1_Introdução_ao_curso.pptx
+++ b/slides/TP558_1_Introdução_ao_curso.pptx
@@ -17,7 +17,7 @@
     <p:sldId id="422" r:id="rId5"/>
     <p:sldId id="424" r:id="rId6"/>
     <p:sldId id="398" r:id="rId7"/>
-    <p:sldId id="412" r:id="rId8"/>
+    <p:sldId id="425" r:id="rId8"/>
     <p:sldId id="263" r:id="rId9"/>
     <p:sldId id="298" r:id="rId10"/>
     <p:sldId id="405" r:id="rId11"/>
@@ -1044,239 +1044,6 @@
           <a:bodyPr/>
           <a:lstStyle/>
           <a:p>
-            <a:pPr marL="0" indent="0" algn="just" rtl="0">
-              <a:spcBef>
-                <a:spcPts val="0"/>
-              </a:spcBef>
-              <a:spcAft>
-                <a:spcPts val="0"/>
-              </a:spcAft>
-              <a:buFont typeface="Arial" panose="020B0604020202020204" pitchFamily="34" charset="0"/>
-              <a:buNone/>
-            </a:pPr>
-            <a:r>
-              <a:rPr lang="pt-BR" sz="1200" b="0" i="0" u="none" strike="noStrike" dirty="0">
-                <a:solidFill>
-                  <a:srgbClr val="000000"/>
-                </a:solidFill>
-                <a:effectLst/>
-                <a:latin typeface="Times New Roman" panose="02020603050405020304" pitchFamily="18" charset="0"/>
-              </a:rPr>
-              <a:t>O objetivo principal desta disciplina é apresentar os principais paradigmas de aprendizado de máquina aplicados a dispositivos </a:t>
-            </a:r>
-            <a:r>
-              <a:rPr lang="pt-BR" sz="1200" b="0" i="0" u="none" strike="noStrike" dirty="0" err="1">
-                <a:solidFill>
-                  <a:srgbClr val="000000"/>
-                </a:solidFill>
-                <a:effectLst/>
-                <a:latin typeface="Times New Roman" panose="02020603050405020304" pitchFamily="18" charset="0"/>
-              </a:rPr>
-              <a:t>IoT</a:t>
-            </a:r>
-            <a:r>
-              <a:rPr lang="pt-BR" sz="1200" b="0" i="0" u="none" strike="noStrike" dirty="0">
-                <a:solidFill>
-                  <a:srgbClr val="000000"/>
-                </a:solidFill>
-                <a:effectLst/>
-                <a:latin typeface="Times New Roman" panose="02020603050405020304" pitchFamily="18" charset="0"/>
-              </a:rPr>
-              <a:t> embarcados. O curso será orientado a projetos, com aulas introdutórias sobre os tópicos abordados e, na sequência, laboratórios e estudos dirigidos para fixação dos conceitos introduzidos, além de um projeto final. Ao final do curso, os alunos devem ser capazes de entender e aplicar os principais algoritmos e técnicas de aprendizado de máquina em aplicações práticas utilizando dispositivos </a:t>
-            </a:r>
-            <a:r>
-              <a:rPr lang="pt-BR" sz="1200" b="0" i="0" u="none" strike="noStrike" dirty="0" err="1">
-                <a:solidFill>
-                  <a:srgbClr val="000000"/>
-                </a:solidFill>
-                <a:effectLst/>
-                <a:latin typeface="Times New Roman" panose="02020603050405020304" pitchFamily="18" charset="0"/>
-              </a:rPr>
-              <a:t>IoT</a:t>
-            </a:r>
-            <a:r>
-              <a:rPr lang="pt-BR" sz="1200" b="0" i="0" u="none" strike="noStrike" dirty="0">
-                <a:solidFill>
-                  <a:srgbClr val="000000"/>
-                </a:solidFill>
-                <a:effectLst/>
-                <a:latin typeface="Times New Roman" panose="02020603050405020304" pitchFamily="18" charset="0"/>
-              </a:rPr>
-              <a:t> embarcados.</a:t>
-            </a:r>
-          </a:p>
-          <a:p>
-            <a:pPr marL="0" indent="0" algn="just" rtl="0">
-              <a:spcBef>
-                <a:spcPts val="0"/>
-              </a:spcBef>
-              <a:spcAft>
-                <a:spcPts val="0"/>
-              </a:spcAft>
-              <a:buFont typeface="Arial" panose="020B0604020202020204" pitchFamily="34" charset="0"/>
-              <a:buNone/>
-            </a:pPr>
-            <a:endParaRPr lang="pt-BR" sz="1200" b="0" i="0" u="none" strike="noStrike" dirty="0">
-              <a:solidFill>
-                <a:srgbClr val="000000"/>
-              </a:solidFill>
-              <a:effectLst/>
-              <a:latin typeface="Times New Roman" panose="02020603050405020304" pitchFamily="18" charset="0"/>
-            </a:endParaRPr>
-          </a:p>
-          <a:p>
-            <a:pPr marL="0" marR="0" lvl="0" indent="0" algn="just" defTabSz="914400" rtl="0" eaLnBrk="1" fontAlgn="auto" latinLnBrk="0" hangingPunct="1">
-              <a:lnSpc>
-                <a:spcPct val="100000"/>
-              </a:lnSpc>
-              <a:spcBef>
-                <a:spcPts val="0"/>
-              </a:spcBef>
-              <a:spcAft>
-                <a:spcPts val="0"/>
-              </a:spcAft>
-              <a:buClrTx/>
-              <a:buSzTx/>
-              <a:buFont typeface="Arial" panose="020B0604020202020204" pitchFamily="34" charset="0"/>
-              <a:buNone/>
-              <a:tabLst/>
-              <a:defRPr/>
-            </a:pPr>
-            <a:r>
-              <a:rPr lang="pt-BR" sz="1200" b="0" i="0" u="none" strike="noStrike" dirty="0">
-                <a:solidFill>
-                  <a:srgbClr val="000000"/>
-                </a:solidFill>
-                <a:effectLst/>
-              </a:rPr>
-              <a:t>Capacitá-los a aplicar os principais algoritmos e técnicas de aprendizado de máquina em aplicações práticas utilizando dispositivos </a:t>
-            </a:r>
-            <a:r>
-              <a:rPr lang="pt-BR" sz="1200" b="0" i="0" u="none" strike="noStrike" dirty="0" err="1">
-                <a:solidFill>
-                  <a:srgbClr val="000000"/>
-                </a:solidFill>
-                <a:effectLst/>
-              </a:rPr>
-              <a:t>IoT</a:t>
-            </a:r>
-            <a:r>
-              <a:rPr lang="pt-BR" sz="1200" b="0" i="0" u="none" strike="noStrike" dirty="0">
-                <a:solidFill>
-                  <a:srgbClr val="000000"/>
-                </a:solidFill>
-                <a:effectLst/>
-              </a:rPr>
-              <a:t> embarcados.</a:t>
-            </a:r>
-            <a:endParaRPr lang="pt-BR" sz="1200" dirty="0"/>
-          </a:p>
-          <a:p>
-            <a:pPr marL="0" indent="0" algn="just" rtl="0">
-              <a:spcBef>
-                <a:spcPts val="0"/>
-              </a:spcBef>
-              <a:spcAft>
-                <a:spcPts val="0"/>
-              </a:spcAft>
-              <a:buFont typeface="Arial" panose="020B0604020202020204" pitchFamily="34" charset="0"/>
-              <a:buNone/>
-            </a:pPr>
-            <a:endParaRPr lang="pt-BR" b="0" dirty="0">
-              <a:effectLst/>
-            </a:endParaRPr>
-          </a:p>
-          <a:p>
-            <a:br>
-              <a:rPr lang="pt-BR" dirty="0"/>
-            </a:br>
-            <a:endParaRPr lang="pt-BR" dirty="0"/>
-          </a:p>
-          <a:p>
-            <a:endParaRPr lang="pt-BR" dirty="0"/>
-          </a:p>
-        </p:txBody>
-      </p:sp>
-      <p:sp>
-        <p:nvSpPr>
-          <p:cNvPr id="4" name="Espaço Reservado para Número de Slide 3"/>
-          <p:cNvSpPr>
-            <a:spLocks noGrp="1"/>
-          </p:cNvSpPr>
-          <p:nvPr>
-            <p:ph type="sldNum" sz="quarter" idx="5"/>
-          </p:nvPr>
-        </p:nvSpPr>
-        <p:spPr/>
-        <p:txBody>
-          <a:bodyPr/>
-          <a:lstStyle/>
-          <a:p>
-            <a:fld id="{6FC8D850-966F-45A6-8DE7-15B891E7D40D}" type="slidenum">
-              <a:rPr lang="pt-BR" smtClean="0"/>
-              <a:t>7</a:t>
-            </a:fld>
-            <a:endParaRPr lang="pt-BR"/>
-          </a:p>
-        </p:txBody>
-      </p:sp>
-    </p:spTree>
-    <p:extLst>
-      <p:ext uri="{BB962C8B-B14F-4D97-AF65-F5344CB8AC3E}">
-        <p14:creationId xmlns:p14="http://schemas.microsoft.com/office/powerpoint/2010/main" val="3740933403"/>
-      </p:ext>
-    </p:extLst>
-  </p:cSld>
-  <p:clrMapOvr>
-    <a:masterClrMapping/>
-  </p:clrMapOvr>
-</p:notes>
-</file>
-
-<file path=ppt/notesSlides/notesSlide5.xml><?xml version="1.0" encoding="utf-8"?>
-<p:notes xmlns:a="http://schemas.openxmlformats.org/drawingml/2006/main" xmlns:r="http://schemas.openxmlformats.org/officeDocument/2006/relationships" xmlns:p="http://schemas.openxmlformats.org/presentationml/2006/main">
-  <p:cSld>
-    <p:spTree>
-      <p:nvGrpSpPr>
-        <p:cNvPr id="1" name=""/>
-        <p:cNvGrpSpPr/>
-        <p:nvPr/>
-      </p:nvGrpSpPr>
-      <p:grpSpPr>
-        <a:xfrm>
-          <a:off x="0" y="0"/>
-          <a:ext cx="0" cy="0"/>
-          <a:chOff x="0" y="0"/>
-          <a:chExt cx="0" cy="0"/>
-        </a:xfrm>
-      </p:grpSpPr>
-      <p:sp>
-        <p:nvSpPr>
-          <p:cNvPr id="2" name="Espaço Reservado para Imagem de Slide 1"/>
-          <p:cNvSpPr>
-            <a:spLocks noGrp="1" noRot="1" noChangeAspect="1"/>
-          </p:cNvSpPr>
-          <p:nvPr>
-            <p:ph type="sldImg"/>
-          </p:nvPr>
-        </p:nvSpPr>
-        <p:spPr/>
-      </p:sp>
-      <p:sp>
-        <p:nvSpPr>
-          <p:cNvPr id="3" name="Espaço Reservado para Anotações 2"/>
-          <p:cNvSpPr>
-            <a:spLocks noGrp="1"/>
-          </p:cNvSpPr>
-          <p:nvPr>
-            <p:ph type="body" idx="1"/>
-          </p:nvPr>
-        </p:nvSpPr>
-        <p:spPr/>
-        <p:txBody>
-          <a:bodyPr/>
-          <a:lstStyle/>
-          <a:p>
             <a:r>
               <a:rPr lang="pt-BR" dirty="0">
                 <a:hlinkClick r:id="rId3"/>
@@ -1323,7 +1090,7 @@
 </p:notes>
 </file>
 
-<file path=ppt/notesSlides/notesSlide6.xml><?xml version="1.0" encoding="utf-8"?>
+<file path=ppt/notesSlides/notesSlide5.xml><?xml version="1.0" encoding="utf-8"?>
 <p:notes xmlns:a="http://schemas.openxmlformats.org/drawingml/2006/main" xmlns:r="http://schemas.openxmlformats.org/officeDocument/2006/relationships" xmlns:p="http://schemas.openxmlformats.org/presentationml/2006/main">
   <p:cSld>
     <p:spTree>
@@ -6121,7 +5888,13 @@
   <p:cSld>
     <p:spTree>
       <p:nvGrpSpPr>
-        <p:cNvPr id="1" name=""/>
+        <p:cNvPr id="1" name="">
+          <a:extLst>
+            <a:ext uri="{FF2B5EF4-FFF2-40B4-BE49-F238E27FC236}">
+              <a16:creationId xmlns:a16="http://schemas.microsoft.com/office/drawing/2014/main" id="{AF4399CC-3894-D100-1945-D7D23AA96EB1}"/>
+            </a:ext>
+          </a:extLst>
+        </p:cNvPr>
         <p:cNvGrpSpPr/>
         <p:nvPr/>
       </p:nvGrpSpPr>
@@ -6138,7 +5911,7 @@
           <p:cNvPr id="2" name="Título 1">
             <a:extLst>
               <a:ext uri="{FF2B5EF4-FFF2-40B4-BE49-F238E27FC236}">
-                <a16:creationId xmlns:a16="http://schemas.microsoft.com/office/drawing/2014/main" id="{4CBEAD94-EB44-27A2-AD12-48FFDF9233D7}"/>
+                <a16:creationId xmlns:a16="http://schemas.microsoft.com/office/drawing/2014/main" id="{424E490C-8C95-5D8F-8A93-456C393F644A}"/>
               </a:ext>
             </a:extLst>
           </p:cNvPr>
@@ -6156,7 +5929,7 @@
           <a:p>
             <a:r>
               <a:rPr lang="pt-BR" dirty="0"/>
-              <a:t>Objetivos do curso</a:t>
+              <a:t>Sobre o curso</a:t>
             </a:r>
           </a:p>
         </p:txBody>
@@ -6166,7 +5939,7 @@
           <p:cNvPr id="3" name="Espaço Reservado para Conteúdo 2">
             <a:extLst>
               <a:ext uri="{FF2B5EF4-FFF2-40B4-BE49-F238E27FC236}">
-                <a16:creationId xmlns:a16="http://schemas.microsoft.com/office/drawing/2014/main" id="{1A56AA32-04C2-0C41-F535-9A35932A8EB8}"/>
+                <a16:creationId xmlns:a16="http://schemas.microsoft.com/office/drawing/2014/main" id="{D99B10BC-34CB-F110-CB4D-6CF6043930ED}"/>
               </a:ext>
             </a:extLst>
           </p:cNvPr>
@@ -6179,8 +5952,8 @@
         </p:nvSpPr>
         <p:spPr>
           <a:xfrm>
-            <a:off x="838199" y="1825624"/>
-            <a:ext cx="8164287" cy="5032375"/>
+            <a:off x="838200" y="1825624"/>
+            <a:ext cx="11154508" cy="5032375"/>
           </a:xfrm>
         </p:spPr>
         <p:txBody>
@@ -6189,337 +5962,71 @@
           </a:bodyPr>
           <a:lstStyle/>
           <a:p>
-            <a:r>
-              <a:rPr lang="pt-BR" b="0" i="0" dirty="0">
-                <a:effectLst/>
-              </a:rPr>
-              <a:t>Apresentar os </a:t>
-            </a:r>
-            <a:r>
-              <a:rPr lang="pt-BR" b="1" i="1" dirty="0">
-                <a:effectLst/>
-              </a:rPr>
-              <a:t>fundamentos de </a:t>
-            </a:r>
-            <a:r>
-              <a:rPr lang="pt-BR" b="1" i="1" dirty="0" err="1">
-                <a:effectLst/>
-              </a:rPr>
-              <a:t>IoT</a:t>
-            </a:r>
-            <a:r>
-              <a:rPr lang="pt-BR" b="1" i="1" dirty="0">
-                <a:effectLst/>
-              </a:rPr>
-              <a:t> e ML</a:t>
-            </a:r>
-            <a:r>
-              <a:rPr lang="pt-BR" b="0" i="0" dirty="0">
-                <a:effectLst/>
-              </a:rPr>
-              <a:t>, bem como explorar a </a:t>
-            </a:r>
-            <a:r>
-              <a:rPr lang="pt-BR" b="1" i="1" dirty="0">
-                <a:effectLst/>
-              </a:rPr>
-              <a:t>interseção</a:t>
-            </a:r>
-            <a:r>
-              <a:rPr lang="pt-BR" b="0" i="0" dirty="0">
-                <a:effectLst/>
-              </a:rPr>
-              <a:t> entre essas áreas.</a:t>
-            </a:r>
-            <a:endParaRPr lang="pt-BR" dirty="0"/>
-          </a:p>
-          <a:p>
-            <a:r>
-              <a:rPr lang="pt-BR" b="1" i="1" dirty="0">
-                <a:effectLst/>
-              </a:rPr>
-              <a:t>Familiarizar</a:t>
-            </a:r>
-            <a:r>
-              <a:rPr lang="pt-BR" b="0" i="0" dirty="0">
-                <a:effectLst/>
-              </a:rPr>
-              <a:t> os alunos com a </a:t>
-            </a:r>
-            <a:r>
-              <a:rPr lang="pt-BR" b="1" i="1" dirty="0">
-                <a:effectLst/>
-              </a:rPr>
-              <a:t>literatura e os conceitos-chave da área de TinyML</a:t>
-            </a:r>
-            <a:r>
-              <a:rPr lang="pt-BR" b="0" i="0" dirty="0">
-                <a:effectLst/>
-              </a:rPr>
-              <a:t>.</a:t>
-            </a:r>
-          </a:p>
-          <a:p>
-            <a:r>
-              <a:rPr lang="pt-BR" b="0" i="0" dirty="0">
-                <a:effectLst/>
-              </a:rPr>
-              <a:t>Capacitar os alunos a </a:t>
-            </a:r>
-            <a:r>
-              <a:rPr lang="pt-BR" b="1" i="1" dirty="0">
-                <a:effectLst/>
-              </a:rPr>
-              <a:t>conceber</a:t>
-            </a:r>
-            <a:r>
-              <a:rPr lang="pt-BR" b="0" i="0" dirty="0">
-                <a:effectLst/>
-              </a:rPr>
-              <a:t>, </a:t>
-            </a:r>
-            <a:r>
-              <a:rPr lang="pt-BR" b="1" i="1" dirty="0">
-                <a:effectLst/>
-              </a:rPr>
-              <a:t>treinar e implantar aplicações TinyML em sistemas embarcados</a:t>
-            </a:r>
-            <a:r>
-              <a:rPr lang="pt-BR" dirty="0">
-                <a:effectLst/>
-              </a:rPr>
-              <a:t> (e.g., smartphones e dispositivos </a:t>
-            </a:r>
-            <a:r>
-              <a:rPr lang="pt-BR" dirty="0" err="1">
-                <a:effectLst/>
-              </a:rPr>
-              <a:t>IoT</a:t>
-            </a:r>
-            <a:r>
-              <a:rPr lang="pt-BR" dirty="0">
-                <a:effectLst/>
-              </a:rPr>
-              <a:t>)</a:t>
+            <a:pPr algn="just">
+              <a:spcBef>
+                <a:spcPts val="0"/>
+              </a:spcBef>
+            </a:pPr>
+            <a:r>
+              <a:rPr lang="pt-BR" b="1" dirty="0"/>
+              <a:t>Repositório</a:t>
+            </a:r>
+          </a:p>
+          <a:p>
+            <a:pPr lvl="1" algn="just">
+              <a:spcBef>
+                <a:spcPts val="0"/>
+              </a:spcBef>
+            </a:pPr>
+            <a:r>
+              <a:rPr lang="pt-BR" dirty="0"/>
+              <a:t>Criem um repositório no </a:t>
+            </a:r>
+            <a:r>
+              <a:rPr lang="pt-BR" dirty="0" err="1"/>
+              <a:t>github</a:t>
+            </a:r>
+            <a:r>
+              <a:rPr lang="pt-BR" dirty="0"/>
+              <a:t> para armazenar o material gerado durante o curso, e.g., materiais dos seminários, projeto final, etc.</a:t>
+            </a:r>
+          </a:p>
+          <a:p>
+            <a:pPr lvl="1" algn="just">
+              <a:spcBef>
+                <a:spcPts val="0"/>
+              </a:spcBef>
+            </a:pPr>
+            <a:r>
+              <a:rPr lang="pt-BR" dirty="0"/>
+              <a:t>Criem pastas distintas para cada seminário, para o projeto final e qualquer outro material que seja gerado durante o curso.</a:t>
+            </a:r>
+          </a:p>
+          <a:p>
+            <a:pPr lvl="1" algn="just">
+              <a:spcBef>
+                <a:spcPts val="0"/>
+              </a:spcBef>
+            </a:pPr>
+            <a:r>
+              <a:rPr lang="pt-BR" dirty="0"/>
+              <a:t>Enviem o endereço do repositório para o professor via </a:t>
+            </a:r>
+            <a:r>
+              <a:rPr lang="pt-BR" dirty="0" err="1"/>
+              <a:t>email</a:t>
             </a:r>
             <a:r>
               <a:rPr lang="pt-BR" dirty="0"/>
               <a:t>.</a:t>
             </a:r>
           </a:p>
-          <a:p>
-            <a:r>
-              <a:rPr lang="pt-BR" b="0" i="0" dirty="0">
-                <a:effectLst/>
-              </a:rPr>
-              <a:t>Proporcionar </a:t>
-            </a:r>
-            <a:r>
-              <a:rPr lang="pt-BR" b="1" i="1" dirty="0">
-                <a:effectLst/>
-              </a:rPr>
-              <a:t>experiência prática por meio de laboratórios e projetos práticos</a:t>
-            </a:r>
-            <a:r>
-              <a:rPr lang="pt-BR" b="0" i="0" dirty="0">
-                <a:effectLst/>
-              </a:rPr>
-              <a:t>, permitindo que os alunos apliquem seus conhecimentos de TinyML em cenários do mundo real.</a:t>
-            </a:r>
-            <a:endParaRPr lang="pt-BR" dirty="0"/>
-          </a:p>
-        </p:txBody>
-      </p:sp>
-      <p:pic>
-        <p:nvPicPr>
-          <p:cNvPr id="4" name="Picture 2" descr="Image result for machine learning">
-            <a:extLst>
-              <a:ext uri="{FF2B5EF4-FFF2-40B4-BE49-F238E27FC236}">
-                <a16:creationId xmlns:a16="http://schemas.microsoft.com/office/drawing/2014/main" id="{5C06A13C-9D44-3527-DD1E-E02BB897D25E}"/>
-              </a:ext>
-            </a:extLst>
-          </p:cNvPr>
-          <p:cNvPicPr>
-            <a:picLocks noChangeAspect="1" noChangeArrowheads="1"/>
-          </p:cNvPicPr>
-          <p:nvPr/>
-        </p:nvPicPr>
-        <p:blipFill>
-          <a:blip r:embed="rId3" cstate="print">
-            <a:extLst>
-              <a:ext uri="{28A0092B-C50C-407E-A947-70E740481C1C}">
-                <a14:useLocalDpi xmlns:a14="http://schemas.microsoft.com/office/drawing/2010/main" val="0"/>
-              </a:ext>
-            </a:extLst>
-          </a:blip>
-          <a:srcRect/>
-          <a:stretch>
-            <a:fillRect/>
-          </a:stretch>
-        </p:blipFill>
-        <p:spPr bwMode="auto">
-          <a:xfrm>
-            <a:off x="9276568" y="161243"/>
-            <a:ext cx="2289169" cy="1602419"/>
-          </a:xfrm>
-          <a:prstGeom prst="rect">
-            <a:avLst/>
-          </a:prstGeom>
-          <a:noFill/>
-          <a:extLst>
-            <a:ext uri="{909E8E84-426E-40DD-AFC4-6F175D3DCCD1}">
-              <a14:hiddenFill xmlns:a14="http://schemas.microsoft.com/office/drawing/2010/main">
-                <a:solidFill>
-                  <a:srgbClr val="FFFFFF"/>
-                </a:solidFill>
-              </a14:hiddenFill>
-            </a:ext>
-          </a:extLst>
-        </p:spPr>
-      </p:pic>
-      <p:pic>
-        <p:nvPicPr>
-          <p:cNvPr id="7170" name="Picture 2" descr="IOT: a internet das coisas. O que é? - HMB Tecnologia">
-            <a:extLst>
-              <a:ext uri="{FF2B5EF4-FFF2-40B4-BE49-F238E27FC236}">
-                <a16:creationId xmlns:a16="http://schemas.microsoft.com/office/drawing/2014/main" id="{EFA771E3-151D-8061-599C-F57CFB216EF6}"/>
-              </a:ext>
-            </a:extLst>
-          </p:cNvPr>
-          <p:cNvPicPr>
-            <a:picLocks noChangeAspect="1" noChangeArrowheads="1"/>
-          </p:cNvPicPr>
-          <p:nvPr/>
-        </p:nvPicPr>
-        <p:blipFill rotWithShape="1">
-          <a:blip r:embed="rId4">
-            <a:extLst>
-              <a:ext uri="{28A0092B-C50C-407E-A947-70E740481C1C}">
-                <a14:useLocalDpi xmlns:a14="http://schemas.microsoft.com/office/drawing/2010/main" val="0"/>
-              </a:ext>
-            </a:extLst>
-          </a:blip>
-          <a:srcRect b="5921"/>
-          <a:stretch/>
-        </p:blipFill>
-        <p:spPr bwMode="auto">
-          <a:xfrm>
-            <a:off x="8904330" y="3711401"/>
-            <a:ext cx="2331903" cy="1461129"/>
-          </a:xfrm>
-          <a:prstGeom prst="rect">
-            <a:avLst/>
-          </a:prstGeom>
-          <a:noFill/>
-          <a:extLst>
-            <a:ext uri="{909E8E84-426E-40DD-AFC4-6F175D3DCCD1}">
-              <a14:hiddenFill xmlns:a14="http://schemas.microsoft.com/office/drawing/2010/main">
-                <a:solidFill>
-                  <a:srgbClr val="FFFFFF"/>
-                </a:solidFill>
-              </a14:hiddenFill>
-            </a:ext>
-          </a:extLst>
-        </p:spPr>
-      </p:pic>
-      <p:pic>
-        <p:nvPicPr>
-          <p:cNvPr id="7172" name="Picture 4" descr="TinyML: What is It and Why Does It Matter | MacroFab">
-            <a:extLst>
-              <a:ext uri="{FF2B5EF4-FFF2-40B4-BE49-F238E27FC236}">
-                <a16:creationId xmlns:a16="http://schemas.microsoft.com/office/drawing/2014/main" id="{1EC642B7-7250-B83F-220A-F4F6F9BAFC6D}"/>
-              </a:ext>
-            </a:extLst>
-          </p:cNvPr>
-          <p:cNvPicPr>
-            <a:picLocks noChangeAspect="1" noChangeArrowheads="1"/>
-          </p:cNvPicPr>
-          <p:nvPr/>
-        </p:nvPicPr>
-        <p:blipFill>
-          <a:blip r:embed="rId5">
-            <a:extLst>
-              <a:ext uri="{28A0092B-C50C-407E-A947-70E740481C1C}">
-                <a14:useLocalDpi xmlns:a14="http://schemas.microsoft.com/office/drawing/2010/main" val="0"/>
-              </a:ext>
-            </a:extLst>
-          </a:blip>
-          <a:srcRect/>
-          <a:stretch>
-            <a:fillRect/>
-          </a:stretch>
-        </p:blipFill>
-        <p:spPr bwMode="auto">
-          <a:xfrm>
-            <a:off x="9794429" y="2173185"/>
-            <a:ext cx="2146594" cy="1128693"/>
-          </a:xfrm>
-          <a:prstGeom prst="rect">
-            <a:avLst/>
-          </a:prstGeom>
-          <a:noFill/>
-          <a:extLst>
-            <a:ext uri="{909E8E84-426E-40DD-AFC4-6F175D3DCCD1}">
-              <a14:hiddenFill xmlns:a14="http://schemas.microsoft.com/office/drawing/2010/main">
-                <a:solidFill>
-                  <a:srgbClr val="FFFFFF"/>
-                </a:solidFill>
-              </a14:hiddenFill>
-            </a:ext>
-          </a:extLst>
-        </p:spPr>
-      </p:pic>
-      <p:pic>
-        <p:nvPicPr>
-          <p:cNvPr id="7174" name="Picture 6" descr="TinyML: Future is Tiny and Bright | TechGig">
-            <a:extLst>
-              <a:ext uri="{FF2B5EF4-FFF2-40B4-BE49-F238E27FC236}">
-                <a16:creationId xmlns:a16="http://schemas.microsoft.com/office/drawing/2014/main" id="{AF76318A-723E-D23D-B013-8060C6435AAA}"/>
-              </a:ext>
-            </a:extLst>
-          </p:cNvPr>
-          <p:cNvPicPr>
-            <a:picLocks noChangeAspect="1" noChangeArrowheads="1"/>
-          </p:cNvPicPr>
-          <p:nvPr/>
-        </p:nvPicPr>
-        <p:blipFill>
-          <a:blip r:embed="rId6">
-            <a:extLst>
-              <a:ext uri="{28A0092B-C50C-407E-A947-70E740481C1C}">
-                <a14:useLocalDpi xmlns:a14="http://schemas.microsoft.com/office/drawing/2010/main" val="0"/>
-              </a:ext>
-            </a:extLst>
-          </a:blip>
-          <a:srcRect/>
-          <a:stretch>
-            <a:fillRect/>
-          </a:stretch>
-        </p:blipFill>
-        <p:spPr bwMode="auto">
-          <a:xfrm>
-            <a:off x="9721776" y="5419765"/>
-            <a:ext cx="2291900" cy="1283464"/>
-          </a:xfrm>
-          <a:prstGeom prst="rect">
-            <a:avLst/>
-          </a:prstGeom>
-          <a:noFill/>
-          <a:extLst>
-            <a:ext uri="{909E8E84-426E-40DD-AFC4-6F175D3DCCD1}">
-              <a14:hiddenFill xmlns:a14="http://schemas.microsoft.com/office/drawing/2010/main">
-                <a:solidFill>
-                  <a:srgbClr val="FFFFFF"/>
-                </a:solidFill>
-              </a14:hiddenFill>
-            </a:ext>
-          </a:extLst>
-        </p:spPr>
-      </p:pic>
+        </p:txBody>
+      </p:sp>
     </p:spTree>
     <p:extLst>
       <p:ext uri="{BB962C8B-B14F-4D97-AF65-F5344CB8AC3E}">
-        <p14:creationId xmlns:p14="http://schemas.microsoft.com/office/powerpoint/2010/main" val="154849156"/>
+        <p14:creationId xmlns:p14="http://schemas.microsoft.com/office/powerpoint/2010/main" val="238020498"/>
       </p:ext>
     </p:extLst>
   </p:cSld>
@@ -6612,7 +6119,7 @@
               <a:buNone/>
             </a:pPr>
             <a:r>
-              <a:rPr lang="pt-BR" b="0" i="0" u="none" strike="noStrike" dirty="0">
+              <a:rPr lang="pt-BR" sz="2400" b="0" i="0" u="none" strike="noStrike" dirty="0">
                 <a:solidFill>
                   <a:srgbClr val="000000"/>
                 </a:solidFill>
@@ -6621,7 +6128,7 @@
               <a:t>[1] Stuart Russell </a:t>
             </a:r>
             <a:r>
-              <a:rPr lang="pt-BR" b="0" i="0" u="none" strike="noStrike" dirty="0" err="1">
+              <a:rPr lang="pt-BR" sz="2400" b="0" i="0" u="none" strike="noStrike" dirty="0" err="1">
                 <a:solidFill>
                   <a:srgbClr val="000000"/>
                 </a:solidFill>
@@ -6630,7 +6137,7 @@
               <a:t>and</a:t>
             </a:r>
             <a:r>
-              <a:rPr lang="pt-BR" b="0" i="0" u="none" strike="noStrike" dirty="0">
+              <a:rPr lang="pt-BR" sz="2400" b="0" i="0" u="none" strike="noStrike" dirty="0">
                 <a:solidFill>
                   <a:srgbClr val="000000"/>
                 </a:solidFill>
@@ -6639,7 +6146,7 @@
               <a:t> Peter </a:t>
             </a:r>
             <a:r>
-              <a:rPr lang="pt-BR" b="0" i="0" u="none" strike="noStrike" dirty="0" err="1">
+              <a:rPr lang="pt-BR" sz="2400" b="0" i="0" u="none" strike="noStrike" dirty="0" err="1">
                 <a:solidFill>
                   <a:srgbClr val="000000"/>
                 </a:solidFill>
@@ -6648,7 +6155,7 @@
               <a:t>Norvig</a:t>
             </a:r>
             <a:r>
-              <a:rPr lang="pt-BR" b="0" i="0" u="none" strike="noStrike" dirty="0">
+              <a:rPr lang="pt-BR" sz="2400" b="0" i="0" u="none" strike="noStrike" dirty="0">
                 <a:solidFill>
                   <a:srgbClr val="000000"/>
                 </a:solidFill>
@@ -6657,7 +6164,7 @@
               <a:t>, “Artificial </a:t>
             </a:r>
             <a:r>
-              <a:rPr lang="pt-BR" b="0" i="0" u="none" strike="noStrike" dirty="0" err="1">
+              <a:rPr lang="pt-BR" sz="2400" b="0" i="0" u="none" strike="noStrike" dirty="0" err="1">
                 <a:solidFill>
                   <a:srgbClr val="000000"/>
                 </a:solidFill>
@@ -6666,7 +6173,7 @@
               <a:t>Intelligence</a:t>
             </a:r>
             <a:r>
-              <a:rPr lang="pt-BR" b="0" i="0" u="none" strike="noStrike" dirty="0">
+              <a:rPr lang="pt-BR" sz="2400" b="0" i="0" u="none" strike="noStrike" dirty="0">
                 <a:solidFill>
                   <a:srgbClr val="000000"/>
                 </a:solidFill>
@@ -6675,7 +6182,7 @@
               <a:t>: A </a:t>
             </a:r>
             <a:r>
-              <a:rPr lang="pt-BR" b="0" i="0" u="none" strike="noStrike" dirty="0" err="1">
+              <a:rPr lang="pt-BR" sz="2400" b="0" i="0" u="none" strike="noStrike" dirty="0" err="1">
                 <a:solidFill>
                   <a:srgbClr val="000000"/>
                 </a:solidFill>
@@ -6684,7 +6191,7 @@
               <a:t>Modern</a:t>
             </a:r>
             <a:r>
-              <a:rPr lang="pt-BR" b="0" i="0" u="none" strike="noStrike" dirty="0">
+              <a:rPr lang="pt-BR" sz="2400" b="0" i="0" u="none" strike="noStrike" dirty="0">
                 <a:solidFill>
                   <a:srgbClr val="000000"/>
                 </a:solidFill>
@@ -6693,7 +6200,7 @@
               <a:t> Approach”, Prentice Hall Series in Artificial </a:t>
             </a:r>
             <a:r>
-              <a:rPr lang="pt-BR" b="0" i="0" u="none" strike="noStrike" dirty="0" err="1">
+              <a:rPr lang="pt-BR" sz="2400" b="0" i="0" u="none" strike="noStrike" dirty="0" err="1">
                 <a:solidFill>
                   <a:srgbClr val="000000"/>
                 </a:solidFill>
@@ -6702,7 +6209,7 @@
               <a:t>Intelligence</a:t>
             </a:r>
             <a:r>
-              <a:rPr lang="pt-BR" b="0" i="0" u="none" strike="noStrike" dirty="0">
+              <a:rPr lang="pt-BR" sz="2400" b="0" i="0" u="none" strike="noStrike" dirty="0">
                 <a:solidFill>
                   <a:srgbClr val="000000"/>
                 </a:solidFill>
@@ -6710,7 +6217,7 @@
               </a:rPr>
               <a:t>, 3rd ed., 2015.</a:t>
             </a:r>
-            <a:endParaRPr lang="pt-BR" b="0" dirty="0">
+            <a:endParaRPr lang="pt-BR" sz="2400" b="0" dirty="0">
               <a:effectLst/>
             </a:endParaRPr>
           </a:p>
@@ -6725,7 +6232,7 @@
               <a:buNone/>
             </a:pPr>
             <a:r>
-              <a:rPr lang="pt-BR" b="0" i="0" u="none" strike="noStrike" dirty="0">
+              <a:rPr lang="pt-BR" sz="2400" b="0" i="0" u="none" strike="noStrike" dirty="0">
                 <a:solidFill>
                   <a:srgbClr val="000000"/>
                 </a:solidFill>
@@ -6734,7 +6241,7 @@
               <a:t>[2] </a:t>
             </a:r>
             <a:r>
-              <a:rPr lang="pt-BR" b="0" i="0" u="none" strike="noStrike" dirty="0" err="1">
+              <a:rPr lang="pt-BR" sz="2400" b="0" i="0" u="none" strike="noStrike" dirty="0" err="1">
                 <a:solidFill>
                   <a:srgbClr val="000000"/>
                 </a:solidFill>
@@ -6743,7 +6250,7 @@
               <a:t>Aurélien</a:t>
             </a:r>
             <a:r>
-              <a:rPr lang="pt-BR" b="0" i="0" u="none" strike="noStrike" dirty="0">
+              <a:rPr lang="pt-BR" sz="2400" b="0" i="0" u="none" strike="noStrike" dirty="0">
                 <a:solidFill>
                   <a:srgbClr val="000000"/>
                 </a:solidFill>
@@ -6752,7 +6259,7 @@
               <a:t> </a:t>
             </a:r>
             <a:r>
-              <a:rPr lang="pt-BR" b="0" i="0" u="none" strike="noStrike" dirty="0" err="1">
+              <a:rPr lang="pt-BR" sz="2400" b="0" i="0" u="none" strike="noStrike" dirty="0" err="1">
                 <a:solidFill>
                   <a:srgbClr val="000000"/>
                 </a:solidFill>
@@ -6761,7 +6268,7 @@
               <a:t>Géron</a:t>
             </a:r>
             <a:r>
-              <a:rPr lang="pt-BR" b="0" i="0" u="none" strike="noStrike" dirty="0">
+              <a:rPr lang="pt-BR" sz="2400" b="0" i="0" u="none" strike="noStrike" dirty="0">
                 <a:solidFill>
                   <a:srgbClr val="000000"/>
                 </a:solidFill>
@@ -6770,7 +6277,7 @@
               <a:t>, "Hands-On Machine Learning </a:t>
             </a:r>
             <a:r>
-              <a:rPr lang="pt-BR" b="0" i="0" u="none" strike="noStrike" dirty="0" err="1">
+              <a:rPr lang="pt-BR" sz="2400" b="0" i="0" u="none" strike="noStrike" dirty="0" err="1">
                 <a:solidFill>
                   <a:srgbClr val="000000"/>
                 </a:solidFill>
@@ -6779,7 +6286,7 @@
               <a:t>with</a:t>
             </a:r>
             <a:r>
-              <a:rPr lang="pt-BR" b="0" i="0" u="none" strike="noStrike" dirty="0">
+              <a:rPr lang="pt-BR" sz="2400" b="0" i="0" u="none" strike="noStrike" dirty="0">
                 <a:solidFill>
                   <a:srgbClr val="000000"/>
                 </a:solidFill>
@@ -6788,7 +6295,7 @@
               <a:t> </a:t>
             </a:r>
             <a:r>
-              <a:rPr lang="pt-BR" b="0" i="0" u="none" strike="noStrike" dirty="0" err="1">
+              <a:rPr lang="pt-BR" sz="2400" b="0" i="0" u="none" strike="noStrike" dirty="0" err="1">
                 <a:solidFill>
                   <a:srgbClr val="000000"/>
                 </a:solidFill>
@@ -6797,7 +6304,7 @@
               <a:t>Scikit-Learn</a:t>
             </a:r>
             <a:r>
-              <a:rPr lang="pt-BR" b="0" i="0" u="none" strike="noStrike" dirty="0">
+              <a:rPr lang="pt-BR" sz="2400" b="0" i="0" u="none" strike="noStrike" dirty="0">
                 <a:solidFill>
                   <a:srgbClr val="000000"/>
                 </a:solidFill>
@@ -6806,7 +6313,7 @@
               <a:t> </a:t>
             </a:r>
             <a:r>
-              <a:rPr lang="pt-BR" b="0" i="0" u="none" strike="noStrike" dirty="0" err="1">
+              <a:rPr lang="pt-BR" sz="2400" b="0" i="0" u="none" strike="noStrike" dirty="0" err="1">
                 <a:solidFill>
                   <a:srgbClr val="000000"/>
                 </a:solidFill>
@@ -6815,7 +6322,7 @@
               <a:t>and</a:t>
             </a:r>
             <a:r>
-              <a:rPr lang="pt-BR" b="0" i="0" u="none" strike="noStrike" dirty="0">
+              <a:rPr lang="pt-BR" sz="2400" b="0" i="0" u="none" strike="noStrike" dirty="0">
                 <a:solidFill>
                   <a:srgbClr val="000000"/>
                 </a:solidFill>
@@ -6824,7 +6331,7 @@
               <a:t> TensorFlow: </a:t>
             </a:r>
             <a:r>
-              <a:rPr lang="pt-BR" b="0" i="0" u="none" strike="noStrike" dirty="0" err="1">
+              <a:rPr lang="pt-BR" sz="2400" b="0" i="0" u="none" strike="noStrike" dirty="0" err="1">
                 <a:solidFill>
                   <a:srgbClr val="000000"/>
                 </a:solidFill>
@@ -6833,7 +6340,7 @@
               <a:t>Concepts</a:t>
             </a:r>
             <a:r>
-              <a:rPr lang="pt-BR" b="0" i="0" u="none" strike="noStrike" dirty="0">
+              <a:rPr lang="pt-BR" sz="2400" b="0" i="0" u="none" strike="noStrike" dirty="0">
                 <a:solidFill>
                   <a:srgbClr val="000000"/>
                 </a:solidFill>
@@ -6842,7 +6349,7 @@
               <a:t>, Tools, </a:t>
             </a:r>
             <a:r>
-              <a:rPr lang="pt-BR" b="0" i="0" u="none" strike="noStrike" dirty="0" err="1">
+              <a:rPr lang="pt-BR" sz="2400" b="0" i="0" u="none" strike="noStrike" dirty="0" err="1">
                 <a:solidFill>
                   <a:srgbClr val="000000"/>
                 </a:solidFill>
@@ -6851,7 +6358,7 @@
               <a:t>and</a:t>
             </a:r>
             <a:r>
-              <a:rPr lang="pt-BR" b="0" i="0" u="none" strike="noStrike" dirty="0">
+              <a:rPr lang="pt-BR" sz="2400" b="0" i="0" u="none" strike="noStrike" dirty="0">
                 <a:solidFill>
                   <a:srgbClr val="000000"/>
                 </a:solidFill>
@@ -6860,7 +6367,7 @@
               <a:t> </a:t>
             </a:r>
             <a:r>
-              <a:rPr lang="pt-BR" b="0" i="0" u="none" strike="noStrike" dirty="0" err="1">
+              <a:rPr lang="pt-BR" sz="2400" b="0" i="0" u="none" strike="noStrike" dirty="0" err="1">
                 <a:solidFill>
                   <a:srgbClr val="000000"/>
                 </a:solidFill>
@@ -6869,7 +6376,7 @@
               <a:t>Techniques</a:t>
             </a:r>
             <a:r>
-              <a:rPr lang="pt-BR" b="0" i="0" u="none" strike="noStrike" dirty="0">
+              <a:rPr lang="pt-BR" sz="2400" b="0" i="0" u="none" strike="noStrike" dirty="0">
                 <a:solidFill>
                   <a:srgbClr val="000000"/>
                 </a:solidFill>
@@ -6878,7 +6385,7 @@
               <a:t> </a:t>
             </a:r>
             <a:r>
-              <a:rPr lang="pt-BR" b="0" i="0" u="none" strike="noStrike" dirty="0" err="1">
+              <a:rPr lang="pt-BR" sz="2400" b="0" i="0" u="none" strike="noStrike" dirty="0" err="1">
                 <a:solidFill>
                   <a:srgbClr val="000000"/>
                 </a:solidFill>
@@ -6887,7 +6394,7 @@
               <a:t>to</a:t>
             </a:r>
             <a:r>
-              <a:rPr lang="pt-BR" b="0" i="0" u="none" strike="noStrike" dirty="0">
+              <a:rPr lang="pt-BR" sz="2400" b="0" i="0" u="none" strike="noStrike" dirty="0">
                 <a:solidFill>
                   <a:srgbClr val="000000"/>
                 </a:solidFill>
@@ -6896,7 +6403,7 @@
               <a:t> Build </a:t>
             </a:r>
             <a:r>
-              <a:rPr lang="pt-BR" b="0" i="0" u="none" strike="noStrike" dirty="0" err="1">
+              <a:rPr lang="pt-BR" sz="2400" b="0" i="0" u="none" strike="noStrike" dirty="0" err="1">
                 <a:solidFill>
                   <a:srgbClr val="000000"/>
                 </a:solidFill>
@@ -6905,7 +6412,7 @@
               <a:t>Intelligent</a:t>
             </a:r>
             <a:r>
-              <a:rPr lang="pt-BR" b="0" i="0" u="none" strike="noStrike" dirty="0">
+              <a:rPr lang="pt-BR" sz="2400" b="0" i="0" u="none" strike="noStrike" dirty="0">
                 <a:solidFill>
                   <a:srgbClr val="000000"/>
                 </a:solidFill>
@@ -6913,7 +6420,7 @@
               </a:rPr>
               <a:t> Systems", 1st ed., O'Reilly Media, 2017.</a:t>
             </a:r>
-            <a:endParaRPr lang="pt-BR" b="0" dirty="0">
+            <a:endParaRPr lang="pt-BR" sz="2400" b="0" dirty="0">
               <a:effectLst/>
             </a:endParaRPr>
           </a:p>
@@ -6928,7 +6435,7 @@
               <a:buNone/>
             </a:pPr>
             <a:r>
-              <a:rPr lang="pt-BR" b="0" i="0" u="none" strike="noStrike" dirty="0">
+              <a:rPr lang="pt-BR" sz="2400" b="0" i="0" u="none" strike="noStrike" dirty="0">
                 <a:solidFill>
                   <a:srgbClr val="000000"/>
                 </a:solidFill>
@@ -6937,7 +6444,7 @@
               <a:t>[3] Bishop, "</a:t>
             </a:r>
             <a:r>
-              <a:rPr lang="pt-BR" b="0" i="0" u="none" strike="noStrike" dirty="0" err="1">
+              <a:rPr lang="pt-BR" sz="2400" b="0" i="0" u="none" strike="noStrike" dirty="0" err="1">
                 <a:solidFill>
                   <a:srgbClr val="000000"/>
                 </a:solidFill>
@@ -6946,7 +6453,7 @@
               <a:t>Pattern</a:t>
             </a:r>
             <a:r>
-              <a:rPr lang="pt-BR" b="0" i="0" u="none" strike="noStrike" dirty="0">
+              <a:rPr lang="pt-BR" sz="2400" b="0" i="0" u="none" strike="noStrike" dirty="0">
                 <a:solidFill>
                   <a:srgbClr val="000000"/>
                 </a:solidFill>
@@ -6955,7 +6462,7 @@
               <a:t> </a:t>
             </a:r>
             <a:r>
-              <a:rPr lang="pt-BR" b="0" i="0" u="none" strike="noStrike" dirty="0" err="1">
+              <a:rPr lang="pt-BR" sz="2400" b="0" i="0" u="none" strike="noStrike" dirty="0" err="1">
                 <a:solidFill>
                   <a:srgbClr val="000000"/>
                 </a:solidFill>
@@ -6964,7 +6471,7 @@
               <a:t>Recognition</a:t>
             </a:r>
             <a:r>
-              <a:rPr lang="pt-BR" b="0" i="0" u="none" strike="noStrike" dirty="0">
+              <a:rPr lang="pt-BR" sz="2400" b="0" i="0" u="none" strike="noStrike" dirty="0">
                 <a:solidFill>
                   <a:srgbClr val="000000"/>
                 </a:solidFill>
@@ -6973,7 +6480,7 @@
               <a:t> </a:t>
             </a:r>
             <a:r>
-              <a:rPr lang="pt-BR" b="0" i="0" u="none" strike="noStrike" dirty="0" err="1">
+              <a:rPr lang="pt-BR" sz="2400" b="0" i="0" u="none" strike="noStrike" dirty="0" err="1">
                 <a:solidFill>
                   <a:srgbClr val="000000"/>
                 </a:solidFill>
@@ -6982,7 +6489,7 @@
               <a:t>and</a:t>
             </a:r>
             <a:r>
-              <a:rPr lang="pt-BR" b="0" i="0" u="none" strike="noStrike" dirty="0">
+              <a:rPr lang="pt-BR" sz="2400" b="0" i="0" u="none" strike="noStrike" dirty="0">
                 <a:solidFill>
                   <a:srgbClr val="000000"/>
                 </a:solidFill>
@@ -6990,7 +6497,7 @@
               </a:rPr>
               <a:t> Machine Learning", Springer, 2006.</a:t>
             </a:r>
-            <a:endParaRPr lang="pt-BR" b="0" dirty="0">
+            <a:endParaRPr lang="pt-BR" sz="2400" b="0" dirty="0">
               <a:effectLst/>
             </a:endParaRPr>
           </a:p>
@@ -7005,7 +6512,7 @@
               <a:buNone/>
             </a:pPr>
             <a:r>
-              <a:rPr lang="pt-BR" b="0" i="0" u="none" strike="noStrike" dirty="0">
+              <a:rPr lang="pt-BR" sz="2400" b="0" i="0" u="none" strike="noStrike" dirty="0">
                 <a:solidFill>
                   <a:srgbClr val="000000"/>
                 </a:solidFill>
@@ -7014,7 +6521,7 @@
               <a:t>[4] Sandro </a:t>
             </a:r>
             <a:r>
-              <a:rPr lang="pt-BR" b="0" i="0" u="none" strike="noStrike" dirty="0" err="1">
+              <a:rPr lang="pt-BR" sz="2400" b="0" i="0" u="none" strike="noStrike" dirty="0" err="1">
                 <a:solidFill>
                   <a:srgbClr val="000000"/>
                 </a:solidFill>
@@ -7023,7 +6530,7 @@
               <a:t>Skansi</a:t>
             </a:r>
             <a:r>
-              <a:rPr lang="pt-BR" dirty="0">
+              <a:rPr lang="pt-BR" sz="2400" dirty="0">
                 <a:solidFill>
                   <a:srgbClr val="000000"/>
                 </a:solidFill>
@@ -7031,7 +6538,7 @@
               <a:t>,</a:t>
             </a:r>
             <a:r>
-              <a:rPr lang="pt-BR" b="0" i="0" u="none" strike="noStrike" dirty="0">
+              <a:rPr lang="pt-BR" sz="2400" b="0" i="0" u="none" strike="noStrike" dirty="0">
                 <a:solidFill>
                   <a:srgbClr val="000000"/>
                 </a:solidFill>
@@ -7040,7 +6547,7 @@
               <a:t> “</a:t>
             </a:r>
             <a:r>
-              <a:rPr lang="pt-BR" b="0" i="0" u="none" strike="noStrike" dirty="0" err="1">
+              <a:rPr lang="pt-BR" sz="2400" b="0" i="0" u="none" strike="noStrike" dirty="0" err="1">
                 <a:solidFill>
                   <a:srgbClr val="000000"/>
                 </a:solidFill>
@@ -7049,7 +6556,7 @@
               <a:t>Introduction</a:t>
             </a:r>
             <a:r>
-              <a:rPr lang="pt-BR" b="0" i="0" u="none" strike="noStrike" dirty="0">
+              <a:rPr lang="pt-BR" sz="2400" b="0" i="0" u="none" strike="noStrike" dirty="0">
                 <a:solidFill>
                   <a:srgbClr val="000000"/>
                 </a:solidFill>
@@ -7058,7 +6565,7 @@
               <a:t> </a:t>
             </a:r>
             <a:r>
-              <a:rPr lang="pt-BR" b="0" i="0" u="none" strike="noStrike" dirty="0" err="1">
+              <a:rPr lang="pt-BR" sz="2400" b="0" i="0" u="none" strike="noStrike" dirty="0" err="1">
                 <a:solidFill>
                   <a:srgbClr val="000000"/>
                 </a:solidFill>
@@ -7067,7 +6574,7 @@
               <a:t>to</a:t>
             </a:r>
             <a:r>
-              <a:rPr lang="pt-BR" b="0" i="0" u="none" strike="noStrike" dirty="0">
+              <a:rPr lang="pt-BR" sz="2400" b="0" i="0" u="none" strike="noStrike" dirty="0">
                 <a:solidFill>
                   <a:srgbClr val="000000"/>
                 </a:solidFill>
@@ -7076,7 +6583,7 @@
               <a:t> </a:t>
             </a:r>
             <a:r>
-              <a:rPr lang="pt-BR" b="0" i="0" u="none" strike="noStrike" dirty="0" err="1">
+              <a:rPr lang="pt-BR" sz="2400" b="0" i="0" u="none" strike="noStrike" dirty="0" err="1">
                 <a:solidFill>
                   <a:srgbClr val="000000"/>
                 </a:solidFill>
@@ -7085,7 +6592,7 @@
               <a:t>deep</a:t>
             </a:r>
             <a:r>
-              <a:rPr lang="pt-BR" b="0" i="0" u="none" strike="noStrike" dirty="0">
+              <a:rPr lang="pt-BR" sz="2400" b="0" i="0" u="none" strike="noStrike" dirty="0">
                 <a:solidFill>
                   <a:srgbClr val="000000"/>
                 </a:solidFill>
@@ -7094,7 +6601,7 @@
               <a:t> learning: </a:t>
             </a:r>
             <a:r>
-              <a:rPr lang="pt-BR" b="0" i="0" u="none" strike="noStrike" dirty="0" err="1">
+              <a:rPr lang="pt-BR" sz="2400" b="0" i="0" u="none" strike="noStrike" dirty="0" err="1">
                 <a:solidFill>
                   <a:srgbClr val="000000"/>
                 </a:solidFill>
@@ -7103,7 +6610,7 @@
               <a:t>from</a:t>
             </a:r>
             <a:r>
-              <a:rPr lang="pt-BR" b="0" i="0" u="none" strike="noStrike" dirty="0">
+              <a:rPr lang="pt-BR" sz="2400" b="0" i="0" u="none" strike="noStrike" dirty="0">
                 <a:solidFill>
                   <a:srgbClr val="000000"/>
                 </a:solidFill>
@@ -7112,7 +6619,7 @@
               <a:t> </a:t>
             </a:r>
             <a:r>
-              <a:rPr lang="pt-BR" b="0" i="0" u="none" strike="noStrike" dirty="0" err="1">
+              <a:rPr lang="pt-BR" sz="2400" b="0" i="0" u="none" strike="noStrike" dirty="0" err="1">
                 <a:solidFill>
                   <a:srgbClr val="000000"/>
                 </a:solidFill>
@@ -7121,7 +6628,7 @@
               <a:t>logical</a:t>
             </a:r>
             <a:r>
-              <a:rPr lang="pt-BR" b="0" i="0" u="none" strike="noStrike" dirty="0">
+              <a:rPr lang="pt-BR" sz="2400" b="0" i="0" u="none" strike="noStrike" dirty="0">
                 <a:solidFill>
                   <a:srgbClr val="000000"/>
                 </a:solidFill>
@@ -7130,7 +6637,7 @@
               <a:t> </a:t>
             </a:r>
             <a:r>
-              <a:rPr lang="pt-BR" b="0" i="0" u="none" strike="noStrike" dirty="0" err="1">
+              <a:rPr lang="pt-BR" sz="2400" b="0" i="0" u="none" strike="noStrike" dirty="0" err="1">
                 <a:solidFill>
                   <a:srgbClr val="000000"/>
                 </a:solidFill>
@@ -7139,7 +6646,7 @@
               <a:t>calculus</a:t>
             </a:r>
             <a:r>
-              <a:rPr lang="pt-BR" b="0" i="0" u="none" strike="noStrike" dirty="0">
+              <a:rPr lang="pt-BR" sz="2400" b="0" i="0" u="none" strike="noStrike" dirty="0">
                 <a:solidFill>
                   <a:srgbClr val="000000"/>
                 </a:solidFill>
@@ -7148,7 +6655,7 @@
               <a:t> </a:t>
             </a:r>
             <a:r>
-              <a:rPr lang="pt-BR" b="0" i="0" u="none" strike="noStrike" dirty="0" err="1">
+              <a:rPr lang="pt-BR" sz="2400" b="0" i="0" u="none" strike="noStrike" dirty="0" err="1">
                 <a:solidFill>
                   <a:srgbClr val="000000"/>
                 </a:solidFill>
@@ -7157,7 +6664,7 @@
               <a:t>to</a:t>
             </a:r>
             <a:r>
-              <a:rPr lang="pt-BR" b="0" i="0" u="none" strike="noStrike" dirty="0">
+              <a:rPr lang="pt-BR" sz="2400" b="0" i="0" u="none" strike="noStrike" dirty="0">
                 <a:solidFill>
                   <a:srgbClr val="000000"/>
                 </a:solidFill>
@@ -7166,7 +6673,7 @@
               <a:t> artificial </a:t>
             </a:r>
             <a:r>
-              <a:rPr lang="pt-BR" b="0" i="0" u="none" strike="noStrike" dirty="0" err="1">
+              <a:rPr lang="pt-BR" sz="2400" b="0" i="0" u="none" strike="noStrike" dirty="0" err="1">
                 <a:solidFill>
                   <a:srgbClr val="000000"/>
                 </a:solidFill>
@@ -7175,7 +6682,7 @@
               <a:t>intelligence</a:t>
             </a:r>
             <a:r>
-              <a:rPr lang="pt-BR" b="0" i="0" u="none" strike="noStrike" dirty="0">
+              <a:rPr lang="pt-BR" sz="2400" b="0" i="0" u="none" strike="noStrike" dirty="0">
                 <a:solidFill>
                   <a:srgbClr val="000000"/>
                 </a:solidFill>
@@ -7184,7 +6691,7 @@
               <a:t>”, </a:t>
             </a:r>
             <a:r>
-              <a:rPr lang="pt-BR" b="0" i="0" u="none" strike="noStrike" dirty="0" err="1">
+              <a:rPr lang="pt-BR" sz="2400" b="0" i="0" u="none" strike="noStrike" dirty="0" err="1">
                 <a:solidFill>
                   <a:srgbClr val="000000"/>
                 </a:solidFill>
@@ -7193,7 +6700,7 @@
               <a:t>Cham</a:t>
             </a:r>
             <a:r>
-              <a:rPr lang="pt-BR" b="0" i="0" u="none" strike="noStrike" dirty="0">
+              <a:rPr lang="pt-BR" sz="2400" b="0" i="0" u="none" strike="noStrike" dirty="0">
                 <a:solidFill>
                   <a:srgbClr val="000000"/>
                 </a:solidFill>
@@ -7202,7 +6709,7 @@
               <a:t> - </a:t>
             </a:r>
             <a:r>
-              <a:rPr lang="pt-BR" b="0" i="0" u="none" strike="noStrike" dirty="0" err="1">
+              <a:rPr lang="pt-BR" sz="2400" b="0" i="0" u="none" strike="noStrike" dirty="0" err="1">
                 <a:solidFill>
                   <a:srgbClr val="000000"/>
                 </a:solidFill>
@@ -7211,7 +6718,7 @@
               <a:t>Suiça</a:t>
             </a:r>
             <a:r>
-              <a:rPr lang="pt-BR" b="0" i="0" u="none" strike="noStrike" dirty="0">
+              <a:rPr lang="pt-BR" sz="2400" b="0" i="0" u="none" strike="noStrike" dirty="0">
                 <a:solidFill>
                   <a:srgbClr val="000000"/>
                 </a:solidFill>
@@ -7219,7 +6726,7 @@
               </a:rPr>
               <a:t>: Editora Springer, 2018.</a:t>
             </a:r>
-            <a:endParaRPr lang="pt-BR" b="0" dirty="0">
+            <a:endParaRPr lang="pt-BR" sz="2400" b="0" dirty="0">
               <a:effectLst/>
             </a:endParaRPr>
           </a:p>
@@ -7234,7 +6741,7 @@
               <a:buNone/>
             </a:pPr>
             <a:r>
-              <a:rPr lang="pt-BR" b="0" i="0" u="none" strike="noStrike" dirty="0">
+              <a:rPr lang="pt-BR" sz="2400" b="0" i="0" u="none" strike="noStrike" dirty="0">
                 <a:solidFill>
                   <a:srgbClr val="000000"/>
                 </a:solidFill>
@@ -7243,7 +6750,7 @@
               <a:t>[5] Ian </a:t>
             </a:r>
             <a:r>
-              <a:rPr lang="pt-BR" b="0" i="0" u="none" strike="noStrike" dirty="0" err="1">
+              <a:rPr lang="pt-BR" sz="2400" b="0" i="0" u="none" strike="noStrike" dirty="0" err="1">
                 <a:solidFill>
                   <a:srgbClr val="000000"/>
                 </a:solidFill>
@@ -7252,7 +6759,7 @@
               <a:t>Goodfellow</a:t>
             </a:r>
             <a:r>
-              <a:rPr lang="pt-BR" b="0" i="0" u="none" strike="noStrike" dirty="0">
+              <a:rPr lang="pt-BR" sz="2400" b="0" i="0" u="none" strike="noStrike" dirty="0">
                 <a:solidFill>
                   <a:srgbClr val="000000"/>
                 </a:solidFill>
@@ -7261,7 +6768,7 @@
               <a:t>, </a:t>
             </a:r>
             <a:r>
-              <a:rPr lang="pt-BR" b="0" i="0" u="none" strike="noStrike" dirty="0" err="1">
+              <a:rPr lang="pt-BR" sz="2400" b="0" i="0" u="none" strike="noStrike" dirty="0" err="1">
                 <a:solidFill>
                   <a:srgbClr val="000000"/>
                 </a:solidFill>
@@ -7270,7 +6777,7 @@
               <a:t>Yoshua</a:t>
             </a:r>
             <a:r>
-              <a:rPr lang="pt-BR" b="0" i="0" u="none" strike="noStrike" dirty="0">
+              <a:rPr lang="pt-BR" sz="2400" b="0" i="0" u="none" strike="noStrike" dirty="0">
                 <a:solidFill>
                   <a:srgbClr val="000000"/>
                 </a:solidFill>
@@ -7279,7 +6786,7 @@
               <a:t> </a:t>
             </a:r>
             <a:r>
-              <a:rPr lang="pt-BR" b="0" i="0" u="none" strike="noStrike" dirty="0" err="1">
+              <a:rPr lang="pt-BR" sz="2400" b="0" i="0" u="none" strike="noStrike" dirty="0" err="1">
                 <a:solidFill>
                   <a:srgbClr val="000000"/>
                 </a:solidFill>
@@ -7288,7 +6795,7 @@
               <a:t>Bengio</a:t>
             </a:r>
             <a:r>
-              <a:rPr lang="pt-BR" b="0" i="0" u="none" strike="noStrike" dirty="0">
+              <a:rPr lang="pt-BR" sz="2400" b="0" i="0" u="none" strike="noStrike" dirty="0">
                 <a:solidFill>
                   <a:srgbClr val="000000"/>
                 </a:solidFill>
@@ -7297,7 +6804,7 @@
               <a:t>, </a:t>
             </a:r>
             <a:r>
-              <a:rPr lang="pt-BR" b="0" i="0" u="none" strike="noStrike" dirty="0" err="1">
+              <a:rPr lang="pt-BR" sz="2400" b="0" i="0" u="none" strike="noStrike" dirty="0" err="1">
                 <a:solidFill>
                   <a:srgbClr val="000000"/>
                 </a:solidFill>
@@ -7306,7 +6813,7 @@
               <a:t>and</a:t>
             </a:r>
             <a:r>
-              <a:rPr lang="pt-BR" b="0" i="0" u="none" strike="noStrike" dirty="0">
+              <a:rPr lang="pt-BR" sz="2400" b="0" i="0" u="none" strike="noStrike" dirty="0">
                 <a:solidFill>
                   <a:srgbClr val="000000"/>
                 </a:solidFill>
@@ -7315,7 +6822,7 @@
               <a:t> Aaron </a:t>
             </a:r>
             <a:r>
-              <a:rPr lang="pt-BR" b="0" i="0" u="none" strike="noStrike" dirty="0" err="1">
+              <a:rPr lang="pt-BR" sz="2400" b="0" i="0" u="none" strike="noStrike" dirty="0" err="1">
                 <a:solidFill>
                   <a:srgbClr val="000000"/>
                 </a:solidFill>
@@ -7324,7 +6831,7 @@
               <a:t>Courville</a:t>
             </a:r>
             <a:r>
-              <a:rPr lang="pt-BR" b="0" i="0" u="none" strike="noStrike" dirty="0">
+              <a:rPr lang="pt-BR" sz="2400" b="0" i="0" u="none" strike="noStrike" dirty="0">
                 <a:solidFill>
                   <a:srgbClr val="000000"/>
                 </a:solidFill>
@@ -7333,7 +6840,7 @@
               <a:t>. “</a:t>
             </a:r>
             <a:r>
-              <a:rPr lang="pt-BR" b="0" i="0" u="none" strike="noStrike" dirty="0" err="1">
+              <a:rPr lang="pt-BR" sz="2400" b="0" i="0" u="none" strike="noStrike" dirty="0" err="1">
                 <a:solidFill>
                   <a:srgbClr val="000000"/>
                 </a:solidFill>
@@ -7342,7 +6849,7 @@
               <a:t>Deep</a:t>
             </a:r>
             <a:r>
-              <a:rPr lang="pt-BR" b="0" i="0" u="none" strike="noStrike" dirty="0">
+              <a:rPr lang="pt-BR" sz="2400" b="0" i="0" u="none" strike="noStrike" dirty="0">
                 <a:solidFill>
                   <a:srgbClr val="000000"/>
                 </a:solidFill>
@@ -7350,7 +6857,7 @@
               </a:rPr>
               <a:t> Learning”. MIT Press 2016.</a:t>
             </a:r>
-            <a:endParaRPr lang="pt-BR" b="0" dirty="0">
+            <a:endParaRPr lang="pt-BR" sz="2400" b="0" dirty="0">
               <a:effectLst/>
             </a:endParaRPr>
           </a:p>
@@ -7365,7 +6872,7 @@
               <a:buNone/>
             </a:pPr>
             <a:r>
-              <a:rPr lang="pt-BR" b="0" i="0" u="none" strike="noStrike" dirty="0">
+              <a:rPr lang="pt-BR" sz="2400" b="0" i="0" u="none" strike="noStrike" dirty="0">
                 <a:solidFill>
                   <a:srgbClr val="000000"/>
                 </a:solidFill>
@@ -7374,7 +6881,7 @@
               <a:t>[6] Kevin P. Murphy. “Machine Learning: A </a:t>
             </a:r>
             <a:r>
-              <a:rPr lang="pt-BR" b="0" i="0" u="none" strike="noStrike" dirty="0" err="1">
+              <a:rPr lang="pt-BR" sz="2400" b="0" i="0" u="none" strike="noStrike" dirty="0" err="1">
                 <a:solidFill>
                   <a:srgbClr val="000000"/>
                 </a:solidFill>
@@ -7383,7 +6890,7 @@
               <a:t>Probabilistic</a:t>
             </a:r>
             <a:r>
-              <a:rPr lang="pt-BR" b="0" i="0" u="none" strike="noStrike" dirty="0">
+              <a:rPr lang="pt-BR" sz="2400" b="0" i="0" u="none" strike="noStrike" dirty="0">
                 <a:solidFill>
                   <a:srgbClr val="000000"/>
                 </a:solidFill>
@@ -7391,7 +6898,7 @@
               </a:rPr>
               <a:t> Perspective”, MIT Press 2012.</a:t>
             </a:r>
-            <a:endParaRPr lang="pt-BR" b="0" dirty="0">
+            <a:endParaRPr lang="pt-BR" sz="2400" b="0" dirty="0">
               <a:effectLst/>
             </a:endParaRPr>
           </a:p>
@@ -7406,7 +6913,7 @@
               <a:buNone/>
             </a:pPr>
             <a:r>
-              <a:rPr lang="pt-BR" b="0" i="0" u="none" strike="noStrike" dirty="0">
+              <a:rPr lang="pt-BR" sz="2400" b="0" i="0" u="none" strike="noStrike" dirty="0">
                 <a:solidFill>
                   <a:srgbClr val="000000"/>
                 </a:solidFill>
@@ -7415,7 +6922,7 @@
               <a:t>[7] </a:t>
             </a:r>
             <a:r>
-              <a:rPr lang="pt-BR" b="0" i="0" u="none" strike="noStrike" dirty="0" err="1">
+              <a:rPr lang="pt-BR" sz="2400" b="0" i="0" u="none" strike="noStrike" dirty="0" err="1">
                 <a:solidFill>
                   <a:srgbClr val="000000"/>
                 </a:solidFill>
@@ -7424,7 +6931,7 @@
               <a:t>Code</a:t>
             </a:r>
             <a:r>
-              <a:rPr lang="pt-BR" b="0" i="0" u="none" strike="noStrike" dirty="0">
+              <a:rPr lang="pt-BR" sz="2400" b="0" i="0" u="none" strike="noStrike" dirty="0">
                 <a:solidFill>
                   <a:srgbClr val="000000"/>
                 </a:solidFill>
@@ -7433,7 +6940,7 @@
               <a:t> </a:t>
             </a:r>
             <a:r>
-              <a:rPr lang="pt-BR" b="0" i="0" u="none" strike="noStrike" dirty="0" err="1">
+              <a:rPr lang="pt-BR" sz="2400" b="0" i="0" u="none" strike="noStrike" dirty="0" err="1">
                 <a:solidFill>
                   <a:srgbClr val="000000"/>
                 </a:solidFill>
@@ -7442,7 +6949,7 @@
               <a:t>examples</a:t>
             </a:r>
             <a:r>
-              <a:rPr lang="pt-BR" b="0" i="0" u="none" strike="noStrike" dirty="0">
+              <a:rPr lang="pt-BR" sz="2400" b="0" i="0" u="none" strike="noStrike" dirty="0">
                 <a:solidFill>
                   <a:srgbClr val="000000"/>
                 </a:solidFill>
@@ -7450,7 +6957,7 @@
               </a:rPr>
               <a:t>, https://keras.io/examples/</a:t>
             </a:r>
-            <a:endParaRPr lang="pt-BR" b="0" dirty="0">
+            <a:endParaRPr lang="pt-BR" sz="2400" b="0" dirty="0">
               <a:effectLst/>
             </a:endParaRPr>
           </a:p>

--- a/slides/TP558_1_Introdução_ao_curso.pptx
+++ b/slides/TP558_1_Introdução_ao_curso.pptx
@@ -15,12 +15,12 @@
     <p:sldId id="395" r:id="rId3"/>
     <p:sldId id="423" r:id="rId4"/>
     <p:sldId id="422" r:id="rId5"/>
-    <p:sldId id="424" r:id="rId6"/>
+    <p:sldId id="425" r:id="rId6"/>
     <p:sldId id="398" r:id="rId7"/>
-    <p:sldId id="425" r:id="rId8"/>
-    <p:sldId id="263" r:id="rId9"/>
-    <p:sldId id="298" r:id="rId10"/>
-    <p:sldId id="405" r:id="rId11"/>
+    <p:sldId id="424" r:id="rId8"/>
+    <p:sldId id="426" r:id="rId9"/>
+    <p:sldId id="263" r:id="rId10"/>
+    <p:sldId id="298" r:id="rId11"/>
     <p:sldId id="293" r:id="rId12"/>
     <p:sldId id="306" r:id="rId13"/>
   </p:sldIdLst>
@@ -286,7 +286,7 @@
           <a:p>
             <a:fld id="{144F1436-6906-4D93-B7A2-786C327BFA14}" type="datetimeFigureOut">
               <a:rPr lang="nl-BE" smtClean="0"/>
-              <a:t>13/02/2024</a:t>
+              <a:t>15/02/2024</a:t>
             </a:fld>
             <a:endParaRPr lang="nl-BE"/>
           </a:p>
@@ -451,7 +451,7 @@
           <a:p>
             <a:fld id="{AA8CD09E-2914-4F47-B6C1-51B2C31814C9}" type="datetimeFigureOut">
               <a:rPr lang="pt-BR" smtClean="0"/>
-              <a:t>13/02/2024</a:t>
+              <a:t>15/02/2024</a:t>
             </a:fld>
             <a:endParaRPr lang="pt-BR"/>
           </a:p>
@@ -1044,12 +1044,6 @@
           <a:bodyPr/>
           <a:lstStyle/>
           <a:p>
-            <a:r>
-              <a:rPr lang="pt-BR" dirty="0">
-                <a:hlinkClick r:id="rId3"/>
-              </a:rPr>
-              <a:t>books</a:t>
-            </a:r>
             <a:endParaRPr lang="pt-BR" dirty="0"/>
           </a:p>
         </p:txBody>
@@ -1071,7 +1065,7 @@
           <a:p>
             <a:fld id="{6FC8D850-966F-45A6-8DE7-15B891E7D40D}" type="slidenum">
               <a:rPr lang="pt-BR" smtClean="0"/>
-              <a:t>8</a:t>
+              <a:t>9</a:t>
             </a:fld>
             <a:endParaRPr lang="pt-BR"/>
           </a:p>
@@ -1081,93 +1075,6 @@
     <p:extLst>
       <p:ext uri="{BB962C8B-B14F-4D97-AF65-F5344CB8AC3E}">
         <p14:creationId xmlns:p14="http://schemas.microsoft.com/office/powerpoint/2010/main" val="928934584"/>
-      </p:ext>
-    </p:extLst>
-  </p:cSld>
-  <p:clrMapOvr>
-    <a:masterClrMapping/>
-  </p:clrMapOvr>
-</p:notes>
-</file>
-
-<file path=ppt/notesSlides/notesSlide5.xml><?xml version="1.0" encoding="utf-8"?>
-<p:notes xmlns:a="http://schemas.openxmlformats.org/drawingml/2006/main" xmlns:r="http://schemas.openxmlformats.org/officeDocument/2006/relationships" xmlns:p="http://schemas.openxmlformats.org/presentationml/2006/main">
-  <p:cSld>
-    <p:spTree>
-      <p:nvGrpSpPr>
-        <p:cNvPr id="1" name=""/>
-        <p:cNvGrpSpPr/>
-        <p:nvPr/>
-      </p:nvGrpSpPr>
-      <p:grpSpPr>
-        <a:xfrm>
-          <a:off x="0" y="0"/>
-          <a:ext cx="0" cy="0"/>
-          <a:chOff x="0" y="0"/>
-          <a:chExt cx="0" cy="0"/>
-        </a:xfrm>
-      </p:grpSpPr>
-      <p:sp>
-        <p:nvSpPr>
-          <p:cNvPr id="2" name="Espaço Reservado para Imagem de Slide 1"/>
-          <p:cNvSpPr>
-            <a:spLocks noGrp="1" noRot="1" noChangeAspect="1"/>
-          </p:cNvSpPr>
-          <p:nvPr>
-            <p:ph type="sldImg"/>
-          </p:nvPr>
-        </p:nvSpPr>
-        <p:spPr/>
-      </p:sp>
-      <p:sp>
-        <p:nvSpPr>
-          <p:cNvPr id="3" name="Espaço Reservado para Anotações 2"/>
-          <p:cNvSpPr>
-            <a:spLocks noGrp="1"/>
-          </p:cNvSpPr>
-          <p:nvPr>
-            <p:ph type="body" idx="1"/>
-          </p:nvPr>
-        </p:nvSpPr>
-        <p:spPr/>
-        <p:txBody>
-          <a:bodyPr/>
-          <a:lstStyle/>
-          <a:p>
-            <a:r>
-              <a:rPr lang="pt-BR" dirty="0"/>
-              <a:t>https://colab.research.google.com/github/zz4fap/tp557-iot-ml/blob/master/exercises/Exerc%C3%ADcios_sobre_Programa%C3%A7%C3%A3o_em_Python.ipynb</a:t>
-            </a:r>
-          </a:p>
-        </p:txBody>
-      </p:sp>
-      <p:sp>
-        <p:nvSpPr>
-          <p:cNvPr id="4" name="Espaço Reservado para Número de Slide 3"/>
-          <p:cNvSpPr>
-            <a:spLocks noGrp="1"/>
-          </p:cNvSpPr>
-          <p:nvPr>
-            <p:ph type="sldNum" sz="quarter" idx="5"/>
-          </p:nvPr>
-        </p:nvSpPr>
-        <p:spPr/>
-        <p:txBody>
-          <a:bodyPr/>
-          <a:lstStyle/>
-          <a:p>
-            <a:fld id="{6FC8D850-966F-45A6-8DE7-15B891E7D40D}" type="slidenum">
-              <a:rPr lang="pt-BR" smtClean="0"/>
-              <a:t>10</a:t>
-            </a:fld>
-            <a:endParaRPr lang="pt-BR"/>
-          </a:p>
-        </p:txBody>
-      </p:sp>
-    </p:spTree>
-    <p:extLst>
-      <p:ext uri="{BB962C8B-B14F-4D97-AF65-F5344CB8AC3E}">
-        <p14:creationId xmlns:p14="http://schemas.microsoft.com/office/powerpoint/2010/main" val="44743501"/>
       </p:ext>
     </p:extLst>
   </p:cSld>
@@ -1324,7 +1231,7 @@
           <a:p>
             <a:fld id="{63289F7E-B80B-496E-81B4-D396C37C9454}" type="datetimeFigureOut">
               <a:rPr lang="pt-BR" smtClean="0"/>
-              <a:t>13/02/2024</a:t>
+              <a:t>15/02/2024</a:t>
             </a:fld>
             <a:endParaRPr lang="pt-BR"/>
           </a:p>
@@ -1522,7 +1429,7 @@
           <a:p>
             <a:fld id="{63289F7E-B80B-496E-81B4-D396C37C9454}" type="datetimeFigureOut">
               <a:rPr lang="pt-BR" smtClean="0"/>
-              <a:t>13/02/2024</a:t>
+              <a:t>15/02/2024</a:t>
             </a:fld>
             <a:endParaRPr lang="pt-BR"/>
           </a:p>
@@ -1730,7 +1637,7 @@
           <a:p>
             <a:fld id="{63289F7E-B80B-496E-81B4-D396C37C9454}" type="datetimeFigureOut">
               <a:rPr lang="pt-BR" smtClean="0"/>
-              <a:t>13/02/2024</a:t>
+              <a:t>15/02/2024</a:t>
             </a:fld>
             <a:endParaRPr lang="pt-BR"/>
           </a:p>
@@ -1928,7 +1835,7 @@
           <a:p>
             <a:fld id="{63289F7E-B80B-496E-81B4-D396C37C9454}" type="datetimeFigureOut">
               <a:rPr lang="pt-BR" smtClean="0"/>
-              <a:t>13/02/2024</a:t>
+              <a:t>15/02/2024</a:t>
             </a:fld>
             <a:endParaRPr lang="pt-BR"/>
           </a:p>
@@ -2203,7 +2110,7 @@
           <a:p>
             <a:fld id="{63289F7E-B80B-496E-81B4-D396C37C9454}" type="datetimeFigureOut">
               <a:rPr lang="pt-BR" smtClean="0"/>
-              <a:t>13/02/2024</a:t>
+              <a:t>15/02/2024</a:t>
             </a:fld>
             <a:endParaRPr lang="pt-BR"/>
           </a:p>
@@ -2468,7 +2375,7 @@
           <a:p>
             <a:fld id="{63289F7E-B80B-496E-81B4-D396C37C9454}" type="datetimeFigureOut">
               <a:rPr lang="pt-BR" smtClean="0"/>
-              <a:t>13/02/2024</a:t>
+              <a:t>15/02/2024</a:t>
             </a:fld>
             <a:endParaRPr lang="pt-BR"/>
           </a:p>
@@ -2880,7 +2787,7 @@
           <a:p>
             <a:fld id="{63289F7E-B80B-496E-81B4-D396C37C9454}" type="datetimeFigureOut">
               <a:rPr lang="pt-BR" smtClean="0"/>
-              <a:t>13/02/2024</a:t>
+              <a:t>15/02/2024</a:t>
             </a:fld>
             <a:endParaRPr lang="pt-BR"/>
           </a:p>
@@ -3021,7 +2928,7 @@
           <a:p>
             <a:fld id="{63289F7E-B80B-496E-81B4-D396C37C9454}" type="datetimeFigureOut">
               <a:rPr lang="pt-BR" smtClean="0"/>
-              <a:t>13/02/2024</a:t>
+              <a:t>15/02/2024</a:t>
             </a:fld>
             <a:endParaRPr lang="pt-BR"/>
           </a:p>
@@ -3134,7 +3041,7 @@
           <a:p>
             <a:fld id="{63289F7E-B80B-496E-81B4-D396C37C9454}" type="datetimeFigureOut">
               <a:rPr lang="pt-BR" smtClean="0"/>
-              <a:t>13/02/2024</a:t>
+              <a:t>15/02/2024</a:t>
             </a:fld>
             <a:endParaRPr lang="pt-BR"/>
           </a:p>
@@ -3445,7 +3352,7 @@
           <a:p>
             <a:fld id="{63289F7E-B80B-496E-81B4-D396C37C9454}" type="datetimeFigureOut">
               <a:rPr lang="pt-BR" smtClean="0"/>
-              <a:t>13/02/2024</a:t>
+              <a:t>15/02/2024</a:t>
             </a:fld>
             <a:endParaRPr lang="pt-BR"/>
           </a:p>
@@ -3733,7 +3640,7 @@
           <a:p>
             <a:fld id="{63289F7E-B80B-496E-81B4-D396C37C9454}" type="datetimeFigureOut">
               <a:rPr lang="pt-BR" smtClean="0"/>
-              <a:t>13/02/2024</a:t>
+              <a:t>15/02/2024</a:t>
             </a:fld>
             <a:endParaRPr lang="pt-BR"/>
           </a:p>
@@ -3974,7 +3881,7 @@
           <a:p>
             <a:fld id="{63289F7E-B80B-496E-81B4-D396C37C9454}" type="datetimeFigureOut">
               <a:rPr lang="pt-BR" smtClean="0"/>
-              <a:t>13/02/2024</a:t>
+              <a:t>15/02/2024</a:t>
             </a:fld>
             <a:endParaRPr lang="pt-BR"/>
           </a:p>
@@ -4596,13 +4503,7 @@
       </p:grpSpPr>
       <p:sp>
         <p:nvSpPr>
-          <p:cNvPr id="2" name="Título 1">
-            <a:extLst>
-              <a:ext uri="{FF2B5EF4-FFF2-40B4-BE49-F238E27FC236}">
-                <a16:creationId xmlns:a16="http://schemas.microsoft.com/office/drawing/2014/main" id="{2755BD9F-A5F9-C006-2D60-3988AFB742AA}"/>
-              </a:ext>
-            </a:extLst>
-          </p:cNvPr>
+          <p:cNvPr id="2" name="Title 1"/>
           <p:cNvSpPr>
             <a:spLocks noGrp="1"/>
           </p:cNvSpPr>
@@ -4616,60 +4517,150 @@
           <a:lstStyle/>
           <a:p>
             <a:r>
+              <a:rPr lang="en-US" dirty="0" err="1"/>
+              <a:t>Avisos</a:t>
+            </a:r>
+            <a:endParaRPr lang="nl-BE" dirty="0"/>
+          </a:p>
+        </p:txBody>
+      </p:sp>
+      <p:sp>
+        <p:nvSpPr>
+          <p:cNvPr id="3" name="Content Placeholder 2"/>
+          <p:cNvSpPr>
+            <a:spLocks noGrp="1"/>
+          </p:cNvSpPr>
+          <p:nvPr>
+            <p:ph idx="1"/>
+          </p:nvPr>
+        </p:nvSpPr>
+        <p:spPr>
+          <a:xfrm>
+            <a:off x="838199" y="1825624"/>
+            <a:ext cx="11104419" cy="5032376"/>
+          </a:xfrm>
+        </p:spPr>
+        <p:txBody>
+          <a:bodyPr>
+            <a:normAutofit/>
+          </a:bodyPr>
+          <a:lstStyle/>
+          <a:p>
+            <a:r>
               <a:rPr lang="pt-BR" dirty="0"/>
-              <a:t>Atividades</a:t>
-            </a:r>
-          </a:p>
-        </p:txBody>
-      </p:sp>
-      <p:sp>
-        <p:nvSpPr>
-          <p:cNvPr id="3" name="Espaço Reservado para Conteúdo 2">
-            <a:extLst>
-              <a:ext uri="{FF2B5EF4-FFF2-40B4-BE49-F238E27FC236}">
-                <a16:creationId xmlns:a16="http://schemas.microsoft.com/office/drawing/2014/main" id="{DE398648-3AD3-9986-3010-6210876DC9B1}"/>
-              </a:ext>
-            </a:extLst>
-          </p:cNvPr>
-          <p:cNvSpPr>
-            <a:spLocks noGrp="1"/>
-          </p:cNvSpPr>
-          <p:nvPr>
-            <p:ph idx="1"/>
-          </p:nvPr>
-        </p:nvSpPr>
-        <p:spPr/>
-        <p:txBody>
-          <a:bodyPr/>
-          <a:lstStyle/>
+              <a:t>Todo material do curso está disponível no GitHub:</a:t>
+            </a:r>
+          </a:p>
+          <a:p>
+            <a:pPr lvl="1">
+              <a:buFont typeface="Wingdings" panose="05000000000000000000" pitchFamily="2" charset="2"/>
+              <a:buChar char="§"/>
+            </a:pPr>
+            <a:r>
+              <a:rPr lang="pt-BR" dirty="0">
+                <a:hlinkClick r:id="rId2"/>
+              </a:rPr>
+              <a:t>https://github.com/zz4fap/tp558-adv-ml</a:t>
+            </a:r>
+            <a:endParaRPr lang="pt-BR" dirty="0"/>
+          </a:p>
           <a:p>
             <a:r>
               <a:rPr lang="pt-BR" dirty="0"/>
-              <a:t>Quiz: “</a:t>
-            </a:r>
-            <a:r>
-              <a:rPr lang="pt-BR" b="1" i="1" dirty="0"/>
-              <a:t>TP557 – Introdução</a:t>
-            </a:r>
-            <a:r>
-              <a:rPr lang="pt-BR" dirty="0"/>
-              <a:t>”</a:t>
-            </a:r>
-          </a:p>
-          <a:p>
-            <a:r>
-              <a:rPr lang="pt-BR" dirty="0"/>
-              <a:t>Exercícios: </a:t>
-            </a:r>
+              <a:t>Google </a:t>
+            </a:r>
+            <a:r>
+              <a:rPr lang="pt-BR" dirty="0" err="1"/>
+              <a:t>Colab</a:t>
+            </a:r>
+            <a:endParaRPr lang="pt-BR" dirty="0"/>
+          </a:p>
+          <a:p>
+            <a:pPr lvl="1">
+              <a:buFont typeface="Wingdings" panose="05000000000000000000" pitchFamily="2" charset="2"/>
+              <a:buChar char="§"/>
+            </a:pPr>
             <a:r>
               <a:rPr lang="pt-BR" dirty="0">
                 <a:hlinkClick r:id="rId3"/>
               </a:rPr>
-              <a:t>Programação em Python</a:t>
-            </a:r>
+              <a:t>https://www.youtube.com/watch?v=inN8seMm7UI&amp;ab_channel=TensorFlow</a:t>
+            </a:r>
+          </a:p>
+          <a:p>
+            <a:pPr lvl="1">
+              <a:buFont typeface="Wingdings" panose="05000000000000000000" pitchFamily="2" charset="2"/>
+              <a:buChar char="§"/>
+            </a:pPr>
+            <a:r>
+              <a:rPr lang="pt-BR" b="0" i="0" dirty="0">
+                <a:solidFill>
+                  <a:srgbClr val="222222"/>
+                </a:solidFill>
+                <a:effectLst/>
+                <a:latin typeface="Arial" panose="020B0604020202020204" pitchFamily="34" charset="0"/>
+                <a:hlinkClick r:id="rId4"/>
+              </a:rPr>
+              <a:t>https://www.youtube.com/watch?v=inN8seMm7UI</a:t>
+            </a:r>
+            <a:endParaRPr lang="pt-BR" b="0" i="0" dirty="0">
+              <a:solidFill>
+                <a:srgbClr val="222222"/>
+              </a:solidFill>
+              <a:effectLst/>
+              <a:latin typeface="Arial" panose="020B0604020202020204" pitchFamily="34" charset="0"/>
+            </a:endParaRPr>
+          </a:p>
+          <a:p>
             <a:r>
               <a:rPr lang="pt-BR" dirty="0"/>
-              <a:t>.</a:t>
+              <a:t>Python Crash </a:t>
+            </a:r>
+            <a:r>
+              <a:rPr lang="pt-BR" dirty="0" err="1"/>
+              <a:t>Course</a:t>
+            </a:r>
+            <a:endParaRPr lang="pt-BR" dirty="0">
+              <a:hlinkClick r:id="rId3"/>
+            </a:endParaRPr>
+          </a:p>
+          <a:p>
+            <a:pPr lvl="1">
+              <a:buFont typeface="Wingdings" panose="05000000000000000000" pitchFamily="2" charset="2"/>
+              <a:buChar char="§"/>
+            </a:pPr>
+            <a:r>
+              <a:rPr lang="pt-BR" dirty="0">
+                <a:hlinkClick r:id="rId3"/>
+              </a:rPr>
+              <a:t>https://www.youtube.com/watch?v=pq4NNIYar9o&amp;list=PLRc6ZYt68prVXAhwY1JD6DFc3BJGmJriq&amp;pp=gAQBiAQB</a:t>
+            </a:r>
+            <a:endParaRPr lang="pt-BR" dirty="0"/>
+          </a:p>
+          <a:p>
+            <a:r>
+              <a:rPr lang="pt-BR" dirty="0"/>
+              <a:t>Horário de Atendimento</a:t>
+            </a:r>
+          </a:p>
+          <a:p>
+            <a:pPr lvl="1">
+              <a:buFont typeface="Wingdings" panose="05000000000000000000" pitchFamily="2" charset="2"/>
+              <a:buChar char="§"/>
+            </a:pPr>
+            <a:r>
+              <a:rPr lang="pt-BR" dirty="0"/>
+              <a:t>Todas as quartas-feiras das 17:30 às 18:30.</a:t>
+            </a:r>
+          </a:p>
+          <a:p>
+            <a:pPr lvl="1">
+              <a:buFont typeface="Wingdings" panose="05000000000000000000" pitchFamily="2" charset="2"/>
+              <a:buChar char="§"/>
+            </a:pPr>
+            <a:r>
+              <a:rPr lang="pt-BR" dirty="0"/>
+              <a:t>Presencialmente ou remotamente.</a:t>
             </a:r>
           </a:p>
         </p:txBody>
@@ -4677,7 +4668,7 @@
     </p:spTree>
     <p:extLst>
       <p:ext uri="{BB962C8B-B14F-4D97-AF65-F5344CB8AC3E}">
-        <p14:creationId xmlns:p14="http://schemas.microsoft.com/office/powerpoint/2010/main" val="2918520294"/>
+        <p14:creationId xmlns:p14="http://schemas.microsoft.com/office/powerpoint/2010/main" val="1412900488"/>
       </p:ext>
     </p:extLst>
   </p:cSld>
@@ -5187,7 +5178,7 @@
                   <a:srgbClr val="000000"/>
                 </a:solidFill>
               </a:rPr>
-              <a:t>Na última semana do curso, os alunos deverão apresentar um projeto final, incluindo um relatório em formato de artigo científico, envolvendo a aplicação de um algoritmo avançado de RN a um problema de sua escolha ou sugerido pelo professor.</a:t>
+              <a:t>Ao final do curso, os alunos deverão apresentar um projeto final, incluindo um relatório em formato de artigo científico, envolvendo a aplicação de um algoritmo avançado de RN a um problema de sua escolha (de preferência, alinhado com sua pesquisa).</a:t>
             </a:r>
           </a:p>
           <a:p>
@@ -5466,7 +5457,13 @@
   <p:cSld>
     <p:spTree>
       <p:nvGrpSpPr>
-        <p:cNvPr id="1" name=""/>
+        <p:cNvPr id="1" name="">
+          <a:extLst>
+            <a:ext uri="{FF2B5EF4-FFF2-40B4-BE49-F238E27FC236}">
+              <a16:creationId xmlns:a16="http://schemas.microsoft.com/office/drawing/2014/main" id="{AF4399CC-3894-D100-1945-D7D23AA96EB1}"/>
+            </a:ext>
+          </a:extLst>
+        </p:cNvPr>
         <p:cNvGrpSpPr/>
         <p:nvPr/>
       </p:nvGrpSpPr>
@@ -5483,7 +5480,7 @@
           <p:cNvPr id="2" name="Título 1">
             <a:extLst>
               <a:ext uri="{FF2B5EF4-FFF2-40B4-BE49-F238E27FC236}">
-                <a16:creationId xmlns:a16="http://schemas.microsoft.com/office/drawing/2014/main" id="{81B87840-628C-E82C-47FA-C888AB409B21}"/>
+                <a16:creationId xmlns:a16="http://schemas.microsoft.com/office/drawing/2014/main" id="{424E490C-8C95-5D8F-8A93-456C393F644A}"/>
               </a:ext>
             </a:extLst>
           </p:cNvPr>
@@ -5499,7 +5496,10 @@
           <a:bodyPr/>
           <a:lstStyle/>
           <a:p>
-            <a:endParaRPr lang="pt-BR" dirty="0"/>
+            <a:r>
+              <a:rPr lang="pt-BR" dirty="0"/>
+              <a:t>Sobre o curso</a:t>
+            </a:r>
           </a:p>
         </p:txBody>
       </p:sp>
@@ -5508,7 +5508,7 @@
           <p:cNvPr id="3" name="Espaço Reservado para Conteúdo 2">
             <a:extLst>
               <a:ext uri="{FF2B5EF4-FFF2-40B4-BE49-F238E27FC236}">
-                <a16:creationId xmlns:a16="http://schemas.microsoft.com/office/drawing/2014/main" id="{60B96892-6767-8A98-62CA-E3A197F37080}"/>
+                <a16:creationId xmlns:a16="http://schemas.microsoft.com/office/drawing/2014/main" id="{D99B10BC-34CB-F110-CB4D-6CF6043930ED}"/>
               </a:ext>
             </a:extLst>
           </p:cNvPr>
@@ -5519,19 +5519,87 @@
             <p:ph idx="1"/>
           </p:nvPr>
         </p:nvSpPr>
-        <p:spPr/>
-        <p:txBody>
-          <a:bodyPr/>
+        <p:spPr>
+          <a:xfrm>
+            <a:off x="838200" y="1825624"/>
+            <a:ext cx="11154508" cy="5032375"/>
+          </a:xfrm>
+        </p:spPr>
+        <p:txBody>
+          <a:bodyPr>
+            <a:normAutofit/>
+          </a:bodyPr>
           <a:lstStyle/>
           <a:p>
-            <a:endParaRPr lang="pt-BR"/>
+            <a:pPr algn="just">
+              <a:spcBef>
+                <a:spcPts val="0"/>
+              </a:spcBef>
+            </a:pPr>
+            <a:r>
+              <a:rPr lang="pt-BR" b="1" dirty="0"/>
+              <a:t>Repositório</a:t>
+            </a:r>
+          </a:p>
+          <a:p>
+            <a:pPr lvl="1" algn="just">
+              <a:spcBef>
+                <a:spcPts val="0"/>
+              </a:spcBef>
+            </a:pPr>
+            <a:r>
+              <a:rPr lang="pt-BR" dirty="0"/>
+              <a:t>Criem um </a:t>
+            </a:r>
+            <a:r>
+              <a:rPr lang="pt-BR"/>
+              <a:t>repositório público no </a:t>
+            </a:r>
+            <a:r>
+              <a:rPr lang="pt-BR" dirty="0" err="1"/>
+              <a:t>github</a:t>
+            </a:r>
+            <a:r>
+              <a:rPr lang="pt-BR" dirty="0"/>
+              <a:t> para armazenar o material gerado durante todo o curso, e.g., materiais dos seminários, proposta de projeto, projeto final, etc.</a:t>
+            </a:r>
+          </a:p>
+          <a:p>
+            <a:pPr lvl="1" algn="just">
+              <a:spcBef>
+                <a:spcPts val="0"/>
+              </a:spcBef>
+            </a:pPr>
+            <a:r>
+              <a:rPr lang="pt-BR" dirty="0"/>
+              <a:t>Criem pastas distintas para cada seminário, para o projeto final e qualquer outro material que seja gerado durante o curso.</a:t>
+            </a:r>
+          </a:p>
+          <a:p>
+            <a:pPr lvl="1" algn="just">
+              <a:spcBef>
+                <a:spcPts val="0"/>
+              </a:spcBef>
+            </a:pPr>
+            <a:r>
+              <a:rPr lang="pt-BR" dirty="0"/>
+              <a:t>Enviem o endereço do repositório para o professor via </a:t>
+            </a:r>
+            <a:r>
+              <a:rPr lang="pt-BR" dirty="0" err="1"/>
+              <a:t>email</a:t>
+            </a:r>
+            <a:r>
+              <a:rPr lang="pt-BR" dirty="0"/>
+              <a:t>.</a:t>
+            </a:r>
           </a:p>
         </p:txBody>
       </p:sp>
     </p:spTree>
     <p:extLst>
       <p:ext uri="{BB962C8B-B14F-4D97-AF65-F5344CB8AC3E}">
-        <p14:creationId xmlns:p14="http://schemas.microsoft.com/office/powerpoint/2010/main" val="1970035448"/>
+        <p14:creationId xmlns:p14="http://schemas.microsoft.com/office/powerpoint/2010/main" val="238020498"/>
       </p:ext>
     </p:extLst>
   </p:cSld>
@@ -5609,7 +5677,9 @@
           </a:xfrm>
         </p:spPr>
         <p:txBody>
-          <a:bodyPr/>
+          <a:bodyPr>
+            <a:normAutofit/>
+          </a:bodyPr>
           <a:lstStyle/>
           <a:p>
             <a:pPr marL="0" indent="0" rtl="0" fontAlgn="base">
@@ -5634,7 +5704,33 @@
             </a:pPr>
             <a:r>
               <a:rPr lang="pt-BR" dirty="0"/>
-              <a:t>Seminários (S): 45%</a:t>
+              <a:t>Seminários (S): 40%</a:t>
+            </a:r>
+          </a:p>
+          <a:p>
+            <a:pPr lvl="2" fontAlgn="base">
+              <a:spcBef>
+                <a:spcPts val="0"/>
+              </a:spcBef>
+              <a:buFont typeface="Wingdings" panose="05000000000000000000" pitchFamily="2" charset="2"/>
+              <a:buChar char="§"/>
+            </a:pPr>
+            <a:r>
+              <a:rPr lang="pt-BR" dirty="0"/>
+              <a:t>Cada aluno irá estudar alguns algoritmos e apresentar aos demais.</a:t>
+            </a:r>
+          </a:p>
+          <a:p>
+            <a:pPr lvl="2" fontAlgn="base">
+              <a:spcBef>
+                <a:spcPts val="0"/>
+              </a:spcBef>
+              <a:buFont typeface="Wingdings" panose="05000000000000000000" pitchFamily="2" charset="2"/>
+              <a:buChar char="§"/>
+            </a:pPr>
+            <a:r>
+              <a:rPr lang="pt-BR" dirty="0"/>
+              <a:t>Uma a duas semanas para estudo, preparação da apresentação e quiz.</a:t>
             </a:r>
           </a:p>
           <a:p>
@@ -5644,12 +5740,8 @@
               </a:spcBef>
             </a:pPr>
             <a:r>
-              <a:rPr lang="pt-BR" dirty="0" err="1"/>
-              <a:t>Quizzes</a:t>
-            </a:r>
-            <a:r>
               <a:rPr lang="pt-BR" dirty="0"/>
-              <a:t> (Q): 15%</a:t>
+              <a:t>Quizzes (Q): 10%</a:t>
             </a:r>
           </a:p>
           <a:p>
@@ -5657,14 +5749,12 @@
               <a:spcBef>
                 <a:spcPts val="0"/>
               </a:spcBef>
+              <a:buFont typeface="Wingdings" panose="05000000000000000000" pitchFamily="2" charset="2"/>
+              <a:buChar char="§"/>
             </a:pPr>
             <a:r>
-              <a:rPr lang="pt-BR" dirty="0" err="1"/>
-              <a:t>Quizzes</a:t>
-            </a:r>
-            <a:r>
               <a:rPr lang="pt-BR" dirty="0"/>
-              <a:t> preparados pelos alunos.</a:t>
+              <a:t>Resolução dos quizzes preparados pelos alunos.</a:t>
             </a:r>
           </a:p>
           <a:p>
@@ -5675,62 +5765,113 @@
             </a:pPr>
             <a:r>
               <a:rPr lang="pt-BR" dirty="0"/>
-              <a:t>Projeto final (PF): 40%</a:t>
+              <a:t>Proposta do projeto final (PPF): 20%</a:t>
             </a:r>
           </a:p>
           <a:p>
             <a:pPr lvl="2">
+              <a:lnSpc>
+                <a:spcPct val="100000"/>
+              </a:lnSpc>
+              <a:spcBef>
+                <a:spcPts val="0"/>
+              </a:spcBef>
               <a:buFont typeface="Wingdings" panose="05000000000000000000" pitchFamily="2" charset="2"/>
               <a:buChar char="§"/>
             </a:pPr>
             <a:r>
               <a:rPr lang="pt-BR" dirty="0"/>
-              <a:t>Proposta de projeto final prático (ao final do segundo mês)</a:t>
+              <a:t>Projeto prático com tema escolhido pelos alunos.</a:t>
             </a:r>
           </a:p>
           <a:p>
             <a:pPr lvl="2">
+              <a:lnSpc>
+                <a:spcPct val="100000"/>
+              </a:lnSpc>
+              <a:spcBef>
+                <a:spcPts val="0"/>
+              </a:spcBef>
               <a:buFont typeface="Wingdings" panose="05000000000000000000" pitchFamily="2" charset="2"/>
               <a:buChar char="§"/>
             </a:pPr>
             <a:r>
               <a:rPr lang="pt-BR" dirty="0"/>
-              <a:t>Projeto prático unindo IoT e ML.</a:t>
-            </a:r>
-          </a:p>
-          <a:p>
-            <a:pPr lvl="2">
+              <a:t>Um aluno por projeto.</a:t>
+            </a:r>
+          </a:p>
+          <a:p>
+            <a:pPr lvl="2" fontAlgn="base">
+              <a:lnSpc>
+                <a:spcPct val="100000"/>
+              </a:lnSpc>
+              <a:spcBef>
+                <a:spcPts val="0"/>
+              </a:spcBef>
               <a:buFont typeface="Wingdings" panose="05000000000000000000" pitchFamily="2" charset="2"/>
               <a:buChar char="§"/>
             </a:pPr>
             <a:r>
               <a:rPr lang="pt-BR" dirty="0"/>
-              <a:t>Até dois (2) alunos por projeto.</a:t>
-            </a:r>
-          </a:p>
-          <a:p>
-            <a:pPr lvl="2">
+              <a:t>Deve ser entregue ao final do segundo mês.</a:t>
+            </a:r>
+          </a:p>
+          <a:p>
+            <a:pPr lvl="1" fontAlgn="base">
+              <a:spcBef>
+                <a:spcPts val="0"/>
+              </a:spcBef>
+            </a:pPr>
+            <a:r>
+              <a:rPr lang="pt-BR" dirty="0"/>
+              <a:t>Projeto final (PF): 30%</a:t>
+            </a:r>
+          </a:p>
+          <a:p>
+            <a:pPr lvl="2" fontAlgn="base">
+              <a:spcBef>
+                <a:spcPts val="0"/>
+              </a:spcBef>
               <a:buFont typeface="Wingdings" panose="05000000000000000000" pitchFamily="2" charset="2"/>
               <a:buChar char="§"/>
             </a:pPr>
             <a:r>
               <a:rPr lang="pt-BR" dirty="0"/>
-              <a:t>Tema deve ser escolhido por vocês.</a:t>
-            </a:r>
-          </a:p>
-          <a:p>
-            <a:pPr marL="914400" lvl="2" indent="0">
+              <a:t>Apresentação na última semana de aula.</a:t>
+            </a:r>
+          </a:p>
+          <a:p>
+            <a:pPr lvl="2" fontAlgn="base">
+              <a:spcBef>
+                <a:spcPts val="0"/>
+              </a:spcBef>
+              <a:buFont typeface="Wingdings" panose="05000000000000000000" pitchFamily="2" charset="2"/>
+              <a:buChar char="§"/>
+            </a:pPr>
+            <a:r>
+              <a:rPr lang="pt-BR" dirty="0"/>
+              <a:t>Entrega de relatório em formato de artigo científico.</a:t>
+            </a:r>
+          </a:p>
+          <a:p>
+            <a:pPr marL="0" indent="0" fontAlgn="base">
+              <a:spcBef>
+                <a:spcPts val="0"/>
+              </a:spcBef>
               <a:buNone/>
             </a:pPr>
             <a:endParaRPr lang="pt-BR" dirty="0"/>
           </a:p>
           <a:p>
-            <a:pPr marL="0" indent="0" algn="ctr">
+            <a:pPr marL="0" indent="0" algn="ctr" fontAlgn="base">
+              <a:spcBef>
+                <a:spcPts val="0"/>
+              </a:spcBef>
               <a:buNone/>
             </a:pPr>
             <a:r>
               <a:rPr lang="pt-BR" dirty="0"/>
-              <a:t>NF = S*45% + Q*15% + PF*40%</a:t>
+              <a:t>NF = S*40% + Q*10% + PPF*20% + PF*30%</a:t>
             </a:r>
           </a:p>
         </p:txBody>
@@ -5787,7 +5928,7 @@
         </p:blipFill>
         <p:spPr>
           <a:xfrm>
-            <a:off x="9468474" y="2507340"/>
+            <a:off x="9555560" y="2686727"/>
             <a:ext cx="2533650" cy="1809750"/>
           </a:xfrm>
           <a:prstGeom prst="rect">
@@ -5817,7 +5958,7 @@
         </p:blipFill>
         <p:spPr>
           <a:xfrm>
-            <a:off x="8731046" y="4998806"/>
+            <a:off x="8956795" y="5084433"/>
             <a:ext cx="2868291" cy="1606243"/>
           </a:xfrm>
           <a:prstGeom prst="rect">
@@ -5825,51 +5966,6 @@
           </a:prstGeom>
         </p:spPr>
       </p:pic>
-      <p:sp>
-        <p:nvSpPr>
-          <p:cNvPr id="8" name="CaixaDeTexto 7">
-            <a:extLst>
-              <a:ext uri="{FF2B5EF4-FFF2-40B4-BE49-F238E27FC236}">
-                <a16:creationId xmlns:a16="http://schemas.microsoft.com/office/drawing/2014/main" id="{EF67D03D-6255-5FEF-77B2-EDE569BE67A1}"/>
-              </a:ext>
-            </a:extLst>
-          </p:cNvPr>
-          <p:cNvSpPr txBox="1"/>
-          <p:nvPr/>
-        </p:nvSpPr>
-        <p:spPr>
-          <a:xfrm>
-            <a:off x="0" y="6581001"/>
-            <a:ext cx="6096000" cy="276999"/>
-          </a:xfrm>
-          <a:prstGeom prst="rect">
-            <a:avLst/>
-          </a:prstGeom>
-          <a:noFill/>
-        </p:spPr>
-        <p:txBody>
-          <a:bodyPr wrap="square">
-            <a:spAutoFit/>
-          </a:bodyPr>
-          <a:lstStyle/>
-          <a:p>
-            <a:pPr marL="0" indent="0">
-              <a:buNone/>
-            </a:pPr>
-            <a:r>
-              <a:rPr lang="pt-BR" sz="1200" b="0" i="0" u="none" strike="noStrike" dirty="0">
-                <a:solidFill>
-                  <a:srgbClr val="000000"/>
-                </a:solidFill>
-                <a:effectLst/>
-                <a:latin typeface="Arial" panose="020B0604020202020204" pitchFamily="34" charset="0"/>
-              </a:rPr>
-              <a:t>*Dependendo do número de alunos, as apresentações poderão ser em grupo.</a:t>
-            </a:r>
-            <a:endParaRPr lang="pt-BR" sz="1200" dirty="0"/>
-          </a:p>
-        </p:txBody>
-      </p:sp>
     </p:spTree>
     <p:extLst>
       <p:ext uri="{BB962C8B-B14F-4D97-AF65-F5344CB8AC3E}">
@@ -5888,13 +5984,7 @@
   <p:cSld>
     <p:spTree>
       <p:nvGrpSpPr>
-        <p:cNvPr id="1" name="">
-          <a:extLst>
-            <a:ext uri="{FF2B5EF4-FFF2-40B4-BE49-F238E27FC236}">
-              <a16:creationId xmlns:a16="http://schemas.microsoft.com/office/drawing/2014/main" id="{AF4399CC-3894-D100-1945-D7D23AA96EB1}"/>
-            </a:ext>
-          </a:extLst>
-        </p:cNvPr>
+        <p:cNvPr id="1" name=""/>
         <p:cNvGrpSpPr/>
         <p:nvPr/>
       </p:nvGrpSpPr>
@@ -5911,7 +6001,7 @@
           <p:cNvPr id="2" name="Título 1">
             <a:extLst>
               <a:ext uri="{FF2B5EF4-FFF2-40B4-BE49-F238E27FC236}">
-                <a16:creationId xmlns:a16="http://schemas.microsoft.com/office/drawing/2014/main" id="{424E490C-8C95-5D8F-8A93-456C393F644A}"/>
+                <a16:creationId xmlns:a16="http://schemas.microsoft.com/office/drawing/2014/main" id="{81B87840-628C-E82C-47FA-C888AB409B21}"/>
               </a:ext>
             </a:extLst>
           </p:cNvPr>
@@ -5939,7 +6029,7 @@
           <p:cNvPr id="3" name="Espaço Reservado para Conteúdo 2">
             <a:extLst>
               <a:ext uri="{FF2B5EF4-FFF2-40B4-BE49-F238E27FC236}">
-                <a16:creationId xmlns:a16="http://schemas.microsoft.com/office/drawing/2014/main" id="{D99B10BC-34CB-F110-CB4D-6CF6043930ED}"/>
+                <a16:creationId xmlns:a16="http://schemas.microsoft.com/office/drawing/2014/main" id="{60B96892-6767-8A98-62CA-E3A197F37080}"/>
               </a:ext>
             </a:extLst>
           </p:cNvPr>
@@ -5950,83 +6040,33 @@
             <p:ph idx="1"/>
           </p:nvPr>
         </p:nvSpPr>
-        <p:spPr>
-          <a:xfrm>
-            <a:off x="838200" y="1825624"/>
-            <a:ext cx="11154508" cy="5032375"/>
-          </a:xfrm>
-        </p:spPr>
-        <p:txBody>
-          <a:bodyPr>
-            <a:normAutofit/>
-          </a:bodyPr>
+        <p:spPr/>
+        <p:txBody>
+          <a:bodyPr/>
           <a:lstStyle/>
           <a:p>
-            <a:pPr algn="just">
-              <a:spcBef>
-                <a:spcPts val="0"/>
-              </a:spcBef>
+            <a:r>
+              <a:rPr lang="pt-BR" dirty="0"/>
+              <a:t>Instruções detalhadas sobre o seminários e </a:t>
+            </a:r>
+            <a:r>
+              <a:rPr lang="pt-BR"/>
+              <a:t>projeto final.</a:t>
+            </a:r>
+          </a:p>
+          <a:p>
+            <a:pPr lvl="1">
+              <a:buFont typeface="Wingdings" panose="05000000000000000000" pitchFamily="2" charset="2"/>
+              <a:buChar char="§"/>
             </a:pPr>
-            <a:r>
-              <a:rPr lang="pt-BR" b="1" dirty="0"/>
-              <a:t>Repositório</a:t>
-            </a:r>
-          </a:p>
-          <a:p>
-            <a:pPr lvl="1" algn="just">
-              <a:spcBef>
-                <a:spcPts val="0"/>
-              </a:spcBef>
-            </a:pPr>
-            <a:r>
-              <a:rPr lang="pt-BR" dirty="0"/>
-              <a:t>Criem um repositório no </a:t>
-            </a:r>
-            <a:r>
-              <a:rPr lang="pt-BR" dirty="0" err="1"/>
-              <a:t>github</a:t>
-            </a:r>
-            <a:r>
-              <a:rPr lang="pt-BR" dirty="0"/>
-              <a:t> para armazenar o material gerado durante o curso, e.g., materiais dos seminários, projeto final, etc.</a:t>
-            </a:r>
-          </a:p>
-          <a:p>
-            <a:pPr lvl="1" algn="just">
-              <a:spcBef>
-                <a:spcPts val="0"/>
-              </a:spcBef>
-            </a:pPr>
-            <a:r>
-              <a:rPr lang="pt-BR" dirty="0"/>
-              <a:t>Criem pastas distintas para cada seminário, para o projeto final e qualquer outro material que seja gerado durante o curso.</a:t>
-            </a:r>
-          </a:p>
-          <a:p>
-            <a:pPr lvl="1" algn="just">
-              <a:spcBef>
-                <a:spcPts val="0"/>
-              </a:spcBef>
-            </a:pPr>
-            <a:r>
-              <a:rPr lang="pt-BR" dirty="0"/>
-              <a:t>Enviem o endereço do repositório para o professor via </a:t>
-            </a:r>
-            <a:r>
-              <a:rPr lang="pt-BR" dirty="0" err="1"/>
-              <a:t>email</a:t>
-            </a:r>
-            <a:r>
-              <a:rPr lang="pt-BR" dirty="0"/>
-              <a:t>.</a:t>
-            </a:r>
+            <a:endParaRPr lang="pt-BR" dirty="0"/>
           </a:p>
         </p:txBody>
       </p:sp>
     </p:spTree>
     <p:extLst>
       <p:ext uri="{BB962C8B-B14F-4D97-AF65-F5344CB8AC3E}">
-        <p14:creationId xmlns:p14="http://schemas.microsoft.com/office/powerpoint/2010/main" val="238020498"/>
+        <p14:creationId xmlns:p14="http://schemas.microsoft.com/office/powerpoint/2010/main" val="1970035448"/>
       </p:ext>
     </p:extLst>
   </p:cSld>
@@ -6058,7 +6098,7 @@
           <p:cNvPr id="2" name="Título 1">
             <a:extLst>
               <a:ext uri="{FF2B5EF4-FFF2-40B4-BE49-F238E27FC236}">
-                <a16:creationId xmlns:a16="http://schemas.microsoft.com/office/drawing/2014/main" id="{A2A4684C-1159-4F88-A2B1-6BABEDE38C4D}"/>
+                <a16:creationId xmlns:a16="http://schemas.microsoft.com/office/drawing/2014/main" id="{4CE740D2-3D7D-E6DD-BABD-477E08862585}"/>
               </a:ext>
             </a:extLst>
           </p:cNvPr>
@@ -6074,10 +6114,7 @@
           <a:bodyPr/>
           <a:lstStyle/>
           <a:p>
-            <a:r>
-              <a:rPr lang="pt-BR" dirty="0"/>
-              <a:t>Referências</a:t>
-            </a:r>
+            <a:endParaRPr lang="pt-BR"/>
           </a:p>
         </p:txBody>
       </p:sp>
@@ -6086,7 +6123,7 @@
           <p:cNvPr id="3" name="Espaço Reservado para Conteúdo 2">
             <a:extLst>
               <a:ext uri="{FF2B5EF4-FFF2-40B4-BE49-F238E27FC236}">
-                <a16:creationId xmlns:a16="http://schemas.microsoft.com/office/drawing/2014/main" id="{EC432B31-D382-41FF-BB6B-2ABDD322424B}"/>
+                <a16:creationId xmlns:a16="http://schemas.microsoft.com/office/drawing/2014/main" id="{A2261D0C-4E3D-C901-26C9-0CC07A70AF58}"/>
               </a:ext>
             </a:extLst>
           </p:cNvPr>
@@ -6097,876 +6134,19 @@
             <p:ph idx="1"/>
           </p:nvPr>
         </p:nvSpPr>
-        <p:spPr>
-          <a:xfrm>
-            <a:off x="838199" y="1648915"/>
-            <a:ext cx="11157155" cy="5209085"/>
-          </a:xfrm>
-        </p:spPr>
-        <p:txBody>
-          <a:bodyPr>
-            <a:noAutofit/>
-          </a:bodyPr>
+        <p:spPr/>
+        <p:txBody>
+          <a:bodyPr/>
           <a:lstStyle/>
           <a:p>
-            <a:pPr marL="0" indent="0" rtl="0">
-              <a:spcBef>
-                <a:spcPts val="0"/>
-              </a:spcBef>
-              <a:spcAft>
-                <a:spcPts val="0"/>
-              </a:spcAft>
-              <a:buNone/>
-            </a:pPr>
-            <a:r>
-              <a:rPr lang="pt-BR" sz="2400" b="0" i="0" u="none" strike="noStrike" dirty="0">
-                <a:solidFill>
-                  <a:srgbClr val="000000"/>
-                </a:solidFill>
-                <a:effectLst/>
-              </a:rPr>
-              <a:t>[1] Stuart Russell </a:t>
-            </a:r>
-            <a:r>
-              <a:rPr lang="pt-BR" sz="2400" b="0" i="0" u="none" strike="noStrike" dirty="0" err="1">
-                <a:solidFill>
-                  <a:srgbClr val="000000"/>
-                </a:solidFill>
-                <a:effectLst/>
-              </a:rPr>
-              <a:t>and</a:t>
-            </a:r>
-            <a:r>
-              <a:rPr lang="pt-BR" sz="2400" b="0" i="0" u="none" strike="noStrike" dirty="0">
-                <a:solidFill>
-                  <a:srgbClr val="000000"/>
-                </a:solidFill>
-                <a:effectLst/>
-              </a:rPr>
-              <a:t> Peter </a:t>
-            </a:r>
-            <a:r>
-              <a:rPr lang="pt-BR" sz="2400" b="0" i="0" u="none" strike="noStrike" dirty="0" err="1">
-                <a:solidFill>
-                  <a:srgbClr val="000000"/>
-                </a:solidFill>
-                <a:effectLst/>
-              </a:rPr>
-              <a:t>Norvig</a:t>
-            </a:r>
-            <a:r>
-              <a:rPr lang="pt-BR" sz="2400" b="0" i="0" u="none" strike="noStrike" dirty="0">
-                <a:solidFill>
-                  <a:srgbClr val="000000"/>
-                </a:solidFill>
-                <a:effectLst/>
-              </a:rPr>
-              <a:t>, “Artificial </a:t>
-            </a:r>
-            <a:r>
-              <a:rPr lang="pt-BR" sz="2400" b="0" i="0" u="none" strike="noStrike" dirty="0" err="1">
-                <a:solidFill>
-                  <a:srgbClr val="000000"/>
-                </a:solidFill>
-                <a:effectLst/>
-              </a:rPr>
-              <a:t>Intelligence</a:t>
-            </a:r>
-            <a:r>
-              <a:rPr lang="pt-BR" sz="2400" b="0" i="0" u="none" strike="noStrike" dirty="0">
-                <a:solidFill>
-                  <a:srgbClr val="000000"/>
-                </a:solidFill>
-                <a:effectLst/>
-              </a:rPr>
-              <a:t>: A </a:t>
-            </a:r>
-            <a:r>
-              <a:rPr lang="pt-BR" sz="2400" b="0" i="0" u="none" strike="noStrike" dirty="0" err="1">
-                <a:solidFill>
-                  <a:srgbClr val="000000"/>
-                </a:solidFill>
-                <a:effectLst/>
-              </a:rPr>
-              <a:t>Modern</a:t>
-            </a:r>
-            <a:r>
-              <a:rPr lang="pt-BR" sz="2400" b="0" i="0" u="none" strike="noStrike" dirty="0">
-                <a:solidFill>
-                  <a:srgbClr val="000000"/>
-                </a:solidFill>
-                <a:effectLst/>
-              </a:rPr>
-              <a:t> Approach”, Prentice Hall Series in Artificial </a:t>
-            </a:r>
-            <a:r>
-              <a:rPr lang="pt-BR" sz="2400" b="0" i="0" u="none" strike="noStrike" dirty="0" err="1">
-                <a:solidFill>
-                  <a:srgbClr val="000000"/>
-                </a:solidFill>
-                <a:effectLst/>
-              </a:rPr>
-              <a:t>Intelligence</a:t>
-            </a:r>
-            <a:r>
-              <a:rPr lang="pt-BR" sz="2400" b="0" i="0" u="none" strike="noStrike" dirty="0">
-                <a:solidFill>
-                  <a:srgbClr val="000000"/>
-                </a:solidFill>
-                <a:effectLst/>
-              </a:rPr>
-              <a:t>, 3rd ed., 2015.</a:t>
-            </a:r>
-            <a:endParaRPr lang="pt-BR" sz="2400" b="0" dirty="0">
-              <a:effectLst/>
-            </a:endParaRPr>
-          </a:p>
-          <a:p>
-            <a:pPr marL="0" indent="0" rtl="0">
-              <a:spcBef>
-                <a:spcPts val="0"/>
-              </a:spcBef>
-              <a:spcAft>
-                <a:spcPts val="0"/>
-              </a:spcAft>
-              <a:buNone/>
-            </a:pPr>
-            <a:r>
-              <a:rPr lang="pt-BR" sz="2400" b="0" i="0" u="none" strike="noStrike" dirty="0">
-                <a:solidFill>
-                  <a:srgbClr val="000000"/>
-                </a:solidFill>
-                <a:effectLst/>
-              </a:rPr>
-              <a:t>[2] </a:t>
-            </a:r>
-            <a:r>
-              <a:rPr lang="pt-BR" sz="2400" b="0" i="0" u="none" strike="noStrike" dirty="0" err="1">
-                <a:solidFill>
-                  <a:srgbClr val="000000"/>
-                </a:solidFill>
-                <a:effectLst/>
-              </a:rPr>
-              <a:t>Aurélien</a:t>
-            </a:r>
-            <a:r>
-              <a:rPr lang="pt-BR" sz="2400" b="0" i="0" u="none" strike="noStrike" dirty="0">
-                <a:solidFill>
-                  <a:srgbClr val="000000"/>
-                </a:solidFill>
-                <a:effectLst/>
-              </a:rPr>
-              <a:t> </a:t>
-            </a:r>
-            <a:r>
-              <a:rPr lang="pt-BR" sz="2400" b="0" i="0" u="none" strike="noStrike" dirty="0" err="1">
-                <a:solidFill>
-                  <a:srgbClr val="000000"/>
-                </a:solidFill>
-                <a:effectLst/>
-              </a:rPr>
-              <a:t>Géron</a:t>
-            </a:r>
-            <a:r>
-              <a:rPr lang="pt-BR" sz="2400" b="0" i="0" u="none" strike="noStrike" dirty="0">
-                <a:solidFill>
-                  <a:srgbClr val="000000"/>
-                </a:solidFill>
-                <a:effectLst/>
-              </a:rPr>
-              <a:t>, "Hands-On Machine Learning </a:t>
-            </a:r>
-            <a:r>
-              <a:rPr lang="pt-BR" sz="2400" b="0" i="0" u="none" strike="noStrike" dirty="0" err="1">
-                <a:solidFill>
-                  <a:srgbClr val="000000"/>
-                </a:solidFill>
-                <a:effectLst/>
-              </a:rPr>
-              <a:t>with</a:t>
-            </a:r>
-            <a:r>
-              <a:rPr lang="pt-BR" sz="2400" b="0" i="0" u="none" strike="noStrike" dirty="0">
-                <a:solidFill>
-                  <a:srgbClr val="000000"/>
-                </a:solidFill>
-                <a:effectLst/>
-              </a:rPr>
-              <a:t> </a:t>
-            </a:r>
-            <a:r>
-              <a:rPr lang="pt-BR" sz="2400" b="0" i="0" u="none" strike="noStrike" dirty="0" err="1">
-                <a:solidFill>
-                  <a:srgbClr val="000000"/>
-                </a:solidFill>
-                <a:effectLst/>
-              </a:rPr>
-              <a:t>Scikit-Learn</a:t>
-            </a:r>
-            <a:r>
-              <a:rPr lang="pt-BR" sz="2400" b="0" i="0" u="none" strike="noStrike" dirty="0">
-                <a:solidFill>
-                  <a:srgbClr val="000000"/>
-                </a:solidFill>
-                <a:effectLst/>
-              </a:rPr>
-              <a:t> </a:t>
-            </a:r>
-            <a:r>
-              <a:rPr lang="pt-BR" sz="2400" b="0" i="0" u="none" strike="noStrike" dirty="0" err="1">
-                <a:solidFill>
-                  <a:srgbClr val="000000"/>
-                </a:solidFill>
-                <a:effectLst/>
-              </a:rPr>
-              <a:t>and</a:t>
-            </a:r>
-            <a:r>
-              <a:rPr lang="pt-BR" sz="2400" b="0" i="0" u="none" strike="noStrike" dirty="0">
-                <a:solidFill>
-                  <a:srgbClr val="000000"/>
-                </a:solidFill>
-                <a:effectLst/>
-              </a:rPr>
-              <a:t> TensorFlow: </a:t>
-            </a:r>
-            <a:r>
-              <a:rPr lang="pt-BR" sz="2400" b="0" i="0" u="none" strike="noStrike" dirty="0" err="1">
-                <a:solidFill>
-                  <a:srgbClr val="000000"/>
-                </a:solidFill>
-                <a:effectLst/>
-              </a:rPr>
-              <a:t>Concepts</a:t>
-            </a:r>
-            <a:r>
-              <a:rPr lang="pt-BR" sz="2400" b="0" i="0" u="none" strike="noStrike" dirty="0">
-                <a:solidFill>
-                  <a:srgbClr val="000000"/>
-                </a:solidFill>
-                <a:effectLst/>
-              </a:rPr>
-              <a:t>, Tools, </a:t>
-            </a:r>
-            <a:r>
-              <a:rPr lang="pt-BR" sz="2400" b="0" i="0" u="none" strike="noStrike" dirty="0" err="1">
-                <a:solidFill>
-                  <a:srgbClr val="000000"/>
-                </a:solidFill>
-                <a:effectLst/>
-              </a:rPr>
-              <a:t>and</a:t>
-            </a:r>
-            <a:r>
-              <a:rPr lang="pt-BR" sz="2400" b="0" i="0" u="none" strike="noStrike" dirty="0">
-                <a:solidFill>
-                  <a:srgbClr val="000000"/>
-                </a:solidFill>
-                <a:effectLst/>
-              </a:rPr>
-              <a:t> </a:t>
-            </a:r>
-            <a:r>
-              <a:rPr lang="pt-BR" sz="2400" b="0" i="0" u="none" strike="noStrike" dirty="0" err="1">
-                <a:solidFill>
-                  <a:srgbClr val="000000"/>
-                </a:solidFill>
-                <a:effectLst/>
-              </a:rPr>
-              <a:t>Techniques</a:t>
-            </a:r>
-            <a:r>
-              <a:rPr lang="pt-BR" sz="2400" b="0" i="0" u="none" strike="noStrike" dirty="0">
-                <a:solidFill>
-                  <a:srgbClr val="000000"/>
-                </a:solidFill>
-                <a:effectLst/>
-              </a:rPr>
-              <a:t> </a:t>
-            </a:r>
-            <a:r>
-              <a:rPr lang="pt-BR" sz="2400" b="0" i="0" u="none" strike="noStrike" dirty="0" err="1">
-                <a:solidFill>
-                  <a:srgbClr val="000000"/>
-                </a:solidFill>
-                <a:effectLst/>
-              </a:rPr>
-              <a:t>to</a:t>
-            </a:r>
-            <a:r>
-              <a:rPr lang="pt-BR" sz="2400" b="0" i="0" u="none" strike="noStrike" dirty="0">
-                <a:solidFill>
-                  <a:srgbClr val="000000"/>
-                </a:solidFill>
-                <a:effectLst/>
-              </a:rPr>
-              <a:t> Build </a:t>
-            </a:r>
-            <a:r>
-              <a:rPr lang="pt-BR" sz="2400" b="0" i="0" u="none" strike="noStrike" dirty="0" err="1">
-                <a:solidFill>
-                  <a:srgbClr val="000000"/>
-                </a:solidFill>
-                <a:effectLst/>
-              </a:rPr>
-              <a:t>Intelligent</a:t>
-            </a:r>
-            <a:r>
-              <a:rPr lang="pt-BR" sz="2400" b="0" i="0" u="none" strike="noStrike" dirty="0">
-                <a:solidFill>
-                  <a:srgbClr val="000000"/>
-                </a:solidFill>
-                <a:effectLst/>
-              </a:rPr>
-              <a:t> Systems", 1st ed., O'Reilly Media, 2017.</a:t>
-            </a:r>
-            <a:endParaRPr lang="pt-BR" sz="2400" b="0" dirty="0">
-              <a:effectLst/>
-            </a:endParaRPr>
-          </a:p>
-          <a:p>
-            <a:pPr marL="0" indent="0" rtl="0">
-              <a:spcBef>
-                <a:spcPts val="0"/>
-              </a:spcBef>
-              <a:spcAft>
-                <a:spcPts val="0"/>
-              </a:spcAft>
-              <a:buNone/>
-            </a:pPr>
-            <a:r>
-              <a:rPr lang="pt-BR" sz="2400" b="0" i="0" u="none" strike="noStrike" dirty="0">
-                <a:solidFill>
-                  <a:srgbClr val="000000"/>
-                </a:solidFill>
-                <a:effectLst/>
-              </a:rPr>
-              <a:t>[3] Bishop, "</a:t>
-            </a:r>
-            <a:r>
-              <a:rPr lang="pt-BR" sz="2400" b="0" i="0" u="none" strike="noStrike" dirty="0" err="1">
-                <a:solidFill>
-                  <a:srgbClr val="000000"/>
-                </a:solidFill>
-                <a:effectLst/>
-              </a:rPr>
-              <a:t>Pattern</a:t>
-            </a:r>
-            <a:r>
-              <a:rPr lang="pt-BR" sz="2400" b="0" i="0" u="none" strike="noStrike" dirty="0">
-                <a:solidFill>
-                  <a:srgbClr val="000000"/>
-                </a:solidFill>
-                <a:effectLst/>
-              </a:rPr>
-              <a:t> </a:t>
-            </a:r>
-            <a:r>
-              <a:rPr lang="pt-BR" sz="2400" b="0" i="0" u="none" strike="noStrike" dirty="0" err="1">
-                <a:solidFill>
-                  <a:srgbClr val="000000"/>
-                </a:solidFill>
-                <a:effectLst/>
-              </a:rPr>
-              <a:t>Recognition</a:t>
-            </a:r>
-            <a:r>
-              <a:rPr lang="pt-BR" sz="2400" b="0" i="0" u="none" strike="noStrike" dirty="0">
-                <a:solidFill>
-                  <a:srgbClr val="000000"/>
-                </a:solidFill>
-                <a:effectLst/>
-              </a:rPr>
-              <a:t> </a:t>
-            </a:r>
-            <a:r>
-              <a:rPr lang="pt-BR" sz="2400" b="0" i="0" u="none" strike="noStrike" dirty="0" err="1">
-                <a:solidFill>
-                  <a:srgbClr val="000000"/>
-                </a:solidFill>
-                <a:effectLst/>
-              </a:rPr>
-              <a:t>and</a:t>
-            </a:r>
-            <a:r>
-              <a:rPr lang="pt-BR" sz="2400" b="0" i="0" u="none" strike="noStrike" dirty="0">
-                <a:solidFill>
-                  <a:srgbClr val="000000"/>
-                </a:solidFill>
-                <a:effectLst/>
-              </a:rPr>
-              <a:t> Machine Learning", Springer, 2006.</a:t>
-            </a:r>
-            <a:endParaRPr lang="pt-BR" sz="2400" b="0" dirty="0">
-              <a:effectLst/>
-            </a:endParaRPr>
-          </a:p>
-          <a:p>
-            <a:pPr marL="0" indent="0" rtl="0">
-              <a:spcBef>
-                <a:spcPts val="0"/>
-              </a:spcBef>
-              <a:spcAft>
-                <a:spcPts val="0"/>
-              </a:spcAft>
-              <a:buNone/>
-            </a:pPr>
-            <a:r>
-              <a:rPr lang="pt-BR" sz="2400" b="0" i="0" u="none" strike="noStrike" dirty="0">
-                <a:solidFill>
-                  <a:srgbClr val="000000"/>
-                </a:solidFill>
-                <a:effectLst/>
-              </a:rPr>
-              <a:t>[4] Sandro </a:t>
-            </a:r>
-            <a:r>
-              <a:rPr lang="pt-BR" sz="2400" b="0" i="0" u="none" strike="noStrike" dirty="0" err="1">
-                <a:solidFill>
-                  <a:srgbClr val="000000"/>
-                </a:solidFill>
-                <a:effectLst/>
-              </a:rPr>
-              <a:t>Skansi</a:t>
-            </a:r>
-            <a:r>
-              <a:rPr lang="pt-BR" sz="2400" dirty="0">
-                <a:solidFill>
-                  <a:srgbClr val="000000"/>
-                </a:solidFill>
-              </a:rPr>
-              <a:t>,</a:t>
-            </a:r>
-            <a:r>
-              <a:rPr lang="pt-BR" sz="2400" b="0" i="0" u="none" strike="noStrike" dirty="0">
-                <a:solidFill>
-                  <a:srgbClr val="000000"/>
-                </a:solidFill>
-                <a:effectLst/>
-              </a:rPr>
-              <a:t> “</a:t>
-            </a:r>
-            <a:r>
-              <a:rPr lang="pt-BR" sz="2400" b="0" i="0" u="none" strike="noStrike" dirty="0" err="1">
-                <a:solidFill>
-                  <a:srgbClr val="000000"/>
-                </a:solidFill>
-                <a:effectLst/>
-              </a:rPr>
-              <a:t>Introduction</a:t>
-            </a:r>
-            <a:r>
-              <a:rPr lang="pt-BR" sz="2400" b="0" i="0" u="none" strike="noStrike" dirty="0">
-                <a:solidFill>
-                  <a:srgbClr val="000000"/>
-                </a:solidFill>
-                <a:effectLst/>
-              </a:rPr>
-              <a:t> </a:t>
-            </a:r>
-            <a:r>
-              <a:rPr lang="pt-BR" sz="2400" b="0" i="0" u="none" strike="noStrike" dirty="0" err="1">
-                <a:solidFill>
-                  <a:srgbClr val="000000"/>
-                </a:solidFill>
-                <a:effectLst/>
-              </a:rPr>
-              <a:t>to</a:t>
-            </a:r>
-            <a:r>
-              <a:rPr lang="pt-BR" sz="2400" b="0" i="0" u="none" strike="noStrike" dirty="0">
-                <a:solidFill>
-                  <a:srgbClr val="000000"/>
-                </a:solidFill>
-                <a:effectLst/>
-              </a:rPr>
-              <a:t> </a:t>
-            </a:r>
-            <a:r>
-              <a:rPr lang="pt-BR" sz="2400" b="0" i="0" u="none" strike="noStrike" dirty="0" err="1">
-                <a:solidFill>
-                  <a:srgbClr val="000000"/>
-                </a:solidFill>
-                <a:effectLst/>
-              </a:rPr>
-              <a:t>deep</a:t>
-            </a:r>
-            <a:r>
-              <a:rPr lang="pt-BR" sz="2400" b="0" i="0" u="none" strike="noStrike" dirty="0">
-                <a:solidFill>
-                  <a:srgbClr val="000000"/>
-                </a:solidFill>
-                <a:effectLst/>
-              </a:rPr>
-              <a:t> learning: </a:t>
-            </a:r>
-            <a:r>
-              <a:rPr lang="pt-BR" sz="2400" b="0" i="0" u="none" strike="noStrike" dirty="0" err="1">
-                <a:solidFill>
-                  <a:srgbClr val="000000"/>
-                </a:solidFill>
-                <a:effectLst/>
-              </a:rPr>
-              <a:t>from</a:t>
-            </a:r>
-            <a:r>
-              <a:rPr lang="pt-BR" sz="2400" b="0" i="0" u="none" strike="noStrike" dirty="0">
-                <a:solidFill>
-                  <a:srgbClr val="000000"/>
-                </a:solidFill>
-                <a:effectLst/>
-              </a:rPr>
-              <a:t> </a:t>
-            </a:r>
-            <a:r>
-              <a:rPr lang="pt-BR" sz="2400" b="0" i="0" u="none" strike="noStrike" dirty="0" err="1">
-                <a:solidFill>
-                  <a:srgbClr val="000000"/>
-                </a:solidFill>
-                <a:effectLst/>
-              </a:rPr>
-              <a:t>logical</a:t>
-            </a:r>
-            <a:r>
-              <a:rPr lang="pt-BR" sz="2400" b="0" i="0" u="none" strike="noStrike" dirty="0">
-                <a:solidFill>
-                  <a:srgbClr val="000000"/>
-                </a:solidFill>
-                <a:effectLst/>
-              </a:rPr>
-              <a:t> </a:t>
-            </a:r>
-            <a:r>
-              <a:rPr lang="pt-BR" sz="2400" b="0" i="0" u="none" strike="noStrike" dirty="0" err="1">
-                <a:solidFill>
-                  <a:srgbClr val="000000"/>
-                </a:solidFill>
-                <a:effectLst/>
-              </a:rPr>
-              <a:t>calculus</a:t>
-            </a:r>
-            <a:r>
-              <a:rPr lang="pt-BR" sz="2400" b="0" i="0" u="none" strike="noStrike" dirty="0">
-                <a:solidFill>
-                  <a:srgbClr val="000000"/>
-                </a:solidFill>
-                <a:effectLst/>
-              </a:rPr>
-              <a:t> </a:t>
-            </a:r>
-            <a:r>
-              <a:rPr lang="pt-BR" sz="2400" b="0" i="0" u="none" strike="noStrike" dirty="0" err="1">
-                <a:solidFill>
-                  <a:srgbClr val="000000"/>
-                </a:solidFill>
-                <a:effectLst/>
-              </a:rPr>
-              <a:t>to</a:t>
-            </a:r>
-            <a:r>
-              <a:rPr lang="pt-BR" sz="2400" b="0" i="0" u="none" strike="noStrike" dirty="0">
-                <a:solidFill>
-                  <a:srgbClr val="000000"/>
-                </a:solidFill>
-                <a:effectLst/>
-              </a:rPr>
-              <a:t> artificial </a:t>
-            </a:r>
-            <a:r>
-              <a:rPr lang="pt-BR" sz="2400" b="0" i="0" u="none" strike="noStrike" dirty="0" err="1">
-                <a:solidFill>
-                  <a:srgbClr val="000000"/>
-                </a:solidFill>
-                <a:effectLst/>
-              </a:rPr>
-              <a:t>intelligence</a:t>
-            </a:r>
-            <a:r>
-              <a:rPr lang="pt-BR" sz="2400" b="0" i="0" u="none" strike="noStrike" dirty="0">
-                <a:solidFill>
-                  <a:srgbClr val="000000"/>
-                </a:solidFill>
-                <a:effectLst/>
-              </a:rPr>
-              <a:t>”, </a:t>
-            </a:r>
-            <a:r>
-              <a:rPr lang="pt-BR" sz="2400" b="0" i="0" u="none" strike="noStrike" dirty="0" err="1">
-                <a:solidFill>
-                  <a:srgbClr val="000000"/>
-                </a:solidFill>
-                <a:effectLst/>
-              </a:rPr>
-              <a:t>Cham</a:t>
-            </a:r>
-            <a:r>
-              <a:rPr lang="pt-BR" sz="2400" b="0" i="0" u="none" strike="noStrike" dirty="0">
-                <a:solidFill>
-                  <a:srgbClr val="000000"/>
-                </a:solidFill>
-                <a:effectLst/>
-              </a:rPr>
-              <a:t> - </a:t>
-            </a:r>
-            <a:r>
-              <a:rPr lang="pt-BR" sz="2400" b="0" i="0" u="none" strike="noStrike" dirty="0" err="1">
-                <a:solidFill>
-                  <a:srgbClr val="000000"/>
-                </a:solidFill>
-                <a:effectLst/>
-              </a:rPr>
-              <a:t>Suiça</a:t>
-            </a:r>
-            <a:r>
-              <a:rPr lang="pt-BR" sz="2400" b="0" i="0" u="none" strike="noStrike" dirty="0">
-                <a:solidFill>
-                  <a:srgbClr val="000000"/>
-                </a:solidFill>
-                <a:effectLst/>
-              </a:rPr>
-              <a:t>: Editora Springer, 2018.</a:t>
-            </a:r>
-            <a:endParaRPr lang="pt-BR" sz="2400" b="0" dirty="0">
-              <a:effectLst/>
-            </a:endParaRPr>
-          </a:p>
-          <a:p>
-            <a:pPr marL="0" indent="0" rtl="0">
-              <a:spcBef>
-                <a:spcPts val="0"/>
-              </a:spcBef>
-              <a:spcAft>
-                <a:spcPts val="0"/>
-              </a:spcAft>
-              <a:buNone/>
-            </a:pPr>
-            <a:r>
-              <a:rPr lang="pt-BR" sz="2400" b="0" i="0" u="none" strike="noStrike" dirty="0">
-                <a:solidFill>
-                  <a:srgbClr val="000000"/>
-                </a:solidFill>
-                <a:effectLst/>
-              </a:rPr>
-              <a:t>[5] Ian </a:t>
-            </a:r>
-            <a:r>
-              <a:rPr lang="pt-BR" sz="2400" b="0" i="0" u="none" strike="noStrike" dirty="0" err="1">
-                <a:solidFill>
-                  <a:srgbClr val="000000"/>
-                </a:solidFill>
-                <a:effectLst/>
-              </a:rPr>
-              <a:t>Goodfellow</a:t>
-            </a:r>
-            <a:r>
-              <a:rPr lang="pt-BR" sz="2400" b="0" i="0" u="none" strike="noStrike" dirty="0">
-                <a:solidFill>
-                  <a:srgbClr val="000000"/>
-                </a:solidFill>
-                <a:effectLst/>
-              </a:rPr>
-              <a:t>, </a:t>
-            </a:r>
-            <a:r>
-              <a:rPr lang="pt-BR" sz="2400" b="0" i="0" u="none" strike="noStrike" dirty="0" err="1">
-                <a:solidFill>
-                  <a:srgbClr val="000000"/>
-                </a:solidFill>
-                <a:effectLst/>
-              </a:rPr>
-              <a:t>Yoshua</a:t>
-            </a:r>
-            <a:r>
-              <a:rPr lang="pt-BR" sz="2400" b="0" i="0" u="none" strike="noStrike" dirty="0">
-                <a:solidFill>
-                  <a:srgbClr val="000000"/>
-                </a:solidFill>
-                <a:effectLst/>
-              </a:rPr>
-              <a:t> </a:t>
-            </a:r>
-            <a:r>
-              <a:rPr lang="pt-BR" sz="2400" b="0" i="0" u="none" strike="noStrike" dirty="0" err="1">
-                <a:solidFill>
-                  <a:srgbClr val="000000"/>
-                </a:solidFill>
-                <a:effectLst/>
-              </a:rPr>
-              <a:t>Bengio</a:t>
-            </a:r>
-            <a:r>
-              <a:rPr lang="pt-BR" sz="2400" b="0" i="0" u="none" strike="noStrike" dirty="0">
-                <a:solidFill>
-                  <a:srgbClr val="000000"/>
-                </a:solidFill>
-                <a:effectLst/>
-              </a:rPr>
-              <a:t>, </a:t>
-            </a:r>
-            <a:r>
-              <a:rPr lang="pt-BR" sz="2400" b="0" i="0" u="none" strike="noStrike" dirty="0" err="1">
-                <a:solidFill>
-                  <a:srgbClr val="000000"/>
-                </a:solidFill>
-                <a:effectLst/>
-              </a:rPr>
-              <a:t>and</a:t>
-            </a:r>
-            <a:r>
-              <a:rPr lang="pt-BR" sz="2400" b="0" i="0" u="none" strike="noStrike" dirty="0">
-                <a:solidFill>
-                  <a:srgbClr val="000000"/>
-                </a:solidFill>
-                <a:effectLst/>
-              </a:rPr>
-              <a:t> Aaron </a:t>
-            </a:r>
-            <a:r>
-              <a:rPr lang="pt-BR" sz="2400" b="0" i="0" u="none" strike="noStrike" dirty="0" err="1">
-                <a:solidFill>
-                  <a:srgbClr val="000000"/>
-                </a:solidFill>
-                <a:effectLst/>
-              </a:rPr>
-              <a:t>Courville</a:t>
-            </a:r>
-            <a:r>
-              <a:rPr lang="pt-BR" sz="2400" b="0" i="0" u="none" strike="noStrike" dirty="0">
-                <a:solidFill>
-                  <a:srgbClr val="000000"/>
-                </a:solidFill>
-                <a:effectLst/>
-              </a:rPr>
-              <a:t>. “</a:t>
-            </a:r>
-            <a:r>
-              <a:rPr lang="pt-BR" sz="2400" b="0" i="0" u="none" strike="noStrike" dirty="0" err="1">
-                <a:solidFill>
-                  <a:srgbClr val="000000"/>
-                </a:solidFill>
-                <a:effectLst/>
-              </a:rPr>
-              <a:t>Deep</a:t>
-            </a:r>
-            <a:r>
-              <a:rPr lang="pt-BR" sz="2400" b="0" i="0" u="none" strike="noStrike" dirty="0">
-                <a:solidFill>
-                  <a:srgbClr val="000000"/>
-                </a:solidFill>
-                <a:effectLst/>
-              </a:rPr>
-              <a:t> Learning”. MIT Press 2016.</a:t>
-            </a:r>
-            <a:endParaRPr lang="pt-BR" sz="2400" b="0" dirty="0">
-              <a:effectLst/>
-            </a:endParaRPr>
-          </a:p>
-          <a:p>
-            <a:pPr marL="0" indent="0" rtl="0">
-              <a:spcBef>
-                <a:spcPts val="0"/>
-              </a:spcBef>
-              <a:spcAft>
-                <a:spcPts val="0"/>
-              </a:spcAft>
-              <a:buNone/>
-            </a:pPr>
-            <a:r>
-              <a:rPr lang="pt-BR" sz="2400" b="0" i="0" u="none" strike="noStrike" dirty="0">
-                <a:solidFill>
-                  <a:srgbClr val="000000"/>
-                </a:solidFill>
-                <a:effectLst/>
-              </a:rPr>
-              <a:t>[6] Kevin P. Murphy. “Machine Learning: A </a:t>
-            </a:r>
-            <a:r>
-              <a:rPr lang="pt-BR" sz="2400" b="0" i="0" u="none" strike="noStrike" dirty="0" err="1">
-                <a:solidFill>
-                  <a:srgbClr val="000000"/>
-                </a:solidFill>
-                <a:effectLst/>
-              </a:rPr>
-              <a:t>Probabilistic</a:t>
-            </a:r>
-            <a:r>
-              <a:rPr lang="pt-BR" sz="2400" b="0" i="0" u="none" strike="noStrike" dirty="0">
-                <a:solidFill>
-                  <a:srgbClr val="000000"/>
-                </a:solidFill>
-                <a:effectLst/>
-              </a:rPr>
-              <a:t> Perspective”, MIT Press 2012.</a:t>
-            </a:r>
-            <a:endParaRPr lang="pt-BR" sz="2400" b="0" dirty="0">
-              <a:effectLst/>
-            </a:endParaRPr>
-          </a:p>
-          <a:p>
-            <a:pPr marL="0" indent="0" rtl="0">
-              <a:spcBef>
-                <a:spcPts val="0"/>
-              </a:spcBef>
-              <a:spcAft>
-                <a:spcPts val="0"/>
-              </a:spcAft>
-              <a:buNone/>
-            </a:pPr>
-            <a:r>
-              <a:rPr lang="pt-BR" sz="2400" b="0" i="0" u="none" strike="noStrike" dirty="0">
-                <a:solidFill>
-                  <a:srgbClr val="000000"/>
-                </a:solidFill>
-                <a:effectLst/>
-              </a:rPr>
-              <a:t>[7] </a:t>
-            </a:r>
-            <a:r>
-              <a:rPr lang="pt-BR" sz="2400" b="0" i="0" u="none" strike="noStrike" dirty="0" err="1">
-                <a:solidFill>
-                  <a:srgbClr val="000000"/>
-                </a:solidFill>
-                <a:effectLst/>
-              </a:rPr>
-              <a:t>Code</a:t>
-            </a:r>
-            <a:r>
-              <a:rPr lang="pt-BR" sz="2400" b="0" i="0" u="none" strike="noStrike" dirty="0">
-                <a:solidFill>
-                  <a:srgbClr val="000000"/>
-                </a:solidFill>
-                <a:effectLst/>
-              </a:rPr>
-              <a:t> </a:t>
-            </a:r>
-            <a:r>
-              <a:rPr lang="pt-BR" sz="2400" b="0" i="0" u="none" strike="noStrike" dirty="0" err="1">
-                <a:solidFill>
-                  <a:srgbClr val="000000"/>
-                </a:solidFill>
-                <a:effectLst/>
-              </a:rPr>
-              <a:t>examples</a:t>
-            </a:r>
-            <a:r>
-              <a:rPr lang="pt-BR" sz="2400" b="0" i="0" u="none" strike="noStrike" dirty="0">
-                <a:solidFill>
-                  <a:srgbClr val="000000"/>
-                </a:solidFill>
-                <a:effectLst/>
-              </a:rPr>
-              <a:t>, https://keras.io/examples/</a:t>
-            </a:r>
-            <a:endParaRPr lang="pt-BR" sz="2400" b="0" dirty="0">
-              <a:effectLst/>
-            </a:endParaRPr>
+            <a:endParaRPr lang="pt-BR"/>
           </a:p>
         </p:txBody>
       </p:sp>
     </p:spTree>
     <p:extLst>
       <p:ext uri="{BB962C8B-B14F-4D97-AF65-F5344CB8AC3E}">
-        <p14:creationId xmlns:p14="http://schemas.microsoft.com/office/powerpoint/2010/main" val="2247946137"/>
+        <p14:creationId xmlns:p14="http://schemas.microsoft.com/office/powerpoint/2010/main" val="2740483308"/>
       </p:ext>
     </p:extLst>
   </p:cSld>
@@ -6995,7 +6175,13 @@
       </p:grpSpPr>
       <p:sp>
         <p:nvSpPr>
-          <p:cNvPr id="2" name="Title 1"/>
+          <p:cNvPr id="2" name="Título 1">
+            <a:extLst>
+              <a:ext uri="{FF2B5EF4-FFF2-40B4-BE49-F238E27FC236}">
+                <a16:creationId xmlns:a16="http://schemas.microsoft.com/office/drawing/2014/main" id="{A2A4684C-1159-4F88-A2B1-6BABEDE38C4D}"/>
+              </a:ext>
+            </a:extLst>
+          </p:cNvPr>
           <p:cNvSpPr>
             <a:spLocks noGrp="1"/>
           </p:cNvSpPr>
@@ -7009,16 +6195,21 @@
           <a:lstStyle/>
           <a:p>
             <a:r>
-              <a:rPr lang="en-US" dirty="0" err="1"/>
-              <a:t>Avisos</a:t>
-            </a:r>
-            <a:endParaRPr lang="nl-BE" dirty="0"/>
-          </a:p>
-        </p:txBody>
-      </p:sp>
-      <p:sp>
-        <p:nvSpPr>
-          <p:cNvPr id="3" name="Content Placeholder 2"/>
+              <a:rPr lang="pt-BR" dirty="0"/>
+              <a:t>Referências</a:t>
+            </a:r>
+          </a:p>
+        </p:txBody>
+      </p:sp>
+      <p:sp>
+        <p:nvSpPr>
+          <p:cNvPr id="3" name="Espaço Reservado para Conteúdo 2">
+            <a:extLst>
+              <a:ext uri="{FF2B5EF4-FFF2-40B4-BE49-F238E27FC236}">
+                <a16:creationId xmlns:a16="http://schemas.microsoft.com/office/drawing/2014/main" id="{EC432B31-D382-41FF-BB6B-2ABDD322424B}"/>
+              </a:ext>
+            </a:extLst>
+          </p:cNvPr>
           <p:cNvSpPr>
             <a:spLocks noGrp="1"/>
           </p:cNvSpPr>
@@ -7028,154 +6219,857 @@
         </p:nvSpPr>
         <p:spPr>
           <a:xfrm>
-            <a:off x="838199" y="1825624"/>
-            <a:ext cx="11104419" cy="5032376"/>
+            <a:off x="838199" y="1648915"/>
+            <a:ext cx="11157155" cy="5209085"/>
           </a:xfrm>
         </p:spPr>
         <p:txBody>
           <a:bodyPr>
-            <a:normAutofit lnSpcReduction="10000"/>
+            <a:noAutofit/>
           </a:bodyPr>
           <a:lstStyle/>
           <a:p>
-            <a:r>
-              <a:rPr lang="pt-BR" dirty="0"/>
-              <a:t>Todo material do curso está disponível no GitHub:</a:t>
-            </a:r>
-          </a:p>
-          <a:p>
-            <a:pPr lvl="1">
-              <a:buFont typeface="Wingdings" panose="05000000000000000000" pitchFamily="2" charset="2"/>
-              <a:buChar char="§"/>
+            <a:pPr marL="0" indent="0">
+              <a:spcBef>
+                <a:spcPts val="0"/>
+              </a:spcBef>
+              <a:buNone/>
             </a:pPr>
             <a:r>
-              <a:rPr lang="pt-BR" dirty="0">
-                <a:hlinkClick r:id="rId2"/>
-              </a:rPr>
-              <a:t>https://github.com/zz4fap/tp557-iot-ml</a:t>
-            </a:r>
-            <a:endParaRPr lang="pt-BR" dirty="0"/>
-          </a:p>
-          <a:p>
-            <a:r>
-              <a:rPr lang="pt-BR" dirty="0"/>
-              <a:t>Google </a:t>
-            </a:r>
-            <a:r>
-              <a:rPr lang="pt-BR" dirty="0" err="1"/>
-              <a:t>Colab</a:t>
-            </a:r>
-            <a:r>
-              <a:rPr lang="pt-BR" dirty="0"/>
-              <a:t> + Python Crash </a:t>
-            </a:r>
-            <a:r>
-              <a:rPr lang="pt-BR" dirty="0" err="1"/>
-              <a:t>Course</a:t>
-            </a:r>
-            <a:endParaRPr lang="pt-BR" dirty="0"/>
-          </a:p>
-          <a:p>
-            <a:pPr lvl="1">
-              <a:buFont typeface="Wingdings" panose="05000000000000000000" pitchFamily="2" charset="2"/>
-              <a:buChar char="§"/>
+              <a:rPr lang="pt-BR" sz="2400" b="0" i="0" u="none" strike="noStrike" dirty="0">
+                <a:solidFill>
+                  <a:srgbClr val="000000"/>
+                </a:solidFill>
+                <a:effectLst/>
+              </a:rPr>
+              <a:t>[1] </a:t>
+            </a:r>
+            <a:r>
+              <a:rPr lang="pt-BR" sz="2400" b="0" i="0" u="none" strike="noStrike" dirty="0" err="1">
+                <a:solidFill>
+                  <a:srgbClr val="000000"/>
+                </a:solidFill>
+                <a:effectLst/>
+              </a:rPr>
+              <a:t>Code</a:t>
+            </a:r>
+            <a:r>
+              <a:rPr lang="pt-BR" sz="2400" b="0" i="0" u="none" strike="noStrike" dirty="0">
+                <a:solidFill>
+                  <a:srgbClr val="000000"/>
+                </a:solidFill>
+                <a:effectLst/>
+              </a:rPr>
+              <a:t> </a:t>
+            </a:r>
+            <a:r>
+              <a:rPr lang="pt-BR" sz="2400" b="0" i="0" u="none" strike="noStrike" dirty="0" err="1">
+                <a:solidFill>
+                  <a:srgbClr val="000000"/>
+                </a:solidFill>
+                <a:effectLst/>
+              </a:rPr>
+              <a:t>examples</a:t>
+            </a:r>
+            <a:r>
+              <a:rPr lang="pt-BR" sz="2400" b="0" i="0" u="none" strike="noStrike" dirty="0">
+                <a:solidFill>
+                  <a:srgbClr val="000000"/>
+                </a:solidFill>
+                <a:effectLst/>
+              </a:rPr>
+              <a:t>, https://keras.io/examples/</a:t>
+            </a:r>
+          </a:p>
+          <a:p>
+            <a:pPr marL="0" indent="0">
+              <a:spcBef>
+                <a:spcPts val="0"/>
+              </a:spcBef>
+              <a:buNone/>
             </a:pPr>
             <a:r>
-              <a:rPr lang="pt-BR" dirty="0">
-                <a:hlinkClick r:id="rId3"/>
-              </a:rPr>
-              <a:t>https://www.youtube.com/watch?v=inN8seMm7UI&amp;ab_channel=TensorFlow</a:t>
-            </a:r>
-          </a:p>
-          <a:p>
-            <a:pPr lvl="1">
-              <a:buFont typeface="Wingdings" panose="05000000000000000000" pitchFamily="2" charset="2"/>
-              <a:buChar char="§"/>
+              <a:rPr lang="pt-BR" sz="2400" b="0" i="0" u="none" strike="noStrike" dirty="0">
+                <a:solidFill>
+                  <a:srgbClr val="000000"/>
+                </a:solidFill>
+                <a:effectLst/>
+              </a:rPr>
+              <a:t>[</a:t>
+            </a:r>
+            <a:r>
+              <a:rPr lang="pt-BR" sz="2400" dirty="0">
+                <a:solidFill>
+                  <a:srgbClr val="000000"/>
+                </a:solidFill>
+              </a:rPr>
+              <a:t>2</a:t>
+            </a:r>
+            <a:r>
+              <a:rPr lang="pt-BR" sz="2400" b="0" i="0" u="none" strike="noStrike" dirty="0">
+                <a:solidFill>
+                  <a:srgbClr val="000000"/>
+                </a:solidFill>
+                <a:effectLst/>
+              </a:rPr>
+              <a:t>] Ian </a:t>
+            </a:r>
+            <a:r>
+              <a:rPr lang="pt-BR" sz="2400" b="0" i="0" u="none" strike="noStrike" dirty="0" err="1">
+                <a:solidFill>
+                  <a:srgbClr val="000000"/>
+                </a:solidFill>
+                <a:effectLst/>
+              </a:rPr>
+              <a:t>Goodfellow</a:t>
+            </a:r>
+            <a:r>
+              <a:rPr lang="pt-BR" sz="2400" b="0" i="0" u="none" strike="noStrike" dirty="0">
+                <a:solidFill>
+                  <a:srgbClr val="000000"/>
+                </a:solidFill>
+                <a:effectLst/>
+              </a:rPr>
+              <a:t>, </a:t>
+            </a:r>
+            <a:r>
+              <a:rPr lang="pt-BR" sz="2400" b="0" i="0" u="none" strike="noStrike" dirty="0" err="1">
+                <a:solidFill>
+                  <a:srgbClr val="000000"/>
+                </a:solidFill>
+                <a:effectLst/>
+              </a:rPr>
+              <a:t>Yoshua</a:t>
+            </a:r>
+            <a:r>
+              <a:rPr lang="pt-BR" sz="2400" b="0" i="0" u="none" strike="noStrike" dirty="0">
+                <a:solidFill>
+                  <a:srgbClr val="000000"/>
+                </a:solidFill>
+                <a:effectLst/>
+              </a:rPr>
+              <a:t> </a:t>
+            </a:r>
+            <a:r>
+              <a:rPr lang="pt-BR" sz="2400" b="0" i="0" u="none" strike="noStrike" dirty="0" err="1">
+                <a:solidFill>
+                  <a:srgbClr val="000000"/>
+                </a:solidFill>
+                <a:effectLst/>
+              </a:rPr>
+              <a:t>Bengio</a:t>
+            </a:r>
+            <a:r>
+              <a:rPr lang="pt-BR" sz="2400" b="0" i="0" u="none" strike="noStrike" dirty="0">
+                <a:solidFill>
+                  <a:srgbClr val="000000"/>
+                </a:solidFill>
+                <a:effectLst/>
+              </a:rPr>
+              <a:t>, </a:t>
+            </a:r>
+            <a:r>
+              <a:rPr lang="pt-BR" sz="2400" b="0" i="0" u="none" strike="noStrike" dirty="0" err="1">
+                <a:solidFill>
+                  <a:srgbClr val="000000"/>
+                </a:solidFill>
+                <a:effectLst/>
+              </a:rPr>
+              <a:t>and</a:t>
+            </a:r>
+            <a:r>
+              <a:rPr lang="pt-BR" sz="2400" b="0" i="0" u="none" strike="noStrike" dirty="0">
+                <a:solidFill>
+                  <a:srgbClr val="000000"/>
+                </a:solidFill>
+                <a:effectLst/>
+              </a:rPr>
+              <a:t> Aaron </a:t>
+            </a:r>
+            <a:r>
+              <a:rPr lang="pt-BR" sz="2400" b="0" i="0" u="none" strike="noStrike" dirty="0" err="1">
+                <a:solidFill>
+                  <a:srgbClr val="000000"/>
+                </a:solidFill>
+                <a:effectLst/>
+              </a:rPr>
+              <a:t>Courville</a:t>
+            </a:r>
+            <a:r>
+              <a:rPr lang="pt-BR" sz="2400" b="0" i="0" u="none" strike="noStrike" dirty="0">
+                <a:solidFill>
+                  <a:srgbClr val="000000"/>
+                </a:solidFill>
+                <a:effectLst/>
+              </a:rPr>
+              <a:t>. “</a:t>
+            </a:r>
+            <a:r>
+              <a:rPr lang="pt-BR" sz="2400" b="0" i="0" u="none" strike="noStrike" dirty="0" err="1">
+                <a:solidFill>
+                  <a:srgbClr val="000000"/>
+                </a:solidFill>
+                <a:effectLst/>
+              </a:rPr>
+              <a:t>Deep</a:t>
+            </a:r>
+            <a:r>
+              <a:rPr lang="pt-BR" sz="2400" b="0" i="0" u="none" strike="noStrike" dirty="0">
+                <a:solidFill>
+                  <a:srgbClr val="000000"/>
+                </a:solidFill>
+                <a:effectLst/>
+              </a:rPr>
+              <a:t> Learning”. MIT Press 2016.</a:t>
+            </a:r>
+            <a:endParaRPr lang="pt-BR" sz="2400" b="0" dirty="0">
+              <a:effectLst/>
+            </a:endParaRPr>
+          </a:p>
+          <a:p>
+            <a:pPr marL="0" indent="0">
+              <a:spcBef>
+                <a:spcPts val="0"/>
+              </a:spcBef>
+              <a:buNone/>
             </a:pPr>
             <a:r>
-              <a:rPr lang="pt-BR" b="0" i="0" dirty="0">
-                <a:solidFill>
-                  <a:srgbClr val="222222"/>
-                </a:solidFill>
-                <a:effectLst/>
-                <a:latin typeface="Arial" panose="020B0604020202020204" pitchFamily="34" charset="0"/>
-                <a:hlinkClick r:id="rId4"/>
-              </a:rPr>
-              <a:t>https://www.youtube.com/watch?v=inN8seMm7UI</a:t>
-            </a:r>
-            <a:endParaRPr lang="pt-BR" dirty="0">
-              <a:hlinkClick r:id="rId3"/>
+              <a:rPr lang="pt-BR" sz="2400" b="0" i="0" u="none" strike="noStrike" dirty="0">
+                <a:solidFill>
+                  <a:srgbClr val="000000"/>
+                </a:solidFill>
+                <a:effectLst/>
+              </a:rPr>
+              <a:t>[</a:t>
+            </a:r>
+            <a:r>
+              <a:rPr lang="pt-BR" sz="2400" dirty="0">
+                <a:solidFill>
+                  <a:srgbClr val="000000"/>
+                </a:solidFill>
+              </a:rPr>
+              <a:t>3</a:t>
+            </a:r>
+            <a:r>
+              <a:rPr lang="pt-BR" sz="2400" b="0" i="0" u="none" strike="noStrike" dirty="0">
+                <a:solidFill>
+                  <a:srgbClr val="000000"/>
+                </a:solidFill>
+                <a:effectLst/>
+              </a:rPr>
+              <a:t>] </a:t>
+            </a:r>
+            <a:r>
+              <a:rPr lang="pt-BR" sz="2400" b="0" i="0" u="none" strike="noStrike" dirty="0" err="1">
+                <a:solidFill>
+                  <a:srgbClr val="000000"/>
+                </a:solidFill>
+                <a:effectLst/>
+              </a:rPr>
+              <a:t>Aurélien</a:t>
+            </a:r>
+            <a:r>
+              <a:rPr lang="pt-BR" sz="2400" b="0" i="0" u="none" strike="noStrike" dirty="0">
+                <a:solidFill>
+                  <a:srgbClr val="000000"/>
+                </a:solidFill>
+                <a:effectLst/>
+              </a:rPr>
+              <a:t> </a:t>
+            </a:r>
+            <a:r>
+              <a:rPr lang="pt-BR" sz="2400" b="0" i="0" u="none" strike="noStrike" dirty="0" err="1">
+                <a:solidFill>
+                  <a:srgbClr val="000000"/>
+                </a:solidFill>
+                <a:effectLst/>
+              </a:rPr>
+              <a:t>Géron</a:t>
+            </a:r>
+            <a:r>
+              <a:rPr lang="pt-BR" sz="2400" b="0" i="0" u="none" strike="noStrike" dirty="0">
+                <a:solidFill>
+                  <a:srgbClr val="000000"/>
+                </a:solidFill>
+                <a:effectLst/>
+              </a:rPr>
+              <a:t>, "Hands-On Machine Learning </a:t>
+            </a:r>
+            <a:r>
+              <a:rPr lang="pt-BR" sz="2400" b="0" i="0" u="none" strike="noStrike" dirty="0" err="1">
+                <a:solidFill>
+                  <a:srgbClr val="000000"/>
+                </a:solidFill>
+                <a:effectLst/>
+              </a:rPr>
+              <a:t>with</a:t>
+            </a:r>
+            <a:r>
+              <a:rPr lang="pt-BR" sz="2400" b="0" i="0" u="none" strike="noStrike" dirty="0">
+                <a:solidFill>
+                  <a:srgbClr val="000000"/>
+                </a:solidFill>
+                <a:effectLst/>
+              </a:rPr>
+              <a:t> </a:t>
+            </a:r>
+            <a:r>
+              <a:rPr lang="pt-BR" sz="2400" b="0" i="0" u="none" strike="noStrike" dirty="0" err="1">
+                <a:solidFill>
+                  <a:srgbClr val="000000"/>
+                </a:solidFill>
+                <a:effectLst/>
+              </a:rPr>
+              <a:t>Scikit-Learn</a:t>
+            </a:r>
+            <a:r>
+              <a:rPr lang="pt-BR" sz="2400" b="0" i="0" u="none" strike="noStrike" dirty="0">
+                <a:solidFill>
+                  <a:srgbClr val="000000"/>
+                </a:solidFill>
+                <a:effectLst/>
+              </a:rPr>
+              <a:t> </a:t>
+            </a:r>
+            <a:r>
+              <a:rPr lang="pt-BR" sz="2400" b="0" i="0" u="none" strike="noStrike" dirty="0" err="1">
+                <a:solidFill>
+                  <a:srgbClr val="000000"/>
+                </a:solidFill>
+                <a:effectLst/>
+              </a:rPr>
+              <a:t>and</a:t>
+            </a:r>
+            <a:r>
+              <a:rPr lang="pt-BR" sz="2400" b="0" i="0" u="none" strike="noStrike" dirty="0">
+                <a:solidFill>
+                  <a:srgbClr val="000000"/>
+                </a:solidFill>
+                <a:effectLst/>
+              </a:rPr>
+              <a:t> TensorFlow: </a:t>
+            </a:r>
+            <a:r>
+              <a:rPr lang="pt-BR" sz="2400" b="0" i="0" u="none" strike="noStrike" dirty="0" err="1">
+                <a:solidFill>
+                  <a:srgbClr val="000000"/>
+                </a:solidFill>
+                <a:effectLst/>
+              </a:rPr>
+              <a:t>Concepts</a:t>
+            </a:r>
+            <a:r>
+              <a:rPr lang="pt-BR" sz="2400" b="0" i="0" u="none" strike="noStrike" dirty="0">
+                <a:solidFill>
+                  <a:srgbClr val="000000"/>
+                </a:solidFill>
+                <a:effectLst/>
+              </a:rPr>
+              <a:t>, Tools, </a:t>
+            </a:r>
+            <a:r>
+              <a:rPr lang="pt-BR" sz="2400" b="0" i="0" u="none" strike="noStrike" dirty="0" err="1">
+                <a:solidFill>
+                  <a:srgbClr val="000000"/>
+                </a:solidFill>
+                <a:effectLst/>
+              </a:rPr>
+              <a:t>and</a:t>
+            </a:r>
+            <a:r>
+              <a:rPr lang="pt-BR" sz="2400" b="0" i="0" u="none" strike="noStrike" dirty="0">
+                <a:solidFill>
+                  <a:srgbClr val="000000"/>
+                </a:solidFill>
+                <a:effectLst/>
+              </a:rPr>
+              <a:t> </a:t>
+            </a:r>
+            <a:r>
+              <a:rPr lang="pt-BR" sz="2400" b="0" i="0" u="none" strike="noStrike" dirty="0" err="1">
+                <a:solidFill>
+                  <a:srgbClr val="000000"/>
+                </a:solidFill>
+                <a:effectLst/>
+              </a:rPr>
+              <a:t>Techniques</a:t>
+            </a:r>
+            <a:r>
+              <a:rPr lang="pt-BR" sz="2400" b="0" i="0" u="none" strike="noStrike" dirty="0">
+                <a:solidFill>
+                  <a:srgbClr val="000000"/>
+                </a:solidFill>
+                <a:effectLst/>
+              </a:rPr>
+              <a:t> </a:t>
+            </a:r>
+            <a:r>
+              <a:rPr lang="pt-BR" sz="2400" b="0" i="0" u="none" strike="noStrike" dirty="0" err="1">
+                <a:solidFill>
+                  <a:srgbClr val="000000"/>
+                </a:solidFill>
+                <a:effectLst/>
+              </a:rPr>
+              <a:t>to</a:t>
+            </a:r>
+            <a:r>
+              <a:rPr lang="pt-BR" sz="2400" b="0" i="0" u="none" strike="noStrike" dirty="0">
+                <a:solidFill>
+                  <a:srgbClr val="000000"/>
+                </a:solidFill>
+                <a:effectLst/>
+              </a:rPr>
+              <a:t> Build </a:t>
+            </a:r>
+            <a:r>
+              <a:rPr lang="pt-BR" sz="2400" b="0" i="0" u="none" strike="noStrike" dirty="0" err="1">
+                <a:solidFill>
+                  <a:srgbClr val="000000"/>
+                </a:solidFill>
+                <a:effectLst/>
+              </a:rPr>
+              <a:t>Intelligent</a:t>
+            </a:r>
+            <a:r>
+              <a:rPr lang="pt-BR" sz="2400" b="0" i="0" u="none" strike="noStrike" dirty="0">
+                <a:solidFill>
+                  <a:srgbClr val="000000"/>
+                </a:solidFill>
+                <a:effectLst/>
+              </a:rPr>
+              <a:t> Systems", 3rd ed., O'Reilly Media, 2022.</a:t>
+            </a:r>
+            <a:endParaRPr lang="pt-BR" sz="2400" dirty="0">
+              <a:solidFill>
+                <a:srgbClr val="000000"/>
+              </a:solidFill>
             </a:endParaRPr>
           </a:p>
           <a:p>
-            <a:pPr lvl="1">
-              <a:buFont typeface="Wingdings" panose="05000000000000000000" pitchFamily="2" charset="2"/>
-              <a:buChar char="§"/>
+            <a:pPr marL="0" indent="0" rtl="0">
+              <a:spcBef>
+                <a:spcPts val="0"/>
+              </a:spcBef>
+              <a:spcAft>
+                <a:spcPts val="0"/>
+              </a:spcAft>
+              <a:buNone/>
             </a:pPr>
             <a:r>
-              <a:rPr lang="pt-BR" dirty="0">
-                <a:hlinkClick r:id="rId3"/>
-              </a:rPr>
-              <a:t>https://www.youtube.com/watch?v=pq4NNIYar9o&amp;list=PLRc6ZYt68prVXAhwY1JD6DFc3BJGmJriq&amp;pp=gAQBiAQB</a:t>
-            </a:r>
-            <a:endParaRPr lang="pt-BR" dirty="0"/>
-          </a:p>
-          <a:p>
-            <a:r>
-              <a:rPr lang="pt-BR" dirty="0"/>
-              <a:t>Introdução ao </a:t>
-            </a:r>
-            <a:r>
-              <a:rPr lang="pt-BR" dirty="0" err="1"/>
-              <a:t>TensorFlow</a:t>
-            </a:r>
-            <a:endParaRPr lang="pt-BR" dirty="0"/>
-          </a:p>
-          <a:p>
-            <a:pPr lvl="1">
-              <a:buFont typeface="Wingdings" panose="05000000000000000000" pitchFamily="2" charset="2"/>
-              <a:buChar char="§"/>
+              <a:rPr lang="en-US" sz="2400" dirty="0">
+                <a:solidFill>
+                  <a:srgbClr val="000000"/>
+                </a:solidFill>
+              </a:rPr>
+              <a:t>[4] </a:t>
+            </a:r>
+            <a:r>
+              <a:rPr lang="en-US" sz="2400" dirty="0" err="1">
+                <a:solidFill>
+                  <a:srgbClr val="000000"/>
+                </a:solidFill>
+              </a:rPr>
+              <a:t>Raschka</a:t>
+            </a:r>
+            <a:r>
+              <a:rPr lang="en-US" sz="2400" dirty="0">
+                <a:solidFill>
+                  <a:srgbClr val="000000"/>
+                </a:solidFill>
+              </a:rPr>
+              <a:t>, Sebastian, et al., “Machine Learning with </a:t>
+            </a:r>
+            <a:r>
+              <a:rPr lang="en-US" sz="2400" dirty="0" err="1">
+                <a:solidFill>
+                  <a:srgbClr val="000000"/>
+                </a:solidFill>
+              </a:rPr>
+              <a:t>PyTorch</a:t>
+            </a:r>
+            <a:r>
+              <a:rPr lang="en-US" sz="2400" dirty="0">
+                <a:solidFill>
+                  <a:srgbClr val="000000"/>
+                </a:solidFill>
+              </a:rPr>
+              <a:t> and Scikit-Learn: Develop machine learning and deep learning models with Python”, </a:t>
+            </a:r>
+            <a:r>
+              <a:rPr lang="en-US" sz="2400" dirty="0" err="1">
+                <a:solidFill>
+                  <a:srgbClr val="000000"/>
+                </a:solidFill>
+              </a:rPr>
+              <a:t>Packt</a:t>
+            </a:r>
+            <a:r>
+              <a:rPr lang="en-US" sz="2400" dirty="0">
+                <a:solidFill>
+                  <a:srgbClr val="000000"/>
+                </a:solidFill>
+              </a:rPr>
+              <a:t> Publishing Ltd, 2022.</a:t>
+            </a:r>
+            <a:endParaRPr lang="pt-BR" sz="2400" dirty="0">
+              <a:solidFill>
+                <a:srgbClr val="000000"/>
+              </a:solidFill>
+            </a:endParaRPr>
+          </a:p>
+          <a:p>
+            <a:pPr marL="0" indent="0" rtl="0">
+              <a:spcBef>
+                <a:spcPts val="0"/>
+              </a:spcBef>
+              <a:spcAft>
+                <a:spcPts val="0"/>
+              </a:spcAft>
+              <a:buNone/>
             </a:pPr>
             <a:r>
-              <a:rPr lang="pt-BR" dirty="0">
-                <a:hlinkClick r:id="rId5"/>
-              </a:rPr>
-              <a:t>https://www.youtube.com/watch?v=yjprpOoH5c8&amp;ab_channel=TensorFlow</a:t>
-            </a:r>
-            <a:endParaRPr lang="pt-BR" dirty="0"/>
-          </a:p>
-          <a:p>
-            <a:r>
-              <a:rPr lang="pt-BR" dirty="0"/>
-              <a:t>Horário de Atendimento</a:t>
-            </a:r>
-          </a:p>
-          <a:p>
-            <a:pPr lvl="1">
-              <a:buFont typeface="Wingdings" panose="05000000000000000000" pitchFamily="2" charset="2"/>
-              <a:buChar char="§"/>
+              <a:rPr lang="pt-BR" sz="2400" b="0" i="0" u="none" strike="noStrike" dirty="0">
+                <a:solidFill>
+                  <a:srgbClr val="000000"/>
+                </a:solidFill>
+                <a:effectLst/>
+              </a:rPr>
+              <a:t>[5] C. M. Bishop, "</a:t>
+            </a:r>
+            <a:r>
+              <a:rPr lang="pt-BR" sz="2400" b="0" i="0" u="none" strike="noStrike" dirty="0" err="1">
+                <a:solidFill>
+                  <a:srgbClr val="000000"/>
+                </a:solidFill>
+                <a:effectLst/>
+              </a:rPr>
+              <a:t>Pattern</a:t>
+            </a:r>
+            <a:r>
+              <a:rPr lang="pt-BR" sz="2400" b="0" i="0" u="none" strike="noStrike" dirty="0">
+                <a:solidFill>
+                  <a:srgbClr val="000000"/>
+                </a:solidFill>
+                <a:effectLst/>
+              </a:rPr>
+              <a:t> </a:t>
+            </a:r>
+            <a:r>
+              <a:rPr lang="pt-BR" sz="2400" b="0" i="0" u="none" strike="noStrike" dirty="0" err="1">
+                <a:solidFill>
+                  <a:srgbClr val="000000"/>
+                </a:solidFill>
+                <a:effectLst/>
+              </a:rPr>
+              <a:t>Recognition</a:t>
+            </a:r>
+            <a:r>
+              <a:rPr lang="pt-BR" sz="2400" b="0" i="0" u="none" strike="noStrike" dirty="0">
+                <a:solidFill>
+                  <a:srgbClr val="000000"/>
+                </a:solidFill>
+                <a:effectLst/>
+              </a:rPr>
+              <a:t> </a:t>
+            </a:r>
+            <a:r>
+              <a:rPr lang="pt-BR" sz="2400" b="0" i="0" u="none" strike="noStrike" dirty="0" err="1">
+                <a:solidFill>
+                  <a:srgbClr val="000000"/>
+                </a:solidFill>
+                <a:effectLst/>
+              </a:rPr>
+              <a:t>and</a:t>
+            </a:r>
+            <a:r>
+              <a:rPr lang="pt-BR" sz="2400" b="0" i="0" u="none" strike="noStrike" dirty="0">
+                <a:solidFill>
+                  <a:srgbClr val="000000"/>
+                </a:solidFill>
+                <a:effectLst/>
+              </a:rPr>
+              <a:t> Machine Learning", Springer, 2006.</a:t>
+            </a:r>
+            <a:endParaRPr lang="pt-BR" sz="2400" b="0" dirty="0">
+              <a:effectLst/>
+            </a:endParaRPr>
+          </a:p>
+          <a:p>
+            <a:pPr marL="0" indent="0" rtl="0">
+              <a:spcBef>
+                <a:spcPts val="0"/>
+              </a:spcBef>
+              <a:spcAft>
+                <a:spcPts val="0"/>
+              </a:spcAft>
+              <a:buNone/>
             </a:pPr>
             <a:r>
-              <a:rPr lang="pt-BR" dirty="0"/>
-              <a:t>Todas as quartas-feiras das 17:30 às 18:30.</a:t>
-            </a:r>
-          </a:p>
-          <a:p>
-            <a:pPr lvl="1">
-              <a:buFont typeface="Wingdings" panose="05000000000000000000" pitchFamily="2" charset="2"/>
-              <a:buChar char="§"/>
+              <a:rPr lang="pt-BR" sz="2400" b="0" i="0" u="none" strike="noStrike" dirty="0">
+                <a:solidFill>
+                  <a:srgbClr val="000000"/>
+                </a:solidFill>
+                <a:effectLst/>
+              </a:rPr>
+              <a:t>[6] Sandro </a:t>
+            </a:r>
+            <a:r>
+              <a:rPr lang="pt-BR" sz="2400" b="0" i="0" u="none" strike="noStrike" dirty="0" err="1">
+                <a:solidFill>
+                  <a:srgbClr val="000000"/>
+                </a:solidFill>
+                <a:effectLst/>
+              </a:rPr>
+              <a:t>Skansi</a:t>
+            </a:r>
+            <a:r>
+              <a:rPr lang="pt-BR" sz="2400" dirty="0">
+                <a:solidFill>
+                  <a:srgbClr val="000000"/>
+                </a:solidFill>
+              </a:rPr>
+              <a:t>,</a:t>
+            </a:r>
+            <a:r>
+              <a:rPr lang="pt-BR" sz="2400" b="0" i="0" u="none" strike="noStrike" dirty="0">
+                <a:solidFill>
+                  <a:srgbClr val="000000"/>
+                </a:solidFill>
+                <a:effectLst/>
+              </a:rPr>
+              <a:t> “</a:t>
+            </a:r>
+            <a:r>
+              <a:rPr lang="pt-BR" sz="2400" b="0" i="0" u="none" strike="noStrike" dirty="0" err="1">
+                <a:solidFill>
+                  <a:srgbClr val="000000"/>
+                </a:solidFill>
+                <a:effectLst/>
+              </a:rPr>
+              <a:t>Introduction</a:t>
+            </a:r>
+            <a:r>
+              <a:rPr lang="pt-BR" sz="2400" b="0" i="0" u="none" strike="noStrike" dirty="0">
+                <a:solidFill>
+                  <a:srgbClr val="000000"/>
+                </a:solidFill>
+                <a:effectLst/>
+              </a:rPr>
+              <a:t> </a:t>
+            </a:r>
+            <a:r>
+              <a:rPr lang="pt-BR" sz="2400" b="0" i="0" u="none" strike="noStrike" dirty="0" err="1">
+                <a:solidFill>
+                  <a:srgbClr val="000000"/>
+                </a:solidFill>
+                <a:effectLst/>
+              </a:rPr>
+              <a:t>to</a:t>
+            </a:r>
+            <a:r>
+              <a:rPr lang="pt-BR" sz="2400" b="0" i="0" u="none" strike="noStrike" dirty="0">
+                <a:solidFill>
+                  <a:srgbClr val="000000"/>
+                </a:solidFill>
+                <a:effectLst/>
+              </a:rPr>
+              <a:t> </a:t>
+            </a:r>
+            <a:r>
+              <a:rPr lang="pt-BR" sz="2400" b="0" i="0" u="none" strike="noStrike" dirty="0" err="1">
+                <a:solidFill>
+                  <a:srgbClr val="000000"/>
+                </a:solidFill>
+                <a:effectLst/>
+              </a:rPr>
+              <a:t>deep</a:t>
+            </a:r>
+            <a:r>
+              <a:rPr lang="pt-BR" sz="2400" b="0" i="0" u="none" strike="noStrike" dirty="0">
+                <a:solidFill>
+                  <a:srgbClr val="000000"/>
+                </a:solidFill>
+                <a:effectLst/>
+              </a:rPr>
+              <a:t> learning: </a:t>
+            </a:r>
+            <a:r>
+              <a:rPr lang="pt-BR" sz="2400" b="0" i="0" u="none" strike="noStrike" dirty="0" err="1">
+                <a:solidFill>
+                  <a:srgbClr val="000000"/>
+                </a:solidFill>
+                <a:effectLst/>
+              </a:rPr>
+              <a:t>from</a:t>
+            </a:r>
+            <a:r>
+              <a:rPr lang="pt-BR" sz="2400" b="0" i="0" u="none" strike="noStrike" dirty="0">
+                <a:solidFill>
+                  <a:srgbClr val="000000"/>
+                </a:solidFill>
+                <a:effectLst/>
+              </a:rPr>
+              <a:t> </a:t>
+            </a:r>
+            <a:r>
+              <a:rPr lang="pt-BR" sz="2400" b="0" i="0" u="none" strike="noStrike" dirty="0" err="1">
+                <a:solidFill>
+                  <a:srgbClr val="000000"/>
+                </a:solidFill>
+                <a:effectLst/>
+              </a:rPr>
+              <a:t>logical</a:t>
+            </a:r>
+            <a:r>
+              <a:rPr lang="pt-BR" sz="2400" b="0" i="0" u="none" strike="noStrike" dirty="0">
+                <a:solidFill>
+                  <a:srgbClr val="000000"/>
+                </a:solidFill>
+                <a:effectLst/>
+              </a:rPr>
+              <a:t> </a:t>
+            </a:r>
+            <a:r>
+              <a:rPr lang="pt-BR" sz="2400" b="0" i="0" u="none" strike="noStrike" dirty="0" err="1">
+                <a:solidFill>
+                  <a:srgbClr val="000000"/>
+                </a:solidFill>
+                <a:effectLst/>
+              </a:rPr>
+              <a:t>calculus</a:t>
+            </a:r>
+            <a:r>
+              <a:rPr lang="pt-BR" sz="2400" b="0" i="0" u="none" strike="noStrike" dirty="0">
+                <a:solidFill>
+                  <a:srgbClr val="000000"/>
+                </a:solidFill>
+                <a:effectLst/>
+              </a:rPr>
+              <a:t> </a:t>
+            </a:r>
+            <a:r>
+              <a:rPr lang="pt-BR" sz="2400" b="0" i="0" u="none" strike="noStrike" dirty="0" err="1">
+                <a:solidFill>
+                  <a:srgbClr val="000000"/>
+                </a:solidFill>
+                <a:effectLst/>
+              </a:rPr>
+              <a:t>to</a:t>
+            </a:r>
+            <a:r>
+              <a:rPr lang="pt-BR" sz="2400" b="0" i="0" u="none" strike="noStrike" dirty="0">
+                <a:solidFill>
+                  <a:srgbClr val="000000"/>
+                </a:solidFill>
+                <a:effectLst/>
+              </a:rPr>
+              <a:t> artificial </a:t>
+            </a:r>
+            <a:r>
+              <a:rPr lang="pt-BR" sz="2400" b="0" i="0" u="none" strike="noStrike" dirty="0" err="1">
+                <a:solidFill>
+                  <a:srgbClr val="000000"/>
+                </a:solidFill>
+                <a:effectLst/>
+              </a:rPr>
+              <a:t>intelligence</a:t>
+            </a:r>
+            <a:r>
+              <a:rPr lang="pt-BR" sz="2400" b="0" i="0" u="none" strike="noStrike" dirty="0">
+                <a:solidFill>
+                  <a:srgbClr val="000000"/>
+                </a:solidFill>
+                <a:effectLst/>
+              </a:rPr>
+              <a:t>”, </a:t>
+            </a:r>
+            <a:r>
+              <a:rPr lang="pt-BR" sz="2400" b="0" i="0" u="none" strike="noStrike" dirty="0" err="1">
+                <a:solidFill>
+                  <a:srgbClr val="000000"/>
+                </a:solidFill>
+                <a:effectLst/>
+              </a:rPr>
+              <a:t>Cham</a:t>
+            </a:r>
+            <a:r>
+              <a:rPr lang="pt-BR" sz="2400" b="0" i="0" u="none" strike="noStrike" dirty="0">
+                <a:solidFill>
+                  <a:srgbClr val="000000"/>
+                </a:solidFill>
+                <a:effectLst/>
+              </a:rPr>
+              <a:t> - </a:t>
+            </a:r>
+            <a:r>
+              <a:rPr lang="pt-BR" sz="2400" b="0" i="0" u="none" strike="noStrike" dirty="0" err="1">
+                <a:solidFill>
+                  <a:srgbClr val="000000"/>
+                </a:solidFill>
+                <a:effectLst/>
+              </a:rPr>
+              <a:t>Suiça</a:t>
+            </a:r>
+            <a:r>
+              <a:rPr lang="pt-BR" sz="2400" b="0" i="0" u="none" strike="noStrike" dirty="0">
+                <a:solidFill>
+                  <a:srgbClr val="000000"/>
+                </a:solidFill>
+                <a:effectLst/>
+              </a:rPr>
+              <a:t>: Editora Springer, 2018.</a:t>
+            </a:r>
+            <a:endParaRPr lang="pt-BR" sz="2400" b="0" dirty="0">
+              <a:effectLst/>
+            </a:endParaRPr>
+          </a:p>
+          <a:p>
+            <a:pPr marL="0" indent="0" rtl="0">
+              <a:spcBef>
+                <a:spcPts val="0"/>
+              </a:spcBef>
+              <a:spcAft>
+                <a:spcPts val="0"/>
+              </a:spcAft>
+              <a:buNone/>
             </a:pPr>
             <a:r>
-              <a:rPr lang="pt-BR" dirty="0"/>
-              <a:t>Presencialmente ou remotamente.</a:t>
-            </a:r>
+              <a:rPr lang="pt-BR" sz="2400" b="0" i="0" u="none" strike="noStrike" dirty="0">
+                <a:solidFill>
+                  <a:srgbClr val="000000"/>
+                </a:solidFill>
+                <a:effectLst/>
+              </a:rPr>
+              <a:t>[7] Kevin P. Murphy, “Machine Learning: A </a:t>
+            </a:r>
+            <a:r>
+              <a:rPr lang="pt-BR" sz="2400" b="0" i="0" u="none" strike="noStrike" dirty="0" err="1">
+                <a:solidFill>
+                  <a:srgbClr val="000000"/>
+                </a:solidFill>
+                <a:effectLst/>
+              </a:rPr>
+              <a:t>Probabilistic</a:t>
+            </a:r>
+            <a:r>
+              <a:rPr lang="pt-BR" sz="2400" b="0" i="0" u="none" strike="noStrike" dirty="0">
+                <a:solidFill>
+                  <a:srgbClr val="000000"/>
+                </a:solidFill>
+                <a:effectLst/>
+              </a:rPr>
+              <a:t> Perspective”, MIT Press 2012.</a:t>
+            </a:r>
+            <a:endParaRPr lang="pt-BR" sz="2400" b="0" dirty="0">
+              <a:effectLst/>
+            </a:endParaRPr>
           </a:p>
         </p:txBody>
       </p:sp>
     </p:spTree>
     <p:extLst>
       <p:ext uri="{BB962C8B-B14F-4D97-AF65-F5344CB8AC3E}">
-        <p14:creationId xmlns:p14="http://schemas.microsoft.com/office/powerpoint/2010/main" val="1412900488"/>
+        <p14:creationId xmlns:p14="http://schemas.microsoft.com/office/powerpoint/2010/main" val="2247946137"/>
       </p:ext>
     </p:extLst>
   </p:cSld>

--- a/slides/TP558_1_Introdução_ao_curso.pptx
+++ b/slides/TP558_1_Introdução_ao_curso.pptx
@@ -18,8 +18,8 @@
     <p:sldId id="425" r:id="rId6"/>
     <p:sldId id="398" r:id="rId7"/>
     <p:sldId id="424" r:id="rId8"/>
-    <p:sldId id="426" r:id="rId9"/>
-    <p:sldId id="263" r:id="rId10"/>
+    <p:sldId id="263" r:id="rId9"/>
+    <p:sldId id="426" r:id="rId10"/>
     <p:sldId id="298" r:id="rId11"/>
     <p:sldId id="293" r:id="rId12"/>
     <p:sldId id="306" r:id="rId13"/>
@@ -1065,7 +1065,7 @@
           <a:p>
             <a:fld id="{6FC8D850-966F-45A6-8DE7-15B891E7D40D}" type="slidenum">
               <a:rPr lang="pt-BR" smtClean="0"/>
-              <a:t>9</a:t>
+              <a:t>8</a:t>
             </a:fld>
             <a:endParaRPr lang="pt-BR"/>
           </a:p>
@@ -6040,19 +6040,64 @@
             <p:ph idx="1"/>
           </p:nvPr>
         </p:nvSpPr>
-        <p:spPr/>
+        <p:spPr>
+          <a:xfrm>
+            <a:off x="838200" y="1825624"/>
+            <a:ext cx="11190514" cy="5032375"/>
+          </a:xfrm>
+        </p:spPr>
         <p:txBody>
           <a:bodyPr/>
           <a:lstStyle/>
           <a:p>
             <a:r>
               <a:rPr lang="pt-BR" dirty="0"/>
-              <a:t>Instruções detalhadas sobre o seminários e </a:t>
-            </a:r>
-            <a:r>
-              <a:rPr lang="pt-BR"/>
-              <a:t>projeto final.</a:t>
-            </a:r>
+              <a:t>Instruções detalhadas sobre o seminários e projeto final.</a:t>
+            </a:r>
+          </a:p>
+          <a:p>
+            <a:pPr lvl="1">
+              <a:buFont typeface="Wingdings" panose="05000000000000000000" pitchFamily="2" charset="2"/>
+              <a:buChar char="§"/>
+            </a:pPr>
+            <a:r>
+              <a:rPr lang="pt-BR" dirty="0"/>
+              <a:t>Seminários: </a:t>
+            </a:r>
+            <a:r>
+              <a:rPr lang="pt-BR" dirty="0">
+                <a:hlinkClick r:id="rId2"/>
+              </a:rPr>
+              <a:t>http://tinyurl.com/tp558-seminars</a:t>
+            </a:r>
+            <a:endParaRPr lang="pt-BR" dirty="0"/>
+          </a:p>
+          <a:p>
+            <a:pPr lvl="1">
+              <a:buFont typeface="Wingdings" panose="05000000000000000000" pitchFamily="2" charset="2"/>
+              <a:buChar char="§"/>
+            </a:pPr>
+            <a:r>
+              <a:rPr lang="pt-BR" dirty="0"/>
+              <a:t>Projeto final: </a:t>
+            </a:r>
+            <a:r>
+              <a:rPr lang="pt-BR" dirty="0">
+                <a:hlinkClick r:id="rId3"/>
+              </a:rPr>
+              <a:t>http://tinyurl.com/tp558-final-project</a:t>
+            </a:r>
+            <a:endParaRPr lang="pt-BR" dirty="0"/>
+          </a:p>
+          <a:p>
+            <a:pPr marL="457200" lvl="1" indent="0">
+              <a:buNone/>
+            </a:pPr>
+            <a:endParaRPr lang="pt-BR" dirty="0"/>
+          </a:p>
+          <a:p>
+            <a:pPr lvl="1"/>
+            <a:endParaRPr lang="pt-BR" dirty="0"/>
           </a:p>
           <a:p>
             <a:pPr lvl="1">
@@ -6098,7 +6143,7 @@
           <p:cNvPr id="2" name="Título 1">
             <a:extLst>
               <a:ext uri="{FF2B5EF4-FFF2-40B4-BE49-F238E27FC236}">
-                <a16:creationId xmlns:a16="http://schemas.microsoft.com/office/drawing/2014/main" id="{4CE740D2-3D7D-E6DD-BABD-477E08862585}"/>
+                <a16:creationId xmlns:a16="http://schemas.microsoft.com/office/drawing/2014/main" id="{A2A4684C-1159-4F88-A2B1-6BABEDE38C4D}"/>
               </a:ext>
             </a:extLst>
           </p:cNvPr>
@@ -6114,7 +6159,10 @@
           <a:bodyPr/>
           <a:lstStyle/>
           <a:p>
-            <a:endParaRPr lang="pt-BR"/>
+            <a:r>
+              <a:rPr lang="pt-BR" dirty="0"/>
+              <a:t>Referências</a:t>
+            </a:r>
           </a:p>
         </p:txBody>
       </p:sp>
@@ -6123,7 +6171,7 @@
           <p:cNvPr id="3" name="Espaço Reservado para Conteúdo 2">
             <a:extLst>
               <a:ext uri="{FF2B5EF4-FFF2-40B4-BE49-F238E27FC236}">
-                <a16:creationId xmlns:a16="http://schemas.microsoft.com/office/drawing/2014/main" id="{A2261D0C-4E3D-C901-26C9-0CC07A70AF58}"/>
+                <a16:creationId xmlns:a16="http://schemas.microsoft.com/office/drawing/2014/main" id="{EC432B31-D382-41FF-BB6B-2ABDD322424B}"/>
               </a:ext>
             </a:extLst>
           </p:cNvPr>
@@ -6134,19 +6182,875 @@
             <p:ph idx="1"/>
           </p:nvPr>
         </p:nvSpPr>
-        <p:spPr/>
-        <p:txBody>
-          <a:bodyPr/>
+        <p:spPr>
+          <a:xfrm>
+            <a:off x="838199" y="1648915"/>
+            <a:ext cx="11157155" cy="5209085"/>
+          </a:xfrm>
+        </p:spPr>
+        <p:txBody>
+          <a:bodyPr>
+            <a:noAutofit/>
+          </a:bodyPr>
           <a:lstStyle/>
           <a:p>
-            <a:endParaRPr lang="pt-BR"/>
+            <a:pPr marL="0" indent="0">
+              <a:spcBef>
+                <a:spcPts val="0"/>
+              </a:spcBef>
+              <a:buNone/>
+            </a:pPr>
+            <a:r>
+              <a:rPr lang="pt-BR" sz="2400" b="0" i="0" u="none" strike="noStrike" dirty="0">
+                <a:solidFill>
+                  <a:srgbClr val="000000"/>
+                </a:solidFill>
+                <a:effectLst/>
+              </a:rPr>
+              <a:t>[1] </a:t>
+            </a:r>
+            <a:r>
+              <a:rPr lang="pt-BR" sz="2400" b="0" i="0" u="none" strike="noStrike" dirty="0" err="1">
+                <a:solidFill>
+                  <a:srgbClr val="000000"/>
+                </a:solidFill>
+                <a:effectLst/>
+              </a:rPr>
+              <a:t>Code</a:t>
+            </a:r>
+            <a:r>
+              <a:rPr lang="pt-BR" sz="2400" b="0" i="0" u="none" strike="noStrike" dirty="0">
+                <a:solidFill>
+                  <a:srgbClr val="000000"/>
+                </a:solidFill>
+                <a:effectLst/>
+              </a:rPr>
+              <a:t> </a:t>
+            </a:r>
+            <a:r>
+              <a:rPr lang="pt-BR" sz="2400" b="0" i="0" u="none" strike="noStrike" dirty="0" err="1">
+                <a:solidFill>
+                  <a:srgbClr val="000000"/>
+                </a:solidFill>
+                <a:effectLst/>
+              </a:rPr>
+              <a:t>examples</a:t>
+            </a:r>
+            <a:r>
+              <a:rPr lang="pt-BR" sz="2400" b="0" i="0" u="none" strike="noStrike" dirty="0">
+                <a:solidFill>
+                  <a:srgbClr val="000000"/>
+                </a:solidFill>
+                <a:effectLst/>
+              </a:rPr>
+              <a:t>, </a:t>
+            </a:r>
+            <a:r>
+              <a:rPr lang="pt-BR" sz="2400" b="0" i="0" u="none" strike="noStrike" dirty="0">
+                <a:solidFill>
+                  <a:srgbClr val="000000"/>
+                </a:solidFill>
+                <a:effectLst/>
+                <a:hlinkClick r:id="rId3"/>
+              </a:rPr>
+              <a:t>https://keras.io/examples/</a:t>
+            </a:r>
+            <a:endParaRPr lang="pt-BR" sz="2400" b="0" i="0" u="none" strike="noStrike" dirty="0">
+              <a:solidFill>
+                <a:srgbClr val="000000"/>
+              </a:solidFill>
+              <a:effectLst/>
+            </a:endParaRPr>
+          </a:p>
+          <a:p>
+            <a:pPr marL="0" indent="0">
+              <a:spcBef>
+                <a:spcPts val="0"/>
+              </a:spcBef>
+              <a:buNone/>
+            </a:pPr>
+            <a:r>
+              <a:rPr lang="pt-BR" sz="2400" b="0" i="0" u="none" strike="noStrike" dirty="0">
+                <a:solidFill>
+                  <a:srgbClr val="000000"/>
+                </a:solidFill>
+                <a:effectLst/>
+              </a:rPr>
+              <a:t>[</a:t>
+            </a:r>
+            <a:r>
+              <a:rPr lang="pt-BR" sz="2400" dirty="0">
+                <a:solidFill>
+                  <a:srgbClr val="000000"/>
+                </a:solidFill>
+              </a:rPr>
+              <a:t>2</a:t>
+            </a:r>
+            <a:r>
+              <a:rPr lang="pt-BR" sz="2400" b="0" i="0" u="none" strike="noStrike" dirty="0">
+                <a:solidFill>
+                  <a:srgbClr val="000000"/>
+                </a:solidFill>
+                <a:effectLst/>
+              </a:rPr>
+              <a:t>] Ian </a:t>
+            </a:r>
+            <a:r>
+              <a:rPr lang="pt-BR" sz="2400" b="0" i="0" u="none" strike="noStrike" dirty="0" err="1">
+                <a:solidFill>
+                  <a:srgbClr val="000000"/>
+                </a:solidFill>
+                <a:effectLst/>
+              </a:rPr>
+              <a:t>Goodfellow</a:t>
+            </a:r>
+            <a:r>
+              <a:rPr lang="pt-BR" sz="2400" b="0" i="0" u="none" strike="noStrike" dirty="0">
+                <a:solidFill>
+                  <a:srgbClr val="000000"/>
+                </a:solidFill>
+                <a:effectLst/>
+              </a:rPr>
+              <a:t>, </a:t>
+            </a:r>
+            <a:r>
+              <a:rPr lang="pt-BR" sz="2400" b="0" i="0" u="none" strike="noStrike" dirty="0" err="1">
+                <a:solidFill>
+                  <a:srgbClr val="000000"/>
+                </a:solidFill>
+                <a:effectLst/>
+              </a:rPr>
+              <a:t>Yoshua</a:t>
+            </a:r>
+            <a:r>
+              <a:rPr lang="pt-BR" sz="2400" b="0" i="0" u="none" strike="noStrike" dirty="0">
+                <a:solidFill>
+                  <a:srgbClr val="000000"/>
+                </a:solidFill>
+                <a:effectLst/>
+              </a:rPr>
+              <a:t> </a:t>
+            </a:r>
+            <a:r>
+              <a:rPr lang="pt-BR" sz="2400" b="0" i="0" u="none" strike="noStrike" dirty="0" err="1">
+                <a:solidFill>
+                  <a:srgbClr val="000000"/>
+                </a:solidFill>
+                <a:effectLst/>
+              </a:rPr>
+              <a:t>Bengio</a:t>
+            </a:r>
+            <a:r>
+              <a:rPr lang="pt-BR" sz="2400" b="0" i="0" u="none" strike="noStrike" dirty="0">
+                <a:solidFill>
+                  <a:srgbClr val="000000"/>
+                </a:solidFill>
+                <a:effectLst/>
+              </a:rPr>
+              <a:t>, </a:t>
+            </a:r>
+            <a:r>
+              <a:rPr lang="pt-BR" sz="2400" b="0" i="0" u="none" strike="noStrike" dirty="0" err="1">
+                <a:solidFill>
+                  <a:srgbClr val="000000"/>
+                </a:solidFill>
+                <a:effectLst/>
+              </a:rPr>
+              <a:t>and</a:t>
+            </a:r>
+            <a:r>
+              <a:rPr lang="pt-BR" sz="2400" b="0" i="0" u="none" strike="noStrike" dirty="0">
+                <a:solidFill>
+                  <a:srgbClr val="000000"/>
+                </a:solidFill>
+                <a:effectLst/>
+              </a:rPr>
+              <a:t> Aaron </a:t>
+            </a:r>
+            <a:r>
+              <a:rPr lang="pt-BR" sz="2400" b="0" i="0" u="none" strike="noStrike" dirty="0" err="1">
+                <a:solidFill>
+                  <a:srgbClr val="000000"/>
+                </a:solidFill>
+                <a:effectLst/>
+              </a:rPr>
+              <a:t>Courville</a:t>
+            </a:r>
+            <a:r>
+              <a:rPr lang="pt-BR" sz="2400" b="0" i="0" u="none" strike="noStrike" dirty="0">
+                <a:solidFill>
+                  <a:srgbClr val="000000"/>
+                </a:solidFill>
+                <a:effectLst/>
+              </a:rPr>
+              <a:t>. “</a:t>
+            </a:r>
+            <a:r>
+              <a:rPr lang="pt-BR" sz="2400" b="0" i="0" u="none" strike="noStrike" dirty="0" err="1">
+                <a:solidFill>
+                  <a:srgbClr val="000000"/>
+                </a:solidFill>
+                <a:effectLst/>
+              </a:rPr>
+              <a:t>Deep</a:t>
+            </a:r>
+            <a:r>
+              <a:rPr lang="pt-BR" sz="2400" b="0" i="0" u="none" strike="noStrike" dirty="0">
+                <a:solidFill>
+                  <a:srgbClr val="000000"/>
+                </a:solidFill>
+                <a:effectLst/>
+              </a:rPr>
+              <a:t> Learning”. MIT Press 2016.</a:t>
+            </a:r>
+            <a:endParaRPr lang="pt-BR" sz="2400" b="0" dirty="0">
+              <a:effectLst/>
+            </a:endParaRPr>
+          </a:p>
+          <a:p>
+            <a:pPr marL="0" indent="0">
+              <a:spcBef>
+                <a:spcPts val="0"/>
+              </a:spcBef>
+              <a:buNone/>
+            </a:pPr>
+            <a:r>
+              <a:rPr lang="pt-BR" sz="2400" b="0" i="0" u="none" strike="noStrike" dirty="0">
+                <a:solidFill>
+                  <a:srgbClr val="000000"/>
+                </a:solidFill>
+                <a:effectLst/>
+              </a:rPr>
+              <a:t>[</a:t>
+            </a:r>
+            <a:r>
+              <a:rPr lang="pt-BR" sz="2400" dirty="0">
+                <a:solidFill>
+                  <a:srgbClr val="000000"/>
+                </a:solidFill>
+              </a:rPr>
+              <a:t>3</a:t>
+            </a:r>
+            <a:r>
+              <a:rPr lang="pt-BR" sz="2400" b="0" i="0" u="none" strike="noStrike" dirty="0">
+                <a:solidFill>
+                  <a:srgbClr val="000000"/>
+                </a:solidFill>
+                <a:effectLst/>
+              </a:rPr>
+              <a:t>] </a:t>
+            </a:r>
+            <a:r>
+              <a:rPr lang="pt-BR" sz="2400" b="0" i="0" u="none" strike="noStrike" dirty="0" err="1">
+                <a:solidFill>
+                  <a:srgbClr val="000000"/>
+                </a:solidFill>
+                <a:effectLst/>
+              </a:rPr>
+              <a:t>Aurélien</a:t>
+            </a:r>
+            <a:r>
+              <a:rPr lang="pt-BR" sz="2400" b="0" i="0" u="none" strike="noStrike" dirty="0">
+                <a:solidFill>
+                  <a:srgbClr val="000000"/>
+                </a:solidFill>
+                <a:effectLst/>
+              </a:rPr>
+              <a:t> </a:t>
+            </a:r>
+            <a:r>
+              <a:rPr lang="pt-BR" sz="2400" b="0" i="0" u="none" strike="noStrike" dirty="0" err="1">
+                <a:solidFill>
+                  <a:srgbClr val="000000"/>
+                </a:solidFill>
+                <a:effectLst/>
+              </a:rPr>
+              <a:t>Géron</a:t>
+            </a:r>
+            <a:r>
+              <a:rPr lang="pt-BR" sz="2400" b="0" i="0" u="none" strike="noStrike" dirty="0">
+                <a:solidFill>
+                  <a:srgbClr val="000000"/>
+                </a:solidFill>
+                <a:effectLst/>
+              </a:rPr>
+              <a:t>, "Hands-On Machine Learning </a:t>
+            </a:r>
+            <a:r>
+              <a:rPr lang="pt-BR" sz="2400" b="0" i="0" u="none" strike="noStrike" dirty="0" err="1">
+                <a:solidFill>
+                  <a:srgbClr val="000000"/>
+                </a:solidFill>
+                <a:effectLst/>
+              </a:rPr>
+              <a:t>with</a:t>
+            </a:r>
+            <a:r>
+              <a:rPr lang="pt-BR" sz="2400" b="0" i="0" u="none" strike="noStrike" dirty="0">
+                <a:solidFill>
+                  <a:srgbClr val="000000"/>
+                </a:solidFill>
+                <a:effectLst/>
+              </a:rPr>
+              <a:t> </a:t>
+            </a:r>
+            <a:r>
+              <a:rPr lang="pt-BR" sz="2400" b="0" i="0" u="none" strike="noStrike" dirty="0" err="1">
+                <a:solidFill>
+                  <a:srgbClr val="000000"/>
+                </a:solidFill>
+                <a:effectLst/>
+              </a:rPr>
+              <a:t>Scikit-Learn</a:t>
+            </a:r>
+            <a:r>
+              <a:rPr lang="pt-BR" sz="2400" b="0" i="0" u="none" strike="noStrike" dirty="0">
+                <a:solidFill>
+                  <a:srgbClr val="000000"/>
+                </a:solidFill>
+                <a:effectLst/>
+              </a:rPr>
+              <a:t> </a:t>
+            </a:r>
+            <a:r>
+              <a:rPr lang="pt-BR" sz="2400" b="0" i="0" u="none" strike="noStrike" dirty="0" err="1">
+                <a:solidFill>
+                  <a:srgbClr val="000000"/>
+                </a:solidFill>
+                <a:effectLst/>
+              </a:rPr>
+              <a:t>and</a:t>
+            </a:r>
+            <a:r>
+              <a:rPr lang="pt-BR" sz="2400" b="0" i="0" u="none" strike="noStrike" dirty="0">
+                <a:solidFill>
+                  <a:srgbClr val="000000"/>
+                </a:solidFill>
+                <a:effectLst/>
+              </a:rPr>
+              <a:t> TensorFlow: </a:t>
+            </a:r>
+            <a:r>
+              <a:rPr lang="pt-BR" sz="2400" b="0" i="0" u="none" strike="noStrike" dirty="0" err="1">
+                <a:solidFill>
+                  <a:srgbClr val="000000"/>
+                </a:solidFill>
+                <a:effectLst/>
+              </a:rPr>
+              <a:t>Concepts</a:t>
+            </a:r>
+            <a:r>
+              <a:rPr lang="pt-BR" sz="2400" b="0" i="0" u="none" strike="noStrike" dirty="0">
+                <a:solidFill>
+                  <a:srgbClr val="000000"/>
+                </a:solidFill>
+                <a:effectLst/>
+              </a:rPr>
+              <a:t>, Tools, </a:t>
+            </a:r>
+            <a:r>
+              <a:rPr lang="pt-BR" sz="2400" b="0" i="0" u="none" strike="noStrike" dirty="0" err="1">
+                <a:solidFill>
+                  <a:srgbClr val="000000"/>
+                </a:solidFill>
+                <a:effectLst/>
+              </a:rPr>
+              <a:t>and</a:t>
+            </a:r>
+            <a:r>
+              <a:rPr lang="pt-BR" sz="2400" b="0" i="0" u="none" strike="noStrike" dirty="0">
+                <a:solidFill>
+                  <a:srgbClr val="000000"/>
+                </a:solidFill>
+                <a:effectLst/>
+              </a:rPr>
+              <a:t> </a:t>
+            </a:r>
+            <a:r>
+              <a:rPr lang="pt-BR" sz="2400" b="0" i="0" u="none" strike="noStrike" dirty="0" err="1">
+                <a:solidFill>
+                  <a:srgbClr val="000000"/>
+                </a:solidFill>
+                <a:effectLst/>
+              </a:rPr>
+              <a:t>Techniques</a:t>
+            </a:r>
+            <a:r>
+              <a:rPr lang="pt-BR" sz="2400" b="0" i="0" u="none" strike="noStrike" dirty="0">
+                <a:solidFill>
+                  <a:srgbClr val="000000"/>
+                </a:solidFill>
+                <a:effectLst/>
+              </a:rPr>
+              <a:t> </a:t>
+            </a:r>
+            <a:r>
+              <a:rPr lang="pt-BR" sz="2400" b="0" i="0" u="none" strike="noStrike" dirty="0" err="1">
+                <a:solidFill>
+                  <a:srgbClr val="000000"/>
+                </a:solidFill>
+                <a:effectLst/>
+              </a:rPr>
+              <a:t>to</a:t>
+            </a:r>
+            <a:r>
+              <a:rPr lang="pt-BR" sz="2400" b="0" i="0" u="none" strike="noStrike" dirty="0">
+                <a:solidFill>
+                  <a:srgbClr val="000000"/>
+                </a:solidFill>
+                <a:effectLst/>
+              </a:rPr>
+              <a:t> Build </a:t>
+            </a:r>
+            <a:r>
+              <a:rPr lang="pt-BR" sz="2400" b="0" i="0" u="none" strike="noStrike" dirty="0" err="1">
+                <a:solidFill>
+                  <a:srgbClr val="000000"/>
+                </a:solidFill>
+                <a:effectLst/>
+              </a:rPr>
+              <a:t>Intelligent</a:t>
+            </a:r>
+            <a:r>
+              <a:rPr lang="pt-BR" sz="2400" b="0" i="0" u="none" strike="noStrike" dirty="0">
+                <a:solidFill>
+                  <a:srgbClr val="000000"/>
+                </a:solidFill>
+                <a:effectLst/>
+              </a:rPr>
+              <a:t> Systems", 3rd ed., O'Reilly Media, 2022.</a:t>
+            </a:r>
+            <a:endParaRPr lang="pt-BR" sz="2400" dirty="0">
+              <a:solidFill>
+                <a:srgbClr val="000000"/>
+              </a:solidFill>
+            </a:endParaRPr>
+          </a:p>
+          <a:p>
+            <a:pPr marL="0" indent="0" rtl="0">
+              <a:spcBef>
+                <a:spcPts val="0"/>
+              </a:spcBef>
+              <a:spcAft>
+                <a:spcPts val="0"/>
+              </a:spcAft>
+              <a:buNone/>
+            </a:pPr>
+            <a:r>
+              <a:rPr lang="en-US" sz="2400" dirty="0">
+                <a:solidFill>
+                  <a:srgbClr val="000000"/>
+                </a:solidFill>
+              </a:rPr>
+              <a:t>[4] </a:t>
+            </a:r>
+            <a:r>
+              <a:rPr lang="en-US" sz="2400" dirty="0" err="1">
+                <a:solidFill>
+                  <a:srgbClr val="000000"/>
+                </a:solidFill>
+              </a:rPr>
+              <a:t>Raschka</a:t>
+            </a:r>
+            <a:r>
+              <a:rPr lang="en-US" sz="2400" dirty="0">
+                <a:solidFill>
+                  <a:srgbClr val="000000"/>
+                </a:solidFill>
+              </a:rPr>
+              <a:t>, Sebastian, et al., “Machine Learning with </a:t>
+            </a:r>
+            <a:r>
+              <a:rPr lang="en-US" sz="2400" dirty="0" err="1">
+                <a:solidFill>
+                  <a:srgbClr val="000000"/>
+                </a:solidFill>
+              </a:rPr>
+              <a:t>PyTorch</a:t>
+            </a:r>
+            <a:r>
+              <a:rPr lang="en-US" sz="2400" dirty="0">
+                <a:solidFill>
+                  <a:srgbClr val="000000"/>
+                </a:solidFill>
+              </a:rPr>
+              <a:t> and Scikit-Learn: Develop machine learning and deep learning models with Python”, </a:t>
+            </a:r>
+            <a:r>
+              <a:rPr lang="en-US" sz="2400" dirty="0" err="1">
+                <a:solidFill>
+                  <a:srgbClr val="000000"/>
+                </a:solidFill>
+              </a:rPr>
+              <a:t>Packt</a:t>
+            </a:r>
+            <a:r>
+              <a:rPr lang="en-US" sz="2400" dirty="0">
+                <a:solidFill>
+                  <a:srgbClr val="000000"/>
+                </a:solidFill>
+              </a:rPr>
+              <a:t> Publishing Ltd, 2022.</a:t>
+            </a:r>
+            <a:endParaRPr lang="pt-BR" sz="2400" dirty="0">
+              <a:solidFill>
+                <a:srgbClr val="000000"/>
+              </a:solidFill>
+            </a:endParaRPr>
+          </a:p>
+          <a:p>
+            <a:pPr marL="0" indent="0" rtl="0">
+              <a:spcBef>
+                <a:spcPts val="0"/>
+              </a:spcBef>
+              <a:spcAft>
+                <a:spcPts val="0"/>
+              </a:spcAft>
+              <a:buNone/>
+            </a:pPr>
+            <a:r>
+              <a:rPr lang="pt-BR" sz="2400" b="0" i="0" u="none" strike="noStrike" dirty="0">
+                <a:solidFill>
+                  <a:srgbClr val="000000"/>
+                </a:solidFill>
+                <a:effectLst/>
+              </a:rPr>
+              <a:t>[5] C. M. Bishop, "</a:t>
+            </a:r>
+            <a:r>
+              <a:rPr lang="pt-BR" sz="2400" b="0" i="0" u="none" strike="noStrike" dirty="0" err="1">
+                <a:solidFill>
+                  <a:srgbClr val="000000"/>
+                </a:solidFill>
+                <a:effectLst/>
+              </a:rPr>
+              <a:t>Pattern</a:t>
+            </a:r>
+            <a:r>
+              <a:rPr lang="pt-BR" sz="2400" b="0" i="0" u="none" strike="noStrike" dirty="0">
+                <a:solidFill>
+                  <a:srgbClr val="000000"/>
+                </a:solidFill>
+                <a:effectLst/>
+              </a:rPr>
+              <a:t> </a:t>
+            </a:r>
+            <a:r>
+              <a:rPr lang="pt-BR" sz="2400" b="0" i="0" u="none" strike="noStrike" dirty="0" err="1">
+                <a:solidFill>
+                  <a:srgbClr val="000000"/>
+                </a:solidFill>
+                <a:effectLst/>
+              </a:rPr>
+              <a:t>Recognition</a:t>
+            </a:r>
+            <a:r>
+              <a:rPr lang="pt-BR" sz="2400" b="0" i="0" u="none" strike="noStrike" dirty="0">
+                <a:solidFill>
+                  <a:srgbClr val="000000"/>
+                </a:solidFill>
+                <a:effectLst/>
+              </a:rPr>
+              <a:t> </a:t>
+            </a:r>
+            <a:r>
+              <a:rPr lang="pt-BR" sz="2400" b="0" i="0" u="none" strike="noStrike" dirty="0" err="1">
+                <a:solidFill>
+                  <a:srgbClr val="000000"/>
+                </a:solidFill>
+                <a:effectLst/>
+              </a:rPr>
+              <a:t>and</a:t>
+            </a:r>
+            <a:r>
+              <a:rPr lang="pt-BR" sz="2400" b="0" i="0" u="none" strike="noStrike" dirty="0">
+                <a:solidFill>
+                  <a:srgbClr val="000000"/>
+                </a:solidFill>
+                <a:effectLst/>
+              </a:rPr>
+              <a:t> Machine Learning", Springer, 2006.</a:t>
+            </a:r>
+            <a:endParaRPr lang="pt-BR" sz="2400" b="0" dirty="0">
+              <a:effectLst/>
+            </a:endParaRPr>
+          </a:p>
+          <a:p>
+            <a:pPr marL="0" indent="0" rtl="0">
+              <a:spcBef>
+                <a:spcPts val="0"/>
+              </a:spcBef>
+              <a:spcAft>
+                <a:spcPts val="0"/>
+              </a:spcAft>
+              <a:buNone/>
+            </a:pPr>
+            <a:r>
+              <a:rPr lang="pt-BR" sz="2400" b="0" i="0" u="none" strike="noStrike" dirty="0">
+                <a:solidFill>
+                  <a:srgbClr val="000000"/>
+                </a:solidFill>
+                <a:effectLst/>
+              </a:rPr>
+              <a:t>[6] Sandro </a:t>
+            </a:r>
+            <a:r>
+              <a:rPr lang="pt-BR" sz="2400" b="0" i="0" u="none" strike="noStrike" dirty="0" err="1">
+                <a:solidFill>
+                  <a:srgbClr val="000000"/>
+                </a:solidFill>
+                <a:effectLst/>
+              </a:rPr>
+              <a:t>Skansi</a:t>
+            </a:r>
+            <a:r>
+              <a:rPr lang="pt-BR" sz="2400" dirty="0">
+                <a:solidFill>
+                  <a:srgbClr val="000000"/>
+                </a:solidFill>
+              </a:rPr>
+              <a:t>,</a:t>
+            </a:r>
+            <a:r>
+              <a:rPr lang="pt-BR" sz="2400" b="0" i="0" u="none" strike="noStrike" dirty="0">
+                <a:solidFill>
+                  <a:srgbClr val="000000"/>
+                </a:solidFill>
+                <a:effectLst/>
+              </a:rPr>
+              <a:t> “</a:t>
+            </a:r>
+            <a:r>
+              <a:rPr lang="pt-BR" sz="2400" b="0" i="0" u="none" strike="noStrike" dirty="0" err="1">
+                <a:solidFill>
+                  <a:srgbClr val="000000"/>
+                </a:solidFill>
+                <a:effectLst/>
+              </a:rPr>
+              <a:t>Introduction</a:t>
+            </a:r>
+            <a:r>
+              <a:rPr lang="pt-BR" sz="2400" b="0" i="0" u="none" strike="noStrike" dirty="0">
+                <a:solidFill>
+                  <a:srgbClr val="000000"/>
+                </a:solidFill>
+                <a:effectLst/>
+              </a:rPr>
+              <a:t> </a:t>
+            </a:r>
+            <a:r>
+              <a:rPr lang="pt-BR" sz="2400" b="0" i="0" u="none" strike="noStrike" dirty="0" err="1">
+                <a:solidFill>
+                  <a:srgbClr val="000000"/>
+                </a:solidFill>
+                <a:effectLst/>
+              </a:rPr>
+              <a:t>to</a:t>
+            </a:r>
+            <a:r>
+              <a:rPr lang="pt-BR" sz="2400" b="0" i="0" u="none" strike="noStrike" dirty="0">
+                <a:solidFill>
+                  <a:srgbClr val="000000"/>
+                </a:solidFill>
+                <a:effectLst/>
+              </a:rPr>
+              <a:t> </a:t>
+            </a:r>
+            <a:r>
+              <a:rPr lang="pt-BR" sz="2400" b="0" i="0" u="none" strike="noStrike" dirty="0" err="1">
+                <a:solidFill>
+                  <a:srgbClr val="000000"/>
+                </a:solidFill>
+                <a:effectLst/>
+              </a:rPr>
+              <a:t>deep</a:t>
+            </a:r>
+            <a:r>
+              <a:rPr lang="pt-BR" sz="2400" b="0" i="0" u="none" strike="noStrike" dirty="0">
+                <a:solidFill>
+                  <a:srgbClr val="000000"/>
+                </a:solidFill>
+                <a:effectLst/>
+              </a:rPr>
+              <a:t> learning: </a:t>
+            </a:r>
+            <a:r>
+              <a:rPr lang="pt-BR" sz="2400" b="0" i="0" u="none" strike="noStrike" dirty="0" err="1">
+                <a:solidFill>
+                  <a:srgbClr val="000000"/>
+                </a:solidFill>
+                <a:effectLst/>
+              </a:rPr>
+              <a:t>from</a:t>
+            </a:r>
+            <a:r>
+              <a:rPr lang="pt-BR" sz="2400" b="0" i="0" u="none" strike="noStrike" dirty="0">
+                <a:solidFill>
+                  <a:srgbClr val="000000"/>
+                </a:solidFill>
+                <a:effectLst/>
+              </a:rPr>
+              <a:t> </a:t>
+            </a:r>
+            <a:r>
+              <a:rPr lang="pt-BR" sz="2400" b="0" i="0" u="none" strike="noStrike" dirty="0" err="1">
+                <a:solidFill>
+                  <a:srgbClr val="000000"/>
+                </a:solidFill>
+                <a:effectLst/>
+              </a:rPr>
+              <a:t>logical</a:t>
+            </a:r>
+            <a:r>
+              <a:rPr lang="pt-BR" sz="2400" b="0" i="0" u="none" strike="noStrike" dirty="0">
+                <a:solidFill>
+                  <a:srgbClr val="000000"/>
+                </a:solidFill>
+                <a:effectLst/>
+              </a:rPr>
+              <a:t> </a:t>
+            </a:r>
+            <a:r>
+              <a:rPr lang="pt-BR" sz="2400" b="0" i="0" u="none" strike="noStrike" dirty="0" err="1">
+                <a:solidFill>
+                  <a:srgbClr val="000000"/>
+                </a:solidFill>
+                <a:effectLst/>
+              </a:rPr>
+              <a:t>calculus</a:t>
+            </a:r>
+            <a:r>
+              <a:rPr lang="pt-BR" sz="2400" b="0" i="0" u="none" strike="noStrike" dirty="0">
+                <a:solidFill>
+                  <a:srgbClr val="000000"/>
+                </a:solidFill>
+                <a:effectLst/>
+              </a:rPr>
+              <a:t> </a:t>
+            </a:r>
+            <a:r>
+              <a:rPr lang="pt-BR" sz="2400" b="0" i="0" u="none" strike="noStrike" dirty="0" err="1">
+                <a:solidFill>
+                  <a:srgbClr val="000000"/>
+                </a:solidFill>
+                <a:effectLst/>
+              </a:rPr>
+              <a:t>to</a:t>
+            </a:r>
+            <a:r>
+              <a:rPr lang="pt-BR" sz="2400" b="0" i="0" u="none" strike="noStrike" dirty="0">
+                <a:solidFill>
+                  <a:srgbClr val="000000"/>
+                </a:solidFill>
+                <a:effectLst/>
+              </a:rPr>
+              <a:t> artificial </a:t>
+            </a:r>
+            <a:r>
+              <a:rPr lang="pt-BR" sz="2400" b="0" i="0" u="none" strike="noStrike" dirty="0" err="1">
+                <a:solidFill>
+                  <a:srgbClr val="000000"/>
+                </a:solidFill>
+                <a:effectLst/>
+              </a:rPr>
+              <a:t>intelligence</a:t>
+            </a:r>
+            <a:r>
+              <a:rPr lang="pt-BR" sz="2400" b="0" i="0" u="none" strike="noStrike" dirty="0">
+                <a:solidFill>
+                  <a:srgbClr val="000000"/>
+                </a:solidFill>
+                <a:effectLst/>
+              </a:rPr>
+              <a:t>”, </a:t>
+            </a:r>
+            <a:r>
+              <a:rPr lang="pt-BR" sz="2400" b="0" i="0" u="none" strike="noStrike" dirty="0" err="1">
+                <a:solidFill>
+                  <a:srgbClr val="000000"/>
+                </a:solidFill>
+                <a:effectLst/>
+              </a:rPr>
+              <a:t>Cham</a:t>
+            </a:r>
+            <a:r>
+              <a:rPr lang="pt-BR" sz="2400" b="0" i="0" u="none" strike="noStrike" dirty="0">
+                <a:solidFill>
+                  <a:srgbClr val="000000"/>
+                </a:solidFill>
+                <a:effectLst/>
+              </a:rPr>
+              <a:t> - </a:t>
+            </a:r>
+            <a:r>
+              <a:rPr lang="pt-BR" sz="2400" b="0" i="0" u="none" strike="noStrike" dirty="0" err="1">
+                <a:solidFill>
+                  <a:srgbClr val="000000"/>
+                </a:solidFill>
+                <a:effectLst/>
+              </a:rPr>
+              <a:t>Suiça</a:t>
+            </a:r>
+            <a:r>
+              <a:rPr lang="pt-BR" sz="2400" b="0" i="0" u="none" strike="noStrike" dirty="0">
+                <a:solidFill>
+                  <a:srgbClr val="000000"/>
+                </a:solidFill>
+                <a:effectLst/>
+              </a:rPr>
+              <a:t>: Editora Springer, 2018.</a:t>
+            </a:r>
+            <a:endParaRPr lang="pt-BR" sz="2400" b="0" dirty="0">
+              <a:effectLst/>
+            </a:endParaRPr>
+          </a:p>
+          <a:p>
+            <a:pPr marL="0" indent="0" rtl="0">
+              <a:spcBef>
+                <a:spcPts val="0"/>
+              </a:spcBef>
+              <a:spcAft>
+                <a:spcPts val="0"/>
+              </a:spcAft>
+              <a:buNone/>
+            </a:pPr>
+            <a:r>
+              <a:rPr lang="pt-BR" sz="2400" b="0" i="0" u="none" strike="noStrike" dirty="0">
+                <a:solidFill>
+                  <a:srgbClr val="000000"/>
+                </a:solidFill>
+                <a:effectLst/>
+              </a:rPr>
+              <a:t>[7] Kevin P. Murphy, “Machine Learning: A </a:t>
+            </a:r>
+            <a:r>
+              <a:rPr lang="pt-BR" sz="2400" b="0" i="0" u="none" strike="noStrike" dirty="0" err="1">
+                <a:solidFill>
+                  <a:srgbClr val="000000"/>
+                </a:solidFill>
+                <a:effectLst/>
+              </a:rPr>
+              <a:t>Probabilistic</a:t>
+            </a:r>
+            <a:r>
+              <a:rPr lang="pt-BR" sz="2400" b="0" i="0" u="none" strike="noStrike" dirty="0">
+                <a:solidFill>
+                  <a:srgbClr val="000000"/>
+                </a:solidFill>
+                <a:effectLst/>
+              </a:rPr>
+              <a:t> Perspective”, MIT Press 2012.</a:t>
+            </a:r>
+            <a:endParaRPr lang="pt-BR" sz="2400" b="0" dirty="0">
+              <a:effectLst/>
+            </a:endParaRPr>
           </a:p>
         </p:txBody>
       </p:sp>
     </p:spTree>
     <p:extLst>
       <p:ext uri="{BB962C8B-B14F-4D97-AF65-F5344CB8AC3E}">
-        <p14:creationId xmlns:p14="http://schemas.microsoft.com/office/powerpoint/2010/main" val="2740483308"/>
+        <p14:creationId xmlns:p14="http://schemas.microsoft.com/office/powerpoint/2010/main" val="2247946137"/>
       </p:ext>
     </p:extLst>
   </p:cSld>
@@ -6178,7 +7082,7 @@
           <p:cNvPr id="2" name="Título 1">
             <a:extLst>
               <a:ext uri="{FF2B5EF4-FFF2-40B4-BE49-F238E27FC236}">
-                <a16:creationId xmlns:a16="http://schemas.microsoft.com/office/drawing/2014/main" id="{A2A4684C-1159-4F88-A2B1-6BABEDE38C4D}"/>
+                <a16:creationId xmlns:a16="http://schemas.microsoft.com/office/drawing/2014/main" id="{4CE740D2-3D7D-E6DD-BABD-477E08862585}"/>
               </a:ext>
             </a:extLst>
           </p:cNvPr>
@@ -6194,10 +7098,7 @@
           <a:bodyPr/>
           <a:lstStyle/>
           <a:p>
-            <a:r>
-              <a:rPr lang="pt-BR" dirty="0"/>
-              <a:t>Referências</a:t>
-            </a:r>
+            <a:endParaRPr lang="pt-BR"/>
           </a:p>
         </p:txBody>
       </p:sp>
@@ -6206,7 +7107,7 @@
           <p:cNvPr id="3" name="Espaço Reservado para Conteúdo 2">
             <a:extLst>
               <a:ext uri="{FF2B5EF4-FFF2-40B4-BE49-F238E27FC236}">
-                <a16:creationId xmlns:a16="http://schemas.microsoft.com/office/drawing/2014/main" id="{EC432B31-D382-41FF-BB6B-2ABDD322424B}"/>
+                <a16:creationId xmlns:a16="http://schemas.microsoft.com/office/drawing/2014/main" id="{A2261D0C-4E3D-C901-26C9-0CC07A70AF58}"/>
               </a:ext>
             </a:extLst>
           </p:cNvPr>
@@ -6217,859 +7118,19 @@
             <p:ph idx="1"/>
           </p:nvPr>
         </p:nvSpPr>
-        <p:spPr>
-          <a:xfrm>
-            <a:off x="838199" y="1648915"/>
-            <a:ext cx="11157155" cy="5209085"/>
-          </a:xfrm>
-        </p:spPr>
-        <p:txBody>
-          <a:bodyPr>
-            <a:noAutofit/>
-          </a:bodyPr>
+        <p:spPr/>
+        <p:txBody>
+          <a:bodyPr/>
           <a:lstStyle/>
           <a:p>
-            <a:pPr marL="0" indent="0">
-              <a:spcBef>
-                <a:spcPts val="0"/>
-              </a:spcBef>
-              <a:buNone/>
-            </a:pPr>
-            <a:r>
-              <a:rPr lang="pt-BR" sz="2400" b="0" i="0" u="none" strike="noStrike" dirty="0">
-                <a:solidFill>
-                  <a:srgbClr val="000000"/>
-                </a:solidFill>
-                <a:effectLst/>
-              </a:rPr>
-              <a:t>[1] </a:t>
-            </a:r>
-            <a:r>
-              <a:rPr lang="pt-BR" sz="2400" b="0" i="0" u="none" strike="noStrike" dirty="0" err="1">
-                <a:solidFill>
-                  <a:srgbClr val="000000"/>
-                </a:solidFill>
-                <a:effectLst/>
-              </a:rPr>
-              <a:t>Code</a:t>
-            </a:r>
-            <a:r>
-              <a:rPr lang="pt-BR" sz="2400" b="0" i="0" u="none" strike="noStrike" dirty="0">
-                <a:solidFill>
-                  <a:srgbClr val="000000"/>
-                </a:solidFill>
-                <a:effectLst/>
-              </a:rPr>
-              <a:t> </a:t>
-            </a:r>
-            <a:r>
-              <a:rPr lang="pt-BR" sz="2400" b="0" i="0" u="none" strike="noStrike" dirty="0" err="1">
-                <a:solidFill>
-                  <a:srgbClr val="000000"/>
-                </a:solidFill>
-                <a:effectLst/>
-              </a:rPr>
-              <a:t>examples</a:t>
-            </a:r>
-            <a:r>
-              <a:rPr lang="pt-BR" sz="2400" b="0" i="0" u="none" strike="noStrike" dirty="0">
-                <a:solidFill>
-                  <a:srgbClr val="000000"/>
-                </a:solidFill>
-                <a:effectLst/>
-              </a:rPr>
-              <a:t>, https://keras.io/examples/</a:t>
-            </a:r>
-          </a:p>
-          <a:p>
-            <a:pPr marL="0" indent="0">
-              <a:spcBef>
-                <a:spcPts val="0"/>
-              </a:spcBef>
-              <a:buNone/>
-            </a:pPr>
-            <a:r>
-              <a:rPr lang="pt-BR" sz="2400" b="0" i="0" u="none" strike="noStrike" dirty="0">
-                <a:solidFill>
-                  <a:srgbClr val="000000"/>
-                </a:solidFill>
-                <a:effectLst/>
-              </a:rPr>
-              <a:t>[</a:t>
-            </a:r>
-            <a:r>
-              <a:rPr lang="pt-BR" sz="2400" dirty="0">
-                <a:solidFill>
-                  <a:srgbClr val="000000"/>
-                </a:solidFill>
-              </a:rPr>
-              <a:t>2</a:t>
-            </a:r>
-            <a:r>
-              <a:rPr lang="pt-BR" sz="2400" b="0" i="0" u="none" strike="noStrike" dirty="0">
-                <a:solidFill>
-                  <a:srgbClr val="000000"/>
-                </a:solidFill>
-                <a:effectLst/>
-              </a:rPr>
-              <a:t>] Ian </a:t>
-            </a:r>
-            <a:r>
-              <a:rPr lang="pt-BR" sz="2400" b="0" i="0" u="none" strike="noStrike" dirty="0" err="1">
-                <a:solidFill>
-                  <a:srgbClr val="000000"/>
-                </a:solidFill>
-                <a:effectLst/>
-              </a:rPr>
-              <a:t>Goodfellow</a:t>
-            </a:r>
-            <a:r>
-              <a:rPr lang="pt-BR" sz="2400" b="0" i="0" u="none" strike="noStrike" dirty="0">
-                <a:solidFill>
-                  <a:srgbClr val="000000"/>
-                </a:solidFill>
-                <a:effectLst/>
-              </a:rPr>
-              <a:t>, </a:t>
-            </a:r>
-            <a:r>
-              <a:rPr lang="pt-BR" sz="2400" b="0" i="0" u="none" strike="noStrike" dirty="0" err="1">
-                <a:solidFill>
-                  <a:srgbClr val="000000"/>
-                </a:solidFill>
-                <a:effectLst/>
-              </a:rPr>
-              <a:t>Yoshua</a:t>
-            </a:r>
-            <a:r>
-              <a:rPr lang="pt-BR" sz="2400" b="0" i="0" u="none" strike="noStrike" dirty="0">
-                <a:solidFill>
-                  <a:srgbClr val="000000"/>
-                </a:solidFill>
-                <a:effectLst/>
-              </a:rPr>
-              <a:t> </a:t>
-            </a:r>
-            <a:r>
-              <a:rPr lang="pt-BR" sz="2400" b="0" i="0" u="none" strike="noStrike" dirty="0" err="1">
-                <a:solidFill>
-                  <a:srgbClr val="000000"/>
-                </a:solidFill>
-                <a:effectLst/>
-              </a:rPr>
-              <a:t>Bengio</a:t>
-            </a:r>
-            <a:r>
-              <a:rPr lang="pt-BR" sz="2400" b="0" i="0" u="none" strike="noStrike" dirty="0">
-                <a:solidFill>
-                  <a:srgbClr val="000000"/>
-                </a:solidFill>
-                <a:effectLst/>
-              </a:rPr>
-              <a:t>, </a:t>
-            </a:r>
-            <a:r>
-              <a:rPr lang="pt-BR" sz="2400" b="0" i="0" u="none" strike="noStrike" dirty="0" err="1">
-                <a:solidFill>
-                  <a:srgbClr val="000000"/>
-                </a:solidFill>
-                <a:effectLst/>
-              </a:rPr>
-              <a:t>and</a:t>
-            </a:r>
-            <a:r>
-              <a:rPr lang="pt-BR" sz="2400" b="0" i="0" u="none" strike="noStrike" dirty="0">
-                <a:solidFill>
-                  <a:srgbClr val="000000"/>
-                </a:solidFill>
-                <a:effectLst/>
-              </a:rPr>
-              <a:t> Aaron </a:t>
-            </a:r>
-            <a:r>
-              <a:rPr lang="pt-BR" sz="2400" b="0" i="0" u="none" strike="noStrike" dirty="0" err="1">
-                <a:solidFill>
-                  <a:srgbClr val="000000"/>
-                </a:solidFill>
-                <a:effectLst/>
-              </a:rPr>
-              <a:t>Courville</a:t>
-            </a:r>
-            <a:r>
-              <a:rPr lang="pt-BR" sz="2400" b="0" i="0" u="none" strike="noStrike" dirty="0">
-                <a:solidFill>
-                  <a:srgbClr val="000000"/>
-                </a:solidFill>
-                <a:effectLst/>
-              </a:rPr>
-              <a:t>. “</a:t>
-            </a:r>
-            <a:r>
-              <a:rPr lang="pt-BR" sz="2400" b="0" i="0" u="none" strike="noStrike" dirty="0" err="1">
-                <a:solidFill>
-                  <a:srgbClr val="000000"/>
-                </a:solidFill>
-                <a:effectLst/>
-              </a:rPr>
-              <a:t>Deep</a:t>
-            </a:r>
-            <a:r>
-              <a:rPr lang="pt-BR" sz="2400" b="0" i="0" u="none" strike="noStrike" dirty="0">
-                <a:solidFill>
-                  <a:srgbClr val="000000"/>
-                </a:solidFill>
-                <a:effectLst/>
-              </a:rPr>
-              <a:t> Learning”. MIT Press 2016.</a:t>
-            </a:r>
-            <a:endParaRPr lang="pt-BR" sz="2400" b="0" dirty="0">
-              <a:effectLst/>
-            </a:endParaRPr>
-          </a:p>
-          <a:p>
-            <a:pPr marL="0" indent="0">
-              <a:spcBef>
-                <a:spcPts val="0"/>
-              </a:spcBef>
-              <a:buNone/>
-            </a:pPr>
-            <a:r>
-              <a:rPr lang="pt-BR" sz="2400" b="0" i="0" u="none" strike="noStrike" dirty="0">
-                <a:solidFill>
-                  <a:srgbClr val="000000"/>
-                </a:solidFill>
-                <a:effectLst/>
-              </a:rPr>
-              <a:t>[</a:t>
-            </a:r>
-            <a:r>
-              <a:rPr lang="pt-BR" sz="2400" dirty="0">
-                <a:solidFill>
-                  <a:srgbClr val="000000"/>
-                </a:solidFill>
-              </a:rPr>
-              <a:t>3</a:t>
-            </a:r>
-            <a:r>
-              <a:rPr lang="pt-BR" sz="2400" b="0" i="0" u="none" strike="noStrike" dirty="0">
-                <a:solidFill>
-                  <a:srgbClr val="000000"/>
-                </a:solidFill>
-                <a:effectLst/>
-              </a:rPr>
-              <a:t>] </a:t>
-            </a:r>
-            <a:r>
-              <a:rPr lang="pt-BR" sz="2400" b="0" i="0" u="none" strike="noStrike" dirty="0" err="1">
-                <a:solidFill>
-                  <a:srgbClr val="000000"/>
-                </a:solidFill>
-                <a:effectLst/>
-              </a:rPr>
-              <a:t>Aurélien</a:t>
-            </a:r>
-            <a:r>
-              <a:rPr lang="pt-BR" sz="2400" b="0" i="0" u="none" strike="noStrike" dirty="0">
-                <a:solidFill>
-                  <a:srgbClr val="000000"/>
-                </a:solidFill>
-                <a:effectLst/>
-              </a:rPr>
-              <a:t> </a:t>
-            </a:r>
-            <a:r>
-              <a:rPr lang="pt-BR" sz="2400" b="0" i="0" u="none" strike="noStrike" dirty="0" err="1">
-                <a:solidFill>
-                  <a:srgbClr val="000000"/>
-                </a:solidFill>
-                <a:effectLst/>
-              </a:rPr>
-              <a:t>Géron</a:t>
-            </a:r>
-            <a:r>
-              <a:rPr lang="pt-BR" sz="2400" b="0" i="0" u="none" strike="noStrike" dirty="0">
-                <a:solidFill>
-                  <a:srgbClr val="000000"/>
-                </a:solidFill>
-                <a:effectLst/>
-              </a:rPr>
-              <a:t>, "Hands-On Machine Learning </a:t>
-            </a:r>
-            <a:r>
-              <a:rPr lang="pt-BR" sz="2400" b="0" i="0" u="none" strike="noStrike" dirty="0" err="1">
-                <a:solidFill>
-                  <a:srgbClr val="000000"/>
-                </a:solidFill>
-                <a:effectLst/>
-              </a:rPr>
-              <a:t>with</a:t>
-            </a:r>
-            <a:r>
-              <a:rPr lang="pt-BR" sz="2400" b="0" i="0" u="none" strike="noStrike" dirty="0">
-                <a:solidFill>
-                  <a:srgbClr val="000000"/>
-                </a:solidFill>
-                <a:effectLst/>
-              </a:rPr>
-              <a:t> </a:t>
-            </a:r>
-            <a:r>
-              <a:rPr lang="pt-BR" sz="2400" b="0" i="0" u="none" strike="noStrike" dirty="0" err="1">
-                <a:solidFill>
-                  <a:srgbClr val="000000"/>
-                </a:solidFill>
-                <a:effectLst/>
-              </a:rPr>
-              <a:t>Scikit-Learn</a:t>
-            </a:r>
-            <a:r>
-              <a:rPr lang="pt-BR" sz="2400" b="0" i="0" u="none" strike="noStrike" dirty="0">
-                <a:solidFill>
-                  <a:srgbClr val="000000"/>
-                </a:solidFill>
-                <a:effectLst/>
-              </a:rPr>
-              <a:t> </a:t>
-            </a:r>
-            <a:r>
-              <a:rPr lang="pt-BR" sz="2400" b="0" i="0" u="none" strike="noStrike" dirty="0" err="1">
-                <a:solidFill>
-                  <a:srgbClr val="000000"/>
-                </a:solidFill>
-                <a:effectLst/>
-              </a:rPr>
-              <a:t>and</a:t>
-            </a:r>
-            <a:r>
-              <a:rPr lang="pt-BR" sz="2400" b="0" i="0" u="none" strike="noStrike" dirty="0">
-                <a:solidFill>
-                  <a:srgbClr val="000000"/>
-                </a:solidFill>
-                <a:effectLst/>
-              </a:rPr>
-              <a:t> TensorFlow: </a:t>
-            </a:r>
-            <a:r>
-              <a:rPr lang="pt-BR" sz="2400" b="0" i="0" u="none" strike="noStrike" dirty="0" err="1">
-                <a:solidFill>
-                  <a:srgbClr val="000000"/>
-                </a:solidFill>
-                <a:effectLst/>
-              </a:rPr>
-              <a:t>Concepts</a:t>
-            </a:r>
-            <a:r>
-              <a:rPr lang="pt-BR" sz="2400" b="0" i="0" u="none" strike="noStrike" dirty="0">
-                <a:solidFill>
-                  <a:srgbClr val="000000"/>
-                </a:solidFill>
-                <a:effectLst/>
-              </a:rPr>
-              <a:t>, Tools, </a:t>
-            </a:r>
-            <a:r>
-              <a:rPr lang="pt-BR" sz="2400" b="0" i="0" u="none" strike="noStrike" dirty="0" err="1">
-                <a:solidFill>
-                  <a:srgbClr val="000000"/>
-                </a:solidFill>
-                <a:effectLst/>
-              </a:rPr>
-              <a:t>and</a:t>
-            </a:r>
-            <a:r>
-              <a:rPr lang="pt-BR" sz="2400" b="0" i="0" u="none" strike="noStrike" dirty="0">
-                <a:solidFill>
-                  <a:srgbClr val="000000"/>
-                </a:solidFill>
-                <a:effectLst/>
-              </a:rPr>
-              <a:t> </a:t>
-            </a:r>
-            <a:r>
-              <a:rPr lang="pt-BR" sz="2400" b="0" i="0" u="none" strike="noStrike" dirty="0" err="1">
-                <a:solidFill>
-                  <a:srgbClr val="000000"/>
-                </a:solidFill>
-                <a:effectLst/>
-              </a:rPr>
-              <a:t>Techniques</a:t>
-            </a:r>
-            <a:r>
-              <a:rPr lang="pt-BR" sz="2400" b="0" i="0" u="none" strike="noStrike" dirty="0">
-                <a:solidFill>
-                  <a:srgbClr val="000000"/>
-                </a:solidFill>
-                <a:effectLst/>
-              </a:rPr>
-              <a:t> </a:t>
-            </a:r>
-            <a:r>
-              <a:rPr lang="pt-BR" sz="2400" b="0" i="0" u="none" strike="noStrike" dirty="0" err="1">
-                <a:solidFill>
-                  <a:srgbClr val="000000"/>
-                </a:solidFill>
-                <a:effectLst/>
-              </a:rPr>
-              <a:t>to</a:t>
-            </a:r>
-            <a:r>
-              <a:rPr lang="pt-BR" sz="2400" b="0" i="0" u="none" strike="noStrike" dirty="0">
-                <a:solidFill>
-                  <a:srgbClr val="000000"/>
-                </a:solidFill>
-                <a:effectLst/>
-              </a:rPr>
-              <a:t> Build </a:t>
-            </a:r>
-            <a:r>
-              <a:rPr lang="pt-BR" sz="2400" b="0" i="0" u="none" strike="noStrike" dirty="0" err="1">
-                <a:solidFill>
-                  <a:srgbClr val="000000"/>
-                </a:solidFill>
-                <a:effectLst/>
-              </a:rPr>
-              <a:t>Intelligent</a:t>
-            </a:r>
-            <a:r>
-              <a:rPr lang="pt-BR" sz="2400" b="0" i="0" u="none" strike="noStrike" dirty="0">
-                <a:solidFill>
-                  <a:srgbClr val="000000"/>
-                </a:solidFill>
-                <a:effectLst/>
-              </a:rPr>
-              <a:t> Systems", 3rd ed., O'Reilly Media, 2022.</a:t>
-            </a:r>
-            <a:endParaRPr lang="pt-BR" sz="2400" dirty="0">
-              <a:solidFill>
-                <a:srgbClr val="000000"/>
-              </a:solidFill>
-            </a:endParaRPr>
-          </a:p>
-          <a:p>
-            <a:pPr marL="0" indent="0" rtl="0">
-              <a:spcBef>
-                <a:spcPts val="0"/>
-              </a:spcBef>
-              <a:spcAft>
-                <a:spcPts val="0"/>
-              </a:spcAft>
-              <a:buNone/>
-            </a:pPr>
-            <a:r>
-              <a:rPr lang="en-US" sz="2400" dirty="0">
-                <a:solidFill>
-                  <a:srgbClr val="000000"/>
-                </a:solidFill>
-              </a:rPr>
-              <a:t>[4] </a:t>
-            </a:r>
-            <a:r>
-              <a:rPr lang="en-US" sz="2400" dirty="0" err="1">
-                <a:solidFill>
-                  <a:srgbClr val="000000"/>
-                </a:solidFill>
-              </a:rPr>
-              <a:t>Raschka</a:t>
-            </a:r>
-            <a:r>
-              <a:rPr lang="en-US" sz="2400" dirty="0">
-                <a:solidFill>
-                  <a:srgbClr val="000000"/>
-                </a:solidFill>
-              </a:rPr>
-              <a:t>, Sebastian, et al., “Machine Learning with </a:t>
-            </a:r>
-            <a:r>
-              <a:rPr lang="en-US" sz="2400" dirty="0" err="1">
-                <a:solidFill>
-                  <a:srgbClr val="000000"/>
-                </a:solidFill>
-              </a:rPr>
-              <a:t>PyTorch</a:t>
-            </a:r>
-            <a:r>
-              <a:rPr lang="en-US" sz="2400" dirty="0">
-                <a:solidFill>
-                  <a:srgbClr val="000000"/>
-                </a:solidFill>
-              </a:rPr>
-              <a:t> and Scikit-Learn: Develop machine learning and deep learning models with Python”, </a:t>
-            </a:r>
-            <a:r>
-              <a:rPr lang="en-US" sz="2400" dirty="0" err="1">
-                <a:solidFill>
-                  <a:srgbClr val="000000"/>
-                </a:solidFill>
-              </a:rPr>
-              <a:t>Packt</a:t>
-            </a:r>
-            <a:r>
-              <a:rPr lang="en-US" sz="2400" dirty="0">
-                <a:solidFill>
-                  <a:srgbClr val="000000"/>
-                </a:solidFill>
-              </a:rPr>
-              <a:t> Publishing Ltd, 2022.</a:t>
-            </a:r>
-            <a:endParaRPr lang="pt-BR" sz="2400" dirty="0">
-              <a:solidFill>
-                <a:srgbClr val="000000"/>
-              </a:solidFill>
-            </a:endParaRPr>
-          </a:p>
-          <a:p>
-            <a:pPr marL="0" indent="0" rtl="0">
-              <a:spcBef>
-                <a:spcPts val="0"/>
-              </a:spcBef>
-              <a:spcAft>
-                <a:spcPts val="0"/>
-              </a:spcAft>
-              <a:buNone/>
-            </a:pPr>
-            <a:r>
-              <a:rPr lang="pt-BR" sz="2400" b="0" i="0" u="none" strike="noStrike" dirty="0">
-                <a:solidFill>
-                  <a:srgbClr val="000000"/>
-                </a:solidFill>
-                <a:effectLst/>
-              </a:rPr>
-              <a:t>[5] C. M. Bishop, "</a:t>
-            </a:r>
-            <a:r>
-              <a:rPr lang="pt-BR" sz="2400" b="0" i="0" u="none" strike="noStrike" dirty="0" err="1">
-                <a:solidFill>
-                  <a:srgbClr val="000000"/>
-                </a:solidFill>
-                <a:effectLst/>
-              </a:rPr>
-              <a:t>Pattern</a:t>
-            </a:r>
-            <a:r>
-              <a:rPr lang="pt-BR" sz="2400" b="0" i="0" u="none" strike="noStrike" dirty="0">
-                <a:solidFill>
-                  <a:srgbClr val="000000"/>
-                </a:solidFill>
-                <a:effectLst/>
-              </a:rPr>
-              <a:t> </a:t>
-            </a:r>
-            <a:r>
-              <a:rPr lang="pt-BR" sz="2400" b="0" i="0" u="none" strike="noStrike" dirty="0" err="1">
-                <a:solidFill>
-                  <a:srgbClr val="000000"/>
-                </a:solidFill>
-                <a:effectLst/>
-              </a:rPr>
-              <a:t>Recognition</a:t>
-            </a:r>
-            <a:r>
-              <a:rPr lang="pt-BR" sz="2400" b="0" i="0" u="none" strike="noStrike" dirty="0">
-                <a:solidFill>
-                  <a:srgbClr val="000000"/>
-                </a:solidFill>
-                <a:effectLst/>
-              </a:rPr>
-              <a:t> </a:t>
-            </a:r>
-            <a:r>
-              <a:rPr lang="pt-BR" sz="2400" b="0" i="0" u="none" strike="noStrike" dirty="0" err="1">
-                <a:solidFill>
-                  <a:srgbClr val="000000"/>
-                </a:solidFill>
-                <a:effectLst/>
-              </a:rPr>
-              <a:t>and</a:t>
-            </a:r>
-            <a:r>
-              <a:rPr lang="pt-BR" sz="2400" b="0" i="0" u="none" strike="noStrike" dirty="0">
-                <a:solidFill>
-                  <a:srgbClr val="000000"/>
-                </a:solidFill>
-                <a:effectLst/>
-              </a:rPr>
-              <a:t> Machine Learning", Springer, 2006.</a:t>
-            </a:r>
-            <a:endParaRPr lang="pt-BR" sz="2400" b="0" dirty="0">
-              <a:effectLst/>
-            </a:endParaRPr>
-          </a:p>
-          <a:p>
-            <a:pPr marL="0" indent="0" rtl="0">
-              <a:spcBef>
-                <a:spcPts val="0"/>
-              </a:spcBef>
-              <a:spcAft>
-                <a:spcPts val="0"/>
-              </a:spcAft>
-              <a:buNone/>
-            </a:pPr>
-            <a:r>
-              <a:rPr lang="pt-BR" sz="2400" b="0" i="0" u="none" strike="noStrike" dirty="0">
-                <a:solidFill>
-                  <a:srgbClr val="000000"/>
-                </a:solidFill>
-                <a:effectLst/>
-              </a:rPr>
-              <a:t>[6] Sandro </a:t>
-            </a:r>
-            <a:r>
-              <a:rPr lang="pt-BR" sz="2400" b="0" i="0" u="none" strike="noStrike" dirty="0" err="1">
-                <a:solidFill>
-                  <a:srgbClr val="000000"/>
-                </a:solidFill>
-                <a:effectLst/>
-              </a:rPr>
-              <a:t>Skansi</a:t>
-            </a:r>
-            <a:r>
-              <a:rPr lang="pt-BR" sz="2400" dirty="0">
-                <a:solidFill>
-                  <a:srgbClr val="000000"/>
-                </a:solidFill>
-              </a:rPr>
-              <a:t>,</a:t>
-            </a:r>
-            <a:r>
-              <a:rPr lang="pt-BR" sz="2400" b="0" i="0" u="none" strike="noStrike" dirty="0">
-                <a:solidFill>
-                  <a:srgbClr val="000000"/>
-                </a:solidFill>
-                <a:effectLst/>
-              </a:rPr>
-              <a:t> “</a:t>
-            </a:r>
-            <a:r>
-              <a:rPr lang="pt-BR" sz="2400" b="0" i="0" u="none" strike="noStrike" dirty="0" err="1">
-                <a:solidFill>
-                  <a:srgbClr val="000000"/>
-                </a:solidFill>
-                <a:effectLst/>
-              </a:rPr>
-              <a:t>Introduction</a:t>
-            </a:r>
-            <a:r>
-              <a:rPr lang="pt-BR" sz="2400" b="0" i="0" u="none" strike="noStrike" dirty="0">
-                <a:solidFill>
-                  <a:srgbClr val="000000"/>
-                </a:solidFill>
-                <a:effectLst/>
-              </a:rPr>
-              <a:t> </a:t>
-            </a:r>
-            <a:r>
-              <a:rPr lang="pt-BR" sz="2400" b="0" i="0" u="none" strike="noStrike" dirty="0" err="1">
-                <a:solidFill>
-                  <a:srgbClr val="000000"/>
-                </a:solidFill>
-                <a:effectLst/>
-              </a:rPr>
-              <a:t>to</a:t>
-            </a:r>
-            <a:r>
-              <a:rPr lang="pt-BR" sz="2400" b="0" i="0" u="none" strike="noStrike" dirty="0">
-                <a:solidFill>
-                  <a:srgbClr val="000000"/>
-                </a:solidFill>
-                <a:effectLst/>
-              </a:rPr>
-              <a:t> </a:t>
-            </a:r>
-            <a:r>
-              <a:rPr lang="pt-BR" sz="2400" b="0" i="0" u="none" strike="noStrike" dirty="0" err="1">
-                <a:solidFill>
-                  <a:srgbClr val="000000"/>
-                </a:solidFill>
-                <a:effectLst/>
-              </a:rPr>
-              <a:t>deep</a:t>
-            </a:r>
-            <a:r>
-              <a:rPr lang="pt-BR" sz="2400" b="0" i="0" u="none" strike="noStrike" dirty="0">
-                <a:solidFill>
-                  <a:srgbClr val="000000"/>
-                </a:solidFill>
-                <a:effectLst/>
-              </a:rPr>
-              <a:t> learning: </a:t>
-            </a:r>
-            <a:r>
-              <a:rPr lang="pt-BR" sz="2400" b="0" i="0" u="none" strike="noStrike" dirty="0" err="1">
-                <a:solidFill>
-                  <a:srgbClr val="000000"/>
-                </a:solidFill>
-                <a:effectLst/>
-              </a:rPr>
-              <a:t>from</a:t>
-            </a:r>
-            <a:r>
-              <a:rPr lang="pt-BR" sz="2400" b="0" i="0" u="none" strike="noStrike" dirty="0">
-                <a:solidFill>
-                  <a:srgbClr val="000000"/>
-                </a:solidFill>
-                <a:effectLst/>
-              </a:rPr>
-              <a:t> </a:t>
-            </a:r>
-            <a:r>
-              <a:rPr lang="pt-BR" sz="2400" b="0" i="0" u="none" strike="noStrike" dirty="0" err="1">
-                <a:solidFill>
-                  <a:srgbClr val="000000"/>
-                </a:solidFill>
-                <a:effectLst/>
-              </a:rPr>
-              <a:t>logical</a:t>
-            </a:r>
-            <a:r>
-              <a:rPr lang="pt-BR" sz="2400" b="0" i="0" u="none" strike="noStrike" dirty="0">
-                <a:solidFill>
-                  <a:srgbClr val="000000"/>
-                </a:solidFill>
-                <a:effectLst/>
-              </a:rPr>
-              <a:t> </a:t>
-            </a:r>
-            <a:r>
-              <a:rPr lang="pt-BR" sz="2400" b="0" i="0" u="none" strike="noStrike" dirty="0" err="1">
-                <a:solidFill>
-                  <a:srgbClr val="000000"/>
-                </a:solidFill>
-                <a:effectLst/>
-              </a:rPr>
-              <a:t>calculus</a:t>
-            </a:r>
-            <a:r>
-              <a:rPr lang="pt-BR" sz="2400" b="0" i="0" u="none" strike="noStrike" dirty="0">
-                <a:solidFill>
-                  <a:srgbClr val="000000"/>
-                </a:solidFill>
-                <a:effectLst/>
-              </a:rPr>
-              <a:t> </a:t>
-            </a:r>
-            <a:r>
-              <a:rPr lang="pt-BR" sz="2400" b="0" i="0" u="none" strike="noStrike" dirty="0" err="1">
-                <a:solidFill>
-                  <a:srgbClr val="000000"/>
-                </a:solidFill>
-                <a:effectLst/>
-              </a:rPr>
-              <a:t>to</a:t>
-            </a:r>
-            <a:r>
-              <a:rPr lang="pt-BR" sz="2400" b="0" i="0" u="none" strike="noStrike" dirty="0">
-                <a:solidFill>
-                  <a:srgbClr val="000000"/>
-                </a:solidFill>
-                <a:effectLst/>
-              </a:rPr>
-              <a:t> artificial </a:t>
-            </a:r>
-            <a:r>
-              <a:rPr lang="pt-BR" sz="2400" b="0" i="0" u="none" strike="noStrike" dirty="0" err="1">
-                <a:solidFill>
-                  <a:srgbClr val="000000"/>
-                </a:solidFill>
-                <a:effectLst/>
-              </a:rPr>
-              <a:t>intelligence</a:t>
-            </a:r>
-            <a:r>
-              <a:rPr lang="pt-BR" sz="2400" b="0" i="0" u="none" strike="noStrike" dirty="0">
-                <a:solidFill>
-                  <a:srgbClr val="000000"/>
-                </a:solidFill>
-                <a:effectLst/>
-              </a:rPr>
-              <a:t>”, </a:t>
-            </a:r>
-            <a:r>
-              <a:rPr lang="pt-BR" sz="2400" b="0" i="0" u="none" strike="noStrike" dirty="0" err="1">
-                <a:solidFill>
-                  <a:srgbClr val="000000"/>
-                </a:solidFill>
-                <a:effectLst/>
-              </a:rPr>
-              <a:t>Cham</a:t>
-            </a:r>
-            <a:r>
-              <a:rPr lang="pt-BR" sz="2400" b="0" i="0" u="none" strike="noStrike" dirty="0">
-                <a:solidFill>
-                  <a:srgbClr val="000000"/>
-                </a:solidFill>
-                <a:effectLst/>
-              </a:rPr>
-              <a:t> - </a:t>
-            </a:r>
-            <a:r>
-              <a:rPr lang="pt-BR" sz="2400" b="0" i="0" u="none" strike="noStrike" dirty="0" err="1">
-                <a:solidFill>
-                  <a:srgbClr val="000000"/>
-                </a:solidFill>
-                <a:effectLst/>
-              </a:rPr>
-              <a:t>Suiça</a:t>
-            </a:r>
-            <a:r>
-              <a:rPr lang="pt-BR" sz="2400" b="0" i="0" u="none" strike="noStrike" dirty="0">
-                <a:solidFill>
-                  <a:srgbClr val="000000"/>
-                </a:solidFill>
-                <a:effectLst/>
-              </a:rPr>
-              <a:t>: Editora Springer, 2018.</a:t>
-            </a:r>
-            <a:endParaRPr lang="pt-BR" sz="2400" b="0" dirty="0">
-              <a:effectLst/>
-            </a:endParaRPr>
-          </a:p>
-          <a:p>
-            <a:pPr marL="0" indent="0" rtl="0">
-              <a:spcBef>
-                <a:spcPts val="0"/>
-              </a:spcBef>
-              <a:spcAft>
-                <a:spcPts val="0"/>
-              </a:spcAft>
-              <a:buNone/>
-            </a:pPr>
-            <a:r>
-              <a:rPr lang="pt-BR" sz="2400" b="0" i="0" u="none" strike="noStrike" dirty="0">
-                <a:solidFill>
-                  <a:srgbClr val="000000"/>
-                </a:solidFill>
-                <a:effectLst/>
-              </a:rPr>
-              <a:t>[7] Kevin P. Murphy, “Machine Learning: A </a:t>
-            </a:r>
-            <a:r>
-              <a:rPr lang="pt-BR" sz="2400" b="0" i="0" u="none" strike="noStrike" dirty="0" err="1">
-                <a:solidFill>
-                  <a:srgbClr val="000000"/>
-                </a:solidFill>
-                <a:effectLst/>
-              </a:rPr>
-              <a:t>Probabilistic</a:t>
-            </a:r>
-            <a:r>
-              <a:rPr lang="pt-BR" sz="2400" b="0" i="0" u="none" strike="noStrike" dirty="0">
-                <a:solidFill>
-                  <a:srgbClr val="000000"/>
-                </a:solidFill>
-                <a:effectLst/>
-              </a:rPr>
-              <a:t> Perspective”, MIT Press 2012.</a:t>
-            </a:r>
-            <a:endParaRPr lang="pt-BR" sz="2400" b="0" dirty="0">
-              <a:effectLst/>
-            </a:endParaRPr>
+            <a:endParaRPr lang="pt-BR"/>
           </a:p>
         </p:txBody>
       </p:sp>
     </p:spTree>
     <p:extLst>
       <p:ext uri="{BB962C8B-B14F-4D97-AF65-F5344CB8AC3E}">
-        <p14:creationId xmlns:p14="http://schemas.microsoft.com/office/powerpoint/2010/main" val="2247946137"/>
+        <p14:creationId xmlns:p14="http://schemas.microsoft.com/office/powerpoint/2010/main" val="2740483308"/>
       </p:ext>
     </p:extLst>
   </p:cSld>

--- a/slides/TP558_1_Introdução_ao_curso.pptx
+++ b/slides/TP558_1_Introdução_ao_curso.pptx
@@ -1044,6 +1044,12 @@
           <a:bodyPr/>
           <a:lstStyle/>
           <a:p>
+            <a:r>
+              <a:rPr lang="pt-BR" dirty="0">
+                <a:hlinkClick r:id="rId3"/>
+              </a:rPr>
+              <a:t>books</a:t>
+            </a:r>
             <a:endParaRPr lang="pt-BR" dirty="0"/>
           </a:p>
         </p:txBody>
@@ -6210,13 +6216,29 @@
               <a:t>[1] </a:t>
             </a:r>
             <a:r>
+              <a:rPr lang="pt-BR" sz="2400" dirty="0">
+                <a:solidFill>
+                  <a:srgbClr val="000000"/>
+                </a:solidFill>
+              </a:rPr>
+              <a:t>“Tensorflow </a:t>
+            </a:r>
+            <a:r>
+              <a:rPr lang="pt-BR" sz="2400" dirty="0" err="1">
+                <a:solidFill>
+                  <a:srgbClr val="000000"/>
+                </a:solidFill>
+              </a:rPr>
+              <a:t>c</a:t>
+            </a:r>
+            <a:r>
               <a:rPr lang="pt-BR" sz="2400" b="0" i="0" u="none" strike="noStrike" dirty="0" err="1">
                 <a:solidFill>
                   <a:srgbClr val="000000"/>
                 </a:solidFill>
                 <a:effectLst/>
               </a:rPr>
-              <a:t>Code</a:t>
+              <a:t>ode</a:t>
             </a:r>
             <a:r>
               <a:rPr lang="pt-BR" sz="2400" b="0" i="0" u="none" strike="noStrike" dirty="0">
@@ -6243,7 +6265,7 @@
                 </a:solidFill>
                 <a:effectLst/>
               </a:rPr>
-              <a:t>, </a:t>
+              <a:t>”, </a:t>
             </a:r>
             <a:r>
               <a:rPr lang="pt-BR" sz="2400" b="0" i="0" u="none" strike="noStrike" dirty="0">
@@ -6270,140 +6292,74 @@
               <a:buNone/>
             </a:pPr>
             <a:r>
-              <a:rPr lang="pt-BR" sz="2400" b="0" i="0" u="none" strike="noStrike" dirty="0">
-                <a:solidFill>
-                  <a:srgbClr val="000000"/>
-                </a:solidFill>
-                <a:effectLst/>
-              </a:rPr>
-              <a:t>[</a:t>
-            </a:r>
-            <a:r>
               <a:rPr lang="pt-BR" sz="2400" dirty="0">
                 <a:solidFill>
                   <a:srgbClr val="000000"/>
                 </a:solidFill>
               </a:rPr>
-              <a:t>2</a:t>
-            </a:r>
-            <a:r>
-              <a:rPr lang="pt-BR" sz="2400" b="0" i="0" u="none" strike="noStrike" dirty="0">
-                <a:solidFill>
-                  <a:srgbClr val="000000"/>
-                </a:solidFill>
-                <a:effectLst/>
-              </a:rPr>
-              <a:t>] Ian </a:t>
-            </a:r>
-            <a:r>
-              <a:rPr lang="pt-BR" sz="2400" b="0" i="0" u="none" strike="noStrike" dirty="0" err="1">
-                <a:solidFill>
-                  <a:srgbClr val="000000"/>
-                </a:solidFill>
-                <a:effectLst/>
-              </a:rPr>
-              <a:t>Goodfellow</a:t>
-            </a:r>
-            <a:r>
-              <a:rPr lang="pt-BR" sz="2400" b="0" i="0" u="none" strike="noStrike" dirty="0">
-                <a:solidFill>
-                  <a:srgbClr val="000000"/>
-                </a:solidFill>
-                <a:effectLst/>
-              </a:rPr>
-              <a:t>, </a:t>
-            </a:r>
-            <a:r>
-              <a:rPr lang="pt-BR" sz="2400" b="0" i="0" u="none" strike="noStrike" dirty="0" err="1">
-                <a:solidFill>
-                  <a:srgbClr val="000000"/>
-                </a:solidFill>
-                <a:effectLst/>
-              </a:rPr>
-              <a:t>Yoshua</a:t>
-            </a:r>
-            <a:r>
-              <a:rPr lang="pt-BR" sz="2400" b="0" i="0" u="none" strike="noStrike" dirty="0">
-                <a:solidFill>
-                  <a:srgbClr val="000000"/>
-                </a:solidFill>
-                <a:effectLst/>
+              <a:t>[2] “</a:t>
+            </a:r>
+            <a:r>
+              <a:rPr lang="pt-BR" sz="2400" dirty="0" err="1">
+                <a:solidFill>
+                  <a:srgbClr val="000000"/>
+                </a:solidFill>
+              </a:rPr>
+              <a:t>Pytorch</a:t>
+            </a:r>
+            <a:r>
+              <a:rPr lang="pt-BR" sz="2400" dirty="0">
+                <a:solidFill>
+                  <a:srgbClr val="000000"/>
+                </a:solidFill>
               </a:rPr>
               <a:t> </a:t>
             </a:r>
             <a:r>
-              <a:rPr lang="pt-BR" sz="2400" b="0" i="0" u="none" strike="noStrike" dirty="0" err="1">
-                <a:solidFill>
-                  <a:srgbClr val="000000"/>
-                </a:solidFill>
-                <a:effectLst/>
-              </a:rPr>
-              <a:t>Bengio</a:t>
-            </a:r>
-            <a:r>
-              <a:rPr lang="pt-BR" sz="2400" b="0" i="0" u="none" strike="noStrike" dirty="0">
-                <a:solidFill>
-                  <a:srgbClr val="000000"/>
-                </a:solidFill>
-                <a:effectLst/>
-              </a:rPr>
-              <a:t>, </a:t>
-            </a:r>
-            <a:r>
-              <a:rPr lang="pt-BR" sz="2400" b="0" i="0" u="none" strike="noStrike" dirty="0" err="1">
-                <a:solidFill>
-                  <a:srgbClr val="000000"/>
-                </a:solidFill>
-                <a:effectLst/>
-              </a:rPr>
-              <a:t>and</a:t>
-            </a:r>
-            <a:r>
-              <a:rPr lang="pt-BR" sz="2400" b="0" i="0" u="none" strike="noStrike" dirty="0">
-                <a:solidFill>
-                  <a:srgbClr val="000000"/>
-                </a:solidFill>
-                <a:effectLst/>
-              </a:rPr>
-              <a:t> Aaron </a:t>
-            </a:r>
-            <a:r>
-              <a:rPr lang="pt-BR" sz="2400" b="0" i="0" u="none" strike="noStrike" dirty="0" err="1">
-                <a:solidFill>
-                  <a:srgbClr val="000000"/>
-                </a:solidFill>
-                <a:effectLst/>
-              </a:rPr>
-              <a:t>Courville</a:t>
-            </a:r>
-            <a:r>
-              <a:rPr lang="pt-BR" sz="2400" b="0" i="0" u="none" strike="noStrike" dirty="0">
-                <a:solidFill>
-                  <a:srgbClr val="000000"/>
-                </a:solidFill>
-                <a:effectLst/>
-              </a:rPr>
-              <a:t>. “</a:t>
-            </a:r>
-            <a:r>
-              <a:rPr lang="pt-BR" sz="2400" b="0" i="0" u="none" strike="noStrike" dirty="0" err="1">
-                <a:solidFill>
-                  <a:srgbClr val="000000"/>
-                </a:solidFill>
-                <a:effectLst/>
-              </a:rPr>
-              <a:t>Deep</a:t>
-            </a:r>
-            <a:r>
-              <a:rPr lang="pt-BR" sz="2400" b="0" i="0" u="none" strike="noStrike" dirty="0">
-                <a:solidFill>
-                  <a:srgbClr val="000000"/>
-                </a:solidFill>
-                <a:effectLst/>
-              </a:rPr>
-              <a:t> Learning”. MIT Press 2016.</a:t>
-            </a:r>
-            <a:endParaRPr lang="pt-BR" sz="2400" b="0" dirty="0">
+              <a:rPr lang="pt-BR" sz="2400" dirty="0" err="1">
+                <a:solidFill>
+                  <a:srgbClr val="000000"/>
+                </a:solidFill>
+              </a:rPr>
+              <a:t>code</a:t>
+            </a:r>
+            <a:r>
+              <a:rPr lang="pt-BR" sz="2400" dirty="0">
+                <a:solidFill>
+                  <a:srgbClr val="000000"/>
+                </a:solidFill>
+              </a:rPr>
+              <a:t> </a:t>
+            </a:r>
+            <a:r>
+              <a:rPr lang="pt-BR" sz="2400" dirty="0" err="1">
+                <a:solidFill>
+                  <a:srgbClr val="000000"/>
+                </a:solidFill>
+              </a:rPr>
+              <a:t>examples</a:t>
+            </a:r>
+            <a:r>
+              <a:rPr lang="pt-BR" sz="2400" dirty="0">
+                <a:solidFill>
+                  <a:srgbClr val="000000"/>
+                </a:solidFill>
+              </a:rPr>
+              <a:t>”, </a:t>
+            </a:r>
+            <a:r>
+              <a:rPr lang="pt-BR" sz="2400" dirty="0">
+                <a:solidFill>
+                  <a:srgbClr val="000000"/>
+                </a:solidFill>
+                <a:hlinkClick r:id="rId4"/>
+              </a:rPr>
+              <a:t>https://pytorch.org/examples/</a:t>
+            </a:r>
+            <a:endParaRPr lang="pt-BR" sz="2400" b="0" i="0" u="none" strike="noStrike" dirty="0">
+              <a:solidFill>
+                <a:srgbClr val="000000"/>
+              </a:solidFill>
               <a:effectLst/>
             </a:endParaRPr>
           </a:p>
@@ -6415,210 +6371,451 @@
               <a:buNone/>
             </a:pPr>
             <a:r>
-              <a:rPr lang="pt-BR" sz="2400" b="0" i="0" u="none" strike="noStrike" dirty="0">
-                <a:solidFill>
-                  <a:srgbClr val="000000"/>
-                </a:solidFill>
-                <a:effectLst/>
-              </a:rPr>
-              <a:t>[</a:t>
-            </a:r>
-            <a:r>
               <a:rPr lang="pt-BR" sz="2400" dirty="0">
                 <a:solidFill>
                   <a:srgbClr val="000000"/>
                 </a:solidFill>
               </a:rPr>
-              <a:t>3</a:t>
-            </a:r>
-            <a:r>
-              <a:rPr lang="pt-BR" sz="2400" b="0" i="0" u="none" strike="noStrike" dirty="0">
-                <a:solidFill>
-                  <a:srgbClr val="000000"/>
-                </a:solidFill>
-                <a:effectLst/>
-              </a:rPr>
-              <a:t>] </a:t>
-            </a:r>
-            <a:r>
-              <a:rPr lang="pt-BR" sz="2400" b="0" i="0" u="none" strike="noStrike" dirty="0" err="1">
-                <a:solidFill>
-                  <a:srgbClr val="000000"/>
-                </a:solidFill>
-                <a:effectLst/>
+              <a:t>[3] Sebastian </a:t>
+            </a:r>
+            <a:r>
+              <a:rPr lang="pt-BR" sz="2400" dirty="0" err="1">
+                <a:solidFill>
+                  <a:srgbClr val="000000"/>
+                </a:solidFill>
+              </a:rPr>
+              <a:t>Raschka</a:t>
+            </a:r>
+            <a:r>
+              <a:rPr lang="pt-BR" sz="2400" dirty="0">
+                <a:solidFill>
+                  <a:srgbClr val="000000"/>
+                </a:solidFill>
+              </a:rPr>
+              <a:t> </a:t>
+            </a:r>
+            <a:r>
+              <a:rPr lang="pt-BR" sz="2400" dirty="0" err="1">
+                <a:solidFill>
+                  <a:srgbClr val="000000"/>
+                </a:solidFill>
+              </a:rPr>
+              <a:t>and</a:t>
+            </a:r>
+            <a:r>
+              <a:rPr lang="pt-BR" sz="2400" dirty="0">
+                <a:solidFill>
+                  <a:srgbClr val="000000"/>
+                </a:solidFill>
+              </a:rPr>
+              <a:t> </a:t>
+            </a:r>
+            <a:r>
+              <a:rPr lang="pt-BR" sz="2400" dirty="0" err="1">
+                <a:solidFill>
+                  <a:srgbClr val="000000"/>
+                </a:solidFill>
+              </a:rPr>
+              <a:t>Vahid</a:t>
+            </a:r>
+            <a:r>
+              <a:rPr lang="pt-BR" sz="2400" dirty="0">
+                <a:solidFill>
+                  <a:srgbClr val="000000"/>
+                </a:solidFill>
+              </a:rPr>
+              <a:t> </a:t>
+            </a:r>
+            <a:r>
+              <a:rPr lang="pt-BR" sz="2400" dirty="0" err="1">
+                <a:solidFill>
+                  <a:srgbClr val="000000"/>
+                </a:solidFill>
+              </a:rPr>
+              <a:t>Mirjalili</a:t>
+            </a:r>
+            <a:r>
+              <a:rPr lang="pt-BR" sz="2400" dirty="0">
+                <a:solidFill>
+                  <a:srgbClr val="000000"/>
+                </a:solidFill>
+              </a:rPr>
+              <a:t>, “</a:t>
+            </a:r>
+            <a:r>
+              <a:rPr lang="en-US" sz="2400" dirty="0">
+                <a:solidFill>
+                  <a:srgbClr val="000000"/>
+                </a:solidFill>
+              </a:rPr>
+              <a:t>Python Machine Learning: Machine Learning and Deep Learning with Python, scikit-learn, and TensorFlow 2”, </a:t>
+            </a:r>
+            <a:r>
+              <a:rPr lang="pt-BR" sz="2400" dirty="0" err="1">
+                <a:solidFill>
+                  <a:srgbClr val="000000"/>
+                </a:solidFill>
+              </a:rPr>
+              <a:t>Packt</a:t>
+            </a:r>
+            <a:r>
+              <a:rPr lang="pt-BR" sz="2400" dirty="0">
+                <a:solidFill>
+                  <a:srgbClr val="000000"/>
+                </a:solidFill>
+              </a:rPr>
+              <a:t> </a:t>
+            </a:r>
+            <a:r>
+              <a:rPr lang="pt-BR" sz="2400" dirty="0" err="1">
+                <a:solidFill>
+                  <a:srgbClr val="000000"/>
+                </a:solidFill>
+              </a:rPr>
+              <a:t>Publishing</a:t>
+            </a:r>
+            <a:r>
+              <a:rPr lang="pt-BR" sz="2400" dirty="0">
+                <a:solidFill>
+                  <a:srgbClr val="000000"/>
+                </a:solidFill>
+              </a:rPr>
+              <a:t>, 2019.</a:t>
+            </a:r>
+            <a:br>
+              <a:rPr lang="en-US" sz="2400" dirty="0">
+                <a:solidFill>
+                  <a:srgbClr val="000000"/>
+                </a:solidFill>
+              </a:rPr>
+            </a:br>
+            <a:r>
+              <a:rPr lang="en-US" sz="2400" dirty="0">
+                <a:solidFill>
+                  <a:srgbClr val="000000"/>
+                </a:solidFill>
+              </a:rPr>
+              <a:t>[4] </a:t>
+            </a:r>
+            <a:r>
+              <a:rPr lang="pt-BR" sz="2400" dirty="0">
+                <a:solidFill>
+                  <a:srgbClr val="000000"/>
+                </a:solidFill>
+              </a:rPr>
+              <a:t>Ivan </a:t>
+            </a:r>
+            <a:r>
+              <a:rPr lang="pt-BR" sz="2400" dirty="0" err="1">
+                <a:solidFill>
+                  <a:srgbClr val="000000"/>
+                </a:solidFill>
+              </a:rPr>
+              <a:t>Vasilev</a:t>
+            </a:r>
+            <a:r>
+              <a:rPr lang="pt-BR" sz="2400" dirty="0">
+                <a:solidFill>
+                  <a:srgbClr val="000000"/>
+                </a:solidFill>
+              </a:rPr>
+              <a:t>, </a:t>
+            </a:r>
+            <a:r>
+              <a:rPr lang="en-US" sz="2400" dirty="0">
+                <a:solidFill>
+                  <a:srgbClr val="000000"/>
+                </a:solidFill>
+              </a:rPr>
+              <a:t>“Advanced Deep Learning with Python: Design and implement advanced next-generation AI solutions using TensorFlow and </a:t>
+            </a:r>
+            <a:r>
+              <a:rPr lang="en-US" sz="2400" dirty="0" err="1">
+                <a:solidFill>
+                  <a:srgbClr val="000000"/>
+                </a:solidFill>
+              </a:rPr>
+              <a:t>PyTorch</a:t>
+            </a:r>
+            <a:r>
+              <a:rPr lang="en-US" sz="2400" dirty="0">
+                <a:solidFill>
+                  <a:srgbClr val="000000"/>
+                </a:solidFill>
+              </a:rPr>
+              <a:t>”, </a:t>
+            </a:r>
+            <a:r>
+              <a:rPr lang="pt-BR" sz="2400" dirty="0" err="1">
+                <a:solidFill>
+                  <a:srgbClr val="000000"/>
+                </a:solidFill>
+              </a:rPr>
+              <a:t>Packt</a:t>
+            </a:r>
+            <a:r>
+              <a:rPr lang="pt-BR" sz="2400" dirty="0">
+                <a:solidFill>
+                  <a:srgbClr val="000000"/>
+                </a:solidFill>
+              </a:rPr>
+              <a:t> </a:t>
+            </a:r>
+            <a:r>
+              <a:rPr lang="pt-BR" sz="2400" dirty="0" err="1">
+                <a:solidFill>
+                  <a:srgbClr val="000000"/>
+                </a:solidFill>
+              </a:rPr>
+              <a:t>Publishing</a:t>
+            </a:r>
+            <a:r>
+              <a:rPr lang="pt-BR" sz="2400" dirty="0">
+                <a:solidFill>
+                  <a:srgbClr val="000000"/>
+                </a:solidFill>
+              </a:rPr>
+              <a:t>, 2019.</a:t>
+            </a:r>
+          </a:p>
+          <a:p>
+            <a:pPr marL="0" indent="0">
+              <a:spcBef>
+                <a:spcPts val="0"/>
+              </a:spcBef>
+              <a:buNone/>
+            </a:pPr>
+            <a:r>
+              <a:rPr lang="pt-BR" sz="2400" dirty="0">
+                <a:solidFill>
+                  <a:srgbClr val="000000"/>
+                </a:solidFill>
+              </a:rPr>
+              <a:t>[5] </a:t>
+            </a:r>
+            <a:r>
+              <a:rPr lang="pt-BR" sz="2400" dirty="0" err="1">
+                <a:solidFill>
+                  <a:srgbClr val="000000"/>
+                </a:solidFill>
               </a:rPr>
               <a:t>Aurélien</a:t>
             </a:r>
             <a:r>
-              <a:rPr lang="pt-BR" sz="2400" b="0" i="0" u="none" strike="noStrike" dirty="0">
-                <a:solidFill>
-                  <a:srgbClr val="000000"/>
-                </a:solidFill>
-                <a:effectLst/>
+              <a:rPr lang="pt-BR" sz="2400" dirty="0">
+                <a:solidFill>
+                  <a:srgbClr val="000000"/>
+                </a:solidFill>
               </a:rPr>
               <a:t> </a:t>
             </a:r>
             <a:r>
-              <a:rPr lang="pt-BR" sz="2400" b="0" i="0" u="none" strike="noStrike" dirty="0" err="1">
-                <a:solidFill>
-                  <a:srgbClr val="000000"/>
-                </a:solidFill>
-                <a:effectLst/>
+              <a:rPr lang="pt-BR" sz="2400" dirty="0" err="1">
+                <a:solidFill>
+                  <a:srgbClr val="000000"/>
+                </a:solidFill>
               </a:rPr>
               <a:t>Géron</a:t>
             </a:r>
             <a:r>
-              <a:rPr lang="pt-BR" sz="2400" b="0" i="0" u="none" strike="noStrike" dirty="0">
-                <a:solidFill>
-                  <a:srgbClr val="000000"/>
-                </a:solidFill>
-                <a:effectLst/>
+              <a:rPr lang="pt-BR" sz="2400" dirty="0">
+                <a:solidFill>
+                  <a:srgbClr val="000000"/>
+                </a:solidFill>
               </a:rPr>
               <a:t>, "Hands-On Machine Learning </a:t>
             </a:r>
             <a:r>
-              <a:rPr lang="pt-BR" sz="2400" b="0" i="0" u="none" strike="noStrike" dirty="0" err="1">
-                <a:solidFill>
-                  <a:srgbClr val="000000"/>
-                </a:solidFill>
-                <a:effectLst/>
+              <a:rPr lang="pt-BR" sz="2400" dirty="0" err="1">
+                <a:solidFill>
+                  <a:srgbClr val="000000"/>
+                </a:solidFill>
               </a:rPr>
               <a:t>with</a:t>
             </a:r>
             <a:r>
-              <a:rPr lang="pt-BR" sz="2400" b="0" i="0" u="none" strike="noStrike" dirty="0">
-                <a:solidFill>
-                  <a:srgbClr val="000000"/>
-                </a:solidFill>
-                <a:effectLst/>
+              <a:rPr lang="pt-BR" sz="2400" dirty="0">
+                <a:solidFill>
+                  <a:srgbClr val="000000"/>
+                </a:solidFill>
               </a:rPr>
               <a:t> </a:t>
             </a:r>
             <a:r>
-              <a:rPr lang="pt-BR" sz="2400" b="0" i="0" u="none" strike="noStrike" dirty="0" err="1">
-                <a:solidFill>
-                  <a:srgbClr val="000000"/>
-                </a:solidFill>
-                <a:effectLst/>
+              <a:rPr lang="pt-BR" sz="2400" dirty="0" err="1">
+                <a:solidFill>
+                  <a:srgbClr val="000000"/>
+                </a:solidFill>
               </a:rPr>
               <a:t>Scikit-Learn</a:t>
             </a:r>
             <a:r>
-              <a:rPr lang="pt-BR" sz="2400" b="0" i="0" u="none" strike="noStrike" dirty="0">
-                <a:solidFill>
-                  <a:srgbClr val="000000"/>
-                </a:solidFill>
-                <a:effectLst/>
+              <a:rPr lang="pt-BR" sz="2400" dirty="0">
+                <a:solidFill>
+                  <a:srgbClr val="000000"/>
+                </a:solidFill>
               </a:rPr>
               <a:t> </a:t>
             </a:r>
             <a:r>
-              <a:rPr lang="pt-BR" sz="2400" b="0" i="0" u="none" strike="noStrike" dirty="0" err="1">
-                <a:solidFill>
-                  <a:srgbClr val="000000"/>
-                </a:solidFill>
-                <a:effectLst/>
+              <a:rPr lang="pt-BR" sz="2400" dirty="0" err="1">
+                <a:solidFill>
+                  <a:srgbClr val="000000"/>
+                </a:solidFill>
               </a:rPr>
               <a:t>and</a:t>
             </a:r>
             <a:r>
-              <a:rPr lang="pt-BR" sz="2400" b="0" i="0" u="none" strike="noStrike" dirty="0">
-                <a:solidFill>
-                  <a:srgbClr val="000000"/>
-                </a:solidFill>
-                <a:effectLst/>
+              <a:rPr lang="pt-BR" sz="2400" dirty="0">
+                <a:solidFill>
+                  <a:srgbClr val="000000"/>
+                </a:solidFill>
               </a:rPr>
               <a:t> TensorFlow: </a:t>
             </a:r>
             <a:r>
-              <a:rPr lang="pt-BR" sz="2400" b="0" i="0" u="none" strike="noStrike" dirty="0" err="1">
-                <a:solidFill>
-                  <a:srgbClr val="000000"/>
-                </a:solidFill>
-                <a:effectLst/>
+              <a:rPr lang="pt-BR" sz="2400" dirty="0" err="1">
+                <a:solidFill>
+                  <a:srgbClr val="000000"/>
+                </a:solidFill>
               </a:rPr>
               <a:t>Concepts</a:t>
             </a:r>
             <a:r>
-              <a:rPr lang="pt-BR" sz="2400" b="0" i="0" u="none" strike="noStrike" dirty="0">
-                <a:solidFill>
-                  <a:srgbClr val="000000"/>
-                </a:solidFill>
-                <a:effectLst/>
+              <a:rPr lang="pt-BR" sz="2400" dirty="0">
+                <a:solidFill>
+                  <a:srgbClr val="000000"/>
+                </a:solidFill>
               </a:rPr>
               <a:t>, Tools, </a:t>
             </a:r>
             <a:r>
-              <a:rPr lang="pt-BR" sz="2400" b="0" i="0" u="none" strike="noStrike" dirty="0" err="1">
-                <a:solidFill>
-                  <a:srgbClr val="000000"/>
-                </a:solidFill>
-                <a:effectLst/>
+              <a:rPr lang="pt-BR" sz="2400" dirty="0" err="1">
+                <a:solidFill>
+                  <a:srgbClr val="000000"/>
+                </a:solidFill>
               </a:rPr>
               <a:t>and</a:t>
             </a:r>
             <a:r>
-              <a:rPr lang="pt-BR" sz="2400" b="0" i="0" u="none" strike="noStrike" dirty="0">
-                <a:solidFill>
-                  <a:srgbClr val="000000"/>
-                </a:solidFill>
-                <a:effectLst/>
+              <a:rPr lang="pt-BR" sz="2400" dirty="0">
+                <a:solidFill>
+                  <a:srgbClr val="000000"/>
+                </a:solidFill>
               </a:rPr>
               <a:t> </a:t>
             </a:r>
             <a:r>
-              <a:rPr lang="pt-BR" sz="2400" b="0" i="0" u="none" strike="noStrike" dirty="0" err="1">
-                <a:solidFill>
-                  <a:srgbClr val="000000"/>
-                </a:solidFill>
-                <a:effectLst/>
+              <a:rPr lang="pt-BR" sz="2400" dirty="0" err="1">
+                <a:solidFill>
+                  <a:srgbClr val="000000"/>
+                </a:solidFill>
               </a:rPr>
               <a:t>Techniques</a:t>
             </a:r>
             <a:r>
-              <a:rPr lang="pt-BR" sz="2400" b="0" i="0" u="none" strike="noStrike" dirty="0">
-                <a:solidFill>
-                  <a:srgbClr val="000000"/>
-                </a:solidFill>
-                <a:effectLst/>
+              <a:rPr lang="pt-BR" sz="2400" dirty="0">
+                <a:solidFill>
+                  <a:srgbClr val="000000"/>
+                </a:solidFill>
               </a:rPr>
               <a:t> </a:t>
             </a:r>
             <a:r>
-              <a:rPr lang="pt-BR" sz="2400" b="0" i="0" u="none" strike="noStrike" dirty="0" err="1">
-                <a:solidFill>
-                  <a:srgbClr val="000000"/>
-                </a:solidFill>
-                <a:effectLst/>
+              <a:rPr lang="pt-BR" sz="2400" dirty="0" err="1">
+                <a:solidFill>
+                  <a:srgbClr val="000000"/>
+                </a:solidFill>
               </a:rPr>
               <a:t>to</a:t>
             </a:r>
             <a:r>
-              <a:rPr lang="pt-BR" sz="2400" b="0" i="0" u="none" strike="noStrike" dirty="0">
-                <a:solidFill>
-                  <a:srgbClr val="000000"/>
-                </a:solidFill>
-                <a:effectLst/>
+              <a:rPr lang="pt-BR" sz="2400" dirty="0">
+                <a:solidFill>
+                  <a:srgbClr val="000000"/>
+                </a:solidFill>
               </a:rPr>
               <a:t> Build </a:t>
             </a:r>
             <a:r>
-              <a:rPr lang="pt-BR" sz="2400" b="0" i="0" u="none" strike="noStrike" dirty="0" err="1">
-                <a:solidFill>
-                  <a:srgbClr val="000000"/>
-                </a:solidFill>
-                <a:effectLst/>
+              <a:rPr lang="pt-BR" sz="2400" dirty="0" err="1">
+                <a:solidFill>
+                  <a:srgbClr val="000000"/>
+                </a:solidFill>
               </a:rPr>
               <a:t>Intelligent</a:t>
             </a:r>
             <a:r>
-              <a:rPr lang="pt-BR" sz="2400" b="0" i="0" u="none" strike="noStrike" dirty="0">
-                <a:solidFill>
-                  <a:srgbClr val="000000"/>
-                </a:solidFill>
-                <a:effectLst/>
+              <a:rPr lang="pt-BR" sz="2400" dirty="0">
+                <a:solidFill>
+                  <a:srgbClr val="000000"/>
+                </a:solidFill>
               </a:rPr>
               <a:t> Systems", 3rd ed., O'Reilly Media, 2022.</a:t>
+            </a:r>
+          </a:p>
+          <a:p>
+            <a:pPr marL="0" indent="0">
+              <a:spcBef>
+                <a:spcPts val="0"/>
+              </a:spcBef>
+              <a:buNone/>
+            </a:pPr>
+            <a:r>
+              <a:rPr lang="en-US" sz="2400" dirty="0">
+                <a:solidFill>
+                  <a:srgbClr val="000000"/>
+                </a:solidFill>
+              </a:rPr>
+              <a:t>[6] </a:t>
+            </a:r>
+            <a:r>
+              <a:rPr lang="en-US" sz="2400" dirty="0" err="1">
+                <a:solidFill>
+                  <a:srgbClr val="000000"/>
+                </a:solidFill>
+              </a:rPr>
+              <a:t>Raschka</a:t>
+            </a:r>
+            <a:r>
+              <a:rPr lang="en-US" sz="2400" dirty="0">
+                <a:solidFill>
+                  <a:srgbClr val="000000"/>
+                </a:solidFill>
+              </a:rPr>
+              <a:t>, Sebastian, et al., “Machine Learning with </a:t>
+            </a:r>
+            <a:r>
+              <a:rPr lang="en-US" sz="2400" dirty="0" err="1">
+                <a:solidFill>
+                  <a:srgbClr val="000000"/>
+                </a:solidFill>
+              </a:rPr>
+              <a:t>PyTorch</a:t>
+            </a:r>
+            <a:r>
+              <a:rPr lang="en-US" sz="2400" dirty="0">
+                <a:solidFill>
+                  <a:srgbClr val="000000"/>
+                </a:solidFill>
+              </a:rPr>
+              <a:t> and Scikit-Learn: Develop machine learning and deep learning models with Python”, </a:t>
+            </a:r>
+            <a:r>
+              <a:rPr lang="en-US" sz="2400" dirty="0" err="1">
+                <a:solidFill>
+                  <a:srgbClr val="000000"/>
+                </a:solidFill>
+              </a:rPr>
+              <a:t>Packt</a:t>
+            </a:r>
+            <a:r>
+              <a:rPr lang="en-US" sz="2400" dirty="0">
+                <a:solidFill>
+                  <a:srgbClr val="000000"/>
+                </a:solidFill>
+              </a:rPr>
+              <a:t> Publishing Ltd, 2022.</a:t>
             </a:r>
             <a:endParaRPr lang="pt-BR" sz="2400" dirty="0">
               <a:solidFill>
@@ -6627,422 +6824,97 @@
             </a:endParaRPr>
           </a:p>
           <a:p>
-            <a:pPr marL="0" indent="0" rtl="0">
+            <a:pPr marL="0" indent="0">
               <a:spcBef>
                 <a:spcPts val="0"/>
               </a:spcBef>
-              <a:spcAft>
-                <a:spcPts val="0"/>
-              </a:spcAft>
               <a:buNone/>
             </a:pPr>
             <a:r>
-              <a:rPr lang="en-US" sz="2400" dirty="0">
-                <a:solidFill>
-                  <a:srgbClr val="000000"/>
-                </a:solidFill>
-              </a:rPr>
-              <a:t>[4] </a:t>
-            </a:r>
-            <a:r>
-              <a:rPr lang="en-US" sz="2400" dirty="0" err="1">
-                <a:solidFill>
-                  <a:srgbClr val="000000"/>
-                </a:solidFill>
-              </a:rPr>
-              <a:t>Raschka</a:t>
-            </a:r>
-            <a:r>
-              <a:rPr lang="en-US" sz="2400" dirty="0">
-                <a:solidFill>
-                  <a:srgbClr val="000000"/>
-                </a:solidFill>
-              </a:rPr>
-              <a:t>, Sebastian, et al., “Machine Learning with </a:t>
-            </a:r>
-            <a:r>
-              <a:rPr lang="en-US" sz="2400" dirty="0" err="1">
-                <a:solidFill>
-                  <a:srgbClr val="000000"/>
-                </a:solidFill>
-              </a:rPr>
-              <a:t>PyTorch</a:t>
-            </a:r>
-            <a:r>
-              <a:rPr lang="en-US" sz="2400" dirty="0">
-                <a:solidFill>
-                  <a:srgbClr val="000000"/>
-                </a:solidFill>
-              </a:rPr>
-              <a:t> and Scikit-Learn: Develop machine learning and deep learning models with Python”, </a:t>
-            </a:r>
-            <a:r>
-              <a:rPr lang="en-US" sz="2400" dirty="0" err="1">
-                <a:solidFill>
-                  <a:srgbClr val="000000"/>
-                </a:solidFill>
-              </a:rPr>
-              <a:t>Packt</a:t>
-            </a:r>
-            <a:r>
-              <a:rPr lang="en-US" sz="2400" dirty="0">
-                <a:solidFill>
-                  <a:srgbClr val="000000"/>
-                </a:solidFill>
-              </a:rPr>
-              <a:t> Publishing Ltd, 2022.</a:t>
+              <a:rPr lang="pt-BR" sz="2400" dirty="0">
+                <a:solidFill>
+                  <a:srgbClr val="000000"/>
+                </a:solidFill>
+              </a:rPr>
+              <a:t>[7] C. M. Bishop, "</a:t>
+            </a:r>
+            <a:r>
+              <a:rPr lang="pt-BR" sz="2400" dirty="0" err="1">
+                <a:solidFill>
+                  <a:srgbClr val="000000"/>
+                </a:solidFill>
+              </a:rPr>
+              <a:t>Pattern</a:t>
+            </a:r>
+            <a:r>
+              <a:rPr lang="pt-BR" sz="2400" dirty="0">
+                <a:solidFill>
+                  <a:srgbClr val="000000"/>
+                </a:solidFill>
+              </a:rPr>
+              <a:t> </a:t>
+            </a:r>
+            <a:r>
+              <a:rPr lang="pt-BR" sz="2400" dirty="0" err="1">
+                <a:solidFill>
+                  <a:srgbClr val="000000"/>
+                </a:solidFill>
+              </a:rPr>
+              <a:t>Recognition</a:t>
+            </a:r>
+            <a:r>
+              <a:rPr lang="pt-BR" sz="2400" dirty="0">
+                <a:solidFill>
+                  <a:srgbClr val="000000"/>
+                </a:solidFill>
+              </a:rPr>
+              <a:t> </a:t>
+            </a:r>
+            <a:r>
+              <a:rPr lang="pt-BR" sz="2400" dirty="0" err="1">
+                <a:solidFill>
+                  <a:srgbClr val="000000"/>
+                </a:solidFill>
+              </a:rPr>
+              <a:t>and</a:t>
+            </a:r>
+            <a:r>
+              <a:rPr lang="pt-BR" sz="2400" dirty="0">
+                <a:solidFill>
+                  <a:srgbClr val="000000"/>
+                </a:solidFill>
+              </a:rPr>
+              <a:t> Machine Learning", Springer, 2006.</a:t>
+            </a:r>
+          </a:p>
+          <a:p>
+            <a:pPr marL="0" indent="0">
+              <a:spcBef>
+                <a:spcPts val="0"/>
+              </a:spcBef>
+              <a:buNone/>
+            </a:pPr>
+            <a:r>
+              <a:rPr lang="pt-BR" sz="2400" dirty="0">
+                <a:solidFill>
+                  <a:srgbClr val="000000"/>
+                </a:solidFill>
+              </a:rPr>
+              <a:t>[8] “Livros”, </a:t>
+            </a:r>
+            <a:r>
+              <a:rPr lang="pt-BR" sz="2400" dirty="0">
+                <a:solidFill>
+                  <a:srgbClr val="000000"/>
+                </a:solidFill>
+                <a:hlinkClick r:id="rId5"/>
+              </a:rPr>
+              <a:t>http://tinyurl.com/tp558-books</a:t>
             </a:r>
             <a:endParaRPr lang="pt-BR" sz="2400" dirty="0">
               <a:solidFill>
                 <a:srgbClr val="000000"/>
               </a:solidFill>
-            </a:endParaRPr>
-          </a:p>
-          <a:p>
-            <a:pPr marL="0" indent="0" rtl="0">
-              <a:spcBef>
-                <a:spcPts val="0"/>
-              </a:spcBef>
-              <a:spcAft>
-                <a:spcPts val="0"/>
-              </a:spcAft>
-              <a:buNone/>
-            </a:pPr>
-            <a:r>
-              <a:rPr lang="pt-BR" sz="2400" b="0" i="0" u="none" strike="noStrike" dirty="0">
-                <a:solidFill>
-                  <a:srgbClr val="000000"/>
-                </a:solidFill>
-                <a:effectLst/>
-              </a:rPr>
-              <a:t>[5] C. M. Bishop, "</a:t>
-            </a:r>
-            <a:r>
-              <a:rPr lang="pt-BR" sz="2400" b="0" i="0" u="none" strike="noStrike" dirty="0" err="1">
-                <a:solidFill>
-                  <a:srgbClr val="000000"/>
-                </a:solidFill>
-                <a:effectLst/>
-              </a:rPr>
-              <a:t>Pattern</a:t>
-            </a:r>
-            <a:r>
-              <a:rPr lang="pt-BR" sz="2400" b="0" i="0" u="none" strike="noStrike" dirty="0">
-                <a:solidFill>
-                  <a:srgbClr val="000000"/>
-                </a:solidFill>
-                <a:effectLst/>
-              </a:rPr>
-              <a:t> </a:t>
-            </a:r>
-            <a:r>
-              <a:rPr lang="pt-BR" sz="2400" b="0" i="0" u="none" strike="noStrike" dirty="0" err="1">
-                <a:solidFill>
-                  <a:srgbClr val="000000"/>
-                </a:solidFill>
-                <a:effectLst/>
-              </a:rPr>
-              <a:t>Recognition</a:t>
-            </a:r>
-            <a:r>
-              <a:rPr lang="pt-BR" sz="2400" b="0" i="0" u="none" strike="noStrike" dirty="0">
-                <a:solidFill>
-                  <a:srgbClr val="000000"/>
-                </a:solidFill>
-                <a:effectLst/>
-              </a:rPr>
-              <a:t> </a:t>
-            </a:r>
-            <a:r>
-              <a:rPr lang="pt-BR" sz="2400" b="0" i="0" u="none" strike="noStrike" dirty="0" err="1">
-                <a:solidFill>
-                  <a:srgbClr val="000000"/>
-                </a:solidFill>
-                <a:effectLst/>
-              </a:rPr>
-              <a:t>and</a:t>
-            </a:r>
-            <a:r>
-              <a:rPr lang="pt-BR" sz="2400" b="0" i="0" u="none" strike="noStrike" dirty="0">
-                <a:solidFill>
-                  <a:srgbClr val="000000"/>
-                </a:solidFill>
-                <a:effectLst/>
-              </a:rPr>
-              <a:t> Machine Learning", Springer, 2006.</a:t>
-            </a:r>
-            <a:endParaRPr lang="pt-BR" sz="2400" b="0" dirty="0">
-              <a:effectLst/>
-            </a:endParaRPr>
-          </a:p>
-          <a:p>
-            <a:pPr marL="0" indent="0" rtl="0">
-              <a:spcBef>
-                <a:spcPts val="0"/>
-              </a:spcBef>
-              <a:spcAft>
-                <a:spcPts val="0"/>
-              </a:spcAft>
-              <a:buNone/>
-            </a:pPr>
-            <a:r>
-              <a:rPr lang="pt-BR" sz="2400" b="0" i="0" u="none" strike="noStrike" dirty="0">
-                <a:solidFill>
-                  <a:srgbClr val="000000"/>
-                </a:solidFill>
-                <a:effectLst/>
-              </a:rPr>
-              <a:t>[6] Sandro </a:t>
-            </a:r>
-            <a:r>
-              <a:rPr lang="pt-BR" sz="2400" b="0" i="0" u="none" strike="noStrike" dirty="0" err="1">
-                <a:solidFill>
-                  <a:srgbClr val="000000"/>
-                </a:solidFill>
-                <a:effectLst/>
-              </a:rPr>
-              <a:t>Skansi</a:t>
-            </a:r>
-            <a:r>
-              <a:rPr lang="pt-BR" sz="2400" dirty="0">
-                <a:solidFill>
-                  <a:srgbClr val="000000"/>
-                </a:solidFill>
-              </a:rPr>
-              <a:t>,</a:t>
-            </a:r>
-            <a:r>
-              <a:rPr lang="pt-BR" sz="2400" b="0" i="0" u="none" strike="noStrike" dirty="0">
-                <a:solidFill>
-                  <a:srgbClr val="000000"/>
-                </a:solidFill>
-                <a:effectLst/>
-              </a:rPr>
-              <a:t> “</a:t>
-            </a:r>
-            <a:r>
-              <a:rPr lang="pt-BR" sz="2400" b="0" i="0" u="none" strike="noStrike" dirty="0" err="1">
-                <a:solidFill>
-                  <a:srgbClr val="000000"/>
-                </a:solidFill>
-                <a:effectLst/>
-              </a:rPr>
-              <a:t>Introduction</a:t>
-            </a:r>
-            <a:r>
-              <a:rPr lang="pt-BR" sz="2400" b="0" i="0" u="none" strike="noStrike" dirty="0">
-                <a:solidFill>
-                  <a:srgbClr val="000000"/>
-                </a:solidFill>
-                <a:effectLst/>
-              </a:rPr>
-              <a:t> </a:t>
-            </a:r>
-            <a:r>
-              <a:rPr lang="pt-BR" sz="2400" b="0" i="0" u="none" strike="noStrike" dirty="0" err="1">
-                <a:solidFill>
-                  <a:srgbClr val="000000"/>
-                </a:solidFill>
-                <a:effectLst/>
-              </a:rPr>
-              <a:t>to</a:t>
-            </a:r>
-            <a:r>
-              <a:rPr lang="pt-BR" sz="2400" b="0" i="0" u="none" strike="noStrike" dirty="0">
-                <a:solidFill>
-                  <a:srgbClr val="000000"/>
-                </a:solidFill>
-                <a:effectLst/>
-              </a:rPr>
-              <a:t> </a:t>
-            </a:r>
-            <a:r>
-              <a:rPr lang="pt-BR" sz="2400" b="0" i="0" u="none" strike="noStrike" dirty="0" err="1">
-                <a:solidFill>
-                  <a:srgbClr val="000000"/>
-                </a:solidFill>
-                <a:effectLst/>
-              </a:rPr>
-              <a:t>deep</a:t>
-            </a:r>
-            <a:r>
-              <a:rPr lang="pt-BR" sz="2400" b="0" i="0" u="none" strike="noStrike" dirty="0">
-                <a:solidFill>
-                  <a:srgbClr val="000000"/>
-                </a:solidFill>
-                <a:effectLst/>
-              </a:rPr>
-              <a:t> learning: </a:t>
-            </a:r>
-            <a:r>
-              <a:rPr lang="pt-BR" sz="2400" b="0" i="0" u="none" strike="noStrike" dirty="0" err="1">
-                <a:solidFill>
-                  <a:srgbClr val="000000"/>
-                </a:solidFill>
-                <a:effectLst/>
-              </a:rPr>
-              <a:t>from</a:t>
-            </a:r>
-            <a:r>
-              <a:rPr lang="pt-BR" sz="2400" b="0" i="0" u="none" strike="noStrike" dirty="0">
-                <a:solidFill>
-                  <a:srgbClr val="000000"/>
-                </a:solidFill>
-                <a:effectLst/>
-              </a:rPr>
-              <a:t> </a:t>
-            </a:r>
-            <a:r>
-              <a:rPr lang="pt-BR" sz="2400" b="0" i="0" u="none" strike="noStrike" dirty="0" err="1">
-                <a:solidFill>
-                  <a:srgbClr val="000000"/>
-                </a:solidFill>
-                <a:effectLst/>
-              </a:rPr>
-              <a:t>logical</a:t>
-            </a:r>
-            <a:r>
-              <a:rPr lang="pt-BR" sz="2400" b="0" i="0" u="none" strike="noStrike" dirty="0">
-                <a:solidFill>
-                  <a:srgbClr val="000000"/>
-                </a:solidFill>
-                <a:effectLst/>
-              </a:rPr>
-              <a:t> </a:t>
-            </a:r>
-            <a:r>
-              <a:rPr lang="pt-BR" sz="2400" b="0" i="0" u="none" strike="noStrike" dirty="0" err="1">
-                <a:solidFill>
-                  <a:srgbClr val="000000"/>
-                </a:solidFill>
-                <a:effectLst/>
-              </a:rPr>
-              <a:t>calculus</a:t>
-            </a:r>
-            <a:r>
-              <a:rPr lang="pt-BR" sz="2400" b="0" i="0" u="none" strike="noStrike" dirty="0">
-                <a:solidFill>
-                  <a:srgbClr val="000000"/>
-                </a:solidFill>
-                <a:effectLst/>
-              </a:rPr>
-              <a:t> </a:t>
-            </a:r>
-            <a:r>
-              <a:rPr lang="pt-BR" sz="2400" b="0" i="0" u="none" strike="noStrike" dirty="0" err="1">
-                <a:solidFill>
-                  <a:srgbClr val="000000"/>
-                </a:solidFill>
-                <a:effectLst/>
-              </a:rPr>
-              <a:t>to</a:t>
-            </a:r>
-            <a:r>
-              <a:rPr lang="pt-BR" sz="2400" b="0" i="0" u="none" strike="noStrike" dirty="0">
-                <a:solidFill>
-                  <a:srgbClr val="000000"/>
-                </a:solidFill>
-                <a:effectLst/>
-              </a:rPr>
-              <a:t> artificial </a:t>
-            </a:r>
-            <a:r>
-              <a:rPr lang="pt-BR" sz="2400" b="0" i="0" u="none" strike="noStrike" dirty="0" err="1">
-                <a:solidFill>
-                  <a:srgbClr val="000000"/>
-                </a:solidFill>
-                <a:effectLst/>
-              </a:rPr>
-              <a:t>intelligence</a:t>
-            </a:r>
-            <a:r>
-              <a:rPr lang="pt-BR" sz="2400" b="0" i="0" u="none" strike="noStrike" dirty="0">
-                <a:solidFill>
-                  <a:srgbClr val="000000"/>
-                </a:solidFill>
-                <a:effectLst/>
-              </a:rPr>
-              <a:t>”, </a:t>
-            </a:r>
-            <a:r>
-              <a:rPr lang="pt-BR" sz="2400" b="0" i="0" u="none" strike="noStrike" dirty="0" err="1">
-                <a:solidFill>
-                  <a:srgbClr val="000000"/>
-                </a:solidFill>
-                <a:effectLst/>
-              </a:rPr>
-              <a:t>Cham</a:t>
-            </a:r>
-            <a:r>
-              <a:rPr lang="pt-BR" sz="2400" b="0" i="0" u="none" strike="noStrike" dirty="0">
-                <a:solidFill>
-                  <a:srgbClr val="000000"/>
-                </a:solidFill>
-                <a:effectLst/>
-              </a:rPr>
-              <a:t> - </a:t>
-            </a:r>
-            <a:r>
-              <a:rPr lang="pt-BR" sz="2400" b="0" i="0" u="none" strike="noStrike" dirty="0" err="1">
-                <a:solidFill>
-                  <a:srgbClr val="000000"/>
-                </a:solidFill>
-                <a:effectLst/>
-              </a:rPr>
-              <a:t>Suiça</a:t>
-            </a:r>
-            <a:r>
-              <a:rPr lang="pt-BR" sz="2400" b="0" i="0" u="none" strike="noStrike" dirty="0">
-                <a:solidFill>
-                  <a:srgbClr val="000000"/>
-                </a:solidFill>
-                <a:effectLst/>
-              </a:rPr>
-              <a:t>: Editora Springer, 2018.</a:t>
-            </a:r>
-            <a:endParaRPr lang="pt-BR" sz="2400" b="0" dirty="0">
-              <a:effectLst/>
-            </a:endParaRPr>
-          </a:p>
-          <a:p>
-            <a:pPr marL="0" indent="0" rtl="0">
-              <a:spcBef>
-                <a:spcPts val="0"/>
-              </a:spcBef>
-              <a:spcAft>
-                <a:spcPts val="0"/>
-              </a:spcAft>
-              <a:buNone/>
-            </a:pPr>
-            <a:r>
-              <a:rPr lang="pt-BR" sz="2400" b="0" i="0" u="none" strike="noStrike" dirty="0">
-                <a:solidFill>
-                  <a:srgbClr val="000000"/>
-                </a:solidFill>
-                <a:effectLst/>
-              </a:rPr>
-              <a:t>[7] Kevin P. Murphy, “Machine Learning: A </a:t>
-            </a:r>
-            <a:r>
-              <a:rPr lang="pt-BR" sz="2400" b="0" i="0" u="none" strike="noStrike" dirty="0" err="1">
-                <a:solidFill>
-                  <a:srgbClr val="000000"/>
-                </a:solidFill>
-                <a:effectLst/>
-              </a:rPr>
-              <a:t>Probabilistic</a:t>
-            </a:r>
-            <a:r>
-              <a:rPr lang="pt-BR" sz="2400" b="0" i="0" u="none" strike="noStrike" dirty="0">
-                <a:solidFill>
-                  <a:srgbClr val="000000"/>
-                </a:solidFill>
-                <a:effectLst/>
-              </a:rPr>
-              <a:t> Perspective”, MIT Press 2012.</a:t>
-            </a:r>
-            <a:endParaRPr lang="pt-BR" sz="2400" b="0" dirty="0">
-              <a:effectLst/>
             </a:endParaRPr>
           </a:p>
         </p:txBody>

--- a/slides/TP558_1_Introdução_ao_curso.pptx
+++ b/slides/TP558_1_Introdução_ao_curso.pptx
@@ -5,10 +5,10 @@
     <p:sldMasterId id="2147483648" r:id="rId1"/>
   </p:sldMasterIdLst>
   <p:notesMasterIdLst>
-    <p:notesMasterId r:id="rId14"/>
+    <p:notesMasterId r:id="rId16"/>
   </p:notesMasterIdLst>
   <p:handoutMasterIdLst>
-    <p:handoutMasterId r:id="rId15"/>
+    <p:handoutMasterId r:id="rId17"/>
   </p:handoutMasterIdLst>
   <p:sldIdLst>
     <p:sldId id="256" r:id="rId2"/>
@@ -18,11 +18,13 @@
     <p:sldId id="425" r:id="rId6"/>
     <p:sldId id="398" r:id="rId7"/>
     <p:sldId id="424" r:id="rId8"/>
-    <p:sldId id="263" r:id="rId9"/>
-    <p:sldId id="426" r:id="rId10"/>
-    <p:sldId id="298" r:id="rId11"/>
-    <p:sldId id="293" r:id="rId12"/>
-    <p:sldId id="306" r:id="rId13"/>
+    <p:sldId id="426" r:id="rId9"/>
+    <p:sldId id="427" r:id="rId10"/>
+    <p:sldId id="428" r:id="rId11"/>
+    <p:sldId id="263" r:id="rId12"/>
+    <p:sldId id="298" r:id="rId13"/>
+    <p:sldId id="293" r:id="rId14"/>
+    <p:sldId id="306" r:id="rId15"/>
   </p:sldIdLst>
   <p:sldSz cx="12192000" cy="6858000"/>
   <p:notesSz cx="7315200" cy="9601200"/>
@@ -286,7 +288,7 @@
           <a:p>
             <a:fld id="{144F1436-6906-4D93-B7A2-786C327BFA14}" type="datetimeFigureOut">
               <a:rPr lang="nl-BE" smtClean="0"/>
-              <a:t>15/02/2024</a:t>
+              <a:t>16/02/2024</a:t>
             </a:fld>
             <a:endParaRPr lang="nl-BE"/>
           </a:p>
@@ -451,7 +453,7 @@
           <a:p>
             <a:fld id="{AA8CD09E-2914-4F47-B6C1-51B2C31814C9}" type="datetimeFigureOut">
               <a:rPr lang="pt-BR" smtClean="0"/>
-              <a:t>15/02/2024</a:t>
+              <a:t>16/02/2024</a:t>
             </a:fld>
             <a:endParaRPr lang="pt-BR"/>
           </a:p>
@@ -1071,7 +1073,7 @@
           <a:p>
             <a:fld id="{6FC8D850-966F-45A6-8DE7-15B891E7D40D}" type="slidenum">
               <a:rPr lang="pt-BR" smtClean="0"/>
-              <a:t>8</a:t>
+              <a:t>11</a:t>
             </a:fld>
             <a:endParaRPr lang="pt-BR"/>
           </a:p>
@@ -1237,7 +1239,7 @@
           <a:p>
             <a:fld id="{63289F7E-B80B-496E-81B4-D396C37C9454}" type="datetimeFigureOut">
               <a:rPr lang="pt-BR" smtClean="0"/>
-              <a:t>15/02/2024</a:t>
+              <a:t>16/02/2024</a:t>
             </a:fld>
             <a:endParaRPr lang="pt-BR"/>
           </a:p>
@@ -1435,7 +1437,7 @@
           <a:p>
             <a:fld id="{63289F7E-B80B-496E-81B4-D396C37C9454}" type="datetimeFigureOut">
               <a:rPr lang="pt-BR" smtClean="0"/>
-              <a:t>15/02/2024</a:t>
+              <a:t>16/02/2024</a:t>
             </a:fld>
             <a:endParaRPr lang="pt-BR"/>
           </a:p>
@@ -1643,7 +1645,7 @@
           <a:p>
             <a:fld id="{63289F7E-B80B-496E-81B4-D396C37C9454}" type="datetimeFigureOut">
               <a:rPr lang="pt-BR" smtClean="0"/>
-              <a:t>15/02/2024</a:t>
+              <a:t>16/02/2024</a:t>
             </a:fld>
             <a:endParaRPr lang="pt-BR"/>
           </a:p>
@@ -1841,7 +1843,7 @@
           <a:p>
             <a:fld id="{63289F7E-B80B-496E-81B4-D396C37C9454}" type="datetimeFigureOut">
               <a:rPr lang="pt-BR" smtClean="0"/>
-              <a:t>15/02/2024</a:t>
+              <a:t>16/02/2024</a:t>
             </a:fld>
             <a:endParaRPr lang="pt-BR"/>
           </a:p>
@@ -2116,7 +2118,7 @@
           <a:p>
             <a:fld id="{63289F7E-B80B-496E-81B4-D396C37C9454}" type="datetimeFigureOut">
               <a:rPr lang="pt-BR" smtClean="0"/>
-              <a:t>15/02/2024</a:t>
+              <a:t>16/02/2024</a:t>
             </a:fld>
             <a:endParaRPr lang="pt-BR"/>
           </a:p>
@@ -2381,7 +2383,7 @@
           <a:p>
             <a:fld id="{63289F7E-B80B-496E-81B4-D396C37C9454}" type="datetimeFigureOut">
               <a:rPr lang="pt-BR" smtClean="0"/>
-              <a:t>15/02/2024</a:t>
+              <a:t>16/02/2024</a:t>
             </a:fld>
             <a:endParaRPr lang="pt-BR"/>
           </a:p>
@@ -2793,7 +2795,7 @@
           <a:p>
             <a:fld id="{63289F7E-B80B-496E-81B4-D396C37C9454}" type="datetimeFigureOut">
               <a:rPr lang="pt-BR" smtClean="0"/>
-              <a:t>15/02/2024</a:t>
+              <a:t>16/02/2024</a:t>
             </a:fld>
             <a:endParaRPr lang="pt-BR"/>
           </a:p>
@@ -2934,7 +2936,7 @@
           <a:p>
             <a:fld id="{63289F7E-B80B-496E-81B4-D396C37C9454}" type="datetimeFigureOut">
               <a:rPr lang="pt-BR" smtClean="0"/>
-              <a:t>15/02/2024</a:t>
+              <a:t>16/02/2024</a:t>
             </a:fld>
             <a:endParaRPr lang="pt-BR"/>
           </a:p>
@@ -3047,7 +3049,7 @@
           <a:p>
             <a:fld id="{63289F7E-B80B-496E-81B4-D396C37C9454}" type="datetimeFigureOut">
               <a:rPr lang="pt-BR" smtClean="0"/>
-              <a:t>15/02/2024</a:t>
+              <a:t>16/02/2024</a:t>
             </a:fld>
             <a:endParaRPr lang="pt-BR"/>
           </a:p>
@@ -3358,7 +3360,7 @@
           <a:p>
             <a:fld id="{63289F7E-B80B-496E-81B4-D396C37C9454}" type="datetimeFigureOut">
               <a:rPr lang="pt-BR" smtClean="0"/>
-              <a:t>15/02/2024</a:t>
+              <a:t>16/02/2024</a:t>
             </a:fld>
             <a:endParaRPr lang="pt-BR"/>
           </a:p>
@@ -3646,7 +3648,7 @@
           <a:p>
             <a:fld id="{63289F7E-B80B-496E-81B4-D396C37C9454}" type="datetimeFigureOut">
               <a:rPr lang="pt-BR" smtClean="0"/>
-              <a:t>15/02/2024</a:t>
+              <a:t>16/02/2024</a:t>
             </a:fld>
             <a:endParaRPr lang="pt-BR"/>
           </a:p>
@@ -3887,7 +3889,7 @@
           <a:p>
             <a:fld id="{63289F7E-B80B-496E-81B4-D396C37C9454}" type="datetimeFigureOut">
               <a:rPr lang="pt-BR" smtClean="0"/>
-              <a:t>15/02/2024</a:t>
+              <a:t>16/02/2024</a:t>
             </a:fld>
             <a:endParaRPr lang="pt-BR"/>
           </a:p>
@@ -4495,7 +4497,13 @@
   <p:cSld>
     <p:spTree>
       <p:nvGrpSpPr>
-        <p:cNvPr id="1" name=""/>
+        <p:cNvPr id="1" name="">
+          <a:extLst>
+            <a:ext uri="{FF2B5EF4-FFF2-40B4-BE49-F238E27FC236}">
+              <a16:creationId xmlns:a16="http://schemas.microsoft.com/office/drawing/2014/main" id="{C27B3849-BF4B-F30A-23EA-9FE30E20CBCA}"/>
+            </a:ext>
+          </a:extLst>
+        </p:cNvPr>
         <p:cNvGrpSpPr/>
         <p:nvPr/>
       </p:nvGrpSpPr>
@@ -4509,7 +4517,13 @@
       </p:grpSpPr>
       <p:sp>
         <p:nvSpPr>
-          <p:cNvPr id="2" name="Title 1"/>
+          <p:cNvPr id="2" name="Título 1">
+            <a:extLst>
+              <a:ext uri="{FF2B5EF4-FFF2-40B4-BE49-F238E27FC236}">
+                <a16:creationId xmlns:a16="http://schemas.microsoft.com/office/drawing/2014/main" id="{249A0E92-603C-2FF8-F119-2A802B939AA2}"/>
+              </a:ext>
+            </a:extLst>
+          </p:cNvPr>
           <p:cNvSpPr>
             <a:spLocks noGrp="1"/>
           </p:cNvSpPr>
@@ -4523,16 +4537,21 @@
           <a:lstStyle/>
           <a:p>
             <a:r>
-              <a:rPr lang="en-US" dirty="0" err="1"/>
-              <a:t>Avisos</a:t>
-            </a:r>
-            <a:endParaRPr lang="nl-BE" dirty="0"/>
-          </a:p>
-        </p:txBody>
-      </p:sp>
-      <p:sp>
-        <p:nvSpPr>
-          <p:cNvPr id="3" name="Content Placeholder 2"/>
+              <a:rPr lang="pt-BR" dirty="0"/>
+              <a:t>Temas dos seminários</a:t>
+            </a:r>
+          </a:p>
+        </p:txBody>
+      </p:sp>
+      <p:sp>
+        <p:nvSpPr>
+          <p:cNvPr id="3" name="Espaço Reservado para Conteúdo 2">
+            <a:extLst>
+              <a:ext uri="{FF2B5EF4-FFF2-40B4-BE49-F238E27FC236}">
+                <a16:creationId xmlns:a16="http://schemas.microsoft.com/office/drawing/2014/main" id="{09015E3D-F27D-5C4C-AFAE-8A3141CD4684}"/>
+              </a:ext>
+            </a:extLst>
+          </p:cNvPr>
           <p:cNvSpPr>
             <a:spLocks noGrp="1"/>
           </p:cNvSpPr>
@@ -4540,12 +4559,7 @@
             <p:ph idx="1"/>
           </p:nvPr>
         </p:nvSpPr>
-        <p:spPr>
-          <a:xfrm>
-            <a:off x="838199" y="1825624"/>
-            <a:ext cx="11104419" cy="5032376"/>
-          </a:xfrm>
-        </p:spPr>
+        <p:spPr/>
         <p:txBody>
           <a:bodyPr>
             <a:normAutofit/>
@@ -4554,8 +4568,21 @@
           <a:p>
             <a:r>
               <a:rPr lang="pt-BR" dirty="0"/>
-              <a:t>Todo material do curso está disponível no GitHub:</a:t>
-            </a:r>
+              <a:t>Computer Vision: </a:t>
+            </a:r>
+            <a:r>
+              <a:rPr lang="pt-BR" dirty="0" err="1"/>
+              <a:t>Image</a:t>
+            </a:r>
+            <a:r>
+              <a:rPr lang="pt-BR" dirty="0"/>
+              <a:t> </a:t>
+            </a:r>
+            <a:r>
+              <a:rPr lang="pt-BR" dirty="0" err="1"/>
+              <a:t>Segmentation</a:t>
+            </a:r>
+            <a:endParaRPr lang="pt-BR" dirty="0"/>
           </a:p>
           <a:p>
             <a:pPr lvl="1">
@@ -4563,21 +4590,34 @@
               <a:buChar char="§"/>
             </a:pPr>
             <a:r>
+              <a:rPr lang="pt-BR" dirty="0" err="1"/>
+              <a:t>U-Net</a:t>
+            </a:r>
+            <a:endParaRPr lang="pt-BR" dirty="0"/>
+          </a:p>
+          <a:p>
+            <a:pPr lvl="2">
+              <a:buFont typeface="Wingdings" panose="05000000000000000000" pitchFamily="2" charset="2"/>
+              <a:buChar char="ü"/>
+            </a:pPr>
+            <a:r>
               <a:rPr lang="pt-BR" dirty="0">
                 <a:hlinkClick r:id="rId2"/>
               </a:rPr>
-              <a:t>https://github.com/zz4fap/tp558-adv-ml</a:t>
+              <a:t>https://link.springer.com/chapter/10.1007/978-3-319-24574-4_28</a:t>
             </a:r>
             <a:endParaRPr lang="pt-BR" dirty="0"/>
           </a:p>
           <a:p>
-            <a:r>
-              <a:rPr lang="pt-BR" dirty="0"/>
-              <a:t>Google </a:t>
-            </a:r>
-            <a:r>
-              <a:rPr lang="pt-BR" dirty="0" err="1"/>
-              <a:t>Colab</a:t>
+            <a:pPr lvl="2">
+              <a:buFont typeface="Wingdings" panose="05000000000000000000" pitchFamily="2" charset="2"/>
+              <a:buChar char="ü"/>
+            </a:pPr>
+            <a:r>
+              <a:rPr lang="pt-BR" dirty="0">
+                <a:hlinkClick r:id="rId3"/>
+              </a:rPr>
+              <a:t>https://www.tensorflow.org/tutorials/images/segmentation?hl=pt-br</a:t>
             </a:r>
             <a:endParaRPr lang="pt-BR" dirty="0"/>
           </a:p>
@@ -4587,94 +4627,85 @@
               <a:buChar char="§"/>
             </a:pPr>
             <a:r>
+              <a:rPr lang="pt-BR" dirty="0" err="1"/>
+              <a:t>Boundary-Aware</a:t>
+            </a:r>
+            <a:r>
+              <a:rPr lang="pt-BR" dirty="0"/>
+              <a:t> </a:t>
+            </a:r>
+            <a:r>
+              <a:rPr lang="pt-BR" dirty="0" err="1"/>
+              <a:t>Segmentation</a:t>
+            </a:r>
+            <a:r>
+              <a:rPr lang="pt-BR" dirty="0"/>
+              <a:t> Network (</a:t>
+            </a:r>
+            <a:r>
+              <a:rPr lang="pt-BR" dirty="0" err="1"/>
+              <a:t>BASNet</a:t>
+            </a:r>
+            <a:r>
+              <a:rPr lang="pt-BR" dirty="0"/>
+              <a:t>)</a:t>
+            </a:r>
+          </a:p>
+          <a:p>
+            <a:pPr lvl="2">
+              <a:buFont typeface="Wingdings" panose="05000000000000000000" pitchFamily="2" charset="2"/>
+              <a:buChar char="ü"/>
+            </a:pPr>
+            <a:r>
               <a:rPr lang="pt-BR" dirty="0">
-                <a:hlinkClick r:id="rId3"/>
-              </a:rPr>
-              <a:t>https://www.youtube.com/watch?v=inN8seMm7UI&amp;ab_channel=TensorFlow</a:t>
-            </a:r>
-          </a:p>
-          <a:p>
-            <a:pPr lvl="1">
+                <a:hlinkClick r:id="rId4"/>
+              </a:rPr>
+              <a:t>https://arxiv.org/abs/2101.04704</a:t>
+            </a:r>
+            <a:endParaRPr lang="pt-BR" dirty="0"/>
+          </a:p>
+          <a:p>
+            <a:pPr lvl="2">
               <a:buFont typeface="Wingdings" panose="05000000000000000000" pitchFamily="2" charset="2"/>
-              <a:buChar char="§"/>
-            </a:pPr>
-            <a:r>
-              <a:rPr lang="pt-BR" b="0" i="0" dirty="0">
-                <a:solidFill>
-                  <a:srgbClr val="222222"/>
-                </a:solidFill>
-                <a:effectLst/>
-                <a:latin typeface="Arial" panose="020B0604020202020204" pitchFamily="34" charset="0"/>
-                <a:hlinkClick r:id="rId4"/>
-              </a:rPr>
-              <a:t>https://www.youtube.com/watch?v=inN8seMm7UI</a:t>
-            </a:r>
-            <a:endParaRPr lang="pt-BR" b="0" i="0" dirty="0">
-              <a:solidFill>
-                <a:srgbClr val="222222"/>
-              </a:solidFill>
-              <a:effectLst/>
-              <a:latin typeface="Arial" panose="020B0604020202020204" pitchFamily="34" charset="0"/>
-            </a:endParaRPr>
-          </a:p>
-          <a:p>
-            <a:r>
-              <a:rPr lang="pt-BR" dirty="0"/>
-              <a:t>Python Crash </a:t>
-            </a:r>
-            <a:r>
-              <a:rPr lang="pt-BR" dirty="0" err="1"/>
-              <a:t>Course</a:t>
-            </a:r>
-            <a:endParaRPr lang="pt-BR" dirty="0">
-              <a:hlinkClick r:id="rId3"/>
-            </a:endParaRPr>
-          </a:p>
-          <a:p>
-            <a:pPr lvl="1">
+              <a:buChar char="ü"/>
+            </a:pPr>
+            <a:r>
+              <a:rPr lang="pt-BR" dirty="0">
+                <a:hlinkClick r:id="rId5"/>
+              </a:rPr>
+              <a:t>https://keras.io/examples/vision/basnet_segmentation/</a:t>
+            </a:r>
+            <a:endParaRPr lang="pt-BR" dirty="0"/>
+          </a:p>
+          <a:p>
+            <a:pPr lvl="2">
               <a:buFont typeface="Wingdings" panose="05000000000000000000" pitchFamily="2" charset="2"/>
-              <a:buChar char="§"/>
-            </a:pPr>
-            <a:r>
-              <a:rPr lang="pt-BR" dirty="0">
-                <a:hlinkClick r:id="rId3"/>
-              </a:rPr>
-              <a:t>https://www.youtube.com/watch?v=pq4NNIYar9o&amp;list=PLRc6ZYt68prVXAhwY1JD6DFc3BJGmJriq&amp;pp=gAQBiAQB</a:t>
-            </a:r>
+              <a:buChar char="ü"/>
+            </a:pPr>
             <a:endParaRPr lang="pt-BR" dirty="0"/>
           </a:p>
           <a:p>
-            <a:r>
-              <a:rPr lang="pt-BR" dirty="0"/>
-              <a:t>Horário de Atendimento</a:t>
-            </a:r>
-          </a:p>
-          <a:p>
-            <a:pPr lvl="1">
-              <a:buFont typeface="Wingdings" panose="05000000000000000000" pitchFamily="2" charset="2"/>
-              <a:buChar char="§"/>
-            </a:pPr>
-            <a:r>
-              <a:rPr lang="pt-BR" dirty="0"/>
-              <a:t>Todas as quartas-feiras das 17:30 às 18:30.</a:t>
-            </a:r>
-          </a:p>
-          <a:p>
-            <a:pPr lvl="1">
-              <a:buFont typeface="Wingdings" panose="05000000000000000000" pitchFamily="2" charset="2"/>
-              <a:buChar char="§"/>
-            </a:pPr>
-            <a:r>
-              <a:rPr lang="pt-BR" dirty="0"/>
-              <a:t>Presencialmente ou remotamente.</a:t>
-            </a:r>
+            <a:pPr marL="914400" lvl="2" indent="0">
+              <a:buNone/>
+            </a:pPr>
+            <a:endParaRPr lang="pt-BR" dirty="0"/>
+          </a:p>
+          <a:p>
+            <a:pPr marL="914400" lvl="2" indent="0">
+              <a:buNone/>
+            </a:pPr>
+            <a:endParaRPr lang="pt-BR" dirty="0"/>
+          </a:p>
+          <a:p>
+            <a:pPr lvl="1"/>
+            <a:endParaRPr lang="pt-BR" dirty="0"/>
           </a:p>
         </p:txBody>
       </p:sp>
     </p:spTree>
     <p:extLst>
       <p:ext uri="{BB962C8B-B14F-4D97-AF65-F5344CB8AC3E}">
-        <p14:creationId xmlns:p14="http://schemas.microsoft.com/office/powerpoint/2010/main" val="1412900488"/>
+        <p14:creationId xmlns:p14="http://schemas.microsoft.com/office/powerpoint/2010/main" val="2048825345"/>
       </p:ext>
     </p:extLst>
   </p:cSld>
@@ -4703,6 +4734,1005 @@
       </p:grpSpPr>
       <p:sp>
         <p:nvSpPr>
+          <p:cNvPr id="2" name="Título 1">
+            <a:extLst>
+              <a:ext uri="{FF2B5EF4-FFF2-40B4-BE49-F238E27FC236}">
+                <a16:creationId xmlns:a16="http://schemas.microsoft.com/office/drawing/2014/main" id="{A2A4684C-1159-4F88-A2B1-6BABEDE38C4D}"/>
+              </a:ext>
+            </a:extLst>
+          </p:cNvPr>
+          <p:cNvSpPr>
+            <a:spLocks noGrp="1"/>
+          </p:cNvSpPr>
+          <p:nvPr>
+            <p:ph type="title"/>
+          </p:nvPr>
+        </p:nvSpPr>
+        <p:spPr/>
+        <p:txBody>
+          <a:bodyPr/>
+          <a:lstStyle/>
+          <a:p>
+            <a:r>
+              <a:rPr lang="pt-BR" dirty="0"/>
+              <a:t>Referências</a:t>
+            </a:r>
+          </a:p>
+        </p:txBody>
+      </p:sp>
+      <p:sp>
+        <p:nvSpPr>
+          <p:cNvPr id="3" name="Espaço Reservado para Conteúdo 2">
+            <a:extLst>
+              <a:ext uri="{FF2B5EF4-FFF2-40B4-BE49-F238E27FC236}">
+                <a16:creationId xmlns:a16="http://schemas.microsoft.com/office/drawing/2014/main" id="{EC432B31-D382-41FF-BB6B-2ABDD322424B}"/>
+              </a:ext>
+            </a:extLst>
+          </p:cNvPr>
+          <p:cNvSpPr>
+            <a:spLocks noGrp="1"/>
+          </p:cNvSpPr>
+          <p:nvPr>
+            <p:ph idx="1"/>
+          </p:nvPr>
+        </p:nvSpPr>
+        <p:spPr>
+          <a:xfrm>
+            <a:off x="838199" y="1648915"/>
+            <a:ext cx="11157155" cy="5209085"/>
+          </a:xfrm>
+        </p:spPr>
+        <p:txBody>
+          <a:bodyPr>
+            <a:noAutofit/>
+          </a:bodyPr>
+          <a:lstStyle/>
+          <a:p>
+            <a:pPr marL="0" indent="0">
+              <a:spcBef>
+                <a:spcPts val="0"/>
+              </a:spcBef>
+              <a:buNone/>
+            </a:pPr>
+            <a:r>
+              <a:rPr lang="pt-BR" sz="2400" b="0" i="0" u="none" strike="noStrike" dirty="0">
+                <a:solidFill>
+                  <a:srgbClr val="000000"/>
+                </a:solidFill>
+                <a:effectLst/>
+              </a:rPr>
+              <a:t>[1] </a:t>
+            </a:r>
+            <a:r>
+              <a:rPr lang="pt-BR" sz="2400" dirty="0">
+                <a:solidFill>
+                  <a:srgbClr val="000000"/>
+                </a:solidFill>
+              </a:rPr>
+              <a:t>“Tensorflow </a:t>
+            </a:r>
+            <a:r>
+              <a:rPr lang="pt-BR" sz="2400" dirty="0" err="1">
+                <a:solidFill>
+                  <a:srgbClr val="000000"/>
+                </a:solidFill>
+              </a:rPr>
+              <a:t>c</a:t>
+            </a:r>
+            <a:r>
+              <a:rPr lang="pt-BR" sz="2400" b="0" i="0" u="none" strike="noStrike" dirty="0" err="1">
+                <a:solidFill>
+                  <a:srgbClr val="000000"/>
+                </a:solidFill>
+                <a:effectLst/>
+              </a:rPr>
+              <a:t>ode</a:t>
+            </a:r>
+            <a:r>
+              <a:rPr lang="pt-BR" sz="2400" b="0" i="0" u="none" strike="noStrike" dirty="0">
+                <a:solidFill>
+                  <a:srgbClr val="000000"/>
+                </a:solidFill>
+                <a:effectLst/>
+              </a:rPr>
+              <a:t> </a:t>
+            </a:r>
+            <a:r>
+              <a:rPr lang="pt-BR" sz="2400" b="0" i="0" u="none" strike="noStrike" dirty="0" err="1">
+                <a:solidFill>
+                  <a:srgbClr val="000000"/>
+                </a:solidFill>
+                <a:effectLst/>
+              </a:rPr>
+              <a:t>examples</a:t>
+            </a:r>
+            <a:r>
+              <a:rPr lang="pt-BR" sz="2400" b="0" i="0" u="none" strike="noStrike" dirty="0">
+                <a:solidFill>
+                  <a:srgbClr val="000000"/>
+                </a:solidFill>
+                <a:effectLst/>
+              </a:rPr>
+              <a:t>”, </a:t>
+            </a:r>
+            <a:r>
+              <a:rPr lang="pt-BR" sz="2400" b="0" i="0" u="none" strike="noStrike" dirty="0">
+                <a:solidFill>
+                  <a:srgbClr val="000000"/>
+                </a:solidFill>
+                <a:effectLst/>
+                <a:hlinkClick r:id="rId3"/>
+              </a:rPr>
+              <a:t>https://keras.io/examples/</a:t>
+            </a:r>
+            <a:endParaRPr lang="pt-BR" sz="2400" b="0" i="0" u="none" strike="noStrike" dirty="0">
+              <a:solidFill>
+                <a:srgbClr val="000000"/>
+              </a:solidFill>
+              <a:effectLst/>
+            </a:endParaRPr>
+          </a:p>
+          <a:p>
+            <a:pPr marL="0" indent="0">
+              <a:spcBef>
+                <a:spcPts val="0"/>
+              </a:spcBef>
+              <a:buNone/>
+            </a:pPr>
+            <a:r>
+              <a:rPr lang="pt-BR" sz="2400" dirty="0">
+                <a:solidFill>
+                  <a:srgbClr val="000000"/>
+                </a:solidFill>
+              </a:rPr>
+              <a:t>[2] “</a:t>
+            </a:r>
+            <a:r>
+              <a:rPr lang="pt-BR" sz="2400" dirty="0" err="1">
+                <a:solidFill>
+                  <a:srgbClr val="000000"/>
+                </a:solidFill>
+              </a:rPr>
+              <a:t>Pytorch</a:t>
+            </a:r>
+            <a:r>
+              <a:rPr lang="pt-BR" sz="2400" dirty="0">
+                <a:solidFill>
+                  <a:srgbClr val="000000"/>
+                </a:solidFill>
+              </a:rPr>
+              <a:t> </a:t>
+            </a:r>
+            <a:r>
+              <a:rPr lang="pt-BR" sz="2400" dirty="0" err="1">
+                <a:solidFill>
+                  <a:srgbClr val="000000"/>
+                </a:solidFill>
+              </a:rPr>
+              <a:t>code</a:t>
+            </a:r>
+            <a:r>
+              <a:rPr lang="pt-BR" sz="2400" dirty="0">
+                <a:solidFill>
+                  <a:srgbClr val="000000"/>
+                </a:solidFill>
+              </a:rPr>
+              <a:t> </a:t>
+            </a:r>
+            <a:r>
+              <a:rPr lang="pt-BR" sz="2400" dirty="0" err="1">
+                <a:solidFill>
+                  <a:srgbClr val="000000"/>
+                </a:solidFill>
+              </a:rPr>
+              <a:t>examples</a:t>
+            </a:r>
+            <a:r>
+              <a:rPr lang="pt-BR" sz="2400" dirty="0">
+                <a:solidFill>
+                  <a:srgbClr val="000000"/>
+                </a:solidFill>
+              </a:rPr>
+              <a:t>”, </a:t>
+            </a:r>
+            <a:r>
+              <a:rPr lang="pt-BR" sz="2400" dirty="0">
+                <a:solidFill>
+                  <a:srgbClr val="000000"/>
+                </a:solidFill>
+                <a:hlinkClick r:id="rId4"/>
+              </a:rPr>
+              <a:t>https://pytorch.org/examples/</a:t>
+            </a:r>
+            <a:endParaRPr lang="pt-BR" sz="2400" b="0" i="0" u="none" strike="noStrike" dirty="0">
+              <a:solidFill>
+                <a:srgbClr val="000000"/>
+              </a:solidFill>
+              <a:effectLst/>
+            </a:endParaRPr>
+          </a:p>
+          <a:p>
+            <a:pPr marL="0" indent="0">
+              <a:spcBef>
+                <a:spcPts val="0"/>
+              </a:spcBef>
+              <a:buNone/>
+            </a:pPr>
+            <a:r>
+              <a:rPr lang="pt-BR" sz="2400" dirty="0">
+                <a:solidFill>
+                  <a:srgbClr val="000000"/>
+                </a:solidFill>
+              </a:rPr>
+              <a:t>[3] Sebastian </a:t>
+            </a:r>
+            <a:r>
+              <a:rPr lang="pt-BR" sz="2400" dirty="0" err="1">
+                <a:solidFill>
+                  <a:srgbClr val="000000"/>
+                </a:solidFill>
+              </a:rPr>
+              <a:t>Raschka</a:t>
+            </a:r>
+            <a:r>
+              <a:rPr lang="pt-BR" sz="2400" dirty="0">
+                <a:solidFill>
+                  <a:srgbClr val="000000"/>
+                </a:solidFill>
+              </a:rPr>
+              <a:t> </a:t>
+            </a:r>
+            <a:r>
+              <a:rPr lang="pt-BR" sz="2400" dirty="0" err="1">
+                <a:solidFill>
+                  <a:srgbClr val="000000"/>
+                </a:solidFill>
+              </a:rPr>
+              <a:t>and</a:t>
+            </a:r>
+            <a:r>
+              <a:rPr lang="pt-BR" sz="2400" dirty="0">
+                <a:solidFill>
+                  <a:srgbClr val="000000"/>
+                </a:solidFill>
+              </a:rPr>
+              <a:t> </a:t>
+            </a:r>
+            <a:r>
+              <a:rPr lang="pt-BR" sz="2400" dirty="0" err="1">
+                <a:solidFill>
+                  <a:srgbClr val="000000"/>
+                </a:solidFill>
+              </a:rPr>
+              <a:t>Vahid</a:t>
+            </a:r>
+            <a:r>
+              <a:rPr lang="pt-BR" sz="2400" dirty="0">
+                <a:solidFill>
+                  <a:srgbClr val="000000"/>
+                </a:solidFill>
+              </a:rPr>
+              <a:t> </a:t>
+            </a:r>
+            <a:r>
+              <a:rPr lang="pt-BR" sz="2400" dirty="0" err="1">
+                <a:solidFill>
+                  <a:srgbClr val="000000"/>
+                </a:solidFill>
+              </a:rPr>
+              <a:t>Mirjalili</a:t>
+            </a:r>
+            <a:r>
+              <a:rPr lang="pt-BR" sz="2400" dirty="0">
+                <a:solidFill>
+                  <a:srgbClr val="000000"/>
+                </a:solidFill>
+              </a:rPr>
+              <a:t>, “</a:t>
+            </a:r>
+            <a:r>
+              <a:rPr lang="en-US" sz="2400" dirty="0">
+                <a:solidFill>
+                  <a:srgbClr val="000000"/>
+                </a:solidFill>
+              </a:rPr>
+              <a:t>Python Machine Learning: Machine Learning and Deep Learning with Python, scikit-learn, and TensorFlow 2”, </a:t>
+            </a:r>
+            <a:r>
+              <a:rPr lang="pt-BR" sz="2400" dirty="0" err="1">
+                <a:solidFill>
+                  <a:srgbClr val="000000"/>
+                </a:solidFill>
+              </a:rPr>
+              <a:t>Packt</a:t>
+            </a:r>
+            <a:r>
+              <a:rPr lang="pt-BR" sz="2400" dirty="0">
+                <a:solidFill>
+                  <a:srgbClr val="000000"/>
+                </a:solidFill>
+              </a:rPr>
+              <a:t> </a:t>
+            </a:r>
+            <a:r>
+              <a:rPr lang="pt-BR" sz="2400" dirty="0" err="1">
+                <a:solidFill>
+                  <a:srgbClr val="000000"/>
+                </a:solidFill>
+              </a:rPr>
+              <a:t>Publishing</a:t>
+            </a:r>
+            <a:r>
+              <a:rPr lang="pt-BR" sz="2400" dirty="0">
+                <a:solidFill>
+                  <a:srgbClr val="000000"/>
+                </a:solidFill>
+              </a:rPr>
+              <a:t>, 2019.</a:t>
+            </a:r>
+            <a:br>
+              <a:rPr lang="en-US" sz="2400" dirty="0">
+                <a:solidFill>
+                  <a:srgbClr val="000000"/>
+                </a:solidFill>
+              </a:rPr>
+            </a:br>
+            <a:r>
+              <a:rPr lang="en-US" sz="2400" dirty="0">
+                <a:solidFill>
+                  <a:srgbClr val="000000"/>
+                </a:solidFill>
+              </a:rPr>
+              <a:t>[4] </a:t>
+            </a:r>
+            <a:r>
+              <a:rPr lang="pt-BR" sz="2400" dirty="0">
+                <a:solidFill>
+                  <a:srgbClr val="000000"/>
+                </a:solidFill>
+              </a:rPr>
+              <a:t>Ivan </a:t>
+            </a:r>
+            <a:r>
+              <a:rPr lang="pt-BR" sz="2400" dirty="0" err="1">
+                <a:solidFill>
+                  <a:srgbClr val="000000"/>
+                </a:solidFill>
+              </a:rPr>
+              <a:t>Vasilev</a:t>
+            </a:r>
+            <a:r>
+              <a:rPr lang="pt-BR" sz="2400" dirty="0">
+                <a:solidFill>
+                  <a:srgbClr val="000000"/>
+                </a:solidFill>
+              </a:rPr>
+              <a:t>, </a:t>
+            </a:r>
+            <a:r>
+              <a:rPr lang="en-US" sz="2400" dirty="0">
+                <a:solidFill>
+                  <a:srgbClr val="000000"/>
+                </a:solidFill>
+              </a:rPr>
+              <a:t>“Advanced Deep Learning with Python: Design and implement advanced next-generation AI solutions using TensorFlow and </a:t>
+            </a:r>
+            <a:r>
+              <a:rPr lang="en-US" sz="2400" dirty="0" err="1">
+                <a:solidFill>
+                  <a:srgbClr val="000000"/>
+                </a:solidFill>
+              </a:rPr>
+              <a:t>PyTorch</a:t>
+            </a:r>
+            <a:r>
+              <a:rPr lang="en-US" sz="2400" dirty="0">
+                <a:solidFill>
+                  <a:srgbClr val="000000"/>
+                </a:solidFill>
+              </a:rPr>
+              <a:t>”, </a:t>
+            </a:r>
+            <a:r>
+              <a:rPr lang="pt-BR" sz="2400" dirty="0" err="1">
+                <a:solidFill>
+                  <a:srgbClr val="000000"/>
+                </a:solidFill>
+              </a:rPr>
+              <a:t>Packt</a:t>
+            </a:r>
+            <a:r>
+              <a:rPr lang="pt-BR" sz="2400" dirty="0">
+                <a:solidFill>
+                  <a:srgbClr val="000000"/>
+                </a:solidFill>
+              </a:rPr>
+              <a:t> </a:t>
+            </a:r>
+            <a:r>
+              <a:rPr lang="pt-BR" sz="2400" dirty="0" err="1">
+                <a:solidFill>
+                  <a:srgbClr val="000000"/>
+                </a:solidFill>
+              </a:rPr>
+              <a:t>Publishing</a:t>
+            </a:r>
+            <a:r>
+              <a:rPr lang="pt-BR" sz="2400" dirty="0">
+                <a:solidFill>
+                  <a:srgbClr val="000000"/>
+                </a:solidFill>
+              </a:rPr>
+              <a:t>, 2019.</a:t>
+            </a:r>
+          </a:p>
+          <a:p>
+            <a:pPr marL="0" indent="0">
+              <a:spcBef>
+                <a:spcPts val="0"/>
+              </a:spcBef>
+              <a:buNone/>
+            </a:pPr>
+            <a:r>
+              <a:rPr lang="pt-BR" sz="2400" dirty="0">
+                <a:solidFill>
+                  <a:srgbClr val="000000"/>
+                </a:solidFill>
+              </a:rPr>
+              <a:t>[5] </a:t>
+            </a:r>
+            <a:r>
+              <a:rPr lang="pt-BR" sz="2400" dirty="0" err="1">
+                <a:solidFill>
+                  <a:srgbClr val="000000"/>
+                </a:solidFill>
+              </a:rPr>
+              <a:t>Aurélien</a:t>
+            </a:r>
+            <a:r>
+              <a:rPr lang="pt-BR" sz="2400" dirty="0">
+                <a:solidFill>
+                  <a:srgbClr val="000000"/>
+                </a:solidFill>
+              </a:rPr>
+              <a:t> </a:t>
+            </a:r>
+            <a:r>
+              <a:rPr lang="pt-BR" sz="2400" dirty="0" err="1">
+                <a:solidFill>
+                  <a:srgbClr val="000000"/>
+                </a:solidFill>
+              </a:rPr>
+              <a:t>Géron</a:t>
+            </a:r>
+            <a:r>
+              <a:rPr lang="pt-BR" sz="2400" dirty="0">
+                <a:solidFill>
+                  <a:srgbClr val="000000"/>
+                </a:solidFill>
+              </a:rPr>
+              <a:t>, "Hands-On Machine Learning </a:t>
+            </a:r>
+            <a:r>
+              <a:rPr lang="pt-BR" sz="2400" dirty="0" err="1">
+                <a:solidFill>
+                  <a:srgbClr val="000000"/>
+                </a:solidFill>
+              </a:rPr>
+              <a:t>with</a:t>
+            </a:r>
+            <a:r>
+              <a:rPr lang="pt-BR" sz="2400" dirty="0">
+                <a:solidFill>
+                  <a:srgbClr val="000000"/>
+                </a:solidFill>
+              </a:rPr>
+              <a:t> </a:t>
+            </a:r>
+            <a:r>
+              <a:rPr lang="pt-BR" sz="2400" dirty="0" err="1">
+                <a:solidFill>
+                  <a:srgbClr val="000000"/>
+                </a:solidFill>
+              </a:rPr>
+              <a:t>Scikit-Learn</a:t>
+            </a:r>
+            <a:r>
+              <a:rPr lang="pt-BR" sz="2400" dirty="0">
+                <a:solidFill>
+                  <a:srgbClr val="000000"/>
+                </a:solidFill>
+              </a:rPr>
+              <a:t> </a:t>
+            </a:r>
+            <a:r>
+              <a:rPr lang="pt-BR" sz="2400" dirty="0" err="1">
+                <a:solidFill>
+                  <a:srgbClr val="000000"/>
+                </a:solidFill>
+              </a:rPr>
+              <a:t>and</a:t>
+            </a:r>
+            <a:r>
+              <a:rPr lang="pt-BR" sz="2400" dirty="0">
+                <a:solidFill>
+                  <a:srgbClr val="000000"/>
+                </a:solidFill>
+              </a:rPr>
+              <a:t> TensorFlow: </a:t>
+            </a:r>
+            <a:r>
+              <a:rPr lang="pt-BR" sz="2400" dirty="0" err="1">
+                <a:solidFill>
+                  <a:srgbClr val="000000"/>
+                </a:solidFill>
+              </a:rPr>
+              <a:t>Concepts</a:t>
+            </a:r>
+            <a:r>
+              <a:rPr lang="pt-BR" sz="2400" dirty="0">
+                <a:solidFill>
+                  <a:srgbClr val="000000"/>
+                </a:solidFill>
+              </a:rPr>
+              <a:t>, Tools, </a:t>
+            </a:r>
+            <a:r>
+              <a:rPr lang="pt-BR" sz="2400" dirty="0" err="1">
+                <a:solidFill>
+                  <a:srgbClr val="000000"/>
+                </a:solidFill>
+              </a:rPr>
+              <a:t>and</a:t>
+            </a:r>
+            <a:r>
+              <a:rPr lang="pt-BR" sz="2400" dirty="0">
+                <a:solidFill>
+                  <a:srgbClr val="000000"/>
+                </a:solidFill>
+              </a:rPr>
+              <a:t> </a:t>
+            </a:r>
+            <a:r>
+              <a:rPr lang="pt-BR" sz="2400" dirty="0" err="1">
+                <a:solidFill>
+                  <a:srgbClr val="000000"/>
+                </a:solidFill>
+              </a:rPr>
+              <a:t>Techniques</a:t>
+            </a:r>
+            <a:r>
+              <a:rPr lang="pt-BR" sz="2400" dirty="0">
+                <a:solidFill>
+                  <a:srgbClr val="000000"/>
+                </a:solidFill>
+              </a:rPr>
+              <a:t> </a:t>
+            </a:r>
+            <a:r>
+              <a:rPr lang="pt-BR" sz="2400" dirty="0" err="1">
+                <a:solidFill>
+                  <a:srgbClr val="000000"/>
+                </a:solidFill>
+              </a:rPr>
+              <a:t>to</a:t>
+            </a:r>
+            <a:r>
+              <a:rPr lang="pt-BR" sz="2400" dirty="0">
+                <a:solidFill>
+                  <a:srgbClr val="000000"/>
+                </a:solidFill>
+              </a:rPr>
+              <a:t> Build </a:t>
+            </a:r>
+            <a:r>
+              <a:rPr lang="pt-BR" sz="2400" dirty="0" err="1">
+                <a:solidFill>
+                  <a:srgbClr val="000000"/>
+                </a:solidFill>
+              </a:rPr>
+              <a:t>Intelligent</a:t>
+            </a:r>
+            <a:r>
+              <a:rPr lang="pt-BR" sz="2400" dirty="0">
+                <a:solidFill>
+                  <a:srgbClr val="000000"/>
+                </a:solidFill>
+              </a:rPr>
+              <a:t> Systems", 3rd ed., O'Reilly Media, 2022.</a:t>
+            </a:r>
+          </a:p>
+          <a:p>
+            <a:pPr marL="0" indent="0">
+              <a:spcBef>
+                <a:spcPts val="0"/>
+              </a:spcBef>
+              <a:buNone/>
+            </a:pPr>
+            <a:r>
+              <a:rPr lang="en-US" sz="2400" dirty="0">
+                <a:solidFill>
+                  <a:srgbClr val="000000"/>
+                </a:solidFill>
+              </a:rPr>
+              <a:t>[6] </a:t>
+            </a:r>
+            <a:r>
+              <a:rPr lang="en-US" sz="2400" dirty="0" err="1">
+                <a:solidFill>
+                  <a:srgbClr val="000000"/>
+                </a:solidFill>
+              </a:rPr>
+              <a:t>Raschka</a:t>
+            </a:r>
+            <a:r>
+              <a:rPr lang="en-US" sz="2400" dirty="0">
+                <a:solidFill>
+                  <a:srgbClr val="000000"/>
+                </a:solidFill>
+              </a:rPr>
+              <a:t>, Sebastian, et al., “Machine Learning with </a:t>
+            </a:r>
+            <a:r>
+              <a:rPr lang="en-US" sz="2400" dirty="0" err="1">
+                <a:solidFill>
+                  <a:srgbClr val="000000"/>
+                </a:solidFill>
+              </a:rPr>
+              <a:t>PyTorch</a:t>
+            </a:r>
+            <a:r>
+              <a:rPr lang="en-US" sz="2400" dirty="0">
+                <a:solidFill>
+                  <a:srgbClr val="000000"/>
+                </a:solidFill>
+              </a:rPr>
+              <a:t> and Scikit-Learn: Develop machine learning and deep learning models with Python”, </a:t>
+            </a:r>
+            <a:r>
+              <a:rPr lang="en-US" sz="2400" dirty="0" err="1">
+                <a:solidFill>
+                  <a:srgbClr val="000000"/>
+                </a:solidFill>
+              </a:rPr>
+              <a:t>Packt</a:t>
+            </a:r>
+            <a:r>
+              <a:rPr lang="en-US" sz="2400" dirty="0">
+                <a:solidFill>
+                  <a:srgbClr val="000000"/>
+                </a:solidFill>
+              </a:rPr>
+              <a:t> Publishing Ltd, 2022.</a:t>
+            </a:r>
+            <a:endParaRPr lang="pt-BR" sz="2400" dirty="0">
+              <a:solidFill>
+                <a:srgbClr val="000000"/>
+              </a:solidFill>
+            </a:endParaRPr>
+          </a:p>
+          <a:p>
+            <a:pPr marL="0" indent="0">
+              <a:spcBef>
+                <a:spcPts val="0"/>
+              </a:spcBef>
+              <a:buNone/>
+            </a:pPr>
+            <a:r>
+              <a:rPr lang="pt-BR" sz="2400" dirty="0">
+                <a:solidFill>
+                  <a:srgbClr val="000000"/>
+                </a:solidFill>
+              </a:rPr>
+              <a:t>[7] C. M. Bishop, "</a:t>
+            </a:r>
+            <a:r>
+              <a:rPr lang="pt-BR" sz="2400" dirty="0" err="1">
+                <a:solidFill>
+                  <a:srgbClr val="000000"/>
+                </a:solidFill>
+              </a:rPr>
+              <a:t>Pattern</a:t>
+            </a:r>
+            <a:r>
+              <a:rPr lang="pt-BR" sz="2400" dirty="0">
+                <a:solidFill>
+                  <a:srgbClr val="000000"/>
+                </a:solidFill>
+              </a:rPr>
+              <a:t> </a:t>
+            </a:r>
+            <a:r>
+              <a:rPr lang="pt-BR" sz="2400" dirty="0" err="1">
+                <a:solidFill>
+                  <a:srgbClr val="000000"/>
+                </a:solidFill>
+              </a:rPr>
+              <a:t>Recognition</a:t>
+            </a:r>
+            <a:r>
+              <a:rPr lang="pt-BR" sz="2400" dirty="0">
+                <a:solidFill>
+                  <a:srgbClr val="000000"/>
+                </a:solidFill>
+              </a:rPr>
+              <a:t> </a:t>
+            </a:r>
+            <a:r>
+              <a:rPr lang="pt-BR" sz="2400" dirty="0" err="1">
+                <a:solidFill>
+                  <a:srgbClr val="000000"/>
+                </a:solidFill>
+              </a:rPr>
+              <a:t>and</a:t>
+            </a:r>
+            <a:r>
+              <a:rPr lang="pt-BR" sz="2400" dirty="0">
+                <a:solidFill>
+                  <a:srgbClr val="000000"/>
+                </a:solidFill>
+              </a:rPr>
+              <a:t> Machine Learning", Springer, 2006.</a:t>
+            </a:r>
+          </a:p>
+          <a:p>
+            <a:pPr marL="0" indent="0">
+              <a:spcBef>
+                <a:spcPts val="0"/>
+              </a:spcBef>
+              <a:buNone/>
+            </a:pPr>
+            <a:r>
+              <a:rPr lang="pt-BR" sz="2400" dirty="0">
+                <a:solidFill>
+                  <a:srgbClr val="000000"/>
+                </a:solidFill>
+              </a:rPr>
+              <a:t>[8] “Livros”, </a:t>
+            </a:r>
+            <a:r>
+              <a:rPr lang="pt-BR" sz="2400" dirty="0">
+                <a:solidFill>
+                  <a:srgbClr val="000000"/>
+                </a:solidFill>
+                <a:hlinkClick r:id="rId5"/>
+              </a:rPr>
+              <a:t>http://tinyurl.com/tp558-books</a:t>
+            </a:r>
+            <a:endParaRPr lang="pt-BR" sz="2400" dirty="0">
+              <a:solidFill>
+                <a:srgbClr val="000000"/>
+              </a:solidFill>
+            </a:endParaRPr>
+          </a:p>
+        </p:txBody>
+      </p:sp>
+    </p:spTree>
+    <p:extLst>
+      <p:ext uri="{BB962C8B-B14F-4D97-AF65-F5344CB8AC3E}">
+        <p14:creationId xmlns:p14="http://schemas.microsoft.com/office/powerpoint/2010/main" val="2247946137"/>
+      </p:ext>
+    </p:extLst>
+  </p:cSld>
+  <p:clrMapOvr>
+    <a:masterClrMapping/>
+  </p:clrMapOvr>
+</p:sld>
+</file>
+
+<file path=ppt/slides/slide12.xml><?xml version="1.0" encoding="utf-8"?>
+<p:sld xmlns:a="http://schemas.openxmlformats.org/drawingml/2006/main" xmlns:r="http://schemas.openxmlformats.org/officeDocument/2006/relationships" xmlns:p="http://schemas.openxmlformats.org/presentationml/2006/main">
+  <p:cSld>
+    <p:spTree>
+      <p:nvGrpSpPr>
+        <p:cNvPr id="1" name=""/>
+        <p:cNvGrpSpPr/>
+        <p:nvPr/>
+      </p:nvGrpSpPr>
+      <p:grpSpPr>
+        <a:xfrm>
+          <a:off x="0" y="0"/>
+          <a:ext cx="0" cy="0"/>
+          <a:chOff x="0" y="0"/>
+          <a:chExt cx="0" cy="0"/>
+        </a:xfrm>
+      </p:grpSpPr>
+      <p:sp>
+        <p:nvSpPr>
+          <p:cNvPr id="2" name="Title 1"/>
+          <p:cNvSpPr>
+            <a:spLocks noGrp="1"/>
+          </p:cNvSpPr>
+          <p:nvPr>
+            <p:ph type="title"/>
+          </p:nvPr>
+        </p:nvSpPr>
+        <p:spPr/>
+        <p:txBody>
+          <a:bodyPr/>
+          <a:lstStyle/>
+          <a:p>
+            <a:r>
+              <a:rPr lang="en-US" dirty="0" err="1"/>
+              <a:t>Avisos</a:t>
+            </a:r>
+            <a:endParaRPr lang="nl-BE" dirty="0"/>
+          </a:p>
+        </p:txBody>
+      </p:sp>
+      <p:sp>
+        <p:nvSpPr>
+          <p:cNvPr id="3" name="Content Placeholder 2"/>
+          <p:cNvSpPr>
+            <a:spLocks noGrp="1"/>
+          </p:cNvSpPr>
+          <p:nvPr>
+            <p:ph idx="1"/>
+          </p:nvPr>
+        </p:nvSpPr>
+        <p:spPr>
+          <a:xfrm>
+            <a:off x="838199" y="1825624"/>
+            <a:ext cx="11104419" cy="5032376"/>
+          </a:xfrm>
+        </p:spPr>
+        <p:txBody>
+          <a:bodyPr>
+            <a:normAutofit/>
+          </a:bodyPr>
+          <a:lstStyle/>
+          <a:p>
+            <a:r>
+              <a:rPr lang="pt-BR" dirty="0"/>
+              <a:t>Todo material do curso está disponível no GitHub:</a:t>
+            </a:r>
+          </a:p>
+          <a:p>
+            <a:pPr lvl="1">
+              <a:buFont typeface="Wingdings" panose="05000000000000000000" pitchFamily="2" charset="2"/>
+              <a:buChar char="§"/>
+            </a:pPr>
+            <a:r>
+              <a:rPr lang="pt-BR" dirty="0">
+                <a:hlinkClick r:id="rId2"/>
+              </a:rPr>
+              <a:t>https://github.com/zz4fap/tp558-adv-ml</a:t>
+            </a:r>
+            <a:endParaRPr lang="pt-BR" dirty="0"/>
+          </a:p>
+          <a:p>
+            <a:r>
+              <a:rPr lang="pt-BR" dirty="0"/>
+              <a:t>Google </a:t>
+            </a:r>
+            <a:r>
+              <a:rPr lang="pt-BR" dirty="0" err="1"/>
+              <a:t>Colab</a:t>
+            </a:r>
+            <a:endParaRPr lang="pt-BR" dirty="0"/>
+          </a:p>
+          <a:p>
+            <a:pPr lvl="1">
+              <a:buFont typeface="Wingdings" panose="05000000000000000000" pitchFamily="2" charset="2"/>
+              <a:buChar char="§"/>
+            </a:pPr>
+            <a:r>
+              <a:rPr lang="pt-BR" dirty="0">
+                <a:hlinkClick r:id="rId3"/>
+              </a:rPr>
+              <a:t>https://www.youtube.com/watch?v=inN8seMm7UI&amp;ab_channel=TensorFlow</a:t>
+            </a:r>
+          </a:p>
+          <a:p>
+            <a:pPr lvl="1">
+              <a:buFont typeface="Wingdings" panose="05000000000000000000" pitchFamily="2" charset="2"/>
+              <a:buChar char="§"/>
+            </a:pPr>
+            <a:r>
+              <a:rPr lang="pt-BR" b="0" i="0" dirty="0">
+                <a:solidFill>
+                  <a:srgbClr val="222222"/>
+                </a:solidFill>
+                <a:effectLst/>
+                <a:latin typeface="Arial" panose="020B0604020202020204" pitchFamily="34" charset="0"/>
+                <a:hlinkClick r:id="rId4"/>
+              </a:rPr>
+              <a:t>https://www.youtube.com/watch?v=inN8seMm7UI</a:t>
+            </a:r>
+            <a:endParaRPr lang="pt-BR" b="0" i="0" dirty="0">
+              <a:solidFill>
+                <a:srgbClr val="222222"/>
+              </a:solidFill>
+              <a:effectLst/>
+              <a:latin typeface="Arial" panose="020B0604020202020204" pitchFamily="34" charset="0"/>
+            </a:endParaRPr>
+          </a:p>
+          <a:p>
+            <a:r>
+              <a:rPr lang="pt-BR" dirty="0"/>
+              <a:t>Python Crash </a:t>
+            </a:r>
+            <a:r>
+              <a:rPr lang="pt-BR" dirty="0" err="1"/>
+              <a:t>Course</a:t>
+            </a:r>
+            <a:endParaRPr lang="pt-BR" dirty="0">
+              <a:hlinkClick r:id="rId3"/>
+            </a:endParaRPr>
+          </a:p>
+          <a:p>
+            <a:pPr lvl="1">
+              <a:buFont typeface="Wingdings" panose="05000000000000000000" pitchFamily="2" charset="2"/>
+              <a:buChar char="§"/>
+            </a:pPr>
+            <a:r>
+              <a:rPr lang="pt-BR" dirty="0">
+                <a:hlinkClick r:id="rId3"/>
+              </a:rPr>
+              <a:t>https://www.youtube.com/watch?v=pq4NNIYar9o&amp;list=PLRc6ZYt68prVXAhwY1JD6DFc3BJGmJriq&amp;pp=gAQBiAQB</a:t>
+            </a:r>
+            <a:endParaRPr lang="pt-BR" dirty="0"/>
+          </a:p>
+          <a:p>
+            <a:r>
+              <a:rPr lang="pt-BR" dirty="0"/>
+              <a:t>Horário de Atendimento</a:t>
+            </a:r>
+          </a:p>
+          <a:p>
+            <a:pPr lvl="1">
+              <a:buFont typeface="Wingdings" panose="05000000000000000000" pitchFamily="2" charset="2"/>
+              <a:buChar char="§"/>
+            </a:pPr>
+            <a:r>
+              <a:rPr lang="pt-BR" dirty="0"/>
+              <a:t>Todas as quartas-feiras das 17:30 às 18:30.</a:t>
+            </a:r>
+          </a:p>
+          <a:p>
+            <a:pPr lvl="1">
+              <a:buFont typeface="Wingdings" panose="05000000000000000000" pitchFamily="2" charset="2"/>
+              <a:buChar char="§"/>
+            </a:pPr>
+            <a:r>
+              <a:rPr lang="pt-BR" dirty="0"/>
+              <a:t>Presencialmente ou remotamente.</a:t>
+            </a:r>
+          </a:p>
+        </p:txBody>
+      </p:sp>
+    </p:spTree>
+    <p:extLst>
+      <p:ext uri="{BB962C8B-B14F-4D97-AF65-F5344CB8AC3E}">
+        <p14:creationId xmlns:p14="http://schemas.microsoft.com/office/powerpoint/2010/main" val="1412900488"/>
+      </p:ext>
+    </p:extLst>
+  </p:cSld>
+  <p:clrMapOvr>
+    <a:masterClrMapping/>
+  </p:clrMapOvr>
+</p:sld>
+</file>
+
+<file path=ppt/slides/slide13.xml><?xml version="1.0" encoding="utf-8"?>
+<p:sld xmlns:a="http://schemas.openxmlformats.org/drawingml/2006/main" xmlns:r="http://schemas.openxmlformats.org/officeDocument/2006/relationships" xmlns:p="http://schemas.openxmlformats.org/presentationml/2006/main">
+  <p:cSld>
+    <p:spTree>
+      <p:nvGrpSpPr>
+        <p:cNvPr id="1" name=""/>
+        <p:cNvGrpSpPr/>
+        <p:nvPr/>
+      </p:nvGrpSpPr>
+      <p:grpSpPr>
+        <a:xfrm>
+          <a:off x="0" y="0"/>
+          <a:ext cx="0" cy="0"/>
+          <a:chOff x="0" y="0"/>
+          <a:chExt cx="0" cy="0"/>
+        </a:xfrm>
+      </p:grpSpPr>
+      <p:sp>
+        <p:nvSpPr>
           <p:cNvPr id="4" name="Título 1">
             <a:extLst>
               <a:ext uri="{FF2B5EF4-FFF2-40B4-BE49-F238E27FC236}">
@@ -4770,7 +5800,7 @@
 </p:sld>
 </file>
 
-<file path=ppt/slides/slide12.xml><?xml version="1.0" encoding="utf-8"?>
+<file path=ppt/slides/slide14.xml><?xml version="1.0" encoding="utf-8"?>
 <p:sld xmlns:a="http://schemas.openxmlformats.org/drawingml/2006/main" xmlns:r="http://schemas.openxmlformats.org/officeDocument/2006/relationships" xmlns:p="http://schemas.openxmlformats.org/presentationml/2006/main">
   <p:cSld>
     <p:spTree>
@@ -6058,7 +7088,7 @@
           <a:p>
             <a:r>
               <a:rPr lang="pt-BR" dirty="0"/>
-              <a:t>Instruções detalhadas sobre o seminários e projeto final.</a:t>
+              <a:t>Instruções detalhadas sobre os seminários e projeto final.</a:t>
             </a:r>
           </a:p>
           <a:p>
@@ -6149,7 +7179,7 @@
           <p:cNvPr id="2" name="Título 1">
             <a:extLst>
               <a:ext uri="{FF2B5EF4-FFF2-40B4-BE49-F238E27FC236}">
-                <a16:creationId xmlns:a16="http://schemas.microsoft.com/office/drawing/2014/main" id="{A2A4684C-1159-4F88-A2B1-6BABEDE38C4D}"/>
+                <a16:creationId xmlns:a16="http://schemas.microsoft.com/office/drawing/2014/main" id="{11BC2EE5-C8A9-A5C4-E79F-7ACA60564BF4}"/>
               </a:ext>
             </a:extLst>
           </p:cNvPr>
@@ -6167,7 +7197,7 @@
           <a:p>
             <a:r>
               <a:rPr lang="pt-BR" dirty="0"/>
-              <a:t>Referências</a:t>
+              <a:t>Temas dos seminários</a:t>
             </a:r>
           </a:p>
         </p:txBody>
@@ -6177,7 +7207,7 @@
           <p:cNvPr id="3" name="Espaço Reservado para Conteúdo 2">
             <a:extLst>
               <a:ext uri="{FF2B5EF4-FFF2-40B4-BE49-F238E27FC236}">
-                <a16:creationId xmlns:a16="http://schemas.microsoft.com/office/drawing/2014/main" id="{EC432B31-D382-41FF-BB6B-2ABDD322424B}"/>
+                <a16:creationId xmlns:a16="http://schemas.microsoft.com/office/drawing/2014/main" id="{F34E1E4B-4890-7308-FDD9-BCFBF68A4D2F}"/>
               </a:ext>
             </a:extLst>
           </p:cNvPr>
@@ -6188,96 +7218,75 @@
             <p:ph idx="1"/>
           </p:nvPr>
         </p:nvSpPr>
-        <p:spPr>
-          <a:xfrm>
-            <a:off x="838199" y="1648915"/>
-            <a:ext cx="11157155" cy="5209085"/>
-          </a:xfrm>
-        </p:spPr>
-        <p:txBody>
-          <a:bodyPr>
-            <a:noAutofit/>
-          </a:bodyPr>
+        <p:spPr/>
+        <p:txBody>
+          <a:bodyPr/>
           <a:lstStyle/>
           <a:p>
-            <a:pPr marL="0" indent="0">
-              <a:spcBef>
-                <a:spcPts val="0"/>
-              </a:spcBef>
-              <a:buNone/>
-            </a:pPr>
-            <a:r>
-              <a:rPr lang="pt-BR" sz="2400" b="0" i="0" u="none" strike="noStrike" dirty="0">
+            <a:r>
+              <a:rPr lang="pt-BR" dirty="0" err="1"/>
+              <a:t>Generative</a:t>
+            </a:r>
+            <a:r>
+              <a:rPr lang="pt-BR" dirty="0"/>
+              <a:t> </a:t>
+            </a:r>
+            <a:r>
+              <a:rPr lang="pt-BR" dirty="0" err="1"/>
+              <a:t>deep</a:t>
+            </a:r>
+            <a:r>
+              <a:rPr lang="pt-BR" dirty="0"/>
+              <a:t> learning: </a:t>
+            </a:r>
+            <a:r>
+              <a:rPr lang="pt-BR" dirty="0" err="1"/>
+              <a:t>Image</a:t>
+            </a:r>
+            <a:r>
+              <a:rPr lang="pt-BR" dirty="0"/>
+              <a:t> Generation</a:t>
+            </a:r>
+          </a:p>
+          <a:p>
+            <a:pPr lvl="1">
+              <a:buFont typeface="Wingdings" panose="05000000000000000000" pitchFamily="2" charset="2"/>
+              <a:buChar char="§"/>
+            </a:pPr>
+            <a:r>
+              <a:rPr lang="en-US" dirty="0">
+                <a:solidFill>
+                  <a:srgbClr val="000000"/>
+                </a:solidFill>
+              </a:rPr>
+              <a:t>D</a:t>
+            </a:r>
+            <a:r>
+              <a:rPr lang="en-US" b="0" i="0" dirty="0">
                 <a:solidFill>
                   <a:srgbClr val="000000"/>
                 </a:solidFill>
                 <a:effectLst/>
               </a:rPr>
-              <a:t>[1] </a:t>
-            </a:r>
-            <a:r>
-              <a:rPr lang="pt-BR" sz="2400" dirty="0">
-                <a:solidFill>
-                  <a:srgbClr val="000000"/>
-                </a:solidFill>
-              </a:rPr>
-              <a:t>“Tensorflow </a:t>
-            </a:r>
-            <a:r>
-              <a:rPr lang="pt-BR" sz="2400" dirty="0" err="1">
-                <a:solidFill>
-                  <a:srgbClr val="000000"/>
-                </a:solidFill>
-              </a:rPr>
-              <a:t>c</a:t>
-            </a:r>
-            <a:r>
-              <a:rPr lang="pt-BR" sz="2400" b="0" i="0" u="none" strike="noStrike" dirty="0" err="1">
+              <a:t>eep convolutional generative adversarial network (DCGAN)</a:t>
+            </a:r>
+          </a:p>
+          <a:p>
+            <a:pPr lvl="2">
+              <a:buFont typeface="Wingdings" panose="05000000000000000000" pitchFamily="2" charset="2"/>
+              <a:buChar char="ü"/>
+            </a:pPr>
+            <a:r>
+              <a:rPr lang="en-US" b="0" i="0" dirty="0">
                 <a:solidFill>
                   <a:srgbClr val="000000"/>
                 </a:solidFill>
                 <a:effectLst/>
-              </a:rPr>
-              <a:t>ode</a:t>
-            </a:r>
-            <a:r>
-              <a:rPr lang="pt-BR" sz="2400" b="0" i="0" u="none" strike="noStrike" dirty="0">
-                <a:solidFill>
-                  <a:srgbClr val="000000"/>
-                </a:solidFill>
-                <a:effectLst/>
-              </a:rPr>
-              <a:t> </a:t>
-            </a:r>
-            <a:r>
-              <a:rPr lang="pt-BR" sz="2400" b="0" i="0" u="none" strike="noStrike" dirty="0" err="1">
-                <a:solidFill>
-                  <a:srgbClr val="000000"/>
-                </a:solidFill>
-                <a:effectLst/>
-              </a:rPr>
-              <a:t>examples</a:t>
-            </a:r>
-            <a:r>
-              <a:rPr lang="pt-BR" sz="2400" b="0" i="0" u="none" strike="noStrike" dirty="0">
-                <a:solidFill>
-                  <a:srgbClr val="000000"/>
-                </a:solidFill>
-                <a:effectLst/>
-              </a:rPr>
-              <a:t>”, </a:t>
-            </a:r>
-            <a:r>
-              <a:rPr lang="pt-BR" sz="2400" b="0" i="0" u="none" strike="noStrike" dirty="0">
-                <a:solidFill>
-                  <a:srgbClr val="000000"/>
-                </a:solidFill>
-                <a:effectLst/>
-                <a:hlinkClick r:id="rId3"/>
-              </a:rPr>
-              <a:t>https://keras.io/examples/</a:t>
-            </a:r>
-            <a:endParaRPr lang="pt-BR" sz="2400" b="0" i="0" u="none" strike="noStrike" dirty="0">
+                <a:hlinkClick r:id="rId2"/>
+              </a:rPr>
+              <a:t>https://arxiv.org/abs/1511.06434</a:t>
+            </a:r>
+            <a:endParaRPr lang="en-US" b="0" i="0" dirty="0">
               <a:solidFill>
                 <a:srgbClr val="000000"/>
               </a:solidFill>
@@ -6285,644 +7294,190 @@
             </a:endParaRPr>
           </a:p>
           <a:p>
-            <a:pPr marL="0" indent="0">
-              <a:spcBef>
-                <a:spcPts val="0"/>
-              </a:spcBef>
-              <a:buNone/>
-            </a:pPr>
-            <a:r>
-              <a:rPr lang="pt-BR" sz="2400" dirty="0">
-                <a:solidFill>
-                  <a:srgbClr val="000000"/>
-                </a:solidFill>
-              </a:rPr>
-              <a:t>[2] “</a:t>
-            </a:r>
-            <a:r>
-              <a:rPr lang="pt-BR" sz="2400" dirty="0" err="1">
-                <a:solidFill>
-                  <a:srgbClr val="000000"/>
-                </a:solidFill>
-              </a:rPr>
-              <a:t>Pytorch</a:t>
-            </a:r>
-            <a:r>
-              <a:rPr lang="pt-BR" sz="2400" dirty="0">
-                <a:solidFill>
-                  <a:srgbClr val="000000"/>
-                </a:solidFill>
-              </a:rPr>
-              <a:t> </a:t>
-            </a:r>
-            <a:r>
-              <a:rPr lang="pt-BR" sz="2400" dirty="0" err="1">
-                <a:solidFill>
-                  <a:srgbClr val="000000"/>
-                </a:solidFill>
-              </a:rPr>
-              <a:t>code</a:t>
-            </a:r>
-            <a:r>
-              <a:rPr lang="pt-BR" sz="2400" dirty="0">
-                <a:solidFill>
-                  <a:srgbClr val="000000"/>
-                </a:solidFill>
-              </a:rPr>
-              <a:t> </a:t>
-            </a:r>
-            <a:r>
-              <a:rPr lang="pt-BR" sz="2400" dirty="0" err="1">
-                <a:solidFill>
-                  <a:srgbClr val="000000"/>
-                </a:solidFill>
-              </a:rPr>
-              <a:t>examples</a:t>
-            </a:r>
-            <a:r>
-              <a:rPr lang="pt-BR" sz="2400" dirty="0">
-                <a:solidFill>
-                  <a:srgbClr val="000000"/>
-                </a:solidFill>
-              </a:rPr>
-              <a:t>”, </a:t>
-            </a:r>
-            <a:r>
-              <a:rPr lang="pt-BR" sz="2400" dirty="0">
-                <a:solidFill>
-                  <a:srgbClr val="000000"/>
+            <a:pPr lvl="2">
+              <a:buFont typeface="Wingdings" panose="05000000000000000000" pitchFamily="2" charset="2"/>
+              <a:buChar char="ü"/>
+            </a:pPr>
+            <a:r>
+              <a:rPr lang="pt-BR" dirty="0">
+                <a:hlinkClick r:id="rId3"/>
+              </a:rPr>
+              <a:t>https://keras.io/examples/generative/dcgan_overriding_train_step/</a:t>
+            </a:r>
+            <a:endParaRPr lang="pt-BR" dirty="0"/>
+          </a:p>
+          <a:p>
+            <a:pPr lvl="1">
+              <a:buFont typeface="Wingdings" panose="05000000000000000000" pitchFamily="2" charset="2"/>
+              <a:buChar char="§"/>
+            </a:pPr>
+            <a:r>
+              <a:rPr lang="pt-BR" dirty="0" err="1">
+                <a:solidFill>
+                  <a:srgbClr val="202124"/>
+                </a:solidFill>
+              </a:rPr>
+              <a:t>Conditional</a:t>
+            </a:r>
+            <a:r>
+              <a:rPr lang="pt-BR" dirty="0">
+                <a:solidFill>
+                  <a:srgbClr val="202124"/>
+                </a:solidFill>
+              </a:rPr>
+              <a:t> GAN (CGAN)</a:t>
+            </a:r>
+          </a:p>
+          <a:p>
+            <a:pPr lvl="2">
+              <a:buFont typeface="Wingdings" panose="05000000000000000000" pitchFamily="2" charset="2"/>
+              <a:buChar char="§"/>
+            </a:pPr>
+            <a:r>
+              <a:rPr lang="pt-BR" dirty="0">
+                <a:solidFill>
+                  <a:srgbClr val="202124"/>
                 </a:solidFill>
                 <a:hlinkClick r:id="rId4"/>
               </a:rPr>
-              <a:t>https://pytorch.org/examples/</a:t>
-            </a:r>
-            <a:endParaRPr lang="pt-BR" sz="2400" b="0" i="0" u="none" strike="noStrike" dirty="0">
+              <a:t>https://arxiv.org/abs/1411.1784</a:t>
+            </a:r>
+            <a:endParaRPr lang="pt-BR" dirty="0">
               <a:solidFill>
-                <a:srgbClr val="000000"/>
-              </a:solidFill>
-              <a:effectLst/>
-            </a:endParaRPr>
-          </a:p>
-          <a:p>
-            <a:pPr marL="0" indent="0">
-              <a:spcBef>
-                <a:spcPts val="0"/>
-              </a:spcBef>
-              <a:buNone/>
-            </a:pPr>
-            <a:r>
-              <a:rPr lang="pt-BR" sz="2400" dirty="0">
-                <a:solidFill>
-                  <a:srgbClr val="000000"/>
-                </a:solidFill>
-              </a:rPr>
-              <a:t>[3] Sebastian </a:t>
-            </a:r>
-            <a:r>
-              <a:rPr lang="pt-BR" sz="2400" dirty="0" err="1">
-                <a:solidFill>
-                  <a:srgbClr val="000000"/>
-                </a:solidFill>
-              </a:rPr>
-              <a:t>Raschka</a:t>
-            </a:r>
-            <a:r>
-              <a:rPr lang="pt-BR" sz="2400" dirty="0">
-                <a:solidFill>
-                  <a:srgbClr val="000000"/>
-                </a:solidFill>
-              </a:rPr>
-              <a:t> </a:t>
-            </a:r>
-            <a:r>
-              <a:rPr lang="pt-BR" sz="2400" dirty="0" err="1">
-                <a:solidFill>
-                  <a:srgbClr val="000000"/>
-                </a:solidFill>
-              </a:rPr>
-              <a:t>and</a:t>
-            </a:r>
-            <a:r>
-              <a:rPr lang="pt-BR" sz="2400" dirty="0">
-                <a:solidFill>
-                  <a:srgbClr val="000000"/>
-                </a:solidFill>
-              </a:rPr>
-              <a:t> </a:t>
-            </a:r>
-            <a:r>
-              <a:rPr lang="pt-BR" sz="2400" dirty="0" err="1">
-                <a:solidFill>
-                  <a:srgbClr val="000000"/>
-                </a:solidFill>
-              </a:rPr>
-              <a:t>Vahid</a:t>
-            </a:r>
-            <a:r>
-              <a:rPr lang="pt-BR" sz="2400" dirty="0">
-                <a:solidFill>
-                  <a:srgbClr val="000000"/>
-                </a:solidFill>
-              </a:rPr>
-              <a:t> </a:t>
-            </a:r>
-            <a:r>
-              <a:rPr lang="pt-BR" sz="2400" dirty="0" err="1">
-                <a:solidFill>
-                  <a:srgbClr val="000000"/>
-                </a:solidFill>
-              </a:rPr>
-              <a:t>Mirjalili</a:t>
-            </a:r>
-            <a:r>
-              <a:rPr lang="pt-BR" sz="2400" dirty="0">
-                <a:solidFill>
-                  <a:srgbClr val="000000"/>
-                </a:solidFill>
-              </a:rPr>
-              <a:t>, “</a:t>
-            </a:r>
-            <a:r>
-              <a:rPr lang="en-US" sz="2400" dirty="0">
-                <a:solidFill>
-                  <a:srgbClr val="000000"/>
-                </a:solidFill>
-              </a:rPr>
-              <a:t>Python Machine Learning: Machine Learning and Deep Learning with Python, scikit-learn, and TensorFlow 2”, </a:t>
-            </a:r>
-            <a:r>
-              <a:rPr lang="pt-BR" sz="2400" dirty="0" err="1">
-                <a:solidFill>
-                  <a:srgbClr val="000000"/>
-                </a:solidFill>
-              </a:rPr>
-              <a:t>Packt</a:t>
-            </a:r>
-            <a:r>
-              <a:rPr lang="pt-BR" sz="2400" dirty="0">
-                <a:solidFill>
-                  <a:srgbClr val="000000"/>
-                </a:solidFill>
-              </a:rPr>
-              <a:t> </a:t>
-            </a:r>
-            <a:r>
-              <a:rPr lang="pt-BR" sz="2400" dirty="0" err="1">
-                <a:solidFill>
-                  <a:srgbClr val="000000"/>
-                </a:solidFill>
-              </a:rPr>
-              <a:t>Publishing</a:t>
-            </a:r>
-            <a:r>
-              <a:rPr lang="pt-BR" sz="2400" dirty="0">
-                <a:solidFill>
-                  <a:srgbClr val="000000"/>
-                </a:solidFill>
-              </a:rPr>
-              <a:t>, 2019.</a:t>
-            </a:r>
-            <a:br>
-              <a:rPr lang="en-US" sz="2400" dirty="0">
-                <a:solidFill>
-                  <a:srgbClr val="000000"/>
-                </a:solidFill>
-              </a:rPr>
-            </a:br>
-            <a:r>
-              <a:rPr lang="en-US" sz="2400" dirty="0">
-                <a:solidFill>
-                  <a:srgbClr val="000000"/>
-                </a:solidFill>
-              </a:rPr>
-              <a:t>[4] </a:t>
-            </a:r>
-            <a:r>
-              <a:rPr lang="pt-BR" sz="2400" dirty="0">
-                <a:solidFill>
-                  <a:srgbClr val="000000"/>
-                </a:solidFill>
-              </a:rPr>
-              <a:t>Ivan </a:t>
-            </a:r>
-            <a:r>
-              <a:rPr lang="pt-BR" sz="2400" dirty="0" err="1">
-                <a:solidFill>
-                  <a:srgbClr val="000000"/>
-                </a:solidFill>
-              </a:rPr>
-              <a:t>Vasilev</a:t>
-            </a:r>
-            <a:r>
-              <a:rPr lang="pt-BR" sz="2400" dirty="0">
-                <a:solidFill>
-                  <a:srgbClr val="000000"/>
-                </a:solidFill>
-              </a:rPr>
-              <a:t>, </a:t>
-            </a:r>
-            <a:r>
-              <a:rPr lang="en-US" sz="2400" dirty="0">
-                <a:solidFill>
-                  <a:srgbClr val="000000"/>
-                </a:solidFill>
-              </a:rPr>
-              <a:t>“Advanced Deep Learning with Python: Design and implement advanced next-generation AI solutions using TensorFlow and </a:t>
-            </a:r>
-            <a:r>
-              <a:rPr lang="en-US" sz="2400" dirty="0" err="1">
-                <a:solidFill>
-                  <a:srgbClr val="000000"/>
-                </a:solidFill>
-              </a:rPr>
-              <a:t>PyTorch</a:t>
-            </a:r>
-            <a:r>
-              <a:rPr lang="en-US" sz="2400" dirty="0">
-                <a:solidFill>
-                  <a:srgbClr val="000000"/>
-                </a:solidFill>
-              </a:rPr>
-              <a:t>”, </a:t>
-            </a:r>
-            <a:r>
-              <a:rPr lang="pt-BR" sz="2400" dirty="0" err="1">
-                <a:solidFill>
-                  <a:srgbClr val="000000"/>
-                </a:solidFill>
-              </a:rPr>
-              <a:t>Packt</a:t>
-            </a:r>
-            <a:r>
-              <a:rPr lang="pt-BR" sz="2400" dirty="0">
-                <a:solidFill>
-                  <a:srgbClr val="000000"/>
-                </a:solidFill>
-              </a:rPr>
-              <a:t> </a:t>
-            </a:r>
-            <a:r>
-              <a:rPr lang="pt-BR" sz="2400" dirty="0" err="1">
-                <a:solidFill>
-                  <a:srgbClr val="000000"/>
-                </a:solidFill>
-              </a:rPr>
-              <a:t>Publishing</a:t>
-            </a:r>
-            <a:r>
-              <a:rPr lang="pt-BR" sz="2400" dirty="0">
-                <a:solidFill>
-                  <a:srgbClr val="000000"/>
-                </a:solidFill>
-              </a:rPr>
-              <a:t>, 2019.</a:t>
-            </a:r>
-          </a:p>
-          <a:p>
-            <a:pPr marL="0" indent="0">
-              <a:spcBef>
-                <a:spcPts val="0"/>
-              </a:spcBef>
-              <a:buNone/>
-            </a:pPr>
-            <a:r>
-              <a:rPr lang="pt-BR" sz="2400" dirty="0">
-                <a:solidFill>
-                  <a:srgbClr val="000000"/>
-                </a:solidFill>
-              </a:rPr>
-              <a:t>[5] </a:t>
-            </a:r>
-            <a:r>
-              <a:rPr lang="pt-BR" sz="2400" dirty="0" err="1">
-                <a:solidFill>
-                  <a:srgbClr val="000000"/>
-                </a:solidFill>
-              </a:rPr>
-              <a:t>Aurélien</a:t>
-            </a:r>
-            <a:r>
-              <a:rPr lang="pt-BR" sz="2400" dirty="0">
-                <a:solidFill>
-                  <a:srgbClr val="000000"/>
-                </a:solidFill>
-              </a:rPr>
-              <a:t> </a:t>
-            </a:r>
-            <a:r>
-              <a:rPr lang="pt-BR" sz="2400" dirty="0" err="1">
-                <a:solidFill>
-                  <a:srgbClr val="000000"/>
-                </a:solidFill>
-              </a:rPr>
-              <a:t>Géron</a:t>
-            </a:r>
-            <a:r>
-              <a:rPr lang="pt-BR" sz="2400" dirty="0">
-                <a:solidFill>
-                  <a:srgbClr val="000000"/>
-                </a:solidFill>
-              </a:rPr>
-              <a:t>, "Hands-On Machine Learning </a:t>
-            </a:r>
-            <a:r>
-              <a:rPr lang="pt-BR" sz="2400" dirty="0" err="1">
-                <a:solidFill>
-                  <a:srgbClr val="000000"/>
-                </a:solidFill>
-              </a:rPr>
-              <a:t>with</a:t>
-            </a:r>
-            <a:r>
-              <a:rPr lang="pt-BR" sz="2400" dirty="0">
-                <a:solidFill>
-                  <a:srgbClr val="000000"/>
-                </a:solidFill>
-              </a:rPr>
-              <a:t> </a:t>
-            </a:r>
-            <a:r>
-              <a:rPr lang="pt-BR" sz="2400" dirty="0" err="1">
-                <a:solidFill>
-                  <a:srgbClr val="000000"/>
-                </a:solidFill>
-              </a:rPr>
-              <a:t>Scikit-Learn</a:t>
-            </a:r>
-            <a:r>
-              <a:rPr lang="pt-BR" sz="2400" dirty="0">
-                <a:solidFill>
-                  <a:srgbClr val="000000"/>
-                </a:solidFill>
-              </a:rPr>
-              <a:t> </a:t>
-            </a:r>
-            <a:r>
-              <a:rPr lang="pt-BR" sz="2400" dirty="0" err="1">
-                <a:solidFill>
-                  <a:srgbClr val="000000"/>
-                </a:solidFill>
-              </a:rPr>
-              <a:t>and</a:t>
-            </a:r>
-            <a:r>
-              <a:rPr lang="pt-BR" sz="2400" dirty="0">
-                <a:solidFill>
-                  <a:srgbClr val="000000"/>
-                </a:solidFill>
-              </a:rPr>
-              <a:t> TensorFlow: </a:t>
-            </a:r>
-            <a:r>
-              <a:rPr lang="pt-BR" sz="2400" dirty="0" err="1">
-                <a:solidFill>
-                  <a:srgbClr val="000000"/>
-                </a:solidFill>
-              </a:rPr>
-              <a:t>Concepts</a:t>
-            </a:r>
-            <a:r>
-              <a:rPr lang="pt-BR" sz="2400" dirty="0">
-                <a:solidFill>
-                  <a:srgbClr val="000000"/>
-                </a:solidFill>
-              </a:rPr>
-              <a:t>, Tools, </a:t>
-            </a:r>
-            <a:r>
-              <a:rPr lang="pt-BR" sz="2400" dirty="0" err="1">
-                <a:solidFill>
-                  <a:srgbClr val="000000"/>
-                </a:solidFill>
-              </a:rPr>
-              <a:t>and</a:t>
-            </a:r>
-            <a:r>
-              <a:rPr lang="pt-BR" sz="2400" dirty="0">
-                <a:solidFill>
-                  <a:srgbClr val="000000"/>
-                </a:solidFill>
-              </a:rPr>
-              <a:t> </a:t>
-            </a:r>
-            <a:r>
-              <a:rPr lang="pt-BR" sz="2400" dirty="0" err="1">
-                <a:solidFill>
-                  <a:srgbClr val="000000"/>
-                </a:solidFill>
-              </a:rPr>
-              <a:t>Techniques</a:t>
-            </a:r>
-            <a:r>
-              <a:rPr lang="pt-BR" sz="2400" dirty="0">
-                <a:solidFill>
-                  <a:srgbClr val="000000"/>
-                </a:solidFill>
-              </a:rPr>
-              <a:t> </a:t>
-            </a:r>
-            <a:r>
-              <a:rPr lang="pt-BR" sz="2400" dirty="0" err="1">
-                <a:solidFill>
-                  <a:srgbClr val="000000"/>
-                </a:solidFill>
-              </a:rPr>
-              <a:t>to</a:t>
-            </a:r>
-            <a:r>
-              <a:rPr lang="pt-BR" sz="2400" dirty="0">
-                <a:solidFill>
-                  <a:srgbClr val="000000"/>
-                </a:solidFill>
-              </a:rPr>
-              <a:t> Build </a:t>
-            </a:r>
-            <a:r>
-              <a:rPr lang="pt-BR" sz="2400" dirty="0" err="1">
-                <a:solidFill>
-                  <a:srgbClr val="000000"/>
-                </a:solidFill>
-              </a:rPr>
-              <a:t>Intelligent</a:t>
-            </a:r>
-            <a:r>
-              <a:rPr lang="pt-BR" sz="2400" dirty="0">
-                <a:solidFill>
-                  <a:srgbClr val="000000"/>
-                </a:solidFill>
-              </a:rPr>
-              <a:t> Systems", 3rd ed., O'Reilly Media, 2022.</a:t>
-            </a:r>
-          </a:p>
-          <a:p>
-            <a:pPr marL="0" indent="0">
-              <a:spcBef>
-                <a:spcPts val="0"/>
-              </a:spcBef>
-              <a:buNone/>
-            </a:pPr>
-            <a:r>
-              <a:rPr lang="en-US" sz="2400" dirty="0">
-                <a:solidFill>
-                  <a:srgbClr val="000000"/>
-                </a:solidFill>
-              </a:rPr>
-              <a:t>[6] </a:t>
-            </a:r>
-            <a:r>
-              <a:rPr lang="en-US" sz="2400" dirty="0" err="1">
-                <a:solidFill>
-                  <a:srgbClr val="000000"/>
-                </a:solidFill>
-              </a:rPr>
-              <a:t>Raschka</a:t>
-            </a:r>
-            <a:r>
-              <a:rPr lang="en-US" sz="2400" dirty="0">
-                <a:solidFill>
-                  <a:srgbClr val="000000"/>
-                </a:solidFill>
-              </a:rPr>
-              <a:t>, Sebastian, et al., “Machine Learning with </a:t>
-            </a:r>
-            <a:r>
-              <a:rPr lang="en-US" sz="2400" dirty="0" err="1">
-                <a:solidFill>
-                  <a:srgbClr val="000000"/>
-                </a:solidFill>
-              </a:rPr>
-              <a:t>PyTorch</a:t>
-            </a:r>
-            <a:r>
-              <a:rPr lang="en-US" sz="2400" dirty="0">
-                <a:solidFill>
-                  <a:srgbClr val="000000"/>
-                </a:solidFill>
-              </a:rPr>
-              <a:t> and Scikit-Learn: Develop machine learning and deep learning models with Python”, </a:t>
-            </a:r>
-            <a:r>
-              <a:rPr lang="en-US" sz="2400" dirty="0" err="1">
-                <a:solidFill>
-                  <a:srgbClr val="000000"/>
-                </a:solidFill>
-              </a:rPr>
-              <a:t>Packt</a:t>
-            </a:r>
-            <a:r>
-              <a:rPr lang="en-US" sz="2400" dirty="0">
-                <a:solidFill>
-                  <a:srgbClr val="000000"/>
-                </a:solidFill>
-              </a:rPr>
-              <a:t> Publishing Ltd, 2022.</a:t>
-            </a:r>
-            <a:endParaRPr lang="pt-BR" sz="2400" dirty="0">
-              <a:solidFill>
-                <a:srgbClr val="000000"/>
+                <a:srgbClr val="202124"/>
               </a:solidFill>
             </a:endParaRPr>
           </a:p>
           <a:p>
-            <a:pPr marL="0" indent="0">
-              <a:spcBef>
-                <a:spcPts val="0"/>
-              </a:spcBef>
-              <a:buNone/>
-            </a:pPr>
-            <a:r>
-              <a:rPr lang="pt-BR" sz="2400" dirty="0">
-                <a:solidFill>
-                  <a:srgbClr val="000000"/>
-                </a:solidFill>
-              </a:rPr>
-              <a:t>[7] C. M. Bishop, "</a:t>
-            </a:r>
-            <a:r>
-              <a:rPr lang="pt-BR" sz="2400" dirty="0" err="1">
-                <a:solidFill>
-                  <a:srgbClr val="000000"/>
-                </a:solidFill>
-              </a:rPr>
-              <a:t>Pattern</a:t>
-            </a:r>
-            <a:r>
-              <a:rPr lang="pt-BR" sz="2400" dirty="0">
-                <a:solidFill>
-                  <a:srgbClr val="000000"/>
-                </a:solidFill>
+            <a:pPr lvl="2">
+              <a:buFont typeface="Wingdings" panose="05000000000000000000" pitchFamily="2" charset="2"/>
+              <a:buChar char="§"/>
+            </a:pPr>
+            <a:r>
+              <a:rPr lang="pt-BR" dirty="0">
+                <a:solidFill>
+                  <a:srgbClr val="202124"/>
+                </a:solidFill>
+                <a:hlinkClick r:id="rId5"/>
+              </a:rPr>
+              <a:t>https://keras.io/examples/generative/conditional_gan/</a:t>
+            </a:r>
+            <a:endParaRPr lang="pt-BR" dirty="0"/>
+          </a:p>
+          <a:p>
+            <a:pPr lvl="1">
+              <a:buFont typeface="Wingdings" panose="05000000000000000000" pitchFamily="2" charset="2"/>
+              <a:buChar char="§"/>
+            </a:pPr>
+            <a:r>
+              <a:rPr lang="pt-BR" b="0" i="0" dirty="0" err="1">
+                <a:solidFill>
+                  <a:srgbClr val="202124"/>
+                </a:solidFill>
+                <a:effectLst/>
+              </a:rPr>
+              <a:t>Variational</a:t>
+            </a:r>
+            <a:r>
+              <a:rPr lang="pt-BR" b="0" i="0" dirty="0">
+                <a:solidFill>
+                  <a:srgbClr val="202124"/>
+                </a:solidFill>
+                <a:effectLst/>
               </a:rPr>
               <a:t> </a:t>
             </a:r>
             <a:r>
-              <a:rPr lang="pt-BR" sz="2400" dirty="0" err="1">
-                <a:solidFill>
-                  <a:srgbClr val="000000"/>
-                </a:solidFill>
-              </a:rPr>
-              <a:t>Recognition</a:t>
-            </a:r>
-            <a:r>
-              <a:rPr lang="pt-BR" sz="2400" dirty="0">
-                <a:solidFill>
-                  <a:srgbClr val="000000"/>
-                </a:solidFill>
-              </a:rPr>
-              <a:t> </a:t>
-            </a:r>
-            <a:r>
-              <a:rPr lang="pt-BR" sz="2400" dirty="0" err="1">
-                <a:solidFill>
-                  <a:srgbClr val="000000"/>
-                </a:solidFill>
-              </a:rPr>
-              <a:t>and</a:t>
-            </a:r>
-            <a:r>
-              <a:rPr lang="pt-BR" sz="2400" dirty="0">
-                <a:solidFill>
-                  <a:srgbClr val="000000"/>
-                </a:solidFill>
-              </a:rPr>
-              <a:t> Machine Learning", Springer, 2006.</a:t>
-            </a:r>
-          </a:p>
-          <a:p>
-            <a:pPr marL="0" indent="0">
-              <a:spcBef>
-                <a:spcPts val="0"/>
-              </a:spcBef>
-              <a:buNone/>
-            </a:pPr>
-            <a:r>
-              <a:rPr lang="pt-BR" sz="2400" dirty="0">
-                <a:solidFill>
-                  <a:srgbClr val="000000"/>
-                </a:solidFill>
-              </a:rPr>
-              <a:t>[8] “Livros”, </a:t>
-            </a:r>
-            <a:r>
-              <a:rPr lang="pt-BR" sz="2400" dirty="0">
-                <a:solidFill>
-                  <a:srgbClr val="000000"/>
-                </a:solidFill>
-                <a:hlinkClick r:id="rId5"/>
-              </a:rPr>
-              <a:t>http://tinyurl.com/tp558-books</a:t>
-            </a:r>
-            <a:endParaRPr lang="pt-BR" sz="2400" dirty="0">
+              <a:rPr lang="pt-BR" b="0" i="0" dirty="0" err="1">
+                <a:solidFill>
+                  <a:srgbClr val="202124"/>
+                </a:solidFill>
+                <a:effectLst/>
+              </a:rPr>
+              <a:t>Autoencoder</a:t>
+            </a:r>
+            <a:r>
+              <a:rPr lang="pt-BR" b="0" i="0" dirty="0">
+                <a:solidFill>
+                  <a:srgbClr val="202124"/>
+                </a:solidFill>
+                <a:effectLst/>
+              </a:rPr>
+              <a:t> (VAE)</a:t>
+            </a:r>
+          </a:p>
+          <a:p>
+            <a:pPr lvl="2">
+              <a:buFont typeface="Wingdings" panose="05000000000000000000" pitchFamily="2" charset="2"/>
+              <a:buChar char="ü"/>
+            </a:pPr>
+            <a:r>
+              <a:rPr lang="pt-BR" dirty="0">
+                <a:hlinkClick r:id="rId6"/>
+              </a:rPr>
+              <a:t>https://arxiv.org/abs/1312.6114</a:t>
+            </a:r>
+            <a:endParaRPr lang="pt-BR" dirty="0">
               <a:solidFill>
-                <a:srgbClr val="000000"/>
+                <a:srgbClr val="202124"/>
               </a:solidFill>
             </a:endParaRPr>
+          </a:p>
+          <a:p>
+            <a:pPr lvl="2">
+              <a:buFont typeface="Wingdings" panose="05000000000000000000" pitchFamily="2" charset="2"/>
+              <a:buChar char="ü"/>
+            </a:pPr>
+            <a:r>
+              <a:rPr lang="pt-BR" dirty="0">
+                <a:hlinkClick r:id="rId7"/>
+              </a:rPr>
+              <a:t>https://www.tensorflow.org/tutorials/generative/cvae?hl=en</a:t>
+            </a:r>
+            <a:endParaRPr lang="pt-BR" dirty="0"/>
+          </a:p>
+          <a:p>
+            <a:pPr marL="914400" lvl="2" indent="0">
+              <a:buNone/>
+            </a:pPr>
+            <a:endParaRPr lang="pt-BR" dirty="0">
+              <a:solidFill>
+                <a:srgbClr val="202124"/>
+              </a:solidFill>
+            </a:endParaRPr>
+          </a:p>
+          <a:p>
+            <a:pPr marL="0" indent="0">
+              <a:buNone/>
+            </a:pPr>
+            <a:endParaRPr lang="pt-BR" dirty="0">
+              <a:solidFill>
+                <a:srgbClr val="202124"/>
+              </a:solidFill>
+            </a:endParaRPr>
+          </a:p>
+          <a:p>
+            <a:pPr marL="914400" lvl="2" indent="0">
+              <a:buNone/>
+            </a:pPr>
+            <a:endParaRPr lang="pt-BR" dirty="0"/>
+          </a:p>
+          <a:p>
+            <a:pPr marL="914400" lvl="2" indent="0">
+              <a:buNone/>
+            </a:pPr>
+            <a:endParaRPr lang="pt-BR" dirty="0"/>
+          </a:p>
+          <a:p>
+            <a:pPr lvl="1"/>
+            <a:endParaRPr lang="pt-BR" dirty="0"/>
           </a:p>
         </p:txBody>
       </p:sp>
     </p:spTree>
     <p:extLst>
       <p:ext uri="{BB962C8B-B14F-4D97-AF65-F5344CB8AC3E}">
-        <p14:creationId xmlns:p14="http://schemas.microsoft.com/office/powerpoint/2010/main" val="2247946137"/>
+        <p14:creationId xmlns:p14="http://schemas.microsoft.com/office/powerpoint/2010/main" val="4217395637"/>
       </p:ext>
     </p:extLst>
   </p:cSld>
@@ -6937,7 +7492,13 @@
   <p:cSld>
     <p:spTree>
       <p:nvGrpSpPr>
-        <p:cNvPr id="1" name=""/>
+        <p:cNvPr id="1" name="">
+          <a:extLst>
+            <a:ext uri="{FF2B5EF4-FFF2-40B4-BE49-F238E27FC236}">
+              <a16:creationId xmlns:a16="http://schemas.microsoft.com/office/drawing/2014/main" id="{7617B87B-9451-26E5-143E-DFEF71434E9F}"/>
+            </a:ext>
+          </a:extLst>
+        </p:cNvPr>
         <p:cNvGrpSpPr/>
         <p:nvPr/>
       </p:nvGrpSpPr>
@@ -6954,7 +7515,7 @@
           <p:cNvPr id="2" name="Título 1">
             <a:extLst>
               <a:ext uri="{FF2B5EF4-FFF2-40B4-BE49-F238E27FC236}">
-                <a16:creationId xmlns:a16="http://schemas.microsoft.com/office/drawing/2014/main" id="{4CE740D2-3D7D-E6DD-BABD-477E08862585}"/>
+                <a16:creationId xmlns:a16="http://schemas.microsoft.com/office/drawing/2014/main" id="{530D8C5D-85CB-1EC5-46EE-3E9C5D6E11D6}"/>
               </a:ext>
             </a:extLst>
           </p:cNvPr>
@@ -6970,7 +7531,10 @@
           <a:bodyPr/>
           <a:lstStyle/>
           <a:p>
-            <a:endParaRPr lang="pt-BR"/>
+            <a:r>
+              <a:rPr lang="pt-BR" dirty="0"/>
+              <a:t>Temas dos seminários</a:t>
+            </a:r>
           </a:p>
         </p:txBody>
       </p:sp>
@@ -6979,7 +7543,7 @@
           <p:cNvPr id="3" name="Espaço Reservado para Conteúdo 2">
             <a:extLst>
               <a:ext uri="{FF2B5EF4-FFF2-40B4-BE49-F238E27FC236}">
-                <a16:creationId xmlns:a16="http://schemas.microsoft.com/office/drawing/2014/main" id="{A2261D0C-4E3D-C901-26C9-0CC07A70AF58}"/>
+                <a16:creationId xmlns:a16="http://schemas.microsoft.com/office/drawing/2014/main" id="{4C11FF3E-C7A6-AE98-273A-28F266ADBFC3}"/>
               </a:ext>
             </a:extLst>
           </p:cNvPr>
@@ -6995,14 +7559,206 @@
           <a:bodyPr/>
           <a:lstStyle/>
           <a:p>
-            <a:endParaRPr lang="pt-BR"/>
+            <a:r>
+              <a:rPr lang="pt-BR" dirty="0"/>
+              <a:t>Computer Vision: </a:t>
+            </a:r>
+            <a:r>
+              <a:rPr lang="pt-BR" dirty="0" err="1"/>
+              <a:t>Image</a:t>
+            </a:r>
+            <a:r>
+              <a:rPr lang="pt-BR" dirty="0"/>
+              <a:t> </a:t>
+            </a:r>
+            <a:r>
+              <a:rPr lang="pt-BR" dirty="0" err="1"/>
+              <a:t>classification</a:t>
+            </a:r>
+            <a:endParaRPr lang="pt-BR" dirty="0"/>
+          </a:p>
+          <a:p>
+            <a:pPr lvl="1">
+              <a:buFont typeface="Wingdings" panose="05000000000000000000" pitchFamily="2" charset="2"/>
+              <a:buChar char="§"/>
+            </a:pPr>
+            <a:r>
+              <a:rPr lang="pt-BR" dirty="0"/>
+              <a:t>Vision </a:t>
+            </a:r>
+            <a:r>
+              <a:rPr lang="pt-BR" dirty="0" err="1"/>
+              <a:t>Transformer</a:t>
+            </a:r>
+            <a:endParaRPr lang="pt-BR" dirty="0"/>
+          </a:p>
+          <a:p>
+            <a:pPr lvl="2">
+              <a:buFont typeface="Wingdings" panose="05000000000000000000" pitchFamily="2" charset="2"/>
+              <a:buChar char="ü"/>
+            </a:pPr>
+            <a:r>
+              <a:rPr lang="pt-BR" dirty="0">
+                <a:hlinkClick r:id="rId2"/>
+              </a:rPr>
+              <a:t>https://arxiv.org/abs/2010.11929</a:t>
+            </a:r>
+            <a:endParaRPr lang="pt-BR" dirty="0"/>
+          </a:p>
+          <a:p>
+            <a:pPr lvl="2">
+              <a:buFont typeface="Wingdings" panose="05000000000000000000" pitchFamily="2" charset="2"/>
+              <a:buChar char="ü"/>
+            </a:pPr>
+            <a:r>
+              <a:rPr lang="pt-BR" dirty="0">
+                <a:hlinkClick r:id="rId3"/>
+              </a:rPr>
+              <a:t>https://keras.io/examples/vision/image_classification_with_vision_transformer/</a:t>
+            </a:r>
+            <a:endParaRPr lang="pt-BR" dirty="0"/>
+          </a:p>
+          <a:p>
+            <a:pPr lvl="1">
+              <a:buFont typeface="Wingdings" panose="05000000000000000000" pitchFamily="2" charset="2"/>
+              <a:buChar char="§"/>
+            </a:pPr>
+            <a:r>
+              <a:rPr lang="pt-BR" dirty="0" err="1"/>
+              <a:t>Swin</a:t>
+            </a:r>
+            <a:r>
+              <a:rPr lang="pt-BR" dirty="0"/>
+              <a:t> </a:t>
+            </a:r>
+            <a:r>
+              <a:rPr lang="pt-BR" dirty="0" err="1"/>
+              <a:t>Transformer</a:t>
+            </a:r>
+            <a:endParaRPr lang="pt-BR" dirty="0"/>
+          </a:p>
+          <a:p>
+            <a:pPr lvl="2">
+              <a:buFont typeface="Wingdings" panose="05000000000000000000" pitchFamily="2" charset="2"/>
+              <a:buChar char="ü"/>
+            </a:pPr>
+            <a:r>
+              <a:rPr lang="pt-BR" dirty="0">
+                <a:hlinkClick r:id="rId4"/>
+              </a:rPr>
+              <a:t>https://arxiv.org/abs/2103.14030</a:t>
+            </a:r>
+            <a:endParaRPr lang="pt-BR" dirty="0"/>
+          </a:p>
+          <a:p>
+            <a:pPr lvl="2">
+              <a:buFont typeface="Wingdings" panose="05000000000000000000" pitchFamily="2" charset="2"/>
+              <a:buChar char="ü"/>
+            </a:pPr>
+            <a:r>
+              <a:rPr lang="pt-BR" dirty="0">
+                <a:hlinkClick r:id="rId5"/>
+              </a:rPr>
+              <a:t>https://keras.io/examples/vision/swin_transformers/</a:t>
+            </a:r>
+            <a:endParaRPr lang="pt-BR" dirty="0"/>
+          </a:p>
+          <a:p>
+            <a:pPr lvl="1">
+              <a:buFont typeface="Wingdings" panose="05000000000000000000" pitchFamily="2" charset="2"/>
+              <a:buChar char="§"/>
+            </a:pPr>
+            <a:r>
+              <a:rPr lang="pt-BR" i="0" dirty="0" err="1">
+                <a:solidFill>
+                  <a:srgbClr val="212529"/>
+                </a:solidFill>
+                <a:effectLst/>
+              </a:rPr>
+              <a:t>Reptile</a:t>
+            </a:r>
+            <a:endParaRPr lang="pt-BR" i="0" dirty="0">
+              <a:solidFill>
+                <a:srgbClr val="212529"/>
+              </a:solidFill>
+              <a:effectLst/>
+            </a:endParaRPr>
+          </a:p>
+          <a:p>
+            <a:pPr lvl="2">
+              <a:buFont typeface="Wingdings" panose="05000000000000000000" pitchFamily="2" charset="2"/>
+              <a:buChar char="§"/>
+            </a:pPr>
+            <a:r>
+              <a:rPr lang="pt-BR" dirty="0">
+                <a:hlinkClick r:id="rId6"/>
+              </a:rPr>
+              <a:t>https://arxiv.org/abs/1803.02999</a:t>
+            </a:r>
+            <a:endParaRPr lang="pt-BR" dirty="0"/>
+          </a:p>
+          <a:p>
+            <a:pPr lvl="2">
+              <a:buFont typeface="Wingdings" panose="05000000000000000000" pitchFamily="2" charset="2"/>
+              <a:buChar char="§"/>
+            </a:pPr>
+            <a:r>
+              <a:rPr lang="pt-BR" dirty="0">
+                <a:hlinkClick r:id="rId7"/>
+              </a:rPr>
+              <a:t>https://keras.io/examples/vision/reptile/</a:t>
+            </a:r>
+            <a:endParaRPr lang="pt-BR" dirty="0"/>
+          </a:p>
+          <a:p>
+            <a:pPr lvl="1">
+              <a:buFont typeface="Wingdings" panose="05000000000000000000" pitchFamily="2" charset="2"/>
+              <a:buChar char="§"/>
+            </a:pPr>
+            <a:endParaRPr lang="pt-BR" dirty="0"/>
+          </a:p>
+          <a:p>
+            <a:pPr marL="914400" lvl="2" indent="0">
+              <a:buNone/>
+            </a:pPr>
+            <a:endParaRPr lang="pt-BR" dirty="0">
+              <a:solidFill>
+                <a:srgbClr val="202124"/>
+              </a:solidFill>
+            </a:endParaRPr>
+          </a:p>
+          <a:p>
+            <a:pPr marL="0" indent="0">
+              <a:buNone/>
+            </a:pPr>
+            <a:endParaRPr lang="pt-BR" dirty="0">
+              <a:solidFill>
+                <a:srgbClr val="202124"/>
+              </a:solidFill>
+            </a:endParaRPr>
+          </a:p>
+          <a:p>
+            <a:pPr marL="914400" lvl="2" indent="0">
+              <a:buNone/>
+            </a:pPr>
+            <a:endParaRPr lang="pt-BR" dirty="0"/>
+          </a:p>
+          <a:p>
+            <a:pPr marL="914400" lvl="2" indent="0">
+              <a:buNone/>
+            </a:pPr>
+            <a:endParaRPr lang="pt-BR" dirty="0"/>
+          </a:p>
+          <a:p>
+            <a:pPr lvl="1"/>
+            <a:endParaRPr lang="pt-BR" dirty="0"/>
           </a:p>
         </p:txBody>
       </p:sp>
     </p:spTree>
     <p:extLst>
       <p:ext uri="{BB962C8B-B14F-4D97-AF65-F5344CB8AC3E}">
-        <p14:creationId xmlns:p14="http://schemas.microsoft.com/office/powerpoint/2010/main" val="2740483308"/>
+        <p14:creationId xmlns:p14="http://schemas.microsoft.com/office/powerpoint/2010/main" val="1451750616"/>
       </p:ext>
     </p:extLst>
   </p:cSld>

--- a/slides/TP558_1_Introdução_ao_curso.pptx
+++ b/slides/TP558_1_Introdução_ao_curso.pptx
@@ -5,10 +5,10 @@
     <p:sldMasterId id="2147483648" r:id="rId1"/>
   </p:sldMasterIdLst>
   <p:notesMasterIdLst>
-    <p:notesMasterId r:id="rId16"/>
+    <p:notesMasterId r:id="rId18"/>
   </p:notesMasterIdLst>
   <p:handoutMasterIdLst>
-    <p:handoutMasterId r:id="rId17"/>
+    <p:handoutMasterId r:id="rId19"/>
   </p:handoutMasterIdLst>
   <p:sldIdLst>
     <p:sldId id="256" r:id="rId2"/>
@@ -21,10 +21,12 @@
     <p:sldId id="426" r:id="rId9"/>
     <p:sldId id="427" r:id="rId10"/>
     <p:sldId id="428" r:id="rId11"/>
-    <p:sldId id="263" r:id="rId12"/>
-    <p:sldId id="298" r:id="rId13"/>
-    <p:sldId id="293" r:id="rId14"/>
-    <p:sldId id="306" r:id="rId15"/>
+    <p:sldId id="429" r:id="rId12"/>
+    <p:sldId id="430" r:id="rId13"/>
+    <p:sldId id="263" r:id="rId14"/>
+    <p:sldId id="298" r:id="rId15"/>
+    <p:sldId id="293" r:id="rId16"/>
+    <p:sldId id="306" r:id="rId17"/>
   </p:sldIdLst>
   <p:sldSz cx="12192000" cy="6858000"/>
   <p:notesSz cx="7315200" cy="9601200"/>
@@ -1073,7 +1075,7 @@
           <a:p>
             <a:fld id="{6FC8D850-966F-45A6-8DE7-15B891E7D40D}" type="slidenum">
               <a:rPr lang="pt-BR" smtClean="0"/>
-              <a:t>11</a:t>
+              <a:t>13</a:t>
             </a:fld>
             <a:endParaRPr lang="pt-BR"/>
           </a:p>
@@ -4720,7 +4722,13 @@
   <p:cSld>
     <p:spTree>
       <p:nvGrpSpPr>
-        <p:cNvPr id="1" name=""/>
+        <p:cNvPr id="1" name="">
+          <a:extLst>
+            <a:ext uri="{FF2B5EF4-FFF2-40B4-BE49-F238E27FC236}">
+              <a16:creationId xmlns:a16="http://schemas.microsoft.com/office/drawing/2014/main" id="{6E3AB78C-4A70-ED33-6088-7D978AFBD15F}"/>
+            </a:ext>
+          </a:extLst>
+        </p:cNvPr>
         <p:cNvGrpSpPr/>
         <p:nvPr/>
       </p:nvGrpSpPr>
@@ -4737,7 +4745,7 @@
           <p:cNvPr id="2" name="Título 1">
             <a:extLst>
               <a:ext uri="{FF2B5EF4-FFF2-40B4-BE49-F238E27FC236}">
-                <a16:creationId xmlns:a16="http://schemas.microsoft.com/office/drawing/2014/main" id="{A2A4684C-1159-4F88-A2B1-6BABEDE38C4D}"/>
+                <a16:creationId xmlns:a16="http://schemas.microsoft.com/office/drawing/2014/main" id="{20C0DDF2-0E52-0740-004B-2209C15740BF}"/>
               </a:ext>
             </a:extLst>
           </p:cNvPr>
@@ -4755,7 +4763,7 @@
           <a:p>
             <a:r>
               <a:rPr lang="pt-BR" dirty="0"/>
-              <a:t>Referências</a:t>
+              <a:t>Temas dos seminários</a:t>
             </a:r>
           </a:p>
         </p:txBody>
@@ -4765,7 +4773,7 @@
           <p:cNvPr id="3" name="Espaço Reservado para Conteúdo 2">
             <a:extLst>
               <a:ext uri="{FF2B5EF4-FFF2-40B4-BE49-F238E27FC236}">
-                <a16:creationId xmlns:a16="http://schemas.microsoft.com/office/drawing/2014/main" id="{EC432B31-D382-41FF-BB6B-2ABDD322424B}"/>
+                <a16:creationId xmlns:a16="http://schemas.microsoft.com/office/drawing/2014/main" id="{CAA14ED1-BBC4-3217-0C26-BBA0501ACF3D}"/>
               </a:ext>
             </a:extLst>
           </p:cNvPr>
@@ -4776,741 +4784,124 @@
             <p:ph idx="1"/>
           </p:nvPr>
         </p:nvSpPr>
-        <p:spPr>
-          <a:xfrm>
-            <a:off x="838199" y="1648915"/>
-            <a:ext cx="11157155" cy="5209085"/>
-          </a:xfrm>
-        </p:spPr>
+        <p:spPr/>
         <p:txBody>
           <a:bodyPr>
-            <a:noAutofit/>
+            <a:normAutofit/>
           </a:bodyPr>
           <a:lstStyle/>
           <a:p>
-            <a:pPr marL="0" indent="0">
-              <a:spcBef>
-                <a:spcPts val="0"/>
-              </a:spcBef>
+            <a:r>
+              <a:rPr lang="pt-BR" dirty="0"/>
+              <a:t>Computer Vision: </a:t>
+            </a:r>
+            <a:r>
+              <a:rPr lang="pt-BR" dirty="0" err="1"/>
+              <a:t>Object</a:t>
+            </a:r>
+            <a:r>
+              <a:rPr lang="pt-BR" dirty="0"/>
+              <a:t> </a:t>
+            </a:r>
+            <a:r>
+              <a:rPr lang="pt-BR" dirty="0" err="1"/>
+              <a:t>Detection</a:t>
+            </a:r>
+            <a:endParaRPr lang="pt-BR" dirty="0"/>
+          </a:p>
+          <a:p>
+            <a:pPr lvl="1">
+              <a:buFont typeface="Wingdings" panose="05000000000000000000" pitchFamily="2" charset="2"/>
+              <a:buChar char="§"/>
+            </a:pPr>
+            <a:r>
+              <a:rPr lang="pt-BR" dirty="0"/>
+              <a:t>YOLOv8</a:t>
+            </a:r>
+          </a:p>
+          <a:p>
+            <a:pPr lvl="2">
+              <a:buFont typeface="Wingdings" panose="05000000000000000000" pitchFamily="2" charset="2"/>
+              <a:buChar char="ü"/>
+            </a:pPr>
+            <a:r>
+              <a:rPr lang="pt-BR" dirty="0">
+                <a:hlinkClick r:id="rId2"/>
+              </a:rPr>
+              <a:t>https://blog.roboflow.com/whats-new-in-yolov8/</a:t>
+            </a:r>
+          </a:p>
+          <a:p>
+            <a:pPr lvl="2">
+              <a:buFont typeface="Wingdings" panose="05000000000000000000" pitchFamily="2" charset="2"/>
+              <a:buChar char="ü"/>
+            </a:pPr>
+            <a:r>
+              <a:rPr lang="pt-BR" dirty="0">
+                <a:hlinkClick r:id="rId3"/>
+              </a:rPr>
+              <a:t>https://keras.io/examples/vision/yolov8/</a:t>
+            </a:r>
+            <a:endParaRPr lang="pt-BR" dirty="0"/>
+          </a:p>
+          <a:p>
+            <a:pPr lvl="1">
+              <a:buFont typeface="Wingdings" panose="05000000000000000000" pitchFamily="2" charset="2"/>
+              <a:buChar char="§"/>
+            </a:pPr>
+            <a:r>
+              <a:rPr lang="pt-BR" dirty="0" err="1"/>
+              <a:t>RetinaNet</a:t>
+            </a:r>
+            <a:endParaRPr lang="pt-BR" dirty="0"/>
+          </a:p>
+          <a:p>
+            <a:pPr lvl="2">
+              <a:buFont typeface="Wingdings" panose="05000000000000000000" pitchFamily="2" charset="2"/>
+              <a:buChar char="ü"/>
+            </a:pPr>
+            <a:r>
+              <a:rPr lang="pt-BR" dirty="0">
+                <a:hlinkClick r:id="rId4"/>
+              </a:rPr>
+              <a:t>https://arxiv.org/abs/1708.02002</a:t>
+            </a:r>
+          </a:p>
+          <a:p>
+            <a:pPr lvl="2">
+              <a:buFont typeface="Wingdings" panose="05000000000000000000" pitchFamily="2" charset="2"/>
+              <a:buChar char="ü"/>
+            </a:pPr>
+            <a:r>
+              <a:rPr lang="pt-BR" dirty="0">
+                <a:hlinkClick r:id="rId5"/>
+              </a:rPr>
+              <a:t>https://keras.io/examples/vision/retinanet/</a:t>
+            </a:r>
+            <a:endParaRPr lang="pt-BR" dirty="0"/>
+          </a:p>
+          <a:p>
+            <a:pPr marL="914400" lvl="2" indent="0">
               <a:buNone/>
             </a:pPr>
-            <a:r>
-              <a:rPr lang="pt-BR" sz="2400" b="0" i="0" u="none" strike="noStrike" dirty="0">
-                <a:solidFill>
-                  <a:srgbClr val="000000"/>
-                </a:solidFill>
-                <a:effectLst/>
-              </a:rPr>
-              <a:t>[1] </a:t>
-            </a:r>
-            <a:r>
-              <a:rPr lang="pt-BR" sz="2400" dirty="0">
-                <a:solidFill>
-                  <a:srgbClr val="000000"/>
-                </a:solidFill>
-              </a:rPr>
-              <a:t>“Tensorflow </a:t>
-            </a:r>
-            <a:r>
-              <a:rPr lang="pt-BR" sz="2400" dirty="0" err="1">
-                <a:solidFill>
-                  <a:srgbClr val="000000"/>
-                </a:solidFill>
-              </a:rPr>
-              <a:t>c</a:t>
-            </a:r>
-            <a:r>
-              <a:rPr lang="pt-BR" sz="2400" b="0" i="0" u="none" strike="noStrike" dirty="0" err="1">
-                <a:solidFill>
-                  <a:srgbClr val="000000"/>
-                </a:solidFill>
-                <a:effectLst/>
-              </a:rPr>
-              <a:t>ode</a:t>
-            </a:r>
-            <a:r>
-              <a:rPr lang="pt-BR" sz="2400" b="0" i="0" u="none" strike="noStrike" dirty="0">
-                <a:solidFill>
-                  <a:srgbClr val="000000"/>
-                </a:solidFill>
-                <a:effectLst/>
-              </a:rPr>
-              <a:t> </a:t>
-            </a:r>
-            <a:r>
-              <a:rPr lang="pt-BR" sz="2400" b="0" i="0" u="none" strike="noStrike" dirty="0" err="1">
-                <a:solidFill>
-                  <a:srgbClr val="000000"/>
-                </a:solidFill>
-                <a:effectLst/>
-              </a:rPr>
-              <a:t>examples</a:t>
-            </a:r>
-            <a:r>
-              <a:rPr lang="pt-BR" sz="2400" b="0" i="0" u="none" strike="noStrike" dirty="0">
-                <a:solidFill>
-                  <a:srgbClr val="000000"/>
-                </a:solidFill>
-                <a:effectLst/>
-              </a:rPr>
-              <a:t>”, </a:t>
-            </a:r>
-            <a:r>
-              <a:rPr lang="pt-BR" sz="2400" b="0" i="0" u="none" strike="noStrike" dirty="0">
-                <a:solidFill>
-                  <a:srgbClr val="000000"/>
-                </a:solidFill>
-                <a:effectLst/>
-                <a:hlinkClick r:id="rId3"/>
-              </a:rPr>
-              <a:t>https://keras.io/examples/</a:t>
-            </a:r>
-            <a:endParaRPr lang="pt-BR" sz="2400" b="0" i="0" u="none" strike="noStrike" dirty="0">
-              <a:solidFill>
-                <a:srgbClr val="000000"/>
-              </a:solidFill>
-              <a:effectLst/>
-            </a:endParaRPr>
-          </a:p>
-          <a:p>
-            <a:pPr marL="0" indent="0">
-              <a:spcBef>
-                <a:spcPts val="0"/>
-              </a:spcBef>
+            <a:endParaRPr lang="pt-BR" dirty="0"/>
+          </a:p>
+          <a:p>
+            <a:pPr marL="914400" lvl="2" indent="0">
               <a:buNone/>
             </a:pPr>
-            <a:r>
-              <a:rPr lang="pt-BR" sz="2400" dirty="0">
-                <a:solidFill>
-                  <a:srgbClr val="000000"/>
-                </a:solidFill>
-              </a:rPr>
-              <a:t>[2] “</a:t>
-            </a:r>
-            <a:r>
-              <a:rPr lang="pt-BR" sz="2400" dirty="0" err="1">
-                <a:solidFill>
-                  <a:srgbClr val="000000"/>
-                </a:solidFill>
-              </a:rPr>
-              <a:t>Pytorch</a:t>
-            </a:r>
-            <a:r>
-              <a:rPr lang="pt-BR" sz="2400" dirty="0">
-                <a:solidFill>
-                  <a:srgbClr val="000000"/>
-                </a:solidFill>
-              </a:rPr>
-              <a:t> </a:t>
-            </a:r>
-            <a:r>
-              <a:rPr lang="pt-BR" sz="2400" dirty="0" err="1">
-                <a:solidFill>
-                  <a:srgbClr val="000000"/>
-                </a:solidFill>
-              </a:rPr>
-              <a:t>code</a:t>
-            </a:r>
-            <a:r>
-              <a:rPr lang="pt-BR" sz="2400" dirty="0">
-                <a:solidFill>
-                  <a:srgbClr val="000000"/>
-                </a:solidFill>
-              </a:rPr>
-              <a:t> </a:t>
-            </a:r>
-            <a:r>
-              <a:rPr lang="pt-BR" sz="2400" dirty="0" err="1">
-                <a:solidFill>
-                  <a:srgbClr val="000000"/>
-                </a:solidFill>
-              </a:rPr>
-              <a:t>examples</a:t>
-            </a:r>
-            <a:r>
-              <a:rPr lang="pt-BR" sz="2400" dirty="0">
-                <a:solidFill>
-                  <a:srgbClr val="000000"/>
-                </a:solidFill>
-              </a:rPr>
-              <a:t>”, </a:t>
-            </a:r>
-            <a:r>
-              <a:rPr lang="pt-BR" sz="2400" dirty="0">
-                <a:solidFill>
-                  <a:srgbClr val="000000"/>
-                </a:solidFill>
-                <a:hlinkClick r:id="rId4"/>
-              </a:rPr>
-              <a:t>https://pytorch.org/examples/</a:t>
-            </a:r>
-            <a:endParaRPr lang="pt-BR" sz="2400" b="0" i="0" u="none" strike="noStrike" dirty="0">
-              <a:solidFill>
-                <a:srgbClr val="000000"/>
-              </a:solidFill>
-              <a:effectLst/>
-            </a:endParaRPr>
-          </a:p>
-          <a:p>
-            <a:pPr marL="0" indent="0">
-              <a:spcBef>
-                <a:spcPts val="0"/>
-              </a:spcBef>
-              <a:buNone/>
-            </a:pPr>
-            <a:r>
-              <a:rPr lang="pt-BR" sz="2400" dirty="0">
-                <a:solidFill>
-                  <a:srgbClr val="000000"/>
-                </a:solidFill>
-              </a:rPr>
-              <a:t>[3] Sebastian </a:t>
-            </a:r>
-            <a:r>
-              <a:rPr lang="pt-BR" sz="2400" dirty="0" err="1">
-                <a:solidFill>
-                  <a:srgbClr val="000000"/>
-                </a:solidFill>
-              </a:rPr>
-              <a:t>Raschka</a:t>
-            </a:r>
-            <a:r>
-              <a:rPr lang="pt-BR" sz="2400" dirty="0">
-                <a:solidFill>
-                  <a:srgbClr val="000000"/>
-                </a:solidFill>
-              </a:rPr>
-              <a:t> </a:t>
-            </a:r>
-            <a:r>
-              <a:rPr lang="pt-BR" sz="2400" dirty="0" err="1">
-                <a:solidFill>
-                  <a:srgbClr val="000000"/>
-                </a:solidFill>
-              </a:rPr>
-              <a:t>and</a:t>
-            </a:r>
-            <a:r>
-              <a:rPr lang="pt-BR" sz="2400" dirty="0">
-                <a:solidFill>
-                  <a:srgbClr val="000000"/>
-                </a:solidFill>
-              </a:rPr>
-              <a:t> </a:t>
-            </a:r>
-            <a:r>
-              <a:rPr lang="pt-BR" sz="2400" dirty="0" err="1">
-                <a:solidFill>
-                  <a:srgbClr val="000000"/>
-                </a:solidFill>
-              </a:rPr>
-              <a:t>Vahid</a:t>
-            </a:r>
-            <a:r>
-              <a:rPr lang="pt-BR" sz="2400" dirty="0">
-                <a:solidFill>
-                  <a:srgbClr val="000000"/>
-                </a:solidFill>
-              </a:rPr>
-              <a:t> </a:t>
-            </a:r>
-            <a:r>
-              <a:rPr lang="pt-BR" sz="2400" dirty="0" err="1">
-                <a:solidFill>
-                  <a:srgbClr val="000000"/>
-                </a:solidFill>
-              </a:rPr>
-              <a:t>Mirjalili</a:t>
-            </a:r>
-            <a:r>
-              <a:rPr lang="pt-BR" sz="2400" dirty="0">
-                <a:solidFill>
-                  <a:srgbClr val="000000"/>
-                </a:solidFill>
-              </a:rPr>
-              <a:t>, “</a:t>
-            </a:r>
-            <a:r>
-              <a:rPr lang="en-US" sz="2400" dirty="0">
-                <a:solidFill>
-                  <a:srgbClr val="000000"/>
-                </a:solidFill>
-              </a:rPr>
-              <a:t>Python Machine Learning: Machine Learning and Deep Learning with Python, scikit-learn, and TensorFlow 2”, </a:t>
-            </a:r>
-            <a:r>
-              <a:rPr lang="pt-BR" sz="2400" dirty="0" err="1">
-                <a:solidFill>
-                  <a:srgbClr val="000000"/>
-                </a:solidFill>
-              </a:rPr>
-              <a:t>Packt</a:t>
-            </a:r>
-            <a:r>
-              <a:rPr lang="pt-BR" sz="2400" dirty="0">
-                <a:solidFill>
-                  <a:srgbClr val="000000"/>
-                </a:solidFill>
-              </a:rPr>
-              <a:t> </a:t>
-            </a:r>
-            <a:r>
-              <a:rPr lang="pt-BR" sz="2400" dirty="0" err="1">
-                <a:solidFill>
-                  <a:srgbClr val="000000"/>
-                </a:solidFill>
-              </a:rPr>
-              <a:t>Publishing</a:t>
-            </a:r>
-            <a:r>
-              <a:rPr lang="pt-BR" sz="2400" dirty="0">
-                <a:solidFill>
-                  <a:srgbClr val="000000"/>
-                </a:solidFill>
-              </a:rPr>
-              <a:t>, 2019.</a:t>
-            </a:r>
-            <a:br>
-              <a:rPr lang="en-US" sz="2400" dirty="0">
-                <a:solidFill>
-                  <a:srgbClr val="000000"/>
-                </a:solidFill>
-              </a:rPr>
-            </a:br>
-            <a:r>
-              <a:rPr lang="en-US" sz="2400" dirty="0">
-                <a:solidFill>
-                  <a:srgbClr val="000000"/>
-                </a:solidFill>
-              </a:rPr>
-              <a:t>[4] </a:t>
-            </a:r>
-            <a:r>
-              <a:rPr lang="pt-BR" sz="2400" dirty="0">
-                <a:solidFill>
-                  <a:srgbClr val="000000"/>
-                </a:solidFill>
-              </a:rPr>
-              <a:t>Ivan </a:t>
-            </a:r>
-            <a:r>
-              <a:rPr lang="pt-BR" sz="2400" dirty="0" err="1">
-                <a:solidFill>
-                  <a:srgbClr val="000000"/>
-                </a:solidFill>
-              </a:rPr>
-              <a:t>Vasilev</a:t>
-            </a:r>
-            <a:r>
-              <a:rPr lang="pt-BR" sz="2400" dirty="0">
-                <a:solidFill>
-                  <a:srgbClr val="000000"/>
-                </a:solidFill>
-              </a:rPr>
-              <a:t>, </a:t>
-            </a:r>
-            <a:r>
-              <a:rPr lang="en-US" sz="2400" dirty="0">
-                <a:solidFill>
-                  <a:srgbClr val="000000"/>
-                </a:solidFill>
-              </a:rPr>
-              <a:t>“Advanced Deep Learning with Python: Design and implement advanced next-generation AI solutions using TensorFlow and </a:t>
-            </a:r>
-            <a:r>
-              <a:rPr lang="en-US" sz="2400" dirty="0" err="1">
-                <a:solidFill>
-                  <a:srgbClr val="000000"/>
-                </a:solidFill>
-              </a:rPr>
-              <a:t>PyTorch</a:t>
-            </a:r>
-            <a:r>
-              <a:rPr lang="en-US" sz="2400" dirty="0">
-                <a:solidFill>
-                  <a:srgbClr val="000000"/>
-                </a:solidFill>
-              </a:rPr>
-              <a:t>”, </a:t>
-            </a:r>
-            <a:r>
-              <a:rPr lang="pt-BR" sz="2400" dirty="0" err="1">
-                <a:solidFill>
-                  <a:srgbClr val="000000"/>
-                </a:solidFill>
-              </a:rPr>
-              <a:t>Packt</a:t>
-            </a:r>
-            <a:r>
-              <a:rPr lang="pt-BR" sz="2400" dirty="0">
-                <a:solidFill>
-                  <a:srgbClr val="000000"/>
-                </a:solidFill>
-              </a:rPr>
-              <a:t> </a:t>
-            </a:r>
-            <a:r>
-              <a:rPr lang="pt-BR" sz="2400" dirty="0" err="1">
-                <a:solidFill>
-                  <a:srgbClr val="000000"/>
-                </a:solidFill>
-              </a:rPr>
-              <a:t>Publishing</a:t>
-            </a:r>
-            <a:r>
-              <a:rPr lang="pt-BR" sz="2400" dirty="0">
-                <a:solidFill>
-                  <a:srgbClr val="000000"/>
-                </a:solidFill>
-              </a:rPr>
-              <a:t>, 2019.</a:t>
-            </a:r>
-          </a:p>
-          <a:p>
-            <a:pPr marL="0" indent="0">
-              <a:spcBef>
-                <a:spcPts val="0"/>
-              </a:spcBef>
-              <a:buNone/>
-            </a:pPr>
-            <a:r>
-              <a:rPr lang="pt-BR" sz="2400" dirty="0">
-                <a:solidFill>
-                  <a:srgbClr val="000000"/>
-                </a:solidFill>
-              </a:rPr>
-              <a:t>[5] </a:t>
-            </a:r>
-            <a:r>
-              <a:rPr lang="pt-BR" sz="2400" dirty="0" err="1">
-                <a:solidFill>
-                  <a:srgbClr val="000000"/>
-                </a:solidFill>
-              </a:rPr>
-              <a:t>Aurélien</a:t>
-            </a:r>
-            <a:r>
-              <a:rPr lang="pt-BR" sz="2400" dirty="0">
-                <a:solidFill>
-                  <a:srgbClr val="000000"/>
-                </a:solidFill>
-              </a:rPr>
-              <a:t> </a:t>
-            </a:r>
-            <a:r>
-              <a:rPr lang="pt-BR" sz="2400" dirty="0" err="1">
-                <a:solidFill>
-                  <a:srgbClr val="000000"/>
-                </a:solidFill>
-              </a:rPr>
-              <a:t>Géron</a:t>
-            </a:r>
-            <a:r>
-              <a:rPr lang="pt-BR" sz="2400" dirty="0">
-                <a:solidFill>
-                  <a:srgbClr val="000000"/>
-                </a:solidFill>
-              </a:rPr>
-              <a:t>, "Hands-On Machine Learning </a:t>
-            </a:r>
-            <a:r>
-              <a:rPr lang="pt-BR" sz="2400" dirty="0" err="1">
-                <a:solidFill>
-                  <a:srgbClr val="000000"/>
-                </a:solidFill>
-              </a:rPr>
-              <a:t>with</a:t>
-            </a:r>
-            <a:r>
-              <a:rPr lang="pt-BR" sz="2400" dirty="0">
-                <a:solidFill>
-                  <a:srgbClr val="000000"/>
-                </a:solidFill>
-              </a:rPr>
-              <a:t> </a:t>
-            </a:r>
-            <a:r>
-              <a:rPr lang="pt-BR" sz="2400" dirty="0" err="1">
-                <a:solidFill>
-                  <a:srgbClr val="000000"/>
-                </a:solidFill>
-              </a:rPr>
-              <a:t>Scikit-Learn</a:t>
-            </a:r>
-            <a:r>
-              <a:rPr lang="pt-BR" sz="2400" dirty="0">
-                <a:solidFill>
-                  <a:srgbClr val="000000"/>
-                </a:solidFill>
-              </a:rPr>
-              <a:t> </a:t>
-            </a:r>
-            <a:r>
-              <a:rPr lang="pt-BR" sz="2400" dirty="0" err="1">
-                <a:solidFill>
-                  <a:srgbClr val="000000"/>
-                </a:solidFill>
-              </a:rPr>
-              <a:t>and</a:t>
-            </a:r>
-            <a:r>
-              <a:rPr lang="pt-BR" sz="2400" dirty="0">
-                <a:solidFill>
-                  <a:srgbClr val="000000"/>
-                </a:solidFill>
-              </a:rPr>
-              <a:t> TensorFlow: </a:t>
-            </a:r>
-            <a:r>
-              <a:rPr lang="pt-BR" sz="2400" dirty="0" err="1">
-                <a:solidFill>
-                  <a:srgbClr val="000000"/>
-                </a:solidFill>
-              </a:rPr>
-              <a:t>Concepts</a:t>
-            </a:r>
-            <a:r>
-              <a:rPr lang="pt-BR" sz="2400" dirty="0">
-                <a:solidFill>
-                  <a:srgbClr val="000000"/>
-                </a:solidFill>
-              </a:rPr>
-              <a:t>, Tools, </a:t>
-            </a:r>
-            <a:r>
-              <a:rPr lang="pt-BR" sz="2400" dirty="0" err="1">
-                <a:solidFill>
-                  <a:srgbClr val="000000"/>
-                </a:solidFill>
-              </a:rPr>
-              <a:t>and</a:t>
-            </a:r>
-            <a:r>
-              <a:rPr lang="pt-BR" sz="2400" dirty="0">
-                <a:solidFill>
-                  <a:srgbClr val="000000"/>
-                </a:solidFill>
-              </a:rPr>
-              <a:t> </a:t>
-            </a:r>
-            <a:r>
-              <a:rPr lang="pt-BR" sz="2400" dirty="0" err="1">
-                <a:solidFill>
-                  <a:srgbClr val="000000"/>
-                </a:solidFill>
-              </a:rPr>
-              <a:t>Techniques</a:t>
-            </a:r>
-            <a:r>
-              <a:rPr lang="pt-BR" sz="2400" dirty="0">
-                <a:solidFill>
-                  <a:srgbClr val="000000"/>
-                </a:solidFill>
-              </a:rPr>
-              <a:t> </a:t>
-            </a:r>
-            <a:r>
-              <a:rPr lang="pt-BR" sz="2400" dirty="0" err="1">
-                <a:solidFill>
-                  <a:srgbClr val="000000"/>
-                </a:solidFill>
-              </a:rPr>
-              <a:t>to</a:t>
-            </a:r>
-            <a:r>
-              <a:rPr lang="pt-BR" sz="2400" dirty="0">
-                <a:solidFill>
-                  <a:srgbClr val="000000"/>
-                </a:solidFill>
-              </a:rPr>
-              <a:t> Build </a:t>
-            </a:r>
-            <a:r>
-              <a:rPr lang="pt-BR" sz="2400" dirty="0" err="1">
-                <a:solidFill>
-                  <a:srgbClr val="000000"/>
-                </a:solidFill>
-              </a:rPr>
-              <a:t>Intelligent</a:t>
-            </a:r>
-            <a:r>
-              <a:rPr lang="pt-BR" sz="2400" dirty="0">
-                <a:solidFill>
-                  <a:srgbClr val="000000"/>
-                </a:solidFill>
-              </a:rPr>
-              <a:t> Systems", 3rd ed., O'Reilly Media, 2022.</a:t>
-            </a:r>
-          </a:p>
-          <a:p>
-            <a:pPr marL="0" indent="0">
-              <a:spcBef>
-                <a:spcPts val="0"/>
-              </a:spcBef>
-              <a:buNone/>
-            </a:pPr>
-            <a:r>
-              <a:rPr lang="en-US" sz="2400" dirty="0">
-                <a:solidFill>
-                  <a:srgbClr val="000000"/>
-                </a:solidFill>
-              </a:rPr>
-              <a:t>[6] </a:t>
-            </a:r>
-            <a:r>
-              <a:rPr lang="en-US" sz="2400" dirty="0" err="1">
-                <a:solidFill>
-                  <a:srgbClr val="000000"/>
-                </a:solidFill>
-              </a:rPr>
-              <a:t>Raschka</a:t>
-            </a:r>
-            <a:r>
-              <a:rPr lang="en-US" sz="2400" dirty="0">
-                <a:solidFill>
-                  <a:srgbClr val="000000"/>
-                </a:solidFill>
-              </a:rPr>
-              <a:t>, Sebastian, et al., “Machine Learning with </a:t>
-            </a:r>
-            <a:r>
-              <a:rPr lang="en-US" sz="2400" dirty="0" err="1">
-                <a:solidFill>
-                  <a:srgbClr val="000000"/>
-                </a:solidFill>
-              </a:rPr>
-              <a:t>PyTorch</a:t>
-            </a:r>
-            <a:r>
-              <a:rPr lang="en-US" sz="2400" dirty="0">
-                <a:solidFill>
-                  <a:srgbClr val="000000"/>
-                </a:solidFill>
-              </a:rPr>
-              <a:t> and Scikit-Learn: Develop machine learning and deep learning models with Python”, </a:t>
-            </a:r>
-            <a:r>
-              <a:rPr lang="en-US" sz="2400" dirty="0" err="1">
-                <a:solidFill>
-                  <a:srgbClr val="000000"/>
-                </a:solidFill>
-              </a:rPr>
-              <a:t>Packt</a:t>
-            </a:r>
-            <a:r>
-              <a:rPr lang="en-US" sz="2400" dirty="0">
-                <a:solidFill>
-                  <a:srgbClr val="000000"/>
-                </a:solidFill>
-              </a:rPr>
-              <a:t> Publishing Ltd, 2022.</a:t>
-            </a:r>
-            <a:endParaRPr lang="pt-BR" sz="2400" dirty="0">
-              <a:solidFill>
-                <a:srgbClr val="000000"/>
-              </a:solidFill>
-            </a:endParaRPr>
-          </a:p>
-          <a:p>
-            <a:pPr marL="0" indent="0">
-              <a:spcBef>
-                <a:spcPts val="0"/>
-              </a:spcBef>
-              <a:buNone/>
-            </a:pPr>
-            <a:r>
-              <a:rPr lang="pt-BR" sz="2400" dirty="0">
-                <a:solidFill>
-                  <a:srgbClr val="000000"/>
-                </a:solidFill>
-              </a:rPr>
-              <a:t>[7] C. M. Bishop, "</a:t>
-            </a:r>
-            <a:r>
-              <a:rPr lang="pt-BR" sz="2400" dirty="0" err="1">
-                <a:solidFill>
-                  <a:srgbClr val="000000"/>
-                </a:solidFill>
-              </a:rPr>
-              <a:t>Pattern</a:t>
-            </a:r>
-            <a:r>
-              <a:rPr lang="pt-BR" sz="2400" dirty="0">
-                <a:solidFill>
-                  <a:srgbClr val="000000"/>
-                </a:solidFill>
-              </a:rPr>
-              <a:t> </a:t>
-            </a:r>
-            <a:r>
-              <a:rPr lang="pt-BR" sz="2400" dirty="0" err="1">
-                <a:solidFill>
-                  <a:srgbClr val="000000"/>
-                </a:solidFill>
-              </a:rPr>
-              <a:t>Recognition</a:t>
-            </a:r>
-            <a:r>
-              <a:rPr lang="pt-BR" sz="2400" dirty="0">
-                <a:solidFill>
-                  <a:srgbClr val="000000"/>
-                </a:solidFill>
-              </a:rPr>
-              <a:t> </a:t>
-            </a:r>
-            <a:r>
-              <a:rPr lang="pt-BR" sz="2400" dirty="0" err="1">
-                <a:solidFill>
-                  <a:srgbClr val="000000"/>
-                </a:solidFill>
-              </a:rPr>
-              <a:t>and</a:t>
-            </a:r>
-            <a:r>
-              <a:rPr lang="pt-BR" sz="2400" dirty="0">
-                <a:solidFill>
-                  <a:srgbClr val="000000"/>
-                </a:solidFill>
-              </a:rPr>
-              <a:t> Machine Learning", Springer, 2006.</a:t>
-            </a:r>
-          </a:p>
-          <a:p>
-            <a:pPr marL="0" indent="0">
-              <a:spcBef>
-                <a:spcPts val="0"/>
-              </a:spcBef>
-              <a:buNone/>
-            </a:pPr>
-            <a:r>
-              <a:rPr lang="pt-BR" sz="2400" dirty="0">
-                <a:solidFill>
-                  <a:srgbClr val="000000"/>
-                </a:solidFill>
-              </a:rPr>
-              <a:t>[8] “Livros”, </a:t>
-            </a:r>
-            <a:r>
-              <a:rPr lang="pt-BR" sz="2400" dirty="0">
-                <a:solidFill>
-                  <a:srgbClr val="000000"/>
-                </a:solidFill>
-                <a:hlinkClick r:id="rId5"/>
-              </a:rPr>
-              <a:t>http://tinyurl.com/tp558-books</a:t>
-            </a:r>
-            <a:endParaRPr lang="pt-BR" sz="2400" dirty="0">
-              <a:solidFill>
-                <a:srgbClr val="000000"/>
-              </a:solidFill>
-            </a:endParaRPr>
+            <a:endParaRPr lang="pt-BR" dirty="0"/>
+          </a:p>
+          <a:p>
+            <a:pPr lvl="1"/>
+            <a:endParaRPr lang="pt-BR" dirty="0"/>
           </a:p>
         </p:txBody>
       </p:sp>
     </p:spTree>
     <p:extLst>
       <p:ext uri="{BB962C8B-B14F-4D97-AF65-F5344CB8AC3E}">
-        <p14:creationId xmlns:p14="http://schemas.microsoft.com/office/powerpoint/2010/main" val="2247946137"/>
+        <p14:creationId xmlns:p14="http://schemas.microsoft.com/office/powerpoint/2010/main" val="4049232955"/>
       </p:ext>
     </p:extLst>
   </p:cSld>
@@ -5525,7 +4916,13 @@
   <p:cSld>
     <p:spTree>
       <p:nvGrpSpPr>
-        <p:cNvPr id="1" name=""/>
+        <p:cNvPr id="1" name="">
+          <a:extLst>
+            <a:ext uri="{FF2B5EF4-FFF2-40B4-BE49-F238E27FC236}">
+              <a16:creationId xmlns:a16="http://schemas.microsoft.com/office/drawing/2014/main" id="{4059CF8C-A5CA-D922-15C9-90E83F41C16F}"/>
+            </a:ext>
+          </a:extLst>
+        </p:cNvPr>
         <p:cNvGrpSpPr/>
         <p:nvPr/>
       </p:nvGrpSpPr>
@@ -5539,7 +4936,13 @@
       </p:grpSpPr>
       <p:sp>
         <p:nvSpPr>
-          <p:cNvPr id="2" name="Title 1"/>
+          <p:cNvPr id="2" name="Título 1">
+            <a:extLst>
+              <a:ext uri="{FF2B5EF4-FFF2-40B4-BE49-F238E27FC236}">
+                <a16:creationId xmlns:a16="http://schemas.microsoft.com/office/drawing/2014/main" id="{F0E0D2C5-2C7F-FF98-F6E4-6A6D35AE3301}"/>
+              </a:ext>
+            </a:extLst>
+          </p:cNvPr>
           <p:cNvSpPr>
             <a:spLocks noGrp="1"/>
           </p:cNvSpPr>
@@ -5553,16 +4956,21 @@
           <a:lstStyle/>
           <a:p>
             <a:r>
-              <a:rPr lang="en-US" dirty="0" err="1"/>
-              <a:t>Avisos</a:t>
-            </a:r>
-            <a:endParaRPr lang="nl-BE" dirty="0"/>
-          </a:p>
-        </p:txBody>
-      </p:sp>
-      <p:sp>
-        <p:nvSpPr>
-          <p:cNvPr id="3" name="Content Placeholder 2"/>
+              <a:rPr lang="pt-BR" dirty="0"/>
+              <a:t>Temas dos seminários</a:t>
+            </a:r>
+          </a:p>
+        </p:txBody>
+      </p:sp>
+      <p:sp>
+        <p:nvSpPr>
+          <p:cNvPr id="3" name="Espaço Reservado para Conteúdo 2">
+            <a:extLst>
+              <a:ext uri="{FF2B5EF4-FFF2-40B4-BE49-F238E27FC236}">
+                <a16:creationId xmlns:a16="http://schemas.microsoft.com/office/drawing/2014/main" id="{164D262D-D1D5-2FFA-8E32-3025F99BDE7F}"/>
+              </a:ext>
+            </a:extLst>
+          </p:cNvPr>
           <p:cNvSpPr>
             <a:spLocks noGrp="1"/>
           </p:cNvSpPr>
@@ -5570,12 +4978,7 @@
             <p:ph idx="1"/>
           </p:nvPr>
         </p:nvSpPr>
-        <p:spPr>
-          <a:xfrm>
-            <a:off x="838199" y="1825624"/>
-            <a:ext cx="11104419" cy="5032376"/>
-          </a:xfrm>
-        </p:spPr>
+        <p:spPr/>
         <p:txBody>
           <a:bodyPr>
             <a:normAutofit/>
@@ -5584,8 +4987,42 @@
           <a:p>
             <a:r>
               <a:rPr lang="pt-BR" dirty="0"/>
-              <a:t>Todo material do curso está disponível no GitHub:</a:t>
-            </a:r>
+              <a:t>Natural </a:t>
+            </a:r>
+            <a:r>
+              <a:rPr lang="pt-BR" dirty="0" err="1"/>
+              <a:t>Language</a:t>
+            </a:r>
+            <a:r>
+              <a:rPr lang="pt-BR" dirty="0"/>
+              <a:t> </a:t>
+            </a:r>
+            <a:r>
+              <a:rPr lang="pt-BR" dirty="0" err="1"/>
+              <a:t>Processing</a:t>
+            </a:r>
+            <a:r>
+              <a:rPr lang="pt-BR" dirty="0"/>
+              <a:t>: </a:t>
+            </a:r>
+            <a:r>
+              <a:rPr lang="pt-BR" dirty="0" err="1"/>
+              <a:t>Text</a:t>
+            </a:r>
+            <a:r>
+              <a:rPr lang="pt-BR" dirty="0"/>
+              <a:t> </a:t>
+            </a:r>
+            <a:r>
+              <a:rPr lang="pt-BR" b="0" i="0" dirty="0" err="1">
+                <a:solidFill>
+                  <a:srgbClr val="212529"/>
+                </a:solidFill>
+                <a:effectLst/>
+              </a:rPr>
+              <a:t>summarization</a:t>
+            </a:r>
+            <a:endParaRPr lang="pt-BR" dirty="0"/>
           </a:p>
           <a:p>
             <a:pPr lvl="1">
@@ -5593,118 +5030,85 @@
               <a:buChar char="§"/>
             </a:pPr>
             <a:r>
+              <a:rPr lang="pt-BR" dirty="0" err="1"/>
+              <a:t>Bidirectional</a:t>
+            </a:r>
+            <a:r>
+              <a:rPr lang="pt-BR" dirty="0"/>
+              <a:t> </a:t>
+            </a:r>
+            <a:r>
+              <a:rPr lang="pt-BR" dirty="0" err="1"/>
+              <a:t>Autoregressive</a:t>
+            </a:r>
+            <a:r>
+              <a:rPr lang="pt-BR" dirty="0"/>
+              <a:t> </a:t>
+            </a:r>
+            <a:r>
+              <a:rPr lang="pt-BR" dirty="0" err="1"/>
+              <a:t>Transformer</a:t>
+            </a:r>
+            <a:r>
+              <a:rPr lang="pt-BR" dirty="0"/>
+              <a:t> (BART)</a:t>
+            </a:r>
+          </a:p>
+          <a:p>
+            <a:pPr lvl="2">
+              <a:buFont typeface="Wingdings" panose="05000000000000000000" pitchFamily="2" charset="2"/>
+              <a:buChar char="ü"/>
+            </a:pPr>
+            <a:r>
               <a:rPr lang="pt-BR" dirty="0">
                 <a:hlinkClick r:id="rId2"/>
               </a:rPr>
-              <a:t>https://github.com/zz4fap/tp558-adv-ml</a:t>
+              <a:t>https://arxiv.org/abs/1910.13461</a:t>
             </a:r>
             <a:endParaRPr lang="pt-BR" dirty="0"/>
           </a:p>
           <a:p>
-            <a:r>
-              <a:rPr lang="pt-BR" dirty="0"/>
-              <a:t>Google </a:t>
-            </a:r>
-            <a:r>
-              <a:rPr lang="pt-BR" dirty="0" err="1"/>
-              <a:t>Colab</a:t>
-            </a:r>
-            <a:endParaRPr lang="pt-BR" dirty="0"/>
-          </a:p>
-          <a:p>
-            <a:pPr lvl="1">
+            <a:pPr lvl="2">
               <a:buFont typeface="Wingdings" panose="05000000000000000000" pitchFamily="2" charset="2"/>
-              <a:buChar char="§"/>
+              <a:buChar char="ü"/>
             </a:pPr>
             <a:r>
               <a:rPr lang="pt-BR" dirty="0">
                 <a:hlinkClick r:id="rId3"/>
               </a:rPr>
-              <a:t>https://www.youtube.com/watch?v=inN8seMm7UI&amp;ab_channel=TensorFlow</a:t>
-            </a:r>
-          </a:p>
-          <a:p>
-            <a:pPr lvl="1">
+              <a:t>https://keras.io/examples/nlp/abstractive_summarization_with_bart/</a:t>
+            </a:r>
+            <a:endParaRPr lang="pt-BR" dirty="0"/>
+          </a:p>
+          <a:p>
+            <a:pPr lvl="2">
               <a:buFont typeface="Wingdings" panose="05000000000000000000" pitchFamily="2" charset="2"/>
-              <a:buChar char="§"/>
-            </a:pPr>
-            <a:r>
-              <a:rPr lang="pt-BR" b="0" i="0" dirty="0">
-                <a:solidFill>
-                  <a:srgbClr val="222222"/>
-                </a:solidFill>
-                <a:effectLst/>
-                <a:latin typeface="Arial" panose="020B0604020202020204" pitchFamily="34" charset="0"/>
-                <a:hlinkClick r:id="rId4"/>
-              </a:rPr>
-              <a:t>https://www.youtube.com/watch?v=inN8seMm7UI</a:t>
-            </a:r>
-            <a:endParaRPr lang="pt-BR" b="0" i="0" dirty="0">
-              <a:solidFill>
-                <a:srgbClr val="222222"/>
-              </a:solidFill>
-              <a:effectLst/>
-              <a:latin typeface="Arial" panose="020B0604020202020204" pitchFamily="34" charset="0"/>
-            </a:endParaRPr>
-          </a:p>
-          <a:p>
-            <a:r>
-              <a:rPr lang="pt-BR" dirty="0"/>
-              <a:t>Python Crash </a:t>
-            </a:r>
-            <a:r>
-              <a:rPr lang="pt-BR" dirty="0" err="1"/>
-              <a:t>Course</a:t>
-            </a:r>
-            <a:endParaRPr lang="pt-BR" dirty="0">
-              <a:hlinkClick r:id="rId3"/>
-            </a:endParaRPr>
-          </a:p>
-          <a:p>
-            <a:pPr lvl="1">
-              <a:buFont typeface="Wingdings" panose="05000000000000000000" pitchFamily="2" charset="2"/>
-              <a:buChar char="§"/>
-            </a:pPr>
-            <a:r>
-              <a:rPr lang="pt-BR" dirty="0">
-                <a:hlinkClick r:id="rId3"/>
-              </a:rPr>
-              <a:t>https://www.youtube.com/watch?v=pq4NNIYar9o&amp;list=PLRc6ZYt68prVXAhwY1JD6DFc3BJGmJriq&amp;pp=gAQBiAQB</a:t>
-            </a:r>
+              <a:buChar char="ü"/>
+            </a:pPr>
             <a:endParaRPr lang="pt-BR" dirty="0"/>
           </a:p>
           <a:p>
-            <a:r>
-              <a:rPr lang="pt-BR" dirty="0"/>
-              <a:t>Horário de Atendimento</a:t>
-            </a:r>
-          </a:p>
-          <a:p>
-            <a:pPr lvl="1">
-              <a:buFont typeface="Wingdings" panose="05000000000000000000" pitchFamily="2" charset="2"/>
-              <a:buChar char="§"/>
-            </a:pPr>
-            <a:r>
-              <a:rPr lang="pt-BR" dirty="0"/>
-              <a:t>Todas as quartas-feiras das 17:30 às 18:30.</a:t>
-            </a:r>
-          </a:p>
-          <a:p>
-            <a:pPr lvl="1">
-              <a:buFont typeface="Wingdings" panose="05000000000000000000" pitchFamily="2" charset="2"/>
-              <a:buChar char="§"/>
-            </a:pPr>
-            <a:r>
-              <a:rPr lang="pt-BR" dirty="0"/>
-              <a:t>Presencialmente ou remotamente.</a:t>
-            </a:r>
+            <a:pPr marL="914400" lvl="2" indent="0">
+              <a:buNone/>
+            </a:pPr>
+            <a:endParaRPr lang="pt-BR" dirty="0"/>
+          </a:p>
+          <a:p>
+            <a:pPr marL="914400" lvl="2" indent="0">
+              <a:buNone/>
+            </a:pPr>
+            <a:endParaRPr lang="pt-BR" dirty="0"/>
+          </a:p>
+          <a:p>
+            <a:pPr lvl="1"/>
+            <a:endParaRPr lang="pt-BR" dirty="0"/>
           </a:p>
         </p:txBody>
       </p:sp>
     </p:spTree>
     <p:extLst>
       <p:ext uri="{BB962C8B-B14F-4D97-AF65-F5344CB8AC3E}">
-        <p14:creationId xmlns:p14="http://schemas.microsoft.com/office/powerpoint/2010/main" val="1412900488"/>
+        <p14:creationId xmlns:p14="http://schemas.microsoft.com/office/powerpoint/2010/main" val="801807437"/>
       </p:ext>
     </p:extLst>
   </p:cSld>
@@ -5733,6 +5137,1005 @@
       </p:grpSpPr>
       <p:sp>
         <p:nvSpPr>
+          <p:cNvPr id="2" name="Título 1">
+            <a:extLst>
+              <a:ext uri="{FF2B5EF4-FFF2-40B4-BE49-F238E27FC236}">
+                <a16:creationId xmlns:a16="http://schemas.microsoft.com/office/drawing/2014/main" id="{A2A4684C-1159-4F88-A2B1-6BABEDE38C4D}"/>
+              </a:ext>
+            </a:extLst>
+          </p:cNvPr>
+          <p:cNvSpPr>
+            <a:spLocks noGrp="1"/>
+          </p:cNvSpPr>
+          <p:nvPr>
+            <p:ph type="title"/>
+          </p:nvPr>
+        </p:nvSpPr>
+        <p:spPr/>
+        <p:txBody>
+          <a:bodyPr/>
+          <a:lstStyle/>
+          <a:p>
+            <a:r>
+              <a:rPr lang="pt-BR" dirty="0"/>
+              <a:t>Referências</a:t>
+            </a:r>
+          </a:p>
+        </p:txBody>
+      </p:sp>
+      <p:sp>
+        <p:nvSpPr>
+          <p:cNvPr id="3" name="Espaço Reservado para Conteúdo 2">
+            <a:extLst>
+              <a:ext uri="{FF2B5EF4-FFF2-40B4-BE49-F238E27FC236}">
+                <a16:creationId xmlns:a16="http://schemas.microsoft.com/office/drawing/2014/main" id="{EC432B31-D382-41FF-BB6B-2ABDD322424B}"/>
+              </a:ext>
+            </a:extLst>
+          </p:cNvPr>
+          <p:cNvSpPr>
+            <a:spLocks noGrp="1"/>
+          </p:cNvSpPr>
+          <p:nvPr>
+            <p:ph idx="1"/>
+          </p:nvPr>
+        </p:nvSpPr>
+        <p:spPr>
+          <a:xfrm>
+            <a:off x="838199" y="1648915"/>
+            <a:ext cx="11157155" cy="5209085"/>
+          </a:xfrm>
+        </p:spPr>
+        <p:txBody>
+          <a:bodyPr>
+            <a:noAutofit/>
+          </a:bodyPr>
+          <a:lstStyle/>
+          <a:p>
+            <a:pPr marL="0" indent="0">
+              <a:spcBef>
+                <a:spcPts val="0"/>
+              </a:spcBef>
+              <a:buNone/>
+            </a:pPr>
+            <a:r>
+              <a:rPr lang="pt-BR" sz="2400" b="0" i="0" u="none" strike="noStrike" dirty="0">
+                <a:solidFill>
+                  <a:srgbClr val="000000"/>
+                </a:solidFill>
+                <a:effectLst/>
+              </a:rPr>
+              <a:t>[1] </a:t>
+            </a:r>
+            <a:r>
+              <a:rPr lang="pt-BR" sz="2400" dirty="0">
+                <a:solidFill>
+                  <a:srgbClr val="000000"/>
+                </a:solidFill>
+              </a:rPr>
+              <a:t>“Tensorflow </a:t>
+            </a:r>
+            <a:r>
+              <a:rPr lang="pt-BR" sz="2400" dirty="0" err="1">
+                <a:solidFill>
+                  <a:srgbClr val="000000"/>
+                </a:solidFill>
+              </a:rPr>
+              <a:t>c</a:t>
+            </a:r>
+            <a:r>
+              <a:rPr lang="pt-BR" sz="2400" b="0" i="0" u="none" strike="noStrike" dirty="0" err="1">
+                <a:solidFill>
+                  <a:srgbClr val="000000"/>
+                </a:solidFill>
+                <a:effectLst/>
+              </a:rPr>
+              <a:t>ode</a:t>
+            </a:r>
+            <a:r>
+              <a:rPr lang="pt-BR" sz="2400" b="0" i="0" u="none" strike="noStrike" dirty="0">
+                <a:solidFill>
+                  <a:srgbClr val="000000"/>
+                </a:solidFill>
+                <a:effectLst/>
+              </a:rPr>
+              <a:t> </a:t>
+            </a:r>
+            <a:r>
+              <a:rPr lang="pt-BR" sz="2400" b="0" i="0" u="none" strike="noStrike" dirty="0" err="1">
+                <a:solidFill>
+                  <a:srgbClr val="000000"/>
+                </a:solidFill>
+                <a:effectLst/>
+              </a:rPr>
+              <a:t>examples</a:t>
+            </a:r>
+            <a:r>
+              <a:rPr lang="pt-BR" sz="2400" b="0" i="0" u="none" strike="noStrike" dirty="0">
+                <a:solidFill>
+                  <a:srgbClr val="000000"/>
+                </a:solidFill>
+                <a:effectLst/>
+              </a:rPr>
+              <a:t>”, </a:t>
+            </a:r>
+            <a:r>
+              <a:rPr lang="pt-BR" sz="2400" b="0" i="0" u="none" strike="noStrike" dirty="0">
+                <a:solidFill>
+                  <a:srgbClr val="000000"/>
+                </a:solidFill>
+                <a:effectLst/>
+                <a:hlinkClick r:id="rId3"/>
+              </a:rPr>
+              <a:t>https://keras.io/examples/</a:t>
+            </a:r>
+            <a:endParaRPr lang="pt-BR" sz="2400" b="0" i="0" u="none" strike="noStrike" dirty="0">
+              <a:solidFill>
+                <a:srgbClr val="000000"/>
+              </a:solidFill>
+              <a:effectLst/>
+            </a:endParaRPr>
+          </a:p>
+          <a:p>
+            <a:pPr marL="0" indent="0">
+              <a:spcBef>
+                <a:spcPts val="0"/>
+              </a:spcBef>
+              <a:buNone/>
+            </a:pPr>
+            <a:r>
+              <a:rPr lang="pt-BR" sz="2400" dirty="0">
+                <a:solidFill>
+                  <a:srgbClr val="000000"/>
+                </a:solidFill>
+              </a:rPr>
+              <a:t>[2] “</a:t>
+            </a:r>
+            <a:r>
+              <a:rPr lang="pt-BR" sz="2400" dirty="0" err="1">
+                <a:solidFill>
+                  <a:srgbClr val="000000"/>
+                </a:solidFill>
+              </a:rPr>
+              <a:t>Pytorch</a:t>
+            </a:r>
+            <a:r>
+              <a:rPr lang="pt-BR" sz="2400" dirty="0">
+                <a:solidFill>
+                  <a:srgbClr val="000000"/>
+                </a:solidFill>
+              </a:rPr>
+              <a:t> </a:t>
+            </a:r>
+            <a:r>
+              <a:rPr lang="pt-BR" sz="2400" dirty="0" err="1">
+                <a:solidFill>
+                  <a:srgbClr val="000000"/>
+                </a:solidFill>
+              </a:rPr>
+              <a:t>code</a:t>
+            </a:r>
+            <a:r>
+              <a:rPr lang="pt-BR" sz="2400" dirty="0">
+                <a:solidFill>
+                  <a:srgbClr val="000000"/>
+                </a:solidFill>
+              </a:rPr>
+              <a:t> </a:t>
+            </a:r>
+            <a:r>
+              <a:rPr lang="pt-BR" sz="2400" dirty="0" err="1">
+                <a:solidFill>
+                  <a:srgbClr val="000000"/>
+                </a:solidFill>
+              </a:rPr>
+              <a:t>examples</a:t>
+            </a:r>
+            <a:r>
+              <a:rPr lang="pt-BR" sz="2400" dirty="0">
+                <a:solidFill>
+                  <a:srgbClr val="000000"/>
+                </a:solidFill>
+              </a:rPr>
+              <a:t>”, </a:t>
+            </a:r>
+            <a:r>
+              <a:rPr lang="pt-BR" sz="2400" dirty="0">
+                <a:solidFill>
+                  <a:srgbClr val="000000"/>
+                </a:solidFill>
+                <a:hlinkClick r:id="rId4"/>
+              </a:rPr>
+              <a:t>https://pytorch.org/examples/</a:t>
+            </a:r>
+            <a:endParaRPr lang="pt-BR" sz="2400" b="0" i="0" u="none" strike="noStrike" dirty="0">
+              <a:solidFill>
+                <a:srgbClr val="000000"/>
+              </a:solidFill>
+              <a:effectLst/>
+            </a:endParaRPr>
+          </a:p>
+          <a:p>
+            <a:pPr marL="0" indent="0">
+              <a:spcBef>
+                <a:spcPts val="0"/>
+              </a:spcBef>
+              <a:buNone/>
+            </a:pPr>
+            <a:r>
+              <a:rPr lang="pt-BR" sz="2400" dirty="0">
+                <a:solidFill>
+                  <a:srgbClr val="000000"/>
+                </a:solidFill>
+              </a:rPr>
+              <a:t>[3] Sebastian </a:t>
+            </a:r>
+            <a:r>
+              <a:rPr lang="pt-BR" sz="2400" dirty="0" err="1">
+                <a:solidFill>
+                  <a:srgbClr val="000000"/>
+                </a:solidFill>
+              </a:rPr>
+              <a:t>Raschka</a:t>
+            </a:r>
+            <a:r>
+              <a:rPr lang="pt-BR" sz="2400" dirty="0">
+                <a:solidFill>
+                  <a:srgbClr val="000000"/>
+                </a:solidFill>
+              </a:rPr>
+              <a:t> </a:t>
+            </a:r>
+            <a:r>
+              <a:rPr lang="pt-BR" sz="2400" dirty="0" err="1">
+                <a:solidFill>
+                  <a:srgbClr val="000000"/>
+                </a:solidFill>
+              </a:rPr>
+              <a:t>and</a:t>
+            </a:r>
+            <a:r>
+              <a:rPr lang="pt-BR" sz="2400" dirty="0">
+                <a:solidFill>
+                  <a:srgbClr val="000000"/>
+                </a:solidFill>
+              </a:rPr>
+              <a:t> </a:t>
+            </a:r>
+            <a:r>
+              <a:rPr lang="pt-BR" sz="2400" dirty="0" err="1">
+                <a:solidFill>
+                  <a:srgbClr val="000000"/>
+                </a:solidFill>
+              </a:rPr>
+              <a:t>Vahid</a:t>
+            </a:r>
+            <a:r>
+              <a:rPr lang="pt-BR" sz="2400" dirty="0">
+                <a:solidFill>
+                  <a:srgbClr val="000000"/>
+                </a:solidFill>
+              </a:rPr>
+              <a:t> </a:t>
+            </a:r>
+            <a:r>
+              <a:rPr lang="pt-BR" sz="2400" dirty="0" err="1">
+                <a:solidFill>
+                  <a:srgbClr val="000000"/>
+                </a:solidFill>
+              </a:rPr>
+              <a:t>Mirjalili</a:t>
+            </a:r>
+            <a:r>
+              <a:rPr lang="pt-BR" sz="2400" dirty="0">
+                <a:solidFill>
+                  <a:srgbClr val="000000"/>
+                </a:solidFill>
+              </a:rPr>
+              <a:t>, “</a:t>
+            </a:r>
+            <a:r>
+              <a:rPr lang="en-US" sz="2400" dirty="0">
+                <a:solidFill>
+                  <a:srgbClr val="000000"/>
+                </a:solidFill>
+              </a:rPr>
+              <a:t>Python Machine Learning: Machine Learning and Deep Learning with Python, scikit-learn, and TensorFlow 2”, </a:t>
+            </a:r>
+            <a:r>
+              <a:rPr lang="pt-BR" sz="2400" dirty="0" err="1">
+                <a:solidFill>
+                  <a:srgbClr val="000000"/>
+                </a:solidFill>
+              </a:rPr>
+              <a:t>Packt</a:t>
+            </a:r>
+            <a:r>
+              <a:rPr lang="pt-BR" sz="2400" dirty="0">
+                <a:solidFill>
+                  <a:srgbClr val="000000"/>
+                </a:solidFill>
+              </a:rPr>
+              <a:t> </a:t>
+            </a:r>
+            <a:r>
+              <a:rPr lang="pt-BR" sz="2400" dirty="0" err="1">
+                <a:solidFill>
+                  <a:srgbClr val="000000"/>
+                </a:solidFill>
+              </a:rPr>
+              <a:t>Publishing</a:t>
+            </a:r>
+            <a:r>
+              <a:rPr lang="pt-BR" sz="2400" dirty="0">
+                <a:solidFill>
+                  <a:srgbClr val="000000"/>
+                </a:solidFill>
+              </a:rPr>
+              <a:t>, 2019.</a:t>
+            </a:r>
+            <a:br>
+              <a:rPr lang="en-US" sz="2400" dirty="0">
+                <a:solidFill>
+                  <a:srgbClr val="000000"/>
+                </a:solidFill>
+              </a:rPr>
+            </a:br>
+            <a:r>
+              <a:rPr lang="en-US" sz="2400" dirty="0">
+                <a:solidFill>
+                  <a:srgbClr val="000000"/>
+                </a:solidFill>
+              </a:rPr>
+              <a:t>[4] </a:t>
+            </a:r>
+            <a:r>
+              <a:rPr lang="pt-BR" sz="2400" dirty="0">
+                <a:solidFill>
+                  <a:srgbClr val="000000"/>
+                </a:solidFill>
+              </a:rPr>
+              <a:t>Ivan </a:t>
+            </a:r>
+            <a:r>
+              <a:rPr lang="pt-BR" sz="2400" dirty="0" err="1">
+                <a:solidFill>
+                  <a:srgbClr val="000000"/>
+                </a:solidFill>
+              </a:rPr>
+              <a:t>Vasilev</a:t>
+            </a:r>
+            <a:r>
+              <a:rPr lang="pt-BR" sz="2400" dirty="0">
+                <a:solidFill>
+                  <a:srgbClr val="000000"/>
+                </a:solidFill>
+              </a:rPr>
+              <a:t>, </a:t>
+            </a:r>
+            <a:r>
+              <a:rPr lang="en-US" sz="2400" dirty="0">
+                <a:solidFill>
+                  <a:srgbClr val="000000"/>
+                </a:solidFill>
+              </a:rPr>
+              <a:t>“Advanced Deep Learning with Python: Design and implement advanced next-generation AI solutions using TensorFlow and </a:t>
+            </a:r>
+            <a:r>
+              <a:rPr lang="en-US" sz="2400" dirty="0" err="1">
+                <a:solidFill>
+                  <a:srgbClr val="000000"/>
+                </a:solidFill>
+              </a:rPr>
+              <a:t>PyTorch</a:t>
+            </a:r>
+            <a:r>
+              <a:rPr lang="en-US" sz="2400" dirty="0">
+                <a:solidFill>
+                  <a:srgbClr val="000000"/>
+                </a:solidFill>
+              </a:rPr>
+              <a:t>”, </a:t>
+            </a:r>
+            <a:r>
+              <a:rPr lang="pt-BR" sz="2400" dirty="0" err="1">
+                <a:solidFill>
+                  <a:srgbClr val="000000"/>
+                </a:solidFill>
+              </a:rPr>
+              <a:t>Packt</a:t>
+            </a:r>
+            <a:r>
+              <a:rPr lang="pt-BR" sz="2400" dirty="0">
+                <a:solidFill>
+                  <a:srgbClr val="000000"/>
+                </a:solidFill>
+              </a:rPr>
+              <a:t> </a:t>
+            </a:r>
+            <a:r>
+              <a:rPr lang="pt-BR" sz="2400" dirty="0" err="1">
+                <a:solidFill>
+                  <a:srgbClr val="000000"/>
+                </a:solidFill>
+              </a:rPr>
+              <a:t>Publishing</a:t>
+            </a:r>
+            <a:r>
+              <a:rPr lang="pt-BR" sz="2400" dirty="0">
+                <a:solidFill>
+                  <a:srgbClr val="000000"/>
+                </a:solidFill>
+              </a:rPr>
+              <a:t>, 2019.</a:t>
+            </a:r>
+          </a:p>
+          <a:p>
+            <a:pPr marL="0" indent="0">
+              <a:spcBef>
+                <a:spcPts val="0"/>
+              </a:spcBef>
+              <a:buNone/>
+            </a:pPr>
+            <a:r>
+              <a:rPr lang="pt-BR" sz="2400" dirty="0">
+                <a:solidFill>
+                  <a:srgbClr val="000000"/>
+                </a:solidFill>
+              </a:rPr>
+              <a:t>[5] </a:t>
+            </a:r>
+            <a:r>
+              <a:rPr lang="pt-BR" sz="2400" dirty="0" err="1">
+                <a:solidFill>
+                  <a:srgbClr val="000000"/>
+                </a:solidFill>
+              </a:rPr>
+              <a:t>Aurélien</a:t>
+            </a:r>
+            <a:r>
+              <a:rPr lang="pt-BR" sz="2400" dirty="0">
+                <a:solidFill>
+                  <a:srgbClr val="000000"/>
+                </a:solidFill>
+              </a:rPr>
+              <a:t> </a:t>
+            </a:r>
+            <a:r>
+              <a:rPr lang="pt-BR" sz="2400" dirty="0" err="1">
+                <a:solidFill>
+                  <a:srgbClr val="000000"/>
+                </a:solidFill>
+              </a:rPr>
+              <a:t>Géron</a:t>
+            </a:r>
+            <a:r>
+              <a:rPr lang="pt-BR" sz="2400" dirty="0">
+                <a:solidFill>
+                  <a:srgbClr val="000000"/>
+                </a:solidFill>
+              </a:rPr>
+              <a:t>, "Hands-On Machine Learning </a:t>
+            </a:r>
+            <a:r>
+              <a:rPr lang="pt-BR" sz="2400" dirty="0" err="1">
+                <a:solidFill>
+                  <a:srgbClr val="000000"/>
+                </a:solidFill>
+              </a:rPr>
+              <a:t>with</a:t>
+            </a:r>
+            <a:r>
+              <a:rPr lang="pt-BR" sz="2400" dirty="0">
+                <a:solidFill>
+                  <a:srgbClr val="000000"/>
+                </a:solidFill>
+              </a:rPr>
+              <a:t> </a:t>
+            </a:r>
+            <a:r>
+              <a:rPr lang="pt-BR" sz="2400" dirty="0" err="1">
+                <a:solidFill>
+                  <a:srgbClr val="000000"/>
+                </a:solidFill>
+              </a:rPr>
+              <a:t>Scikit-Learn</a:t>
+            </a:r>
+            <a:r>
+              <a:rPr lang="pt-BR" sz="2400" dirty="0">
+                <a:solidFill>
+                  <a:srgbClr val="000000"/>
+                </a:solidFill>
+              </a:rPr>
+              <a:t> </a:t>
+            </a:r>
+            <a:r>
+              <a:rPr lang="pt-BR" sz="2400" dirty="0" err="1">
+                <a:solidFill>
+                  <a:srgbClr val="000000"/>
+                </a:solidFill>
+              </a:rPr>
+              <a:t>and</a:t>
+            </a:r>
+            <a:r>
+              <a:rPr lang="pt-BR" sz="2400" dirty="0">
+                <a:solidFill>
+                  <a:srgbClr val="000000"/>
+                </a:solidFill>
+              </a:rPr>
+              <a:t> TensorFlow: </a:t>
+            </a:r>
+            <a:r>
+              <a:rPr lang="pt-BR" sz="2400" dirty="0" err="1">
+                <a:solidFill>
+                  <a:srgbClr val="000000"/>
+                </a:solidFill>
+              </a:rPr>
+              <a:t>Concepts</a:t>
+            </a:r>
+            <a:r>
+              <a:rPr lang="pt-BR" sz="2400" dirty="0">
+                <a:solidFill>
+                  <a:srgbClr val="000000"/>
+                </a:solidFill>
+              </a:rPr>
+              <a:t>, Tools, </a:t>
+            </a:r>
+            <a:r>
+              <a:rPr lang="pt-BR" sz="2400" dirty="0" err="1">
+                <a:solidFill>
+                  <a:srgbClr val="000000"/>
+                </a:solidFill>
+              </a:rPr>
+              <a:t>and</a:t>
+            </a:r>
+            <a:r>
+              <a:rPr lang="pt-BR" sz="2400" dirty="0">
+                <a:solidFill>
+                  <a:srgbClr val="000000"/>
+                </a:solidFill>
+              </a:rPr>
+              <a:t> </a:t>
+            </a:r>
+            <a:r>
+              <a:rPr lang="pt-BR" sz="2400" dirty="0" err="1">
+                <a:solidFill>
+                  <a:srgbClr val="000000"/>
+                </a:solidFill>
+              </a:rPr>
+              <a:t>Techniques</a:t>
+            </a:r>
+            <a:r>
+              <a:rPr lang="pt-BR" sz="2400" dirty="0">
+                <a:solidFill>
+                  <a:srgbClr val="000000"/>
+                </a:solidFill>
+              </a:rPr>
+              <a:t> </a:t>
+            </a:r>
+            <a:r>
+              <a:rPr lang="pt-BR" sz="2400" dirty="0" err="1">
+                <a:solidFill>
+                  <a:srgbClr val="000000"/>
+                </a:solidFill>
+              </a:rPr>
+              <a:t>to</a:t>
+            </a:r>
+            <a:r>
+              <a:rPr lang="pt-BR" sz="2400" dirty="0">
+                <a:solidFill>
+                  <a:srgbClr val="000000"/>
+                </a:solidFill>
+              </a:rPr>
+              <a:t> Build </a:t>
+            </a:r>
+            <a:r>
+              <a:rPr lang="pt-BR" sz="2400" dirty="0" err="1">
+                <a:solidFill>
+                  <a:srgbClr val="000000"/>
+                </a:solidFill>
+              </a:rPr>
+              <a:t>Intelligent</a:t>
+            </a:r>
+            <a:r>
+              <a:rPr lang="pt-BR" sz="2400" dirty="0">
+                <a:solidFill>
+                  <a:srgbClr val="000000"/>
+                </a:solidFill>
+              </a:rPr>
+              <a:t> Systems", 3rd ed., O'Reilly Media, 2022.</a:t>
+            </a:r>
+          </a:p>
+          <a:p>
+            <a:pPr marL="0" indent="0">
+              <a:spcBef>
+                <a:spcPts val="0"/>
+              </a:spcBef>
+              <a:buNone/>
+            </a:pPr>
+            <a:r>
+              <a:rPr lang="en-US" sz="2400" dirty="0">
+                <a:solidFill>
+                  <a:srgbClr val="000000"/>
+                </a:solidFill>
+              </a:rPr>
+              <a:t>[6] </a:t>
+            </a:r>
+            <a:r>
+              <a:rPr lang="en-US" sz="2400" dirty="0" err="1">
+                <a:solidFill>
+                  <a:srgbClr val="000000"/>
+                </a:solidFill>
+              </a:rPr>
+              <a:t>Raschka</a:t>
+            </a:r>
+            <a:r>
+              <a:rPr lang="en-US" sz="2400" dirty="0">
+                <a:solidFill>
+                  <a:srgbClr val="000000"/>
+                </a:solidFill>
+              </a:rPr>
+              <a:t>, Sebastian, et al., “Machine Learning with </a:t>
+            </a:r>
+            <a:r>
+              <a:rPr lang="en-US" sz="2400" dirty="0" err="1">
+                <a:solidFill>
+                  <a:srgbClr val="000000"/>
+                </a:solidFill>
+              </a:rPr>
+              <a:t>PyTorch</a:t>
+            </a:r>
+            <a:r>
+              <a:rPr lang="en-US" sz="2400" dirty="0">
+                <a:solidFill>
+                  <a:srgbClr val="000000"/>
+                </a:solidFill>
+              </a:rPr>
+              <a:t> and Scikit-Learn: Develop machine learning and deep learning models with Python”, </a:t>
+            </a:r>
+            <a:r>
+              <a:rPr lang="en-US" sz="2400" dirty="0" err="1">
+                <a:solidFill>
+                  <a:srgbClr val="000000"/>
+                </a:solidFill>
+              </a:rPr>
+              <a:t>Packt</a:t>
+            </a:r>
+            <a:r>
+              <a:rPr lang="en-US" sz="2400" dirty="0">
+                <a:solidFill>
+                  <a:srgbClr val="000000"/>
+                </a:solidFill>
+              </a:rPr>
+              <a:t> Publishing Ltd, 2022.</a:t>
+            </a:r>
+            <a:endParaRPr lang="pt-BR" sz="2400" dirty="0">
+              <a:solidFill>
+                <a:srgbClr val="000000"/>
+              </a:solidFill>
+            </a:endParaRPr>
+          </a:p>
+          <a:p>
+            <a:pPr marL="0" indent="0">
+              <a:spcBef>
+                <a:spcPts val="0"/>
+              </a:spcBef>
+              <a:buNone/>
+            </a:pPr>
+            <a:r>
+              <a:rPr lang="pt-BR" sz="2400" dirty="0">
+                <a:solidFill>
+                  <a:srgbClr val="000000"/>
+                </a:solidFill>
+              </a:rPr>
+              <a:t>[7] C. M. Bishop, "</a:t>
+            </a:r>
+            <a:r>
+              <a:rPr lang="pt-BR" sz="2400" dirty="0" err="1">
+                <a:solidFill>
+                  <a:srgbClr val="000000"/>
+                </a:solidFill>
+              </a:rPr>
+              <a:t>Pattern</a:t>
+            </a:r>
+            <a:r>
+              <a:rPr lang="pt-BR" sz="2400" dirty="0">
+                <a:solidFill>
+                  <a:srgbClr val="000000"/>
+                </a:solidFill>
+              </a:rPr>
+              <a:t> </a:t>
+            </a:r>
+            <a:r>
+              <a:rPr lang="pt-BR" sz="2400" dirty="0" err="1">
+                <a:solidFill>
+                  <a:srgbClr val="000000"/>
+                </a:solidFill>
+              </a:rPr>
+              <a:t>Recognition</a:t>
+            </a:r>
+            <a:r>
+              <a:rPr lang="pt-BR" sz="2400" dirty="0">
+                <a:solidFill>
+                  <a:srgbClr val="000000"/>
+                </a:solidFill>
+              </a:rPr>
+              <a:t> </a:t>
+            </a:r>
+            <a:r>
+              <a:rPr lang="pt-BR" sz="2400" dirty="0" err="1">
+                <a:solidFill>
+                  <a:srgbClr val="000000"/>
+                </a:solidFill>
+              </a:rPr>
+              <a:t>and</a:t>
+            </a:r>
+            <a:r>
+              <a:rPr lang="pt-BR" sz="2400" dirty="0">
+                <a:solidFill>
+                  <a:srgbClr val="000000"/>
+                </a:solidFill>
+              </a:rPr>
+              <a:t> Machine Learning", Springer, 2006.</a:t>
+            </a:r>
+          </a:p>
+          <a:p>
+            <a:pPr marL="0" indent="0">
+              <a:spcBef>
+                <a:spcPts val="0"/>
+              </a:spcBef>
+              <a:buNone/>
+            </a:pPr>
+            <a:r>
+              <a:rPr lang="pt-BR" sz="2400" dirty="0">
+                <a:solidFill>
+                  <a:srgbClr val="000000"/>
+                </a:solidFill>
+              </a:rPr>
+              <a:t>[8] “Livros”, </a:t>
+            </a:r>
+            <a:r>
+              <a:rPr lang="pt-BR" sz="2400" dirty="0">
+                <a:solidFill>
+                  <a:srgbClr val="000000"/>
+                </a:solidFill>
+                <a:hlinkClick r:id="rId5"/>
+              </a:rPr>
+              <a:t>http://tinyurl.com/tp558-books</a:t>
+            </a:r>
+            <a:endParaRPr lang="pt-BR" sz="2400" dirty="0">
+              <a:solidFill>
+                <a:srgbClr val="000000"/>
+              </a:solidFill>
+            </a:endParaRPr>
+          </a:p>
+        </p:txBody>
+      </p:sp>
+    </p:spTree>
+    <p:extLst>
+      <p:ext uri="{BB962C8B-B14F-4D97-AF65-F5344CB8AC3E}">
+        <p14:creationId xmlns:p14="http://schemas.microsoft.com/office/powerpoint/2010/main" val="2247946137"/>
+      </p:ext>
+    </p:extLst>
+  </p:cSld>
+  <p:clrMapOvr>
+    <a:masterClrMapping/>
+  </p:clrMapOvr>
+</p:sld>
+</file>
+
+<file path=ppt/slides/slide14.xml><?xml version="1.0" encoding="utf-8"?>
+<p:sld xmlns:a="http://schemas.openxmlformats.org/drawingml/2006/main" xmlns:r="http://schemas.openxmlformats.org/officeDocument/2006/relationships" xmlns:p="http://schemas.openxmlformats.org/presentationml/2006/main">
+  <p:cSld>
+    <p:spTree>
+      <p:nvGrpSpPr>
+        <p:cNvPr id="1" name=""/>
+        <p:cNvGrpSpPr/>
+        <p:nvPr/>
+      </p:nvGrpSpPr>
+      <p:grpSpPr>
+        <a:xfrm>
+          <a:off x="0" y="0"/>
+          <a:ext cx="0" cy="0"/>
+          <a:chOff x="0" y="0"/>
+          <a:chExt cx="0" cy="0"/>
+        </a:xfrm>
+      </p:grpSpPr>
+      <p:sp>
+        <p:nvSpPr>
+          <p:cNvPr id="2" name="Title 1"/>
+          <p:cNvSpPr>
+            <a:spLocks noGrp="1"/>
+          </p:cNvSpPr>
+          <p:nvPr>
+            <p:ph type="title"/>
+          </p:nvPr>
+        </p:nvSpPr>
+        <p:spPr/>
+        <p:txBody>
+          <a:bodyPr/>
+          <a:lstStyle/>
+          <a:p>
+            <a:r>
+              <a:rPr lang="en-US" dirty="0" err="1"/>
+              <a:t>Avisos</a:t>
+            </a:r>
+            <a:endParaRPr lang="nl-BE" dirty="0"/>
+          </a:p>
+        </p:txBody>
+      </p:sp>
+      <p:sp>
+        <p:nvSpPr>
+          <p:cNvPr id="3" name="Content Placeholder 2"/>
+          <p:cNvSpPr>
+            <a:spLocks noGrp="1"/>
+          </p:cNvSpPr>
+          <p:nvPr>
+            <p:ph idx="1"/>
+          </p:nvPr>
+        </p:nvSpPr>
+        <p:spPr>
+          <a:xfrm>
+            <a:off x="838199" y="1825624"/>
+            <a:ext cx="11104419" cy="5032376"/>
+          </a:xfrm>
+        </p:spPr>
+        <p:txBody>
+          <a:bodyPr>
+            <a:normAutofit/>
+          </a:bodyPr>
+          <a:lstStyle/>
+          <a:p>
+            <a:r>
+              <a:rPr lang="pt-BR" dirty="0"/>
+              <a:t>Todo material do curso está disponível no GitHub:</a:t>
+            </a:r>
+          </a:p>
+          <a:p>
+            <a:pPr lvl="1">
+              <a:buFont typeface="Wingdings" panose="05000000000000000000" pitchFamily="2" charset="2"/>
+              <a:buChar char="§"/>
+            </a:pPr>
+            <a:r>
+              <a:rPr lang="pt-BR" dirty="0">
+                <a:hlinkClick r:id="rId2"/>
+              </a:rPr>
+              <a:t>https://github.com/zz4fap/tp558-adv-ml</a:t>
+            </a:r>
+            <a:endParaRPr lang="pt-BR" dirty="0"/>
+          </a:p>
+          <a:p>
+            <a:r>
+              <a:rPr lang="pt-BR" dirty="0"/>
+              <a:t>Google </a:t>
+            </a:r>
+            <a:r>
+              <a:rPr lang="pt-BR" dirty="0" err="1"/>
+              <a:t>Colab</a:t>
+            </a:r>
+            <a:endParaRPr lang="pt-BR" dirty="0"/>
+          </a:p>
+          <a:p>
+            <a:pPr lvl="1">
+              <a:buFont typeface="Wingdings" panose="05000000000000000000" pitchFamily="2" charset="2"/>
+              <a:buChar char="§"/>
+            </a:pPr>
+            <a:r>
+              <a:rPr lang="pt-BR" dirty="0">
+                <a:hlinkClick r:id="rId3"/>
+              </a:rPr>
+              <a:t>https://www.youtube.com/watch?v=inN8seMm7UI&amp;ab_channel=TensorFlow</a:t>
+            </a:r>
+          </a:p>
+          <a:p>
+            <a:pPr lvl="1">
+              <a:buFont typeface="Wingdings" panose="05000000000000000000" pitchFamily="2" charset="2"/>
+              <a:buChar char="§"/>
+            </a:pPr>
+            <a:r>
+              <a:rPr lang="pt-BR" b="0" i="0" dirty="0">
+                <a:solidFill>
+                  <a:srgbClr val="222222"/>
+                </a:solidFill>
+                <a:effectLst/>
+                <a:latin typeface="Arial" panose="020B0604020202020204" pitchFamily="34" charset="0"/>
+                <a:hlinkClick r:id="rId4"/>
+              </a:rPr>
+              <a:t>https://www.youtube.com/watch?v=inN8seMm7UI</a:t>
+            </a:r>
+            <a:endParaRPr lang="pt-BR" b="0" i="0" dirty="0">
+              <a:solidFill>
+                <a:srgbClr val="222222"/>
+              </a:solidFill>
+              <a:effectLst/>
+              <a:latin typeface="Arial" panose="020B0604020202020204" pitchFamily="34" charset="0"/>
+            </a:endParaRPr>
+          </a:p>
+          <a:p>
+            <a:r>
+              <a:rPr lang="pt-BR" dirty="0"/>
+              <a:t>Python Crash </a:t>
+            </a:r>
+            <a:r>
+              <a:rPr lang="pt-BR" dirty="0" err="1"/>
+              <a:t>Course</a:t>
+            </a:r>
+            <a:endParaRPr lang="pt-BR" dirty="0">
+              <a:hlinkClick r:id="rId3"/>
+            </a:endParaRPr>
+          </a:p>
+          <a:p>
+            <a:pPr lvl="1">
+              <a:buFont typeface="Wingdings" panose="05000000000000000000" pitchFamily="2" charset="2"/>
+              <a:buChar char="§"/>
+            </a:pPr>
+            <a:r>
+              <a:rPr lang="pt-BR" dirty="0">
+                <a:hlinkClick r:id="rId3"/>
+              </a:rPr>
+              <a:t>https://www.youtube.com/watch?v=pq4NNIYar9o&amp;list=PLRc6ZYt68prVXAhwY1JD6DFc3BJGmJriq&amp;pp=gAQBiAQB</a:t>
+            </a:r>
+            <a:endParaRPr lang="pt-BR" dirty="0"/>
+          </a:p>
+          <a:p>
+            <a:r>
+              <a:rPr lang="pt-BR" dirty="0"/>
+              <a:t>Horário de Atendimento</a:t>
+            </a:r>
+          </a:p>
+          <a:p>
+            <a:pPr lvl="1">
+              <a:buFont typeface="Wingdings" panose="05000000000000000000" pitchFamily="2" charset="2"/>
+              <a:buChar char="§"/>
+            </a:pPr>
+            <a:r>
+              <a:rPr lang="pt-BR" dirty="0"/>
+              <a:t>Todas as quartas-feiras das 17:30 às 18:30.</a:t>
+            </a:r>
+          </a:p>
+          <a:p>
+            <a:pPr lvl="1">
+              <a:buFont typeface="Wingdings" panose="05000000000000000000" pitchFamily="2" charset="2"/>
+              <a:buChar char="§"/>
+            </a:pPr>
+            <a:r>
+              <a:rPr lang="pt-BR" dirty="0"/>
+              <a:t>Presencialmente ou remotamente.</a:t>
+            </a:r>
+          </a:p>
+        </p:txBody>
+      </p:sp>
+    </p:spTree>
+    <p:extLst>
+      <p:ext uri="{BB962C8B-B14F-4D97-AF65-F5344CB8AC3E}">
+        <p14:creationId xmlns:p14="http://schemas.microsoft.com/office/powerpoint/2010/main" val="1412900488"/>
+      </p:ext>
+    </p:extLst>
+  </p:cSld>
+  <p:clrMapOvr>
+    <a:masterClrMapping/>
+  </p:clrMapOvr>
+</p:sld>
+</file>
+
+<file path=ppt/slides/slide15.xml><?xml version="1.0" encoding="utf-8"?>
+<p:sld xmlns:a="http://schemas.openxmlformats.org/drawingml/2006/main" xmlns:r="http://schemas.openxmlformats.org/officeDocument/2006/relationships" xmlns:p="http://schemas.openxmlformats.org/presentationml/2006/main">
+  <p:cSld>
+    <p:spTree>
+      <p:nvGrpSpPr>
+        <p:cNvPr id="1" name=""/>
+        <p:cNvGrpSpPr/>
+        <p:nvPr/>
+      </p:nvGrpSpPr>
+      <p:grpSpPr>
+        <a:xfrm>
+          <a:off x="0" y="0"/>
+          <a:ext cx="0" cy="0"/>
+          <a:chOff x="0" y="0"/>
+          <a:chExt cx="0" cy="0"/>
+        </a:xfrm>
+      </p:grpSpPr>
+      <p:sp>
+        <p:nvSpPr>
           <p:cNvPr id="4" name="Título 1">
             <a:extLst>
               <a:ext uri="{FF2B5EF4-FFF2-40B4-BE49-F238E27FC236}">
@@ -5800,7 +6203,7 @@
 </p:sld>
 </file>
 
-<file path=ppt/slides/slide14.xml><?xml version="1.0" encoding="utf-8"?>
+<file path=ppt/slides/slide16.xml><?xml version="1.0" encoding="utf-8"?>
 <p:sld xmlns:a="http://schemas.openxmlformats.org/drawingml/2006/main" xmlns:r="http://schemas.openxmlformats.org/officeDocument/2006/relationships" xmlns:p="http://schemas.openxmlformats.org/presentationml/2006/main">
   <p:cSld>
     <p:spTree>

--- a/slides/TP558_1_Introdução_ao_curso.pptx
+++ b/slides/TP558_1_Introdução_ao_curso.pptx
@@ -290,7 +290,7 @@
           <a:p>
             <a:fld id="{144F1436-6906-4D93-B7A2-786C327BFA14}" type="datetimeFigureOut">
               <a:rPr lang="nl-BE" smtClean="0"/>
-              <a:t>16/02/2024</a:t>
+              <a:t>19/02/2024</a:t>
             </a:fld>
             <a:endParaRPr lang="nl-BE"/>
           </a:p>
@@ -455,7 +455,7 @@
           <a:p>
             <a:fld id="{AA8CD09E-2914-4F47-B6C1-51B2C31814C9}" type="datetimeFigureOut">
               <a:rPr lang="pt-BR" smtClean="0"/>
-              <a:t>16/02/2024</a:t>
+              <a:t>19/02/2024</a:t>
             </a:fld>
             <a:endParaRPr lang="pt-BR"/>
           </a:p>
@@ -1241,7 +1241,7 @@
           <a:p>
             <a:fld id="{63289F7E-B80B-496E-81B4-D396C37C9454}" type="datetimeFigureOut">
               <a:rPr lang="pt-BR" smtClean="0"/>
-              <a:t>16/02/2024</a:t>
+              <a:t>19/02/2024</a:t>
             </a:fld>
             <a:endParaRPr lang="pt-BR"/>
           </a:p>
@@ -1439,7 +1439,7 @@
           <a:p>
             <a:fld id="{63289F7E-B80B-496E-81B4-D396C37C9454}" type="datetimeFigureOut">
               <a:rPr lang="pt-BR" smtClean="0"/>
-              <a:t>16/02/2024</a:t>
+              <a:t>19/02/2024</a:t>
             </a:fld>
             <a:endParaRPr lang="pt-BR"/>
           </a:p>
@@ -1647,7 +1647,7 @@
           <a:p>
             <a:fld id="{63289F7E-B80B-496E-81B4-D396C37C9454}" type="datetimeFigureOut">
               <a:rPr lang="pt-BR" smtClean="0"/>
-              <a:t>16/02/2024</a:t>
+              <a:t>19/02/2024</a:t>
             </a:fld>
             <a:endParaRPr lang="pt-BR"/>
           </a:p>
@@ -1845,7 +1845,7 @@
           <a:p>
             <a:fld id="{63289F7E-B80B-496E-81B4-D396C37C9454}" type="datetimeFigureOut">
               <a:rPr lang="pt-BR" smtClean="0"/>
-              <a:t>16/02/2024</a:t>
+              <a:t>19/02/2024</a:t>
             </a:fld>
             <a:endParaRPr lang="pt-BR"/>
           </a:p>
@@ -2120,7 +2120,7 @@
           <a:p>
             <a:fld id="{63289F7E-B80B-496E-81B4-D396C37C9454}" type="datetimeFigureOut">
               <a:rPr lang="pt-BR" smtClean="0"/>
-              <a:t>16/02/2024</a:t>
+              <a:t>19/02/2024</a:t>
             </a:fld>
             <a:endParaRPr lang="pt-BR"/>
           </a:p>
@@ -2385,7 +2385,7 @@
           <a:p>
             <a:fld id="{63289F7E-B80B-496E-81B4-D396C37C9454}" type="datetimeFigureOut">
               <a:rPr lang="pt-BR" smtClean="0"/>
-              <a:t>16/02/2024</a:t>
+              <a:t>19/02/2024</a:t>
             </a:fld>
             <a:endParaRPr lang="pt-BR"/>
           </a:p>
@@ -2797,7 +2797,7 @@
           <a:p>
             <a:fld id="{63289F7E-B80B-496E-81B4-D396C37C9454}" type="datetimeFigureOut">
               <a:rPr lang="pt-BR" smtClean="0"/>
-              <a:t>16/02/2024</a:t>
+              <a:t>19/02/2024</a:t>
             </a:fld>
             <a:endParaRPr lang="pt-BR"/>
           </a:p>
@@ -2938,7 +2938,7 @@
           <a:p>
             <a:fld id="{63289F7E-B80B-496E-81B4-D396C37C9454}" type="datetimeFigureOut">
               <a:rPr lang="pt-BR" smtClean="0"/>
-              <a:t>16/02/2024</a:t>
+              <a:t>19/02/2024</a:t>
             </a:fld>
             <a:endParaRPr lang="pt-BR"/>
           </a:p>
@@ -3051,7 +3051,7 @@
           <a:p>
             <a:fld id="{63289F7E-B80B-496E-81B4-D396C37C9454}" type="datetimeFigureOut">
               <a:rPr lang="pt-BR" smtClean="0"/>
-              <a:t>16/02/2024</a:t>
+              <a:t>19/02/2024</a:t>
             </a:fld>
             <a:endParaRPr lang="pt-BR"/>
           </a:p>
@@ -3362,7 +3362,7 @@
           <a:p>
             <a:fld id="{63289F7E-B80B-496E-81B4-D396C37C9454}" type="datetimeFigureOut">
               <a:rPr lang="pt-BR" smtClean="0"/>
-              <a:t>16/02/2024</a:t>
+              <a:t>19/02/2024</a:t>
             </a:fld>
             <a:endParaRPr lang="pt-BR"/>
           </a:p>
@@ -3650,7 +3650,7 @@
           <a:p>
             <a:fld id="{63289F7E-B80B-496E-81B4-D396C37C9454}" type="datetimeFigureOut">
               <a:rPr lang="pt-BR" smtClean="0"/>
-              <a:t>16/02/2024</a:t>
+              <a:t>19/02/2024</a:t>
             </a:fld>
             <a:endParaRPr lang="pt-BR"/>
           </a:p>
@@ -3891,7 +3891,7 @@
           <a:p>
             <a:fld id="{63289F7E-B80B-496E-81B4-D396C37C9454}" type="datetimeFigureOut">
               <a:rPr lang="pt-BR" smtClean="0"/>
-              <a:t>16/02/2024</a:t>
+              <a:t>19/02/2024</a:t>
             </a:fld>
             <a:endParaRPr lang="pt-BR"/>
           </a:p>
@@ -7524,7 +7524,13 @@
               <a:rPr lang="pt-BR" dirty="0">
                 <a:hlinkClick r:id="rId3"/>
               </a:rPr>
-              <a:t>http://tinyurl.com/tp558-final-project</a:t>
+              <a:t>http://tinyurl.com</a:t>
+            </a:r>
+            <a:r>
+              <a:rPr lang="pt-BR">
+                <a:hlinkClick r:id="rId3"/>
+              </a:rPr>
+              <a:t>/tp558-final-project</a:t>
             </a:r>
             <a:endParaRPr lang="pt-BR" dirty="0"/>
           </a:p>

--- a/slides/TP558_1_Introdução_ao_curso.pptx
+++ b/slides/TP558_1_Introdução_ao_curso.pptx
@@ -5,10 +5,10 @@
     <p:sldMasterId id="2147483648" r:id="rId1"/>
   </p:sldMasterIdLst>
   <p:notesMasterIdLst>
-    <p:notesMasterId r:id="rId18"/>
+    <p:notesMasterId r:id="rId20"/>
   </p:notesMasterIdLst>
   <p:handoutMasterIdLst>
-    <p:handoutMasterId r:id="rId19"/>
+    <p:handoutMasterId r:id="rId21"/>
   </p:handoutMasterIdLst>
   <p:sldIdLst>
     <p:sldId id="256" r:id="rId2"/>
@@ -22,11 +22,13 @@
     <p:sldId id="427" r:id="rId10"/>
     <p:sldId id="428" r:id="rId11"/>
     <p:sldId id="429" r:id="rId12"/>
-    <p:sldId id="430" r:id="rId13"/>
-    <p:sldId id="263" r:id="rId14"/>
-    <p:sldId id="298" r:id="rId15"/>
-    <p:sldId id="293" r:id="rId16"/>
-    <p:sldId id="306" r:id="rId17"/>
+    <p:sldId id="431" r:id="rId13"/>
+    <p:sldId id="432" r:id="rId14"/>
+    <p:sldId id="430" r:id="rId15"/>
+    <p:sldId id="263" r:id="rId16"/>
+    <p:sldId id="298" r:id="rId17"/>
+    <p:sldId id="293" r:id="rId18"/>
+    <p:sldId id="306" r:id="rId19"/>
   </p:sldIdLst>
   <p:sldSz cx="12192000" cy="6858000"/>
   <p:notesSz cx="7315200" cy="9601200"/>
@@ -290,7 +292,7 @@
           <a:p>
             <a:fld id="{144F1436-6906-4D93-B7A2-786C327BFA14}" type="datetimeFigureOut">
               <a:rPr lang="nl-BE" smtClean="0"/>
-              <a:t>19/02/2024</a:t>
+              <a:t>23/02/2024</a:t>
             </a:fld>
             <a:endParaRPr lang="nl-BE"/>
           </a:p>
@@ -455,7 +457,7 @@
           <a:p>
             <a:fld id="{AA8CD09E-2914-4F47-B6C1-51B2C31814C9}" type="datetimeFigureOut">
               <a:rPr lang="pt-BR" smtClean="0"/>
-              <a:t>19/02/2024</a:t>
+              <a:t>23/02/2024</a:t>
             </a:fld>
             <a:endParaRPr lang="pt-BR"/>
           </a:p>
@@ -1075,7 +1077,7 @@
           <a:p>
             <a:fld id="{6FC8D850-966F-45A6-8DE7-15B891E7D40D}" type="slidenum">
               <a:rPr lang="pt-BR" smtClean="0"/>
-              <a:t>13</a:t>
+              <a:t>15</a:t>
             </a:fld>
             <a:endParaRPr lang="pt-BR"/>
           </a:p>
@@ -1241,7 +1243,7 @@
           <a:p>
             <a:fld id="{63289F7E-B80B-496E-81B4-D396C37C9454}" type="datetimeFigureOut">
               <a:rPr lang="pt-BR" smtClean="0"/>
-              <a:t>19/02/2024</a:t>
+              <a:t>23/02/2024</a:t>
             </a:fld>
             <a:endParaRPr lang="pt-BR"/>
           </a:p>
@@ -1439,7 +1441,7 @@
           <a:p>
             <a:fld id="{63289F7E-B80B-496E-81B4-D396C37C9454}" type="datetimeFigureOut">
               <a:rPr lang="pt-BR" smtClean="0"/>
-              <a:t>19/02/2024</a:t>
+              <a:t>23/02/2024</a:t>
             </a:fld>
             <a:endParaRPr lang="pt-BR"/>
           </a:p>
@@ -1647,7 +1649,7 @@
           <a:p>
             <a:fld id="{63289F7E-B80B-496E-81B4-D396C37C9454}" type="datetimeFigureOut">
               <a:rPr lang="pt-BR" smtClean="0"/>
-              <a:t>19/02/2024</a:t>
+              <a:t>23/02/2024</a:t>
             </a:fld>
             <a:endParaRPr lang="pt-BR"/>
           </a:p>
@@ -1845,7 +1847,7 @@
           <a:p>
             <a:fld id="{63289F7E-B80B-496E-81B4-D396C37C9454}" type="datetimeFigureOut">
               <a:rPr lang="pt-BR" smtClean="0"/>
-              <a:t>19/02/2024</a:t>
+              <a:t>23/02/2024</a:t>
             </a:fld>
             <a:endParaRPr lang="pt-BR"/>
           </a:p>
@@ -2120,7 +2122,7 @@
           <a:p>
             <a:fld id="{63289F7E-B80B-496E-81B4-D396C37C9454}" type="datetimeFigureOut">
               <a:rPr lang="pt-BR" smtClean="0"/>
-              <a:t>19/02/2024</a:t>
+              <a:t>23/02/2024</a:t>
             </a:fld>
             <a:endParaRPr lang="pt-BR"/>
           </a:p>
@@ -2385,7 +2387,7 @@
           <a:p>
             <a:fld id="{63289F7E-B80B-496E-81B4-D396C37C9454}" type="datetimeFigureOut">
               <a:rPr lang="pt-BR" smtClean="0"/>
-              <a:t>19/02/2024</a:t>
+              <a:t>23/02/2024</a:t>
             </a:fld>
             <a:endParaRPr lang="pt-BR"/>
           </a:p>
@@ -2797,7 +2799,7 @@
           <a:p>
             <a:fld id="{63289F7E-B80B-496E-81B4-D396C37C9454}" type="datetimeFigureOut">
               <a:rPr lang="pt-BR" smtClean="0"/>
-              <a:t>19/02/2024</a:t>
+              <a:t>23/02/2024</a:t>
             </a:fld>
             <a:endParaRPr lang="pt-BR"/>
           </a:p>
@@ -2938,7 +2940,7 @@
           <a:p>
             <a:fld id="{63289F7E-B80B-496E-81B4-D396C37C9454}" type="datetimeFigureOut">
               <a:rPr lang="pt-BR" smtClean="0"/>
-              <a:t>19/02/2024</a:t>
+              <a:t>23/02/2024</a:t>
             </a:fld>
             <a:endParaRPr lang="pt-BR"/>
           </a:p>
@@ -3051,7 +3053,7 @@
           <a:p>
             <a:fld id="{63289F7E-B80B-496E-81B4-D396C37C9454}" type="datetimeFigureOut">
               <a:rPr lang="pt-BR" smtClean="0"/>
-              <a:t>19/02/2024</a:t>
+              <a:t>23/02/2024</a:t>
             </a:fld>
             <a:endParaRPr lang="pt-BR"/>
           </a:p>
@@ -3362,7 +3364,7 @@
           <a:p>
             <a:fld id="{63289F7E-B80B-496E-81B4-D396C37C9454}" type="datetimeFigureOut">
               <a:rPr lang="pt-BR" smtClean="0"/>
-              <a:t>19/02/2024</a:t>
+              <a:t>23/02/2024</a:t>
             </a:fld>
             <a:endParaRPr lang="pt-BR"/>
           </a:p>
@@ -3650,7 +3652,7 @@
           <a:p>
             <a:fld id="{63289F7E-B80B-496E-81B4-D396C37C9454}" type="datetimeFigureOut">
               <a:rPr lang="pt-BR" smtClean="0"/>
-              <a:t>19/02/2024</a:t>
+              <a:t>23/02/2024</a:t>
             </a:fld>
             <a:endParaRPr lang="pt-BR"/>
           </a:p>
@@ -3891,7 +3893,7 @@
           <a:p>
             <a:fld id="{63289F7E-B80B-496E-81B4-D396C37C9454}" type="datetimeFigureOut">
               <a:rPr lang="pt-BR" smtClean="0"/>
-              <a:t>19/02/2024</a:t>
+              <a:t>23/02/2024</a:t>
             </a:fld>
             <a:endParaRPr lang="pt-BR"/>
           </a:p>
@@ -4916,6 +4918,487 @@
   <p:cSld>
     <p:spTree>
       <p:nvGrpSpPr>
+        <p:cNvPr id="1" name=""/>
+        <p:cNvGrpSpPr/>
+        <p:nvPr/>
+      </p:nvGrpSpPr>
+      <p:grpSpPr>
+        <a:xfrm>
+          <a:off x="0" y="0"/>
+          <a:ext cx="0" cy="0"/>
+          <a:chOff x="0" y="0"/>
+          <a:chExt cx="0" cy="0"/>
+        </a:xfrm>
+      </p:grpSpPr>
+      <p:sp>
+        <p:nvSpPr>
+          <p:cNvPr id="2" name="Título 1">
+            <a:extLst>
+              <a:ext uri="{FF2B5EF4-FFF2-40B4-BE49-F238E27FC236}">
+                <a16:creationId xmlns:a16="http://schemas.microsoft.com/office/drawing/2014/main" id="{F70C7E2D-5398-4F5E-7000-BA72FF1C6228}"/>
+              </a:ext>
+            </a:extLst>
+          </p:cNvPr>
+          <p:cNvSpPr>
+            <a:spLocks noGrp="1"/>
+          </p:cNvSpPr>
+          <p:nvPr>
+            <p:ph type="title"/>
+          </p:nvPr>
+        </p:nvSpPr>
+        <p:spPr/>
+        <p:txBody>
+          <a:bodyPr/>
+          <a:lstStyle/>
+          <a:p>
+            <a:r>
+              <a:rPr lang="pt-BR" dirty="0"/>
+              <a:t>Temas dos seminários</a:t>
+            </a:r>
+          </a:p>
+        </p:txBody>
+      </p:sp>
+      <p:sp>
+        <p:nvSpPr>
+          <p:cNvPr id="3" name="Espaço Reservado para Conteúdo 2">
+            <a:extLst>
+              <a:ext uri="{FF2B5EF4-FFF2-40B4-BE49-F238E27FC236}">
+                <a16:creationId xmlns:a16="http://schemas.microsoft.com/office/drawing/2014/main" id="{BA790209-FBBD-71F4-6F9F-502DB6462A33}"/>
+              </a:ext>
+            </a:extLst>
+          </p:cNvPr>
+          <p:cNvSpPr>
+            <a:spLocks noGrp="1"/>
+          </p:cNvSpPr>
+          <p:nvPr>
+            <p:ph idx="1"/>
+          </p:nvPr>
+        </p:nvSpPr>
+        <p:spPr/>
+        <p:txBody>
+          <a:bodyPr/>
+          <a:lstStyle/>
+          <a:p>
+            <a:r>
+              <a:rPr lang="pt-BR" dirty="0"/>
+              <a:t>Computer Vision: </a:t>
+            </a:r>
+            <a:r>
+              <a:rPr lang="pt-BR" dirty="0" err="1"/>
+              <a:t>Image</a:t>
+            </a:r>
+            <a:r>
+              <a:rPr lang="pt-BR" dirty="0"/>
+              <a:t> </a:t>
+            </a:r>
+            <a:r>
+              <a:rPr lang="pt-BR" dirty="0" err="1"/>
+              <a:t>Enhancement</a:t>
+            </a:r>
+            <a:endParaRPr lang="pt-BR" dirty="0"/>
+          </a:p>
+          <a:p>
+            <a:pPr lvl="1">
+              <a:buFont typeface="Wingdings" panose="05000000000000000000" pitchFamily="2" charset="2"/>
+              <a:buChar char="§"/>
+            </a:pPr>
+            <a:r>
+              <a:rPr lang="pt-BR" dirty="0" err="1"/>
+              <a:t>MIRNet</a:t>
+            </a:r>
+            <a:endParaRPr lang="pt-BR" dirty="0"/>
+          </a:p>
+          <a:p>
+            <a:pPr lvl="2">
+              <a:buFont typeface="Wingdings" panose="05000000000000000000" pitchFamily="2" charset="2"/>
+              <a:buChar char="ü"/>
+            </a:pPr>
+            <a:r>
+              <a:rPr lang="pt-BR" dirty="0">
+                <a:hlinkClick r:id="rId2"/>
+              </a:rPr>
+              <a:t>https://arxiv.org/abs/2003.06792</a:t>
+            </a:r>
+          </a:p>
+          <a:p>
+            <a:pPr lvl="2">
+              <a:buFont typeface="Wingdings" panose="05000000000000000000" pitchFamily="2" charset="2"/>
+              <a:buChar char="ü"/>
+            </a:pPr>
+            <a:r>
+              <a:rPr lang="pt-BR" dirty="0">
+                <a:hlinkClick r:id="rId3"/>
+              </a:rPr>
+              <a:t>https://keras.io/examples/vision/mirnet/</a:t>
+            </a:r>
+            <a:endParaRPr lang="pt-BR" dirty="0"/>
+          </a:p>
+          <a:p>
+            <a:pPr lvl="1">
+              <a:buFont typeface="Wingdings" panose="05000000000000000000" pitchFamily="2" charset="2"/>
+              <a:buChar char="§"/>
+            </a:pPr>
+            <a:r>
+              <a:rPr lang="en-US" dirty="0"/>
+              <a:t>Enhanced Deep Residual Networks for Single Image Super-Resolution (EDSR)</a:t>
+            </a:r>
+          </a:p>
+          <a:p>
+            <a:pPr lvl="2">
+              <a:buFont typeface="Wingdings" panose="05000000000000000000" pitchFamily="2" charset="2"/>
+              <a:buChar char="ü"/>
+            </a:pPr>
+            <a:r>
+              <a:rPr lang="pt-BR" dirty="0">
+                <a:hlinkClick r:id="rId4"/>
+              </a:rPr>
+              <a:t>https://arxiv.org/abs/1707.02921</a:t>
+            </a:r>
+            <a:endParaRPr lang="pt-BR" dirty="0"/>
+          </a:p>
+          <a:p>
+            <a:pPr lvl="2">
+              <a:buFont typeface="Wingdings" panose="05000000000000000000" pitchFamily="2" charset="2"/>
+              <a:buChar char="ü"/>
+            </a:pPr>
+            <a:r>
+              <a:rPr lang="pt-BR" dirty="0">
+                <a:hlinkClick r:id="rId5"/>
+              </a:rPr>
+              <a:t>https://keras.io/examples/vision/edsr/</a:t>
+            </a:r>
+            <a:endParaRPr lang="pt-BR" dirty="0"/>
+          </a:p>
+          <a:p>
+            <a:pPr marL="914400" lvl="2" indent="0">
+              <a:buNone/>
+            </a:pPr>
+            <a:endParaRPr lang="pt-BR" dirty="0"/>
+          </a:p>
+          <a:p>
+            <a:pPr marL="914400" lvl="2" indent="0">
+              <a:buNone/>
+            </a:pPr>
+            <a:endParaRPr lang="pt-BR" dirty="0"/>
+          </a:p>
+          <a:p>
+            <a:pPr lvl="1"/>
+            <a:endParaRPr lang="pt-BR" dirty="0"/>
+          </a:p>
+          <a:p>
+            <a:endParaRPr lang="pt-BR" dirty="0"/>
+          </a:p>
+        </p:txBody>
+      </p:sp>
+    </p:spTree>
+    <p:extLst>
+      <p:ext uri="{BB962C8B-B14F-4D97-AF65-F5344CB8AC3E}">
+        <p14:creationId xmlns:p14="http://schemas.microsoft.com/office/powerpoint/2010/main" val="4111675567"/>
+      </p:ext>
+    </p:extLst>
+  </p:cSld>
+  <p:clrMapOvr>
+    <a:masterClrMapping/>
+  </p:clrMapOvr>
+</p:sld>
+</file>
+
+<file path=ppt/slides/slide13.xml><?xml version="1.0" encoding="utf-8"?>
+<p:sld xmlns:a="http://schemas.openxmlformats.org/drawingml/2006/main" xmlns:r="http://schemas.openxmlformats.org/officeDocument/2006/relationships" xmlns:p="http://schemas.openxmlformats.org/presentationml/2006/main">
+  <p:cSld>
+    <p:spTree>
+      <p:nvGrpSpPr>
+        <p:cNvPr id="1" name="">
+          <a:extLst>
+            <a:ext uri="{FF2B5EF4-FFF2-40B4-BE49-F238E27FC236}">
+              <a16:creationId xmlns:a16="http://schemas.microsoft.com/office/drawing/2014/main" id="{F2050D32-3E32-0E68-EE2F-10DEBF5F9E34}"/>
+            </a:ext>
+          </a:extLst>
+        </p:cNvPr>
+        <p:cNvGrpSpPr/>
+        <p:nvPr/>
+      </p:nvGrpSpPr>
+      <p:grpSpPr>
+        <a:xfrm>
+          <a:off x="0" y="0"/>
+          <a:ext cx="0" cy="0"/>
+          <a:chOff x="0" y="0"/>
+          <a:chExt cx="0" cy="0"/>
+        </a:xfrm>
+      </p:grpSpPr>
+      <p:sp>
+        <p:nvSpPr>
+          <p:cNvPr id="2" name="Título 1">
+            <a:extLst>
+              <a:ext uri="{FF2B5EF4-FFF2-40B4-BE49-F238E27FC236}">
+                <a16:creationId xmlns:a16="http://schemas.microsoft.com/office/drawing/2014/main" id="{06C9BF47-FE25-64EB-E7D8-257F36BF0637}"/>
+              </a:ext>
+            </a:extLst>
+          </p:cNvPr>
+          <p:cNvSpPr>
+            <a:spLocks noGrp="1"/>
+          </p:cNvSpPr>
+          <p:nvPr>
+            <p:ph type="title"/>
+          </p:nvPr>
+        </p:nvSpPr>
+        <p:spPr/>
+        <p:txBody>
+          <a:bodyPr/>
+          <a:lstStyle/>
+          <a:p>
+            <a:r>
+              <a:rPr lang="pt-BR" dirty="0"/>
+              <a:t>Temas dos seminários</a:t>
+            </a:r>
+          </a:p>
+        </p:txBody>
+      </p:sp>
+      <p:sp>
+        <p:nvSpPr>
+          <p:cNvPr id="3" name="Espaço Reservado para Conteúdo 2">
+            <a:extLst>
+              <a:ext uri="{FF2B5EF4-FFF2-40B4-BE49-F238E27FC236}">
+                <a16:creationId xmlns:a16="http://schemas.microsoft.com/office/drawing/2014/main" id="{85CD2A47-67FC-5F78-FB47-48CDDDA1C93F}"/>
+              </a:ext>
+            </a:extLst>
+          </p:cNvPr>
+          <p:cNvSpPr>
+            <a:spLocks noGrp="1"/>
+          </p:cNvSpPr>
+          <p:nvPr>
+            <p:ph idx="1"/>
+          </p:nvPr>
+        </p:nvSpPr>
+        <p:spPr>
+          <a:xfrm>
+            <a:off x="838199" y="1825624"/>
+            <a:ext cx="11005457" cy="5032375"/>
+          </a:xfrm>
+        </p:spPr>
+        <p:txBody>
+          <a:bodyPr>
+            <a:normAutofit/>
+          </a:bodyPr>
+          <a:lstStyle/>
+          <a:p>
+            <a:r>
+              <a:rPr lang="pt-BR" dirty="0" err="1"/>
+              <a:t>Reinforcement</a:t>
+            </a:r>
+            <a:r>
+              <a:rPr lang="pt-BR" dirty="0"/>
+              <a:t> Learning</a:t>
+            </a:r>
+          </a:p>
+          <a:p>
+            <a:pPr lvl="1">
+              <a:buFont typeface="Wingdings" panose="05000000000000000000" pitchFamily="2" charset="2"/>
+              <a:buChar char="§"/>
+            </a:pPr>
+            <a:r>
+              <a:rPr lang="pt-BR" dirty="0" err="1"/>
+              <a:t>Deep</a:t>
+            </a:r>
+            <a:r>
+              <a:rPr lang="pt-BR" dirty="0"/>
+              <a:t> </a:t>
+            </a:r>
+            <a:r>
+              <a:rPr lang="pt-BR" dirty="0" err="1"/>
+              <a:t>Q-Learning</a:t>
+            </a:r>
+            <a:endParaRPr lang="pt-BR" dirty="0"/>
+          </a:p>
+          <a:p>
+            <a:pPr lvl="2">
+              <a:buFont typeface="Wingdings" panose="05000000000000000000" pitchFamily="2" charset="2"/>
+              <a:buChar char="ü"/>
+            </a:pPr>
+            <a:r>
+              <a:rPr lang="pt-BR" dirty="0">
+                <a:hlinkClick r:id="rId2"/>
+              </a:rPr>
+              <a:t>https://storage.googleapis.com/deepmind-media/dqn/DQNNaturePaper.pdf</a:t>
+            </a:r>
+            <a:endParaRPr lang="pt-BR" dirty="0"/>
+          </a:p>
+          <a:p>
+            <a:pPr lvl="2">
+              <a:buFont typeface="Wingdings" panose="05000000000000000000" pitchFamily="2" charset="2"/>
+              <a:buChar char="ü"/>
+            </a:pPr>
+            <a:r>
+              <a:rPr lang="pt-BR" dirty="0">
+                <a:hlinkClick r:id="rId3"/>
+              </a:rPr>
+              <a:t>https://keras.io/examples/rl/deep_q_network_breakout/</a:t>
+            </a:r>
+            <a:endParaRPr lang="pt-BR" dirty="0"/>
+          </a:p>
+          <a:p>
+            <a:pPr lvl="2">
+              <a:buFont typeface="Wingdings" panose="05000000000000000000" pitchFamily="2" charset="2"/>
+              <a:buChar char="ü"/>
+            </a:pPr>
+            <a:r>
+              <a:rPr lang="pt-BR" dirty="0">
+                <a:hlinkClick r:id="rId4"/>
+              </a:rPr>
+              <a:t>https://www.tensorflow.org/agents/tutorials/0_intro_rl?hl=pt-br</a:t>
+            </a:r>
+            <a:endParaRPr lang="pt-BR" dirty="0"/>
+          </a:p>
+          <a:p>
+            <a:pPr lvl="1">
+              <a:buFont typeface="Wingdings" panose="05000000000000000000" pitchFamily="2" charset="2"/>
+              <a:buChar char="§"/>
+            </a:pPr>
+            <a:r>
+              <a:rPr lang="en-US" dirty="0"/>
+              <a:t>Deep Deterministic Policy Gradient (DDPG)</a:t>
+            </a:r>
+          </a:p>
+          <a:p>
+            <a:pPr lvl="2">
+              <a:buFont typeface="Wingdings" panose="05000000000000000000" pitchFamily="2" charset="2"/>
+              <a:buChar char="ü"/>
+            </a:pPr>
+            <a:r>
+              <a:rPr lang="en-US" sz="2400" dirty="0">
+                <a:hlinkClick r:id="rId5"/>
+              </a:rPr>
+              <a:t>https://arxiv.org/pdf/1509.02971.pdf</a:t>
+            </a:r>
+            <a:endParaRPr lang="en-US" sz="2400" dirty="0"/>
+          </a:p>
+          <a:p>
+            <a:pPr lvl="2">
+              <a:buFont typeface="Wingdings" panose="05000000000000000000" pitchFamily="2" charset="2"/>
+              <a:buChar char="ü"/>
+            </a:pPr>
+            <a:r>
+              <a:rPr lang="en-US" sz="2400" dirty="0">
+                <a:hlinkClick r:id="rId6"/>
+              </a:rPr>
+              <a:t>https://keras.io/examples/rl/ddpg_pendulum/</a:t>
+            </a:r>
+            <a:endParaRPr lang="en-US" sz="2400" dirty="0"/>
+          </a:p>
+          <a:p>
+            <a:pPr lvl="1">
+              <a:buFont typeface="Wingdings" panose="05000000000000000000" pitchFamily="2" charset="2"/>
+              <a:buChar char="§"/>
+            </a:pPr>
+            <a:r>
+              <a:rPr lang="pt-BR" dirty="0" err="1"/>
+              <a:t>Actor</a:t>
+            </a:r>
+            <a:r>
+              <a:rPr lang="pt-BR" dirty="0"/>
+              <a:t> </a:t>
+            </a:r>
+            <a:r>
+              <a:rPr lang="pt-BR" dirty="0" err="1"/>
+              <a:t>Critic</a:t>
+            </a:r>
+            <a:r>
+              <a:rPr lang="pt-BR" dirty="0"/>
+              <a:t> </a:t>
+            </a:r>
+            <a:r>
+              <a:rPr lang="pt-BR" dirty="0" err="1"/>
+              <a:t>Method</a:t>
+            </a:r>
+            <a:endParaRPr lang="pt-BR" dirty="0"/>
+          </a:p>
+          <a:p>
+            <a:pPr lvl="2">
+              <a:buFont typeface="Wingdings" panose="05000000000000000000" pitchFamily="2" charset="2"/>
+              <a:buChar char="ü"/>
+            </a:pPr>
+            <a:r>
+              <a:rPr lang="pt-BR" sz="2400" dirty="0">
+                <a:hlinkClick r:id="rId7"/>
+              </a:rPr>
+              <a:t>https://inria.hal.science/hal-00840470/document</a:t>
+            </a:r>
+            <a:endParaRPr lang="pt-BR" sz="2400" dirty="0"/>
+          </a:p>
+          <a:p>
+            <a:pPr lvl="2">
+              <a:buFont typeface="Wingdings" panose="05000000000000000000" pitchFamily="2" charset="2"/>
+              <a:buChar char="ü"/>
+            </a:pPr>
+            <a:r>
+              <a:rPr lang="pt-BR" sz="2400" dirty="0">
+                <a:hlinkClick r:id="rId8"/>
+              </a:rPr>
+              <a:t>https://keras.io/examples/rl/actor_critic_cartpole/</a:t>
+            </a:r>
+            <a:endParaRPr lang="pt-BR" sz="2400" dirty="0"/>
+          </a:p>
+          <a:p>
+            <a:pPr marL="914400" lvl="2" indent="0">
+              <a:buNone/>
+            </a:pPr>
+            <a:endParaRPr lang="pt-BR" sz="2400" dirty="0"/>
+          </a:p>
+          <a:p>
+            <a:pPr marL="0" indent="0">
+              <a:buNone/>
+            </a:pPr>
+            <a:endParaRPr lang="en-US" sz="2400" dirty="0"/>
+          </a:p>
+          <a:p>
+            <a:pPr marL="914400" lvl="2" indent="0">
+              <a:buNone/>
+            </a:pPr>
+            <a:endParaRPr lang="en-US" sz="2400" dirty="0"/>
+          </a:p>
+          <a:p>
+            <a:pPr lvl="2">
+              <a:buFont typeface="Wingdings" panose="05000000000000000000" pitchFamily="2" charset="2"/>
+              <a:buChar char="ü"/>
+            </a:pPr>
+            <a:endParaRPr lang="pt-BR" dirty="0"/>
+          </a:p>
+          <a:p>
+            <a:pPr marL="914400" lvl="2" indent="0">
+              <a:buNone/>
+            </a:pPr>
+            <a:endParaRPr lang="pt-BR" dirty="0"/>
+          </a:p>
+          <a:p>
+            <a:pPr marL="914400" lvl="2" indent="0">
+              <a:buNone/>
+            </a:pPr>
+            <a:endParaRPr lang="pt-BR" dirty="0"/>
+          </a:p>
+          <a:p>
+            <a:pPr lvl="1"/>
+            <a:endParaRPr lang="pt-BR" dirty="0"/>
+          </a:p>
+        </p:txBody>
+      </p:sp>
+    </p:spTree>
+    <p:extLst>
+      <p:ext uri="{BB962C8B-B14F-4D97-AF65-F5344CB8AC3E}">
+        <p14:creationId xmlns:p14="http://schemas.microsoft.com/office/powerpoint/2010/main" val="204600414"/>
+      </p:ext>
+    </p:extLst>
+  </p:cSld>
+  <p:clrMapOvr>
+    <a:masterClrMapping/>
+  </p:clrMapOvr>
+</p:sld>
+</file>
+
+<file path=ppt/slides/slide14.xml><?xml version="1.0" encoding="utf-8"?>
+<p:sld xmlns:a="http://schemas.openxmlformats.org/drawingml/2006/main" xmlns:r="http://schemas.openxmlformats.org/officeDocument/2006/relationships" xmlns:p="http://schemas.openxmlformats.org/presentationml/2006/main">
+  <p:cSld>
+    <p:spTree>
+      <p:nvGrpSpPr>
         <p:cNvPr id="1" name="">
           <a:extLst>
             <a:ext uri="{FF2B5EF4-FFF2-40B4-BE49-F238E27FC236}">
@@ -4978,7 +5461,12 @@
             <p:ph idx="1"/>
           </p:nvPr>
         </p:nvSpPr>
-        <p:spPr/>
+        <p:spPr>
+          <a:xfrm>
+            <a:off x="838200" y="1825625"/>
+            <a:ext cx="10907486" cy="4351338"/>
+          </a:xfrm>
+        </p:spPr>
         <p:txBody>
           <a:bodyPr>
             <a:normAutofit/>
@@ -5081,6 +5569,94 @@
             <a:endParaRPr lang="pt-BR" dirty="0"/>
           </a:p>
           <a:p>
+            <a:r>
+              <a:rPr lang="pt-BR" dirty="0"/>
+              <a:t>Natural </a:t>
+            </a:r>
+            <a:r>
+              <a:rPr lang="pt-BR" dirty="0" err="1"/>
+              <a:t>Language</a:t>
+            </a:r>
+            <a:r>
+              <a:rPr lang="pt-BR" dirty="0"/>
+              <a:t> </a:t>
+            </a:r>
+            <a:r>
+              <a:rPr lang="pt-BR" dirty="0" err="1"/>
+              <a:t>Processing</a:t>
+            </a:r>
+            <a:r>
+              <a:rPr lang="pt-BR" dirty="0"/>
+              <a:t>: </a:t>
+            </a:r>
+            <a:r>
+              <a:rPr lang="pt-BR" dirty="0" err="1"/>
+              <a:t>Automatic</a:t>
+            </a:r>
+            <a:r>
+              <a:rPr lang="pt-BR" dirty="0"/>
+              <a:t> Speech </a:t>
+            </a:r>
+            <a:r>
+              <a:rPr lang="pt-BR" dirty="0" err="1"/>
+              <a:t>Recognition</a:t>
+            </a:r>
+            <a:r>
+              <a:rPr lang="pt-BR" dirty="0"/>
+              <a:t> (ASR)</a:t>
+            </a:r>
+          </a:p>
+          <a:p>
+            <a:pPr lvl="1">
+              <a:buFont typeface="Wingdings" panose="05000000000000000000" pitchFamily="2" charset="2"/>
+              <a:buChar char="§"/>
+            </a:pPr>
+            <a:r>
+              <a:rPr lang="en-US" dirty="0"/>
+              <a:t>Automatic Speech Recognition with Transformer</a:t>
+            </a:r>
+            <a:endParaRPr lang="pt-BR" dirty="0"/>
+          </a:p>
+          <a:p>
+            <a:pPr lvl="2">
+              <a:buFont typeface="Wingdings" panose="05000000000000000000" pitchFamily="2" charset="2"/>
+              <a:buChar char="ü"/>
+            </a:pPr>
+            <a:r>
+              <a:rPr lang="pt-BR" dirty="0">
+                <a:hlinkClick r:id="rId4"/>
+              </a:rPr>
+              <a:t>https://papers.nips.cc/paper/2017/file/3f5ee243547dee91fbd053c1c4a845aa-Paper.pdf</a:t>
+            </a:r>
+            <a:endParaRPr lang="pt-BR" dirty="0"/>
+          </a:p>
+          <a:p>
+            <a:pPr lvl="2">
+              <a:buFont typeface="Wingdings" panose="05000000000000000000" pitchFamily="2" charset="2"/>
+              <a:buChar char="ü"/>
+            </a:pPr>
+            <a:r>
+              <a:rPr lang="pt-BR" dirty="0">
+                <a:hlinkClick r:id="rId5"/>
+              </a:rPr>
+              <a:t>https://keras.io/examples/audio/transformer_asr/</a:t>
+            </a:r>
+            <a:endParaRPr lang="pt-BR" dirty="0"/>
+          </a:p>
+          <a:p>
+            <a:pPr marL="0" indent="0">
+              <a:buNone/>
+            </a:pPr>
+            <a:endParaRPr lang="pt-BR" dirty="0"/>
+          </a:p>
+          <a:p>
+            <a:pPr>
+              <a:buFont typeface="Wingdings" panose="05000000000000000000" pitchFamily="2" charset="2"/>
+              <a:buChar char="ü"/>
+            </a:pPr>
+            <a:endParaRPr lang="pt-BR" dirty="0"/>
+          </a:p>
+          <a:p>
             <a:pPr lvl="2">
               <a:buFont typeface="Wingdings" panose="05000000000000000000" pitchFamily="2" charset="2"/>
               <a:buChar char="ü"/>
@@ -5109,1005 +5685,6 @@
     <p:extLst>
       <p:ext uri="{BB962C8B-B14F-4D97-AF65-F5344CB8AC3E}">
         <p14:creationId xmlns:p14="http://schemas.microsoft.com/office/powerpoint/2010/main" val="801807437"/>
-      </p:ext>
-    </p:extLst>
-  </p:cSld>
-  <p:clrMapOvr>
-    <a:masterClrMapping/>
-  </p:clrMapOvr>
-</p:sld>
-</file>
-
-<file path=ppt/slides/slide13.xml><?xml version="1.0" encoding="utf-8"?>
-<p:sld xmlns:a="http://schemas.openxmlformats.org/drawingml/2006/main" xmlns:r="http://schemas.openxmlformats.org/officeDocument/2006/relationships" xmlns:p="http://schemas.openxmlformats.org/presentationml/2006/main">
-  <p:cSld>
-    <p:spTree>
-      <p:nvGrpSpPr>
-        <p:cNvPr id="1" name=""/>
-        <p:cNvGrpSpPr/>
-        <p:nvPr/>
-      </p:nvGrpSpPr>
-      <p:grpSpPr>
-        <a:xfrm>
-          <a:off x="0" y="0"/>
-          <a:ext cx="0" cy="0"/>
-          <a:chOff x="0" y="0"/>
-          <a:chExt cx="0" cy="0"/>
-        </a:xfrm>
-      </p:grpSpPr>
-      <p:sp>
-        <p:nvSpPr>
-          <p:cNvPr id="2" name="Título 1">
-            <a:extLst>
-              <a:ext uri="{FF2B5EF4-FFF2-40B4-BE49-F238E27FC236}">
-                <a16:creationId xmlns:a16="http://schemas.microsoft.com/office/drawing/2014/main" id="{A2A4684C-1159-4F88-A2B1-6BABEDE38C4D}"/>
-              </a:ext>
-            </a:extLst>
-          </p:cNvPr>
-          <p:cNvSpPr>
-            <a:spLocks noGrp="1"/>
-          </p:cNvSpPr>
-          <p:nvPr>
-            <p:ph type="title"/>
-          </p:nvPr>
-        </p:nvSpPr>
-        <p:spPr/>
-        <p:txBody>
-          <a:bodyPr/>
-          <a:lstStyle/>
-          <a:p>
-            <a:r>
-              <a:rPr lang="pt-BR" dirty="0"/>
-              <a:t>Referências</a:t>
-            </a:r>
-          </a:p>
-        </p:txBody>
-      </p:sp>
-      <p:sp>
-        <p:nvSpPr>
-          <p:cNvPr id="3" name="Espaço Reservado para Conteúdo 2">
-            <a:extLst>
-              <a:ext uri="{FF2B5EF4-FFF2-40B4-BE49-F238E27FC236}">
-                <a16:creationId xmlns:a16="http://schemas.microsoft.com/office/drawing/2014/main" id="{EC432B31-D382-41FF-BB6B-2ABDD322424B}"/>
-              </a:ext>
-            </a:extLst>
-          </p:cNvPr>
-          <p:cNvSpPr>
-            <a:spLocks noGrp="1"/>
-          </p:cNvSpPr>
-          <p:nvPr>
-            <p:ph idx="1"/>
-          </p:nvPr>
-        </p:nvSpPr>
-        <p:spPr>
-          <a:xfrm>
-            <a:off x="838199" y="1648915"/>
-            <a:ext cx="11157155" cy="5209085"/>
-          </a:xfrm>
-        </p:spPr>
-        <p:txBody>
-          <a:bodyPr>
-            <a:noAutofit/>
-          </a:bodyPr>
-          <a:lstStyle/>
-          <a:p>
-            <a:pPr marL="0" indent="0">
-              <a:spcBef>
-                <a:spcPts val="0"/>
-              </a:spcBef>
-              <a:buNone/>
-            </a:pPr>
-            <a:r>
-              <a:rPr lang="pt-BR" sz="2400" b="0" i="0" u="none" strike="noStrike" dirty="0">
-                <a:solidFill>
-                  <a:srgbClr val="000000"/>
-                </a:solidFill>
-                <a:effectLst/>
-              </a:rPr>
-              <a:t>[1] </a:t>
-            </a:r>
-            <a:r>
-              <a:rPr lang="pt-BR" sz="2400" dirty="0">
-                <a:solidFill>
-                  <a:srgbClr val="000000"/>
-                </a:solidFill>
-              </a:rPr>
-              <a:t>“Tensorflow </a:t>
-            </a:r>
-            <a:r>
-              <a:rPr lang="pt-BR" sz="2400" dirty="0" err="1">
-                <a:solidFill>
-                  <a:srgbClr val="000000"/>
-                </a:solidFill>
-              </a:rPr>
-              <a:t>c</a:t>
-            </a:r>
-            <a:r>
-              <a:rPr lang="pt-BR" sz="2400" b="0" i="0" u="none" strike="noStrike" dirty="0" err="1">
-                <a:solidFill>
-                  <a:srgbClr val="000000"/>
-                </a:solidFill>
-                <a:effectLst/>
-              </a:rPr>
-              <a:t>ode</a:t>
-            </a:r>
-            <a:r>
-              <a:rPr lang="pt-BR" sz="2400" b="0" i="0" u="none" strike="noStrike" dirty="0">
-                <a:solidFill>
-                  <a:srgbClr val="000000"/>
-                </a:solidFill>
-                <a:effectLst/>
-              </a:rPr>
-              <a:t> </a:t>
-            </a:r>
-            <a:r>
-              <a:rPr lang="pt-BR" sz="2400" b="0" i="0" u="none" strike="noStrike" dirty="0" err="1">
-                <a:solidFill>
-                  <a:srgbClr val="000000"/>
-                </a:solidFill>
-                <a:effectLst/>
-              </a:rPr>
-              <a:t>examples</a:t>
-            </a:r>
-            <a:r>
-              <a:rPr lang="pt-BR" sz="2400" b="0" i="0" u="none" strike="noStrike" dirty="0">
-                <a:solidFill>
-                  <a:srgbClr val="000000"/>
-                </a:solidFill>
-                <a:effectLst/>
-              </a:rPr>
-              <a:t>”, </a:t>
-            </a:r>
-            <a:r>
-              <a:rPr lang="pt-BR" sz="2400" b="0" i="0" u="none" strike="noStrike" dirty="0">
-                <a:solidFill>
-                  <a:srgbClr val="000000"/>
-                </a:solidFill>
-                <a:effectLst/>
-                <a:hlinkClick r:id="rId3"/>
-              </a:rPr>
-              <a:t>https://keras.io/examples/</a:t>
-            </a:r>
-            <a:endParaRPr lang="pt-BR" sz="2400" b="0" i="0" u="none" strike="noStrike" dirty="0">
-              <a:solidFill>
-                <a:srgbClr val="000000"/>
-              </a:solidFill>
-              <a:effectLst/>
-            </a:endParaRPr>
-          </a:p>
-          <a:p>
-            <a:pPr marL="0" indent="0">
-              <a:spcBef>
-                <a:spcPts val="0"/>
-              </a:spcBef>
-              <a:buNone/>
-            </a:pPr>
-            <a:r>
-              <a:rPr lang="pt-BR" sz="2400" dirty="0">
-                <a:solidFill>
-                  <a:srgbClr val="000000"/>
-                </a:solidFill>
-              </a:rPr>
-              <a:t>[2] “</a:t>
-            </a:r>
-            <a:r>
-              <a:rPr lang="pt-BR" sz="2400" dirty="0" err="1">
-                <a:solidFill>
-                  <a:srgbClr val="000000"/>
-                </a:solidFill>
-              </a:rPr>
-              <a:t>Pytorch</a:t>
-            </a:r>
-            <a:r>
-              <a:rPr lang="pt-BR" sz="2400" dirty="0">
-                <a:solidFill>
-                  <a:srgbClr val="000000"/>
-                </a:solidFill>
-              </a:rPr>
-              <a:t> </a:t>
-            </a:r>
-            <a:r>
-              <a:rPr lang="pt-BR" sz="2400" dirty="0" err="1">
-                <a:solidFill>
-                  <a:srgbClr val="000000"/>
-                </a:solidFill>
-              </a:rPr>
-              <a:t>code</a:t>
-            </a:r>
-            <a:r>
-              <a:rPr lang="pt-BR" sz="2400" dirty="0">
-                <a:solidFill>
-                  <a:srgbClr val="000000"/>
-                </a:solidFill>
-              </a:rPr>
-              <a:t> </a:t>
-            </a:r>
-            <a:r>
-              <a:rPr lang="pt-BR" sz="2400" dirty="0" err="1">
-                <a:solidFill>
-                  <a:srgbClr val="000000"/>
-                </a:solidFill>
-              </a:rPr>
-              <a:t>examples</a:t>
-            </a:r>
-            <a:r>
-              <a:rPr lang="pt-BR" sz="2400" dirty="0">
-                <a:solidFill>
-                  <a:srgbClr val="000000"/>
-                </a:solidFill>
-              </a:rPr>
-              <a:t>”, </a:t>
-            </a:r>
-            <a:r>
-              <a:rPr lang="pt-BR" sz="2400" dirty="0">
-                <a:solidFill>
-                  <a:srgbClr val="000000"/>
-                </a:solidFill>
-                <a:hlinkClick r:id="rId4"/>
-              </a:rPr>
-              <a:t>https://pytorch.org/examples/</a:t>
-            </a:r>
-            <a:endParaRPr lang="pt-BR" sz="2400" b="0" i="0" u="none" strike="noStrike" dirty="0">
-              <a:solidFill>
-                <a:srgbClr val="000000"/>
-              </a:solidFill>
-              <a:effectLst/>
-            </a:endParaRPr>
-          </a:p>
-          <a:p>
-            <a:pPr marL="0" indent="0">
-              <a:spcBef>
-                <a:spcPts val="0"/>
-              </a:spcBef>
-              <a:buNone/>
-            </a:pPr>
-            <a:r>
-              <a:rPr lang="pt-BR" sz="2400" dirty="0">
-                <a:solidFill>
-                  <a:srgbClr val="000000"/>
-                </a:solidFill>
-              </a:rPr>
-              <a:t>[3] Sebastian </a:t>
-            </a:r>
-            <a:r>
-              <a:rPr lang="pt-BR" sz="2400" dirty="0" err="1">
-                <a:solidFill>
-                  <a:srgbClr val="000000"/>
-                </a:solidFill>
-              </a:rPr>
-              <a:t>Raschka</a:t>
-            </a:r>
-            <a:r>
-              <a:rPr lang="pt-BR" sz="2400" dirty="0">
-                <a:solidFill>
-                  <a:srgbClr val="000000"/>
-                </a:solidFill>
-              </a:rPr>
-              <a:t> </a:t>
-            </a:r>
-            <a:r>
-              <a:rPr lang="pt-BR" sz="2400" dirty="0" err="1">
-                <a:solidFill>
-                  <a:srgbClr val="000000"/>
-                </a:solidFill>
-              </a:rPr>
-              <a:t>and</a:t>
-            </a:r>
-            <a:r>
-              <a:rPr lang="pt-BR" sz="2400" dirty="0">
-                <a:solidFill>
-                  <a:srgbClr val="000000"/>
-                </a:solidFill>
-              </a:rPr>
-              <a:t> </a:t>
-            </a:r>
-            <a:r>
-              <a:rPr lang="pt-BR" sz="2400" dirty="0" err="1">
-                <a:solidFill>
-                  <a:srgbClr val="000000"/>
-                </a:solidFill>
-              </a:rPr>
-              <a:t>Vahid</a:t>
-            </a:r>
-            <a:r>
-              <a:rPr lang="pt-BR" sz="2400" dirty="0">
-                <a:solidFill>
-                  <a:srgbClr val="000000"/>
-                </a:solidFill>
-              </a:rPr>
-              <a:t> </a:t>
-            </a:r>
-            <a:r>
-              <a:rPr lang="pt-BR" sz="2400" dirty="0" err="1">
-                <a:solidFill>
-                  <a:srgbClr val="000000"/>
-                </a:solidFill>
-              </a:rPr>
-              <a:t>Mirjalili</a:t>
-            </a:r>
-            <a:r>
-              <a:rPr lang="pt-BR" sz="2400" dirty="0">
-                <a:solidFill>
-                  <a:srgbClr val="000000"/>
-                </a:solidFill>
-              </a:rPr>
-              <a:t>, “</a:t>
-            </a:r>
-            <a:r>
-              <a:rPr lang="en-US" sz="2400" dirty="0">
-                <a:solidFill>
-                  <a:srgbClr val="000000"/>
-                </a:solidFill>
-              </a:rPr>
-              <a:t>Python Machine Learning: Machine Learning and Deep Learning with Python, scikit-learn, and TensorFlow 2”, </a:t>
-            </a:r>
-            <a:r>
-              <a:rPr lang="pt-BR" sz="2400" dirty="0" err="1">
-                <a:solidFill>
-                  <a:srgbClr val="000000"/>
-                </a:solidFill>
-              </a:rPr>
-              <a:t>Packt</a:t>
-            </a:r>
-            <a:r>
-              <a:rPr lang="pt-BR" sz="2400" dirty="0">
-                <a:solidFill>
-                  <a:srgbClr val="000000"/>
-                </a:solidFill>
-              </a:rPr>
-              <a:t> </a:t>
-            </a:r>
-            <a:r>
-              <a:rPr lang="pt-BR" sz="2400" dirty="0" err="1">
-                <a:solidFill>
-                  <a:srgbClr val="000000"/>
-                </a:solidFill>
-              </a:rPr>
-              <a:t>Publishing</a:t>
-            </a:r>
-            <a:r>
-              <a:rPr lang="pt-BR" sz="2400" dirty="0">
-                <a:solidFill>
-                  <a:srgbClr val="000000"/>
-                </a:solidFill>
-              </a:rPr>
-              <a:t>, 2019.</a:t>
-            </a:r>
-            <a:br>
-              <a:rPr lang="en-US" sz="2400" dirty="0">
-                <a:solidFill>
-                  <a:srgbClr val="000000"/>
-                </a:solidFill>
-              </a:rPr>
-            </a:br>
-            <a:r>
-              <a:rPr lang="en-US" sz="2400" dirty="0">
-                <a:solidFill>
-                  <a:srgbClr val="000000"/>
-                </a:solidFill>
-              </a:rPr>
-              <a:t>[4] </a:t>
-            </a:r>
-            <a:r>
-              <a:rPr lang="pt-BR" sz="2400" dirty="0">
-                <a:solidFill>
-                  <a:srgbClr val="000000"/>
-                </a:solidFill>
-              </a:rPr>
-              <a:t>Ivan </a:t>
-            </a:r>
-            <a:r>
-              <a:rPr lang="pt-BR" sz="2400" dirty="0" err="1">
-                <a:solidFill>
-                  <a:srgbClr val="000000"/>
-                </a:solidFill>
-              </a:rPr>
-              <a:t>Vasilev</a:t>
-            </a:r>
-            <a:r>
-              <a:rPr lang="pt-BR" sz="2400" dirty="0">
-                <a:solidFill>
-                  <a:srgbClr val="000000"/>
-                </a:solidFill>
-              </a:rPr>
-              <a:t>, </a:t>
-            </a:r>
-            <a:r>
-              <a:rPr lang="en-US" sz="2400" dirty="0">
-                <a:solidFill>
-                  <a:srgbClr val="000000"/>
-                </a:solidFill>
-              </a:rPr>
-              <a:t>“Advanced Deep Learning with Python: Design and implement advanced next-generation AI solutions using TensorFlow and </a:t>
-            </a:r>
-            <a:r>
-              <a:rPr lang="en-US" sz="2400" dirty="0" err="1">
-                <a:solidFill>
-                  <a:srgbClr val="000000"/>
-                </a:solidFill>
-              </a:rPr>
-              <a:t>PyTorch</a:t>
-            </a:r>
-            <a:r>
-              <a:rPr lang="en-US" sz="2400" dirty="0">
-                <a:solidFill>
-                  <a:srgbClr val="000000"/>
-                </a:solidFill>
-              </a:rPr>
-              <a:t>”, </a:t>
-            </a:r>
-            <a:r>
-              <a:rPr lang="pt-BR" sz="2400" dirty="0" err="1">
-                <a:solidFill>
-                  <a:srgbClr val="000000"/>
-                </a:solidFill>
-              </a:rPr>
-              <a:t>Packt</a:t>
-            </a:r>
-            <a:r>
-              <a:rPr lang="pt-BR" sz="2400" dirty="0">
-                <a:solidFill>
-                  <a:srgbClr val="000000"/>
-                </a:solidFill>
-              </a:rPr>
-              <a:t> </a:t>
-            </a:r>
-            <a:r>
-              <a:rPr lang="pt-BR" sz="2400" dirty="0" err="1">
-                <a:solidFill>
-                  <a:srgbClr val="000000"/>
-                </a:solidFill>
-              </a:rPr>
-              <a:t>Publishing</a:t>
-            </a:r>
-            <a:r>
-              <a:rPr lang="pt-BR" sz="2400" dirty="0">
-                <a:solidFill>
-                  <a:srgbClr val="000000"/>
-                </a:solidFill>
-              </a:rPr>
-              <a:t>, 2019.</a:t>
-            </a:r>
-          </a:p>
-          <a:p>
-            <a:pPr marL="0" indent="0">
-              <a:spcBef>
-                <a:spcPts val="0"/>
-              </a:spcBef>
-              <a:buNone/>
-            </a:pPr>
-            <a:r>
-              <a:rPr lang="pt-BR" sz="2400" dirty="0">
-                <a:solidFill>
-                  <a:srgbClr val="000000"/>
-                </a:solidFill>
-              </a:rPr>
-              <a:t>[5] </a:t>
-            </a:r>
-            <a:r>
-              <a:rPr lang="pt-BR" sz="2400" dirty="0" err="1">
-                <a:solidFill>
-                  <a:srgbClr val="000000"/>
-                </a:solidFill>
-              </a:rPr>
-              <a:t>Aurélien</a:t>
-            </a:r>
-            <a:r>
-              <a:rPr lang="pt-BR" sz="2400" dirty="0">
-                <a:solidFill>
-                  <a:srgbClr val="000000"/>
-                </a:solidFill>
-              </a:rPr>
-              <a:t> </a:t>
-            </a:r>
-            <a:r>
-              <a:rPr lang="pt-BR" sz="2400" dirty="0" err="1">
-                <a:solidFill>
-                  <a:srgbClr val="000000"/>
-                </a:solidFill>
-              </a:rPr>
-              <a:t>Géron</a:t>
-            </a:r>
-            <a:r>
-              <a:rPr lang="pt-BR" sz="2400" dirty="0">
-                <a:solidFill>
-                  <a:srgbClr val="000000"/>
-                </a:solidFill>
-              </a:rPr>
-              <a:t>, "Hands-On Machine Learning </a:t>
-            </a:r>
-            <a:r>
-              <a:rPr lang="pt-BR" sz="2400" dirty="0" err="1">
-                <a:solidFill>
-                  <a:srgbClr val="000000"/>
-                </a:solidFill>
-              </a:rPr>
-              <a:t>with</a:t>
-            </a:r>
-            <a:r>
-              <a:rPr lang="pt-BR" sz="2400" dirty="0">
-                <a:solidFill>
-                  <a:srgbClr val="000000"/>
-                </a:solidFill>
-              </a:rPr>
-              <a:t> </a:t>
-            </a:r>
-            <a:r>
-              <a:rPr lang="pt-BR" sz="2400" dirty="0" err="1">
-                <a:solidFill>
-                  <a:srgbClr val="000000"/>
-                </a:solidFill>
-              </a:rPr>
-              <a:t>Scikit-Learn</a:t>
-            </a:r>
-            <a:r>
-              <a:rPr lang="pt-BR" sz="2400" dirty="0">
-                <a:solidFill>
-                  <a:srgbClr val="000000"/>
-                </a:solidFill>
-              </a:rPr>
-              <a:t> </a:t>
-            </a:r>
-            <a:r>
-              <a:rPr lang="pt-BR" sz="2400" dirty="0" err="1">
-                <a:solidFill>
-                  <a:srgbClr val="000000"/>
-                </a:solidFill>
-              </a:rPr>
-              <a:t>and</a:t>
-            </a:r>
-            <a:r>
-              <a:rPr lang="pt-BR" sz="2400" dirty="0">
-                <a:solidFill>
-                  <a:srgbClr val="000000"/>
-                </a:solidFill>
-              </a:rPr>
-              <a:t> TensorFlow: </a:t>
-            </a:r>
-            <a:r>
-              <a:rPr lang="pt-BR" sz="2400" dirty="0" err="1">
-                <a:solidFill>
-                  <a:srgbClr val="000000"/>
-                </a:solidFill>
-              </a:rPr>
-              <a:t>Concepts</a:t>
-            </a:r>
-            <a:r>
-              <a:rPr lang="pt-BR" sz="2400" dirty="0">
-                <a:solidFill>
-                  <a:srgbClr val="000000"/>
-                </a:solidFill>
-              </a:rPr>
-              <a:t>, Tools, </a:t>
-            </a:r>
-            <a:r>
-              <a:rPr lang="pt-BR" sz="2400" dirty="0" err="1">
-                <a:solidFill>
-                  <a:srgbClr val="000000"/>
-                </a:solidFill>
-              </a:rPr>
-              <a:t>and</a:t>
-            </a:r>
-            <a:r>
-              <a:rPr lang="pt-BR" sz="2400" dirty="0">
-                <a:solidFill>
-                  <a:srgbClr val="000000"/>
-                </a:solidFill>
-              </a:rPr>
-              <a:t> </a:t>
-            </a:r>
-            <a:r>
-              <a:rPr lang="pt-BR" sz="2400" dirty="0" err="1">
-                <a:solidFill>
-                  <a:srgbClr val="000000"/>
-                </a:solidFill>
-              </a:rPr>
-              <a:t>Techniques</a:t>
-            </a:r>
-            <a:r>
-              <a:rPr lang="pt-BR" sz="2400" dirty="0">
-                <a:solidFill>
-                  <a:srgbClr val="000000"/>
-                </a:solidFill>
-              </a:rPr>
-              <a:t> </a:t>
-            </a:r>
-            <a:r>
-              <a:rPr lang="pt-BR" sz="2400" dirty="0" err="1">
-                <a:solidFill>
-                  <a:srgbClr val="000000"/>
-                </a:solidFill>
-              </a:rPr>
-              <a:t>to</a:t>
-            </a:r>
-            <a:r>
-              <a:rPr lang="pt-BR" sz="2400" dirty="0">
-                <a:solidFill>
-                  <a:srgbClr val="000000"/>
-                </a:solidFill>
-              </a:rPr>
-              <a:t> Build </a:t>
-            </a:r>
-            <a:r>
-              <a:rPr lang="pt-BR" sz="2400" dirty="0" err="1">
-                <a:solidFill>
-                  <a:srgbClr val="000000"/>
-                </a:solidFill>
-              </a:rPr>
-              <a:t>Intelligent</a:t>
-            </a:r>
-            <a:r>
-              <a:rPr lang="pt-BR" sz="2400" dirty="0">
-                <a:solidFill>
-                  <a:srgbClr val="000000"/>
-                </a:solidFill>
-              </a:rPr>
-              <a:t> Systems", 3rd ed., O'Reilly Media, 2022.</a:t>
-            </a:r>
-          </a:p>
-          <a:p>
-            <a:pPr marL="0" indent="0">
-              <a:spcBef>
-                <a:spcPts val="0"/>
-              </a:spcBef>
-              <a:buNone/>
-            </a:pPr>
-            <a:r>
-              <a:rPr lang="en-US" sz="2400" dirty="0">
-                <a:solidFill>
-                  <a:srgbClr val="000000"/>
-                </a:solidFill>
-              </a:rPr>
-              <a:t>[6] </a:t>
-            </a:r>
-            <a:r>
-              <a:rPr lang="en-US" sz="2400" dirty="0" err="1">
-                <a:solidFill>
-                  <a:srgbClr val="000000"/>
-                </a:solidFill>
-              </a:rPr>
-              <a:t>Raschka</a:t>
-            </a:r>
-            <a:r>
-              <a:rPr lang="en-US" sz="2400" dirty="0">
-                <a:solidFill>
-                  <a:srgbClr val="000000"/>
-                </a:solidFill>
-              </a:rPr>
-              <a:t>, Sebastian, et al., “Machine Learning with </a:t>
-            </a:r>
-            <a:r>
-              <a:rPr lang="en-US" sz="2400" dirty="0" err="1">
-                <a:solidFill>
-                  <a:srgbClr val="000000"/>
-                </a:solidFill>
-              </a:rPr>
-              <a:t>PyTorch</a:t>
-            </a:r>
-            <a:r>
-              <a:rPr lang="en-US" sz="2400" dirty="0">
-                <a:solidFill>
-                  <a:srgbClr val="000000"/>
-                </a:solidFill>
-              </a:rPr>
-              <a:t> and Scikit-Learn: Develop machine learning and deep learning models with Python”, </a:t>
-            </a:r>
-            <a:r>
-              <a:rPr lang="en-US" sz="2400" dirty="0" err="1">
-                <a:solidFill>
-                  <a:srgbClr val="000000"/>
-                </a:solidFill>
-              </a:rPr>
-              <a:t>Packt</a:t>
-            </a:r>
-            <a:r>
-              <a:rPr lang="en-US" sz="2400" dirty="0">
-                <a:solidFill>
-                  <a:srgbClr val="000000"/>
-                </a:solidFill>
-              </a:rPr>
-              <a:t> Publishing Ltd, 2022.</a:t>
-            </a:r>
-            <a:endParaRPr lang="pt-BR" sz="2400" dirty="0">
-              <a:solidFill>
-                <a:srgbClr val="000000"/>
-              </a:solidFill>
-            </a:endParaRPr>
-          </a:p>
-          <a:p>
-            <a:pPr marL="0" indent="0">
-              <a:spcBef>
-                <a:spcPts val="0"/>
-              </a:spcBef>
-              <a:buNone/>
-            </a:pPr>
-            <a:r>
-              <a:rPr lang="pt-BR" sz="2400" dirty="0">
-                <a:solidFill>
-                  <a:srgbClr val="000000"/>
-                </a:solidFill>
-              </a:rPr>
-              <a:t>[7] C. M. Bishop, "</a:t>
-            </a:r>
-            <a:r>
-              <a:rPr lang="pt-BR" sz="2400" dirty="0" err="1">
-                <a:solidFill>
-                  <a:srgbClr val="000000"/>
-                </a:solidFill>
-              </a:rPr>
-              <a:t>Pattern</a:t>
-            </a:r>
-            <a:r>
-              <a:rPr lang="pt-BR" sz="2400" dirty="0">
-                <a:solidFill>
-                  <a:srgbClr val="000000"/>
-                </a:solidFill>
-              </a:rPr>
-              <a:t> </a:t>
-            </a:r>
-            <a:r>
-              <a:rPr lang="pt-BR" sz="2400" dirty="0" err="1">
-                <a:solidFill>
-                  <a:srgbClr val="000000"/>
-                </a:solidFill>
-              </a:rPr>
-              <a:t>Recognition</a:t>
-            </a:r>
-            <a:r>
-              <a:rPr lang="pt-BR" sz="2400" dirty="0">
-                <a:solidFill>
-                  <a:srgbClr val="000000"/>
-                </a:solidFill>
-              </a:rPr>
-              <a:t> </a:t>
-            </a:r>
-            <a:r>
-              <a:rPr lang="pt-BR" sz="2400" dirty="0" err="1">
-                <a:solidFill>
-                  <a:srgbClr val="000000"/>
-                </a:solidFill>
-              </a:rPr>
-              <a:t>and</a:t>
-            </a:r>
-            <a:r>
-              <a:rPr lang="pt-BR" sz="2400" dirty="0">
-                <a:solidFill>
-                  <a:srgbClr val="000000"/>
-                </a:solidFill>
-              </a:rPr>
-              <a:t> Machine Learning", Springer, 2006.</a:t>
-            </a:r>
-          </a:p>
-          <a:p>
-            <a:pPr marL="0" indent="0">
-              <a:spcBef>
-                <a:spcPts val="0"/>
-              </a:spcBef>
-              <a:buNone/>
-            </a:pPr>
-            <a:r>
-              <a:rPr lang="pt-BR" sz="2400" dirty="0">
-                <a:solidFill>
-                  <a:srgbClr val="000000"/>
-                </a:solidFill>
-              </a:rPr>
-              <a:t>[8] “Livros”, </a:t>
-            </a:r>
-            <a:r>
-              <a:rPr lang="pt-BR" sz="2400" dirty="0">
-                <a:solidFill>
-                  <a:srgbClr val="000000"/>
-                </a:solidFill>
-                <a:hlinkClick r:id="rId5"/>
-              </a:rPr>
-              <a:t>http://tinyurl.com/tp558-books</a:t>
-            </a:r>
-            <a:endParaRPr lang="pt-BR" sz="2400" dirty="0">
-              <a:solidFill>
-                <a:srgbClr val="000000"/>
-              </a:solidFill>
-            </a:endParaRPr>
-          </a:p>
-        </p:txBody>
-      </p:sp>
-    </p:spTree>
-    <p:extLst>
-      <p:ext uri="{BB962C8B-B14F-4D97-AF65-F5344CB8AC3E}">
-        <p14:creationId xmlns:p14="http://schemas.microsoft.com/office/powerpoint/2010/main" val="2247946137"/>
-      </p:ext>
-    </p:extLst>
-  </p:cSld>
-  <p:clrMapOvr>
-    <a:masterClrMapping/>
-  </p:clrMapOvr>
-</p:sld>
-</file>
-
-<file path=ppt/slides/slide14.xml><?xml version="1.0" encoding="utf-8"?>
-<p:sld xmlns:a="http://schemas.openxmlformats.org/drawingml/2006/main" xmlns:r="http://schemas.openxmlformats.org/officeDocument/2006/relationships" xmlns:p="http://schemas.openxmlformats.org/presentationml/2006/main">
-  <p:cSld>
-    <p:spTree>
-      <p:nvGrpSpPr>
-        <p:cNvPr id="1" name=""/>
-        <p:cNvGrpSpPr/>
-        <p:nvPr/>
-      </p:nvGrpSpPr>
-      <p:grpSpPr>
-        <a:xfrm>
-          <a:off x="0" y="0"/>
-          <a:ext cx="0" cy="0"/>
-          <a:chOff x="0" y="0"/>
-          <a:chExt cx="0" cy="0"/>
-        </a:xfrm>
-      </p:grpSpPr>
-      <p:sp>
-        <p:nvSpPr>
-          <p:cNvPr id="2" name="Title 1"/>
-          <p:cNvSpPr>
-            <a:spLocks noGrp="1"/>
-          </p:cNvSpPr>
-          <p:nvPr>
-            <p:ph type="title"/>
-          </p:nvPr>
-        </p:nvSpPr>
-        <p:spPr/>
-        <p:txBody>
-          <a:bodyPr/>
-          <a:lstStyle/>
-          <a:p>
-            <a:r>
-              <a:rPr lang="en-US" dirty="0" err="1"/>
-              <a:t>Avisos</a:t>
-            </a:r>
-            <a:endParaRPr lang="nl-BE" dirty="0"/>
-          </a:p>
-        </p:txBody>
-      </p:sp>
-      <p:sp>
-        <p:nvSpPr>
-          <p:cNvPr id="3" name="Content Placeholder 2"/>
-          <p:cNvSpPr>
-            <a:spLocks noGrp="1"/>
-          </p:cNvSpPr>
-          <p:nvPr>
-            <p:ph idx="1"/>
-          </p:nvPr>
-        </p:nvSpPr>
-        <p:spPr>
-          <a:xfrm>
-            <a:off x="838199" y="1825624"/>
-            <a:ext cx="11104419" cy="5032376"/>
-          </a:xfrm>
-        </p:spPr>
-        <p:txBody>
-          <a:bodyPr>
-            <a:normAutofit/>
-          </a:bodyPr>
-          <a:lstStyle/>
-          <a:p>
-            <a:r>
-              <a:rPr lang="pt-BR" dirty="0"/>
-              <a:t>Todo material do curso está disponível no GitHub:</a:t>
-            </a:r>
-          </a:p>
-          <a:p>
-            <a:pPr lvl="1">
-              <a:buFont typeface="Wingdings" panose="05000000000000000000" pitchFamily="2" charset="2"/>
-              <a:buChar char="§"/>
-            </a:pPr>
-            <a:r>
-              <a:rPr lang="pt-BR" dirty="0">
-                <a:hlinkClick r:id="rId2"/>
-              </a:rPr>
-              <a:t>https://github.com/zz4fap/tp558-adv-ml</a:t>
-            </a:r>
-            <a:endParaRPr lang="pt-BR" dirty="0"/>
-          </a:p>
-          <a:p>
-            <a:r>
-              <a:rPr lang="pt-BR" dirty="0"/>
-              <a:t>Google </a:t>
-            </a:r>
-            <a:r>
-              <a:rPr lang="pt-BR" dirty="0" err="1"/>
-              <a:t>Colab</a:t>
-            </a:r>
-            <a:endParaRPr lang="pt-BR" dirty="0"/>
-          </a:p>
-          <a:p>
-            <a:pPr lvl="1">
-              <a:buFont typeface="Wingdings" panose="05000000000000000000" pitchFamily="2" charset="2"/>
-              <a:buChar char="§"/>
-            </a:pPr>
-            <a:r>
-              <a:rPr lang="pt-BR" dirty="0">
-                <a:hlinkClick r:id="rId3"/>
-              </a:rPr>
-              <a:t>https://www.youtube.com/watch?v=inN8seMm7UI&amp;ab_channel=TensorFlow</a:t>
-            </a:r>
-          </a:p>
-          <a:p>
-            <a:pPr lvl="1">
-              <a:buFont typeface="Wingdings" panose="05000000000000000000" pitchFamily="2" charset="2"/>
-              <a:buChar char="§"/>
-            </a:pPr>
-            <a:r>
-              <a:rPr lang="pt-BR" b="0" i="0" dirty="0">
-                <a:solidFill>
-                  <a:srgbClr val="222222"/>
-                </a:solidFill>
-                <a:effectLst/>
-                <a:latin typeface="Arial" panose="020B0604020202020204" pitchFamily="34" charset="0"/>
-                <a:hlinkClick r:id="rId4"/>
-              </a:rPr>
-              <a:t>https://www.youtube.com/watch?v=inN8seMm7UI</a:t>
-            </a:r>
-            <a:endParaRPr lang="pt-BR" b="0" i="0" dirty="0">
-              <a:solidFill>
-                <a:srgbClr val="222222"/>
-              </a:solidFill>
-              <a:effectLst/>
-              <a:latin typeface="Arial" panose="020B0604020202020204" pitchFamily="34" charset="0"/>
-            </a:endParaRPr>
-          </a:p>
-          <a:p>
-            <a:r>
-              <a:rPr lang="pt-BR" dirty="0"/>
-              <a:t>Python Crash </a:t>
-            </a:r>
-            <a:r>
-              <a:rPr lang="pt-BR" dirty="0" err="1"/>
-              <a:t>Course</a:t>
-            </a:r>
-            <a:endParaRPr lang="pt-BR" dirty="0">
-              <a:hlinkClick r:id="rId3"/>
-            </a:endParaRPr>
-          </a:p>
-          <a:p>
-            <a:pPr lvl="1">
-              <a:buFont typeface="Wingdings" panose="05000000000000000000" pitchFamily="2" charset="2"/>
-              <a:buChar char="§"/>
-            </a:pPr>
-            <a:r>
-              <a:rPr lang="pt-BR" dirty="0">
-                <a:hlinkClick r:id="rId3"/>
-              </a:rPr>
-              <a:t>https://www.youtube.com/watch?v=pq4NNIYar9o&amp;list=PLRc6ZYt68prVXAhwY1JD6DFc3BJGmJriq&amp;pp=gAQBiAQB</a:t>
-            </a:r>
-            <a:endParaRPr lang="pt-BR" dirty="0"/>
-          </a:p>
-          <a:p>
-            <a:r>
-              <a:rPr lang="pt-BR" dirty="0"/>
-              <a:t>Horário de Atendimento</a:t>
-            </a:r>
-          </a:p>
-          <a:p>
-            <a:pPr lvl="1">
-              <a:buFont typeface="Wingdings" panose="05000000000000000000" pitchFamily="2" charset="2"/>
-              <a:buChar char="§"/>
-            </a:pPr>
-            <a:r>
-              <a:rPr lang="pt-BR" dirty="0"/>
-              <a:t>Todas as quartas-feiras das 17:30 às 18:30.</a:t>
-            </a:r>
-          </a:p>
-          <a:p>
-            <a:pPr lvl="1">
-              <a:buFont typeface="Wingdings" panose="05000000000000000000" pitchFamily="2" charset="2"/>
-              <a:buChar char="§"/>
-            </a:pPr>
-            <a:r>
-              <a:rPr lang="pt-BR" dirty="0"/>
-              <a:t>Presencialmente ou remotamente.</a:t>
-            </a:r>
-          </a:p>
-        </p:txBody>
-      </p:sp>
-    </p:spTree>
-    <p:extLst>
-      <p:ext uri="{BB962C8B-B14F-4D97-AF65-F5344CB8AC3E}">
-        <p14:creationId xmlns:p14="http://schemas.microsoft.com/office/powerpoint/2010/main" val="1412900488"/>
       </p:ext>
     </p:extLst>
   </p:cSld>
@@ -6136,6 +5713,1088 @@
       </p:grpSpPr>
       <p:sp>
         <p:nvSpPr>
+          <p:cNvPr id="2" name="Título 1">
+            <a:extLst>
+              <a:ext uri="{FF2B5EF4-FFF2-40B4-BE49-F238E27FC236}">
+                <a16:creationId xmlns:a16="http://schemas.microsoft.com/office/drawing/2014/main" id="{A2A4684C-1159-4F88-A2B1-6BABEDE38C4D}"/>
+              </a:ext>
+            </a:extLst>
+          </p:cNvPr>
+          <p:cNvSpPr>
+            <a:spLocks noGrp="1"/>
+          </p:cNvSpPr>
+          <p:nvPr>
+            <p:ph type="title"/>
+          </p:nvPr>
+        </p:nvSpPr>
+        <p:spPr/>
+        <p:txBody>
+          <a:bodyPr/>
+          <a:lstStyle/>
+          <a:p>
+            <a:r>
+              <a:rPr lang="pt-BR" dirty="0"/>
+              <a:t>Referências</a:t>
+            </a:r>
+          </a:p>
+        </p:txBody>
+      </p:sp>
+      <p:sp>
+        <p:nvSpPr>
+          <p:cNvPr id="3" name="Espaço Reservado para Conteúdo 2">
+            <a:extLst>
+              <a:ext uri="{FF2B5EF4-FFF2-40B4-BE49-F238E27FC236}">
+                <a16:creationId xmlns:a16="http://schemas.microsoft.com/office/drawing/2014/main" id="{EC432B31-D382-41FF-BB6B-2ABDD322424B}"/>
+              </a:ext>
+            </a:extLst>
+          </p:cNvPr>
+          <p:cNvSpPr>
+            <a:spLocks noGrp="1"/>
+          </p:cNvSpPr>
+          <p:nvPr>
+            <p:ph idx="1"/>
+          </p:nvPr>
+        </p:nvSpPr>
+        <p:spPr>
+          <a:xfrm>
+            <a:off x="838199" y="1648915"/>
+            <a:ext cx="11157155" cy="5209085"/>
+          </a:xfrm>
+        </p:spPr>
+        <p:txBody>
+          <a:bodyPr>
+            <a:noAutofit/>
+          </a:bodyPr>
+          <a:lstStyle/>
+          <a:p>
+            <a:pPr marL="0" indent="0">
+              <a:spcBef>
+                <a:spcPts val="0"/>
+              </a:spcBef>
+              <a:buNone/>
+            </a:pPr>
+            <a:r>
+              <a:rPr lang="pt-BR" sz="2400" b="0" i="0" u="none" strike="noStrike" dirty="0">
+                <a:solidFill>
+                  <a:srgbClr val="000000"/>
+                </a:solidFill>
+                <a:effectLst/>
+              </a:rPr>
+              <a:t>[1] </a:t>
+            </a:r>
+            <a:r>
+              <a:rPr lang="pt-BR" sz="2400" dirty="0">
+                <a:solidFill>
+                  <a:srgbClr val="000000"/>
+                </a:solidFill>
+              </a:rPr>
+              <a:t>“Tensorflow </a:t>
+            </a:r>
+            <a:r>
+              <a:rPr lang="pt-BR" sz="2400" dirty="0" err="1">
+                <a:solidFill>
+                  <a:srgbClr val="000000"/>
+                </a:solidFill>
+              </a:rPr>
+              <a:t>c</a:t>
+            </a:r>
+            <a:r>
+              <a:rPr lang="pt-BR" sz="2400" b="0" i="0" u="none" strike="noStrike" dirty="0" err="1">
+                <a:solidFill>
+                  <a:srgbClr val="000000"/>
+                </a:solidFill>
+                <a:effectLst/>
+              </a:rPr>
+              <a:t>ode</a:t>
+            </a:r>
+            <a:r>
+              <a:rPr lang="pt-BR" sz="2400" b="0" i="0" u="none" strike="noStrike" dirty="0">
+                <a:solidFill>
+                  <a:srgbClr val="000000"/>
+                </a:solidFill>
+                <a:effectLst/>
+              </a:rPr>
+              <a:t> </a:t>
+            </a:r>
+            <a:r>
+              <a:rPr lang="pt-BR" sz="2400" b="0" i="0" u="none" strike="noStrike" dirty="0" err="1">
+                <a:solidFill>
+                  <a:srgbClr val="000000"/>
+                </a:solidFill>
+                <a:effectLst/>
+              </a:rPr>
+              <a:t>examples</a:t>
+            </a:r>
+            <a:r>
+              <a:rPr lang="pt-BR" sz="2400" b="0" i="0" u="none" strike="noStrike" dirty="0">
+                <a:solidFill>
+                  <a:srgbClr val="000000"/>
+                </a:solidFill>
+                <a:effectLst/>
+              </a:rPr>
+              <a:t>”, </a:t>
+            </a:r>
+            <a:r>
+              <a:rPr lang="pt-BR" sz="2400" b="0" i="0" u="none" strike="noStrike" dirty="0">
+                <a:solidFill>
+                  <a:srgbClr val="000000"/>
+                </a:solidFill>
+                <a:effectLst/>
+                <a:hlinkClick r:id="rId3"/>
+              </a:rPr>
+              <a:t>https://keras.io/examples/</a:t>
+            </a:r>
+            <a:endParaRPr lang="pt-BR" sz="2400" b="0" i="0" u="none" strike="noStrike" dirty="0">
+              <a:solidFill>
+                <a:srgbClr val="000000"/>
+              </a:solidFill>
+              <a:effectLst/>
+            </a:endParaRPr>
+          </a:p>
+          <a:p>
+            <a:pPr marL="0" indent="0">
+              <a:spcBef>
+                <a:spcPts val="0"/>
+              </a:spcBef>
+              <a:buNone/>
+            </a:pPr>
+            <a:r>
+              <a:rPr lang="pt-BR" sz="2400" dirty="0">
+                <a:solidFill>
+                  <a:srgbClr val="000000"/>
+                </a:solidFill>
+              </a:rPr>
+              <a:t>[2] “</a:t>
+            </a:r>
+            <a:r>
+              <a:rPr lang="pt-BR" sz="2400" dirty="0" err="1">
+                <a:solidFill>
+                  <a:srgbClr val="000000"/>
+                </a:solidFill>
+              </a:rPr>
+              <a:t>Pytorch</a:t>
+            </a:r>
+            <a:r>
+              <a:rPr lang="pt-BR" sz="2400" dirty="0">
+                <a:solidFill>
+                  <a:srgbClr val="000000"/>
+                </a:solidFill>
+              </a:rPr>
+              <a:t> </a:t>
+            </a:r>
+            <a:r>
+              <a:rPr lang="pt-BR" sz="2400" dirty="0" err="1">
+                <a:solidFill>
+                  <a:srgbClr val="000000"/>
+                </a:solidFill>
+              </a:rPr>
+              <a:t>code</a:t>
+            </a:r>
+            <a:r>
+              <a:rPr lang="pt-BR" sz="2400" dirty="0">
+                <a:solidFill>
+                  <a:srgbClr val="000000"/>
+                </a:solidFill>
+              </a:rPr>
+              <a:t> </a:t>
+            </a:r>
+            <a:r>
+              <a:rPr lang="pt-BR" sz="2400" dirty="0" err="1">
+                <a:solidFill>
+                  <a:srgbClr val="000000"/>
+                </a:solidFill>
+              </a:rPr>
+              <a:t>examples</a:t>
+            </a:r>
+            <a:r>
+              <a:rPr lang="pt-BR" sz="2400" dirty="0">
+                <a:solidFill>
+                  <a:srgbClr val="000000"/>
+                </a:solidFill>
+              </a:rPr>
+              <a:t>”, </a:t>
+            </a:r>
+            <a:r>
+              <a:rPr lang="pt-BR" sz="2400" dirty="0">
+                <a:solidFill>
+                  <a:srgbClr val="000000"/>
+                </a:solidFill>
+                <a:hlinkClick r:id="rId4"/>
+              </a:rPr>
+              <a:t>https://pytorch.org/examples/</a:t>
+            </a:r>
+            <a:endParaRPr lang="pt-BR" sz="2400" dirty="0">
+              <a:solidFill>
+                <a:srgbClr val="000000"/>
+              </a:solidFill>
+            </a:endParaRPr>
+          </a:p>
+          <a:p>
+            <a:pPr marL="0" indent="0">
+              <a:spcBef>
+                <a:spcPts val="0"/>
+              </a:spcBef>
+              <a:buNone/>
+            </a:pPr>
+            <a:r>
+              <a:rPr lang="pt-BR" sz="2400" b="0" i="0" u="none" strike="noStrike" dirty="0">
+                <a:solidFill>
+                  <a:srgbClr val="000000"/>
+                </a:solidFill>
+                <a:effectLst/>
+              </a:rPr>
+              <a:t>[3] “Papers </a:t>
+            </a:r>
+            <a:r>
+              <a:rPr lang="pt-BR" sz="2400" b="0" i="0" u="none" strike="noStrike" dirty="0" err="1">
+                <a:solidFill>
+                  <a:srgbClr val="000000"/>
+                </a:solidFill>
+                <a:effectLst/>
+              </a:rPr>
+              <a:t>with</a:t>
+            </a:r>
+            <a:r>
+              <a:rPr lang="pt-BR" sz="2400" b="0" i="0" u="none" strike="noStrike" dirty="0">
+                <a:solidFill>
+                  <a:srgbClr val="000000"/>
+                </a:solidFill>
+                <a:effectLst/>
+              </a:rPr>
+              <a:t> </a:t>
+            </a:r>
+            <a:r>
+              <a:rPr lang="pt-BR" sz="2400" b="0" i="0" u="none" strike="noStrike" dirty="0" err="1">
+                <a:solidFill>
+                  <a:srgbClr val="000000"/>
+                </a:solidFill>
+                <a:effectLst/>
+              </a:rPr>
+              <a:t>code</a:t>
+            </a:r>
+            <a:r>
+              <a:rPr lang="pt-BR" sz="2400" b="0" i="0" u="none" strike="noStrike" dirty="0">
+                <a:solidFill>
+                  <a:srgbClr val="000000"/>
+                </a:solidFill>
+                <a:effectLst/>
+              </a:rPr>
+              <a:t>”</a:t>
+            </a:r>
+            <a:r>
+              <a:rPr lang="pt-BR" sz="2400" dirty="0">
+                <a:solidFill>
+                  <a:srgbClr val="000000"/>
+                </a:solidFill>
+              </a:rPr>
+              <a:t>, </a:t>
+            </a:r>
+            <a:r>
+              <a:rPr lang="pt-BR" sz="2400" dirty="0">
+                <a:solidFill>
+                  <a:srgbClr val="000000"/>
+                </a:solidFill>
+                <a:hlinkClick r:id="rId5"/>
+              </a:rPr>
+              <a:t>https://paperswithcode.com/</a:t>
+            </a:r>
+            <a:endParaRPr lang="pt-BR" sz="2400" b="0" i="0" u="none" strike="noStrike" dirty="0">
+              <a:solidFill>
+                <a:srgbClr val="000000"/>
+              </a:solidFill>
+              <a:effectLst/>
+            </a:endParaRPr>
+          </a:p>
+          <a:p>
+            <a:pPr marL="0" indent="0">
+              <a:spcBef>
+                <a:spcPts val="0"/>
+              </a:spcBef>
+              <a:buNone/>
+            </a:pPr>
+            <a:r>
+              <a:rPr lang="pt-BR" sz="2400" dirty="0">
+                <a:solidFill>
+                  <a:srgbClr val="000000"/>
+                </a:solidFill>
+              </a:rPr>
+              <a:t>[4] Sebastian </a:t>
+            </a:r>
+            <a:r>
+              <a:rPr lang="pt-BR" sz="2400" dirty="0" err="1">
+                <a:solidFill>
+                  <a:srgbClr val="000000"/>
+                </a:solidFill>
+              </a:rPr>
+              <a:t>Raschka</a:t>
+            </a:r>
+            <a:r>
+              <a:rPr lang="pt-BR" sz="2400" dirty="0">
+                <a:solidFill>
+                  <a:srgbClr val="000000"/>
+                </a:solidFill>
+              </a:rPr>
+              <a:t> </a:t>
+            </a:r>
+            <a:r>
+              <a:rPr lang="pt-BR" sz="2400" dirty="0" err="1">
+                <a:solidFill>
+                  <a:srgbClr val="000000"/>
+                </a:solidFill>
+              </a:rPr>
+              <a:t>and</a:t>
+            </a:r>
+            <a:r>
+              <a:rPr lang="pt-BR" sz="2400" dirty="0">
+                <a:solidFill>
+                  <a:srgbClr val="000000"/>
+                </a:solidFill>
+              </a:rPr>
+              <a:t> </a:t>
+            </a:r>
+            <a:r>
+              <a:rPr lang="pt-BR" sz="2400" dirty="0" err="1">
+                <a:solidFill>
+                  <a:srgbClr val="000000"/>
+                </a:solidFill>
+              </a:rPr>
+              <a:t>Vahid</a:t>
+            </a:r>
+            <a:r>
+              <a:rPr lang="pt-BR" sz="2400" dirty="0">
+                <a:solidFill>
+                  <a:srgbClr val="000000"/>
+                </a:solidFill>
+              </a:rPr>
+              <a:t> </a:t>
+            </a:r>
+            <a:r>
+              <a:rPr lang="pt-BR" sz="2400" dirty="0" err="1">
+                <a:solidFill>
+                  <a:srgbClr val="000000"/>
+                </a:solidFill>
+              </a:rPr>
+              <a:t>Mirjalili</a:t>
+            </a:r>
+            <a:r>
+              <a:rPr lang="pt-BR" sz="2400" dirty="0">
+                <a:solidFill>
+                  <a:srgbClr val="000000"/>
+                </a:solidFill>
+              </a:rPr>
+              <a:t>, “</a:t>
+            </a:r>
+            <a:r>
+              <a:rPr lang="en-US" sz="2400" dirty="0">
+                <a:solidFill>
+                  <a:srgbClr val="000000"/>
+                </a:solidFill>
+              </a:rPr>
+              <a:t>Python Machine Learning: Machine Learning and Deep Learning with Python, scikit-learn, and TensorFlow 2”, </a:t>
+            </a:r>
+            <a:r>
+              <a:rPr lang="pt-BR" sz="2400" dirty="0" err="1">
+                <a:solidFill>
+                  <a:srgbClr val="000000"/>
+                </a:solidFill>
+              </a:rPr>
+              <a:t>Packt</a:t>
+            </a:r>
+            <a:r>
+              <a:rPr lang="pt-BR" sz="2400" dirty="0">
+                <a:solidFill>
+                  <a:srgbClr val="000000"/>
+                </a:solidFill>
+              </a:rPr>
+              <a:t> </a:t>
+            </a:r>
+            <a:r>
+              <a:rPr lang="pt-BR" sz="2400" dirty="0" err="1">
+                <a:solidFill>
+                  <a:srgbClr val="000000"/>
+                </a:solidFill>
+              </a:rPr>
+              <a:t>Publishing</a:t>
+            </a:r>
+            <a:r>
+              <a:rPr lang="pt-BR" sz="2400" dirty="0">
+                <a:solidFill>
+                  <a:srgbClr val="000000"/>
+                </a:solidFill>
+              </a:rPr>
+              <a:t>, 2019.</a:t>
+            </a:r>
+            <a:br>
+              <a:rPr lang="en-US" sz="2400" dirty="0">
+                <a:solidFill>
+                  <a:srgbClr val="000000"/>
+                </a:solidFill>
+              </a:rPr>
+            </a:br>
+            <a:r>
+              <a:rPr lang="en-US" sz="2400" dirty="0">
+                <a:solidFill>
+                  <a:srgbClr val="000000"/>
+                </a:solidFill>
+              </a:rPr>
+              <a:t>[5] </a:t>
+            </a:r>
+            <a:r>
+              <a:rPr lang="pt-BR" sz="2400" dirty="0">
+                <a:solidFill>
+                  <a:srgbClr val="000000"/>
+                </a:solidFill>
+              </a:rPr>
+              <a:t>Ivan </a:t>
+            </a:r>
+            <a:r>
+              <a:rPr lang="pt-BR" sz="2400" dirty="0" err="1">
+                <a:solidFill>
+                  <a:srgbClr val="000000"/>
+                </a:solidFill>
+              </a:rPr>
+              <a:t>Vasilev</a:t>
+            </a:r>
+            <a:r>
+              <a:rPr lang="pt-BR" sz="2400" dirty="0">
+                <a:solidFill>
+                  <a:srgbClr val="000000"/>
+                </a:solidFill>
+              </a:rPr>
+              <a:t>, </a:t>
+            </a:r>
+            <a:r>
+              <a:rPr lang="en-US" sz="2400" dirty="0">
+                <a:solidFill>
+                  <a:srgbClr val="000000"/>
+                </a:solidFill>
+              </a:rPr>
+              <a:t>“Advanced Deep Learning with Python: Design and implement advanced next-generation AI solutions using TensorFlow and </a:t>
+            </a:r>
+            <a:r>
+              <a:rPr lang="en-US" sz="2400" dirty="0" err="1">
+                <a:solidFill>
+                  <a:srgbClr val="000000"/>
+                </a:solidFill>
+              </a:rPr>
+              <a:t>PyTorch</a:t>
+            </a:r>
+            <a:r>
+              <a:rPr lang="en-US" sz="2400" dirty="0">
+                <a:solidFill>
+                  <a:srgbClr val="000000"/>
+                </a:solidFill>
+              </a:rPr>
+              <a:t>”, </a:t>
+            </a:r>
+            <a:r>
+              <a:rPr lang="pt-BR" sz="2400" dirty="0" err="1">
+                <a:solidFill>
+                  <a:srgbClr val="000000"/>
+                </a:solidFill>
+              </a:rPr>
+              <a:t>Packt</a:t>
+            </a:r>
+            <a:r>
+              <a:rPr lang="pt-BR" sz="2400" dirty="0">
+                <a:solidFill>
+                  <a:srgbClr val="000000"/>
+                </a:solidFill>
+              </a:rPr>
+              <a:t> </a:t>
+            </a:r>
+            <a:r>
+              <a:rPr lang="pt-BR" sz="2400" dirty="0" err="1">
+                <a:solidFill>
+                  <a:srgbClr val="000000"/>
+                </a:solidFill>
+              </a:rPr>
+              <a:t>Publishing</a:t>
+            </a:r>
+            <a:r>
+              <a:rPr lang="pt-BR" sz="2400" dirty="0">
+                <a:solidFill>
+                  <a:srgbClr val="000000"/>
+                </a:solidFill>
+              </a:rPr>
+              <a:t>, 2019.</a:t>
+            </a:r>
+          </a:p>
+          <a:p>
+            <a:pPr marL="0" indent="0">
+              <a:spcBef>
+                <a:spcPts val="0"/>
+              </a:spcBef>
+              <a:buNone/>
+            </a:pPr>
+            <a:r>
+              <a:rPr lang="pt-BR" sz="2400" dirty="0">
+                <a:solidFill>
+                  <a:srgbClr val="000000"/>
+                </a:solidFill>
+              </a:rPr>
+              <a:t>[6] </a:t>
+            </a:r>
+            <a:r>
+              <a:rPr lang="pt-BR" sz="2400" dirty="0" err="1">
+                <a:solidFill>
+                  <a:srgbClr val="000000"/>
+                </a:solidFill>
+              </a:rPr>
+              <a:t>Aurélien</a:t>
+            </a:r>
+            <a:r>
+              <a:rPr lang="pt-BR" sz="2400" dirty="0">
+                <a:solidFill>
+                  <a:srgbClr val="000000"/>
+                </a:solidFill>
+              </a:rPr>
+              <a:t> </a:t>
+            </a:r>
+            <a:r>
+              <a:rPr lang="pt-BR" sz="2400" dirty="0" err="1">
+                <a:solidFill>
+                  <a:srgbClr val="000000"/>
+                </a:solidFill>
+              </a:rPr>
+              <a:t>Géron</a:t>
+            </a:r>
+            <a:r>
+              <a:rPr lang="pt-BR" sz="2400" dirty="0">
+                <a:solidFill>
+                  <a:srgbClr val="000000"/>
+                </a:solidFill>
+              </a:rPr>
+              <a:t>, "Hands-On Machine Learning </a:t>
+            </a:r>
+            <a:r>
+              <a:rPr lang="pt-BR" sz="2400" dirty="0" err="1">
+                <a:solidFill>
+                  <a:srgbClr val="000000"/>
+                </a:solidFill>
+              </a:rPr>
+              <a:t>with</a:t>
+            </a:r>
+            <a:r>
+              <a:rPr lang="pt-BR" sz="2400" dirty="0">
+                <a:solidFill>
+                  <a:srgbClr val="000000"/>
+                </a:solidFill>
+              </a:rPr>
+              <a:t> </a:t>
+            </a:r>
+            <a:r>
+              <a:rPr lang="pt-BR" sz="2400" dirty="0" err="1">
+                <a:solidFill>
+                  <a:srgbClr val="000000"/>
+                </a:solidFill>
+              </a:rPr>
+              <a:t>Scikit-Learn</a:t>
+            </a:r>
+            <a:r>
+              <a:rPr lang="pt-BR" sz="2400" dirty="0">
+                <a:solidFill>
+                  <a:srgbClr val="000000"/>
+                </a:solidFill>
+              </a:rPr>
+              <a:t> </a:t>
+            </a:r>
+            <a:r>
+              <a:rPr lang="pt-BR" sz="2400" dirty="0" err="1">
+                <a:solidFill>
+                  <a:srgbClr val="000000"/>
+                </a:solidFill>
+              </a:rPr>
+              <a:t>and</a:t>
+            </a:r>
+            <a:r>
+              <a:rPr lang="pt-BR" sz="2400" dirty="0">
+                <a:solidFill>
+                  <a:srgbClr val="000000"/>
+                </a:solidFill>
+              </a:rPr>
+              <a:t> TensorFlow: </a:t>
+            </a:r>
+            <a:r>
+              <a:rPr lang="pt-BR" sz="2400" dirty="0" err="1">
+                <a:solidFill>
+                  <a:srgbClr val="000000"/>
+                </a:solidFill>
+              </a:rPr>
+              <a:t>Concepts</a:t>
+            </a:r>
+            <a:r>
+              <a:rPr lang="pt-BR" sz="2400" dirty="0">
+                <a:solidFill>
+                  <a:srgbClr val="000000"/>
+                </a:solidFill>
+              </a:rPr>
+              <a:t>, Tools, </a:t>
+            </a:r>
+            <a:r>
+              <a:rPr lang="pt-BR" sz="2400" dirty="0" err="1">
+                <a:solidFill>
+                  <a:srgbClr val="000000"/>
+                </a:solidFill>
+              </a:rPr>
+              <a:t>and</a:t>
+            </a:r>
+            <a:r>
+              <a:rPr lang="pt-BR" sz="2400" dirty="0">
+                <a:solidFill>
+                  <a:srgbClr val="000000"/>
+                </a:solidFill>
+              </a:rPr>
+              <a:t> </a:t>
+            </a:r>
+            <a:r>
+              <a:rPr lang="pt-BR" sz="2400" dirty="0" err="1">
+                <a:solidFill>
+                  <a:srgbClr val="000000"/>
+                </a:solidFill>
+              </a:rPr>
+              <a:t>Techniques</a:t>
+            </a:r>
+            <a:r>
+              <a:rPr lang="pt-BR" sz="2400" dirty="0">
+                <a:solidFill>
+                  <a:srgbClr val="000000"/>
+                </a:solidFill>
+              </a:rPr>
+              <a:t> </a:t>
+            </a:r>
+            <a:r>
+              <a:rPr lang="pt-BR" sz="2400" dirty="0" err="1">
+                <a:solidFill>
+                  <a:srgbClr val="000000"/>
+                </a:solidFill>
+              </a:rPr>
+              <a:t>to</a:t>
+            </a:r>
+            <a:r>
+              <a:rPr lang="pt-BR" sz="2400" dirty="0">
+                <a:solidFill>
+                  <a:srgbClr val="000000"/>
+                </a:solidFill>
+              </a:rPr>
+              <a:t> Build </a:t>
+            </a:r>
+            <a:r>
+              <a:rPr lang="pt-BR" sz="2400" dirty="0" err="1">
+                <a:solidFill>
+                  <a:srgbClr val="000000"/>
+                </a:solidFill>
+              </a:rPr>
+              <a:t>Intelligent</a:t>
+            </a:r>
+            <a:r>
+              <a:rPr lang="pt-BR" sz="2400" dirty="0">
+                <a:solidFill>
+                  <a:srgbClr val="000000"/>
+                </a:solidFill>
+              </a:rPr>
+              <a:t> Systems", 3rd ed., O'Reilly Media, 2022.</a:t>
+            </a:r>
+          </a:p>
+          <a:p>
+            <a:pPr marL="0" indent="0">
+              <a:spcBef>
+                <a:spcPts val="0"/>
+              </a:spcBef>
+              <a:buNone/>
+            </a:pPr>
+            <a:r>
+              <a:rPr lang="en-US" sz="2400" dirty="0">
+                <a:solidFill>
+                  <a:srgbClr val="000000"/>
+                </a:solidFill>
+              </a:rPr>
+              <a:t>[7] </a:t>
+            </a:r>
+            <a:r>
+              <a:rPr lang="en-US" sz="2400" dirty="0" err="1">
+                <a:solidFill>
+                  <a:srgbClr val="000000"/>
+                </a:solidFill>
+              </a:rPr>
+              <a:t>Raschka</a:t>
+            </a:r>
+            <a:r>
+              <a:rPr lang="en-US" sz="2400" dirty="0">
+                <a:solidFill>
+                  <a:srgbClr val="000000"/>
+                </a:solidFill>
+              </a:rPr>
+              <a:t>, Sebastian, et al., “Machine Learning with </a:t>
+            </a:r>
+            <a:r>
+              <a:rPr lang="en-US" sz="2400" dirty="0" err="1">
+                <a:solidFill>
+                  <a:srgbClr val="000000"/>
+                </a:solidFill>
+              </a:rPr>
+              <a:t>PyTorch</a:t>
+            </a:r>
+            <a:r>
+              <a:rPr lang="en-US" sz="2400" dirty="0">
+                <a:solidFill>
+                  <a:srgbClr val="000000"/>
+                </a:solidFill>
+              </a:rPr>
+              <a:t> and Scikit-Learn: Develop machine learning and deep learning models with Python”, </a:t>
+            </a:r>
+            <a:r>
+              <a:rPr lang="en-US" sz="2400" dirty="0" err="1">
+                <a:solidFill>
+                  <a:srgbClr val="000000"/>
+                </a:solidFill>
+              </a:rPr>
+              <a:t>Packt</a:t>
+            </a:r>
+            <a:r>
+              <a:rPr lang="en-US" sz="2400" dirty="0">
+                <a:solidFill>
+                  <a:srgbClr val="000000"/>
+                </a:solidFill>
+              </a:rPr>
+              <a:t> Publishing Ltd, 2022.</a:t>
+            </a:r>
+            <a:endParaRPr lang="pt-BR" sz="2400" dirty="0">
+              <a:solidFill>
+                <a:srgbClr val="000000"/>
+              </a:solidFill>
+            </a:endParaRPr>
+          </a:p>
+          <a:p>
+            <a:pPr marL="0" indent="0">
+              <a:spcBef>
+                <a:spcPts val="0"/>
+              </a:spcBef>
+              <a:buNone/>
+            </a:pPr>
+            <a:r>
+              <a:rPr lang="pt-BR" sz="2400" dirty="0">
+                <a:solidFill>
+                  <a:srgbClr val="000000"/>
+                </a:solidFill>
+              </a:rPr>
+              <a:t>[8] C. M. Bishop, "</a:t>
+            </a:r>
+            <a:r>
+              <a:rPr lang="pt-BR" sz="2400" dirty="0" err="1">
+                <a:solidFill>
+                  <a:srgbClr val="000000"/>
+                </a:solidFill>
+              </a:rPr>
+              <a:t>Pattern</a:t>
+            </a:r>
+            <a:r>
+              <a:rPr lang="pt-BR" sz="2400" dirty="0">
+                <a:solidFill>
+                  <a:srgbClr val="000000"/>
+                </a:solidFill>
+              </a:rPr>
+              <a:t> </a:t>
+            </a:r>
+            <a:r>
+              <a:rPr lang="pt-BR" sz="2400" dirty="0" err="1">
+                <a:solidFill>
+                  <a:srgbClr val="000000"/>
+                </a:solidFill>
+              </a:rPr>
+              <a:t>Recognition</a:t>
+            </a:r>
+            <a:r>
+              <a:rPr lang="pt-BR" sz="2400" dirty="0">
+                <a:solidFill>
+                  <a:srgbClr val="000000"/>
+                </a:solidFill>
+              </a:rPr>
+              <a:t> </a:t>
+            </a:r>
+            <a:r>
+              <a:rPr lang="pt-BR" sz="2400" dirty="0" err="1">
+                <a:solidFill>
+                  <a:srgbClr val="000000"/>
+                </a:solidFill>
+              </a:rPr>
+              <a:t>and</a:t>
+            </a:r>
+            <a:r>
+              <a:rPr lang="pt-BR" sz="2400" dirty="0">
+                <a:solidFill>
+                  <a:srgbClr val="000000"/>
+                </a:solidFill>
+              </a:rPr>
+              <a:t> Machine Learning", Springer, 2006.</a:t>
+            </a:r>
+          </a:p>
+          <a:p>
+            <a:pPr marL="0" indent="0">
+              <a:spcBef>
+                <a:spcPts val="0"/>
+              </a:spcBef>
+              <a:buNone/>
+            </a:pPr>
+            <a:r>
+              <a:rPr lang="pt-BR" sz="2400">
+                <a:solidFill>
+                  <a:srgbClr val="000000"/>
+                </a:solidFill>
+              </a:rPr>
+              <a:t>[9] </a:t>
+            </a:r>
+            <a:r>
+              <a:rPr lang="pt-BR" sz="2400" dirty="0">
+                <a:solidFill>
+                  <a:srgbClr val="000000"/>
+                </a:solidFill>
+              </a:rPr>
+              <a:t>“Livros”, </a:t>
+            </a:r>
+            <a:r>
+              <a:rPr lang="pt-BR" sz="2400" dirty="0">
+                <a:solidFill>
+                  <a:srgbClr val="000000"/>
+                </a:solidFill>
+                <a:hlinkClick r:id="rId6"/>
+              </a:rPr>
+              <a:t>http://tinyurl.com/tp558-books</a:t>
+            </a:r>
+            <a:endParaRPr lang="pt-BR" sz="2400" dirty="0">
+              <a:solidFill>
+                <a:srgbClr val="000000"/>
+              </a:solidFill>
+            </a:endParaRPr>
+          </a:p>
+        </p:txBody>
+      </p:sp>
+    </p:spTree>
+    <p:extLst>
+      <p:ext uri="{BB962C8B-B14F-4D97-AF65-F5344CB8AC3E}">
+        <p14:creationId xmlns:p14="http://schemas.microsoft.com/office/powerpoint/2010/main" val="2247946137"/>
+      </p:ext>
+    </p:extLst>
+  </p:cSld>
+  <p:clrMapOvr>
+    <a:masterClrMapping/>
+  </p:clrMapOvr>
+</p:sld>
+</file>
+
+<file path=ppt/slides/slide16.xml><?xml version="1.0" encoding="utf-8"?>
+<p:sld xmlns:a="http://schemas.openxmlformats.org/drawingml/2006/main" xmlns:r="http://schemas.openxmlformats.org/officeDocument/2006/relationships" xmlns:p="http://schemas.openxmlformats.org/presentationml/2006/main">
+  <p:cSld>
+    <p:spTree>
+      <p:nvGrpSpPr>
+        <p:cNvPr id="1" name=""/>
+        <p:cNvGrpSpPr/>
+        <p:nvPr/>
+      </p:nvGrpSpPr>
+      <p:grpSpPr>
+        <a:xfrm>
+          <a:off x="0" y="0"/>
+          <a:ext cx="0" cy="0"/>
+          <a:chOff x="0" y="0"/>
+          <a:chExt cx="0" cy="0"/>
+        </a:xfrm>
+      </p:grpSpPr>
+      <p:sp>
+        <p:nvSpPr>
+          <p:cNvPr id="2" name="Title 1"/>
+          <p:cNvSpPr>
+            <a:spLocks noGrp="1"/>
+          </p:cNvSpPr>
+          <p:nvPr>
+            <p:ph type="title"/>
+          </p:nvPr>
+        </p:nvSpPr>
+        <p:spPr/>
+        <p:txBody>
+          <a:bodyPr/>
+          <a:lstStyle/>
+          <a:p>
+            <a:r>
+              <a:rPr lang="en-US" dirty="0" err="1"/>
+              <a:t>Avisos</a:t>
+            </a:r>
+            <a:endParaRPr lang="nl-BE" dirty="0"/>
+          </a:p>
+        </p:txBody>
+      </p:sp>
+      <p:sp>
+        <p:nvSpPr>
+          <p:cNvPr id="3" name="Content Placeholder 2"/>
+          <p:cNvSpPr>
+            <a:spLocks noGrp="1"/>
+          </p:cNvSpPr>
+          <p:nvPr>
+            <p:ph idx="1"/>
+          </p:nvPr>
+        </p:nvSpPr>
+        <p:spPr>
+          <a:xfrm>
+            <a:off x="838199" y="1825624"/>
+            <a:ext cx="11104419" cy="5032376"/>
+          </a:xfrm>
+        </p:spPr>
+        <p:txBody>
+          <a:bodyPr>
+            <a:normAutofit/>
+          </a:bodyPr>
+          <a:lstStyle/>
+          <a:p>
+            <a:r>
+              <a:rPr lang="pt-BR" dirty="0"/>
+              <a:t>Todo material do curso está disponível no GitHub:</a:t>
+            </a:r>
+          </a:p>
+          <a:p>
+            <a:pPr lvl="1">
+              <a:buFont typeface="Wingdings" panose="05000000000000000000" pitchFamily="2" charset="2"/>
+              <a:buChar char="§"/>
+            </a:pPr>
+            <a:r>
+              <a:rPr lang="pt-BR" dirty="0">
+                <a:hlinkClick r:id="rId2"/>
+              </a:rPr>
+              <a:t>https://github.com/zz4fap/tp558-adv-ml</a:t>
+            </a:r>
+            <a:endParaRPr lang="pt-BR" dirty="0"/>
+          </a:p>
+          <a:p>
+            <a:r>
+              <a:rPr lang="pt-BR" dirty="0"/>
+              <a:t>Google </a:t>
+            </a:r>
+            <a:r>
+              <a:rPr lang="pt-BR" dirty="0" err="1"/>
+              <a:t>Colab</a:t>
+            </a:r>
+            <a:endParaRPr lang="pt-BR" dirty="0"/>
+          </a:p>
+          <a:p>
+            <a:pPr lvl="1">
+              <a:buFont typeface="Wingdings" panose="05000000000000000000" pitchFamily="2" charset="2"/>
+              <a:buChar char="§"/>
+            </a:pPr>
+            <a:r>
+              <a:rPr lang="pt-BR" dirty="0">
+                <a:hlinkClick r:id="rId3"/>
+              </a:rPr>
+              <a:t>https://www.youtube.com/watch?v=inN8seMm7UI&amp;ab_channel=TensorFlow</a:t>
+            </a:r>
+          </a:p>
+          <a:p>
+            <a:pPr lvl="1">
+              <a:buFont typeface="Wingdings" panose="05000000000000000000" pitchFamily="2" charset="2"/>
+              <a:buChar char="§"/>
+            </a:pPr>
+            <a:r>
+              <a:rPr lang="pt-BR" b="0" i="0" dirty="0">
+                <a:solidFill>
+                  <a:srgbClr val="222222"/>
+                </a:solidFill>
+                <a:effectLst/>
+                <a:latin typeface="Arial" panose="020B0604020202020204" pitchFamily="34" charset="0"/>
+                <a:hlinkClick r:id="rId4"/>
+              </a:rPr>
+              <a:t>https://www.youtube.com/watch?v=inN8seMm7UI</a:t>
+            </a:r>
+            <a:endParaRPr lang="pt-BR" b="0" i="0" dirty="0">
+              <a:solidFill>
+                <a:srgbClr val="222222"/>
+              </a:solidFill>
+              <a:effectLst/>
+              <a:latin typeface="Arial" panose="020B0604020202020204" pitchFamily="34" charset="0"/>
+            </a:endParaRPr>
+          </a:p>
+          <a:p>
+            <a:r>
+              <a:rPr lang="pt-BR" dirty="0"/>
+              <a:t>Python Crash </a:t>
+            </a:r>
+            <a:r>
+              <a:rPr lang="pt-BR" dirty="0" err="1"/>
+              <a:t>Course</a:t>
+            </a:r>
+            <a:endParaRPr lang="pt-BR" dirty="0">
+              <a:hlinkClick r:id="rId3"/>
+            </a:endParaRPr>
+          </a:p>
+          <a:p>
+            <a:pPr lvl="1">
+              <a:buFont typeface="Wingdings" panose="05000000000000000000" pitchFamily="2" charset="2"/>
+              <a:buChar char="§"/>
+            </a:pPr>
+            <a:r>
+              <a:rPr lang="pt-BR" dirty="0">
+                <a:hlinkClick r:id="rId3"/>
+              </a:rPr>
+              <a:t>https://www.youtube.com/watch?v=pq4NNIYar9o&amp;list=PLRc6ZYt68prVXAhwY1JD6DFc3BJGmJriq&amp;pp=gAQBiAQB</a:t>
+            </a:r>
+            <a:endParaRPr lang="pt-BR" dirty="0"/>
+          </a:p>
+          <a:p>
+            <a:r>
+              <a:rPr lang="pt-BR" dirty="0"/>
+              <a:t>Horário de Atendimento</a:t>
+            </a:r>
+          </a:p>
+          <a:p>
+            <a:pPr lvl="1">
+              <a:buFont typeface="Wingdings" panose="05000000000000000000" pitchFamily="2" charset="2"/>
+              <a:buChar char="§"/>
+            </a:pPr>
+            <a:r>
+              <a:rPr lang="pt-BR" dirty="0"/>
+              <a:t>Todas as quartas-feiras das 17:30 às 18:30.</a:t>
+            </a:r>
+          </a:p>
+          <a:p>
+            <a:pPr lvl="1">
+              <a:buFont typeface="Wingdings" panose="05000000000000000000" pitchFamily="2" charset="2"/>
+              <a:buChar char="§"/>
+            </a:pPr>
+            <a:r>
+              <a:rPr lang="pt-BR" dirty="0"/>
+              <a:t>Presencialmente ou remotamente.</a:t>
+            </a:r>
+          </a:p>
+        </p:txBody>
+      </p:sp>
+    </p:spTree>
+    <p:extLst>
+      <p:ext uri="{BB962C8B-B14F-4D97-AF65-F5344CB8AC3E}">
+        <p14:creationId xmlns:p14="http://schemas.microsoft.com/office/powerpoint/2010/main" val="1412900488"/>
+      </p:ext>
+    </p:extLst>
+  </p:cSld>
+  <p:clrMapOvr>
+    <a:masterClrMapping/>
+  </p:clrMapOvr>
+</p:sld>
+</file>
+
+<file path=ppt/slides/slide17.xml><?xml version="1.0" encoding="utf-8"?>
+<p:sld xmlns:a="http://schemas.openxmlformats.org/drawingml/2006/main" xmlns:r="http://schemas.openxmlformats.org/officeDocument/2006/relationships" xmlns:p="http://schemas.openxmlformats.org/presentationml/2006/main">
+  <p:cSld>
+    <p:spTree>
+      <p:nvGrpSpPr>
+        <p:cNvPr id="1" name=""/>
+        <p:cNvGrpSpPr/>
+        <p:nvPr/>
+      </p:nvGrpSpPr>
+      <p:grpSpPr>
+        <a:xfrm>
+          <a:off x="0" y="0"/>
+          <a:ext cx="0" cy="0"/>
+          <a:chOff x="0" y="0"/>
+          <a:chExt cx="0" cy="0"/>
+        </a:xfrm>
+      </p:grpSpPr>
+      <p:sp>
+        <p:nvSpPr>
           <p:cNvPr id="4" name="Título 1">
             <a:extLst>
               <a:ext uri="{FF2B5EF4-FFF2-40B4-BE49-F238E27FC236}">
@@ -6203,7 +6862,7 @@
 </p:sld>
 </file>
 
-<file path=ppt/slides/slide16.xml><?xml version="1.0" encoding="utf-8"?>
+<file path=ppt/slides/slide18.xml><?xml version="1.0" encoding="utf-8"?>
 <p:sld xmlns:a="http://schemas.openxmlformats.org/drawingml/2006/main" xmlns:r="http://schemas.openxmlformats.org/officeDocument/2006/relationships" xmlns:p="http://schemas.openxmlformats.org/presentationml/2006/main">
   <p:cSld>
     <p:spTree>

--- a/slides/TP558_1_Introdução_ao_curso.pptx
+++ b/slides/TP558_1_Introdução_ao_curso.pptx
@@ -292,7 +292,7 @@
           <a:p>
             <a:fld id="{144F1436-6906-4D93-B7A2-786C327BFA14}" type="datetimeFigureOut">
               <a:rPr lang="nl-BE" smtClean="0"/>
-              <a:t>23/02/2024</a:t>
+              <a:t>26/02/2024</a:t>
             </a:fld>
             <a:endParaRPr lang="nl-BE"/>
           </a:p>
@@ -457,7 +457,7 @@
           <a:p>
             <a:fld id="{AA8CD09E-2914-4F47-B6C1-51B2C31814C9}" type="datetimeFigureOut">
               <a:rPr lang="pt-BR" smtClean="0"/>
-              <a:t>23/02/2024</a:t>
+              <a:t>26/02/2024</a:t>
             </a:fld>
             <a:endParaRPr lang="pt-BR"/>
           </a:p>
@@ -1243,7 +1243,7 @@
           <a:p>
             <a:fld id="{63289F7E-B80B-496E-81B4-D396C37C9454}" type="datetimeFigureOut">
               <a:rPr lang="pt-BR" smtClean="0"/>
-              <a:t>23/02/2024</a:t>
+              <a:t>26/02/2024</a:t>
             </a:fld>
             <a:endParaRPr lang="pt-BR"/>
           </a:p>
@@ -1441,7 +1441,7 @@
           <a:p>
             <a:fld id="{63289F7E-B80B-496E-81B4-D396C37C9454}" type="datetimeFigureOut">
               <a:rPr lang="pt-BR" smtClean="0"/>
-              <a:t>23/02/2024</a:t>
+              <a:t>26/02/2024</a:t>
             </a:fld>
             <a:endParaRPr lang="pt-BR"/>
           </a:p>
@@ -1649,7 +1649,7 @@
           <a:p>
             <a:fld id="{63289F7E-B80B-496E-81B4-D396C37C9454}" type="datetimeFigureOut">
               <a:rPr lang="pt-BR" smtClean="0"/>
-              <a:t>23/02/2024</a:t>
+              <a:t>26/02/2024</a:t>
             </a:fld>
             <a:endParaRPr lang="pt-BR"/>
           </a:p>
@@ -1847,7 +1847,7 @@
           <a:p>
             <a:fld id="{63289F7E-B80B-496E-81B4-D396C37C9454}" type="datetimeFigureOut">
               <a:rPr lang="pt-BR" smtClean="0"/>
-              <a:t>23/02/2024</a:t>
+              <a:t>26/02/2024</a:t>
             </a:fld>
             <a:endParaRPr lang="pt-BR"/>
           </a:p>
@@ -2122,7 +2122,7 @@
           <a:p>
             <a:fld id="{63289F7E-B80B-496E-81B4-D396C37C9454}" type="datetimeFigureOut">
               <a:rPr lang="pt-BR" smtClean="0"/>
-              <a:t>23/02/2024</a:t>
+              <a:t>26/02/2024</a:t>
             </a:fld>
             <a:endParaRPr lang="pt-BR"/>
           </a:p>
@@ -2387,7 +2387,7 @@
           <a:p>
             <a:fld id="{63289F7E-B80B-496E-81B4-D396C37C9454}" type="datetimeFigureOut">
               <a:rPr lang="pt-BR" smtClean="0"/>
-              <a:t>23/02/2024</a:t>
+              <a:t>26/02/2024</a:t>
             </a:fld>
             <a:endParaRPr lang="pt-BR"/>
           </a:p>
@@ -2799,7 +2799,7 @@
           <a:p>
             <a:fld id="{63289F7E-B80B-496E-81B4-D396C37C9454}" type="datetimeFigureOut">
               <a:rPr lang="pt-BR" smtClean="0"/>
-              <a:t>23/02/2024</a:t>
+              <a:t>26/02/2024</a:t>
             </a:fld>
             <a:endParaRPr lang="pt-BR"/>
           </a:p>
@@ -2940,7 +2940,7 @@
           <a:p>
             <a:fld id="{63289F7E-B80B-496E-81B4-D396C37C9454}" type="datetimeFigureOut">
               <a:rPr lang="pt-BR" smtClean="0"/>
-              <a:t>23/02/2024</a:t>
+              <a:t>26/02/2024</a:t>
             </a:fld>
             <a:endParaRPr lang="pt-BR"/>
           </a:p>
@@ -3053,7 +3053,7 @@
           <a:p>
             <a:fld id="{63289F7E-B80B-496E-81B4-D396C37C9454}" type="datetimeFigureOut">
               <a:rPr lang="pt-BR" smtClean="0"/>
-              <a:t>23/02/2024</a:t>
+              <a:t>26/02/2024</a:t>
             </a:fld>
             <a:endParaRPr lang="pt-BR"/>
           </a:p>
@@ -3364,7 +3364,7 @@
           <a:p>
             <a:fld id="{63289F7E-B80B-496E-81B4-D396C37C9454}" type="datetimeFigureOut">
               <a:rPr lang="pt-BR" smtClean="0"/>
-              <a:t>23/02/2024</a:t>
+              <a:t>26/02/2024</a:t>
             </a:fld>
             <a:endParaRPr lang="pt-BR"/>
           </a:p>
@@ -3652,7 +3652,7 @@
           <a:p>
             <a:fld id="{63289F7E-B80B-496E-81B4-D396C37C9454}" type="datetimeFigureOut">
               <a:rPr lang="pt-BR" smtClean="0"/>
-              <a:t>23/02/2024</a:t>
+              <a:t>26/02/2024</a:t>
             </a:fld>
             <a:endParaRPr lang="pt-BR"/>
           </a:p>
@@ -3893,7 +3893,7 @@
           <a:p>
             <a:fld id="{63289F7E-B80B-496E-81B4-D396C37C9454}" type="datetimeFigureOut">
               <a:rPr lang="pt-BR" smtClean="0"/>
-              <a:t>23/02/2024</a:t>
+              <a:t>26/02/2024</a:t>
             </a:fld>
             <a:endParaRPr lang="pt-BR"/>
           </a:p>
@@ -4786,7 +4786,12 @@
             <p:ph idx="1"/>
           </p:nvPr>
         </p:nvSpPr>
-        <p:spPr/>
+        <p:spPr>
+          <a:xfrm>
+            <a:off x="838199" y="1825624"/>
+            <a:ext cx="11092543" cy="5032376"/>
+          </a:xfrm>
+        </p:spPr>
         <p:txBody>
           <a:bodyPr>
             <a:normAutofit/>
@@ -4883,9 +4888,75 @@
             <a:endParaRPr lang="pt-BR" dirty="0"/>
           </a:p>
           <a:p>
-            <a:pPr marL="914400" lvl="2" indent="0">
-              <a:buNone/>
-            </a:pPr>
+            <a:pPr lvl="1">
+              <a:buFont typeface="Wingdings" panose="05000000000000000000" pitchFamily="2" charset="2"/>
+              <a:buChar char="§"/>
+            </a:pPr>
+            <a:r>
+              <a:rPr lang="pt-BR" dirty="0" err="1">
+                <a:effectLst/>
+              </a:rPr>
+              <a:t>Faster</a:t>
+            </a:r>
+            <a:r>
+              <a:rPr lang="pt-BR" dirty="0">
+                <a:effectLst/>
+              </a:rPr>
+              <a:t> </a:t>
+            </a:r>
+            <a:r>
+              <a:rPr lang="pt-BR" dirty="0" err="1">
+                <a:effectLst/>
+              </a:rPr>
+              <a:t>Objects</a:t>
+            </a:r>
+            <a:r>
+              <a:rPr lang="pt-BR" dirty="0">
+                <a:effectLst/>
+              </a:rPr>
+              <a:t>, More </a:t>
+            </a:r>
+            <a:r>
+              <a:rPr lang="pt-BR" dirty="0" err="1">
+                <a:effectLst/>
+              </a:rPr>
+              <a:t>Objects</a:t>
+            </a:r>
+            <a:r>
+              <a:rPr lang="pt-BR" dirty="0">
+                <a:effectLst/>
+              </a:rPr>
+              <a:t> (</a:t>
+            </a:r>
+            <a:r>
+              <a:rPr lang="pt-BR" dirty="0"/>
+              <a:t>FOMO)</a:t>
+            </a:r>
+          </a:p>
+          <a:p>
+            <a:pPr lvl="2">
+              <a:buFont typeface="Wingdings" panose="05000000000000000000" pitchFamily="2" charset="2"/>
+              <a:buChar char="ü"/>
+            </a:pPr>
+            <a:r>
+              <a:rPr lang="pt-BR" dirty="0">
+                <a:hlinkClick r:id="rId6"/>
+              </a:rPr>
+              <a:t>https://docs.edgeimpulse.com/docs/edge-impulse-studio/learning-blocks/object-detection/fomo-object-detection-for-constrained-devices</a:t>
+            </a:r>
+            <a:endParaRPr lang="pt-BR" dirty="0"/>
+          </a:p>
+          <a:p>
+            <a:pPr lvl="2">
+              <a:buFont typeface="Wingdings" panose="05000000000000000000" pitchFamily="2" charset="2"/>
+              <a:buChar char="ü"/>
+            </a:pPr>
+            <a:r>
+              <a:rPr lang="pt-BR" dirty="0">
+                <a:hlinkClick r:id="rId7"/>
+              </a:rPr>
+              <a:t>https://docs.edgeimpulse.com/docs/tutorials/end-to-end-tutorials/object-detection/detect-objects-using-fomo</a:t>
+            </a:r>
             <a:endParaRPr lang="pt-BR" dirty="0"/>
           </a:p>
           <a:p>

--- a/slides/TP558_1_Introdução_ao_curso.pptx
+++ b/slides/TP558_1_Introdução_ao_curso.pptx
@@ -292,7 +292,7 @@
           <a:p>
             <a:fld id="{144F1436-6906-4D93-B7A2-786C327BFA14}" type="datetimeFigureOut">
               <a:rPr lang="nl-BE" smtClean="0"/>
-              <a:t>26/02/2024</a:t>
+              <a:t>7/03/2024</a:t>
             </a:fld>
             <a:endParaRPr lang="nl-BE"/>
           </a:p>
@@ -457,7 +457,7 @@
           <a:p>
             <a:fld id="{AA8CD09E-2914-4F47-B6C1-51B2C31814C9}" type="datetimeFigureOut">
               <a:rPr lang="pt-BR" smtClean="0"/>
-              <a:t>26/02/2024</a:t>
+              <a:t>07/03/2024</a:t>
             </a:fld>
             <a:endParaRPr lang="pt-BR"/>
           </a:p>
@@ -1243,7 +1243,7 @@
           <a:p>
             <a:fld id="{63289F7E-B80B-496E-81B4-D396C37C9454}" type="datetimeFigureOut">
               <a:rPr lang="pt-BR" smtClean="0"/>
-              <a:t>26/02/2024</a:t>
+              <a:t>07/03/2024</a:t>
             </a:fld>
             <a:endParaRPr lang="pt-BR"/>
           </a:p>
@@ -1441,7 +1441,7 @@
           <a:p>
             <a:fld id="{63289F7E-B80B-496E-81B4-D396C37C9454}" type="datetimeFigureOut">
               <a:rPr lang="pt-BR" smtClean="0"/>
-              <a:t>26/02/2024</a:t>
+              <a:t>07/03/2024</a:t>
             </a:fld>
             <a:endParaRPr lang="pt-BR"/>
           </a:p>
@@ -1649,7 +1649,7 @@
           <a:p>
             <a:fld id="{63289F7E-B80B-496E-81B4-D396C37C9454}" type="datetimeFigureOut">
               <a:rPr lang="pt-BR" smtClean="0"/>
-              <a:t>26/02/2024</a:t>
+              <a:t>07/03/2024</a:t>
             </a:fld>
             <a:endParaRPr lang="pt-BR"/>
           </a:p>
@@ -1847,7 +1847,7 @@
           <a:p>
             <a:fld id="{63289F7E-B80B-496E-81B4-D396C37C9454}" type="datetimeFigureOut">
               <a:rPr lang="pt-BR" smtClean="0"/>
-              <a:t>26/02/2024</a:t>
+              <a:t>07/03/2024</a:t>
             </a:fld>
             <a:endParaRPr lang="pt-BR"/>
           </a:p>
@@ -2122,7 +2122,7 @@
           <a:p>
             <a:fld id="{63289F7E-B80B-496E-81B4-D396C37C9454}" type="datetimeFigureOut">
               <a:rPr lang="pt-BR" smtClean="0"/>
-              <a:t>26/02/2024</a:t>
+              <a:t>07/03/2024</a:t>
             </a:fld>
             <a:endParaRPr lang="pt-BR"/>
           </a:p>
@@ -2387,7 +2387,7 @@
           <a:p>
             <a:fld id="{63289F7E-B80B-496E-81B4-D396C37C9454}" type="datetimeFigureOut">
               <a:rPr lang="pt-BR" smtClean="0"/>
-              <a:t>26/02/2024</a:t>
+              <a:t>07/03/2024</a:t>
             </a:fld>
             <a:endParaRPr lang="pt-BR"/>
           </a:p>
@@ -2799,7 +2799,7 @@
           <a:p>
             <a:fld id="{63289F7E-B80B-496E-81B4-D396C37C9454}" type="datetimeFigureOut">
               <a:rPr lang="pt-BR" smtClean="0"/>
-              <a:t>26/02/2024</a:t>
+              <a:t>07/03/2024</a:t>
             </a:fld>
             <a:endParaRPr lang="pt-BR"/>
           </a:p>
@@ -2940,7 +2940,7 @@
           <a:p>
             <a:fld id="{63289F7E-B80B-496E-81B4-D396C37C9454}" type="datetimeFigureOut">
               <a:rPr lang="pt-BR" smtClean="0"/>
-              <a:t>26/02/2024</a:t>
+              <a:t>07/03/2024</a:t>
             </a:fld>
             <a:endParaRPr lang="pt-BR"/>
           </a:p>
@@ -3053,7 +3053,7 @@
           <a:p>
             <a:fld id="{63289F7E-B80B-496E-81B4-D396C37C9454}" type="datetimeFigureOut">
               <a:rPr lang="pt-BR" smtClean="0"/>
-              <a:t>26/02/2024</a:t>
+              <a:t>07/03/2024</a:t>
             </a:fld>
             <a:endParaRPr lang="pt-BR"/>
           </a:p>
@@ -3364,7 +3364,7 @@
           <a:p>
             <a:fld id="{63289F7E-B80B-496E-81B4-D396C37C9454}" type="datetimeFigureOut">
               <a:rPr lang="pt-BR" smtClean="0"/>
-              <a:t>26/02/2024</a:t>
+              <a:t>07/03/2024</a:t>
             </a:fld>
             <a:endParaRPr lang="pt-BR"/>
           </a:p>
@@ -3652,7 +3652,7 @@
           <a:p>
             <a:fld id="{63289F7E-B80B-496E-81B4-D396C37C9454}" type="datetimeFigureOut">
               <a:rPr lang="pt-BR" smtClean="0"/>
-              <a:t>26/02/2024</a:t>
+              <a:t>07/03/2024</a:t>
             </a:fld>
             <a:endParaRPr lang="pt-BR"/>
           </a:p>
@@ -3893,7 +3893,7 @@
           <a:p>
             <a:fld id="{63289F7E-B80B-496E-81B4-D396C37C9454}" type="datetimeFigureOut">
               <a:rPr lang="pt-BR" smtClean="0"/>
-              <a:t>26/02/2024</a:t>
+              <a:t>07/03/2024</a:t>
             </a:fld>
             <a:endParaRPr lang="pt-BR"/>
           </a:p>
@@ -5090,6 +5090,9 @@
               </a:rPr>
               <a:t>https://arxiv.org/abs/2003.06792</a:t>
             </a:r>
+            <a:endParaRPr lang="pt-BR" dirty="0">
+              <a:hlinkClick r:id="rId3"/>
+            </a:endParaRPr>
           </a:p>
           <a:p>
             <a:pPr lvl="2">
@@ -5098,7 +5101,7 @@
             </a:pPr>
             <a:r>
               <a:rPr lang="pt-BR" dirty="0">
-                <a:hlinkClick r:id="rId3"/>
+                <a:hlinkClick r:id="rId4"/>
               </a:rPr>
               <a:t>https://keras.io/examples/vision/mirnet/</a:t>
             </a:r>
@@ -5121,7 +5124,7 @@
             </a:pPr>
             <a:r>
               <a:rPr lang="pt-BR" dirty="0">
-                <a:hlinkClick r:id="rId4"/>
+                <a:hlinkClick r:id="rId5"/>
               </a:rPr>
               <a:t>https://arxiv.org/abs/1707.02921</a:t>
             </a:r>
@@ -5134,7 +5137,7 @@
             </a:pPr>
             <a:r>
               <a:rPr lang="pt-BR" dirty="0">
-                <a:hlinkClick r:id="rId5"/>
+                <a:hlinkClick r:id="rId6"/>
               </a:rPr>
               <a:t>https://keras.io/examples/vision/edsr/</a:t>
             </a:r>
@@ -5336,12 +5339,12 @@
               <a:buChar char="ü"/>
             </a:pPr>
             <a:r>
-              <a:rPr lang="en-US" sz="2400" dirty="0">
+              <a:rPr lang="en-US" dirty="0">
                 <a:hlinkClick r:id="rId5"/>
               </a:rPr>
               <a:t>https://arxiv.org/pdf/1509.02971.pdf</a:t>
             </a:r>
-            <a:endParaRPr lang="en-US" sz="2400" dirty="0"/>
+            <a:endParaRPr lang="en-US" dirty="0"/>
           </a:p>
           <a:p>
             <a:pPr lvl="2">
@@ -5349,12 +5352,12 @@
               <a:buChar char="ü"/>
             </a:pPr>
             <a:r>
-              <a:rPr lang="en-US" sz="2400" dirty="0">
+              <a:rPr lang="en-US" dirty="0">
                 <a:hlinkClick r:id="rId6"/>
               </a:rPr>
               <a:t>https://keras.io/examples/rl/ddpg_pendulum/</a:t>
             </a:r>
-            <a:endParaRPr lang="en-US" sz="2400" dirty="0"/>
+            <a:endParaRPr lang="en-US" dirty="0"/>
           </a:p>
           <a:p>
             <a:pPr lvl="1">
@@ -5389,12 +5392,12 @@
               <a:buChar char="ü"/>
             </a:pPr>
             <a:r>
-              <a:rPr lang="pt-BR" sz="2400" dirty="0">
+              <a:rPr lang="pt-BR" dirty="0">
                 <a:hlinkClick r:id="rId7"/>
               </a:rPr>
               <a:t>https://inria.hal.science/hal-00840470/document</a:t>
             </a:r>
-            <a:endParaRPr lang="pt-BR" sz="2400" dirty="0"/>
+            <a:endParaRPr lang="pt-BR" dirty="0"/>
           </a:p>
           <a:p>
             <a:pPr lvl="2">
@@ -5402,12 +5405,12 @@
               <a:buChar char="ü"/>
             </a:pPr>
             <a:r>
-              <a:rPr lang="pt-BR" sz="2400" dirty="0">
+              <a:rPr lang="pt-BR" dirty="0">
                 <a:hlinkClick r:id="rId8"/>
               </a:rPr>
               <a:t>https://keras.io/examples/rl/actor_critic_cartpole/</a:t>
             </a:r>
-            <a:endParaRPr lang="pt-BR" sz="2400" dirty="0"/>
+            <a:endParaRPr lang="pt-BR" dirty="0"/>
           </a:p>
           <a:p>
             <a:pPr marL="914400" lvl="2" indent="0">
@@ -6736,7 +6739,7 @@
           <a:p>
             <a:r>
               <a:rPr lang="pt-BR" dirty="0"/>
-              <a:t>Google </a:t>
+              <a:t>Como usar o Google </a:t>
             </a:r>
             <a:r>
               <a:rPr lang="pt-BR" dirty="0" err="1"/>
@@ -7099,25 +7102,7 @@
                 </a:solidFill>
                 <a:effectLst/>
               </a:rPr>
-              <a:t>Curso prático que oferecerá uma visão ampla e detalhada sobre diferentes algoritmos avançados de redes neurais (</a:t>
-            </a:r>
-            <a:r>
-              <a:rPr lang="pt-BR" b="0" i="0" u="none" strike="noStrike" dirty="0" err="1">
-                <a:solidFill>
-                  <a:srgbClr val="000000"/>
-                </a:solidFill>
-                <a:effectLst/>
-              </a:rPr>
-              <a:t>RNs</a:t>
-            </a:r>
-            <a:r>
-              <a:rPr lang="pt-BR" b="0" i="0" u="none" strike="noStrike" dirty="0">
-                <a:solidFill>
-                  <a:srgbClr val="000000"/>
-                </a:solidFill>
-                <a:effectLst/>
-              </a:rPr>
-              <a:t>) e suas aplicações em diferentes áreas do conhecimento.</a:t>
+              <a:t>Curso prático que oferecerá uma visão ampla e detalhada sobre diferentes algoritmos avançados de aprendizado de máquina (ML) e suas aplicações em diferentes áreas do conhecimento.</a:t>
             </a:r>
           </a:p>
           <a:p>
@@ -7319,7 +7304,25 @@
                 </a:solidFill>
                 <a:effectLst/>
               </a:rPr>
-              <a:t>O curso será dividido em vários seminários preparados e apresentados pelos alunos, cada um cobrindo um tipo diferente de algoritmo.</a:t>
+              <a:t>O curso será </a:t>
+            </a:r>
+            <a:r>
+              <a:rPr lang="pt-BR" b="1" i="1" u="none" strike="noStrike" dirty="0">
+                <a:solidFill>
+                  <a:srgbClr val="00B050"/>
+                </a:solidFill>
+                <a:effectLst/>
+              </a:rPr>
+              <a:t>dividido em vários seminários preparados e apresentados pelos alunos</a:t>
+            </a:r>
+            <a:r>
+              <a:rPr lang="pt-BR" b="0" i="0" u="none" strike="noStrike" dirty="0">
+                <a:solidFill>
+                  <a:srgbClr val="000000"/>
+                </a:solidFill>
+                <a:effectLst/>
+              </a:rPr>
+              <a:t>, cada um cobrindo um tipo diferente de algoritmo.</a:t>
             </a:r>
           </a:p>
           <a:p>
@@ -7333,7 +7336,23 @@
                   <a:srgbClr val="000000"/>
                 </a:solidFill>
               </a:rPr>
-              <a:t>Ao final de cada seminário, os alunos deverão responder a um quiz, preparado pelo apresentador, sobre o algoritmo apresentado.</a:t>
+              <a:t>Ao final de cada seminário, os </a:t>
+            </a:r>
+            <a:r>
+              <a:rPr lang="pt-BR" b="1" i="1" dirty="0">
+                <a:solidFill>
+                  <a:srgbClr val="00B050"/>
+                </a:solidFill>
+              </a:rPr>
+              <a:t>alunos deverão responder a um quiz</a:t>
+            </a:r>
+            <a:r>
+              <a:rPr lang="pt-BR" dirty="0">
+                <a:solidFill>
+                  <a:srgbClr val="000000"/>
+                </a:solidFill>
+              </a:rPr>
+              <a:t>, preparado pelo apresentador, sobre o algoritmo apresentado.</a:t>
             </a:r>
           </a:p>
           <a:p>
@@ -7347,19 +7366,56 @@
                   <a:srgbClr val="000000"/>
                 </a:solidFill>
               </a:rPr>
-              <a:t>Ao final do curso, os alunos deverão apresentar um projeto final, incluindo um relatório em formato de artigo científico, envolvendo a aplicação de um algoritmo avançado de RN a um problema de sua escolha (de preferência, alinhado com sua pesquisa).</a:t>
-            </a:r>
-          </a:p>
-          <a:p>
-            <a:pPr lvl="1">
-              <a:buFont typeface="Wingdings" panose="05000000000000000000" pitchFamily="2" charset="2"/>
-              <a:buChar char="§"/>
-            </a:pPr>
-            <a:endParaRPr lang="pt-BR" dirty="0">
-              <a:solidFill>
-                <a:srgbClr val="000000"/>
-              </a:solidFill>
-            </a:endParaRPr>
+              <a:t>Ao final do curso, os </a:t>
+            </a:r>
+            <a:r>
+              <a:rPr lang="pt-BR" b="1" i="1" dirty="0">
+                <a:solidFill>
+                  <a:srgbClr val="00B050"/>
+                </a:solidFill>
+              </a:rPr>
+              <a:t>alunos deverão apresentar um projeto final</a:t>
+            </a:r>
+            <a:r>
+              <a:rPr lang="pt-BR" dirty="0">
+                <a:solidFill>
+                  <a:srgbClr val="000000"/>
+                </a:solidFill>
+              </a:rPr>
+              <a:t>, incluindo um </a:t>
+            </a:r>
+            <a:r>
+              <a:rPr lang="pt-BR" b="1" i="1" dirty="0">
+                <a:solidFill>
+                  <a:srgbClr val="00B050"/>
+                </a:solidFill>
+              </a:rPr>
+              <a:t>relatório em formato de artigo científico</a:t>
+            </a:r>
+            <a:r>
+              <a:rPr lang="pt-BR" dirty="0">
+                <a:solidFill>
+                  <a:srgbClr val="000000"/>
+                </a:solidFill>
+              </a:rPr>
+              <a:t>, envolvendo a aplicação de um algoritmo avançado de ML a um problema de sua escolha (</a:t>
+            </a:r>
+            <a:r>
+              <a:rPr lang="pt-BR" b="1" i="1" dirty="0">
+                <a:solidFill>
+                  <a:srgbClr val="00B050"/>
+                </a:solidFill>
+              </a:rPr>
+              <a:t>de preferência, alinhado com sua pesquisa</a:t>
+            </a:r>
+            <a:r>
+              <a:rPr lang="pt-BR" dirty="0">
+                <a:solidFill>
+                  <a:srgbClr val="000000"/>
+                </a:solidFill>
+              </a:rPr>
+              <a:t>).</a:t>
+            </a:r>
           </a:p>
           <a:p>
             <a:pPr lvl="1">
@@ -7561,7 +7617,7 @@
             </a:pPr>
             <a:r>
               <a:rPr lang="pt-BR" dirty="0"/>
-              <a:t>Conhecimento intermediário de programação em Python.</a:t>
+              <a:t>Conhecimento intermediário/avançado de programação em Python.</a:t>
             </a:r>
           </a:p>
           <a:p>
@@ -7982,7 +8038,7 @@
             </a:pPr>
             <a:r>
               <a:rPr lang="pt-BR" dirty="0"/>
-              <a:t>Deve ser entregue ao final do segundo mês.</a:t>
+              <a:t>Deve ser entregue na metade do segundo mês.</a:t>
             </a:r>
           </a:p>
           <a:p>

--- a/slides/TP558_1_Introdução_ao_curso.pptx
+++ b/slides/TP558_1_Introdução_ao_curso.pptx
@@ -5,10 +5,10 @@
     <p:sldMasterId id="2147483648" r:id="rId1"/>
   </p:sldMasterIdLst>
   <p:notesMasterIdLst>
-    <p:notesMasterId r:id="rId20"/>
+    <p:notesMasterId r:id="rId25"/>
   </p:notesMasterIdLst>
   <p:handoutMasterIdLst>
-    <p:handoutMasterId r:id="rId21"/>
+    <p:handoutMasterId r:id="rId26"/>
   </p:handoutMasterIdLst>
   <p:sldIdLst>
     <p:sldId id="256" r:id="rId2"/>
@@ -19,16 +19,21 @@
     <p:sldId id="398" r:id="rId7"/>
     <p:sldId id="424" r:id="rId8"/>
     <p:sldId id="426" r:id="rId9"/>
-    <p:sldId id="427" r:id="rId10"/>
-    <p:sldId id="428" r:id="rId11"/>
-    <p:sldId id="429" r:id="rId12"/>
-    <p:sldId id="431" r:id="rId13"/>
-    <p:sldId id="432" r:id="rId14"/>
-    <p:sldId id="430" r:id="rId15"/>
-    <p:sldId id="263" r:id="rId16"/>
-    <p:sldId id="298" r:id="rId17"/>
-    <p:sldId id="293" r:id="rId18"/>
-    <p:sldId id="306" r:id="rId19"/>
+    <p:sldId id="437" r:id="rId10"/>
+    <p:sldId id="427" r:id="rId11"/>
+    <p:sldId id="428" r:id="rId12"/>
+    <p:sldId id="429" r:id="rId13"/>
+    <p:sldId id="431" r:id="rId14"/>
+    <p:sldId id="436" r:id="rId15"/>
+    <p:sldId id="432" r:id="rId16"/>
+    <p:sldId id="430" r:id="rId17"/>
+    <p:sldId id="434" r:id="rId18"/>
+    <p:sldId id="435" r:id="rId19"/>
+    <p:sldId id="433" r:id="rId20"/>
+    <p:sldId id="263" r:id="rId21"/>
+    <p:sldId id="298" r:id="rId22"/>
+    <p:sldId id="293" r:id="rId23"/>
+    <p:sldId id="306" r:id="rId24"/>
   </p:sldIdLst>
   <p:sldSz cx="12192000" cy="6858000"/>
   <p:notesSz cx="7315200" cy="9601200"/>
@@ -292,7 +297,7 @@
           <a:p>
             <a:fld id="{144F1436-6906-4D93-B7A2-786C327BFA14}" type="datetimeFigureOut">
               <a:rPr lang="nl-BE" smtClean="0"/>
-              <a:t>7/03/2024</a:t>
+              <a:t>13/03/2024</a:t>
             </a:fld>
             <a:endParaRPr lang="nl-BE"/>
           </a:p>
@@ -457,7 +462,7 @@
           <a:p>
             <a:fld id="{AA8CD09E-2914-4F47-B6C1-51B2C31814C9}" type="datetimeFigureOut">
               <a:rPr lang="pt-BR" smtClean="0"/>
-              <a:t>07/03/2024</a:t>
+              <a:t>13/03/2024</a:t>
             </a:fld>
             <a:endParaRPr lang="pt-BR"/>
           </a:p>
@@ -1077,7 +1082,7 @@
           <a:p>
             <a:fld id="{6FC8D850-966F-45A6-8DE7-15B891E7D40D}" type="slidenum">
               <a:rPr lang="pt-BR" smtClean="0"/>
-              <a:t>15</a:t>
+              <a:t>20</a:t>
             </a:fld>
             <a:endParaRPr lang="pt-BR"/>
           </a:p>
@@ -1243,7 +1248,7 @@
           <a:p>
             <a:fld id="{63289F7E-B80B-496E-81B4-D396C37C9454}" type="datetimeFigureOut">
               <a:rPr lang="pt-BR" smtClean="0"/>
-              <a:t>07/03/2024</a:t>
+              <a:t>13/03/2024</a:t>
             </a:fld>
             <a:endParaRPr lang="pt-BR"/>
           </a:p>
@@ -1441,7 +1446,7 @@
           <a:p>
             <a:fld id="{63289F7E-B80B-496E-81B4-D396C37C9454}" type="datetimeFigureOut">
               <a:rPr lang="pt-BR" smtClean="0"/>
-              <a:t>07/03/2024</a:t>
+              <a:t>13/03/2024</a:t>
             </a:fld>
             <a:endParaRPr lang="pt-BR"/>
           </a:p>
@@ -1649,7 +1654,7 @@
           <a:p>
             <a:fld id="{63289F7E-B80B-496E-81B4-D396C37C9454}" type="datetimeFigureOut">
               <a:rPr lang="pt-BR" smtClean="0"/>
-              <a:t>07/03/2024</a:t>
+              <a:t>13/03/2024</a:t>
             </a:fld>
             <a:endParaRPr lang="pt-BR"/>
           </a:p>
@@ -1847,7 +1852,7 @@
           <a:p>
             <a:fld id="{63289F7E-B80B-496E-81B4-D396C37C9454}" type="datetimeFigureOut">
               <a:rPr lang="pt-BR" smtClean="0"/>
-              <a:t>07/03/2024</a:t>
+              <a:t>13/03/2024</a:t>
             </a:fld>
             <a:endParaRPr lang="pt-BR"/>
           </a:p>
@@ -2122,7 +2127,7 @@
           <a:p>
             <a:fld id="{63289F7E-B80B-496E-81B4-D396C37C9454}" type="datetimeFigureOut">
               <a:rPr lang="pt-BR" smtClean="0"/>
-              <a:t>07/03/2024</a:t>
+              <a:t>13/03/2024</a:t>
             </a:fld>
             <a:endParaRPr lang="pt-BR"/>
           </a:p>
@@ -2387,7 +2392,7 @@
           <a:p>
             <a:fld id="{63289F7E-B80B-496E-81B4-D396C37C9454}" type="datetimeFigureOut">
               <a:rPr lang="pt-BR" smtClean="0"/>
-              <a:t>07/03/2024</a:t>
+              <a:t>13/03/2024</a:t>
             </a:fld>
             <a:endParaRPr lang="pt-BR"/>
           </a:p>
@@ -2799,7 +2804,7 @@
           <a:p>
             <a:fld id="{63289F7E-B80B-496E-81B4-D396C37C9454}" type="datetimeFigureOut">
               <a:rPr lang="pt-BR" smtClean="0"/>
-              <a:t>07/03/2024</a:t>
+              <a:t>13/03/2024</a:t>
             </a:fld>
             <a:endParaRPr lang="pt-BR"/>
           </a:p>
@@ -2940,7 +2945,7 @@
           <a:p>
             <a:fld id="{63289F7E-B80B-496E-81B4-D396C37C9454}" type="datetimeFigureOut">
               <a:rPr lang="pt-BR" smtClean="0"/>
-              <a:t>07/03/2024</a:t>
+              <a:t>13/03/2024</a:t>
             </a:fld>
             <a:endParaRPr lang="pt-BR"/>
           </a:p>
@@ -3053,7 +3058,7 @@
           <a:p>
             <a:fld id="{63289F7E-B80B-496E-81B4-D396C37C9454}" type="datetimeFigureOut">
               <a:rPr lang="pt-BR" smtClean="0"/>
-              <a:t>07/03/2024</a:t>
+              <a:t>13/03/2024</a:t>
             </a:fld>
             <a:endParaRPr lang="pt-BR"/>
           </a:p>
@@ -3364,7 +3369,7 @@
           <a:p>
             <a:fld id="{63289F7E-B80B-496E-81B4-D396C37C9454}" type="datetimeFigureOut">
               <a:rPr lang="pt-BR" smtClean="0"/>
-              <a:t>07/03/2024</a:t>
+              <a:t>13/03/2024</a:t>
             </a:fld>
             <a:endParaRPr lang="pt-BR"/>
           </a:p>
@@ -3652,7 +3657,7 @@
           <a:p>
             <a:fld id="{63289F7E-B80B-496E-81B4-D396C37C9454}" type="datetimeFigureOut">
               <a:rPr lang="pt-BR" smtClean="0"/>
-              <a:t>07/03/2024</a:t>
+              <a:t>13/03/2024</a:t>
             </a:fld>
             <a:endParaRPr lang="pt-BR"/>
           </a:p>
@@ -3893,7 +3898,7 @@
           <a:p>
             <a:fld id="{63289F7E-B80B-496E-81B4-D396C37C9454}" type="datetimeFigureOut">
               <a:rPr lang="pt-BR" smtClean="0"/>
-              <a:t>07/03/2024</a:t>
+              <a:t>13/03/2024</a:t>
             </a:fld>
             <a:endParaRPr lang="pt-BR"/>
           </a:p>
@@ -4504,6 +4509,303 @@
         <p:cNvPr id="1" name="">
           <a:extLst>
             <a:ext uri="{FF2B5EF4-FFF2-40B4-BE49-F238E27FC236}">
+              <a16:creationId xmlns:a16="http://schemas.microsoft.com/office/drawing/2014/main" id="{7617B87B-9451-26E5-143E-DFEF71434E9F}"/>
+            </a:ext>
+          </a:extLst>
+        </p:cNvPr>
+        <p:cNvGrpSpPr/>
+        <p:nvPr/>
+      </p:nvGrpSpPr>
+      <p:grpSpPr>
+        <a:xfrm>
+          <a:off x="0" y="0"/>
+          <a:ext cx="0" cy="0"/>
+          <a:chOff x="0" y="0"/>
+          <a:chExt cx="0" cy="0"/>
+        </a:xfrm>
+      </p:grpSpPr>
+      <p:sp>
+        <p:nvSpPr>
+          <p:cNvPr id="2" name="Título 1">
+            <a:extLst>
+              <a:ext uri="{FF2B5EF4-FFF2-40B4-BE49-F238E27FC236}">
+                <a16:creationId xmlns:a16="http://schemas.microsoft.com/office/drawing/2014/main" id="{530D8C5D-85CB-1EC5-46EE-3E9C5D6E11D6}"/>
+              </a:ext>
+            </a:extLst>
+          </p:cNvPr>
+          <p:cNvSpPr>
+            <a:spLocks noGrp="1"/>
+          </p:cNvSpPr>
+          <p:nvPr>
+            <p:ph type="title"/>
+          </p:nvPr>
+        </p:nvSpPr>
+        <p:spPr/>
+        <p:txBody>
+          <a:bodyPr/>
+          <a:lstStyle/>
+          <a:p>
+            <a:r>
+              <a:rPr lang="pt-BR" dirty="0"/>
+              <a:t>Temas dos seminários</a:t>
+            </a:r>
+          </a:p>
+        </p:txBody>
+      </p:sp>
+      <p:sp>
+        <p:nvSpPr>
+          <p:cNvPr id="3" name="Espaço Reservado para Conteúdo 2">
+            <a:extLst>
+              <a:ext uri="{FF2B5EF4-FFF2-40B4-BE49-F238E27FC236}">
+                <a16:creationId xmlns:a16="http://schemas.microsoft.com/office/drawing/2014/main" id="{4C11FF3E-C7A6-AE98-273A-28F266ADBFC3}"/>
+              </a:ext>
+            </a:extLst>
+          </p:cNvPr>
+          <p:cNvSpPr>
+            <a:spLocks noGrp="1"/>
+          </p:cNvSpPr>
+          <p:nvPr>
+            <p:ph idx="1"/>
+          </p:nvPr>
+        </p:nvSpPr>
+        <p:spPr>
+          <a:xfrm>
+            <a:off x="838200" y="1825624"/>
+            <a:ext cx="11201400" cy="5032375"/>
+          </a:xfrm>
+        </p:spPr>
+        <p:txBody>
+          <a:bodyPr/>
+          <a:lstStyle/>
+          <a:p>
+            <a:r>
+              <a:rPr lang="pt-BR" dirty="0"/>
+              <a:t>Computer Vision: </a:t>
+            </a:r>
+            <a:r>
+              <a:rPr lang="pt-BR" dirty="0" err="1"/>
+              <a:t>Image</a:t>
+            </a:r>
+            <a:r>
+              <a:rPr lang="pt-BR" dirty="0"/>
+              <a:t> </a:t>
+            </a:r>
+            <a:r>
+              <a:rPr lang="pt-BR" dirty="0" err="1"/>
+              <a:t>classification</a:t>
+            </a:r>
+            <a:endParaRPr lang="pt-BR" dirty="0"/>
+          </a:p>
+          <a:p>
+            <a:pPr lvl="1">
+              <a:buFont typeface="Wingdings" panose="05000000000000000000" pitchFamily="2" charset="2"/>
+              <a:buChar char="§"/>
+            </a:pPr>
+            <a:r>
+              <a:rPr lang="pt-BR" dirty="0"/>
+              <a:t>Vision </a:t>
+            </a:r>
+            <a:r>
+              <a:rPr lang="pt-BR" dirty="0" err="1"/>
+              <a:t>Transformer</a:t>
+            </a:r>
+            <a:endParaRPr lang="pt-BR" dirty="0"/>
+          </a:p>
+          <a:p>
+            <a:pPr lvl="2">
+              <a:buFont typeface="Wingdings" panose="05000000000000000000" pitchFamily="2" charset="2"/>
+              <a:buChar char="ü"/>
+            </a:pPr>
+            <a:r>
+              <a:rPr lang="pt-BR" dirty="0">
+                <a:hlinkClick r:id="rId2"/>
+              </a:rPr>
+              <a:t>https://arxiv.org/abs/2010.11929</a:t>
+            </a:r>
+            <a:endParaRPr lang="pt-BR" dirty="0"/>
+          </a:p>
+          <a:p>
+            <a:pPr lvl="2">
+              <a:buFont typeface="Wingdings" panose="05000000000000000000" pitchFamily="2" charset="2"/>
+              <a:buChar char="ü"/>
+            </a:pPr>
+            <a:r>
+              <a:rPr lang="pt-BR" dirty="0">
+                <a:hlinkClick r:id="rId3"/>
+              </a:rPr>
+              <a:t>https://keras.io/examples/vision/image_classification_with_vision_transformer/</a:t>
+            </a:r>
+            <a:endParaRPr lang="pt-BR" dirty="0"/>
+          </a:p>
+          <a:p>
+            <a:pPr lvl="1">
+              <a:buFont typeface="Wingdings" panose="05000000000000000000" pitchFamily="2" charset="2"/>
+              <a:buChar char="§"/>
+            </a:pPr>
+            <a:r>
+              <a:rPr lang="pt-BR" dirty="0" err="1"/>
+              <a:t>Swin</a:t>
+            </a:r>
+            <a:r>
+              <a:rPr lang="pt-BR" dirty="0"/>
+              <a:t> </a:t>
+            </a:r>
+            <a:r>
+              <a:rPr lang="pt-BR" dirty="0" err="1"/>
+              <a:t>Transformer</a:t>
+            </a:r>
+            <a:endParaRPr lang="pt-BR" dirty="0"/>
+          </a:p>
+          <a:p>
+            <a:pPr lvl="2">
+              <a:buFont typeface="Wingdings" panose="05000000000000000000" pitchFamily="2" charset="2"/>
+              <a:buChar char="ü"/>
+            </a:pPr>
+            <a:r>
+              <a:rPr lang="pt-BR" dirty="0">
+                <a:hlinkClick r:id="rId4"/>
+              </a:rPr>
+              <a:t>https://arxiv.org/abs/2103.14030</a:t>
+            </a:r>
+            <a:endParaRPr lang="pt-BR" dirty="0"/>
+          </a:p>
+          <a:p>
+            <a:pPr lvl="2">
+              <a:buFont typeface="Wingdings" panose="05000000000000000000" pitchFamily="2" charset="2"/>
+              <a:buChar char="ü"/>
+            </a:pPr>
+            <a:r>
+              <a:rPr lang="pt-BR" dirty="0">
+                <a:hlinkClick r:id="rId5"/>
+              </a:rPr>
+              <a:t>https://keras.io/examples/vision/swin_transformers/</a:t>
+            </a:r>
+            <a:endParaRPr lang="pt-BR" dirty="0"/>
+          </a:p>
+          <a:p>
+            <a:pPr lvl="1">
+              <a:buFont typeface="Wingdings" panose="05000000000000000000" pitchFamily="2" charset="2"/>
+              <a:buChar char="§"/>
+            </a:pPr>
+            <a:r>
+              <a:rPr lang="pt-BR" i="0" dirty="0" err="1">
+                <a:solidFill>
+                  <a:srgbClr val="212529"/>
+                </a:solidFill>
+                <a:effectLst/>
+              </a:rPr>
+              <a:t>Reptile</a:t>
+            </a:r>
+            <a:endParaRPr lang="pt-BR" i="0" dirty="0">
+              <a:solidFill>
+                <a:srgbClr val="212529"/>
+              </a:solidFill>
+              <a:effectLst/>
+            </a:endParaRPr>
+          </a:p>
+          <a:p>
+            <a:pPr lvl="2">
+              <a:buFont typeface="Wingdings" panose="05000000000000000000" pitchFamily="2" charset="2"/>
+              <a:buChar char="ü"/>
+            </a:pPr>
+            <a:r>
+              <a:rPr lang="pt-BR" dirty="0">
+                <a:hlinkClick r:id="rId6"/>
+              </a:rPr>
+              <a:t>https://arxiv.org/abs/1803.02999</a:t>
+            </a:r>
+            <a:endParaRPr lang="pt-BR" dirty="0"/>
+          </a:p>
+          <a:p>
+            <a:pPr lvl="2">
+              <a:buFont typeface="Wingdings" panose="05000000000000000000" pitchFamily="2" charset="2"/>
+              <a:buChar char="ü"/>
+            </a:pPr>
+            <a:r>
+              <a:rPr lang="pt-BR" dirty="0">
+                <a:hlinkClick r:id="rId7"/>
+              </a:rPr>
+              <a:t>https://keras.io/examples/vision/reptile/</a:t>
+            </a:r>
+            <a:endParaRPr lang="pt-BR" dirty="0"/>
+          </a:p>
+          <a:p>
+            <a:pPr lvl="1">
+              <a:buFont typeface="Wingdings" panose="05000000000000000000" pitchFamily="2" charset="2"/>
+              <a:buChar char="§"/>
+            </a:pPr>
+            <a:r>
+              <a:rPr lang="en-US" b="0" i="0" dirty="0" err="1">
+                <a:solidFill>
+                  <a:srgbClr val="000000"/>
+                </a:solidFill>
+                <a:effectLst/>
+              </a:rPr>
+              <a:t>RegNet</a:t>
+            </a:r>
+            <a:r>
+              <a:rPr lang="en-US" b="0" i="0" dirty="0">
+                <a:solidFill>
+                  <a:srgbClr val="000000"/>
+                </a:solidFill>
+                <a:effectLst/>
+              </a:rPr>
+              <a:t>: Self-Regulated Network for Image Classification</a:t>
+            </a:r>
+          </a:p>
+          <a:p>
+            <a:pPr lvl="2">
+              <a:buFont typeface="Wingdings" panose="05000000000000000000" pitchFamily="2" charset="2"/>
+              <a:buChar char="ü"/>
+            </a:pPr>
+            <a:r>
+              <a:rPr lang="pt-BR" dirty="0">
+                <a:hlinkClick r:id="rId8"/>
+              </a:rPr>
+              <a:t>https://arxiv.org/abs/2101.00590</a:t>
+            </a:r>
+            <a:endParaRPr lang="en-US" dirty="0">
+              <a:solidFill>
+                <a:srgbClr val="000000"/>
+              </a:solidFill>
+            </a:endParaRPr>
+          </a:p>
+          <a:p>
+            <a:pPr lvl="2">
+              <a:buFont typeface="Wingdings" panose="05000000000000000000" pitchFamily="2" charset="2"/>
+              <a:buChar char="ü"/>
+            </a:pPr>
+            <a:r>
+              <a:rPr lang="pt-BR" dirty="0">
+                <a:hlinkClick r:id="rId9"/>
+              </a:rPr>
+              <a:t>https://paperswithcode.com/paper/regnet-self-regulated-network-for-image</a:t>
+            </a:r>
+            <a:endParaRPr lang="pt-BR" dirty="0"/>
+          </a:p>
+        </p:txBody>
+      </p:sp>
+    </p:spTree>
+    <p:extLst>
+      <p:ext uri="{BB962C8B-B14F-4D97-AF65-F5344CB8AC3E}">
+        <p14:creationId xmlns:p14="http://schemas.microsoft.com/office/powerpoint/2010/main" val="1451750616"/>
+      </p:ext>
+    </p:extLst>
+  </p:cSld>
+  <p:clrMapOvr>
+    <a:masterClrMapping/>
+  </p:clrMapOvr>
+</p:sld>
+</file>
+
+<file path=ppt/slides/slide11.xml><?xml version="1.0" encoding="utf-8"?>
+<p:sld xmlns:a="http://schemas.openxmlformats.org/drawingml/2006/main" xmlns:r="http://schemas.openxmlformats.org/officeDocument/2006/relationships" xmlns:p="http://schemas.openxmlformats.org/presentationml/2006/main">
+  <p:cSld>
+    <p:spTree>
+      <p:nvGrpSpPr>
+        <p:cNvPr id="1" name="">
+          <a:extLst>
+            <a:ext uri="{FF2B5EF4-FFF2-40B4-BE49-F238E27FC236}">
               <a16:creationId xmlns:a16="http://schemas.microsoft.com/office/drawing/2014/main" id="{C27B3849-BF4B-F30A-23EA-9FE30E20CBCA}"/>
             </a:ext>
           </a:extLst>
@@ -4719,7 +5021,7 @@
 </p:sld>
 </file>
 
-<file path=ppt/slides/slide11.xml><?xml version="1.0" encoding="utf-8"?>
+<file path=ppt/slides/slide12.xml><?xml version="1.0" encoding="utf-8"?>
 <p:sld xmlns:a="http://schemas.openxmlformats.org/drawingml/2006/main" xmlns:r="http://schemas.openxmlformats.org/officeDocument/2006/relationships" xmlns:p="http://schemas.openxmlformats.org/presentationml/2006/main">
   <p:cSld>
     <p:spTree>
@@ -4984,7 +5286,7 @@
 </p:sld>
 </file>
 
-<file path=ppt/slides/slide12.xml><?xml version="1.0" encoding="utf-8"?>
+<file path=ppt/slides/slide13.xml><?xml version="1.0" encoding="utf-8"?>
 <p:sld xmlns:a="http://schemas.openxmlformats.org/drawingml/2006/main" xmlns:r="http://schemas.openxmlformats.org/officeDocument/2006/relationships" xmlns:p="http://schemas.openxmlformats.org/presentationml/2006/main">
   <p:cSld>
     <p:spTree>
@@ -5177,7 +5479,211 @@
 </p:sld>
 </file>
 
-<file path=ppt/slides/slide13.xml><?xml version="1.0" encoding="utf-8"?>
+<file path=ppt/slides/slide14.xml><?xml version="1.0" encoding="utf-8"?>
+<p:sld xmlns:a="http://schemas.openxmlformats.org/drawingml/2006/main" xmlns:r="http://schemas.openxmlformats.org/officeDocument/2006/relationships" xmlns:p="http://schemas.openxmlformats.org/presentationml/2006/main">
+  <p:cSld>
+    <p:spTree>
+      <p:nvGrpSpPr>
+        <p:cNvPr id="1" name=""/>
+        <p:cNvGrpSpPr/>
+        <p:nvPr/>
+      </p:nvGrpSpPr>
+      <p:grpSpPr>
+        <a:xfrm>
+          <a:off x="0" y="0"/>
+          <a:ext cx="0" cy="0"/>
+          <a:chOff x="0" y="0"/>
+          <a:chExt cx="0" cy="0"/>
+        </a:xfrm>
+      </p:grpSpPr>
+      <p:sp>
+        <p:nvSpPr>
+          <p:cNvPr id="2" name="Título 1">
+            <a:extLst>
+              <a:ext uri="{FF2B5EF4-FFF2-40B4-BE49-F238E27FC236}">
+                <a16:creationId xmlns:a16="http://schemas.microsoft.com/office/drawing/2014/main" id="{F70C7E2D-5398-4F5E-7000-BA72FF1C6228}"/>
+              </a:ext>
+            </a:extLst>
+          </p:cNvPr>
+          <p:cNvSpPr>
+            <a:spLocks noGrp="1"/>
+          </p:cNvSpPr>
+          <p:nvPr>
+            <p:ph type="title"/>
+          </p:nvPr>
+        </p:nvSpPr>
+        <p:spPr/>
+        <p:txBody>
+          <a:bodyPr/>
+          <a:lstStyle/>
+          <a:p>
+            <a:r>
+              <a:rPr lang="pt-BR" dirty="0"/>
+              <a:t>Temas dos seminários</a:t>
+            </a:r>
+          </a:p>
+        </p:txBody>
+      </p:sp>
+      <p:sp>
+        <p:nvSpPr>
+          <p:cNvPr id="3" name="Espaço Reservado para Conteúdo 2">
+            <a:extLst>
+              <a:ext uri="{FF2B5EF4-FFF2-40B4-BE49-F238E27FC236}">
+                <a16:creationId xmlns:a16="http://schemas.microsoft.com/office/drawing/2014/main" id="{BA790209-FBBD-71F4-6F9F-502DB6462A33}"/>
+              </a:ext>
+            </a:extLst>
+          </p:cNvPr>
+          <p:cNvSpPr>
+            <a:spLocks noGrp="1"/>
+          </p:cNvSpPr>
+          <p:nvPr>
+            <p:ph idx="1"/>
+          </p:nvPr>
+        </p:nvSpPr>
+        <p:spPr/>
+        <p:txBody>
+          <a:bodyPr/>
+          <a:lstStyle/>
+          <a:p>
+            <a:r>
+              <a:rPr lang="pt-BR" dirty="0"/>
+              <a:t>Computer Vision: </a:t>
+            </a:r>
+            <a:r>
+              <a:rPr lang="pt-BR" b="0" i="0" dirty="0">
+                <a:solidFill>
+                  <a:srgbClr val="000000"/>
+                </a:solidFill>
+                <a:effectLst/>
+              </a:rPr>
+              <a:t>3D </a:t>
+            </a:r>
+            <a:r>
+              <a:rPr lang="pt-BR" b="0" i="0" dirty="0" err="1">
+                <a:solidFill>
+                  <a:srgbClr val="000000"/>
+                </a:solidFill>
+                <a:effectLst/>
+              </a:rPr>
+              <a:t>Object</a:t>
+            </a:r>
+            <a:r>
+              <a:rPr lang="pt-BR" b="0" i="0" dirty="0">
+                <a:solidFill>
+                  <a:srgbClr val="000000"/>
+                </a:solidFill>
+                <a:effectLst/>
+              </a:rPr>
+              <a:t> </a:t>
+            </a:r>
+            <a:r>
+              <a:rPr lang="pt-BR" b="0" i="0" dirty="0" err="1">
+                <a:solidFill>
+                  <a:srgbClr val="000000"/>
+                </a:solidFill>
+                <a:effectLst/>
+              </a:rPr>
+              <a:t>Reconstruction</a:t>
+            </a:r>
+            <a:endParaRPr lang="pt-BR" b="0" i="0" dirty="0">
+              <a:solidFill>
+                <a:srgbClr val="000000"/>
+              </a:solidFill>
+              <a:effectLst/>
+            </a:endParaRPr>
+          </a:p>
+          <a:p>
+            <a:pPr lvl="1">
+              <a:buFont typeface="Wingdings" panose="05000000000000000000" pitchFamily="2" charset="2"/>
+              <a:buChar char="§"/>
+            </a:pPr>
+            <a:r>
+              <a:rPr lang="en-US" b="0" i="0" dirty="0" err="1">
+                <a:solidFill>
+                  <a:srgbClr val="000000"/>
+                </a:solidFill>
+                <a:effectLst/>
+              </a:rPr>
+              <a:t>TripoSR</a:t>
+            </a:r>
+            <a:r>
+              <a:rPr lang="en-US" b="0" i="0" dirty="0">
+                <a:solidFill>
+                  <a:srgbClr val="000000"/>
+                </a:solidFill>
+                <a:effectLst/>
+              </a:rPr>
+              <a:t>: Fast 3D Object Reconstruction from a Single Image</a:t>
+            </a:r>
+            <a:endParaRPr lang="pt-BR" dirty="0">
+              <a:hlinkClick r:id="rId2"/>
+            </a:endParaRPr>
+          </a:p>
+          <a:p>
+            <a:pPr lvl="2">
+              <a:buFont typeface="Wingdings" panose="05000000000000000000" pitchFamily="2" charset="2"/>
+              <a:buChar char="ü"/>
+            </a:pPr>
+            <a:r>
+              <a:rPr lang="pt-BR" dirty="0">
+                <a:hlinkClick r:id="rId2"/>
+              </a:rPr>
+              <a:t>https://arxiv.org/abs/2403.02151</a:t>
+            </a:r>
+            <a:endParaRPr lang="pt-BR" dirty="0"/>
+          </a:p>
+          <a:p>
+            <a:pPr lvl="2">
+              <a:buFont typeface="Wingdings" panose="05000000000000000000" pitchFamily="2" charset="2"/>
+              <a:buChar char="ü"/>
+            </a:pPr>
+            <a:r>
+              <a:rPr lang="pt-BR" dirty="0">
+                <a:hlinkClick r:id="rId3"/>
+              </a:rPr>
+              <a:t>https://paperswithcode.com/paper/triposr-fast-3d-object-reconstruction-from-a</a:t>
+            </a:r>
+            <a:endParaRPr lang="pt-BR" dirty="0"/>
+          </a:p>
+          <a:p>
+            <a:pPr lvl="1"/>
+            <a:endParaRPr lang="pt-BR" dirty="0"/>
+          </a:p>
+          <a:p>
+            <a:pPr marL="914400" lvl="2" indent="0">
+              <a:buNone/>
+            </a:pPr>
+            <a:endParaRPr lang="pt-BR" dirty="0"/>
+          </a:p>
+          <a:p>
+            <a:pPr marL="914400" lvl="2" indent="0">
+              <a:buNone/>
+            </a:pPr>
+            <a:endParaRPr lang="pt-BR" dirty="0"/>
+          </a:p>
+          <a:p>
+            <a:pPr lvl="1"/>
+            <a:endParaRPr lang="pt-BR" dirty="0"/>
+          </a:p>
+          <a:p>
+            <a:endParaRPr lang="pt-BR" dirty="0"/>
+          </a:p>
+        </p:txBody>
+      </p:sp>
+    </p:spTree>
+    <p:extLst>
+      <p:ext uri="{BB962C8B-B14F-4D97-AF65-F5344CB8AC3E}">
+        <p14:creationId xmlns:p14="http://schemas.microsoft.com/office/powerpoint/2010/main" val="548121964"/>
+      </p:ext>
+    </p:extLst>
+  </p:cSld>
+  <p:clrMapOvr>
+    <a:masterClrMapping/>
+  </p:clrMapOvr>
+</p:sld>
+</file>
+
+<file path=ppt/slides/slide15.xml><?xml version="1.0" encoding="utf-8"?>
 <p:sld xmlns:a="http://schemas.openxmlformats.org/drawingml/2006/main" xmlns:r="http://schemas.openxmlformats.org/officeDocument/2006/relationships" xmlns:p="http://schemas.openxmlformats.org/presentationml/2006/main">
   <p:cSld>
     <p:spTree>
@@ -5468,7 +5974,7 @@
 </p:sld>
 </file>
 
-<file path=ppt/slides/slide14.xml><?xml version="1.0" encoding="utf-8"?>
+<file path=ppt/slides/slide16.xml><?xml version="1.0" encoding="utf-8"?>
 <p:sld xmlns:a="http://schemas.openxmlformats.org/drawingml/2006/main" xmlns:r="http://schemas.openxmlformats.org/officeDocument/2006/relationships" xmlns:p="http://schemas.openxmlformats.org/presentationml/2006/main">
   <p:cSld>
     <p:spTree>
@@ -5537,8 +6043,8 @@
         </p:nvSpPr>
         <p:spPr>
           <a:xfrm>
-            <a:off x="838200" y="1825625"/>
-            <a:ext cx="10907486" cy="4351338"/>
+            <a:off x="838200" y="1825624"/>
+            <a:ext cx="11114314" cy="5032375"/>
           </a:xfrm>
         </p:spPr>
         <p:txBody>
@@ -5718,39 +6224,124 @@
             <a:endParaRPr lang="pt-BR" dirty="0"/>
           </a:p>
           <a:p>
-            <a:pPr marL="0" indent="0">
-              <a:buNone/>
-            </a:pPr>
+            <a:pPr algn="l"/>
+            <a:r>
+              <a:rPr lang="pt-BR" dirty="0"/>
+              <a:t>Natural </a:t>
+            </a:r>
+            <a:r>
+              <a:rPr lang="pt-BR" dirty="0" err="1"/>
+              <a:t>Language</a:t>
+            </a:r>
+            <a:r>
+              <a:rPr lang="pt-BR" dirty="0"/>
+              <a:t> </a:t>
+            </a:r>
+            <a:r>
+              <a:rPr lang="pt-BR" dirty="0" err="1"/>
+              <a:t>Processing</a:t>
+            </a:r>
+            <a:r>
+              <a:rPr lang="pt-BR" dirty="0"/>
+              <a:t>: Speech </a:t>
+            </a:r>
+            <a:r>
+              <a:rPr lang="pt-BR" dirty="0" err="1"/>
+              <a:t>Synthesis</a:t>
+            </a:r>
             <a:endParaRPr lang="pt-BR" dirty="0"/>
           </a:p>
           <a:p>
-            <a:pPr>
+            <a:pPr lvl="1">
+              <a:buFont typeface="Wingdings" panose="05000000000000000000" pitchFamily="2" charset="2"/>
+              <a:buChar char="§"/>
+            </a:pPr>
+            <a:r>
+              <a:rPr lang="pt-BR" b="0" i="0" dirty="0" err="1">
+                <a:effectLst/>
+              </a:rPr>
+              <a:t>WaveNet</a:t>
+            </a:r>
+            <a:r>
+              <a:rPr lang="pt-BR" b="0" i="0" dirty="0">
+                <a:effectLst/>
+              </a:rPr>
+              <a:t>: A </a:t>
+            </a:r>
+            <a:r>
+              <a:rPr lang="pt-BR" b="0" i="0" dirty="0" err="1">
+                <a:effectLst/>
+              </a:rPr>
+              <a:t>Generative</a:t>
+            </a:r>
+            <a:r>
+              <a:rPr lang="pt-BR" b="0" i="0" dirty="0">
+                <a:effectLst/>
+              </a:rPr>
+              <a:t> Model for </a:t>
+            </a:r>
+            <a:r>
+              <a:rPr lang="pt-BR" b="0" i="0" dirty="0" err="1">
+                <a:effectLst/>
+              </a:rPr>
+              <a:t>Raw</a:t>
+            </a:r>
+            <a:r>
+              <a:rPr lang="pt-BR" b="0" i="0" dirty="0">
+                <a:effectLst/>
+              </a:rPr>
+              <a:t> </a:t>
+            </a:r>
+            <a:r>
+              <a:rPr lang="pt-BR" b="0" i="0" dirty="0" err="1">
+                <a:effectLst/>
+              </a:rPr>
+              <a:t>Audio</a:t>
+            </a:r>
+            <a:endParaRPr lang="pt-BR" b="0" i="0" dirty="0">
+              <a:effectLst/>
+            </a:endParaRPr>
+          </a:p>
+          <a:p>
+            <a:pPr lvl="2">
               <a:buFont typeface="Wingdings" panose="05000000000000000000" pitchFamily="2" charset="2"/>
               <a:buChar char="ü"/>
             </a:pPr>
-            <a:endParaRPr lang="pt-BR" dirty="0"/>
+            <a:r>
+              <a:rPr lang="pt-BR" b="0" i="0" dirty="0">
+                <a:effectLst/>
+                <a:hlinkClick r:id="rId6">
+                  <a:extLst>
+                    <a:ext uri="{A12FA001-AC4F-418D-AE19-62706E023703}">
+                      <ahyp:hlinkClr xmlns:ahyp="http://schemas.microsoft.com/office/drawing/2018/hyperlinkcolor" val="tx"/>
+                    </a:ext>
+                  </a:extLst>
+                </a:hlinkClick>
+              </a:rPr>
+              <a:t>https://arxiv.org/abs/1609.03499</a:t>
+            </a:r>
+            <a:endParaRPr lang="pt-BR" b="0" i="0" dirty="0">
+              <a:effectLst/>
+            </a:endParaRPr>
           </a:p>
           <a:p>
             <a:pPr lvl="2">
               <a:buFont typeface="Wingdings" panose="05000000000000000000" pitchFamily="2" charset="2"/>
               <a:buChar char="ü"/>
             </a:pPr>
-            <a:endParaRPr lang="pt-BR" dirty="0"/>
-          </a:p>
-          <a:p>
-            <a:pPr marL="914400" lvl="2" indent="0">
-              <a:buNone/>
-            </a:pPr>
-            <a:endParaRPr lang="pt-BR" dirty="0"/>
-          </a:p>
-          <a:p>
-            <a:pPr marL="914400" lvl="2" indent="0">
-              <a:buNone/>
-            </a:pPr>
-            <a:endParaRPr lang="pt-BR" dirty="0"/>
-          </a:p>
-          <a:p>
-            <a:pPr lvl="1"/>
+            <a:r>
+              <a:rPr lang="pt-BR" b="0" i="0" dirty="0">
+                <a:effectLst/>
+                <a:hlinkClick r:id="rId7">
+                  <a:extLst>
+                    <a:ext uri="{A12FA001-AC4F-418D-AE19-62706E023703}">
+                      <ahyp:hlinkClr xmlns:ahyp="http://schemas.microsoft.com/office/drawing/2018/hyperlinkcolor" val="tx"/>
+                    </a:ext>
+                  </a:extLst>
+                </a:hlinkClick>
+              </a:rPr>
+              <a:t>https://paperswithcode.com/paper/wavenet-a-generative-model-for-raw-audio</a:t>
+            </a:r>
             <a:endParaRPr lang="pt-BR" dirty="0"/>
           </a:p>
         </p:txBody>
@@ -5759,1088 +6350,6 @@
     <p:extLst>
       <p:ext uri="{BB962C8B-B14F-4D97-AF65-F5344CB8AC3E}">
         <p14:creationId xmlns:p14="http://schemas.microsoft.com/office/powerpoint/2010/main" val="801807437"/>
-      </p:ext>
-    </p:extLst>
-  </p:cSld>
-  <p:clrMapOvr>
-    <a:masterClrMapping/>
-  </p:clrMapOvr>
-</p:sld>
-</file>
-
-<file path=ppt/slides/slide15.xml><?xml version="1.0" encoding="utf-8"?>
-<p:sld xmlns:a="http://schemas.openxmlformats.org/drawingml/2006/main" xmlns:r="http://schemas.openxmlformats.org/officeDocument/2006/relationships" xmlns:p="http://schemas.openxmlformats.org/presentationml/2006/main">
-  <p:cSld>
-    <p:spTree>
-      <p:nvGrpSpPr>
-        <p:cNvPr id="1" name=""/>
-        <p:cNvGrpSpPr/>
-        <p:nvPr/>
-      </p:nvGrpSpPr>
-      <p:grpSpPr>
-        <a:xfrm>
-          <a:off x="0" y="0"/>
-          <a:ext cx="0" cy="0"/>
-          <a:chOff x="0" y="0"/>
-          <a:chExt cx="0" cy="0"/>
-        </a:xfrm>
-      </p:grpSpPr>
-      <p:sp>
-        <p:nvSpPr>
-          <p:cNvPr id="2" name="Título 1">
-            <a:extLst>
-              <a:ext uri="{FF2B5EF4-FFF2-40B4-BE49-F238E27FC236}">
-                <a16:creationId xmlns:a16="http://schemas.microsoft.com/office/drawing/2014/main" id="{A2A4684C-1159-4F88-A2B1-6BABEDE38C4D}"/>
-              </a:ext>
-            </a:extLst>
-          </p:cNvPr>
-          <p:cNvSpPr>
-            <a:spLocks noGrp="1"/>
-          </p:cNvSpPr>
-          <p:nvPr>
-            <p:ph type="title"/>
-          </p:nvPr>
-        </p:nvSpPr>
-        <p:spPr/>
-        <p:txBody>
-          <a:bodyPr/>
-          <a:lstStyle/>
-          <a:p>
-            <a:r>
-              <a:rPr lang="pt-BR" dirty="0"/>
-              <a:t>Referências</a:t>
-            </a:r>
-          </a:p>
-        </p:txBody>
-      </p:sp>
-      <p:sp>
-        <p:nvSpPr>
-          <p:cNvPr id="3" name="Espaço Reservado para Conteúdo 2">
-            <a:extLst>
-              <a:ext uri="{FF2B5EF4-FFF2-40B4-BE49-F238E27FC236}">
-                <a16:creationId xmlns:a16="http://schemas.microsoft.com/office/drawing/2014/main" id="{EC432B31-D382-41FF-BB6B-2ABDD322424B}"/>
-              </a:ext>
-            </a:extLst>
-          </p:cNvPr>
-          <p:cNvSpPr>
-            <a:spLocks noGrp="1"/>
-          </p:cNvSpPr>
-          <p:nvPr>
-            <p:ph idx="1"/>
-          </p:nvPr>
-        </p:nvSpPr>
-        <p:spPr>
-          <a:xfrm>
-            <a:off x="838199" y="1648915"/>
-            <a:ext cx="11157155" cy="5209085"/>
-          </a:xfrm>
-        </p:spPr>
-        <p:txBody>
-          <a:bodyPr>
-            <a:noAutofit/>
-          </a:bodyPr>
-          <a:lstStyle/>
-          <a:p>
-            <a:pPr marL="0" indent="0">
-              <a:spcBef>
-                <a:spcPts val="0"/>
-              </a:spcBef>
-              <a:buNone/>
-            </a:pPr>
-            <a:r>
-              <a:rPr lang="pt-BR" sz="2400" b="0" i="0" u="none" strike="noStrike" dirty="0">
-                <a:solidFill>
-                  <a:srgbClr val="000000"/>
-                </a:solidFill>
-                <a:effectLst/>
-              </a:rPr>
-              <a:t>[1] </a:t>
-            </a:r>
-            <a:r>
-              <a:rPr lang="pt-BR" sz="2400" dirty="0">
-                <a:solidFill>
-                  <a:srgbClr val="000000"/>
-                </a:solidFill>
-              </a:rPr>
-              <a:t>“Tensorflow </a:t>
-            </a:r>
-            <a:r>
-              <a:rPr lang="pt-BR" sz="2400" dirty="0" err="1">
-                <a:solidFill>
-                  <a:srgbClr val="000000"/>
-                </a:solidFill>
-              </a:rPr>
-              <a:t>c</a:t>
-            </a:r>
-            <a:r>
-              <a:rPr lang="pt-BR" sz="2400" b="0" i="0" u="none" strike="noStrike" dirty="0" err="1">
-                <a:solidFill>
-                  <a:srgbClr val="000000"/>
-                </a:solidFill>
-                <a:effectLst/>
-              </a:rPr>
-              <a:t>ode</a:t>
-            </a:r>
-            <a:r>
-              <a:rPr lang="pt-BR" sz="2400" b="0" i="0" u="none" strike="noStrike" dirty="0">
-                <a:solidFill>
-                  <a:srgbClr val="000000"/>
-                </a:solidFill>
-                <a:effectLst/>
-              </a:rPr>
-              <a:t> </a:t>
-            </a:r>
-            <a:r>
-              <a:rPr lang="pt-BR" sz="2400" b="0" i="0" u="none" strike="noStrike" dirty="0" err="1">
-                <a:solidFill>
-                  <a:srgbClr val="000000"/>
-                </a:solidFill>
-                <a:effectLst/>
-              </a:rPr>
-              <a:t>examples</a:t>
-            </a:r>
-            <a:r>
-              <a:rPr lang="pt-BR" sz="2400" b="0" i="0" u="none" strike="noStrike" dirty="0">
-                <a:solidFill>
-                  <a:srgbClr val="000000"/>
-                </a:solidFill>
-                <a:effectLst/>
-              </a:rPr>
-              <a:t>”, </a:t>
-            </a:r>
-            <a:r>
-              <a:rPr lang="pt-BR" sz="2400" b="0" i="0" u="none" strike="noStrike" dirty="0">
-                <a:solidFill>
-                  <a:srgbClr val="000000"/>
-                </a:solidFill>
-                <a:effectLst/>
-                <a:hlinkClick r:id="rId3"/>
-              </a:rPr>
-              <a:t>https://keras.io/examples/</a:t>
-            </a:r>
-            <a:endParaRPr lang="pt-BR" sz="2400" b="0" i="0" u="none" strike="noStrike" dirty="0">
-              <a:solidFill>
-                <a:srgbClr val="000000"/>
-              </a:solidFill>
-              <a:effectLst/>
-            </a:endParaRPr>
-          </a:p>
-          <a:p>
-            <a:pPr marL="0" indent="0">
-              <a:spcBef>
-                <a:spcPts val="0"/>
-              </a:spcBef>
-              <a:buNone/>
-            </a:pPr>
-            <a:r>
-              <a:rPr lang="pt-BR" sz="2400" dirty="0">
-                <a:solidFill>
-                  <a:srgbClr val="000000"/>
-                </a:solidFill>
-              </a:rPr>
-              <a:t>[2] “</a:t>
-            </a:r>
-            <a:r>
-              <a:rPr lang="pt-BR" sz="2400" dirty="0" err="1">
-                <a:solidFill>
-                  <a:srgbClr val="000000"/>
-                </a:solidFill>
-              </a:rPr>
-              <a:t>Pytorch</a:t>
-            </a:r>
-            <a:r>
-              <a:rPr lang="pt-BR" sz="2400" dirty="0">
-                <a:solidFill>
-                  <a:srgbClr val="000000"/>
-                </a:solidFill>
-              </a:rPr>
-              <a:t> </a:t>
-            </a:r>
-            <a:r>
-              <a:rPr lang="pt-BR" sz="2400" dirty="0" err="1">
-                <a:solidFill>
-                  <a:srgbClr val="000000"/>
-                </a:solidFill>
-              </a:rPr>
-              <a:t>code</a:t>
-            </a:r>
-            <a:r>
-              <a:rPr lang="pt-BR" sz="2400" dirty="0">
-                <a:solidFill>
-                  <a:srgbClr val="000000"/>
-                </a:solidFill>
-              </a:rPr>
-              <a:t> </a:t>
-            </a:r>
-            <a:r>
-              <a:rPr lang="pt-BR" sz="2400" dirty="0" err="1">
-                <a:solidFill>
-                  <a:srgbClr val="000000"/>
-                </a:solidFill>
-              </a:rPr>
-              <a:t>examples</a:t>
-            </a:r>
-            <a:r>
-              <a:rPr lang="pt-BR" sz="2400" dirty="0">
-                <a:solidFill>
-                  <a:srgbClr val="000000"/>
-                </a:solidFill>
-              </a:rPr>
-              <a:t>”, </a:t>
-            </a:r>
-            <a:r>
-              <a:rPr lang="pt-BR" sz="2400" dirty="0">
-                <a:solidFill>
-                  <a:srgbClr val="000000"/>
-                </a:solidFill>
-                <a:hlinkClick r:id="rId4"/>
-              </a:rPr>
-              <a:t>https://pytorch.org/examples/</a:t>
-            </a:r>
-            <a:endParaRPr lang="pt-BR" sz="2400" dirty="0">
-              <a:solidFill>
-                <a:srgbClr val="000000"/>
-              </a:solidFill>
-            </a:endParaRPr>
-          </a:p>
-          <a:p>
-            <a:pPr marL="0" indent="0">
-              <a:spcBef>
-                <a:spcPts val="0"/>
-              </a:spcBef>
-              <a:buNone/>
-            </a:pPr>
-            <a:r>
-              <a:rPr lang="pt-BR" sz="2400" b="0" i="0" u="none" strike="noStrike" dirty="0">
-                <a:solidFill>
-                  <a:srgbClr val="000000"/>
-                </a:solidFill>
-                <a:effectLst/>
-              </a:rPr>
-              <a:t>[3] “Papers </a:t>
-            </a:r>
-            <a:r>
-              <a:rPr lang="pt-BR" sz="2400" b="0" i="0" u="none" strike="noStrike" dirty="0" err="1">
-                <a:solidFill>
-                  <a:srgbClr val="000000"/>
-                </a:solidFill>
-                <a:effectLst/>
-              </a:rPr>
-              <a:t>with</a:t>
-            </a:r>
-            <a:r>
-              <a:rPr lang="pt-BR" sz="2400" b="0" i="0" u="none" strike="noStrike" dirty="0">
-                <a:solidFill>
-                  <a:srgbClr val="000000"/>
-                </a:solidFill>
-                <a:effectLst/>
-              </a:rPr>
-              <a:t> </a:t>
-            </a:r>
-            <a:r>
-              <a:rPr lang="pt-BR" sz="2400" b="0" i="0" u="none" strike="noStrike" dirty="0" err="1">
-                <a:solidFill>
-                  <a:srgbClr val="000000"/>
-                </a:solidFill>
-                <a:effectLst/>
-              </a:rPr>
-              <a:t>code</a:t>
-            </a:r>
-            <a:r>
-              <a:rPr lang="pt-BR" sz="2400" b="0" i="0" u="none" strike="noStrike" dirty="0">
-                <a:solidFill>
-                  <a:srgbClr val="000000"/>
-                </a:solidFill>
-                <a:effectLst/>
-              </a:rPr>
-              <a:t>”</a:t>
-            </a:r>
-            <a:r>
-              <a:rPr lang="pt-BR" sz="2400" dirty="0">
-                <a:solidFill>
-                  <a:srgbClr val="000000"/>
-                </a:solidFill>
-              </a:rPr>
-              <a:t>, </a:t>
-            </a:r>
-            <a:r>
-              <a:rPr lang="pt-BR" sz="2400" dirty="0">
-                <a:solidFill>
-                  <a:srgbClr val="000000"/>
-                </a:solidFill>
-                <a:hlinkClick r:id="rId5"/>
-              </a:rPr>
-              <a:t>https://paperswithcode.com/</a:t>
-            </a:r>
-            <a:endParaRPr lang="pt-BR" sz="2400" b="0" i="0" u="none" strike="noStrike" dirty="0">
-              <a:solidFill>
-                <a:srgbClr val="000000"/>
-              </a:solidFill>
-              <a:effectLst/>
-            </a:endParaRPr>
-          </a:p>
-          <a:p>
-            <a:pPr marL="0" indent="0">
-              <a:spcBef>
-                <a:spcPts val="0"/>
-              </a:spcBef>
-              <a:buNone/>
-            </a:pPr>
-            <a:r>
-              <a:rPr lang="pt-BR" sz="2400" dirty="0">
-                <a:solidFill>
-                  <a:srgbClr val="000000"/>
-                </a:solidFill>
-              </a:rPr>
-              <a:t>[4] Sebastian </a:t>
-            </a:r>
-            <a:r>
-              <a:rPr lang="pt-BR" sz="2400" dirty="0" err="1">
-                <a:solidFill>
-                  <a:srgbClr val="000000"/>
-                </a:solidFill>
-              </a:rPr>
-              <a:t>Raschka</a:t>
-            </a:r>
-            <a:r>
-              <a:rPr lang="pt-BR" sz="2400" dirty="0">
-                <a:solidFill>
-                  <a:srgbClr val="000000"/>
-                </a:solidFill>
-              </a:rPr>
-              <a:t> </a:t>
-            </a:r>
-            <a:r>
-              <a:rPr lang="pt-BR" sz="2400" dirty="0" err="1">
-                <a:solidFill>
-                  <a:srgbClr val="000000"/>
-                </a:solidFill>
-              </a:rPr>
-              <a:t>and</a:t>
-            </a:r>
-            <a:r>
-              <a:rPr lang="pt-BR" sz="2400" dirty="0">
-                <a:solidFill>
-                  <a:srgbClr val="000000"/>
-                </a:solidFill>
-              </a:rPr>
-              <a:t> </a:t>
-            </a:r>
-            <a:r>
-              <a:rPr lang="pt-BR" sz="2400" dirty="0" err="1">
-                <a:solidFill>
-                  <a:srgbClr val="000000"/>
-                </a:solidFill>
-              </a:rPr>
-              <a:t>Vahid</a:t>
-            </a:r>
-            <a:r>
-              <a:rPr lang="pt-BR" sz="2400" dirty="0">
-                <a:solidFill>
-                  <a:srgbClr val="000000"/>
-                </a:solidFill>
-              </a:rPr>
-              <a:t> </a:t>
-            </a:r>
-            <a:r>
-              <a:rPr lang="pt-BR" sz="2400" dirty="0" err="1">
-                <a:solidFill>
-                  <a:srgbClr val="000000"/>
-                </a:solidFill>
-              </a:rPr>
-              <a:t>Mirjalili</a:t>
-            </a:r>
-            <a:r>
-              <a:rPr lang="pt-BR" sz="2400" dirty="0">
-                <a:solidFill>
-                  <a:srgbClr val="000000"/>
-                </a:solidFill>
-              </a:rPr>
-              <a:t>, “</a:t>
-            </a:r>
-            <a:r>
-              <a:rPr lang="en-US" sz="2400" dirty="0">
-                <a:solidFill>
-                  <a:srgbClr val="000000"/>
-                </a:solidFill>
-              </a:rPr>
-              <a:t>Python Machine Learning: Machine Learning and Deep Learning with Python, scikit-learn, and TensorFlow 2”, </a:t>
-            </a:r>
-            <a:r>
-              <a:rPr lang="pt-BR" sz="2400" dirty="0" err="1">
-                <a:solidFill>
-                  <a:srgbClr val="000000"/>
-                </a:solidFill>
-              </a:rPr>
-              <a:t>Packt</a:t>
-            </a:r>
-            <a:r>
-              <a:rPr lang="pt-BR" sz="2400" dirty="0">
-                <a:solidFill>
-                  <a:srgbClr val="000000"/>
-                </a:solidFill>
-              </a:rPr>
-              <a:t> </a:t>
-            </a:r>
-            <a:r>
-              <a:rPr lang="pt-BR" sz="2400" dirty="0" err="1">
-                <a:solidFill>
-                  <a:srgbClr val="000000"/>
-                </a:solidFill>
-              </a:rPr>
-              <a:t>Publishing</a:t>
-            </a:r>
-            <a:r>
-              <a:rPr lang="pt-BR" sz="2400" dirty="0">
-                <a:solidFill>
-                  <a:srgbClr val="000000"/>
-                </a:solidFill>
-              </a:rPr>
-              <a:t>, 2019.</a:t>
-            </a:r>
-            <a:br>
-              <a:rPr lang="en-US" sz="2400" dirty="0">
-                <a:solidFill>
-                  <a:srgbClr val="000000"/>
-                </a:solidFill>
-              </a:rPr>
-            </a:br>
-            <a:r>
-              <a:rPr lang="en-US" sz="2400" dirty="0">
-                <a:solidFill>
-                  <a:srgbClr val="000000"/>
-                </a:solidFill>
-              </a:rPr>
-              <a:t>[5] </a:t>
-            </a:r>
-            <a:r>
-              <a:rPr lang="pt-BR" sz="2400" dirty="0">
-                <a:solidFill>
-                  <a:srgbClr val="000000"/>
-                </a:solidFill>
-              </a:rPr>
-              <a:t>Ivan </a:t>
-            </a:r>
-            <a:r>
-              <a:rPr lang="pt-BR" sz="2400" dirty="0" err="1">
-                <a:solidFill>
-                  <a:srgbClr val="000000"/>
-                </a:solidFill>
-              </a:rPr>
-              <a:t>Vasilev</a:t>
-            </a:r>
-            <a:r>
-              <a:rPr lang="pt-BR" sz="2400" dirty="0">
-                <a:solidFill>
-                  <a:srgbClr val="000000"/>
-                </a:solidFill>
-              </a:rPr>
-              <a:t>, </a:t>
-            </a:r>
-            <a:r>
-              <a:rPr lang="en-US" sz="2400" dirty="0">
-                <a:solidFill>
-                  <a:srgbClr val="000000"/>
-                </a:solidFill>
-              </a:rPr>
-              <a:t>“Advanced Deep Learning with Python: Design and implement advanced next-generation AI solutions using TensorFlow and </a:t>
-            </a:r>
-            <a:r>
-              <a:rPr lang="en-US" sz="2400" dirty="0" err="1">
-                <a:solidFill>
-                  <a:srgbClr val="000000"/>
-                </a:solidFill>
-              </a:rPr>
-              <a:t>PyTorch</a:t>
-            </a:r>
-            <a:r>
-              <a:rPr lang="en-US" sz="2400" dirty="0">
-                <a:solidFill>
-                  <a:srgbClr val="000000"/>
-                </a:solidFill>
-              </a:rPr>
-              <a:t>”, </a:t>
-            </a:r>
-            <a:r>
-              <a:rPr lang="pt-BR" sz="2400" dirty="0" err="1">
-                <a:solidFill>
-                  <a:srgbClr val="000000"/>
-                </a:solidFill>
-              </a:rPr>
-              <a:t>Packt</a:t>
-            </a:r>
-            <a:r>
-              <a:rPr lang="pt-BR" sz="2400" dirty="0">
-                <a:solidFill>
-                  <a:srgbClr val="000000"/>
-                </a:solidFill>
-              </a:rPr>
-              <a:t> </a:t>
-            </a:r>
-            <a:r>
-              <a:rPr lang="pt-BR" sz="2400" dirty="0" err="1">
-                <a:solidFill>
-                  <a:srgbClr val="000000"/>
-                </a:solidFill>
-              </a:rPr>
-              <a:t>Publishing</a:t>
-            </a:r>
-            <a:r>
-              <a:rPr lang="pt-BR" sz="2400" dirty="0">
-                <a:solidFill>
-                  <a:srgbClr val="000000"/>
-                </a:solidFill>
-              </a:rPr>
-              <a:t>, 2019.</a:t>
-            </a:r>
-          </a:p>
-          <a:p>
-            <a:pPr marL="0" indent="0">
-              <a:spcBef>
-                <a:spcPts val="0"/>
-              </a:spcBef>
-              <a:buNone/>
-            </a:pPr>
-            <a:r>
-              <a:rPr lang="pt-BR" sz="2400" dirty="0">
-                <a:solidFill>
-                  <a:srgbClr val="000000"/>
-                </a:solidFill>
-              </a:rPr>
-              <a:t>[6] </a:t>
-            </a:r>
-            <a:r>
-              <a:rPr lang="pt-BR" sz="2400" dirty="0" err="1">
-                <a:solidFill>
-                  <a:srgbClr val="000000"/>
-                </a:solidFill>
-              </a:rPr>
-              <a:t>Aurélien</a:t>
-            </a:r>
-            <a:r>
-              <a:rPr lang="pt-BR" sz="2400" dirty="0">
-                <a:solidFill>
-                  <a:srgbClr val="000000"/>
-                </a:solidFill>
-              </a:rPr>
-              <a:t> </a:t>
-            </a:r>
-            <a:r>
-              <a:rPr lang="pt-BR" sz="2400" dirty="0" err="1">
-                <a:solidFill>
-                  <a:srgbClr val="000000"/>
-                </a:solidFill>
-              </a:rPr>
-              <a:t>Géron</a:t>
-            </a:r>
-            <a:r>
-              <a:rPr lang="pt-BR" sz="2400" dirty="0">
-                <a:solidFill>
-                  <a:srgbClr val="000000"/>
-                </a:solidFill>
-              </a:rPr>
-              <a:t>, "Hands-On Machine Learning </a:t>
-            </a:r>
-            <a:r>
-              <a:rPr lang="pt-BR" sz="2400" dirty="0" err="1">
-                <a:solidFill>
-                  <a:srgbClr val="000000"/>
-                </a:solidFill>
-              </a:rPr>
-              <a:t>with</a:t>
-            </a:r>
-            <a:r>
-              <a:rPr lang="pt-BR" sz="2400" dirty="0">
-                <a:solidFill>
-                  <a:srgbClr val="000000"/>
-                </a:solidFill>
-              </a:rPr>
-              <a:t> </a:t>
-            </a:r>
-            <a:r>
-              <a:rPr lang="pt-BR" sz="2400" dirty="0" err="1">
-                <a:solidFill>
-                  <a:srgbClr val="000000"/>
-                </a:solidFill>
-              </a:rPr>
-              <a:t>Scikit-Learn</a:t>
-            </a:r>
-            <a:r>
-              <a:rPr lang="pt-BR" sz="2400" dirty="0">
-                <a:solidFill>
-                  <a:srgbClr val="000000"/>
-                </a:solidFill>
-              </a:rPr>
-              <a:t> </a:t>
-            </a:r>
-            <a:r>
-              <a:rPr lang="pt-BR" sz="2400" dirty="0" err="1">
-                <a:solidFill>
-                  <a:srgbClr val="000000"/>
-                </a:solidFill>
-              </a:rPr>
-              <a:t>and</a:t>
-            </a:r>
-            <a:r>
-              <a:rPr lang="pt-BR" sz="2400" dirty="0">
-                <a:solidFill>
-                  <a:srgbClr val="000000"/>
-                </a:solidFill>
-              </a:rPr>
-              <a:t> TensorFlow: </a:t>
-            </a:r>
-            <a:r>
-              <a:rPr lang="pt-BR" sz="2400" dirty="0" err="1">
-                <a:solidFill>
-                  <a:srgbClr val="000000"/>
-                </a:solidFill>
-              </a:rPr>
-              <a:t>Concepts</a:t>
-            </a:r>
-            <a:r>
-              <a:rPr lang="pt-BR" sz="2400" dirty="0">
-                <a:solidFill>
-                  <a:srgbClr val="000000"/>
-                </a:solidFill>
-              </a:rPr>
-              <a:t>, Tools, </a:t>
-            </a:r>
-            <a:r>
-              <a:rPr lang="pt-BR" sz="2400" dirty="0" err="1">
-                <a:solidFill>
-                  <a:srgbClr val="000000"/>
-                </a:solidFill>
-              </a:rPr>
-              <a:t>and</a:t>
-            </a:r>
-            <a:r>
-              <a:rPr lang="pt-BR" sz="2400" dirty="0">
-                <a:solidFill>
-                  <a:srgbClr val="000000"/>
-                </a:solidFill>
-              </a:rPr>
-              <a:t> </a:t>
-            </a:r>
-            <a:r>
-              <a:rPr lang="pt-BR" sz="2400" dirty="0" err="1">
-                <a:solidFill>
-                  <a:srgbClr val="000000"/>
-                </a:solidFill>
-              </a:rPr>
-              <a:t>Techniques</a:t>
-            </a:r>
-            <a:r>
-              <a:rPr lang="pt-BR" sz="2400" dirty="0">
-                <a:solidFill>
-                  <a:srgbClr val="000000"/>
-                </a:solidFill>
-              </a:rPr>
-              <a:t> </a:t>
-            </a:r>
-            <a:r>
-              <a:rPr lang="pt-BR" sz="2400" dirty="0" err="1">
-                <a:solidFill>
-                  <a:srgbClr val="000000"/>
-                </a:solidFill>
-              </a:rPr>
-              <a:t>to</a:t>
-            </a:r>
-            <a:r>
-              <a:rPr lang="pt-BR" sz="2400" dirty="0">
-                <a:solidFill>
-                  <a:srgbClr val="000000"/>
-                </a:solidFill>
-              </a:rPr>
-              <a:t> Build </a:t>
-            </a:r>
-            <a:r>
-              <a:rPr lang="pt-BR" sz="2400" dirty="0" err="1">
-                <a:solidFill>
-                  <a:srgbClr val="000000"/>
-                </a:solidFill>
-              </a:rPr>
-              <a:t>Intelligent</a:t>
-            </a:r>
-            <a:r>
-              <a:rPr lang="pt-BR" sz="2400" dirty="0">
-                <a:solidFill>
-                  <a:srgbClr val="000000"/>
-                </a:solidFill>
-              </a:rPr>
-              <a:t> Systems", 3rd ed., O'Reilly Media, 2022.</a:t>
-            </a:r>
-          </a:p>
-          <a:p>
-            <a:pPr marL="0" indent="0">
-              <a:spcBef>
-                <a:spcPts val="0"/>
-              </a:spcBef>
-              <a:buNone/>
-            </a:pPr>
-            <a:r>
-              <a:rPr lang="en-US" sz="2400" dirty="0">
-                <a:solidFill>
-                  <a:srgbClr val="000000"/>
-                </a:solidFill>
-              </a:rPr>
-              <a:t>[7] </a:t>
-            </a:r>
-            <a:r>
-              <a:rPr lang="en-US" sz="2400" dirty="0" err="1">
-                <a:solidFill>
-                  <a:srgbClr val="000000"/>
-                </a:solidFill>
-              </a:rPr>
-              <a:t>Raschka</a:t>
-            </a:r>
-            <a:r>
-              <a:rPr lang="en-US" sz="2400" dirty="0">
-                <a:solidFill>
-                  <a:srgbClr val="000000"/>
-                </a:solidFill>
-              </a:rPr>
-              <a:t>, Sebastian, et al., “Machine Learning with </a:t>
-            </a:r>
-            <a:r>
-              <a:rPr lang="en-US" sz="2400" dirty="0" err="1">
-                <a:solidFill>
-                  <a:srgbClr val="000000"/>
-                </a:solidFill>
-              </a:rPr>
-              <a:t>PyTorch</a:t>
-            </a:r>
-            <a:r>
-              <a:rPr lang="en-US" sz="2400" dirty="0">
-                <a:solidFill>
-                  <a:srgbClr val="000000"/>
-                </a:solidFill>
-              </a:rPr>
-              <a:t> and Scikit-Learn: Develop machine learning and deep learning models with Python”, </a:t>
-            </a:r>
-            <a:r>
-              <a:rPr lang="en-US" sz="2400" dirty="0" err="1">
-                <a:solidFill>
-                  <a:srgbClr val="000000"/>
-                </a:solidFill>
-              </a:rPr>
-              <a:t>Packt</a:t>
-            </a:r>
-            <a:r>
-              <a:rPr lang="en-US" sz="2400" dirty="0">
-                <a:solidFill>
-                  <a:srgbClr val="000000"/>
-                </a:solidFill>
-              </a:rPr>
-              <a:t> Publishing Ltd, 2022.</a:t>
-            </a:r>
-            <a:endParaRPr lang="pt-BR" sz="2400" dirty="0">
-              <a:solidFill>
-                <a:srgbClr val="000000"/>
-              </a:solidFill>
-            </a:endParaRPr>
-          </a:p>
-          <a:p>
-            <a:pPr marL="0" indent="0">
-              <a:spcBef>
-                <a:spcPts val="0"/>
-              </a:spcBef>
-              <a:buNone/>
-            </a:pPr>
-            <a:r>
-              <a:rPr lang="pt-BR" sz="2400" dirty="0">
-                <a:solidFill>
-                  <a:srgbClr val="000000"/>
-                </a:solidFill>
-              </a:rPr>
-              <a:t>[8] C. M. Bishop, "</a:t>
-            </a:r>
-            <a:r>
-              <a:rPr lang="pt-BR" sz="2400" dirty="0" err="1">
-                <a:solidFill>
-                  <a:srgbClr val="000000"/>
-                </a:solidFill>
-              </a:rPr>
-              <a:t>Pattern</a:t>
-            </a:r>
-            <a:r>
-              <a:rPr lang="pt-BR" sz="2400" dirty="0">
-                <a:solidFill>
-                  <a:srgbClr val="000000"/>
-                </a:solidFill>
-              </a:rPr>
-              <a:t> </a:t>
-            </a:r>
-            <a:r>
-              <a:rPr lang="pt-BR" sz="2400" dirty="0" err="1">
-                <a:solidFill>
-                  <a:srgbClr val="000000"/>
-                </a:solidFill>
-              </a:rPr>
-              <a:t>Recognition</a:t>
-            </a:r>
-            <a:r>
-              <a:rPr lang="pt-BR" sz="2400" dirty="0">
-                <a:solidFill>
-                  <a:srgbClr val="000000"/>
-                </a:solidFill>
-              </a:rPr>
-              <a:t> </a:t>
-            </a:r>
-            <a:r>
-              <a:rPr lang="pt-BR" sz="2400" dirty="0" err="1">
-                <a:solidFill>
-                  <a:srgbClr val="000000"/>
-                </a:solidFill>
-              </a:rPr>
-              <a:t>and</a:t>
-            </a:r>
-            <a:r>
-              <a:rPr lang="pt-BR" sz="2400" dirty="0">
-                <a:solidFill>
-                  <a:srgbClr val="000000"/>
-                </a:solidFill>
-              </a:rPr>
-              <a:t> Machine Learning", Springer, 2006.</a:t>
-            </a:r>
-          </a:p>
-          <a:p>
-            <a:pPr marL="0" indent="0">
-              <a:spcBef>
-                <a:spcPts val="0"/>
-              </a:spcBef>
-              <a:buNone/>
-            </a:pPr>
-            <a:r>
-              <a:rPr lang="pt-BR" sz="2400">
-                <a:solidFill>
-                  <a:srgbClr val="000000"/>
-                </a:solidFill>
-              </a:rPr>
-              <a:t>[9] </a:t>
-            </a:r>
-            <a:r>
-              <a:rPr lang="pt-BR" sz="2400" dirty="0">
-                <a:solidFill>
-                  <a:srgbClr val="000000"/>
-                </a:solidFill>
-              </a:rPr>
-              <a:t>“Livros”, </a:t>
-            </a:r>
-            <a:r>
-              <a:rPr lang="pt-BR" sz="2400" dirty="0">
-                <a:solidFill>
-                  <a:srgbClr val="000000"/>
-                </a:solidFill>
-                <a:hlinkClick r:id="rId6"/>
-              </a:rPr>
-              <a:t>http://tinyurl.com/tp558-books</a:t>
-            </a:r>
-            <a:endParaRPr lang="pt-BR" sz="2400" dirty="0">
-              <a:solidFill>
-                <a:srgbClr val="000000"/>
-              </a:solidFill>
-            </a:endParaRPr>
-          </a:p>
-        </p:txBody>
-      </p:sp>
-    </p:spTree>
-    <p:extLst>
-      <p:ext uri="{BB962C8B-B14F-4D97-AF65-F5344CB8AC3E}">
-        <p14:creationId xmlns:p14="http://schemas.microsoft.com/office/powerpoint/2010/main" val="2247946137"/>
-      </p:ext>
-    </p:extLst>
-  </p:cSld>
-  <p:clrMapOvr>
-    <a:masterClrMapping/>
-  </p:clrMapOvr>
-</p:sld>
-</file>
-
-<file path=ppt/slides/slide16.xml><?xml version="1.0" encoding="utf-8"?>
-<p:sld xmlns:a="http://schemas.openxmlformats.org/drawingml/2006/main" xmlns:r="http://schemas.openxmlformats.org/officeDocument/2006/relationships" xmlns:p="http://schemas.openxmlformats.org/presentationml/2006/main">
-  <p:cSld>
-    <p:spTree>
-      <p:nvGrpSpPr>
-        <p:cNvPr id="1" name=""/>
-        <p:cNvGrpSpPr/>
-        <p:nvPr/>
-      </p:nvGrpSpPr>
-      <p:grpSpPr>
-        <a:xfrm>
-          <a:off x="0" y="0"/>
-          <a:ext cx="0" cy="0"/>
-          <a:chOff x="0" y="0"/>
-          <a:chExt cx="0" cy="0"/>
-        </a:xfrm>
-      </p:grpSpPr>
-      <p:sp>
-        <p:nvSpPr>
-          <p:cNvPr id="2" name="Title 1"/>
-          <p:cNvSpPr>
-            <a:spLocks noGrp="1"/>
-          </p:cNvSpPr>
-          <p:nvPr>
-            <p:ph type="title"/>
-          </p:nvPr>
-        </p:nvSpPr>
-        <p:spPr/>
-        <p:txBody>
-          <a:bodyPr/>
-          <a:lstStyle/>
-          <a:p>
-            <a:r>
-              <a:rPr lang="en-US" dirty="0" err="1"/>
-              <a:t>Avisos</a:t>
-            </a:r>
-            <a:endParaRPr lang="nl-BE" dirty="0"/>
-          </a:p>
-        </p:txBody>
-      </p:sp>
-      <p:sp>
-        <p:nvSpPr>
-          <p:cNvPr id="3" name="Content Placeholder 2"/>
-          <p:cNvSpPr>
-            <a:spLocks noGrp="1"/>
-          </p:cNvSpPr>
-          <p:nvPr>
-            <p:ph idx="1"/>
-          </p:nvPr>
-        </p:nvSpPr>
-        <p:spPr>
-          <a:xfrm>
-            <a:off x="838199" y="1825624"/>
-            <a:ext cx="11104419" cy="5032376"/>
-          </a:xfrm>
-        </p:spPr>
-        <p:txBody>
-          <a:bodyPr>
-            <a:normAutofit/>
-          </a:bodyPr>
-          <a:lstStyle/>
-          <a:p>
-            <a:r>
-              <a:rPr lang="pt-BR" dirty="0"/>
-              <a:t>Todo material do curso está disponível no GitHub:</a:t>
-            </a:r>
-          </a:p>
-          <a:p>
-            <a:pPr lvl="1">
-              <a:buFont typeface="Wingdings" panose="05000000000000000000" pitchFamily="2" charset="2"/>
-              <a:buChar char="§"/>
-            </a:pPr>
-            <a:r>
-              <a:rPr lang="pt-BR" dirty="0">
-                <a:hlinkClick r:id="rId2"/>
-              </a:rPr>
-              <a:t>https://github.com/zz4fap/tp558-adv-ml</a:t>
-            </a:r>
-            <a:endParaRPr lang="pt-BR" dirty="0"/>
-          </a:p>
-          <a:p>
-            <a:r>
-              <a:rPr lang="pt-BR" dirty="0"/>
-              <a:t>Como usar o Google </a:t>
-            </a:r>
-            <a:r>
-              <a:rPr lang="pt-BR" dirty="0" err="1"/>
-              <a:t>Colab</a:t>
-            </a:r>
-            <a:endParaRPr lang="pt-BR" dirty="0"/>
-          </a:p>
-          <a:p>
-            <a:pPr lvl="1">
-              <a:buFont typeface="Wingdings" panose="05000000000000000000" pitchFamily="2" charset="2"/>
-              <a:buChar char="§"/>
-            </a:pPr>
-            <a:r>
-              <a:rPr lang="pt-BR" dirty="0">
-                <a:hlinkClick r:id="rId3"/>
-              </a:rPr>
-              <a:t>https://www.youtube.com/watch?v=inN8seMm7UI&amp;ab_channel=TensorFlow</a:t>
-            </a:r>
-          </a:p>
-          <a:p>
-            <a:pPr lvl="1">
-              <a:buFont typeface="Wingdings" panose="05000000000000000000" pitchFamily="2" charset="2"/>
-              <a:buChar char="§"/>
-            </a:pPr>
-            <a:r>
-              <a:rPr lang="pt-BR" b="0" i="0" dirty="0">
-                <a:solidFill>
-                  <a:srgbClr val="222222"/>
-                </a:solidFill>
-                <a:effectLst/>
-                <a:latin typeface="Arial" panose="020B0604020202020204" pitchFamily="34" charset="0"/>
-                <a:hlinkClick r:id="rId4"/>
-              </a:rPr>
-              <a:t>https://www.youtube.com/watch?v=inN8seMm7UI</a:t>
-            </a:r>
-            <a:endParaRPr lang="pt-BR" b="0" i="0" dirty="0">
-              <a:solidFill>
-                <a:srgbClr val="222222"/>
-              </a:solidFill>
-              <a:effectLst/>
-              <a:latin typeface="Arial" panose="020B0604020202020204" pitchFamily="34" charset="0"/>
-            </a:endParaRPr>
-          </a:p>
-          <a:p>
-            <a:r>
-              <a:rPr lang="pt-BR" dirty="0"/>
-              <a:t>Python Crash </a:t>
-            </a:r>
-            <a:r>
-              <a:rPr lang="pt-BR" dirty="0" err="1"/>
-              <a:t>Course</a:t>
-            </a:r>
-            <a:endParaRPr lang="pt-BR" dirty="0">
-              <a:hlinkClick r:id="rId3"/>
-            </a:endParaRPr>
-          </a:p>
-          <a:p>
-            <a:pPr lvl="1">
-              <a:buFont typeface="Wingdings" panose="05000000000000000000" pitchFamily="2" charset="2"/>
-              <a:buChar char="§"/>
-            </a:pPr>
-            <a:r>
-              <a:rPr lang="pt-BR" dirty="0">
-                <a:hlinkClick r:id="rId3"/>
-              </a:rPr>
-              <a:t>https://www.youtube.com/watch?v=pq4NNIYar9o&amp;list=PLRc6ZYt68prVXAhwY1JD6DFc3BJGmJriq&amp;pp=gAQBiAQB</a:t>
-            </a:r>
-            <a:endParaRPr lang="pt-BR" dirty="0"/>
-          </a:p>
-          <a:p>
-            <a:r>
-              <a:rPr lang="pt-BR" dirty="0"/>
-              <a:t>Horário de Atendimento</a:t>
-            </a:r>
-          </a:p>
-          <a:p>
-            <a:pPr lvl="1">
-              <a:buFont typeface="Wingdings" panose="05000000000000000000" pitchFamily="2" charset="2"/>
-              <a:buChar char="§"/>
-            </a:pPr>
-            <a:r>
-              <a:rPr lang="pt-BR" dirty="0"/>
-              <a:t>Todas as quartas-feiras das 17:30 às 18:30.</a:t>
-            </a:r>
-          </a:p>
-          <a:p>
-            <a:pPr lvl="1">
-              <a:buFont typeface="Wingdings" panose="05000000000000000000" pitchFamily="2" charset="2"/>
-              <a:buChar char="§"/>
-            </a:pPr>
-            <a:r>
-              <a:rPr lang="pt-BR" dirty="0"/>
-              <a:t>Presencialmente ou remotamente.</a:t>
-            </a:r>
-          </a:p>
-        </p:txBody>
-      </p:sp>
-    </p:spTree>
-    <p:extLst>
-      <p:ext uri="{BB962C8B-B14F-4D97-AF65-F5344CB8AC3E}">
-        <p14:creationId xmlns:p14="http://schemas.microsoft.com/office/powerpoint/2010/main" val="1412900488"/>
       </p:ext>
     </p:extLst>
   </p:cSld>
@@ -6855,7 +6364,13 @@
   <p:cSld>
     <p:spTree>
       <p:nvGrpSpPr>
-        <p:cNvPr id="1" name=""/>
+        <p:cNvPr id="1" name="">
+          <a:extLst>
+            <a:ext uri="{FF2B5EF4-FFF2-40B4-BE49-F238E27FC236}">
+              <a16:creationId xmlns:a16="http://schemas.microsoft.com/office/drawing/2014/main" id="{4059CF8C-A5CA-D922-15C9-90E83F41C16F}"/>
+            </a:ext>
+          </a:extLst>
+        </p:cNvPr>
         <p:cNvGrpSpPr/>
         <p:nvPr/>
       </p:nvGrpSpPr>
@@ -6869,64 +6384,147 @@
       </p:grpSpPr>
       <p:sp>
         <p:nvSpPr>
-          <p:cNvPr id="4" name="Título 1">
+          <p:cNvPr id="2" name="Título 1">
             <a:extLst>
               <a:ext uri="{FF2B5EF4-FFF2-40B4-BE49-F238E27FC236}">
-                <a16:creationId xmlns:a16="http://schemas.microsoft.com/office/drawing/2014/main" id="{32666AC8-2E17-4DB4-B0F5-60C640CCFD2E}"/>
+                <a16:creationId xmlns:a16="http://schemas.microsoft.com/office/drawing/2014/main" id="{F0E0D2C5-2C7F-FF98-F6E4-6A6D35AE3301}"/>
               </a:ext>
             </a:extLst>
           </p:cNvPr>
-          <p:cNvSpPr txBox="1">
-            <a:spLocks/>
-          </p:cNvSpPr>
-          <p:nvPr/>
+          <p:cNvSpPr>
+            <a:spLocks noGrp="1"/>
+          </p:cNvSpPr>
+          <p:nvPr>
+            <p:ph type="title"/>
+          </p:nvPr>
+        </p:nvSpPr>
+        <p:spPr/>
+        <p:txBody>
+          <a:bodyPr/>
+          <a:lstStyle/>
+          <a:p>
+            <a:r>
+              <a:rPr lang="pt-BR" dirty="0"/>
+              <a:t>Temas dos seminários</a:t>
+            </a:r>
+          </a:p>
+        </p:txBody>
+      </p:sp>
+      <p:sp>
+        <p:nvSpPr>
+          <p:cNvPr id="3" name="Espaço Reservado para Conteúdo 2">
+            <a:extLst>
+              <a:ext uri="{FF2B5EF4-FFF2-40B4-BE49-F238E27FC236}">
+                <a16:creationId xmlns:a16="http://schemas.microsoft.com/office/drawing/2014/main" id="{164D262D-D1D5-2FFA-8E32-3025F99BDE7F}"/>
+              </a:ext>
+            </a:extLst>
+          </p:cNvPr>
+          <p:cNvSpPr>
+            <a:spLocks noGrp="1"/>
+          </p:cNvSpPr>
+          <p:nvPr>
+            <p:ph idx="1"/>
+          </p:nvPr>
         </p:nvSpPr>
         <p:spPr>
           <a:xfrm>
-            <a:off x="1431533" y="2720526"/>
-            <a:ext cx="9144000" cy="1029541"/>
+            <a:off x="838200" y="1825625"/>
+            <a:ext cx="10907486" cy="4351338"/>
           </a:xfrm>
-          <a:prstGeom prst="rect">
-            <a:avLst/>
-          </a:prstGeom>
         </p:spPr>
         <p:txBody>
-          <a:bodyPr vert="horz" lIns="91440" tIns="45720" rIns="91440" bIns="45720" rtlCol="0" anchor="ctr">
+          <a:bodyPr>
             <a:normAutofit/>
           </a:bodyPr>
-          <a:lstStyle>
-            <a:lvl1pPr algn="l" defTabSz="914400" rtl="0" eaLnBrk="1" latinLnBrk="0" hangingPunct="1">
-              <a:lnSpc>
-                <a:spcPct val="90000"/>
-              </a:lnSpc>
-              <a:spcBef>
-                <a:spcPct val="0"/>
-              </a:spcBef>
+          <a:lstStyle/>
+          <a:p>
+            <a:r>
+              <a:rPr lang="pt-BR" dirty="0"/>
+              <a:t> </a:t>
+            </a:r>
+            <a:r>
+              <a:rPr lang="pt-BR" dirty="0" err="1"/>
+              <a:t>Graph</a:t>
+            </a:r>
+            <a:r>
+              <a:rPr lang="pt-BR" dirty="0"/>
+              <a:t> Neural Networks</a:t>
+            </a:r>
+          </a:p>
+          <a:p>
+            <a:pPr lvl="1">
+              <a:buFont typeface="Wingdings" panose="05000000000000000000" pitchFamily="2" charset="2"/>
+              <a:buChar char="ü"/>
+            </a:pPr>
+            <a:r>
+              <a:rPr lang="pt-BR" dirty="0">
+                <a:hlinkClick r:id="rId2"/>
+              </a:rPr>
+              <a:t>https://arxiv.org/abs/2101.11174</a:t>
+            </a:r>
+            <a:endParaRPr lang="pt-BR" dirty="0"/>
+          </a:p>
+          <a:p>
+            <a:pPr lvl="1">
+              <a:buFont typeface="Wingdings" panose="05000000000000000000" pitchFamily="2" charset="2"/>
+              <a:buChar char="ü"/>
+            </a:pPr>
+            <a:r>
+              <a:rPr lang="pt-BR" dirty="0">
+                <a:hlinkClick r:id="rId3"/>
+              </a:rPr>
+              <a:t>https://paperswithcode.com/paper/graph-neural-network-for-traffic-forecasting</a:t>
+            </a:r>
+            <a:endParaRPr lang="pt-BR" dirty="0"/>
+          </a:p>
+          <a:p>
+            <a:pPr marL="457200" lvl="1" indent="0">
               <a:buNone/>
-              <a:defRPr sz="4400" kern="1200">
-                <a:solidFill>
-                  <a:schemeClr val="tx1"/>
-                </a:solidFill>
-                <a:latin typeface="+mj-lt"/>
-                <a:ea typeface="+mj-ea"/>
-                <a:cs typeface="+mj-cs"/>
-              </a:defRPr>
-            </a:lvl1pPr>
-          </a:lstStyle>
-          <a:p>
-            <a:pPr algn="ctr"/>
-            <a:r>
-              <a:rPr lang="pt-BR" sz="6600" dirty="0"/>
-              <a:t>Perguntas?</a:t>
-            </a:r>
-            <a:endParaRPr lang="pt-BR" sz="6600" b="1" i="1" dirty="0"/>
+            </a:pPr>
+            <a:endParaRPr lang="pt-BR" dirty="0"/>
+          </a:p>
+          <a:p>
+            <a:pPr marL="0" indent="0">
+              <a:buNone/>
+            </a:pPr>
+            <a:endParaRPr lang="pt-BR" dirty="0"/>
+          </a:p>
+          <a:p>
+            <a:pPr>
+              <a:buFont typeface="Wingdings" panose="05000000000000000000" pitchFamily="2" charset="2"/>
+              <a:buChar char="ü"/>
+            </a:pPr>
+            <a:endParaRPr lang="pt-BR" dirty="0"/>
+          </a:p>
+          <a:p>
+            <a:pPr lvl="2">
+              <a:buFont typeface="Wingdings" panose="05000000000000000000" pitchFamily="2" charset="2"/>
+              <a:buChar char="ü"/>
+            </a:pPr>
+            <a:endParaRPr lang="pt-BR" dirty="0"/>
+          </a:p>
+          <a:p>
+            <a:pPr marL="914400" lvl="2" indent="0">
+              <a:buNone/>
+            </a:pPr>
+            <a:endParaRPr lang="pt-BR" dirty="0"/>
+          </a:p>
+          <a:p>
+            <a:pPr marL="914400" lvl="2" indent="0">
+              <a:buNone/>
+            </a:pPr>
+            <a:endParaRPr lang="pt-BR" dirty="0"/>
+          </a:p>
+          <a:p>
+            <a:pPr lvl="1"/>
+            <a:endParaRPr lang="pt-BR" dirty="0"/>
           </a:p>
         </p:txBody>
       </p:sp>
     </p:spTree>
     <p:extLst>
       <p:ext uri="{BB962C8B-B14F-4D97-AF65-F5344CB8AC3E}">
-        <p14:creationId xmlns:p14="http://schemas.microsoft.com/office/powerpoint/2010/main" val="3773005660"/>
+        <p14:creationId xmlns:p14="http://schemas.microsoft.com/office/powerpoint/2010/main" val="1884010596"/>
       </p:ext>
     </p:extLst>
   </p:cSld>
@@ -6941,7 +6539,13 @@
   <p:cSld>
     <p:spTree>
       <p:nvGrpSpPr>
-        <p:cNvPr id="1" name=""/>
+        <p:cNvPr id="1" name="">
+          <a:extLst>
+            <a:ext uri="{FF2B5EF4-FFF2-40B4-BE49-F238E27FC236}">
+              <a16:creationId xmlns:a16="http://schemas.microsoft.com/office/drawing/2014/main" id="{4059CF8C-A5CA-D922-15C9-90E83F41C16F}"/>
+            </a:ext>
+          </a:extLst>
+        </p:cNvPr>
         <p:cNvGrpSpPr/>
         <p:nvPr/>
       </p:nvGrpSpPr>
@@ -6955,64 +6559,389 @@
       </p:grpSpPr>
       <p:sp>
         <p:nvSpPr>
-          <p:cNvPr id="4" name="Título 1">
+          <p:cNvPr id="2" name="Título 1">
             <a:extLst>
               <a:ext uri="{FF2B5EF4-FFF2-40B4-BE49-F238E27FC236}">
-                <a16:creationId xmlns:a16="http://schemas.microsoft.com/office/drawing/2014/main" id="{32666AC8-2E17-4DB4-B0F5-60C640CCFD2E}"/>
+                <a16:creationId xmlns:a16="http://schemas.microsoft.com/office/drawing/2014/main" id="{F0E0D2C5-2C7F-FF98-F6E4-6A6D35AE3301}"/>
               </a:ext>
             </a:extLst>
           </p:cNvPr>
-          <p:cNvSpPr txBox="1">
-            <a:spLocks/>
-          </p:cNvSpPr>
-          <p:nvPr/>
+          <p:cNvSpPr>
+            <a:spLocks noGrp="1"/>
+          </p:cNvSpPr>
+          <p:nvPr>
+            <p:ph type="title"/>
+          </p:nvPr>
+        </p:nvSpPr>
+        <p:spPr/>
+        <p:txBody>
+          <a:bodyPr/>
+          <a:lstStyle/>
+          <a:p>
+            <a:r>
+              <a:rPr lang="pt-BR" dirty="0"/>
+              <a:t>Temas dos seminários</a:t>
+            </a:r>
+          </a:p>
+        </p:txBody>
+      </p:sp>
+      <p:sp>
+        <p:nvSpPr>
+          <p:cNvPr id="3" name="Espaço Reservado para Conteúdo 2">
+            <a:extLst>
+              <a:ext uri="{FF2B5EF4-FFF2-40B4-BE49-F238E27FC236}">
+                <a16:creationId xmlns:a16="http://schemas.microsoft.com/office/drawing/2014/main" id="{164D262D-D1D5-2FFA-8E32-3025F99BDE7F}"/>
+              </a:ext>
+            </a:extLst>
+          </p:cNvPr>
+          <p:cNvSpPr>
+            <a:spLocks noGrp="1"/>
+          </p:cNvSpPr>
+          <p:nvPr>
+            <p:ph idx="1"/>
+          </p:nvPr>
         </p:nvSpPr>
         <p:spPr>
           <a:xfrm>
-            <a:off x="1431533" y="2720526"/>
-            <a:ext cx="9144000" cy="1029541"/>
+            <a:off x="838200" y="1825625"/>
+            <a:ext cx="10907486" cy="4351338"/>
           </a:xfrm>
-          <a:prstGeom prst="rect">
-            <a:avLst/>
-          </a:prstGeom>
         </p:spPr>
         <p:txBody>
-          <a:bodyPr vert="horz" lIns="91440" tIns="45720" rIns="91440" bIns="45720" rtlCol="0" anchor="ctr">
+          <a:bodyPr>
             <a:normAutofit/>
           </a:bodyPr>
-          <a:lstStyle>
-            <a:lvl1pPr algn="l" defTabSz="914400" rtl="0" eaLnBrk="1" latinLnBrk="0" hangingPunct="1">
-              <a:lnSpc>
-                <a:spcPct val="90000"/>
-              </a:lnSpc>
-              <a:spcBef>
-                <a:spcPct val="0"/>
-              </a:spcBef>
+          <a:lstStyle/>
+          <a:p>
+            <a:r>
+              <a:rPr lang="pt-BR" dirty="0"/>
+              <a:t> Adversarial </a:t>
+            </a:r>
+            <a:r>
+              <a:rPr lang="pt-BR" dirty="0" err="1"/>
+              <a:t>Attacks</a:t>
+            </a:r>
+            <a:endParaRPr lang="pt-BR" dirty="0"/>
+          </a:p>
+          <a:p>
+            <a:pPr lvl="1">
+              <a:buFont typeface="Wingdings" panose="05000000000000000000" pitchFamily="2" charset="2"/>
+              <a:buChar char="ü"/>
+            </a:pPr>
+            <a:r>
+              <a:rPr lang="pt-BR" dirty="0">
+                <a:hlinkClick r:id="rId2"/>
+              </a:rPr>
+              <a:t>https://arxiv.org/abs/1706.06083</a:t>
+            </a:r>
+            <a:endParaRPr lang="pt-BR" dirty="0"/>
+          </a:p>
+          <a:p>
+            <a:pPr lvl="1">
+              <a:buFont typeface="Wingdings" panose="05000000000000000000" pitchFamily="2" charset="2"/>
+              <a:buChar char="ü"/>
+            </a:pPr>
+            <a:r>
+              <a:rPr lang="pt-BR" dirty="0">
+                <a:hlinkClick r:id="rId3"/>
+              </a:rPr>
+              <a:t>https://paperswithcode.com/paper/towards-deep-learning-models-resistant-to</a:t>
+            </a:r>
+            <a:endParaRPr lang="pt-BR" dirty="0"/>
+          </a:p>
+          <a:p>
+            <a:pPr marL="457200" lvl="1" indent="0">
               <a:buNone/>
-              <a:defRPr sz="4400" kern="1200">
-                <a:solidFill>
-                  <a:schemeClr val="tx1"/>
-                </a:solidFill>
-                <a:latin typeface="+mj-lt"/>
-                <a:ea typeface="+mj-ea"/>
-                <a:cs typeface="+mj-cs"/>
-              </a:defRPr>
-            </a:lvl1pPr>
-          </a:lstStyle>
-          <a:p>
-            <a:pPr algn="ctr"/>
-            <a:r>
-              <a:rPr lang="pt-BR" sz="6600" dirty="0"/>
-              <a:t>Obrigado!</a:t>
-            </a:r>
-            <a:endParaRPr lang="pt-BR" sz="6600" b="1" i="1" dirty="0"/>
+            </a:pPr>
+            <a:endParaRPr lang="pt-BR" dirty="0"/>
+          </a:p>
+          <a:p>
+            <a:pPr lvl="1">
+              <a:buFont typeface="Wingdings" panose="05000000000000000000" pitchFamily="2" charset="2"/>
+              <a:buChar char="ü"/>
+            </a:pPr>
+            <a:endParaRPr lang="pt-BR" dirty="0"/>
+          </a:p>
+          <a:p>
+            <a:pPr marL="457200" lvl="1" indent="0">
+              <a:buNone/>
+            </a:pPr>
+            <a:endParaRPr lang="pt-BR" dirty="0"/>
+          </a:p>
+          <a:p>
+            <a:pPr marL="0" indent="0">
+              <a:buNone/>
+            </a:pPr>
+            <a:endParaRPr lang="pt-BR" dirty="0"/>
+          </a:p>
+          <a:p>
+            <a:pPr>
+              <a:buFont typeface="Wingdings" panose="05000000000000000000" pitchFamily="2" charset="2"/>
+              <a:buChar char="ü"/>
+            </a:pPr>
+            <a:endParaRPr lang="pt-BR" dirty="0"/>
+          </a:p>
+          <a:p>
+            <a:pPr lvl="2">
+              <a:buFont typeface="Wingdings" panose="05000000000000000000" pitchFamily="2" charset="2"/>
+              <a:buChar char="ü"/>
+            </a:pPr>
+            <a:endParaRPr lang="pt-BR" dirty="0"/>
+          </a:p>
+          <a:p>
+            <a:pPr marL="914400" lvl="2" indent="0">
+              <a:buNone/>
+            </a:pPr>
+            <a:endParaRPr lang="pt-BR" dirty="0"/>
+          </a:p>
+          <a:p>
+            <a:pPr marL="914400" lvl="2" indent="0">
+              <a:buNone/>
+            </a:pPr>
+            <a:endParaRPr lang="pt-BR" dirty="0"/>
+          </a:p>
+          <a:p>
+            <a:pPr lvl="1"/>
+            <a:endParaRPr lang="pt-BR" dirty="0"/>
           </a:p>
         </p:txBody>
       </p:sp>
     </p:spTree>
     <p:extLst>
       <p:ext uri="{BB962C8B-B14F-4D97-AF65-F5344CB8AC3E}">
-        <p14:creationId xmlns:p14="http://schemas.microsoft.com/office/powerpoint/2010/main" val="2655704619"/>
+        <p14:creationId xmlns:p14="http://schemas.microsoft.com/office/powerpoint/2010/main" val="2018168253"/>
+      </p:ext>
+    </p:extLst>
+  </p:cSld>
+  <p:clrMapOvr>
+    <a:masterClrMapping/>
+  </p:clrMapOvr>
+</p:sld>
+</file>
+
+<file path=ppt/slides/slide19.xml><?xml version="1.0" encoding="utf-8"?>
+<p:sld xmlns:a="http://schemas.openxmlformats.org/drawingml/2006/main" xmlns:r="http://schemas.openxmlformats.org/officeDocument/2006/relationships" xmlns:p="http://schemas.openxmlformats.org/presentationml/2006/main">
+  <p:cSld>
+    <p:spTree>
+      <p:nvGrpSpPr>
+        <p:cNvPr id="1" name="">
+          <a:extLst>
+            <a:ext uri="{FF2B5EF4-FFF2-40B4-BE49-F238E27FC236}">
+              <a16:creationId xmlns:a16="http://schemas.microsoft.com/office/drawing/2014/main" id="{4059CF8C-A5CA-D922-15C9-90E83F41C16F}"/>
+            </a:ext>
+          </a:extLst>
+        </p:cNvPr>
+        <p:cNvGrpSpPr/>
+        <p:nvPr/>
+      </p:nvGrpSpPr>
+      <p:grpSpPr>
+        <a:xfrm>
+          <a:off x="0" y="0"/>
+          <a:ext cx="0" cy="0"/>
+          <a:chOff x="0" y="0"/>
+          <a:chExt cx="0" cy="0"/>
+        </a:xfrm>
+      </p:grpSpPr>
+      <p:sp>
+        <p:nvSpPr>
+          <p:cNvPr id="2" name="Título 1">
+            <a:extLst>
+              <a:ext uri="{FF2B5EF4-FFF2-40B4-BE49-F238E27FC236}">
+                <a16:creationId xmlns:a16="http://schemas.microsoft.com/office/drawing/2014/main" id="{F0E0D2C5-2C7F-FF98-F6E4-6A6D35AE3301}"/>
+              </a:ext>
+            </a:extLst>
+          </p:cNvPr>
+          <p:cNvSpPr>
+            <a:spLocks noGrp="1"/>
+          </p:cNvSpPr>
+          <p:nvPr>
+            <p:ph type="title"/>
+          </p:nvPr>
+        </p:nvSpPr>
+        <p:spPr/>
+        <p:txBody>
+          <a:bodyPr/>
+          <a:lstStyle/>
+          <a:p>
+            <a:r>
+              <a:rPr lang="pt-BR" dirty="0"/>
+              <a:t>Temas dos seminários</a:t>
+            </a:r>
+          </a:p>
+        </p:txBody>
+      </p:sp>
+      <p:sp>
+        <p:nvSpPr>
+          <p:cNvPr id="3" name="Espaço Reservado para Conteúdo 2">
+            <a:extLst>
+              <a:ext uri="{FF2B5EF4-FFF2-40B4-BE49-F238E27FC236}">
+                <a16:creationId xmlns:a16="http://schemas.microsoft.com/office/drawing/2014/main" id="{164D262D-D1D5-2FFA-8E32-3025F99BDE7F}"/>
+              </a:ext>
+            </a:extLst>
+          </p:cNvPr>
+          <p:cNvSpPr>
+            <a:spLocks noGrp="1"/>
+          </p:cNvSpPr>
+          <p:nvPr>
+            <p:ph idx="1"/>
+          </p:nvPr>
+        </p:nvSpPr>
+        <p:spPr>
+          <a:xfrm>
+            <a:off x="838200" y="1825625"/>
+            <a:ext cx="10907486" cy="4351338"/>
+          </a:xfrm>
+        </p:spPr>
+        <p:txBody>
+          <a:bodyPr>
+            <a:normAutofit/>
+          </a:bodyPr>
+          <a:lstStyle/>
+          <a:p>
+            <a:r>
+              <a:rPr lang="pt-BR" dirty="0"/>
+              <a:t>Receitas para melhoria do desempenho de modelos</a:t>
+            </a:r>
+          </a:p>
+          <a:p>
+            <a:pPr lvl="1">
+              <a:buFont typeface="Wingdings" panose="05000000000000000000" pitchFamily="2" charset="2"/>
+              <a:buChar char="§"/>
+            </a:pPr>
+            <a:r>
+              <a:rPr lang="pt-BR" i="0" dirty="0" err="1">
+                <a:solidFill>
+                  <a:srgbClr val="212529"/>
+                </a:solidFill>
+                <a:effectLst/>
+              </a:rPr>
+              <a:t>Knowledge</a:t>
+            </a:r>
+            <a:r>
+              <a:rPr lang="pt-BR" i="0" dirty="0">
+                <a:solidFill>
+                  <a:srgbClr val="212529"/>
+                </a:solidFill>
+                <a:effectLst/>
+              </a:rPr>
+              <a:t> </a:t>
+            </a:r>
+            <a:r>
+              <a:rPr lang="pt-BR" i="0" dirty="0" err="1">
+                <a:solidFill>
+                  <a:srgbClr val="212529"/>
+                </a:solidFill>
+                <a:effectLst/>
+              </a:rPr>
+              <a:t>Distillation</a:t>
+            </a:r>
+            <a:endParaRPr lang="pt-BR" i="0" dirty="0">
+              <a:solidFill>
+                <a:srgbClr val="212529"/>
+              </a:solidFill>
+              <a:effectLst/>
+            </a:endParaRPr>
+          </a:p>
+          <a:p>
+            <a:pPr lvl="2">
+              <a:buFont typeface="Wingdings" panose="05000000000000000000" pitchFamily="2" charset="2"/>
+              <a:buChar char="ü"/>
+            </a:pPr>
+            <a:r>
+              <a:rPr lang="pt-BR" i="0" dirty="0">
+                <a:solidFill>
+                  <a:srgbClr val="212529"/>
+                </a:solidFill>
+                <a:effectLst/>
+                <a:hlinkClick r:id="rId2"/>
+              </a:rPr>
+              <a:t>https://arxiv.org/abs/1503.02531</a:t>
+            </a:r>
+            <a:endParaRPr lang="pt-BR" dirty="0">
+              <a:solidFill>
+                <a:srgbClr val="212529"/>
+              </a:solidFill>
+            </a:endParaRPr>
+          </a:p>
+          <a:p>
+            <a:pPr lvl="2">
+              <a:buFont typeface="Wingdings" panose="05000000000000000000" pitchFamily="2" charset="2"/>
+              <a:buChar char="ü"/>
+            </a:pPr>
+            <a:r>
+              <a:rPr lang="pt-BR" i="0" dirty="0">
+                <a:solidFill>
+                  <a:srgbClr val="212529"/>
+                </a:solidFill>
+                <a:effectLst/>
+                <a:hlinkClick r:id="rId3"/>
+              </a:rPr>
+              <a:t>https://keras.io/examples/vision/knowledge_distillation/</a:t>
+            </a:r>
+            <a:endParaRPr lang="pt-BR" i="0" dirty="0">
+              <a:solidFill>
+                <a:srgbClr val="212529"/>
+              </a:solidFill>
+              <a:effectLst/>
+            </a:endParaRPr>
+          </a:p>
+          <a:p>
+            <a:pPr lvl="1">
+              <a:buFont typeface="Wingdings" panose="05000000000000000000" pitchFamily="2" charset="2"/>
+              <a:buChar char="§"/>
+            </a:pPr>
+            <a:r>
+              <a:rPr lang="pt-BR" dirty="0" err="1"/>
+              <a:t>Gradient</a:t>
+            </a:r>
+            <a:r>
+              <a:rPr lang="pt-BR" dirty="0"/>
+              <a:t> </a:t>
+            </a:r>
+            <a:r>
+              <a:rPr lang="pt-BR" dirty="0" err="1"/>
+              <a:t>Centralization</a:t>
+            </a:r>
+            <a:endParaRPr lang="pt-BR" dirty="0"/>
+          </a:p>
+          <a:p>
+            <a:pPr lvl="2">
+              <a:buFont typeface="Wingdings" panose="05000000000000000000" pitchFamily="2" charset="2"/>
+              <a:buChar char="ü"/>
+            </a:pPr>
+            <a:r>
+              <a:rPr lang="pt-BR" dirty="0">
+                <a:hlinkClick r:id="rId4"/>
+              </a:rPr>
+              <a:t>https://arxiv.org/abs/2004.01461</a:t>
+            </a:r>
+            <a:endParaRPr lang="pt-BR" dirty="0"/>
+          </a:p>
+          <a:p>
+            <a:pPr lvl="2">
+              <a:buFont typeface="Wingdings" panose="05000000000000000000" pitchFamily="2" charset="2"/>
+              <a:buChar char="ü"/>
+            </a:pPr>
+            <a:r>
+              <a:rPr lang="pt-BR" dirty="0">
+                <a:hlinkClick r:id="rId5"/>
+              </a:rPr>
+              <a:t>https://keras.io/examples/vision/gradient_centralization/</a:t>
+            </a:r>
+            <a:br>
+              <a:rPr lang="pt-BR" dirty="0"/>
+            </a:br>
+            <a:endParaRPr lang="pt-BR" dirty="0"/>
+          </a:p>
+          <a:p>
+            <a:endParaRPr lang="pt-BR" dirty="0"/>
+          </a:p>
+        </p:txBody>
+      </p:sp>
+    </p:spTree>
+    <p:extLst>
+      <p:ext uri="{BB962C8B-B14F-4D97-AF65-F5344CB8AC3E}">
+        <p14:creationId xmlns:p14="http://schemas.microsoft.com/office/powerpoint/2010/main" val="3709901621"/>
       </p:ext>
     </p:extLst>
   </p:cSld>
@@ -7207,6 +7136,1260 @@
     <p:extLst>
       <p:ext uri="{BB962C8B-B14F-4D97-AF65-F5344CB8AC3E}">
         <p14:creationId xmlns:p14="http://schemas.microsoft.com/office/powerpoint/2010/main" val="3172121208"/>
+      </p:ext>
+    </p:extLst>
+  </p:cSld>
+  <p:clrMapOvr>
+    <a:masterClrMapping/>
+  </p:clrMapOvr>
+</p:sld>
+</file>
+
+<file path=ppt/slides/slide20.xml><?xml version="1.0" encoding="utf-8"?>
+<p:sld xmlns:a="http://schemas.openxmlformats.org/drawingml/2006/main" xmlns:r="http://schemas.openxmlformats.org/officeDocument/2006/relationships" xmlns:p="http://schemas.openxmlformats.org/presentationml/2006/main">
+  <p:cSld>
+    <p:spTree>
+      <p:nvGrpSpPr>
+        <p:cNvPr id="1" name=""/>
+        <p:cNvGrpSpPr/>
+        <p:nvPr/>
+      </p:nvGrpSpPr>
+      <p:grpSpPr>
+        <a:xfrm>
+          <a:off x="0" y="0"/>
+          <a:ext cx="0" cy="0"/>
+          <a:chOff x="0" y="0"/>
+          <a:chExt cx="0" cy="0"/>
+        </a:xfrm>
+      </p:grpSpPr>
+      <p:sp>
+        <p:nvSpPr>
+          <p:cNvPr id="2" name="Título 1">
+            <a:extLst>
+              <a:ext uri="{FF2B5EF4-FFF2-40B4-BE49-F238E27FC236}">
+                <a16:creationId xmlns:a16="http://schemas.microsoft.com/office/drawing/2014/main" id="{A2A4684C-1159-4F88-A2B1-6BABEDE38C4D}"/>
+              </a:ext>
+            </a:extLst>
+          </p:cNvPr>
+          <p:cNvSpPr>
+            <a:spLocks noGrp="1"/>
+          </p:cNvSpPr>
+          <p:nvPr>
+            <p:ph type="title"/>
+          </p:nvPr>
+        </p:nvSpPr>
+        <p:spPr/>
+        <p:txBody>
+          <a:bodyPr/>
+          <a:lstStyle/>
+          <a:p>
+            <a:r>
+              <a:rPr lang="pt-BR" dirty="0"/>
+              <a:t>Referências</a:t>
+            </a:r>
+          </a:p>
+        </p:txBody>
+      </p:sp>
+      <p:sp>
+        <p:nvSpPr>
+          <p:cNvPr id="3" name="Espaço Reservado para Conteúdo 2">
+            <a:extLst>
+              <a:ext uri="{FF2B5EF4-FFF2-40B4-BE49-F238E27FC236}">
+                <a16:creationId xmlns:a16="http://schemas.microsoft.com/office/drawing/2014/main" id="{EC432B31-D382-41FF-BB6B-2ABDD322424B}"/>
+              </a:ext>
+            </a:extLst>
+          </p:cNvPr>
+          <p:cNvSpPr>
+            <a:spLocks noGrp="1"/>
+          </p:cNvSpPr>
+          <p:nvPr>
+            <p:ph idx="1"/>
+          </p:nvPr>
+        </p:nvSpPr>
+        <p:spPr>
+          <a:xfrm>
+            <a:off x="838199" y="1648915"/>
+            <a:ext cx="11157155" cy="5209085"/>
+          </a:xfrm>
+        </p:spPr>
+        <p:txBody>
+          <a:bodyPr>
+            <a:noAutofit/>
+          </a:bodyPr>
+          <a:lstStyle/>
+          <a:p>
+            <a:pPr marL="0" indent="0">
+              <a:spcBef>
+                <a:spcPts val="0"/>
+              </a:spcBef>
+              <a:buNone/>
+            </a:pPr>
+            <a:r>
+              <a:rPr lang="pt-BR" sz="2400" b="0" i="0" u="none" strike="noStrike" dirty="0">
+                <a:solidFill>
+                  <a:srgbClr val="000000"/>
+                </a:solidFill>
+                <a:effectLst/>
+              </a:rPr>
+              <a:t>[1] </a:t>
+            </a:r>
+            <a:r>
+              <a:rPr lang="pt-BR" sz="2400" dirty="0">
+                <a:solidFill>
+                  <a:srgbClr val="000000"/>
+                </a:solidFill>
+              </a:rPr>
+              <a:t>“Tensorflow </a:t>
+            </a:r>
+            <a:r>
+              <a:rPr lang="pt-BR" sz="2400" dirty="0" err="1">
+                <a:solidFill>
+                  <a:srgbClr val="000000"/>
+                </a:solidFill>
+              </a:rPr>
+              <a:t>c</a:t>
+            </a:r>
+            <a:r>
+              <a:rPr lang="pt-BR" sz="2400" b="0" i="0" u="none" strike="noStrike" dirty="0" err="1">
+                <a:solidFill>
+                  <a:srgbClr val="000000"/>
+                </a:solidFill>
+                <a:effectLst/>
+              </a:rPr>
+              <a:t>ode</a:t>
+            </a:r>
+            <a:r>
+              <a:rPr lang="pt-BR" sz="2400" b="0" i="0" u="none" strike="noStrike" dirty="0">
+                <a:solidFill>
+                  <a:srgbClr val="000000"/>
+                </a:solidFill>
+                <a:effectLst/>
+              </a:rPr>
+              <a:t> </a:t>
+            </a:r>
+            <a:r>
+              <a:rPr lang="pt-BR" sz="2400" b="0" i="0" u="none" strike="noStrike" dirty="0" err="1">
+                <a:solidFill>
+                  <a:srgbClr val="000000"/>
+                </a:solidFill>
+                <a:effectLst/>
+              </a:rPr>
+              <a:t>examples</a:t>
+            </a:r>
+            <a:r>
+              <a:rPr lang="pt-BR" sz="2400" b="0" i="0" u="none" strike="noStrike" dirty="0">
+                <a:solidFill>
+                  <a:srgbClr val="000000"/>
+                </a:solidFill>
+                <a:effectLst/>
+              </a:rPr>
+              <a:t>”, </a:t>
+            </a:r>
+            <a:r>
+              <a:rPr lang="pt-BR" sz="2400" b="0" i="0" u="none" strike="noStrike" dirty="0">
+                <a:solidFill>
+                  <a:srgbClr val="000000"/>
+                </a:solidFill>
+                <a:effectLst/>
+                <a:hlinkClick r:id="rId3"/>
+              </a:rPr>
+              <a:t>https://keras.io/examples/</a:t>
+            </a:r>
+            <a:endParaRPr lang="pt-BR" sz="2400" b="0" i="0" u="none" strike="noStrike" dirty="0">
+              <a:solidFill>
+                <a:srgbClr val="000000"/>
+              </a:solidFill>
+              <a:effectLst/>
+            </a:endParaRPr>
+          </a:p>
+          <a:p>
+            <a:pPr marL="0" indent="0">
+              <a:spcBef>
+                <a:spcPts val="0"/>
+              </a:spcBef>
+              <a:buNone/>
+            </a:pPr>
+            <a:r>
+              <a:rPr lang="pt-BR" sz="2400" dirty="0">
+                <a:solidFill>
+                  <a:srgbClr val="000000"/>
+                </a:solidFill>
+              </a:rPr>
+              <a:t>[2] “</a:t>
+            </a:r>
+            <a:r>
+              <a:rPr lang="pt-BR" sz="2400" dirty="0" err="1">
+                <a:solidFill>
+                  <a:srgbClr val="000000"/>
+                </a:solidFill>
+              </a:rPr>
+              <a:t>Pytorch</a:t>
+            </a:r>
+            <a:r>
+              <a:rPr lang="pt-BR" sz="2400" dirty="0">
+                <a:solidFill>
+                  <a:srgbClr val="000000"/>
+                </a:solidFill>
+              </a:rPr>
+              <a:t> </a:t>
+            </a:r>
+            <a:r>
+              <a:rPr lang="pt-BR" sz="2400" dirty="0" err="1">
+                <a:solidFill>
+                  <a:srgbClr val="000000"/>
+                </a:solidFill>
+              </a:rPr>
+              <a:t>code</a:t>
+            </a:r>
+            <a:r>
+              <a:rPr lang="pt-BR" sz="2400" dirty="0">
+                <a:solidFill>
+                  <a:srgbClr val="000000"/>
+                </a:solidFill>
+              </a:rPr>
+              <a:t> </a:t>
+            </a:r>
+            <a:r>
+              <a:rPr lang="pt-BR" sz="2400" dirty="0" err="1">
+                <a:solidFill>
+                  <a:srgbClr val="000000"/>
+                </a:solidFill>
+              </a:rPr>
+              <a:t>examples</a:t>
+            </a:r>
+            <a:r>
+              <a:rPr lang="pt-BR" sz="2400" dirty="0">
+                <a:solidFill>
+                  <a:srgbClr val="000000"/>
+                </a:solidFill>
+              </a:rPr>
+              <a:t>”, </a:t>
+            </a:r>
+            <a:r>
+              <a:rPr lang="pt-BR" sz="2400" dirty="0">
+                <a:solidFill>
+                  <a:srgbClr val="000000"/>
+                </a:solidFill>
+                <a:hlinkClick r:id="rId4"/>
+              </a:rPr>
+              <a:t>https://pytorch.org/examples/</a:t>
+            </a:r>
+            <a:endParaRPr lang="pt-BR" sz="2400" dirty="0">
+              <a:solidFill>
+                <a:srgbClr val="000000"/>
+              </a:solidFill>
+            </a:endParaRPr>
+          </a:p>
+          <a:p>
+            <a:pPr marL="0" indent="0">
+              <a:spcBef>
+                <a:spcPts val="0"/>
+              </a:spcBef>
+              <a:buNone/>
+            </a:pPr>
+            <a:r>
+              <a:rPr lang="pt-BR" sz="2400" b="0" i="0" u="none" strike="noStrike" dirty="0">
+                <a:solidFill>
+                  <a:srgbClr val="000000"/>
+                </a:solidFill>
+                <a:effectLst/>
+              </a:rPr>
+              <a:t>[3] “Papers </a:t>
+            </a:r>
+            <a:r>
+              <a:rPr lang="pt-BR" sz="2400" b="0" i="0" u="none" strike="noStrike" dirty="0" err="1">
+                <a:solidFill>
+                  <a:srgbClr val="000000"/>
+                </a:solidFill>
+                <a:effectLst/>
+              </a:rPr>
+              <a:t>with</a:t>
+            </a:r>
+            <a:r>
+              <a:rPr lang="pt-BR" sz="2400" b="0" i="0" u="none" strike="noStrike" dirty="0">
+                <a:solidFill>
+                  <a:srgbClr val="000000"/>
+                </a:solidFill>
+                <a:effectLst/>
+              </a:rPr>
+              <a:t> </a:t>
+            </a:r>
+            <a:r>
+              <a:rPr lang="pt-BR" sz="2400" b="0" i="0" u="none" strike="noStrike" dirty="0" err="1">
+                <a:solidFill>
+                  <a:srgbClr val="000000"/>
+                </a:solidFill>
+                <a:effectLst/>
+              </a:rPr>
+              <a:t>code</a:t>
+            </a:r>
+            <a:r>
+              <a:rPr lang="pt-BR" sz="2400" b="0" i="0" u="none" strike="noStrike" dirty="0">
+                <a:solidFill>
+                  <a:srgbClr val="000000"/>
+                </a:solidFill>
+                <a:effectLst/>
+              </a:rPr>
+              <a:t>”</a:t>
+            </a:r>
+            <a:r>
+              <a:rPr lang="pt-BR" sz="2400" dirty="0">
+                <a:solidFill>
+                  <a:srgbClr val="000000"/>
+                </a:solidFill>
+              </a:rPr>
+              <a:t>, </a:t>
+            </a:r>
+            <a:r>
+              <a:rPr lang="pt-BR" sz="2400" dirty="0">
+                <a:solidFill>
+                  <a:srgbClr val="000000"/>
+                </a:solidFill>
+                <a:hlinkClick r:id="rId5"/>
+              </a:rPr>
+              <a:t>https://paperswithcode.com/</a:t>
+            </a:r>
+            <a:endParaRPr lang="pt-BR" sz="2400" b="0" i="0" u="none" strike="noStrike" dirty="0">
+              <a:solidFill>
+                <a:srgbClr val="000000"/>
+              </a:solidFill>
+              <a:effectLst/>
+            </a:endParaRPr>
+          </a:p>
+          <a:p>
+            <a:pPr marL="0" indent="0">
+              <a:spcBef>
+                <a:spcPts val="0"/>
+              </a:spcBef>
+              <a:buNone/>
+            </a:pPr>
+            <a:r>
+              <a:rPr lang="pt-BR" sz="2400" dirty="0">
+                <a:solidFill>
+                  <a:srgbClr val="000000"/>
+                </a:solidFill>
+              </a:rPr>
+              <a:t>[4] Sebastian </a:t>
+            </a:r>
+            <a:r>
+              <a:rPr lang="pt-BR" sz="2400" dirty="0" err="1">
+                <a:solidFill>
+                  <a:srgbClr val="000000"/>
+                </a:solidFill>
+              </a:rPr>
+              <a:t>Raschka</a:t>
+            </a:r>
+            <a:r>
+              <a:rPr lang="pt-BR" sz="2400" dirty="0">
+                <a:solidFill>
+                  <a:srgbClr val="000000"/>
+                </a:solidFill>
+              </a:rPr>
+              <a:t> </a:t>
+            </a:r>
+            <a:r>
+              <a:rPr lang="pt-BR" sz="2400" dirty="0" err="1">
+                <a:solidFill>
+                  <a:srgbClr val="000000"/>
+                </a:solidFill>
+              </a:rPr>
+              <a:t>and</a:t>
+            </a:r>
+            <a:r>
+              <a:rPr lang="pt-BR" sz="2400" dirty="0">
+                <a:solidFill>
+                  <a:srgbClr val="000000"/>
+                </a:solidFill>
+              </a:rPr>
+              <a:t> </a:t>
+            </a:r>
+            <a:r>
+              <a:rPr lang="pt-BR" sz="2400" dirty="0" err="1">
+                <a:solidFill>
+                  <a:srgbClr val="000000"/>
+                </a:solidFill>
+              </a:rPr>
+              <a:t>Vahid</a:t>
+            </a:r>
+            <a:r>
+              <a:rPr lang="pt-BR" sz="2400" dirty="0">
+                <a:solidFill>
+                  <a:srgbClr val="000000"/>
+                </a:solidFill>
+              </a:rPr>
+              <a:t> </a:t>
+            </a:r>
+            <a:r>
+              <a:rPr lang="pt-BR" sz="2400" dirty="0" err="1">
+                <a:solidFill>
+                  <a:srgbClr val="000000"/>
+                </a:solidFill>
+              </a:rPr>
+              <a:t>Mirjalili</a:t>
+            </a:r>
+            <a:r>
+              <a:rPr lang="pt-BR" sz="2400" dirty="0">
+                <a:solidFill>
+                  <a:srgbClr val="000000"/>
+                </a:solidFill>
+              </a:rPr>
+              <a:t>, “</a:t>
+            </a:r>
+            <a:r>
+              <a:rPr lang="en-US" sz="2400" dirty="0">
+                <a:solidFill>
+                  <a:srgbClr val="000000"/>
+                </a:solidFill>
+              </a:rPr>
+              <a:t>Python Machine Learning: Machine Learning and Deep Learning with Python, scikit-learn, and TensorFlow 2”, </a:t>
+            </a:r>
+            <a:r>
+              <a:rPr lang="pt-BR" sz="2400" dirty="0" err="1">
+                <a:solidFill>
+                  <a:srgbClr val="000000"/>
+                </a:solidFill>
+              </a:rPr>
+              <a:t>Packt</a:t>
+            </a:r>
+            <a:r>
+              <a:rPr lang="pt-BR" sz="2400" dirty="0">
+                <a:solidFill>
+                  <a:srgbClr val="000000"/>
+                </a:solidFill>
+              </a:rPr>
+              <a:t> </a:t>
+            </a:r>
+            <a:r>
+              <a:rPr lang="pt-BR" sz="2400" dirty="0" err="1">
+                <a:solidFill>
+                  <a:srgbClr val="000000"/>
+                </a:solidFill>
+              </a:rPr>
+              <a:t>Publishing</a:t>
+            </a:r>
+            <a:r>
+              <a:rPr lang="pt-BR" sz="2400" dirty="0">
+                <a:solidFill>
+                  <a:srgbClr val="000000"/>
+                </a:solidFill>
+              </a:rPr>
+              <a:t>, 2019.</a:t>
+            </a:r>
+            <a:br>
+              <a:rPr lang="en-US" sz="2400" dirty="0">
+                <a:solidFill>
+                  <a:srgbClr val="000000"/>
+                </a:solidFill>
+              </a:rPr>
+            </a:br>
+            <a:r>
+              <a:rPr lang="en-US" sz="2400" dirty="0">
+                <a:solidFill>
+                  <a:srgbClr val="000000"/>
+                </a:solidFill>
+              </a:rPr>
+              <a:t>[5] </a:t>
+            </a:r>
+            <a:r>
+              <a:rPr lang="pt-BR" sz="2400" dirty="0">
+                <a:solidFill>
+                  <a:srgbClr val="000000"/>
+                </a:solidFill>
+              </a:rPr>
+              <a:t>Ivan </a:t>
+            </a:r>
+            <a:r>
+              <a:rPr lang="pt-BR" sz="2400" dirty="0" err="1">
+                <a:solidFill>
+                  <a:srgbClr val="000000"/>
+                </a:solidFill>
+              </a:rPr>
+              <a:t>Vasilev</a:t>
+            </a:r>
+            <a:r>
+              <a:rPr lang="pt-BR" sz="2400" dirty="0">
+                <a:solidFill>
+                  <a:srgbClr val="000000"/>
+                </a:solidFill>
+              </a:rPr>
+              <a:t>, </a:t>
+            </a:r>
+            <a:r>
+              <a:rPr lang="en-US" sz="2400" dirty="0">
+                <a:solidFill>
+                  <a:srgbClr val="000000"/>
+                </a:solidFill>
+              </a:rPr>
+              <a:t>“Advanced Deep Learning with Python: Design and implement advanced next-generation AI solutions using TensorFlow and </a:t>
+            </a:r>
+            <a:r>
+              <a:rPr lang="en-US" sz="2400" dirty="0" err="1">
+                <a:solidFill>
+                  <a:srgbClr val="000000"/>
+                </a:solidFill>
+              </a:rPr>
+              <a:t>PyTorch</a:t>
+            </a:r>
+            <a:r>
+              <a:rPr lang="en-US" sz="2400" dirty="0">
+                <a:solidFill>
+                  <a:srgbClr val="000000"/>
+                </a:solidFill>
+              </a:rPr>
+              <a:t>”, </a:t>
+            </a:r>
+            <a:r>
+              <a:rPr lang="pt-BR" sz="2400" dirty="0" err="1">
+                <a:solidFill>
+                  <a:srgbClr val="000000"/>
+                </a:solidFill>
+              </a:rPr>
+              <a:t>Packt</a:t>
+            </a:r>
+            <a:r>
+              <a:rPr lang="pt-BR" sz="2400" dirty="0">
+                <a:solidFill>
+                  <a:srgbClr val="000000"/>
+                </a:solidFill>
+              </a:rPr>
+              <a:t> </a:t>
+            </a:r>
+            <a:r>
+              <a:rPr lang="pt-BR" sz="2400" dirty="0" err="1">
+                <a:solidFill>
+                  <a:srgbClr val="000000"/>
+                </a:solidFill>
+              </a:rPr>
+              <a:t>Publishing</a:t>
+            </a:r>
+            <a:r>
+              <a:rPr lang="pt-BR" sz="2400" dirty="0">
+                <a:solidFill>
+                  <a:srgbClr val="000000"/>
+                </a:solidFill>
+              </a:rPr>
+              <a:t>, 2019.</a:t>
+            </a:r>
+          </a:p>
+          <a:p>
+            <a:pPr marL="0" indent="0">
+              <a:spcBef>
+                <a:spcPts val="0"/>
+              </a:spcBef>
+              <a:buNone/>
+            </a:pPr>
+            <a:r>
+              <a:rPr lang="pt-BR" sz="2400" dirty="0">
+                <a:solidFill>
+                  <a:srgbClr val="000000"/>
+                </a:solidFill>
+              </a:rPr>
+              <a:t>[6] </a:t>
+            </a:r>
+            <a:r>
+              <a:rPr lang="pt-BR" sz="2400" dirty="0" err="1">
+                <a:solidFill>
+                  <a:srgbClr val="000000"/>
+                </a:solidFill>
+              </a:rPr>
+              <a:t>Aurélien</a:t>
+            </a:r>
+            <a:r>
+              <a:rPr lang="pt-BR" sz="2400" dirty="0">
+                <a:solidFill>
+                  <a:srgbClr val="000000"/>
+                </a:solidFill>
+              </a:rPr>
+              <a:t> </a:t>
+            </a:r>
+            <a:r>
+              <a:rPr lang="pt-BR" sz="2400" dirty="0" err="1">
+                <a:solidFill>
+                  <a:srgbClr val="000000"/>
+                </a:solidFill>
+              </a:rPr>
+              <a:t>Géron</a:t>
+            </a:r>
+            <a:r>
+              <a:rPr lang="pt-BR" sz="2400" dirty="0">
+                <a:solidFill>
+                  <a:srgbClr val="000000"/>
+                </a:solidFill>
+              </a:rPr>
+              <a:t>, "Hands-On Machine Learning </a:t>
+            </a:r>
+            <a:r>
+              <a:rPr lang="pt-BR" sz="2400" dirty="0" err="1">
+                <a:solidFill>
+                  <a:srgbClr val="000000"/>
+                </a:solidFill>
+              </a:rPr>
+              <a:t>with</a:t>
+            </a:r>
+            <a:r>
+              <a:rPr lang="pt-BR" sz="2400" dirty="0">
+                <a:solidFill>
+                  <a:srgbClr val="000000"/>
+                </a:solidFill>
+              </a:rPr>
+              <a:t> </a:t>
+            </a:r>
+            <a:r>
+              <a:rPr lang="pt-BR" sz="2400" dirty="0" err="1">
+                <a:solidFill>
+                  <a:srgbClr val="000000"/>
+                </a:solidFill>
+              </a:rPr>
+              <a:t>Scikit-Learn</a:t>
+            </a:r>
+            <a:r>
+              <a:rPr lang="pt-BR" sz="2400" dirty="0">
+                <a:solidFill>
+                  <a:srgbClr val="000000"/>
+                </a:solidFill>
+              </a:rPr>
+              <a:t> </a:t>
+            </a:r>
+            <a:r>
+              <a:rPr lang="pt-BR" sz="2400" dirty="0" err="1">
+                <a:solidFill>
+                  <a:srgbClr val="000000"/>
+                </a:solidFill>
+              </a:rPr>
+              <a:t>and</a:t>
+            </a:r>
+            <a:r>
+              <a:rPr lang="pt-BR" sz="2400" dirty="0">
+                <a:solidFill>
+                  <a:srgbClr val="000000"/>
+                </a:solidFill>
+              </a:rPr>
+              <a:t> TensorFlow: </a:t>
+            </a:r>
+            <a:r>
+              <a:rPr lang="pt-BR" sz="2400" dirty="0" err="1">
+                <a:solidFill>
+                  <a:srgbClr val="000000"/>
+                </a:solidFill>
+              </a:rPr>
+              <a:t>Concepts</a:t>
+            </a:r>
+            <a:r>
+              <a:rPr lang="pt-BR" sz="2400" dirty="0">
+                <a:solidFill>
+                  <a:srgbClr val="000000"/>
+                </a:solidFill>
+              </a:rPr>
+              <a:t>, Tools, </a:t>
+            </a:r>
+            <a:r>
+              <a:rPr lang="pt-BR" sz="2400" dirty="0" err="1">
+                <a:solidFill>
+                  <a:srgbClr val="000000"/>
+                </a:solidFill>
+              </a:rPr>
+              <a:t>and</a:t>
+            </a:r>
+            <a:r>
+              <a:rPr lang="pt-BR" sz="2400" dirty="0">
+                <a:solidFill>
+                  <a:srgbClr val="000000"/>
+                </a:solidFill>
+              </a:rPr>
+              <a:t> </a:t>
+            </a:r>
+            <a:r>
+              <a:rPr lang="pt-BR" sz="2400" dirty="0" err="1">
+                <a:solidFill>
+                  <a:srgbClr val="000000"/>
+                </a:solidFill>
+              </a:rPr>
+              <a:t>Techniques</a:t>
+            </a:r>
+            <a:r>
+              <a:rPr lang="pt-BR" sz="2400" dirty="0">
+                <a:solidFill>
+                  <a:srgbClr val="000000"/>
+                </a:solidFill>
+              </a:rPr>
+              <a:t> </a:t>
+            </a:r>
+            <a:r>
+              <a:rPr lang="pt-BR" sz="2400" dirty="0" err="1">
+                <a:solidFill>
+                  <a:srgbClr val="000000"/>
+                </a:solidFill>
+              </a:rPr>
+              <a:t>to</a:t>
+            </a:r>
+            <a:r>
+              <a:rPr lang="pt-BR" sz="2400" dirty="0">
+                <a:solidFill>
+                  <a:srgbClr val="000000"/>
+                </a:solidFill>
+              </a:rPr>
+              <a:t> Build </a:t>
+            </a:r>
+            <a:r>
+              <a:rPr lang="pt-BR" sz="2400" dirty="0" err="1">
+                <a:solidFill>
+                  <a:srgbClr val="000000"/>
+                </a:solidFill>
+              </a:rPr>
+              <a:t>Intelligent</a:t>
+            </a:r>
+            <a:r>
+              <a:rPr lang="pt-BR" sz="2400" dirty="0">
+                <a:solidFill>
+                  <a:srgbClr val="000000"/>
+                </a:solidFill>
+              </a:rPr>
+              <a:t> Systems", 3rd ed., O'Reilly Media, 2022.</a:t>
+            </a:r>
+          </a:p>
+          <a:p>
+            <a:pPr marL="0" indent="0">
+              <a:spcBef>
+                <a:spcPts val="0"/>
+              </a:spcBef>
+              <a:buNone/>
+            </a:pPr>
+            <a:r>
+              <a:rPr lang="en-US" sz="2400" dirty="0">
+                <a:solidFill>
+                  <a:srgbClr val="000000"/>
+                </a:solidFill>
+              </a:rPr>
+              <a:t>[7] </a:t>
+            </a:r>
+            <a:r>
+              <a:rPr lang="en-US" sz="2400" dirty="0" err="1">
+                <a:solidFill>
+                  <a:srgbClr val="000000"/>
+                </a:solidFill>
+              </a:rPr>
+              <a:t>Raschka</a:t>
+            </a:r>
+            <a:r>
+              <a:rPr lang="en-US" sz="2400" dirty="0">
+                <a:solidFill>
+                  <a:srgbClr val="000000"/>
+                </a:solidFill>
+              </a:rPr>
+              <a:t>, Sebastian, et al., “Machine Learning with </a:t>
+            </a:r>
+            <a:r>
+              <a:rPr lang="en-US" sz="2400" dirty="0" err="1">
+                <a:solidFill>
+                  <a:srgbClr val="000000"/>
+                </a:solidFill>
+              </a:rPr>
+              <a:t>PyTorch</a:t>
+            </a:r>
+            <a:r>
+              <a:rPr lang="en-US" sz="2400" dirty="0">
+                <a:solidFill>
+                  <a:srgbClr val="000000"/>
+                </a:solidFill>
+              </a:rPr>
+              <a:t> and Scikit-Learn: Develop machine learning and deep learning models with Python”, </a:t>
+            </a:r>
+            <a:r>
+              <a:rPr lang="en-US" sz="2400" dirty="0" err="1">
+                <a:solidFill>
+                  <a:srgbClr val="000000"/>
+                </a:solidFill>
+              </a:rPr>
+              <a:t>Packt</a:t>
+            </a:r>
+            <a:r>
+              <a:rPr lang="en-US" sz="2400" dirty="0">
+                <a:solidFill>
+                  <a:srgbClr val="000000"/>
+                </a:solidFill>
+              </a:rPr>
+              <a:t> Publishing Ltd, 2022.</a:t>
+            </a:r>
+            <a:endParaRPr lang="pt-BR" sz="2400" dirty="0">
+              <a:solidFill>
+                <a:srgbClr val="000000"/>
+              </a:solidFill>
+            </a:endParaRPr>
+          </a:p>
+          <a:p>
+            <a:pPr marL="0" indent="0">
+              <a:spcBef>
+                <a:spcPts val="0"/>
+              </a:spcBef>
+              <a:buNone/>
+            </a:pPr>
+            <a:r>
+              <a:rPr lang="pt-BR" sz="2400" dirty="0">
+                <a:solidFill>
+                  <a:srgbClr val="000000"/>
+                </a:solidFill>
+              </a:rPr>
+              <a:t>[8] C. M. Bishop, "</a:t>
+            </a:r>
+            <a:r>
+              <a:rPr lang="pt-BR" sz="2400" dirty="0" err="1">
+                <a:solidFill>
+                  <a:srgbClr val="000000"/>
+                </a:solidFill>
+              </a:rPr>
+              <a:t>Pattern</a:t>
+            </a:r>
+            <a:r>
+              <a:rPr lang="pt-BR" sz="2400" dirty="0">
+                <a:solidFill>
+                  <a:srgbClr val="000000"/>
+                </a:solidFill>
+              </a:rPr>
+              <a:t> </a:t>
+            </a:r>
+            <a:r>
+              <a:rPr lang="pt-BR" sz="2400" dirty="0" err="1">
+                <a:solidFill>
+                  <a:srgbClr val="000000"/>
+                </a:solidFill>
+              </a:rPr>
+              <a:t>Recognition</a:t>
+            </a:r>
+            <a:r>
+              <a:rPr lang="pt-BR" sz="2400" dirty="0">
+                <a:solidFill>
+                  <a:srgbClr val="000000"/>
+                </a:solidFill>
+              </a:rPr>
+              <a:t> </a:t>
+            </a:r>
+            <a:r>
+              <a:rPr lang="pt-BR" sz="2400" dirty="0" err="1">
+                <a:solidFill>
+                  <a:srgbClr val="000000"/>
+                </a:solidFill>
+              </a:rPr>
+              <a:t>and</a:t>
+            </a:r>
+            <a:r>
+              <a:rPr lang="pt-BR" sz="2400" dirty="0">
+                <a:solidFill>
+                  <a:srgbClr val="000000"/>
+                </a:solidFill>
+              </a:rPr>
+              <a:t> Machine Learning", Springer, 2006.</a:t>
+            </a:r>
+          </a:p>
+          <a:p>
+            <a:pPr marL="0" indent="0">
+              <a:spcBef>
+                <a:spcPts val="0"/>
+              </a:spcBef>
+              <a:buNone/>
+            </a:pPr>
+            <a:r>
+              <a:rPr lang="pt-BR" sz="2400">
+                <a:solidFill>
+                  <a:srgbClr val="000000"/>
+                </a:solidFill>
+              </a:rPr>
+              <a:t>[9] </a:t>
+            </a:r>
+            <a:r>
+              <a:rPr lang="pt-BR" sz="2400" dirty="0">
+                <a:solidFill>
+                  <a:srgbClr val="000000"/>
+                </a:solidFill>
+              </a:rPr>
+              <a:t>“Livros”, </a:t>
+            </a:r>
+            <a:r>
+              <a:rPr lang="pt-BR" sz="2400" dirty="0">
+                <a:solidFill>
+                  <a:srgbClr val="000000"/>
+                </a:solidFill>
+                <a:hlinkClick r:id="rId6"/>
+              </a:rPr>
+              <a:t>http://tinyurl.com/tp558-books</a:t>
+            </a:r>
+            <a:endParaRPr lang="pt-BR" sz="2400" dirty="0">
+              <a:solidFill>
+                <a:srgbClr val="000000"/>
+              </a:solidFill>
+            </a:endParaRPr>
+          </a:p>
+        </p:txBody>
+      </p:sp>
+    </p:spTree>
+    <p:extLst>
+      <p:ext uri="{BB962C8B-B14F-4D97-AF65-F5344CB8AC3E}">
+        <p14:creationId xmlns:p14="http://schemas.microsoft.com/office/powerpoint/2010/main" val="2247946137"/>
+      </p:ext>
+    </p:extLst>
+  </p:cSld>
+  <p:clrMapOvr>
+    <a:masterClrMapping/>
+  </p:clrMapOvr>
+</p:sld>
+</file>
+
+<file path=ppt/slides/slide21.xml><?xml version="1.0" encoding="utf-8"?>
+<p:sld xmlns:a="http://schemas.openxmlformats.org/drawingml/2006/main" xmlns:r="http://schemas.openxmlformats.org/officeDocument/2006/relationships" xmlns:p="http://schemas.openxmlformats.org/presentationml/2006/main">
+  <p:cSld>
+    <p:spTree>
+      <p:nvGrpSpPr>
+        <p:cNvPr id="1" name=""/>
+        <p:cNvGrpSpPr/>
+        <p:nvPr/>
+      </p:nvGrpSpPr>
+      <p:grpSpPr>
+        <a:xfrm>
+          <a:off x="0" y="0"/>
+          <a:ext cx="0" cy="0"/>
+          <a:chOff x="0" y="0"/>
+          <a:chExt cx="0" cy="0"/>
+        </a:xfrm>
+      </p:grpSpPr>
+      <p:sp>
+        <p:nvSpPr>
+          <p:cNvPr id="2" name="Title 1"/>
+          <p:cNvSpPr>
+            <a:spLocks noGrp="1"/>
+          </p:cNvSpPr>
+          <p:nvPr>
+            <p:ph type="title"/>
+          </p:nvPr>
+        </p:nvSpPr>
+        <p:spPr/>
+        <p:txBody>
+          <a:bodyPr/>
+          <a:lstStyle/>
+          <a:p>
+            <a:r>
+              <a:rPr lang="en-US" dirty="0" err="1"/>
+              <a:t>Avisos</a:t>
+            </a:r>
+            <a:endParaRPr lang="nl-BE" dirty="0"/>
+          </a:p>
+        </p:txBody>
+      </p:sp>
+      <p:sp>
+        <p:nvSpPr>
+          <p:cNvPr id="3" name="Content Placeholder 2"/>
+          <p:cNvSpPr>
+            <a:spLocks noGrp="1"/>
+          </p:cNvSpPr>
+          <p:nvPr>
+            <p:ph idx="1"/>
+          </p:nvPr>
+        </p:nvSpPr>
+        <p:spPr>
+          <a:xfrm>
+            <a:off x="838199" y="1825624"/>
+            <a:ext cx="11104419" cy="5032376"/>
+          </a:xfrm>
+        </p:spPr>
+        <p:txBody>
+          <a:bodyPr>
+            <a:normAutofit/>
+          </a:bodyPr>
+          <a:lstStyle/>
+          <a:p>
+            <a:r>
+              <a:rPr lang="pt-BR" dirty="0"/>
+              <a:t>Todo material do curso está disponível no GitHub:</a:t>
+            </a:r>
+          </a:p>
+          <a:p>
+            <a:pPr lvl="1">
+              <a:buFont typeface="Wingdings" panose="05000000000000000000" pitchFamily="2" charset="2"/>
+              <a:buChar char="§"/>
+            </a:pPr>
+            <a:r>
+              <a:rPr lang="pt-BR" dirty="0">
+                <a:hlinkClick r:id="rId2"/>
+              </a:rPr>
+              <a:t>https://github.com/zz4fap/tp558-adv-ml</a:t>
+            </a:r>
+            <a:endParaRPr lang="pt-BR" dirty="0"/>
+          </a:p>
+          <a:p>
+            <a:r>
+              <a:rPr lang="pt-BR" dirty="0"/>
+              <a:t>Como usar o Google </a:t>
+            </a:r>
+            <a:r>
+              <a:rPr lang="pt-BR" dirty="0" err="1"/>
+              <a:t>Colab</a:t>
+            </a:r>
+            <a:endParaRPr lang="pt-BR" dirty="0"/>
+          </a:p>
+          <a:p>
+            <a:pPr lvl="1">
+              <a:buFont typeface="Wingdings" panose="05000000000000000000" pitchFamily="2" charset="2"/>
+              <a:buChar char="§"/>
+            </a:pPr>
+            <a:r>
+              <a:rPr lang="pt-BR" dirty="0">
+                <a:hlinkClick r:id="rId3"/>
+              </a:rPr>
+              <a:t>https://www.youtube.com/watch?v=inN8seMm7UI&amp;ab_channel=TensorFlow</a:t>
+            </a:r>
+          </a:p>
+          <a:p>
+            <a:pPr lvl="1">
+              <a:buFont typeface="Wingdings" panose="05000000000000000000" pitchFamily="2" charset="2"/>
+              <a:buChar char="§"/>
+            </a:pPr>
+            <a:r>
+              <a:rPr lang="pt-BR" b="0" i="0" dirty="0">
+                <a:solidFill>
+                  <a:srgbClr val="222222"/>
+                </a:solidFill>
+                <a:effectLst/>
+                <a:latin typeface="Arial" panose="020B0604020202020204" pitchFamily="34" charset="0"/>
+                <a:hlinkClick r:id="rId4"/>
+              </a:rPr>
+              <a:t>https://www.youtube.com/watch?v=inN8seMm7UI</a:t>
+            </a:r>
+            <a:endParaRPr lang="pt-BR" b="0" i="0" dirty="0">
+              <a:solidFill>
+                <a:srgbClr val="222222"/>
+              </a:solidFill>
+              <a:effectLst/>
+              <a:latin typeface="Arial" panose="020B0604020202020204" pitchFamily="34" charset="0"/>
+            </a:endParaRPr>
+          </a:p>
+          <a:p>
+            <a:r>
+              <a:rPr lang="pt-BR" dirty="0"/>
+              <a:t>Python Crash </a:t>
+            </a:r>
+            <a:r>
+              <a:rPr lang="pt-BR" dirty="0" err="1"/>
+              <a:t>Course</a:t>
+            </a:r>
+            <a:endParaRPr lang="pt-BR" dirty="0">
+              <a:hlinkClick r:id="rId3"/>
+            </a:endParaRPr>
+          </a:p>
+          <a:p>
+            <a:pPr lvl="1">
+              <a:buFont typeface="Wingdings" panose="05000000000000000000" pitchFamily="2" charset="2"/>
+              <a:buChar char="§"/>
+            </a:pPr>
+            <a:r>
+              <a:rPr lang="pt-BR" dirty="0">
+                <a:hlinkClick r:id="rId3"/>
+              </a:rPr>
+              <a:t>https://www.youtube.com/watch?v=pq4NNIYar9o&amp;list=PLRc6ZYt68prVXAhwY1JD6DFc3BJGmJriq&amp;pp=gAQBiAQB</a:t>
+            </a:r>
+            <a:endParaRPr lang="pt-BR" dirty="0"/>
+          </a:p>
+          <a:p>
+            <a:r>
+              <a:rPr lang="pt-BR" dirty="0"/>
+              <a:t>Horário de Atendimento</a:t>
+            </a:r>
+          </a:p>
+          <a:p>
+            <a:pPr lvl="1">
+              <a:buFont typeface="Wingdings" panose="05000000000000000000" pitchFamily="2" charset="2"/>
+              <a:buChar char="§"/>
+            </a:pPr>
+            <a:r>
+              <a:rPr lang="pt-BR" dirty="0"/>
+              <a:t>Todas as quartas-feiras das 17:30 às 18:30.</a:t>
+            </a:r>
+          </a:p>
+          <a:p>
+            <a:pPr lvl="1">
+              <a:buFont typeface="Wingdings" panose="05000000000000000000" pitchFamily="2" charset="2"/>
+              <a:buChar char="§"/>
+            </a:pPr>
+            <a:r>
+              <a:rPr lang="pt-BR" dirty="0"/>
+              <a:t>Presencialmente ou remotamente.</a:t>
+            </a:r>
+          </a:p>
+        </p:txBody>
+      </p:sp>
+    </p:spTree>
+    <p:extLst>
+      <p:ext uri="{BB962C8B-B14F-4D97-AF65-F5344CB8AC3E}">
+        <p14:creationId xmlns:p14="http://schemas.microsoft.com/office/powerpoint/2010/main" val="1412900488"/>
+      </p:ext>
+    </p:extLst>
+  </p:cSld>
+  <p:clrMapOvr>
+    <a:masterClrMapping/>
+  </p:clrMapOvr>
+</p:sld>
+</file>
+
+<file path=ppt/slides/slide22.xml><?xml version="1.0" encoding="utf-8"?>
+<p:sld xmlns:a="http://schemas.openxmlformats.org/drawingml/2006/main" xmlns:r="http://schemas.openxmlformats.org/officeDocument/2006/relationships" xmlns:p="http://schemas.openxmlformats.org/presentationml/2006/main">
+  <p:cSld>
+    <p:spTree>
+      <p:nvGrpSpPr>
+        <p:cNvPr id="1" name=""/>
+        <p:cNvGrpSpPr/>
+        <p:nvPr/>
+      </p:nvGrpSpPr>
+      <p:grpSpPr>
+        <a:xfrm>
+          <a:off x="0" y="0"/>
+          <a:ext cx="0" cy="0"/>
+          <a:chOff x="0" y="0"/>
+          <a:chExt cx="0" cy="0"/>
+        </a:xfrm>
+      </p:grpSpPr>
+      <p:sp>
+        <p:nvSpPr>
+          <p:cNvPr id="4" name="Título 1">
+            <a:extLst>
+              <a:ext uri="{FF2B5EF4-FFF2-40B4-BE49-F238E27FC236}">
+                <a16:creationId xmlns:a16="http://schemas.microsoft.com/office/drawing/2014/main" id="{32666AC8-2E17-4DB4-B0F5-60C640CCFD2E}"/>
+              </a:ext>
+            </a:extLst>
+          </p:cNvPr>
+          <p:cNvSpPr txBox="1">
+            <a:spLocks/>
+          </p:cNvSpPr>
+          <p:nvPr/>
+        </p:nvSpPr>
+        <p:spPr>
+          <a:xfrm>
+            <a:off x="1431533" y="2720526"/>
+            <a:ext cx="9144000" cy="1029541"/>
+          </a:xfrm>
+          <a:prstGeom prst="rect">
+            <a:avLst/>
+          </a:prstGeom>
+        </p:spPr>
+        <p:txBody>
+          <a:bodyPr vert="horz" lIns="91440" tIns="45720" rIns="91440" bIns="45720" rtlCol="0" anchor="ctr">
+            <a:normAutofit/>
+          </a:bodyPr>
+          <a:lstStyle>
+            <a:lvl1pPr algn="l" defTabSz="914400" rtl="0" eaLnBrk="1" latinLnBrk="0" hangingPunct="1">
+              <a:lnSpc>
+                <a:spcPct val="90000"/>
+              </a:lnSpc>
+              <a:spcBef>
+                <a:spcPct val="0"/>
+              </a:spcBef>
+              <a:buNone/>
+              <a:defRPr sz="4400" kern="1200">
+                <a:solidFill>
+                  <a:schemeClr val="tx1"/>
+                </a:solidFill>
+                <a:latin typeface="+mj-lt"/>
+                <a:ea typeface="+mj-ea"/>
+                <a:cs typeface="+mj-cs"/>
+              </a:defRPr>
+            </a:lvl1pPr>
+          </a:lstStyle>
+          <a:p>
+            <a:pPr algn="ctr"/>
+            <a:r>
+              <a:rPr lang="pt-BR" sz="6600" dirty="0"/>
+              <a:t>Perguntas?</a:t>
+            </a:r>
+            <a:endParaRPr lang="pt-BR" sz="6600" b="1" i="1" dirty="0"/>
+          </a:p>
+        </p:txBody>
+      </p:sp>
+    </p:spTree>
+    <p:extLst>
+      <p:ext uri="{BB962C8B-B14F-4D97-AF65-F5344CB8AC3E}">
+        <p14:creationId xmlns:p14="http://schemas.microsoft.com/office/powerpoint/2010/main" val="3773005660"/>
+      </p:ext>
+    </p:extLst>
+  </p:cSld>
+  <p:clrMapOvr>
+    <a:masterClrMapping/>
+  </p:clrMapOvr>
+</p:sld>
+</file>
+
+<file path=ppt/slides/slide23.xml><?xml version="1.0" encoding="utf-8"?>
+<p:sld xmlns:a="http://schemas.openxmlformats.org/drawingml/2006/main" xmlns:r="http://schemas.openxmlformats.org/officeDocument/2006/relationships" xmlns:p="http://schemas.openxmlformats.org/presentationml/2006/main">
+  <p:cSld>
+    <p:spTree>
+      <p:nvGrpSpPr>
+        <p:cNvPr id="1" name=""/>
+        <p:cNvGrpSpPr/>
+        <p:nvPr/>
+      </p:nvGrpSpPr>
+      <p:grpSpPr>
+        <a:xfrm>
+          <a:off x="0" y="0"/>
+          <a:ext cx="0" cy="0"/>
+          <a:chOff x="0" y="0"/>
+          <a:chExt cx="0" cy="0"/>
+        </a:xfrm>
+      </p:grpSpPr>
+      <p:sp>
+        <p:nvSpPr>
+          <p:cNvPr id="4" name="Título 1">
+            <a:extLst>
+              <a:ext uri="{FF2B5EF4-FFF2-40B4-BE49-F238E27FC236}">
+                <a16:creationId xmlns:a16="http://schemas.microsoft.com/office/drawing/2014/main" id="{32666AC8-2E17-4DB4-B0F5-60C640CCFD2E}"/>
+              </a:ext>
+            </a:extLst>
+          </p:cNvPr>
+          <p:cNvSpPr txBox="1">
+            <a:spLocks/>
+          </p:cNvSpPr>
+          <p:nvPr/>
+        </p:nvSpPr>
+        <p:spPr>
+          <a:xfrm>
+            <a:off x="1431533" y="2720526"/>
+            <a:ext cx="9144000" cy="1029541"/>
+          </a:xfrm>
+          <a:prstGeom prst="rect">
+            <a:avLst/>
+          </a:prstGeom>
+        </p:spPr>
+        <p:txBody>
+          <a:bodyPr vert="horz" lIns="91440" tIns="45720" rIns="91440" bIns="45720" rtlCol="0" anchor="ctr">
+            <a:normAutofit/>
+          </a:bodyPr>
+          <a:lstStyle>
+            <a:lvl1pPr algn="l" defTabSz="914400" rtl="0" eaLnBrk="1" latinLnBrk="0" hangingPunct="1">
+              <a:lnSpc>
+                <a:spcPct val="90000"/>
+              </a:lnSpc>
+              <a:spcBef>
+                <a:spcPct val="0"/>
+              </a:spcBef>
+              <a:buNone/>
+              <a:defRPr sz="4400" kern="1200">
+                <a:solidFill>
+                  <a:schemeClr val="tx1"/>
+                </a:solidFill>
+                <a:latin typeface="+mj-lt"/>
+                <a:ea typeface="+mj-ea"/>
+                <a:cs typeface="+mj-cs"/>
+              </a:defRPr>
+            </a:lvl1pPr>
+          </a:lstStyle>
+          <a:p>
+            <a:pPr algn="ctr"/>
+            <a:r>
+              <a:rPr lang="pt-BR" sz="6600" dirty="0"/>
+              <a:t>Obrigado!</a:t>
+            </a:r>
+            <a:endParaRPr lang="pt-BR" sz="6600" b="1" i="1" dirty="0"/>
+          </a:p>
+        </p:txBody>
+      </p:sp>
+    </p:spTree>
+    <p:extLst>
+      <p:ext uri="{BB962C8B-B14F-4D97-AF65-F5344CB8AC3E}">
+        <p14:creationId xmlns:p14="http://schemas.microsoft.com/office/powerpoint/2010/main" val="2655704619"/>
       </p:ext>
     </p:extLst>
   </p:cSld>
@@ -8413,9 +9596,16 @@
             <p:ph idx="1"/>
           </p:nvPr>
         </p:nvSpPr>
-        <p:spPr/>
-        <p:txBody>
-          <a:bodyPr/>
+        <p:spPr>
+          <a:xfrm>
+            <a:off x="838199" y="1825624"/>
+            <a:ext cx="11038115" cy="5032375"/>
+          </a:xfrm>
+        </p:spPr>
+        <p:txBody>
+          <a:bodyPr>
+            <a:normAutofit/>
+          </a:bodyPr>
           <a:lstStyle/>
           <a:p>
             <a:r>
@@ -8629,42 +9819,6 @@
               </a:rPr>
               <a:t>https://www.tensorflow.org/tutorials/generative/cvae?hl=en</a:t>
             </a:r>
-            <a:endParaRPr lang="pt-BR" dirty="0"/>
-          </a:p>
-          <a:p>
-            <a:pPr marL="914400" lvl="2" indent="0">
-              <a:buNone/>
-            </a:pPr>
-            <a:endParaRPr lang="pt-BR" dirty="0">
-              <a:solidFill>
-                <a:srgbClr val="202124"/>
-              </a:solidFill>
-            </a:endParaRPr>
-          </a:p>
-          <a:p>
-            <a:pPr marL="0" indent="0">
-              <a:buNone/>
-            </a:pPr>
-            <a:endParaRPr lang="pt-BR" dirty="0">
-              <a:solidFill>
-                <a:srgbClr val="202124"/>
-              </a:solidFill>
-            </a:endParaRPr>
-          </a:p>
-          <a:p>
-            <a:pPr marL="914400" lvl="2" indent="0">
-              <a:buNone/>
-            </a:pPr>
-            <a:endParaRPr lang="pt-BR" dirty="0"/>
-          </a:p>
-          <a:p>
-            <a:pPr marL="914400" lvl="2" indent="0">
-              <a:buNone/>
-            </a:pPr>
-            <a:endParaRPr lang="pt-BR" dirty="0"/>
-          </a:p>
-          <a:p>
-            <a:pPr lvl="1"/>
             <a:endParaRPr lang="pt-BR" dirty="0"/>
           </a:p>
         </p:txBody>
@@ -8687,13 +9841,7 @@
   <p:cSld>
     <p:spTree>
       <p:nvGrpSpPr>
-        <p:cNvPr id="1" name="">
-          <a:extLst>
-            <a:ext uri="{FF2B5EF4-FFF2-40B4-BE49-F238E27FC236}">
-              <a16:creationId xmlns:a16="http://schemas.microsoft.com/office/drawing/2014/main" id="{7617B87B-9451-26E5-143E-DFEF71434E9F}"/>
-            </a:ext>
-          </a:extLst>
-        </p:cNvPr>
+        <p:cNvPr id="1" name=""/>
         <p:cNvGrpSpPr/>
         <p:nvPr/>
       </p:nvGrpSpPr>
@@ -8710,7 +9858,7 @@
           <p:cNvPr id="2" name="Título 1">
             <a:extLst>
               <a:ext uri="{FF2B5EF4-FFF2-40B4-BE49-F238E27FC236}">
-                <a16:creationId xmlns:a16="http://schemas.microsoft.com/office/drawing/2014/main" id="{530D8C5D-85CB-1EC5-46EE-3E9C5D6E11D6}"/>
+                <a16:creationId xmlns:a16="http://schemas.microsoft.com/office/drawing/2014/main" id="{11BC2EE5-C8A9-A5C4-E79F-7ACA60564BF4}"/>
               </a:ext>
             </a:extLst>
           </p:cNvPr>
@@ -8738,7 +9886,7 @@
           <p:cNvPr id="3" name="Espaço Reservado para Conteúdo 2">
             <a:extLst>
               <a:ext uri="{FF2B5EF4-FFF2-40B4-BE49-F238E27FC236}">
-                <a16:creationId xmlns:a16="http://schemas.microsoft.com/office/drawing/2014/main" id="{4C11FF3E-C7A6-AE98-273A-28F266ADBFC3}"/>
+                <a16:creationId xmlns:a16="http://schemas.microsoft.com/office/drawing/2014/main" id="{F34E1E4B-4890-7308-FDD9-BCFBF68A4D2F}"/>
               </a:ext>
             </a:extLst>
           </p:cNvPr>
@@ -8749,14 +9897,33 @@
             <p:ph idx="1"/>
           </p:nvPr>
         </p:nvSpPr>
-        <p:spPr/>
-        <p:txBody>
-          <a:bodyPr/>
+        <p:spPr>
+          <a:xfrm>
+            <a:off x="838200" y="1825624"/>
+            <a:ext cx="11016344" cy="5032375"/>
+          </a:xfrm>
+        </p:spPr>
+        <p:txBody>
+          <a:bodyPr>
+            <a:normAutofit/>
+          </a:bodyPr>
           <a:lstStyle/>
           <a:p>
             <a:r>
-              <a:rPr lang="pt-BR" dirty="0"/>
-              <a:t>Computer Vision: </a:t>
+              <a:rPr lang="pt-BR" dirty="0" err="1"/>
+              <a:t>Generative</a:t>
+            </a:r>
+            <a:r>
+              <a:rPr lang="pt-BR" dirty="0"/>
+              <a:t> </a:t>
+            </a:r>
+            <a:r>
+              <a:rPr lang="pt-BR" dirty="0" err="1"/>
+              <a:t>deep</a:t>
+            </a:r>
+            <a:r>
+              <a:rPr lang="pt-BR" dirty="0"/>
+              <a:t> learning: </a:t>
             </a:r>
             <a:r>
               <a:rPr lang="pt-BR" dirty="0" err="1"/>
@@ -8764,13 +9931,8 @@
             </a:r>
             <a:r>
               <a:rPr lang="pt-BR" dirty="0"/>
-              <a:t> </a:t>
-            </a:r>
-            <a:r>
-              <a:rPr lang="pt-BR" dirty="0" err="1"/>
-              <a:t>classification</a:t>
-            </a:r>
-            <a:endParaRPr lang="pt-BR" dirty="0"/>
+              <a:t> Generation</a:t>
+            </a:r>
           </a:p>
           <a:p>
             <a:pPr lvl="1">
@@ -8778,14 +9940,23 @@
               <a:buChar char="§"/>
             </a:pPr>
             <a:r>
-              <a:rPr lang="pt-BR" dirty="0"/>
-              <a:t>Vision </a:t>
-            </a:r>
-            <a:r>
-              <a:rPr lang="pt-BR" dirty="0" err="1"/>
-              <a:t>Transformer</a:t>
-            </a:r>
-            <a:endParaRPr lang="pt-BR" dirty="0"/>
+              <a:rPr lang="en-US" b="0" i="0" dirty="0" err="1">
+                <a:solidFill>
+                  <a:srgbClr val="000000"/>
+                </a:solidFill>
+                <a:effectLst/>
+              </a:rPr>
+              <a:t>OOTDiffusion</a:t>
+            </a:r>
+            <a:r>
+              <a:rPr lang="en-US" b="0" i="0" dirty="0">
+                <a:solidFill>
+                  <a:srgbClr val="000000"/>
+                </a:solidFill>
+                <a:effectLst/>
+              </a:rPr>
+              <a:t>: Outfitting Fusion based Latent Diffusion for Controllable Virtual Try-on</a:t>
+            </a:r>
           </a:p>
           <a:p>
             <a:pPr lvl="2">
@@ -8796,9 +9967,14 @@
               <a:rPr lang="pt-BR" dirty="0">
                 <a:hlinkClick r:id="rId2"/>
               </a:rPr>
-              <a:t>https://arxiv.org/abs/2010.11929</a:t>
-            </a:r>
-            <a:endParaRPr lang="pt-BR" dirty="0"/>
+              <a:t>https://arxiv.org/abs/2403.01779</a:t>
+            </a:r>
+            <a:endParaRPr lang="en-US" dirty="0">
+              <a:solidFill>
+                <a:srgbClr val="000000"/>
+              </a:solidFill>
+              <a:latin typeface="Lato" panose="020F0502020204030203" pitchFamily="34" charset="0"/>
+            </a:endParaRPr>
           </a:p>
           <a:p>
             <a:pPr lvl="2">
@@ -8809,7 +9985,7 @@
               <a:rPr lang="pt-BR" dirty="0">
                 <a:hlinkClick r:id="rId3"/>
               </a:rPr>
-              <a:t>https://keras.io/examples/vision/image_classification_with_vision_transformer/</a:t>
+              <a:t>https://paperswithcode.com/paper/ootdiffusion-outfitting-fusion-based-latent</a:t>
             </a:r>
             <a:endParaRPr lang="pt-BR" dirty="0"/>
           </a:p>
@@ -8819,62 +9995,80 @@
               <a:buChar char="§"/>
             </a:pPr>
             <a:r>
-              <a:rPr lang="pt-BR" dirty="0" err="1"/>
-              <a:t>Swin</a:t>
-            </a:r>
-            <a:r>
-              <a:rPr lang="pt-BR" dirty="0"/>
+              <a:rPr lang="pt-BR" b="0" i="0" dirty="0">
+                <a:solidFill>
+                  <a:srgbClr val="000000"/>
+                </a:solidFill>
+                <a:effectLst/>
+              </a:rPr>
+              <a:t>V3D: </a:t>
+            </a:r>
+            <a:r>
+              <a:rPr lang="pt-BR" b="0" i="0" dirty="0" err="1">
+                <a:solidFill>
+                  <a:srgbClr val="000000"/>
+                </a:solidFill>
+                <a:effectLst/>
+              </a:rPr>
+              <a:t>Video</a:t>
+            </a:r>
+            <a:r>
+              <a:rPr lang="pt-BR" b="0" i="0" dirty="0">
+                <a:solidFill>
+                  <a:srgbClr val="000000"/>
+                </a:solidFill>
+                <a:effectLst/>
+              </a:rPr>
               <a:t> </a:t>
             </a:r>
             <a:r>
-              <a:rPr lang="pt-BR" dirty="0" err="1"/>
-              <a:t>Transformer</a:t>
-            </a:r>
-            <a:endParaRPr lang="pt-BR" dirty="0"/>
-          </a:p>
-          <a:p>
-            <a:pPr lvl="2">
-              <a:buFont typeface="Wingdings" panose="05000000000000000000" pitchFamily="2" charset="2"/>
-              <a:buChar char="ü"/>
-            </a:pPr>
-            <a:r>
-              <a:rPr lang="pt-BR" dirty="0">
-                <a:hlinkClick r:id="rId4"/>
-              </a:rPr>
-              <a:t>https://arxiv.org/abs/2103.14030</a:t>
-            </a:r>
-            <a:endParaRPr lang="pt-BR" dirty="0"/>
-          </a:p>
-          <a:p>
-            <a:pPr lvl="2">
-              <a:buFont typeface="Wingdings" panose="05000000000000000000" pitchFamily="2" charset="2"/>
-              <a:buChar char="ü"/>
-            </a:pPr>
-            <a:r>
-              <a:rPr lang="pt-BR" dirty="0">
-                <a:hlinkClick r:id="rId5"/>
-              </a:rPr>
-              <a:t>https://keras.io/examples/vision/swin_transformers/</a:t>
-            </a:r>
-            <a:endParaRPr lang="pt-BR" dirty="0"/>
-          </a:p>
-          <a:p>
-            <a:pPr lvl="1">
-              <a:buFont typeface="Wingdings" panose="05000000000000000000" pitchFamily="2" charset="2"/>
-              <a:buChar char="§"/>
-            </a:pPr>
-            <a:r>
-              <a:rPr lang="pt-BR" i="0" dirty="0" err="1">
-                <a:solidFill>
-                  <a:srgbClr val="212529"/>
+              <a:rPr lang="pt-BR" b="0" i="0" dirty="0" err="1">
+                <a:solidFill>
+                  <a:srgbClr val="000000"/>
                 </a:solidFill>
                 <a:effectLst/>
               </a:rPr>
-              <a:t>Reptile</a:t>
-            </a:r>
-            <a:endParaRPr lang="pt-BR" i="0" dirty="0">
+              <a:t>Diffusion</a:t>
+            </a:r>
+            <a:r>
+              <a:rPr lang="pt-BR" b="0" i="0" dirty="0">
+                <a:solidFill>
+                  <a:srgbClr val="000000"/>
+                </a:solidFill>
+                <a:effectLst/>
+              </a:rPr>
+              <a:t> Models are </a:t>
+            </a:r>
+            <a:r>
+              <a:rPr lang="pt-BR" b="0" i="0" dirty="0" err="1">
+                <a:solidFill>
+                  <a:srgbClr val="000000"/>
+                </a:solidFill>
+                <a:effectLst/>
+              </a:rPr>
+              <a:t>Effective</a:t>
+            </a:r>
+            <a:r>
+              <a:rPr lang="pt-BR" b="0" i="0" dirty="0">
+                <a:solidFill>
+                  <a:srgbClr val="000000"/>
+                </a:solidFill>
+                <a:effectLst/>
+              </a:rPr>
+              <a:t> 3D </a:t>
+            </a:r>
+            <a:r>
+              <a:rPr lang="pt-BR" b="0" i="0" dirty="0" err="1">
+                <a:solidFill>
+                  <a:srgbClr val="000000"/>
+                </a:solidFill>
+                <a:effectLst/>
+              </a:rPr>
+              <a:t>Generators</a:t>
+            </a:r>
+            <a:endParaRPr lang="pt-BR" b="0" i="0" dirty="0">
               <a:solidFill>
-                <a:srgbClr val="212529"/>
+                <a:srgbClr val="000000"/>
               </a:solidFill>
               <a:effectLst/>
             </a:endParaRPr>
@@ -8882,78 +10076,52 @@
           <a:p>
             <a:pPr lvl="2">
               <a:buFont typeface="Wingdings" panose="05000000000000000000" pitchFamily="2" charset="2"/>
-              <a:buChar char="§"/>
-            </a:pPr>
-            <a:r>
-              <a:rPr lang="pt-BR" dirty="0">
-                <a:hlinkClick r:id="rId6"/>
-              </a:rPr>
-              <a:t>https://arxiv.org/abs/1803.02999</a:t>
-            </a:r>
-            <a:endParaRPr lang="pt-BR" dirty="0"/>
-          </a:p>
-          <a:p>
-            <a:pPr lvl="2">
-              <a:buFont typeface="Wingdings" panose="05000000000000000000" pitchFamily="2" charset="2"/>
-              <a:buChar char="§"/>
-            </a:pPr>
-            <a:r>
-              <a:rPr lang="pt-BR" dirty="0">
-                <a:hlinkClick r:id="rId7"/>
-              </a:rPr>
-              <a:t>https://keras.io/examples/vision/reptile/</a:t>
-            </a:r>
-            <a:endParaRPr lang="pt-BR" dirty="0"/>
-          </a:p>
-          <a:p>
-            <a:pPr lvl="1">
-              <a:buFont typeface="Wingdings" panose="05000000000000000000" pitchFamily="2" charset="2"/>
-              <a:buChar char="§"/>
-            </a:pPr>
-            <a:endParaRPr lang="pt-BR" dirty="0"/>
-          </a:p>
-          <a:p>
-            <a:pPr marL="914400" lvl="2" indent="0">
-              <a:buNone/>
-            </a:pPr>
+              <a:buChar char="ü"/>
+            </a:pPr>
+            <a:r>
+              <a:rPr lang="pt-BR" b="0" i="0" dirty="0">
+                <a:solidFill>
+                  <a:srgbClr val="000000"/>
+                </a:solidFill>
+                <a:effectLst/>
+                <a:hlinkClick r:id="rId4"/>
+              </a:rPr>
+              <a:t>https://arxiv.org/abs/2403.06738</a:t>
+            </a:r>
             <a:endParaRPr lang="pt-BR" dirty="0">
               <a:solidFill>
-                <a:srgbClr val="202124"/>
+                <a:srgbClr val="000000"/>
               </a:solidFill>
             </a:endParaRPr>
           </a:p>
           <a:p>
-            <a:pPr marL="0" indent="0">
-              <a:buNone/>
-            </a:pPr>
-            <a:endParaRPr lang="pt-BR" dirty="0">
+            <a:pPr lvl="2">
+              <a:buFont typeface="Wingdings" panose="05000000000000000000" pitchFamily="2" charset="2"/>
+              <a:buChar char="ü"/>
+            </a:pPr>
+            <a:r>
+              <a:rPr lang="pt-BR" b="0" i="0" dirty="0">
+                <a:solidFill>
+                  <a:srgbClr val="000000"/>
+                </a:solidFill>
+                <a:effectLst/>
+                <a:hlinkClick r:id="rId5"/>
+              </a:rPr>
+              <a:t>https://paperswithcode.com/paper/v3d-video-diffusion-models-are-effective-3d</a:t>
+            </a:r>
+            <a:endParaRPr lang="pt-BR" b="0" i="0" dirty="0">
               <a:solidFill>
-                <a:srgbClr val="202124"/>
+                <a:srgbClr val="000000"/>
               </a:solidFill>
+              <a:effectLst/>
             </a:endParaRPr>
-          </a:p>
-          <a:p>
-            <a:pPr marL="914400" lvl="2" indent="0">
-              <a:buNone/>
-            </a:pPr>
-            <a:endParaRPr lang="pt-BR" dirty="0"/>
-          </a:p>
-          <a:p>
-            <a:pPr marL="914400" lvl="2" indent="0">
-              <a:buNone/>
-            </a:pPr>
-            <a:endParaRPr lang="pt-BR" dirty="0"/>
-          </a:p>
-          <a:p>
-            <a:pPr lvl="1"/>
-            <a:endParaRPr lang="pt-BR" dirty="0"/>
           </a:p>
         </p:txBody>
       </p:sp>
     </p:spTree>
     <p:extLst>
       <p:ext uri="{BB962C8B-B14F-4D97-AF65-F5344CB8AC3E}">
-        <p14:creationId xmlns:p14="http://schemas.microsoft.com/office/powerpoint/2010/main" val="1451750616"/>
+        <p14:creationId xmlns:p14="http://schemas.microsoft.com/office/powerpoint/2010/main" val="310319255"/>
       </p:ext>
     </p:extLst>
   </p:cSld>

--- a/slides/TP558_1_Introdução_ao_curso.pptx
+++ b/slides/TP558_1_Introdução_ao_curso.pptx
@@ -297,7 +297,7 @@
           <a:p>
             <a:fld id="{144F1436-6906-4D93-B7A2-786C327BFA14}" type="datetimeFigureOut">
               <a:rPr lang="nl-BE" smtClean="0"/>
-              <a:t>13/03/2024</a:t>
+              <a:t>18/03/2024</a:t>
             </a:fld>
             <a:endParaRPr lang="nl-BE"/>
           </a:p>
@@ -462,7 +462,7 @@
           <a:p>
             <a:fld id="{AA8CD09E-2914-4F47-B6C1-51B2C31814C9}" type="datetimeFigureOut">
               <a:rPr lang="pt-BR" smtClean="0"/>
-              <a:t>13/03/2024</a:t>
+              <a:t>18/03/2024</a:t>
             </a:fld>
             <a:endParaRPr lang="pt-BR"/>
           </a:p>
@@ -1248,7 +1248,7 @@
           <a:p>
             <a:fld id="{63289F7E-B80B-496E-81B4-D396C37C9454}" type="datetimeFigureOut">
               <a:rPr lang="pt-BR" smtClean="0"/>
-              <a:t>13/03/2024</a:t>
+              <a:t>18/03/2024</a:t>
             </a:fld>
             <a:endParaRPr lang="pt-BR"/>
           </a:p>
@@ -1446,7 +1446,7 @@
           <a:p>
             <a:fld id="{63289F7E-B80B-496E-81B4-D396C37C9454}" type="datetimeFigureOut">
               <a:rPr lang="pt-BR" smtClean="0"/>
-              <a:t>13/03/2024</a:t>
+              <a:t>18/03/2024</a:t>
             </a:fld>
             <a:endParaRPr lang="pt-BR"/>
           </a:p>
@@ -1654,7 +1654,7 @@
           <a:p>
             <a:fld id="{63289F7E-B80B-496E-81B4-D396C37C9454}" type="datetimeFigureOut">
               <a:rPr lang="pt-BR" smtClean="0"/>
-              <a:t>13/03/2024</a:t>
+              <a:t>18/03/2024</a:t>
             </a:fld>
             <a:endParaRPr lang="pt-BR"/>
           </a:p>
@@ -1852,7 +1852,7 @@
           <a:p>
             <a:fld id="{63289F7E-B80B-496E-81B4-D396C37C9454}" type="datetimeFigureOut">
               <a:rPr lang="pt-BR" smtClean="0"/>
-              <a:t>13/03/2024</a:t>
+              <a:t>18/03/2024</a:t>
             </a:fld>
             <a:endParaRPr lang="pt-BR"/>
           </a:p>
@@ -2127,7 +2127,7 @@
           <a:p>
             <a:fld id="{63289F7E-B80B-496E-81B4-D396C37C9454}" type="datetimeFigureOut">
               <a:rPr lang="pt-BR" smtClean="0"/>
-              <a:t>13/03/2024</a:t>
+              <a:t>18/03/2024</a:t>
             </a:fld>
             <a:endParaRPr lang="pt-BR"/>
           </a:p>
@@ -2392,7 +2392,7 @@
           <a:p>
             <a:fld id="{63289F7E-B80B-496E-81B4-D396C37C9454}" type="datetimeFigureOut">
               <a:rPr lang="pt-BR" smtClean="0"/>
-              <a:t>13/03/2024</a:t>
+              <a:t>18/03/2024</a:t>
             </a:fld>
             <a:endParaRPr lang="pt-BR"/>
           </a:p>
@@ -2804,7 +2804,7 @@
           <a:p>
             <a:fld id="{63289F7E-B80B-496E-81B4-D396C37C9454}" type="datetimeFigureOut">
               <a:rPr lang="pt-BR" smtClean="0"/>
-              <a:t>13/03/2024</a:t>
+              <a:t>18/03/2024</a:t>
             </a:fld>
             <a:endParaRPr lang="pt-BR"/>
           </a:p>
@@ -2945,7 +2945,7 @@
           <a:p>
             <a:fld id="{63289F7E-B80B-496E-81B4-D396C37C9454}" type="datetimeFigureOut">
               <a:rPr lang="pt-BR" smtClean="0"/>
-              <a:t>13/03/2024</a:t>
+              <a:t>18/03/2024</a:t>
             </a:fld>
             <a:endParaRPr lang="pt-BR"/>
           </a:p>
@@ -3058,7 +3058,7 @@
           <a:p>
             <a:fld id="{63289F7E-B80B-496E-81B4-D396C37C9454}" type="datetimeFigureOut">
               <a:rPr lang="pt-BR" smtClean="0"/>
-              <a:t>13/03/2024</a:t>
+              <a:t>18/03/2024</a:t>
             </a:fld>
             <a:endParaRPr lang="pt-BR"/>
           </a:p>
@@ -3369,7 +3369,7 @@
           <a:p>
             <a:fld id="{63289F7E-B80B-496E-81B4-D396C37C9454}" type="datetimeFigureOut">
               <a:rPr lang="pt-BR" smtClean="0"/>
-              <a:t>13/03/2024</a:t>
+              <a:t>18/03/2024</a:t>
             </a:fld>
             <a:endParaRPr lang="pt-BR"/>
           </a:p>
@@ -3657,7 +3657,7 @@
           <a:p>
             <a:fld id="{63289F7E-B80B-496E-81B4-D396C37C9454}" type="datetimeFigureOut">
               <a:rPr lang="pt-BR" smtClean="0"/>
-              <a:t>13/03/2024</a:t>
+              <a:t>18/03/2024</a:t>
             </a:fld>
             <a:endParaRPr lang="pt-BR"/>
           </a:p>
@@ -3898,7 +3898,7 @@
           <a:p>
             <a:fld id="{63289F7E-B80B-496E-81B4-D396C37C9454}" type="datetimeFigureOut">
               <a:rPr lang="pt-BR" smtClean="0"/>
-              <a:t>13/03/2024</a:t>
+              <a:t>18/03/2024</a:t>
             </a:fld>
             <a:endParaRPr lang="pt-BR"/>
           </a:p>
@@ -5347,9 +5347,16 @@
             <p:ph idx="1"/>
           </p:nvPr>
         </p:nvSpPr>
-        <p:spPr/>
-        <p:txBody>
-          <a:bodyPr/>
+        <p:spPr>
+          <a:xfrm>
+            <a:off x="838199" y="1825624"/>
+            <a:ext cx="11146971" cy="5032375"/>
+          </a:xfrm>
+        </p:spPr>
+        <p:txBody>
+          <a:bodyPr>
+            <a:normAutofit/>
+          </a:bodyPr>
           <a:lstStyle/>
           <a:p>
             <a:r>
@@ -5446,19 +5453,50 @@
             <a:endParaRPr lang="pt-BR" dirty="0"/>
           </a:p>
           <a:p>
-            <a:pPr marL="914400" lvl="2" indent="0">
-              <a:buNone/>
-            </a:pPr>
-            <a:endParaRPr lang="pt-BR" dirty="0"/>
-          </a:p>
-          <a:p>
-            <a:pPr marL="914400" lvl="2" indent="0">
-              <a:buNone/>
-            </a:pPr>
-            <a:endParaRPr lang="pt-BR" dirty="0"/>
-          </a:p>
-          <a:p>
-            <a:pPr lvl="1"/>
+            <a:r>
+              <a:rPr lang="pt-BR" dirty="0"/>
+              <a:t>Computer Vision: Performance </a:t>
+            </a:r>
+            <a:r>
+              <a:rPr lang="pt-BR" dirty="0" err="1"/>
+              <a:t>recipes</a:t>
+            </a:r>
+            <a:endParaRPr lang="pt-BR" sz="2400" dirty="0"/>
+          </a:p>
+          <a:p>
+            <a:pPr lvl="1">
+              <a:buFont typeface="Wingdings" panose="05000000000000000000" pitchFamily="2" charset="2"/>
+              <a:buChar char="§"/>
+            </a:pPr>
+            <a:r>
+              <a:rPr lang="en-US" dirty="0"/>
+              <a:t>Learning to Resize in Computer Vision</a:t>
+            </a:r>
+          </a:p>
+          <a:p>
+            <a:pPr lvl="2">
+              <a:buFont typeface="Wingdings" panose="05000000000000000000" pitchFamily="2" charset="2"/>
+              <a:buChar char="§"/>
+            </a:pPr>
+            <a:r>
+              <a:rPr lang="en-US" dirty="0">
+                <a:hlinkClick r:id="rId7"/>
+              </a:rPr>
+              <a:t>https://arxiv.org/abs/2103.09950v1</a:t>
+            </a:r>
+            <a:endParaRPr lang="en-US" dirty="0"/>
+          </a:p>
+          <a:p>
+            <a:pPr lvl="2">
+              <a:buFont typeface="Wingdings" panose="05000000000000000000" pitchFamily="2" charset="2"/>
+              <a:buChar char="§"/>
+            </a:pPr>
+            <a:r>
+              <a:rPr lang="pt-BR" dirty="0">
+                <a:hlinkClick r:id="rId8"/>
+              </a:rPr>
+              <a:t>https://keras.io/examples/vision/learnable_resizer/</a:t>
+            </a:r>
             <a:endParaRPr lang="pt-BR" dirty="0"/>
           </a:p>
           <a:p>

--- a/slides/TP558_1_Introdução_ao_curso.pptx
+++ b/slides/TP558_1_Introdução_ao_curso.pptx
@@ -5,10 +5,10 @@
     <p:sldMasterId id="2147483648" r:id="rId1"/>
   </p:sldMasterIdLst>
   <p:notesMasterIdLst>
-    <p:notesMasterId r:id="rId25"/>
+    <p:notesMasterId r:id="rId26"/>
   </p:notesMasterIdLst>
   <p:handoutMasterIdLst>
-    <p:handoutMasterId r:id="rId26"/>
+    <p:handoutMasterId r:id="rId27"/>
   </p:handoutMasterIdLst>
   <p:sldIdLst>
     <p:sldId id="256" r:id="rId2"/>
@@ -23,17 +23,18 @@
     <p:sldId id="427" r:id="rId11"/>
     <p:sldId id="428" r:id="rId12"/>
     <p:sldId id="429" r:id="rId13"/>
-    <p:sldId id="431" r:id="rId14"/>
-    <p:sldId id="436" r:id="rId15"/>
-    <p:sldId id="432" r:id="rId16"/>
-    <p:sldId id="430" r:id="rId17"/>
-    <p:sldId id="434" r:id="rId18"/>
-    <p:sldId id="435" r:id="rId19"/>
-    <p:sldId id="433" r:id="rId20"/>
-    <p:sldId id="263" r:id="rId21"/>
-    <p:sldId id="298" r:id="rId22"/>
-    <p:sldId id="293" r:id="rId23"/>
-    <p:sldId id="306" r:id="rId24"/>
+    <p:sldId id="438" r:id="rId14"/>
+    <p:sldId id="431" r:id="rId15"/>
+    <p:sldId id="436" r:id="rId16"/>
+    <p:sldId id="432" r:id="rId17"/>
+    <p:sldId id="430" r:id="rId18"/>
+    <p:sldId id="434" r:id="rId19"/>
+    <p:sldId id="435" r:id="rId20"/>
+    <p:sldId id="433" r:id="rId21"/>
+    <p:sldId id="263" r:id="rId22"/>
+    <p:sldId id="298" r:id="rId23"/>
+    <p:sldId id="293" r:id="rId24"/>
+    <p:sldId id="306" r:id="rId25"/>
   </p:sldIdLst>
   <p:sldSz cx="12192000" cy="6858000"/>
   <p:notesSz cx="7315200" cy="9601200"/>
@@ -1082,7 +1083,7 @@
           <a:p>
             <a:fld id="{6FC8D850-966F-45A6-8DE7-15B891E7D40D}" type="slidenum">
               <a:rPr lang="pt-BR" smtClean="0"/>
-              <a:t>20</a:t>
+              <a:t>21</a:t>
             </a:fld>
             <a:endParaRPr lang="pt-BR"/>
           </a:p>
@@ -5159,10 +5160,9 @@
               <a:buChar char="§"/>
             </a:pPr>
             <a:r>
-              <a:rPr lang="pt-BR" dirty="0" err="1"/>
-              <a:t>RetinaNet</a:t>
-            </a:r>
-            <a:endParaRPr lang="pt-BR" dirty="0"/>
+              <a:rPr lang="pt-BR" dirty="0"/>
+              <a:t>YOLOv9</a:t>
+            </a:r>
           </a:p>
           <a:p>
             <a:pPr lvl="2">
@@ -5173,8 +5173,9 @@
               <a:rPr lang="pt-BR" dirty="0">
                 <a:hlinkClick r:id="rId4"/>
               </a:rPr>
-              <a:t>https://arxiv.org/abs/1708.02002</a:t>
-            </a:r>
+              <a:t>https://arxiv.org/abs/2402.13616</a:t>
+            </a:r>
+            <a:endParaRPr lang="pt-BR" dirty="0"/>
           </a:p>
           <a:p>
             <a:pPr lvl="2">
@@ -5183,56 +5184,9 @@
             </a:pPr>
             <a:r>
               <a:rPr lang="pt-BR" dirty="0">
-                <a:hlinkClick r:id="rId5"/>
-              </a:rPr>
-              <a:t>https://keras.io/examples/vision/retinanet/</a:t>
-            </a:r>
-            <a:endParaRPr lang="pt-BR" dirty="0"/>
-          </a:p>
-          <a:p>
-            <a:pPr lvl="1">
-              <a:buFont typeface="Wingdings" panose="05000000000000000000" pitchFamily="2" charset="2"/>
-              <a:buChar char="§"/>
-            </a:pPr>
-            <a:r>
-              <a:rPr lang="pt-BR" dirty="0" err="1">
-                <a:effectLst/>
-              </a:rPr>
-              <a:t>Faster</a:t>
-            </a:r>
-            <a:r>
-              <a:rPr lang="pt-BR" dirty="0">
-                <a:effectLst/>
-              </a:rPr>
-              <a:t> </a:t>
-            </a:r>
-            <a:r>
-              <a:rPr lang="pt-BR" dirty="0" err="1">
-                <a:effectLst/>
-              </a:rPr>
-              <a:t>Objects</a:t>
-            </a:r>
-            <a:r>
-              <a:rPr lang="pt-BR" dirty="0">
-                <a:effectLst/>
-              </a:rPr>
-              <a:t>, More </a:t>
-            </a:r>
-            <a:r>
-              <a:rPr lang="pt-BR" dirty="0" err="1">
-                <a:effectLst/>
-              </a:rPr>
-              <a:t>Objects</a:t>
-            </a:r>
-            <a:r>
-              <a:rPr lang="pt-BR" dirty="0">
-                <a:effectLst/>
-              </a:rPr>
-              <a:t> (</a:t>
-            </a:r>
-            <a:r>
-              <a:rPr lang="pt-BR" dirty="0"/>
-              <a:t>FOMO)</a:t>
+                <a:hlinkClick r:id="rId2"/>
+              </a:rPr>
+              <a:t>https://docs.ultralytics.com/pt/models/yolov9/#generalized-efficient-layer-aggregation-network-gelan</a:t>
             </a:r>
           </a:p>
           <a:p>
@@ -5241,24 +5195,20 @@
               <a:buChar char="ü"/>
             </a:pPr>
             <a:r>
-              <a:rPr lang="pt-BR" dirty="0">
-                <a:hlinkClick r:id="rId6"/>
-              </a:rPr>
-              <a:t>https://docs.edgeimpulse.com/docs/edge-impulse-studio/learning-blocks/object-detection/fomo-object-detection-for-constrained-devices</a:t>
-            </a:r>
-            <a:endParaRPr lang="pt-BR" dirty="0"/>
+              <a:rPr lang="pt-BR">
+                <a:hlinkClick r:id="rId2"/>
+              </a:rPr>
+              <a:t>https://github.com/WongKinYiu/yolov9?tab=readme-ov-file</a:t>
+            </a:r>
+            <a:endParaRPr lang="pt-BR" dirty="0">
+              <a:hlinkClick r:id="rId2"/>
+            </a:endParaRPr>
           </a:p>
           <a:p>
             <a:pPr lvl="2">
               <a:buFont typeface="Wingdings" panose="05000000000000000000" pitchFamily="2" charset="2"/>
               <a:buChar char="ü"/>
             </a:pPr>
-            <a:r>
-              <a:rPr lang="pt-BR" dirty="0">
-                <a:hlinkClick r:id="rId7"/>
-              </a:rPr>
-              <a:t>https://docs.edgeimpulse.com/docs/tutorials/end-to-end-tutorials/object-detection/detect-objects-using-fomo</a:t>
-            </a:r>
             <a:endParaRPr lang="pt-BR" dirty="0"/>
           </a:p>
           <a:p>
@@ -5291,7 +5241,13 @@
   <p:cSld>
     <p:spTree>
       <p:nvGrpSpPr>
-        <p:cNvPr id="1" name=""/>
+        <p:cNvPr id="1" name="">
+          <a:extLst>
+            <a:ext uri="{FF2B5EF4-FFF2-40B4-BE49-F238E27FC236}">
+              <a16:creationId xmlns:a16="http://schemas.microsoft.com/office/drawing/2014/main" id="{6E3AB78C-4A70-ED33-6088-7D978AFBD15F}"/>
+            </a:ext>
+          </a:extLst>
+        </p:cNvPr>
         <p:cNvGrpSpPr/>
         <p:nvPr/>
       </p:nvGrpSpPr>
@@ -5308,7 +5264,7 @@
           <p:cNvPr id="2" name="Título 1">
             <a:extLst>
               <a:ext uri="{FF2B5EF4-FFF2-40B4-BE49-F238E27FC236}">
-                <a16:creationId xmlns:a16="http://schemas.microsoft.com/office/drawing/2014/main" id="{F70C7E2D-5398-4F5E-7000-BA72FF1C6228}"/>
+                <a16:creationId xmlns:a16="http://schemas.microsoft.com/office/drawing/2014/main" id="{20C0DDF2-0E52-0740-004B-2209C15740BF}"/>
               </a:ext>
             </a:extLst>
           </p:cNvPr>
@@ -5336,7 +5292,7 @@
           <p:cNvPr id="3" name="Espaço Reservado para Conteúdo 2">
             <a:extLst>
               <a:ext uri="{FF2B5EF4-FFF2-40B4-BE49-F238E27FC236}">
-                <a16:creationId xmlns:a16="http://schemas.microsoft.com/office/drawing/2014/main" id="{BA790209-FBBD-71F4-6F9F-502DB6462A33}"/>
+                <a16:creationId xmlns:a16="http://schemas.microsoft.com/office/drawing/2014/main" id="{CAA14ED1-BBC4-3217-0C26-BBA0501ACF3D}"/>
               </a:ext>
             </a:extLst>
           </p:cNvPr>
@@ -5350,7 +5306,7 @@
         <p:spPr>
           <a:xfrm>
             <a:off x="838199" y="1825624"/>
-            <a:ext cx="11146971" cy="5032375"/>
+            <a:ext cx="11092543" cy="5032376"/>
           </a:xfrm>
         </p:spPr>
         <p:txBody>
@@ -5365,7 +5321,7 @@
             </a:r>
             <a:r>
               <a:rPr lang="pt-BR" dirty="0" err="1"/>
-              <a:t>Image</a:t>
+              <a:t>Object</a:t>
             </a:r>
             <a:r>
               <a:rPr lang="pt-BR" dirty="0"/>
@@ -5373,7 +5329,7 @@
             </a:r>
             <a:r>
               <a:rPr lang="pt-BR" dirty="0" err="1"/>
-              <a:t>Enhancement</a:t>
+              <a:t>Detection</a:t>
             </a:r>
             <a:endParaRPr lang="pt-BR" dirty="0"/>
           </a:p>
@@ -5384,7 +5340,7 @@
             </a:pPr>
             <a:r>
               <a:rPr lang="pt-BR" dirty="0" err="1"/>
-              <a:t>MIRNet</a:t>
+              <a:t>RetinaNet</a:t>
             </a:r>
             <a:endParaRPr lang="pt-BR" dirty="0"/>
           </a:p>
@@ -5397,11 +5353,67 @@
               <a:rPr lang="pt-BR" dirty="0">
                 <a:hlinkClick r:id="rId2"/>
               </a:rPr>
-              <a:t>https://arxiv.org/abs/2003.06792</a:t>
-            </a:r>
-            <a:endParaRPr lang="pt-BR" dirty="0">
-              <a:hlinkClick r:id="rId3"/>
-            </a:endParaRPr>
+              <a:t>https://arxiv.org/abs/1708.02002</a:t>
+            </a:r>
+          </a:p>
+          <a:p>
+            <a:pPr lvl="2">
+              <a:buFont typeface="Wingdings" panose="05000000000000000000" pitchFamily="2" charset="2"/>
+              <a:buChar char="ü"/>
+            </a:pPr>
+            <a:r>
+              <a:rPr lang="pt-BR" dirty="0">
+                <a:hlinkClick r:id="rId3"/>
+              </a:rPr>
+              <a:t>https://keras.io/examples/vision/retinanet/</a:t>
+            </a:r>
+            <a:endParaRPr lang="pt-BR" dirty="0"/>
+          </a:p>
+          <a:p>
+            <a:pPr lvl="1">
+              <a:buFont typeface="Wingdings" panose="05000000000000000000" pitchFamily="2" charset="2"/>
+              <a:buChar char="§"/>
+            </a:pPr>
+            <a:r>
+              <a:rPr lang="pt-BR" dirty="0" err="1">
+                <a:effectLst/>
+              </a:rPr>
+              <a:t>Faster</a:t>
+            </a:r>
+            <a:r>
+              <a:rPr lang="pt-BR" dirty="0">
+                <a:effectLst/>
+              </a:rPr>
+              <a:t> </a:t>
+            </a:r>
+            <a:r>
+              <a:rPr lang="pt-BR" dirty="0" err="1">
+                <a:effectLst/>
+              </a:rPr>
+              <a:t>Objects</a:t>
+            </a:r>
+            <a:r>
+              <a:rPr lang="pt-BR" dirty="0">
+                <a:effectLst/>
+              </a:rPr>
+              <a:t>, More </a:t>
+            </a:r>
+            <a:r>
+              <a:rPr lang="pt-BR" dirty="0" err="1">
+                <a:effectLst/>
+              </a:rPr>
+              <a:t>Objects</a:t>
+            </a:r>
+            <a:r>
+              <a:rPr lang="pt-BR" dirty="0">
+                <a:effectLst/>
+              </a:rPr>
+              <a:t> (</a:t>
+            </a:r>
+            <a:r>
+              <a:rPr lang="pt-BR" dirty="0"/>
+              <a:t>FOMO)</a:t>
+            </a:r>
           </a:p>
           <a:p>
             <a:pPr lvl="2">
@@ -5412,19 +5424,9 @@
               <a:rPr lang="pt-BR" dirty="0">
                 <a:hlinkClick r:id="rId4"/>
               </a:rPr>
-              <a:t>https://keras.io/examples/vision/mirnet/</a:t>
+              <a:t>https://docs.edgeimpulse.com/docs/edge-impulse-studio/learning-blocks/object-detection/fomo-object-detection-for-constrained-devices</a:t>
             </a:r>
             <a:endParaRPr lang="pt-BR" dirty="0"/>
-          </a:p>
-          <a:p>
-            <a:pPr lvl="1">
-              <a:buFont typeface="Wingdings" panose="05000000000000000000" pitchFamily="2" charset="2"/>
-              <a:buChar char="§"/>
-            </a:pPr>
-            <a:r>
-              <a:rPr lang="en-US" dirty="0"/>
-              <a:t>Enhanced Deep Residual Networks for Single Image Super-Resolution (EDSR)</a:t>
-            </a:r>
           </a:p>
           <a:p>
             <a:pPr lvl="2">
@@ -5435,71 +5437,18 @@
               <a:rPr lang="pt-BR" dirty="0">
                 <a:hlinkClick r:id="rId5"/>
               </a:rPr>
-              <a:t>https://arxiv.org/abs/1707.02921</a:t>
+              <a:t>https://docs.edgeimpulse.com/docs/tutorials/end-to-end-tutorials/object-detection/detect-objects-using-fomo</a:t>
             </a:r>
             <a:endParaRPr lang="pt-BR" dirty="0"/>
           </a:p>
           <a:p>
-            <a:pPr lvl="2">
-              <a:buFont typeface="Wingdings" panose="05000000000000000000" pitchFamily="2" charset="2"/>
-              <a:buChar char="ü"/>
-            </a:pPr>
-            <a:r>
-              <a:rPr lang="pt-BR" dirty="0">
-                <a:hlinkClick r:id="rId6"/>
-              </a:rPr>
-              <a:t>https://keras.io/examples/vision/edsr/</a:t>
-            </a:r>
+            <a:pPr marL="914400" lvl="2" indent="0">
+              <a:buNone/>
+            </a:pPr>
             <a:endParaRPr lang="pt-BR" dirty="0"/>
           </a:p>
           <a:p>
-            <a:r>
-              <a:rPr lang="pt-BR" dirty="0"/>
-              <a:t>Computer Vision: Performance </a:t>
-            </a:r>
-            <a:r>
-              <a:rPr lang="pt-BR" dirty="0" err="1"/>
-              <a:t>recipes</a:t>
-            </a:r>
-            <a:endParaRPr lang="pt-BR" sz="2400" dirty="0"/>
-          </a:p>
-          <a:p>
-            <a:pPr lvl="1">
-              <a:buFont typeface="Wingdings" panose="05000000000000000000" pitchFamily="2" charset="2"/>
-              <a:buChar char="§"/>
-            </a:pPr>
-            <a:r>
-              <a:rPr lang="en-US" dirty="0"/>
-              <a:t>Learning to Resize in Computer Vision</a:t>
-            </a:r>
-          </a:p>
-          <a:p>
-            <a:pPr lvl="2">
-              <a:buFont typeface="Wingdings" panose="05000000000000000000" pitchFamily="2" charset="2"/>
-              <a:buChar char="§"/>
-            </a:pPr>
-            <a:r>
-              <a:rPr lang="en-US" dirty="0">
-                <a:hlinkClick r:id="rId7"/>
-              </a:rPr>
-              <a:t>https://arxiv.org/abs/2103.09950v1</a:t>
-            </a:r>
-            <a:endParaRPr lang="en-US" dirty="0"/>
-          </a:p>
-          <a:p>
-            <a:pPr lvl="2">
-              <a:buFont typeface="Wingdings" panose="05000000000000000000" pitchFamily="2" charset="2"/>
-              <a:buChar char="§"/>
-            </a:pPr>
-            <a:r>
-              <a:rPr lang="pt-BR" dirty="0">
-                <a:hlinkClick r:id="rId8"/>
-              </a:rPr>
-              <a:t>https://keras.io/examples/vision/learnable_resizer/</a:t>
-            </a:r>
-            <a:endParaRPr lang="pt-BR" dirty="0"/>
-          </a:p>
-          <a:p>
+            <a:pPr lvl="1"/>
             <a:endParaRPr lang="pt-BR" dirty="0"/>
           </a:p>
         </p:txBody>
@@ -5507,7 +5456,7 @@
     </p:spTree>
     <p:extLst>
       <p:ext uri="{BB962C8B-B14F-4D97-AF65-F5344CB8AC3E}">
-        <p14:creationId xmlns:p14="http://schemas.microsoft.com/office/powerpoint/2010/main" val="4111675567"/>
+        <p14:creationId xmlns:p14="http://schemas.microsoft.com/office/powerpoint/2010/main" val="2341490666"/>
       </p:ext>
     </p:extLst>
   </p:cSld>
@@ -5578,6 +5527,237 @@
             <p:ph idx="1"/>
           </p:nvPr>
         </p:nvSpPr>
+        <p:spPr>
+          <a:xfrm>
+            <a:off x="838199" y="1825624"/>
+            <a:ext cx="11146971" cy="5032375"/>
+          </a:xfrm>
+        </p:spPr>
+        <p:txBody>
+          <a:bodyPr>
+            <a:normAutofit/>
+          </a:bodyPr>
+          <a:lstStyle/>
+          <a:p>
+            <a:r>
+              <a:rPr lang="pt-BR" dirty="0"/>
+              <a:t>Computer Vision: </a:t>
+            </a:r>
+            <a:r>
+              <a:rPr lang="pt-BR" dirty="0" err="1"/>
+              <a:t>Image</a:t>
+            </a:r>
+            <a:r>
+              <a:rPr lang="pt-BR" dirty="0"/>
+              <a:t> </a:t>
+            </a:r>
+            <a:r>
+              <a:rPr lang="pt-BR" dirty="0" err="1"/>
+              <a:t>Enhancement</a:t>
+            </a:r>
+            <a:endParaRPr lang="pt-BR" dirty="0"/>
+          </a:p>
+          <a:p>
+            <a:pPr lvl="1">
+              <a:buFont typeface="Wingdings" panose="05000000000000000000" pitchFamily="2" charset="2"/>
+              <a:buChar char="§"/>
+            </a:pPr>
+            <a:r>
+              <a:rPr lang="pt-BR" dirty="0" err="1"/>
+              <a:t>MIRNet</a:t>
+            </a:r>
+            <a:endParaRPr lang="pt-BR" dirty="0"/>
+          </a:p>
+          <a:p>
+            <a:pPr lvl="2">
+              <a:buFont typeface="Wingdings" panose="05000000000000000000" pitchFamily="2" charset="2"/>
+              <a:buChar char="ü"/>
+            </a:pPr>
+            <a:r>
+              <a:rPr lang="pt-BR" dirty="0">
+                <a:hlinkClick r:id="rId2"/>
+              </a:rPr>
+              <a:t>https://arxiv.org/abs/2003.06792</a:t>
+            </a:r>
+            <a:endParaRPr lang="pt-BR" dirty="0">
+              <a:hlinkClick r:id="rId3"/>
+            </a:endParaRPr>
+          </a:p>
+          <a:p>
+            <a:pPr lvl="2">
+              <a:buFont typeface="Wingdings" panose="05000000000000000000" pitchFamily="2" charset="2"/>
+              <a:buChar char="ü"/>
+            </a:pPr>
+            <a:r>
+              <a:rPr lang="pt-BR" dirty="0">
+                <a:hlinkClick r:id="rId4"/>
+              </a:rPr>
+              <a:t>https://keras.io/examples/vision/mirnet/</a:t>
+            </a:r>
+            <a:endParaRPr lang="pt-BR" dirty="0"/>
+          </a:p>
+          <a:p>
+            <a:pPr lvl="1">
+              <a:buFont typeface="Wingdings" panose="05000000000000000000" pitchFamily="2" charset="2"/>
+              <a:buChar char="§"/>
+            </a:pPr>
+            <a:r>
+              <a:rPr lang="en-US" dirty="0"/>
+              <a:t>Enhanced Deep Residual Networks for Single Image Super-Resolution (EDSR)</a:t>
+            </a:r>
+          </a:p>
+          <a:p>
+            <a:pPr lvl="2">
+              <a:buFont typeface="Wingdings" panose="05000000000000000000" pitchFamily="2" charset="2"/>
+              <a:buChar char="ü"/>
+            </a:pPr>
+            <a:r>
+              <a:rPr lang="pt-BR" dirty="0">
+                <a:hlinkClick r:id="rId5"/>
+              </a:rPr>
+              <a:t>https://arxiv.org/abs/1707.02921</a:t>
+            </a:r>
+            <a:endParaRPr lang="pt-BR" dirty="0"/>
+          </a:p>
+          <a:p>
+            <a:pPr lvl="2">
+              <a:buFont typeface="Wingdings" panose="05000000000000000000" pitchFamily="2" charset="2"/>
+              <a:buChar char="ü"/>
+            </a:pPr>
+            <a:r>
+              <a:rPr lang="pt-BR" dirty="0">
+                <a:hlinkClick r:id="rId6"/>
+              </a:rPr>
+              <a:t>https://keras.io/examples/vision/edsr/</a:t>
+            </a:r>
+            <a:endParaRPr lang="pt-BR" dirty="0"/>
+          </a:p>
+          <a:p>
+            <a:r>
+              <a:rPr lang="pt-BR" dirty="0"/>
+              <a:t>Computer Vision: Performance </a:t>
+            </a:r>
+            <a:r>
+              <a:rPr lang="pt-BR" dirty="0" err="1"/>
+              <a:t>recipes</a:t>
+            </a:r>
+            <a:endParaRPr lang="pt-BR" sz="2400" dirty="0"/>
+          </a:p>
+          <a:p>
+            <a:pPr lvl="1">
+              <a:buFont typeface="Wingdings" panose="05000000000000000000" pitchFamily="2" charset="2"/>
+              <a:buChar char="§"/>
+            </a:pPr>
+            <a:r>
+              <a:rPr lang="en-US" dirty="0"/>
+              <a:t>Learning to Resize in Computer Vision</a:t>
+            </a:r>
+          </a:p>
+          <a:p>
+            <a:pPr lvl="2">
+              <a:buFont typeface="Wingdings" panose="05000000000000000000" pitchFamily="2" charset="2"/>
+              <a:buChar char="§"/>
+            </a:pPr>
+            <a:r>
+              <a:rPr lang="en-US" dirty="0">
+                <a:hlinkClick r:id="rId7"/>
+              </a:rPr>
+              <a:t>https://arxiv.org/abs/2103.09950v1</a:t>
+            </a:r>
+            <a:endParaRPr lang="en-US" dirty="0"/>
+          </a:p>
+          <a:p>
+            <a:pPr lvl="2">
+              <a:buFont typeface="Wingdings" panose="05000000000000000000" pitchFamily="2" charset="2"/>
+              <a:buChar char="§"/>
+            </a:pPr>
+            <a:r>
+              <a:rPr lang="pt-BR" dirty="0">
+                <a:hlinkClick r:id="rId8"/>
+              </a:rPr>
+              <a:t>https://keras.io/examples/vision/learnable_resizer/</a:t>
+            </a:r>
+            <a:endParaRPr lang="pt-BR" dirty="0"/>
+          </a:p>
+          <a:p>
+            <a:endParaRPr lang="pt-BR" dirty="0"/>
+          </a:p>
+        </p:txBody>
+      </p:sp>
+    </p:spTree>
+    <p:extLst>
+      <p:ext uri="{BB962C8B-B14F-4D97-AF65-F5344CB8AC3E}">
+        <p14:creationId xmlns:p14="http://schemas.microsoft.com/office/powerpoint/2010/main" val="4111675567"/>
+      </p:ext>
+    </p:extLst>
+  </p:cSld>
+  <p:clrMapOvr>
+    <a:masterClrMapping/>
+  </p:clrMapOvr>
+</p:sld>
+</file>
+
+<file path=ppt/slides/slide15.xml><?xml version="1.0" encoding="utf-8"?>
+<p:sld xmlns:a="http://schemas.openxmlformats.org/drawingml/2006/main" xmlns:r="http://schemas.openxmlformats.org/officeDocument/2006/relationships" xmlns:p="http://schemas.openxmlformats.org/presentationml/2006/main">
+  <p:cSld>
+    <p:spTree>
+      <p:nvGrpSpPr>
+        <p:cNvPr id="1" name=""/>
+        <p:cNvGrpSpPr/>
+        <p:nvPr/>
+      </p:nvGrpSpPr>
+      <p:grpSpPr>
+        <a:xfrm>
+          <a:off x="0" y="0"/>
+          <a:ext cx="0" cy="0"/>
+          <a:chOff x="0" y="0"/>
+          <a:chExt cx="0" cy="0"/>
+        </a:xfrm>
+      </p:grpSpPr>
+      <p:sp>
+        <p:nvSpPr>
+          <p:cNvPr id="2" name="Título 1">
+            <a:extLst>
+              <a:ext uri="{FF2B5EF4-FFF2-40B4-BE49-F238E27FC236}">
+                <a16:creationId xmlns:a16="http://schemas.microsoft.com/office/drawing/2014/main" id="{F70C7E2D-5398-4F5E-7000-BA72FF1C6228}"/>
+              </a:ext>
+            </a:extLst>
+          </p:cNvPr>
+          <p:cNvSpPr>
+            <a:spLocks noGrp="1"/>
+          </p:cNvSpPr>
+          <p:nvPr>
+            <p:ph type="title"/>
+          </p:nvPr>
+        </p:nvSpPr>
+        <p:spPr/>
+        <p:txBody>
+          <a:bodyPr/>
+          <a:lstStyle/>
+          <a:p>
+            <a:r>
+              <a:rPr lang="pt-BR" dirty="0"/>
+              <a:t>Temas dos seminários</a:t>
+            </a:r>
+          </a:p>
+        </p:txBody>
+      </p:sp>
+      <p:sp>
+        <p:nvSpPr>
+          <p:cNvPr id="3" name="Espaço Reservado para Conteúdo 2">
+            <a:extLst>
+              <a:ext uri="{FF2B5EF4-FFF2-40B4-BE49-F238E27FC236}">
+                <a16:creationId xmlns:a16="http://schemas.microsoft.com/office/drawing/2014/main" id="{BA790209-FBBD-71F4-6F9F-502DB6462A33}"/>
+              </a:ext>
+            </a:extLst>
+          </p:cNvPr>
+          <p:cNvSpPr>
+            <a:spLocks noGrp="1"/>
+          </p:cNvSpPr>
+          <p:nvPr>
+            <p:ph idx="1"/>
+          </p:nvPr>
+        </p:nvSpPr>
         <p:spPr/>
         <p:txBody>
           <a:bodyPr/>
@@ -5721,7 +5901,7 @@
 </p:sld>
 </file>
 
-<file path=ppt/slides/slide15.xml><?xml version="1.0" encoding="utf-8"?>
+<file path=ppt/slides/slide16.xml><?xml version="1.0" encoding="utf-8"?>
 <p:sld xmlns:a="http://schemas.openxmlformats.org/drawingml/2006/main" xmlns:r="http://schemas.openxmlformats.org/officeDocument/2006/relationships" xmlns:p="http://schemas.openxmlformats.org/presentationml/2006/main">
   <p:cSld>
     <p:spTree>
@@ -6003,391 +6183,6 @@
     <p:extLst>
       <p:ext uri="{BB962C8B-B14F-4D97-AF65-F5344CB8AC3E}">
         <p14:creationId xmlns:p14="http://schemas.microsoft.com/office/powerpoint/2010/main" val="204600414"/>
-      </p:ext>
-    </p:extLst>
-  </p:cSld>
-  <p:clrMapOvr>
-    <a:masterClrMapping/>
-  </p:clrMapOvr>
-</p:sld>
-</file>
-
-<file path=ppt/slides/slide16.xml><?xml version="1.0" encoding="utf-8"?>
-<p:sld xmlns:a="http://schemas.openxmlformats.org/drawingml/2006/main" xmlns:r="http://schemas.openxmlformats.org/officeDocument/2006/relationships" xmlns:p="http://schemas.openxmlformats.org/presentationml/2006/main">
-  <p:cSld>
-    <p:spTree>
-      <p:nvGrpSpPr>
-        <p:cNvPr id="1" name="">
-          <a:extLst>
-            <a:ext uri="{FF2B5EF4-FFF2-40B4-BE49-F238E27FC236}">
-              <a16:creationId xmlns:a16="http://schemas.microsoft.com/office/drawing/2014/main" id="{4059CF8C-A5CA-D922-15C9-90E83F41C16F}"/>
-            </a:ext>
-          </a:extLst>
-        </p:cNvPr>
-        <p:cNvGrpSpPr/>
-        <p:nvPr/>
-      </p:nvGrpSpPr>
-      <p:grpSpPr>
-        <a:xfrm>
-          <a:off x="0" y="0"/>
-          <a:ext cx="0" cy="0"/>
-          <a:chOff x="0" y="0"/>
-          <a:chExt cx="0" cy="0"/>
-        </a:xfrm>
-      </p:grpSpPr>
-      <p:sp>
-        <p:nvSpPr>
-          <p:cNvPr id="2" name="Título 1">
-            <a:extLst>
-              <a:ext uri="{FF2B5EF4-FFF2-40B4-BE49-F238E27FC236}">
-                <a16:creationId xmlns:a16="http://schemas.microsoft.com/office/drawing/2014/main" id="{F0E0D2C5-2C7F-FF98-F6E4-6A6D35AE3301}"/>
-              </a:ext>
-            </a:extLst>
-          </p:cNvPr>
-          <p:cNvSpPr>
-            <a:spLocks noGrp="1"/>
-          </p:cNvSpPr>
-          <p:nvPr>
-            <p:ph type="title"/>
-          </p:nvPr>
-        </p:nvSpPr>
-        <p:spPr/>
-        <p:txBody>
-          <a:bodyPr/>
-          <a:lstStyle/>
-          <a:p>
-            <a:r>
-              <a:rPr lang="pt-BR" dirty="0"/>
-              <a:t>Temas dos seminários</a:t>
-            </a:r>
-          </a:p>
-        </p:txBody>
-      </p:sp>
-      <p:sp>
-        <p:nvSpPr>
-          <p:cNvPr id="3" name="Espaço Reservado para Conteúdo 2">
-            <a:extLst>
-              <a:ext uri="{FF2B5EF4-FFF2-40B4-BE49-F238E27FC236}">
-                <a16:creationId xmlns:a16="http://schemas.microsoft.com/office/drawing/2014/main" id="{164D262D-D1D5-2FFA-8E32-3025F99BDE7F}"/>
-              </a:ext>
-            </a:extLst>
-          </p:cNvPr>
-          <p:cNvSpPr>
-            <a:spLocks noGrp="1"/>
-          </p:cNvSpPr>
-          <p:nvPr>
-            <p:ph idx="1"/>
-          </p:nvPr>
-        </p:nvSpPr>
-        <p:spPr>
-          <a:xfrm>
-            <a:off x="838200" y="1825624"/>
-            <a:ext cx="11114314" cy="5032375"/>
-          </a:xfrm>
-        </p:spPr>
-        <p:txBody>
-          <a:bodyPr>
-            <a:normAutofit/>
-          </a:bodyPr>
-          <a:lstStyle/>
-          <a:p>
-            <a:r>
-              <a:rPr lang="pt-BR" dirty="0"/>
-              <a:t>Natural </a:t>
-            </a:r>
-            <a:r>
-              <a:rPr lang="pt-BR" dirty="0" err="1"/>
-              <a:t>Language</a:t>
-            </a:r>
-            <a:r>
-              <a:rPr lang="pt-BR" dirty="0"/>
-              <a:t> </a:t>
-            </a:r>
-            <a:r>
-              <a:rPr lang="pt-BR" dirty="0" err="1"/>
-              <a:t>Processing</a:t>
-            </a:r>
-            <a:r>
-              <a:rPr lang="pt-BR" dirty="0"/>
-              <a:t>: </a:t>
-            </a:r>
-            <a:r>
-              <a:rPr lang="pt-BR" dirty="0" err="1"/>
-              <a:t>Text</a:t>
-            </a:r>
-            <a:r>
-              <a:rPr lang="pt-BR" dirty="0"/>
-              <a:t> </a:t>
-            </a:r>
-            <a:r>
-              <a:rPr lang="pt-BR" b="0" i="0" dirty="0" err="1">
-                <a:solidFill>
-                  <a:srgbClr val="212529"/>
-                </a:solidFill>
-                <a:effectLst/>
-              </a:rPr>
-              <a:t>summarization</a:t>
-            </a:r>
-            <a:endParaRPr lang="pt-BR" dirty="0"/>
-          </a:p>
-          <a:p>
-            <a:pPr lvl="1">
-              <a:buFont typeface="Wingdings" panose="05000000000000000000" pitchFamily="2" charset="2"/>
-              <a:buChar char="§"/>
-            </a:pPr>
-            <a:r>
-              <a:rPr lang="pt-BR" dirty="0" err="1"/>
-              <a:t>Bidirectional</a:t>
-            </a:r>
-            <a:r>
-              <a:rPr lang="pt-BR" dirty="0"/>
-              <a:t> </a:t>
-            </a:r>
-            <a:r>
-              <a:rPr lang="pt-BR" dirty="0" err="1"/>
-              <a:t>Autoregressive</a:t>
-            </a:r>
-            <a:r>
-              <a:rPr lang="pt-BR" dirty="0"/>
-              <a:t> </a:t>
-            </a:r>
-            <a:r>
-              <a:rPr lang="pt-BR" dirty="0" err="1"/>
-              <a:t>Transformer</a:t>
-            </a:r>
-            <a:r>
-              <a:rPr lang="pt-BR" dirty="0"/>
-              <a:t> (BART)</a:t>
-            </a:r>
-          </a:p>
-          <a:p>
-            <a:pPr lvl="2">
-              <a:buFont typeface="Wingdings" panose="05000000000000000000" pitchFamily="2" charset="2"/>
-              <a:buChar char="ü"/>
-            </a:pPr>
-            <a:r>
-              <a:rPr lang="pt-BR" dirty="0">
-                <a:hlinkClick r:id="rId2"/>
-              </a:rPr>
-              <a:t>https://arxiv.org/abs/1910.13461</a:t>
-            </a:r>
-            <a:endParaRPr lang="pt-BR" dirty="0"/>
-          </a:p>
-          <a:p>
-            <a:pPr lvl="2">
-              <a:buFont typeface="Wingdings" panose="05000000000000000000" pitchFamily="2" charset="2"/>
-              <a:buChar char="ü"/>
-            </a:pPr>
-            <a:r>
-              <a:rPr lang="pt-BR" dirty="0">
-                <a:hlinkClick r:id="rId3"/>
-              </a:rPr>
-              <a:t>https://keras.io/examples/nlp/abstractive_summarization_with_bart/</a:t>
-            </a:r>
-            <a:endParaRPr lang="pt-BR" dirty="0"/>
-          </a:p>
-          <a:p>
-            <a:r>
-              <a:rPr lang="pt-BR" dirty="0"/>
-              <a:t>Natural </a:t>
-            </a:r>
-            <a:r>
-              <a:rPr lang="pt-BR" dirty="0" err="1"/>
-              <a:t>Language</a:t>
-            </a:r>
-            <a:r>
-              <a:rPr lang="pt-BR" dirty="0"/>
-              <a:t> </a:t>
-            </a:r>
-            <a:r>
-              <a:rPr lang="pt-BR" dirty="0" err="1"/>
-              <a:t>Processing</a:t>
-            </a:r>
-            <a:r>
-              <a:rPr lang="pt-BR" dirty="0"/>
-              <a:t>: </a:t>
-            </a:r>
-            <a:r>
-              <a:rPr lang="pt-BR" dirty="0" err="1"/>
-              <a:t>Automatic</a:t>
-            </a:r>
-            <a:r>
-              <a:rPr lang="pt-BR" dirty="0"/>
-              <a:t> Speech </a:t>
-            </a:r>
-            <a:r>
-              <a:rPr lang="pt-BR" dirty="0" err="1"/>
-              <a:t>Recognition</a:t>
-            </a:r>
-            <a:r>
-              <a:rPr lang="pt-BR" dirty="0"/>
-              <a:t> (ASR)</a:t>
-            </a:r>
-          </a:p>
-          <a:p>
-            <a:pPr lvl="1">
-              <a:buFont typeface="Wingdings" panose="05000000000000000000" pitchFamily="2" charset="2"/>
-              <a:buChar char="§"/>
-            </a:pPr>
-            <a:r>
-              <a:rPr lang="en-US" dirty="0"/>
-              <a:t>Automatic Speech Recognition with Transformer</a:t>
-            </a:r>
-            <a:endParaRPr lang="pt-BR" dirty="0"/>
-          </a:p>
-          <a:p>
-            <a:pPr lvl="2">
-              <a:buFont typeface="Wingdings" panose="05000000000000000000" pitchFamily="2" charset="2"/>
-              <a:buChar char="ü"/>
-            </a:pPr>
-            <a:r>
-              <a:rPr lang="pt-BR" dirty="0">
-                <a:hlinkClick r:id="rId4"/>
-              </a:rPr>
-              <a:t>https://papers.nips.cc/paper/2017/file/3f5ee243547dee91fbd053c1c4a845aa-Paper.pdf</a:t>
-            </a:r>
-            <a:endParaRPr lang="pt-BR" dirty="0"/>
-          </a:p>
-          <a:p>
-            <a:pPr lvl="2">
-              <a:buFont typeface="Wingdings" panose="05000000000000000000" pitchFamily="2" charset="2"/>
-              <a:buChar char="ü"/>
-            </a:pPr>
-            <a:r>
-              <a:rPr lang="pt-BR" dirty="0">
-                <a:hlinkClick r:id="rId5"/>
-              </a:rPr>
-              <a:t>https://keras.io/examples/audio/transformer_asr/</a:t>
-            </a:r>
-            <a:endParaRPr lang="pt-BR" dirty="0"/>
-          </a:p>
-          <a:p>
-            <a:pPr algn="l"/>
-            <a:r>
-              <a:rPr lang="pt-BR" dirty="0"/>
-              <a:t>Natural </a:t>
-            </a:r>
-            <a:r>
-              <a:rPr lang="pt-BR" dirty="0" err="1"/>
-              <a:t>Language</a:t>
-            </a:r>
-            <a:r>
-              <a:rPr lang="pt-BR" dirty="0"/>
-              <a:t> </a:t>
-            </a:r>
-            <a:r>
-              <a:rPr lang="pt-BR" dirty="0" err="1"/>
-              <a:t>Processing</a:t>
-            </a:r>
-            <a:r>
-              <a:rPr lang="pt-BR" dirty="0"/>
-              <a:t>: Speech </a:t>
-            </a:r>
-            <a:r>
-              <a:rPr lang="pt-BR" dirty="0" err="1"/>
-              <a:t>Synthesis</a:t>
-            </a:r>
-            <a:endParaRPr lang="pt-BR" dirty="0"/>
-          </a:p>
-          <a:p>
-            <a:pPr lvl="1">
-              <a:buFont typeface="Wingdings" panose="05000000000000000000" pitchFamily="2" charset="2"/>
-              <a:buChar char="§"/>
-            </a:pPr>
-            <a:r>
-              <a:rPr lang="pt-BR" b="0" i="0" dirty="0" err="1">
-                <a:effectLst/>
-              </a:rPr>
-              <a:t>WaveNet</a:t>
-            </a:r>
-            <a:r>
-              <a:rPr lang="pt-BR" b="0" i="0" dirty="0">
-                <a:effectLst/>
-              </a:rPr>
-              <a:t>: A </a:t>
-            </a:r>
-            <a:r>
-              <a:rPr lang="pt-BR" b="0" i="0" dirty="0" err="1">
-                <a:effectLst/>
-              </a:rPr>
-              <a:t>Generative</a:t>
-            </a:r>
-            <a:r>
-              <a:rPr lang="pt-BR" b="0" i="0" dirty="0">
-                <a:effectLst/>
-              </a:rPr>
-              <a:t> Model for </a:t>
-            </a:r>
-            <a:r>
-              <a:rPr lang="pt-BR" b="0" i="0" dirty="0" err="1">
-                <a:effectLst/>
-              </a:rPr>
-              <a:t>Raw</a:t>
-            </a:r>
-            <a:r>
-              <a:rPr lang="pt-BR" b="0" i="0" dirty="0">
-                <a:effectLst/>
-              </a:rPr>
-              <a:t> </a:t>
-            </a:r>
-            <a:r>
-              <a:rPr lang="pt-BR" b="0" i="0" dirty="0" err="1">
-                <a:effectLst/>
-              </a:rPr>
-              <a:t>Audio</a:t>
-            </a:r>
-            <a:endParaRPr lang="pt-BR" b="0" i="0" dirty="0">
-              <a:effectLst/>
-            </a:endParaRPr>
-          </a:p>
-          <a:p>
-            <a:pPr lvl="2">
-              <a:buFont typeface="Wingdings" panose="05000000000000000000" pitchFamily="2" charset="2"/>
-              <a:buChar char="ü"/>
-            </a:pPr>
-            <a:r>
-              <a:rPr lang="pt-BR" b="0" i="0" dirty="0">
-                <a:effectLst/>
-                <a:hlinkClick r:id="rId6">
-                  <a:extLst>
-                    <a:ext uri="{A12FA001-AC4F-418D-AE19-62706E023703}">
-                      <ahyp:hlinkClr xmlns:ahyp="http://schemas.microsoft.com/office/drawing/2018/hyperlinkcolor" val="tx"/>
-                    </a:ext>
-                  </a:extLst>
-                </a:hlinkClick>
-              </a:rPr>
-              <a:t>https://arxiv.org/abs/1609.03499</a:t>
-            </a:r>
-            <a:endParaRPr lang="pt-BR" b="0" i="0" dirty="0">
-              <a:effectLst/>
-            </a:endParaRPr>
-          </a:p>
-          <a:p>
-            <a:pPr lvl="2">
-              <a:buFont typeface="Wingdings" panose="05000000000000000000" pitchFamily="2" charset="2"/>
-              <a:buChar char="ü"/>
-            </a:pPr>
-            <a:r>
-              <a:rPr lang="pt-BR" b="0" i="0" dirty="0">
-                <a:effectLst/>
-                <a:hlinkClick r:id="rId7">
-                  <a:extLst>
-                    <a:ext uri="{A12FA001-AC4F-418D-AE19-62706E023703}">
-                      <ahyp:hlinkClr xmlns:ahyp="http://schemas.microsoft.com/office/drawing/2018/hyperlinkcolor" val="tx"/>
-                    </a:ext>
-                  </a:extLst>
-                </a:hlinkClick>
-              </a:rPr>
-              <a:t>https://paperswithcode.com/paper/wavenet-a-generative-model-for-raw-audio</a:t>
-            </a:r>
-            <a:endParaRPr lang="pt-BR" dirty="0"/>
-          </a:p>
-        </p:txBody>
-      </p:sp>
-    </p:spTree>
-    <p:extLst>
-      <p:ext uri="{BB962C8B-B14F-4D97-AF65-F5344CB8AC3E}">
-        <p14:creationId xmlns:p14="http://schemas.microsoft.com/office/powerpoint/2010/main" val="801807437"/>
       </p:ext>
     </p:extLst>
   </p:cSld>
@@ -6466,8 +6261,8 @@
         </p:nvSpPr>
         <p:spPr>
           <a:xfrm>
-            <a:off x="838200" y="1825625"/>
-            <a:ext cx="10907486" cy="4351338"/>
+            <a:off x="838200" y="1825624"/>
+            <a:ext cx="11114314" cy="5032375"/>
           </a:xfrm>
         </p:spPr>
         <p:txBody>
@@ -6478,19 +6273,75 @@
           <a:p>
             <a:r>
               <a:rPr lang="pt-BR" dirty="0"/>
+              <a:t>Natural </a:t>
+            </a:r>
+            <a:r>
+              <a:rPr lang="pt-BR" dirty="0" err="1"/>
+              <a:t>Language</a:t>
+            </a:r>
+            <a:r>
+              <a:rPr lang="pt-BR" dirty="0"/>
               <a:t> </a:t>
             </a:r>
             <a:r>
               <a:rPr lang="pt-BR" dirty="0" err="1"/>
-              <a:t>Graph</a:t>
-            </a:r>
-            <a:r>
-              <a:rPr lang="pt-BR" dirty="0"/>
-              <a:t> Neural Networks</a:t>
-            </a:r>
+              <a:t>Processing</a:t>
+            </a:r>
+            <a:r>
+              <a:rPr lang="pt-BR" dirty="0"/>
+              <a:t>: </a:t>
+            </a:r>
+            <a:r>
+              <a:rPr lang="pt-BR" dirty="0" err="1"/>
+              <a:t>Text</a:t>
+            </a:r>
+            <a:r>
+              <a:rPr lang="pt-BR" dirty="0"/>
+              <a:t> </a:t>
+            </a:r>
+            <a:r>
+              <a:rPr lang="pt-BR" b="0" i="0" dirty="0" err="1">
+                <a:solidFill>
+                  <a:srgbClr val="212529"/>
+                </a:solidFill>
+                <a:effectLst/>
+              </a:rPr>
+              <a:t>summarization</a:t>
+            </a:r>
+            <a:endParaRPr lang="pt-BR" dirty="0"/>
           </a:p>
           <a:p>
             <a:pPr lvl="1">
+              <a:buFont typeface="Wingdings" panose="05000000000000000000" pitchFamily="2" charset="2"/>
+              <a:buChar char="§"/>
+            </a:pPr>
+            <a:r>
+              <a:rPr lang="pt-BR" dirty="0" err="1"/>
+              <a:t>Bidirectional</a:t>
+            </a:r>
+            <a:r>
+              <a:rPr lang="pt-BR" dirty="0"/>
+              <a:t> </a:t>
+            </a:r>
+            <a:r>
+              <a:rPr lang="pt-BR" dirty="0" err="1"/>
+              <a:t>Autoregressive</a:t>
+            </a:r>
+            <a:r>
+              <a:rPr lang="pt-BR" dirty="0"/>
+              <a:t> </a:t>
+            </a:r>
+            <a:r>
+              <a:rPr lang="pt-BR" dirty="0" err="1"/>
+              <a:t>Transformer</a:t>
+            </a:r>
+            <a:r>
+              <a:rPr lang="pt-BR" dirty="0"/>
+              <a:t> (BART)</a:t>
+            </a:r>
+          </a:p>
+          <a:p>
+            <a:pPr lvl="2">
               <a:buFont typeface="Wingdings" panose="05000000000000000000" pitchFamily="2" charset="2"/>
               <a:buChar char="ü"/>
             </a:pPr>
@@ -6498,12 +6349,12 @@
               <a:rPr lang="pt-BR" dirty="0">
                 <a:hlinkClick r:id="rId2"/>
               </a:rPr>
-              <a:t>https://arxiv.org/abs/2101.11174</a:t>
+              <a:t>https://arxiv.org/abs/1910.13461</a:t>
             </a:r>
             <a:endParaRPr lang="pt-BR" dirty="0"/>
           </a:p>
           <a:p>
-            <a:pPr lvl="1">
+            <a:pPr lvl="2">
               <a:buFont typeface="Wingdings" panose="05000000000000000000" pitchFamily="2" charset="2"/>
               <a:buChar char="ü"/>
             </a:pPr>
@@ -6511,50 +6362,204 @@
               <a:rPr lang="pt-BR" dirty="0">
                 <a:hlinkClick r:id="rId3"/>
               </a:rPr>
-              <a:t>https://paperswithcode.com/paper/graph-neural-network-for-traffic-forecasting</a:t>
+              <a:t>https://keras.io/examples/nlp/abstractive_summarization_with_bart/</a:t>
             </a:r>
             <a:endParaRPr lang="pt-BR" dirty="0"/>
           </a:p>
           <a:p>
-            <a:pPr marL="457200" lvl="1" indent="0">
-              <a:buNone/>
-            </a:pPr>
+            <a:r>
+              <a:rPr lang="pt-BR" dirty="0"/>
+              <a:t>Natural </a:t>
+            </a:r>
+            <a:r>
+              <a:rPr lang="pt-BR" dirty="0" err="1"/>
+              <a:t>Language</a:t>
+            </a:r>
+            <a:r>
+              <a:rPr lang="pt-BR" dirty="0"/>
+              <a:t> </a:t>
+            </a:r>
+            <a:r>
+              <a:rPr lang="pt-BR" dirty="0" err="1"/>
+              <a:t>Processing</a:t>
+            </a:r>
+            <a:r>
+              <a:rPr lang="pt-BR" dirty="0"/>
+              <a:t>: </a:t>
+            </a:r>
+            <a:r>
+              <a:rPr lang="pt-BR" dirty="0" err="1"/>
+              <a:t>Automatic</a:t>
+            </a:r>
+            <a:r>
+              <a:rPr lang="pt-BR" dirty="0"/>
+              <a:t> Speech </a:t>
+            </a:r>
+            <a:r>
+              <a:rPr lang="pt-BR" dirty="0" err="1"/>
+              <a:t>Recognition</a:t>
+            </a:r>
+            <a:r>
+              <a:rPr lang="pt-BR" dirty="0"/>
+              <a:t> (ASR)</a:t>
+            </a:r>
+          </a:p>
+          <a:p>
+            <a:pPr lvl="1">
+              <a:buFont typeface="Wingdings" panose="05000000000000000000" pitchFamily="2" charset="2"/>
+              <a:buChar char="§"/>
+            </a:pPr>
+            <a:r>
+              <a:rPr lang="en-US" dirty="0"/>
+              <a:t>Automatic Speech Recognition with Transformer</a:t>
+            </a:r>
             <a:endParaRPr lang="pt-BR" dirty="0"/>
           </a:p>
           <a:p>
-            <a:pPr marL="0" indent="0">
-              <a:buNone/>
-            </a:pPr>
+            <a:pPr lvl="2">
+              <a:buFont typeface="Wingdings" panose="05000000000000000000" pitchFamily="2" charset="2"/>
+              <a:buChar char="ü"/>
+            </a:pPr>
+            <a:r>
+              <a:rPr lang="pt-BR" dirty="0">
+                <a:hlinkClick r:id="rId4"/>
+              </a:rPr>
+              <a:t>https://papers.nips.cc/paper/2017/file/3f5ee243547dee91fbd053c1c4a845aa-Paper.pdf</a:t>
+            </a:r>
             <a:endParaRPr lang="pt-BR" dirty="0"/>
           </a:p>
           <a:p>
-            <a:pPr>
+            <a:pPr lvl="2">
               <a:buFont typeface="Wingdings" panose="05000000000000000000" pitchFamily="2" charset="2"/>
               <a:buChar char="ü"/>
             </a:pPr>
+            <a:r>
+              <a:rPr lang="pt-BR" dirty="0">
+                <a:hlinkClick r:id="rId5"/>
+              </a:rPr>
+              <a:t>https://keras.io/examples/audio/transformer_asr/</a:t>
+            </a:r>
             <a:endParaRPr lang="pt-BR" dirty="0"/>
           </a:p>
           <a:p>
+            <a:pPr algn="l"/>
+            <a:r>
+              <a:rPr lang="pt-BR" dirty="0"/>
+              <a:t>Natural </a:t>
+            </a:r>
+            <a:r>
+              <a:rPr lang="pt-BR" dirty="0" err="1"/>
+              <a:t>Language</a:t>
+            </a:r>
+            <a:r>
+              <a:rPr lang="pt-BR" dirty="0"/>
+              <a:t> </a:t>
+            </a:r>
+            <a:r>
+              <a:rPr lang="pt-BR" dirty="0" err="1"/>
+              <a:t>Processing</a:t>
+            </a:r>
+            <a:r>
+              <a:rPr lang="pt-BR" dirty="0"/>
+              <a:t>: Speech </a:t>
+            </a:r>
+            <a:r>
+              <a:rPr lang="pt-BR" dirty="0" err="1"/>
+              <a:t>Synthesis</a:t>
+            </a:r>
+            <a:endParaRPr lang="pt-BR" dirty="0"/>
+          </a:p>
+          <a:p>
+            <a:pPr lvl="1">
+              <a:buFont typeface="Wingdings" panose="05000000000000000000" pitchFamily="2" charset="2"/>
+              <a:buChar char="§"/>
+            </a:pPr>
+            <a:r>
+              <a:rPr lang="pt-BR" b="0" i="0" dirty="0" err="1">
+                <a:effectLst/>
+              </a:rPr>
+              <a:t>WaveNet</a:t>
+            </a:r>
+            <a:r>
+              <a:rPr lang="pt-BR" b="0" i="0" dirty="0">
+                <a:effectLst/>
+              </a:rPr>
+              <a:t>: A </a:t>
+            </a:r>
+            <a:r>
+              <a:rPr lang="pt-BR" b="0" i="0" dirty="0" err="1">
+                <a:effectLst/>
+              </a:rPr>
+              <a:t>Generative</a:t>
+            </a:r>
+            <a:r>
+              <a:rPr lang="pt-BR" b="0" i="0" dirty="0">
+                <a:effectLst/>
+              </a:rPr>
+              <a:t> Model for </a:t>
+            </a:r>
+            <a:r>
+              <a:rPr lang="pt-BR" b="0" i="0" dirty="0" err="1">
+                <a:effectLst/>
+              </a:rPr>
+              <a:t>Raw</a:t>
+            </a:r>
+            <a:r>
+              <a:rPr lang="pt-BR" b="0" i="0" dirty="0">
+                <a:effectLst/>
+              </a:rPr>
+              <a:t> </a:t>
+            </a:r>
+            <a:r>
+              <a:rPr lang="pt-BR" b="0" i="0" dirty="0" err="1">
+                <a:effectLst/>
+              </a:rPr>
+              <a:t>Audio</a:t>
+            </a:r>
+            <a:endParaRPr lang="pt-BR" b="0" i="0" dirty="0">
+              <a:effectLst/>
+            </a:endParaRPr>
+          </a:p>
+          <a:p>
             <a:pPr lvl="2">
               <a:buFont typeface="Wingdings" panose="05000000000000000000" pitchFamily="2" charset="2"/>
               <a:buChar char="ü"/>
             </a:pPr>
-            <a:endParaRPr lang="pt-BR" dirty="0"/>
-          </a:p>
-          <a:p>
-            <a:pPr marL="914400" lvl="2" indent="0">
-              <a:buNone/>
-            </a:pPr>
-            <a:endParaRPr lang="pt-BR" dirty="0"/>
-          </a:p>
-          <a:p>
-            <a:pPr marL="914400" lvl="2" indent="0">
-              <a:buNone/>
-            </a:pPr>
-            <a:endParaRPr lang="pt-BR" dirty="0"/>
-          </a:p>
-          <a:p>
-            <a:pPr lvl="1"/>
+            <a:r>
+              <a:rPr lang="pt-BR" b="0" i="0" dirty="0">
+                <a:effectLst/>
+                <a:hlinkClick r:id="rId6">
+                  <a:extLst>
+                    <a:ext uri="{A12FA001-AC4F-418D-AE19-62706E023703}">
+                      <ahyp:hlinkClr xmlns:ahyp="http://schemas.microsoft.com/office/drawing/2018/hyperlinkcolor" val="tx"/>
+                    </a:ext>
+                  </a:extLst>
+                </a:hlinkClick>
+              </a:rPr>
+              <a:t>https://arxiv.org/abs/1609.03499</a:t>
+            </a:r>
+            <a:endParaRPr lang="pt-BR" b="0" i="0" dirty="0">
+              <a:effectLst/>
+            </a:endParaRPr>
+          </a:p>
+          <a:p>
+            <a:pPr lvl="2">
+              <a:buFont typeface="Wingdings" panose="05000000000000000000" pitchFamily="2" charset="2"/>
+              <a:buChar char="ü"/>
+            </a:pPr>
+            <a:r>
+              <a:rPr lang="pt-BR" b="0" i="0" dirty="0">
+                <a:effectLst/>
+                <a:hlinkClick r:id="rId7">
+                  <a:extLst>
+                    <a:ext uri="{A12FA001-AC4F-418D-AE19-62706E023703}">
+                      <ahyp:hlinkClr xmlns:ahyp="http://schemas.microsoft.com/office/drawing/2018/hyperlinkcolor" val="tx"/>
+                    </a:ext>
+                  </a:extLst>
+                </a:hlinkClick>
+              </a:rPr>
+              <a:t>https://paperswithcode.com/paper/wavenet-a-generative-model-for-raw-audio</a:t>
+            </a:r>
             <a:endParaRPr lang="pt-BR" dirty="0"/>
           </a:p>
         </p:txBody>
@@ -6562,7 +6567,7 @@
     </p:spTree>
     <p:extLst>
       <p:ext uri="{BB962C8B-B14F-4D97-AF65-F5344CB8AC3E}">
-        <p14:creationId xmlns:p14="http://schemas.microsoft.com/office/powerpoint/2010/main" val="1884010596"/>
+        <p14:creationId xmlns:p14="http://schemas.microsoft.com/office/powerpoint/2010/main" val="801807437"/>
       </p:ext>
     </p:extLst>
   </p:cSld>
@@ -6653,13 +6658,16 @@
           <a:p>
             <a:r>
               <a:rPr lang="pt-BR" dirty="0"/>
-              <a:t> Adversarial </a:t>
+              <a:t> </a:t>
             </a:r>
             <a:r>
               <a:rPr lang="pt-BR" dirty="0" err="1"/>
-              <a:t>Attacks</a:t>
-            </a:r>
-            <a:endParaRPr lang="pt-BR" dirty="0"/>
+              <a:t>Graph</a:t>
+            </a:r>
+            <a:r>
+              <a:rPr lang="pt-BR" dirty="0"/>
+              <a:t> Neural Networks</a:t>
+            </a:r>
           </a:p>
           <a:p>
             <a:pPr lvl="1">
@@ -6670,7 +6678,7 @@
               <a:rPr lang="pt-BR" dirty="0">
                 <a:hlinkClick r:id="rId2"/>
               </a:rPr>
-              <a:t>https://arxiv.org/abs/1706.06083</a:t>
+              <a:t>https://arxiv.org/abs/2101.11174</a:t>
             </a:r>
             <a:endParaRPr lang="pt-BR" dirty="0"/>
           </a:p>
@@ -6683,21 +6691,8 @@
               <a:rPr lang="pt-BR" dirty="0">
                 <a:hlinkClick r:id="rId3"/>
               </a:rPr>
-              <a:t>https://paperswithcode.com/paper/towards-deep-learning-models-resistant-to</a:t>
-            </a:r>
-            <a:endParaRPr lang="pt-BR" dirty="0"/>
-          </a:p>
-          <a:p>
-            <a:pPr marL="457200" lvl="1" indent="0">
-              <a:buNone/>
-            </a:pPr>
-            <a:endParaRPr lang="pt-BR" dirty="0"/>
-          </a:p>
-          <a:p>
-            <a:pPr lvl="1">
-              <a:buFont typeface="Wingdings" panose="05000000000000000000" pitchFamily="2" charset="2"/>
-              <a:buChar char="ü"/>
-            </a:pPr>
+              <a:t>https://paperswithcode.com/paper/graph-neural-network-for-traffic-forecasting</a:t>
+            </a:r>
             <a:endParaRPr lang="pt-BR" dirty="0"/>
           </a:p>
           <a:p>
@@ -6747,7 +6742,7 @@
     </p:spTree>
     <p:extLst>
       <p:ext uri="{BB962C8B-B14F-4D97-AF65-F5344CB8AC3E}">
-        <p14:creationId xmlns:p14="http://schemas.microsoft.com/office/powerpoint/2010/main" val="2018168253"/>
+        <p14:creationId xmlns:p14="http://schemas.microsoft.com/office/powerpoint/2010/main" val="1884010596"/>
       </p:ext>
     </p:extLst>
   </p:cSld>
@@ -6838,140 +6833,93 @@
           <a:p>
             <a:r>
               <a:rPr lang="pt-BR" dirty="0"/>
-              <a:t>Receitas para melhoria do desempenho de modelos</a:t>
-            </a:r>
+              <a:t> Adversarial </a:t>
+            </a:r>
+            <a:r>
+              <a:rPr lang="pt-BR" dirty="0" err="1"/>
+              <a:t>Attacks</a:t>
+            </a:r>
+            <a:endParaRPr lang="pt-BR" dirty="0"/>
           </a:p>
           <a:p>
             <a:pPr lvl="1">
               <a:buFont typeface="Wingdings" panose="05000000000000000000" pitchFamily="2" charset="2"/>
-              <a:buChar char="§"/>
-            </a:pPr>
-            <a:r>
-              <a:rPr lang="pt-BR" i="0" dirty="0" err="1">
-                <a:solidFill>
-                  <a:srgbClr val="212529"/>
-                </a:solidFill>
-                <a:effectLst/>
-              </a:rPr>
-              <a:t>Knowledge</a:t>
-            </a:r>
-            <a:r>
-              <a:rPr lang="pt-BR" i="0" dirty="0">
-                <a:solidFill>
-                  <a:srgbClr val="212529"/>
-                </a:solidFill>
-                <a:effectLst/>
-              </a:rPr>
-              <a:t> </a:t>
-            </a:r>
-            <a:r>
-              <a:rPr lang="pt-BR" i="0" dirty="0" err="1">
-                <a:solidFill>
-                  <a:srgbClr val="212529"/>
-                </a:solidFill>
-                <a:effectLst/>
-              </a:rPr>
-              <a:t>Distillation</a:t>
-            </a:r>
-            <a:endParaRPr lang="pt-BR" i="0" dirty="0">
-              <a:solidFill>
-                <a:srgbClr val="212529"/>
-              </a:solidFill>
-              <a:effectLst/>
-            </a:endParaRPr>
+              <a:buChar char="ü"/>
+            </a:pPr>
+            <a:r>
+              <a:rPr lang="pt-BR" dirty="0">
+                <a:hlinkClick r:id="rId2"/>
+              </a:rPr>
+              <a:t>https://arxiv.org/abs/1706.06083</a:t>
+            </a:r>
+            <a:endParaRPr lang="pt-BR" dirty="0"/>
+          </a:p>
+          <a:p>
+            <a:pPr lvl="1">
+              <a:buFont typeface="Wingdings" panose="05000000000000000000" pitchFamily="2" charset="2"/>
+              <a:buChar char="ü"/>
+            </a:pPr>
+            <a:r>
+              <a:rPr lang="pt-BR" dirty="0">
+                <a:hlinkClick r:id="rId3"/>
+              </a:rPr>
+              <a:t>https://paperswithcode.com/paper/towards-deep-learning-models-resistant-to</a:t>
+            </a:r>
+            <a:endParaRPr lang="pt-BR" dirty="0"/>
+          </a:p>
+          <a:p>
+            <a:pPr marL="457200" lvl="1" indent="0">
+              <a:buNone/>
+            </a:pPr>
+            <a:endParaRPr lang="pt-BR" dirty="0"/>
+          </a:p>
+          <a:p>
+            <a:pPr lvl="1">
+              <a:buFont typeface="Wingdings" panose="05000000000000000000" pitchFamily="2" charset="2"/>
+              <a:buChar char="ü"/>
+            </a:pPr>
+            <a:endParaRPr lang="pt-BR" dirty="0"/>
+          </a:p>
+          <a:p>
+            <a:pPr marL="457200" lvl="1" indent="0">
+              <a:buNone/>
+            </a:pPr>
+            <a:endParaRPr lang="pt-BR" dirty="0"/>
+          </a:p>
+          <a:p>
+            <a:pPr marL="0" indent="0">
+              <a:buNone/>
+            </a:pPr>
+            <a:endParaRPr lang="pt-BR" dirty="0"/>
+          </a:p>
+          <a:p>
+            <a:pPr>
+              <a:buFont typeface="Wingdings" panose="05000000000000000000" pitchFamily="2" charset="2"/>
+              <a:buChar char="ü"/>
+            </a:pPr>
+            <a:endParaRPr lang="pt-BR" dirty="0"/>
           </a:p>
           <a:p>
             <a:pPr lvl="2">
               <a:buFont typeface="Wingdings" panose="05000000000000000000" pitchFamily="2" charset="2"/>
               <a:buChar char="ü"/>
             </a:pPr>
-            <a:r>
-              <a:rPr lang="pt-BR" i="0" dirty="0">
-                <a:solidFill>
-                  <a:srgbClr val="212529"/>
-                </a:solidFill>
-                <a:effectLst/>
-                <a:hlinkClick r:id="rId2"/>
-              </a:rPr>
-              <a:t>https://arxiv.org/abs/1503.02531</a:t>
-            </a:r>
-            <a:endParaRPr lang="pt-BR" dirty="0">
-              <a:solidFill>
-                <a:srgbClr val="212529"/>
-              </a:solidFill>
-            </a:endParaRPr>
-          </a:p>
-          <a:p>
-            <a:pPr lvl="2">
-              <a:buFont typeface="Wingdings" panose="05000000000000000000" pitchFamily="2" charset="2"/>
-              <a:buChar char="ü"/>
-            </a:pPr>
-            <a:r>
-              <a:rPr lang="pt-BR" i="0" dirty="0">
-                <a:solidFill>
-                  <a:srgbClr val="212529"/>
-                </a:solidFill>
-                <a:effectLst/>
-                <a:hlinkClick r:id="rId3"/>
-              </a:rPr>
-              <a:t>https://keras.io/examples/vision/knowledge_distillation/</a:t>
-            </a:r>
-            <a:endParaRPr lang="pt-BR" i="0" dirty="0">
-              <a:solidFill>
-                <a:srgbClr val="212529"/>
-              </a:solidFill>
-              <a:effectLst/>
-            </a:endParaRPr>
-          </a:p>
-          <a:p>
-            <a:pPr lvl="1">
-              <a:buFont typeface="Wingdings" panose="05000000000000000000" pitchFamily="2" charset="2"/>
-              <a:buChar char="§"/>
-            </a:pPr>
-            <a:r>
-              <a:rPr lang="pt-BR" dirty="0" err="1"/>
-              <a:t>Gradient</a:t>
-            </a:r>
-            <a:r>
-              <a:rPr lang="pt-BR" dirty="0"/>
-              <a:t> </a:t>
-            </a:r>
-            <a:r>
-              <a:rPr lang="pt-BR" dirty="0" err="1"/>
-              <a:t>Centralization</a:t>
-            </a:r>
             <a:endParaRPr lang="pt-BR" dirty="0"/>
           </a:p>
           <a:p>
-            <a:pPr lvl="2">
-              <a:buFont typeface="Wingdings" panose="05000000000000000000" pitchFamily="2" charset="2"/>
-              <a:buChar char="ü"/>
-            </a:pPr>
-            <a:r>
-              <a:rPr lang="pt-BR" dirty="0">
-                <a:hlinkClick r:id="rId4"/>
-              </a:rPr>
-              <a:t>https://arxiv.org/abs/2004.01461</a:t>
-            </a:r>
+            <a:pPr marL="914400" lvl="2" indent="0">
+              <a:buNone/>
+            </a:pPr>
             <a:endParaRPr lang="pt-BR" dirty="0"/>
           </a:p>
           <a:p>
-            <a:pPr lvl="2">
-              <a:buFont typeface="Wingdings" panose="05000000000000000000" pitchFamily="2" charset="2"/>
-              <a:buChar char="ü"/>
-            </a:pPr>
-            <a:r>
-              <a:rPr lang="pt-BR" dirty="0">
-                <a:hlinkClick r:id="rId5"/>
-              </a:rPr>
-              <a:t>https://keras.io/examples/vision/gradient_centralization/</a:t>
-            </a:r>
-            <a:br>
-              <a:rPr lang="pt-BR" dirty="0"/>
-            </a:br>
+            <a:pPr marL="914400" lvl="2" indent="0">
+              <a:buNone/>
+            </a:pPr>
             <a:endParaRPr lang="pt-BR" dirty="0"/>
           </a:p>
           <a:p>
+            <a:pPr lvl="1"/>
             <a:endParaRPr lang="pt-BR" dirty="0"/>
           </a:p>
         </p:txBody>
@@ -6979,7 +6927,7 @@
     </p:spTree>
     <p:extLst>
       <p:ext uri="{BB962C8B-B14F-4D97-AF65-F5344CB8AC3E}">
-        <p14:creationId xmlns:p14="http://schemas.microsoft.com/office/powerpoint/2010/main" val="3709901621"/>
+        <p14:creationId xmlns:p14="http://schemas.microsoft.com/office/powerpoint/2010/main" val="2018168253"/>
       </p:ext>
     </p:extLst>
   </p:cSld>
@@ -7188,7 +7136,13 @@
   <p:cSld>
     <p:spTree>
       <p:nvGrpSpPr>
-        <p:cNvPr id="1" name=""/>
+        <p:cNvPr id="1" name="">
+          <a:extLst>
+            <a:ext uri="{FF2B5EF4-FFF2-40B4-BE49-F238E27FC236}">
+              <a16:creationId xmlns:a16="http://schemas.microsoft.com/office/drawing/2014/main" id="{4059CF8C-A5CA-D922-15C9-90E83F41C16F}"/>
+            </a:ext>
+          </a:extLst>
+        </p:cNvPr>
         <p:cNvGrpSpPr/>
         <p:nvPr/>
       </p:nvGrpSpPr>
@@ -7205,7 +7159,7 @@
           <p:cNvPr id="2" name="Título 1">
             <a:extLst>
               <a:ext uri="{FF2B5EF4-FFF2-40B4-BE49-F238E27FC236}">
-                <a16:creationId xmlns:a16="http://schemas.microsoft.com/office/drawing/2014/main" id="{A2A4684C-1159-4F88-A2B1-6BABEDE38C4D}"/>
+                <a16:creationId xmlns:a16="http://schemas.microsoft.com/office/drawing/2014/main" id="{F0E0D2C5-2C7F-FF98-F6E4-6A6D35AE3301}"/>
               </a:ext>
             </a:extLst>
           </p:cNvPr>
@@ -7223,7 +7177,7 @@
           <a:p>
             <a:r>
               <a:rPr lang="pt-BR" dirty="0"/>
-              <a:t>Referências</a:t>
+              <a:t>Temas dos seminários</a:t>
             </a:r>
           </a:p>
         </p:txBody>
@@ -7233,7 +7187,7 @@
           <p:cNvPr id="3" name="Espaço Reservado para Conteúdo 2">
             <a:extLst>
               <a:ext uri="{FF2B5EF4-FFF2-40B4-BE49-F238E27FC236}">
-                <a16:creationId xmlns:a16="http://schemas.microsoft.com/office/drawing/2014/main" id="{EC432B31-D382-41FF-BB6B-2ABDD322424B}"/>
+                <a16:creationId xmlns:a16="http://schemas.microsoft.com/office/drawing/2014/main" id="{164D262D-D1D5-2FFA-8E32-3025F99BDE7F}"/>
               </a:ext>
             </a:extLst>
           </p:cNvPr>
@@ -7246,822 +7200,160 @@
         </p:nvSpPr>
         <p:spPr>
           <a:xfrm>
-            <a:off x="838199" y="1648915"/>
-            <a:ext cx="11157155" cy="5209085"/>
+            <a:off x="838200" y="1825625"/>
+            <a:ext cx="10907486" cy="4351338"/>
           </a:xfrm>
         </p:spPr>
         <p:txBody>
           <a:bodyPr>
-            <a:noAutofit/>
+            <a:normAutofit/>
           </a:bodyPr>
           <a:lstStyle/>
           <a:p>
-            <a:pPr marL="0" indent="0">
-              <a:spcBef>
-                <a:spcPts val="0"/>
-              </a:spcBef>
-              <a:buNone/>
-            </a:pPr>
-            <a:r>
-              <a:rPr lang="pt-BR" sz="2400" b="0" i="0" u="none" strike="noStrike" dirty="0">
-                <a:solidFill>
-                  <a:srgbClr val="000000"/>
+            <a:r>
+              <a:rPr lang="pt-BR" dirty="0"/>
+              <a:t>Receitas para melhoria do desempenho de modelos</a:t>
+            </a:r>
+          </a:p>
+          <a:p>
+            <a:pPr lvl="1">
+              <a:buFont typeface="Wingdings" panose="05000000000000000000" pitchFamily="2" charset="2"/>
+              <a:buChar char="§"/>
+            </a:pPr>
+            <a:r>
+              <a:rPr lang="pt-BR" i="0" dirty="0" err="1">
+                <a:solidFill>
+                  <a:srgbClr val="212529"/>
                 </a:solidFill>
                 <a:effectLst/>
               </a:rPr>
-              <a:t>[1] </a:t>
-            </a:r>
-            <a:r>
-              <a:rPr lang="pt-BR" sz="2400" dirty="0">
-                <a:solidFill>
-                  <a:srgbClr val="000000"/>
-                </a:solidFill>
-              </a:rPr>
-              <a:t>“Tensorflow </a:t>
-            </a:r>
-            <a:r>
-              <a:rPr lang="pt-BR" sz="2400" dirty="0" err="1">
-                <a:solidFill>
-                  <a:srgbClr val="000000"/>
-                </a:solidFill>
-              </a:rPr>
-              <a:t>c</a:t>
-            </a:r>
-            <a:r>
-              <a:rPr lang="pt-BR" sz="2400" b="0" i="0" u="none" strike="noStrike" dirty="0" err="1">
-                <a:solidFill>
-                  <a:srgbClr val="000000"/>
+              <a:t>Knowledge</a:t>
+            </a:r>
+            <a:r>
+              <a:rPr lang="pt-BR" i="0" dirty="0">
+                <a:solidFill>
+                  <a:srgbClr val="212529"/>
                 </a:solidFill>
                 <a:effectLst/>
               </a:rPr>
-              <a:t>ode</a:t>
-            </a:r>
-            <a:r>
-              <a:rPr lang="pt-BR" sz="2400" b="0" i="0" u="none" strike="noStrike" dirty="0">
-                <a:solidFill>
-                  <a:srgbClr val="000000"/>
+              <a:t> </a:t>
+            </a:r>
+            <a:r>
+              <a:rPr lang="pt-BR" i="0" dirty="0" err="1">
+                <a:solidFill>
+                  <a:srgbClr val="212529"/>
                 </a:solidFill>
                 <a:effectLst/>
               </a:rPr>
-              <a:t> </a:t>
-            </a:r>
-            <a:r>
-              <a:rPr lang="pt-BR" sz="2400" b="0" i="0" u="none" strike="noStrike" dirty="0" err="1">
-                <a:solidFill>
-                  <a:srgbClr val="000000"/>
-                </a:solidFill>
-                <a:effectLst/>
-              </a:rPr>
-              <a:t>examples</a:t>
-            </a:r>
-            <a:r>
-              <a:rPr lang="pt-BR" sz="2400" b="0" i="0" u="none" strike="noStrike" dirty="0">
-                <a:solidFill>
-                  <a:srgbClr val="000000"/>
-                </a:solidFill>
-                <a:effectLst/>
-              </a:rPr>
-              <a:t>”, </a:t>
-            </a:r>
-            <a:r>
-              <a:rPr lang="pt-BR" sz="2400" b="0" i="0" u="none" strike="noStrike" dirty="0">
-                <a:solidFill>
-                  <a:srgbClr val="000000"/>
-                </a:solidFill>
-                <a:effectLst/>
-                <a:hlinkClick r:id="rId3"/>
-              </a:rPr>
-              <a:t>https://keras.io/examples/</a:t>
-            </a:r>
-            <a:endParaRPr lang="pt-BR" sz="2400" b="0" i="0" u="none" strike="noStrike" dirty="0">
+              <a:t>Distillation</a:t>
+            </a:r>
+            <a:endParaRPr lang="pt-BR" i="0" dirty="0">
               <a:solidFill>
-                <a:srgbClr val="000000"/>
+                <a:srgbClr val="212529"/>
               </a:solidFill>
               <a:effectLst/>
             </a:endParaRPr>
           </a:p>
           <a:p>
-            <a:pPr marL="0" indent="0">
-              <a:spcBef>
-                <a:spcPts val="0"/>
-              </a:spcBef>
-              <a:buNone/>
-            </a:pPr>
-            <a:r>
-              <a:rPr lang="pt-BR" sz="2400" dirty="0">
-                <a:solidFill>
-                  <a:srgbClr val="000000"/>
-                </a:solidFill>
-              </a:rPr>
-              <a:t>[2] “</a:t>
-            </a:r>
-            <a:r>
-              <a:rPr lang="pt-BR" sz="2400" dirty="0" err="1">
-                <a:solidFill>
-                  <a:srgbClr val="000000"/>
-                </a:solidFill>
-              </a:rPr>
-              <a:t>Pytorch</a:t>
-            </a:r>
-            <a:r>
-              <a:rPr lang="pt-BR" sz="2400" dirty="0">
-                <a:solidFill>
-                  <a:srgbClr val="000000"/>
-                </a:solidFill>
-              </a:rPr>
-              <a:t> </a:t>
-            </a:r>
-            <a:r>
-              <a:rPr lang="pt-BR" sz="2400" dirty="0" err="1">
-                <a:solidFill>
-                  <a:srgbClr val="000000"/>
-                </a:solidFill>
-              </a:rPr>
-              <a:t>code</a:t>
-            </a:r>
-            <a:r>
-              <a:rPr lang="pt-BR" sz="2400" dirty="0">
-                <a:solidFill>
-                  <a:srgbClr val="000000"/>
-                </a:solidFill>
-              </a:rPr>
-              <a:t> </a:t>
-            </a:r>
-            <a:r>
-              <a:rPr lang="pt-BR" sz="2400" dirty="0" err="1">
-                <a:solidFill>
-                  <a:srgbClr val="000000"/>
-                </a:solidFill>
-              </a:rPr>
-              <a:t>examples</a:t>
-            </a:r>
-            <a:r>
-              <a:rPr lang="pt-BR" sz="2400" dirty="0">
-                <a:solidFill>
-                  <a:srgbClr val="000000"/>
-                </a:solidFill>
-              </a:rPr>
-              <a:t>”, </a:t>
-            </a:r>
-            <a:r>
-              <a:rPr lang="pt-BR" sz="2400" dirty="0">
-                <a:solidFill>
-                  <a:srgbClr val="000000"/>
-                </a:solidFill>
-                <a:hlinkClick r:id="rId4"/>
-              </a:rPr>
-              <a:t>https://pytorch.org/examples/</a:t>
-            </a:r>
-            <a:endParaRPr lang="pt-BR" sz="2400" dirty="0">
+            <a:pPr lvl="2">
+              <a:buFont typeface="Wingdings" panose="05000000000000000000" pitchFamily="2" charset="2"/>
+              <a:buChar char="ü"/>
+            </a:pPr>
+            <a:r>
+              <a:rPr lang="pt-BR" i="0" dirty="0">
+                <a:solidFill>
+                  <a:srgbClr val="212529"/>
+                </a:solidFill>
+                <a:effectLst/>
+                <a:hlinkClick r:id="rId2"/>
+              </a:rPr>
+              <a:t>https://arxiv.org/abs/1503.02531</a:t>
+            </a:r>
+            <a:endParaRPr lang="pt-BR" dirty="0">
               <a:solidFill>
-                <a:srgbClr val="000000"/>
+                <a:srgbClr val="212529"/>
               </a:solidFill>
             </a:endParaRPr>
           </a:p>
           <a:p>
-            <a:pPr marL="0" indent="0">
-              <a:spcBef>
-                <a:spcPts val="0"/>
-              </a:spcBef>
-              <a:buNone/>
-            </a:pPr>
-            <a:r>
-              <a:rPr lang="pt-BR" sz="2400" b="0" i="0" u="none" strike="noStrike" dirty="0">
-                <a:solidFill>
-                  <a:srgbClr val="000000"/>
+            <a:pPr lvl="2">
+              <a:buFont typeface="Wingdings" panose="05000000000000000000" pitchFamily="2" charset="2"/>
+              <a:buChar char="ü"/>
+            </a:pPr>
+            <a:r>
+              <a:rPr lang="pt-BR" i="0" dirty="0">
+                <a:solidFill>
+                  <a:srgbClr val="212529"/>
                 </a:solidFill>
                 <a:effectLst/>
-              </a:rPr>
-              <a:t>[3] “Papers </a:t>
-            </a:r>
-            <a:r>
-              <a:rPr lang="pt-BR" sz="2400" b="0" i="0" u="none" strike="noStrike" dirty="0" err="1">
-                <a:solidFill>
-                  <a:srgbClr val="000000"/>
-                </a:solidFill>
-                <a:effectLst/>
-              </a:rPr>
-              <a:t>with</a:t>
-            </a:r>
-            <a:r>
-              <a:rPr lang="pt-BR" sz="2400" b="0" i="0" u="none" strike="noStrike" dirty="0">
-                <a:solidFill>
-                  <a:srgbClr val="000000"/>
-                </a:solidFill>
-                <a:effectLst/>
-              </a:rPr>
-              <a:t> </a:t>
-            </a:r>
-            <a:r>
-              <a:rPr lang="pt-BR" sz="2400" b="0" i="0" u="none" strike="noStrike" dirty="0" err="1">
-                <a:solidFill>
-                  <a:srgbClr val="000000"/>
-                </a:solidFill>
-                <a:effectLst/>
-              </a:rPr>
-              <a:t>code</a:t>
-            </a:r>
-            <a:r>
-              <a:rPr lang="pt-BR" sz="2400" b="0" i="0" u="none" strike="noStrike" dirty="0">
-                <a:solidFill>
-                  <a:srgbClr val="000000"/>
-                </a:solidFill>
-                <a:effectLst/>
-              </a:rPr>
-              <a:t>”</a:t>
-            </a:r>
-            <a:r>
-              <a:rPr lang="pt-BR" sz="2400" dirty="0">
-                <a:solidFill>
-                  <a:srgbClr val="000000"/>
-                </a:solidFill>
-              </a:rPr>
-              <a:t>, </a:t>
-            </a:r>
-            <a:r>
-              <a:rPr lang="pt-BR" sz="2400" dirty="0">
-                <a:solidFill>
-                  <a:srgbClr val="000000"/>
-                </a:solidFill>
-                <a:hlinkClick r:id="rId5"/>
-              </a:rPr>
-              <a:t>https://paperswithcode.com/</a:t>
-            </a:r>
-            <a:endParaRPr lang="pt-BR" sz="2400" b="0" i="0" u="none" strike="noStrike" dirty="0">
+                <a:hlinkClick r:id="rId3"/>
+              </a:rPr>
+              <a:t>https://keras.io/examples/vision/knowledge_distillation/</a:t>
+            </a:r>
+            <a:endParaRPr lang="pt-BR" i="0" dirty="0">
               <a:solidFill>
-                <a:srgbClr val="000000"/>
+                <a:srgbClr val="212529"/>
               </a:solidFill>
               <a:effectLst/>
             </a:endParaRPr>
           </a:p>
           <a:p>
-            <a:pPr marL="0" indent="0">
-              <a:spcBef>
-                <a:spcPts val="0"/>
-              </a:spcBef>
-              <a:buNone/>
-            </a:pPr>
-            <a:r>
-              <a:rPr lang="pt-BR" sz="2400" dirty="0">
-                <a:solidFill>
-                  <a:srgbClr val="000000"/>
-                </a:solidFill>
-              </a:rPr>
-              <a:t>[4] Sebastian </a:t>
-            </a:r>
-            <a:r>
-              <a:rPr lang="pt-BR" sz="2400" dirty="0" err="1">
-                <a:solidFill>
-                  <a:srgbClr val="000000"/>
-                </a:solidFill>
-              </a:rPr>
-              <a:t>Raschka</a:t>
-            </a:r>
-            <a:r>
-              <a:rPr lang="pt-BR" sz="2400" dirty="0">
-                <a:solidFill>
-                  <a:srgbClr val="000000"/>
-                </a:solidFill>
-              </a:rPr>
+            <a:pPr lvl="1">
+              <a:buFont typeface="Wingdings" panose="05000000000000000000" pitchFamily="2" charset="2"/>
+              <a:buChar char="§"/>
+            </a:pPr>
+            <a:r>
+              <a:rPr lang="pt-BR" dirty="0" err="1"/>
+              <a:t>Gradient</a:t>
+            </a:r>
+            <a:r>
+              <a:rPr lang="pt-BR" dirty="0"/>
               <a:t> </a:t>
             </a:r>
             <a:r>
-              <a:rPr lang="pt-BR" sz="2400" dirty="0" err="1">
-                <a:solidFill>
-                  <a:srgbClr val="000000"/>
-                </a:solidFill>
-              </a:rPr>
-              <a:t>and</a:t>
-            </a:r>
-            <a:r>
-              <a:rPr lang="pt-BR" sz="2400" dirty="0">
-                <a:solidFill>
-                  <a:srgbClr val="000000"/>
-                </a:solidFill>
-              </a:rPr>
-              <a:t> </a:t>
-            </a:r>
-            <a:r>
-              <a:rPr lang="pt-BR" sz="2400" dirty="0" err="1">
-                <a:solidFill>
-                  <a:srgbClr val="000000"/>
-                </a:solidFill>
-              </a:rPr>
-              <a:t>Vahid</a:t>
-            </a:r>
-            <a:r>
-              <a:rPr lang="pt-BR" sz="2400" dirty="0">
-                <a:solidFill>
-                  <a:srgbClr val="000000"/>
-                </a:solidFill>
-              </a:rPr>
-              <a:t> </a:t>
-            </a:r>
-            <a:r>
-              <a:rPr lang="pt-BR" sz="2400" dirty="0" err="1">
-                <a:solidFill>
-                  <a:srgbClr val="000000"/>
-                </a:solidFill>
-              </a:rPr>
-              <a:t>Mirjalili</a:t>
-            </a:r>
-            <a:r>
-              <a:rPr lang="pt-BR" sz="2400" dirty="0">
-                <a:solidFill>
-                  <a:srgbClr val="000000"/>
-                </a:solidFill>
-              </a:rPr>
-              <a:t>, “</a:t>
-            </a:r>
-            <a:r>
-              <a:rPr lang="en-US" sz="2400" dirty="0">
-                <a:solidFill>
-                  <a:srgbClr val="000000"/>
-                </a:solidFill>
-              </a:rPr>
-              <a:t>Python Machine Learning: Machine Learning and Deep Learning with Python, scikit-learn, and TensorFlow 2”, </a:t>
-            </a:r>
-            <a:r>
-              <a:rPr lang="pt-BR" sz="2400" dirty="0" err="1">
-                <a:solidFill>
-                  <a:srgbClr val="000000"/>
-                </a:solidFill>
-              </a:rPr>
-              <a:t>Packt</a:t>
-            </a:r>
-            <a:r>
-              <a:rPr lang="pt-BR" sz="2400" dirty="0">
-                <a:solidFill>
-                  <a:srgbClr val="000000"/>
-                </a:solidFill>
-              </a:rPr>
-              <a:t> </a:t>
-            </a:r>
-            <a:r>
-              <a:rPr lang="pt-BR" sz="2400" dirty="0" err="1">
-                <a:solidFill>
-                  <a:srgbClr val="000000"/>
-                </a:solidFill>
-              </a:rPr>
-              <a:t>Publishing</a:t>
-            </a:r>
-            <a:r>
-              <a:rPr lang="pt-BR" sz="2400" dirty="0">
-                <a:solidFill>
-                  <a:srgbClr val="000000"/>
-                </a:solidFill>
-              </a:rPr>
-              <a:t>, 2019.</a:t>
+              <a:rPr lang="pt-BR" dirty="0" err="1"/>
+              <a:t>Centralization</a:t>
+            </a:r>
+            <a:endParaRPr lang="pt-BR" dirty="0"/>
+          </a:p>
+          <a:p>
+            <a:pPr lvl="2">
+              <a:buFont typeface="Wingdings" panose="05000000000000000000" pitchFamily="2" charset="2"/>
+              <a:buChar char="ü"/>
+            </a:pPr>
+            <a:r>
+              <a:rPr lang="pt-BR" dirty="0">
+                <a:hlinkClick r:id="rId4"/>
+              </a:rPr>
+              <a:t>https://arxiv.org/abs/2004.01461</a:t>
+            </a:r>
+            <a:endParaRPr lang="pt-BR" dirty="0"/>
+          </a:p>
+          <a:p>
+            <a:pPr lvl="2">
+              <a:buFont typeface="Wingdings" panose="05000000000000000000" pitchFamily="2" charset="2"/>
+              <a:buChar char="ü"/>
+            </a:pPr>
+            <a:r>
+              <a:rPr lang="pt-BR" dirty="0">
+                <a:hlinkClick r:id="rId5"/>
+              </a:rPr>
+              <a:t>https://keras.io/examples/vision/gradient_centralization/</a:t>
             </a:r>
             <a:br>
-              <a:rPr lang="en-US" sz="2400" dirty="0">
-                <a:solidFill>
-                  <a:srgbClr val="000000"/>
-                </a:solidFill>
-              </a:rPr>
+              <a:rPr lang="pt-BR" dirty="0"/>
             </a:br>
-            <a:r>
-              <a:rPr lang="en-US" sz="2400" dirty="0">
-                <a:solidFill>
-                  <a:srgbClr val="000000"/>
-                </a:solidFill>
-              </a:rPr>
-              <a:t>[5] </a:t>
-            </a:r>
-            <a:r>
-              <a:rPr lang="pt-BR" sz="2400" dirty="0">
-                <a:solidFill>
-                  <a:srgbClr val="000000"/>
-                </a:solidFill>
-              </a:rPr>
-              <a:t>Ivan </a:t>
-            </a:r>
-            <a:r>
-              <a:rPr lang="pt-BR" sz="2400" dirty="0" err="1">
-                <a:solidFill>
-                  <a:srgbClr val="000000"/>
-                </a:solidFill>
-              </a:rPr>
-              <a:t>Vasilev</a:t>
-            </a:r>
-            <a:r>
-              <a:rPr lang="pt-BR" sz="2400" dirty="0">
-                <a:solidFill>
-                  <a:srgbClr val="000000"/>
-                </a:solidFill>
-              </a:rPr>
-              <a:t>, </a:t>
-            </a:r>
-            <a:r>
-              <a:rPr lang="en-US" sz="2400" dirty="0">
-                <a:solidFill>
-                  <a:srgbClr val="000000"/>
-                </a:solidFill>
-              </a:rPr>
-              <a:t>“Advanced Deep Learning with Python: Design and implement advanced next-generation AI solutions using TensorFlow and </a:t>
-            </a:r>
-            <a:r>
-              <a:rPr lang="en-US" sz="2400" dirty="0" err="1">
-                <a:solidFill>
-                  <a:srgbClr val="000000"/>
-                </a:solidFill>
-              </a:rPr>
-              <a:t>PyTorch</a:t>
-            </a:r>
-            <a:r>
-              <a:rPr lang="en-US" sz="2400" dirty="0">
-                <a:solidFill>
-                  <a:srgbClr val="000000"/>
-                </a:solidFill>
-              </a:rPr>
-              <a:t>”, </a:t>
-            </a:r>
-            <a:r>
-              <a:rPr lang="pt-BR" sz="2400" dirty="0" err="1">
-                <a:solidFill>
-                  <a:srgbClr val="000000"/>
-                </a:solidFill>
-              </a:rPr>
-              <a:t>Packt</a:t>
-            </a:r>
-            <a:r>
-              <a:rPr lang="pt-BR" sz="2400" dirty="0">
-                <a:solidFill>
-                  <a:srgbClr val="000000"/>
-                </a:solidFill>
-              </a:rPr>
-              <a:t> </a:t>
-            </a:r>
-            <a:r>
-              <a:rPr lang="pt-BR" sz="2400" dirty="0" err="1">
-                <a:solidFill>
-                  <a:srgbClr val="000000"/>
-                </a:solidFill>
-              </a:rPr>
-              <a:t>Publishing</a:t>
-            </a:r>
-            <a:r>
-              <a:rPr lang="pt-BR" sz="2400" dirty="0">
-                <a:solidFill>
-                  <a:srgbClr val="000000"/>
-                </a:solidFill>
-              </a:rPr>
-              <a:t>, 2019.</a:t>
-            </a:r>
-          </a:p>
-          <a:p>
-            <a:pPr marL="0" indent="0">
-              <a:spcBef>
-                <a:spcPts val="0"/>
-              </a:spcBef>
-              <a:buNone/>
-            </a:pPr>
-            <a:r>
-              <a:rPr lang="pt-BR" sz="2400" dirty="0">
-                <a:solidFill>
-                  <a:srgbClr val="000000"/>
-                </a:solidFill>
-              </a:rPr>
-              <a:t>[6] </a:t>
-            </a:r>
-            <a:r>
-              <a:rPr lang="pt-BR" sz="2400" dirty="0" err="1">
-                <a:solidFill>
-                  <a:srgbClr val="000000"/>
-                </a:solidFill>
-              </a:rPr>
-              <a:t>Aurélien</a:t>
-            </a:r>
-            <a:r>
-              <a:rPr lang="pt-BR" sz="2400" dirty="0">
-                <a:solidFill>
-                  <a:srgbClr val="000000"/>
-                </a:solidFill>
-              </a:rPr>
-              <a:t> </a:t>
-            </a:r>
-            <a:r>
-              <a:rPr lang="pt-BR" sz="2400" dirty="0" err="1">
-                <a:solidFill>
-                  <a:srgbClr val="000000"/>
-                </a:solidFill>
-              </a:rPr>
-              <a:t>Géron</a:t>
-            </a:r>
-            <a:r>
-              <a:rPr lang="pt-BR" sz="2400" dirty="0">
-                <a:solidFill>
-                  <a:srgbClr val="000000"/>
-                </a:solidFill>
-              </a:rPr>
-              <a:t>, "Hands-On Machine Learning </a:t>
-            </a:r>
-            <a:r>
-              <a:rPr lang="pt-BR" sz="2400" dirty="0" err="1">
-                <a:solidFill>
-                  <a:srgbClr val="000000"/>
-                </a:solidFill>
-              </a:rPr>
-              <a:t>with</a:t>
-            </a:r>
-            <a:r>
-              <a:rPr lang="pt-BR" sz="2400" dirty="0">
-                <a:solidFill>
-                  <a:srgbClr val="000000"/>
-                </a:solidFill>
-              </a:rPr>
-              <a:t> </a:t>
-            </a:r>
-            <a:r>
-              <a:rPr lang="pt-BR" sz="2400" dirty="0" err="1">
-                <a:solidFill>
-                  <a:srgbClr val="000000"/>
-                </a:solidFill>
-              </a:rPr>
-              <a:t>Scikit-Learn</a:t>
-            </a:r>
-            <a:r>
-              <a:rPr lang="pt-BR" sz="2400" dirty="0">
-                <a:solidFill>
-                  <a:srgbClr val="000000"/>
-                </a:solidFill>
-              </a:rPr>
-              <a:t> </a:t>
-            </a:r>
-            <a:r>
-              <a:rPr lang="pt-BR" sz="2400" dirty="0" err="1">
-                <a:solidFill>
-                  <a:srgbClr val="000000"/>
-                </a:solidFill>
-              </a:rPr>
-              <a:t>and</a:t>
-            </a:r>
-            <a:r>
-              <a:rPr lang="pt-BR" sz="2400" dirty="0">
-                <a:solidFill>
-                  <a:srgbClr val="000000"/>
-                </a:solidFill>
-              </a:rPr>
-              <a:t> TensorFlow: </a:t>
-            </a:r>
-            <a:r>
-              <a:rPr lang="pt-BR" sz="2400" dirty="0" err="1">
-                <a:solidFill>
-                  <a:srgbClr val="000000"/>
-                </a:solidFill>
-              </a:rPr>
-              <a:t>Concepts</a:t>
-            </a:r>
-            <a:r>
-              <a:rPr lang="pt-BR" sz="2400" dirty="0">
-                <a:solidFill>
-                  <a:srgbClr val="000000"/>
-                </a:solidFill>
-              </a:rPr>
-              <a:t>, Tools, </a:t>
-            </a:r>
-            <a:r>
-              <a:rPr lang="pt-BR" sz="2400" dirty="0" err="1">
-                <a:solidFill>
-                  <a:srgbClr val="000000"/>
-                </a:solidFill>
-              </a:rPr>
-              <a:t>and</a:t>
-            </a:r>
-            <a:r>
-              <a:rPr lang="pt-BR" sz="2400" dirty="0">
-                <a:solidFill>
-                  <a:srgbClr val="000000"/>
-                </a:solidFill>
-              </a:rPr>
-              <a:t> </a:t>
-            </a:r>
-            <a:r>
-              <a:rPr lang="pt-BR" sz="2400" dirty="0" err="1">
-                <a:solidFill>
-                  <a:srgbClr val="000000"/>
-                </a:solidFill>
-              </a:rPr>
-              <a:t>Techniques</a:t>
-            </a:r>
-            <a:r>
-              <a:rPr lang="pt-BR" sz="2400" dirty="0">
-                <a:solidFill>
-                  <a:srgbClr val="000000"/>
-                </a:solidFill>
-              </a:rPr>
-              <a:t> </a:t>
-            </a:r>
-            <a:r>
-              <a:rPr lang="pt-BR" sz="2400" dirty="0" err="1">
-                <a:solidFill>
-                  <a:srgbClr val="000000"/>
-                </a:solidFill>
-              </a:rPr>
-              <a:t>to</a:t>
-            </a:r>
-            <a:r>
-              <a:rPr lang="pt-BR" sz="2400" dirty="0">
-                <a:solidFill>
-                  <a:srgbClr val="000000"/>
-                </a:solidFill>
-              </a:rPr>
-              <a:t> Build </a:t>
-            </a:r>
-            <a:r>
-              <a:rPr lang="pt-BR" sz="2400" dirty="0" err="1">
-                <a:solidFill>
-                  <a:srgbClr val="000000"/>
-                </a:solidFill>
-              </a:rPr>
-              <a:t>Intelligent</a:t>
-            </a:r>
-            <a:r>
-              <a:rPr lang="pt-BR" sz="2400" dirty="0">
-                <a:solidFill>
-                  <a:srgbClr val="000000"/>
-                </a:solidFill>
-              </a:rPr>
-              <a:t> Systems", 3rd ed., O'Reilly Media, 2022.</a:t>
-            </a:r>
-          </a:p>
-          <a:p>
-            <a:pPr marL="0" indent="0">
-              <a:spcBef>
-                <a:spcPts val="0"/>
-              </a:spcBef>
-              <a:buNone/>
-            </a:pPr>
-            <a:r>
-              <a:rPr lang="en-US" sz="2400" dirty="0">
-                <a:solidFill>
-                  <a:srgbClr val="000000"/>
-                </a:solidFill>
-              </a:rPr>
-              <a:t>[7] </a:t>
-            </a:r>
-            <a:r>
-              <a:rPr lang="en-US" sz="2400" dirty="0" err="1">
-                <a:solidFill>
-                  <a:srgbClr val="000000"/>
-                </a:solidFill>
-              </a:rPr>
-              <a:t>Raschka</a:t>
-            </a:r>
-            <a:r>
-              <a:rPr lang="en-US" sz="2400" dirty="0">
-                <a:solidFill>
-                  <a:srgbClr val="000000"/>
-                </a:solidFill>
-              </a:rPr>
-              <a:t>, Sebastian, et al., “Machine Learning with </a:t>
-            </a:r>
-            <a:r>
-              <a:rPr lang="en-US" sz="2400" dirty="0" err="1">
-                <a:solidFill>
-                  <a:srgbClr val="000000"/>
-                </a:solidFill>
-              </a:rPr>
-              <a:t>PyTorch</a:t>
-            </a:r>
-            <a:r>
-              <a:rPr lang="en-US" sz="2400" dirty="0">
-                <a:solidFill>
-                  <a:srgbClr val="000000"/>
-                </a:solidFill>
-              </a:rPr>
-              <a:t> and Scikit-Learn: Develop machine learning and deep learning models with Python”, </a:t>
-            </a:r>
-            <a:r>
-              <a:rPr lang="en-US" sz="2400" dirty="0" err="1">
-                <a:solidFill>
-                  <a:srgbClr val="000000"/>
-                </a:solidFill>
-              </a:rPr>
-              <a:t>Packt</a:t>
-            </a:r>
-            <a:r>
-              <a:rPr lang="en-US" sz="2400" dirty="0">
-                <a:solidFill>
-                  <a:srgbClr val="000000"/>
-                </a:solidFill>
-              </a:rPr>
-              <a:t> Publishing Ltd, 2022.</a:t>
-            </a:r>
-            <a:endParaRPr lang="pt-BR" sz="2400" dirty="0">
-              <a:solidFill>
-                <a:srgbClr val="000000"/>
-              </a:solidFill>
-            </a:endParaRPr>
-          </a:p>
-          <a:p>
-            <a:pPr marL="0" indent="0">
-              <a:spcBef>
-                <a:spcPts val="0"/>
-              </a:spcBef>
-              <a:buNone/>
-            </a:pPr>
-            <a:r>
-              <a:rPr lang="pt-BR" sz="2400" dirty="0">
-                <a:solidFill>
-                  <a:srgbClr val="000000"/>
-                </a:solidFill>
-              </a:rPr>
-              <a:t>[8] C. M. Bishop, "</a:t>
-            </a:r>
-            <a:r>
-              <a:rPr lang="pt-BR" sz="2400" dirty="0" err="1">
-                <a:solidFill>
-                  <a:srgbClr val="000000"/>
-                </a:solidFill>
-              </a:rPr>
-              <a:t>Pattern</a:t>
-            </a:r>
-            <a:r>
-              <a:rPr lang="pt-BR" sz="2400" dirty="0">
-                <a:solidFill>
-                  <a:srgbClr val="000000"/>
-                </a:solidFill>
-              </a:rPr>
-              <a:t> </a:t>
-            </a:r>
-            <a:r>
-              <a:rPr lang="pt-BR" sz="2400" dirty="0" err="1">
-                <a:solidFill>
-                  <a:srgbClr val="000000"/>
-                </a:solidFill>
-              </a:rPr>
-              <a:t>Recognition</a:t>
-            </a:r>
-            <a:r>
-              <a:rPr lang="pt-BR" sz="2400" dirty="0">
-                <a:solidFill>
-                  <a:srgbClr val="000000"/>
-                </a:solidFill>
-              </a:rPr>
-              <a:t> </a:t>
-            </a:r>
-            <a:r>
-              <a:rPr lang="pt-BR" sz="2400" dirty="0" err="1">
-                <a:solidFill>
-                  <a:srgbClr val="000000"/>
-                </a:solidFill>
-              </a:rPr>
-              <a:t>and</a:t>
-            </a:r>
-            <a:r>
-              <a:rPr lang="pt-BR" sz="2400" dirty="0">
-                <a:solidFill>
-                  <a:srgbClr val="000000"/>
-                </a:solidFill>
-              </a:rPr>
-              <a:t> Machine Learning", Springer, 2006.</a:t>
-            </a:r>
-          </a:p>
-          <a:p>
-            <a:pPr marL="0" indent="0">
-              <a:spcBef>
-                <a:spcPts val="0"/>
-              </a:spcBef>
-              <a:buNone/>
-            </a:pPr>
-            <a:r>
-              <a:rPr lang="pt-BR" sz="2400">
-                <a:solidFill>
-                  <a:srgbClr val="000000"/>
-                </a:solidFill>
-              </a:rPr>
-              <a:t>[9] </a:t>
-            </a:r>
-            <a:r>
-              <a:rPr lang="pt-BR" sz="2400" dirty="0">
-                <a:solidFill>
-                  <a:srgbClr val="000000"/>
-                </a:solidFill>
-              </a:rPr>
-              <a:t>“Livros”, </a:t>
-            </a:r>
-            <a:r>
-              <a:rPr lang="pt-BR" sz="2400" dirty="0">
-                <a:solidFill>
-                  <a:srgbClr val="000000"/>
-                </a:solidFill>
-                <a:hlinkClick r:id="rId6"/>
-              </a:rPr>
-              <a:t>http://tinyurl.com/tp558-books</a:t>
-            </a:r>
-            <a:endParaRPr lang="pt-BR" sz="2400" dirty="0">
-              <a:solidFill>
-                <a:srgbClr val="000000"/>
-              </a:solidFill>
-            </a:endParaRPr>
+            <a:endParaRPr lang="pt-BR" dirty="0"/>
+          </a:p>
+          <a:p>
+            <a:endParaRPr lang="pt-BR" dirty="0"/>
           </a:p>
         </p:txBody>
       </p:sp>
     </p:spTree>
     <p:extLst>
       <p:ext uri="{BB962C8B-B14F-4D97-AF65-F5344CB8AC3E}">
-        <p14:creationId xmlns:p14="http://schemas.microsoft.com/office/powerpoint/2010/main" val="2247946137"/>
+        <p14:creationId xmlns:p14="http://schemas.microsoft.com/office/powerpoint/2010/main" val="3709901621"/>
       </p:ext>
     </p:extLst>
   </p:cSld>
@@ -8090,7 +7382,13 @@
       </p:grpSpPr>
       <p:sp>
         <p:nvSpPr>
-          <p:cNvPr id="2" name="Title 1"/>
+          <p:cNvPr id="2" name="Título 1">
+            <a:extLst>
+              <a:ext uri="{FF2B5EF4-FFF2-40B4-BE49-F238E27FC236}">
+                <a16:creationId xmlns:a16="http://schemas.microsoft.com/office/drawing/2014/main" id="{A2A4684C-1159-4F88-A2B1-6BABEDE38C4D}"/>
+              </a:ext>
+            </a:extLst>
+          </p:cNvPr>
           <p:cNvSpPr>
             <a:spLocks noGrp="1"/>
           </p:cNvSpPr>
@@ -8104,16 +7402,21 @@
           <a:lstStyle/>
           <a:p>
             <a:r>
-              <a:rPr lang="en-US" dirty="0" err="1"/>
-              <a:t>Avisos</a:t>
-            </a:r>
-            <a:endParaRPr lang="nl-BE" dirty="0"/>
-          </a:p>
-        </p:txBody>
-      </p:sp>
-      <p:sp>
-        <p:nvSpPr>
-          <p:cNvPr id="3" name="Content Placeholder 2"/>
+              <a:rPr lang="pt-BR" dirty="0"/>
+              <a:t>Referências</a:t>
+            </a:r>
+          </a:p>
+        </p:txBody>
+      </p:sp>
+      <p:sp>
+        <p:nvSpPr>
+          <p:cNvPr id="3" name="Espaço Reservado para Conteúdo 2">
+            <a:extLst>
+              <a:ext uri="{FF2B5EF4-FFF2-40B4-BE49-F238E27FC236}">
+                <a16:creationId xmlns:a16="http://schemas.microsoft.com/office/drawing/2014/main" id="{EC432B31-D382-41FF-BB6B-2ABDD322424B}"/>
+              </a:ext>
+            </a:extLst>
+          </p:cNvPr>
           <p:cNvSpPr>
             <a:spLocks noGrp="1"/>
           </p:cNvSpPr>
@@ -8123,139 +7426,822 @@
         </p:nvSpPr>
         <p:spPr>
           <a:xfrm>
-            <a:off x="838199" y="1825624"/>
-            <a:ext cx="11104419" cy="5032376"/>
+            <a:off x="838199" y="1648915"/>
+            <a:ext cx="11157155" cy="5209085"/>
           </a:xfrm>
         </p:spPr>
         <p:txBody>
           <a:bodyPr>
-            <a:normAutofit/>
+            <a:noAutofit/>
           </a:bodyPr>
           <a:lstStyle/>
           <a:p>
-            <a:r>
-              <a:rPr lang="pt-BR" dirty="0"/>
-              <a:t>Todo material do curso está disponível no GitHub:</a:t>
-            </a:r>
-          </a:p>
-          <a:p>
-            <a:pPr lvl="1">
-              <a:buFont typeface="Wingdings" panose="05000000000000000000" pitchFamily="2" charset="2"/>
-              <a:buChar char="§"/>
-            </a:pPr>
-            <a:r>
-              <a:rPr lang="pt-BR" dirty="0">
-                <a:hlinkClick r:id="rId2"/>
-              </a:rPr>
-              <a:t>https://github.com/zz4fap/tp558-adv-ml</a:t>
-            </a:r>
-            <a:endParaRPr lang="pt-BR" dirty="0"/>
-          </a:p>
-          <a:p>
-            <a:r>
-              <a:rPr lang="pt-BR" dirty="0"/>
-              <a:t>Como usar o Google </a:t>
-            </a:r>
-            <a:r>
-              <a:rPr lang="pt-BR" dirty="0" err="1"/>
-              <a:t>Colab</a:t>
-            </a:r>
-            <a:endParaRPr lang="pt-BR" dirty="0"/>
-          </a:p>
-          <a:p>
-            <a:pPr lvl="1">
-              <a:buFont typeface="Wingdings" panose="05000000000000000000" pitchFamily="2" charset="2"/>
-              <a:buChar char="§"/>
-            </a:pPr>
-            <a:r>
-              <a:rPr lang="pt-BR" dirty="0">
+            <a:pPr marL="0" indent="0">
+              <a:spcBef>
+                <a:spcPts val="0"/>
+              </a:spcBef>
+              <a:buNone/>
+            </a:pPr>
+            <a:r>
+              <a:rPr lang="pt-BR" sz="2400" b="0" i="0" u="none" strike="noStrike" dirty="0">
+                <a:solidFill>
+                  <a:srgbClr val="000000"/>
+                </a:solidFill>
+                <a:effectLst/>
+              </a:rPr>
+              <a:t>[1] </a:t>
+            </a:r>
+            <a:r>
+              <a:rPr lang="pt-BR" sz="2400" dirty="0">
+                <a:solidFill>
+                  <a:srgbClr val="000000"/>
+                </a:solidFill>
+              </a:rPr>
+              <a:t>“Tensorflow </a:t>
+            </a:r>
+            <a:r>
+              <a:rPr lang="pt-BR" sz="2400" dirty="0" err="1">
+                <a:solidFill>
+                  <a:srgbClr val="000000"/>
+                </a:solidFill>
+              </a:rPr>
+              <a:t>c</a:t>
+            </a:r>
+            <a:r>
+              <a:rPr lang="pt-BR" sz="2400" b="0" i="0" u="none" strike="noStrike" dirty="0" err="1">
+                <a:solidFill>
+                  <a:srgbClr val="000000"/>
+                </a:solidFill>
+                <a:effectLst/>
+              </a:rPr>
+              <a:t>ode</a:t>
+            </a:r>
+            <a:r>
+              <a:rPr lang="pt-BR" sz="2400" b="0" i="0" u="none" strike="noStrike" dirty="0">
+                <a:solidFill>
+                  <a:srgbClr val="000000"/>
+                </a:solidFill>
+                <a:effectLst/>
+              </a:rPr>
+              <a:t> </a:t>
+            </a:r>
+            <a:r>
+              <a:rPr lang="pt-BR" sz="2400" b="0" i="0" u="none" strike="noStrike" dirty="0" err="1">
+                <a:solidFill>
+                  <a:srgbClr val="000000"/>
+                </a:solidFill>
+                <a:effectLst/>
+              </a:rPr>
+              <a:t>examples</a:t>
+            </a:r>
+            <a:r>
+              <a:rPr lang="pt-BR" sz="2400" b="0" i="0" u="none" strike="noStrike" dirty="0">
+                <a:solidFill>
+                  <a:srgbClr val="000000"/>
+                </a:solidFill>
+                <a:effectLst/>
+              </a:rPr>
+              <a:t>”, </a:t>
+            </a:r>
+            <a:r>
+              <a:rPr lang="pt-BR" sz="2400" b="0" i="0" u="none" strike="noStrike" dirty="0">
+                <a:solidFill>
+                  <a:srgbClr val="000000"/>
+                </a:solidFill>
+                <a:effectLst/>
                 <a:hlinkClick r:id="rId3"/>
               </a:rPr>
-              <a:t>https://www.youtube.com/watch?v=inN8seMm7UI&amp;ab_channel=TensorFlow</a:t>
-            </a:r>
-          </a:p>
-          <a:p>
-            <a:pPr lvl="1">
-              <a:buFont typeface="Wingdings" panose="05000000000000000000" pitchFamily="2" charset="2"/>
-              <a:buChar char="§"/>
-            </a:pPr>
-            <a:r>
-              <a:rPr lang="pt-BR" b="0" i="0" dirty="0">
-                <a:solidFill>
-                  <a:srgbClr val="222222"/>
-                </a:solidFill>
-                <a:effectLst/>
-                <a:latin typeface="Arial" panose="020B0604020202020204" pitchFamily="34" charset="0"/>
-                <a:hlinkClick r:id="rId4"/>
-              </a:rPr>
-              <a:t>https://www.youtube.com/watch?v=inN8seMm7UI</a:t>
-            </a:r>
-            <a:endParaRPr lang="pt-BR" b="0" i="0" dirty="0">
+              <a:t>https://keras.io/examples/</a:t>
+            </a:r>
+            <a:endParaRPr lang="pt-BR" sz="2400" b="0" i="0" u="none" strike="noStrike" dirty="0">
               <a:solidFill>
-                <a:srgbClr val="222222"/>
+                <a:srgbClr val="000000"/>
               </a:solidFill>
               <a:effectLst/>
-              <a:latin typeface="Arial" panose="020B0604020202020204" pitchFamily="34" charset="0"/>
             </a:endParaRPr>
           </a:p>
           <a:p>
-            <a:r>
-              <a:rPr lang="pt-BR" dirty="0"/>
-              <a:t>Python Crash </a:t>
-            </a:r>
-            <a:r>
-              <a:rPr lang="pt-BR" dirty="0" err="1"/>
-              <a:t>Course</a:t>
-            </a:r>
-            <a:endParaRPr lang="pt-BR" dirty="0">
-              <a:hlinkClick r:id="rId3"/>
+            <a:pPr marL="0" indent="0">
+              <a:spcBef>
+                <a:spcPts val="0"/>
+              </a:spcBef>
+              <a:buNone/>
+            </a:pPr>
+            <a:r>
+              <a:rPr lang="pt-BR" sz="2400" dirty="0">
+                <a:solidFill>
+                  <a:srgbClr val="000000"/>
+                </a:solidFill>
+              </a:rPr>
+              <a:t>[2] “</a:t>
+            </a:r>
+            <a:r>
+              <a:rPr lang="pt-BR" sz="2400" dirty="0" err="1">
+                <a:solidFill>
+                  <a:srgbClr val="000000"/>
+                </a:solidFill>
+              </a:rPr>
+              <a:t>Pytorch</a:t>
+            </a:r>
+            <a:r>
+              <a:rPr lang="pt-BR" sz="2400" dirty="0">
+                <a:solidFill>
+                  <a:srgbClr val="000000"/>
+                </a:solidFill>
+              </a:rPr>
+              <a:t> </a:t>
+            </a:r>
+            <a:r>
+              <a:rPr lang="pt-BR" sz="2400" dirty="0" err="1">
+                <a:solidFill>
+                  <a:srgbClr val="000000"/>
+                </a:solidFill>
+              </a:rPr>
+              <a:t>code</a:t>
+            </a:r>
+            <a:r>
+              <a:rPr lang="pt-BR" sz="2400" dirty="0">
+                <a:solidFill>
+                  <a:srgbClr val="000000"/>
+                </a:solidFill>
+              </a:rPr>
+              <a:t> </a:t>
+            </a:r>
+            <a:r>
+              <a:rPr lang="pt-BR" sz="2400" dirty="0" err="1">
+                <a:solidFill>
+                  <a:srgbClr val="000000"/>
+                </a:solidFill>
+              </a:rPr>
+              <a:t>examples</a:t>
+            </a:r>
+            <a:r>
+              <a:rPr lang="pt-BR" sz="2400" dirty="0">
+                <a:solidFill>
+                  <a:srgbClr val="000000"/>
+                </a:solidFill>
+              </a:rPr>
+              <a:t>”, </a:t>
+            </a:r>
+            <a:r>
+              <a:rPr lang="pt-BR" sz="2400" dirty="0">
+                <a:solidFill>
+                  <a:srgbClr val="000000"/>
+                </a:solidFill>
+                <a:hlinkClick r:id="rId4"/>
+              </a:rPr>
+              <a:t>https://pytorch.org/examples/</a:t>
+            </a:r>
+            <a:endParaRPr lang="pt-BR" sz="2400" dirty="0">
+              <a:solidFill>
+                <a:srgbClr val="000000"/>
+              </a:solidFill>
             </a:endParaRPr>
           </a:p>
           <a:p>
-            <a:pPr lvl="1">
-              <a:buFont typeface="Wingdings" panose="05000000000000000000" pitchFamily="2" charset="2"/>
-              <a:buChar char="§"/>
-            </a:pPr>
-            <a:r>
-              <a:rPr lang="pt-BR" dirty="0">
-                <a:hlinkClick r:id="rId3"/>
-              </a:rPr>
-              <a:t>https://www.youtube.com/watch?v=pq4NNIYar9o&amp;list=PLRc6ZYt68prVXAhwY1JD6DFc3BJGmJriq&amp;pp=gAQBiAQB</a:t>
-            </a:r>
-            <a:endParaRPr lang="pt-BR" dirty="0"/>
-          </a:p>
-          <a:p>
-            <a:r>
-              <a:rPr lang="pt-BR" dirty="0"/>
-              <a:t>Horário de Atendimento</a:t>
-            </a:r>
-          </a:p>
-          <a:p>
-            <a:pPr lvl="1">
-              <a:buFont typeface="Wingdings" panose="05000000000000000000" pitchFamily="2" charset="2"/>
-              <a:buChar char="§"/>
-            </a:pPr>
-            <a:r>
-              <a:rPr lang="pt-BR" dirty="0"/>
-              <a:t>Todas as quartas-feiras das 17:30 às 18:30.</a:t>
-            </a:r>
-          </a:p>
-          <a:p>
-            <a:pPr lvl="1">
-              <a:buFont typeface="Wingdings" panose="05000000000000000000" pitchFamily="2" charset="2"/>
-              <a:buChar char="§"/>
-            </a:pPr>
-            <a:r>
-              <a:rPr lang="pt-BR" dirty="0"/>
-              <a:t>Presencialmente ou remotamente.</a:t>
-            </a:r>
+            <a:pPr marL="0" indent="0">
+              <a:spcBef>
+                <a:spcPts val="0"/>
+              </a:spcBef>
+              <a:buNone/>
+            </a:pPr>
+            <a:r>
+              <a:rPr lang="pt-BR" sz="2400" b="0" i="0" u="none" strike="noStrike" dirty="0">
+                <a:solidFill>
+                  <a:srgbClr val="000000"/>
+                </a:solidFill>
+                <a:effectLst/>
+              </a:rPr>
+              <a:t>[3] “Papers </a:t>
+            </a:r>
+            <a:r>
+              <a:rPr lang="pt-BR" sz="2400" b="0" i="0" u="none" strike="noStrike" dirty="0" err="1">
+                <a:solidFill>
+                  <a:srgbClr val="000000"/>
+                </a:solidFill>
+                <a:effectLst/>
+              </a:rPr>
+              <a:t>with</a:t>
+            </a:r>
+            <a:r>
+              <a:rPr lang="pt-BR" sz="2400" b="0" i="0" u="none" strike="noStrike" dirty="0">
+                <a:solidFill>
+                  <a:srgbClr val="000000"/>
+                </a:solidFill>
+                <a:effectLst/>
+              </a:rPr>
+              <a:t> </a:t>
+            </a:r>
+            <a:r>
+              <a:rPr lang="pt-BR" sz="2400" b="0" i="0" u="none" strike="noStrike" dirty="0" err="1">
+                <a:solidFill>
+                  <a:srgbClr val="000000"/>
+                </a:solidFill>
+                <a:effectLst/>
+              </a:rPr>
+              <a:t>code</a:t>
+            </a:r>
+            <a:r>
+              <a:rPr lang="pt-BR" sz="2400" b="0" i="0" u="none" strike="noStrike" dirty="0">
+                <a:solidFill>
+                  <a:srgbClr val="000000"/>
+                </a:solidFill>
+                <a:effectLst/>
+              </a:rPr>
+              <a:t>”</a:t>
+            </a:r>
+            <a:r>
+              <a:rPr lang="pt-BR" sz="2400" dirty="0">
+                <a:solidFill>
+                  <a:srgbClr val="000000"/>
+                </a:solidFill>
+              </a:rPr>
+              <a:t>, </a:t>
+            </a:r>
+            <a:r>
+              <a:rPr lang="pt-BR" sz="2400" dirty="0">
+                <a:solidFill>
+                  <a:srgbClr val="000000"/>
+                </a:solidFill>
+                <a:hlinkClick r:id="rId5"/>
+              </a:rPr>
+              <a:t>https://paperswithcode.com/</a:t>
+            </a:r>
+            <a:endParaRPr lang="pt-BR" sz="2400" b="0" i="0" u="none" strike="noStrike" dirty="0">
+              <a:solidFill>
+                <a:srgbClr val="000000"/>
+              </a:solidFill>
+              <a:effectLst/>
+            </a:endParaRPr>
+          </a:p>
+          <a:p>
+            <a:pPr marL="0" indent="0">
+              <a:spcBef>
+                <a:spcPts val="0"/>
+              </a:spcBef>
+              <a:buNone/>
+            </a:pPr>
+            <a:r>
+              <a:rPr lang="pt-BR" sz="2400" dirty="0">
+                <a:solidFill>
+                  <a:srgbClr val="000000"/>
+                </a:solidFill>
+              </a:rPr>
+              <a:t>[4] Sebastian </a:t>
+            </a:r>
+            <a:r>
+              <a:rPr lang="pt-BR" sz="2400" dirty="0" err="1">
+                <a:solidFill>
+                  <a:srgbClr val="000000"/>
+                </a:solidFill>
+              </a:rPr>
+              <a:t>Raschka</a:t>
+            </a:r>
+            <a:r>
+              <a:rPr lang="pt-BR" sz="2400" dirty="0">
+                <a:solidFill>
+                  <a:srgbClr val="000000"/>
+                </a:solidFill>
+              </a:rPr>
+              <a:t> </a:t>
+            </a:r>
+            <a:r>
+              <a:rPr lang="pt-BR" sz="2400" dirty="0" err="1">
+                <a:solidFill>
+                  <a:srgbClr val="000000"/>
+                </a:solidFill>
+              </a:rPr>
+              <a:t>and</a:t>
+            </a:r>
+            <a:r>
+              <a:rPr lang="pt-BR" sz="2400" dirty="0">
+                <a:solidFill>
+                  <a:srgbClr val="000000"/>
+                </a:solidFill>
+              </a:rPr>
+              <a:t> </a:t>
+            </a:r>
+            <a:r>
+              <a:rPr lang="pt-BR" sz="2400" dirty="0" err="1">
+                <a:solidFill>
+                  <a:srgbClr val="000000"/>
+                </a:solidFill>
+              </a:rPr>
+              <a:t>Vahid</a:t>
+            </a:r>
+            <a:r>
+              <a:rPr lang="pt-BR" sz="2400" dirty="0">
+                <a:solidFill>
+                  <a:srgbClr val="000000"/>
+                </a:solidFill>
+              </a:rPr>
+              <a:t> </a:t>
+            </a:r>
+            <a:r>
+              <a:rPr lang="pt-BR" sz="2400" dirty="0" err="1">
+                <a:solidFill>
+                  <a:srgbClr val="000000"/>
+                </a:solidFill>
+              </a:rPr>
+              <a:t>Mirjalili</a:t>
+            </a:r>
+            <a:r>
+              <a:rPr lang="pt-BR" sz="2400" dirty="0">
+                <a:solidFill>
+                  <a:srgbClr val="000000"/>
+                </a:solidFill>
+              </a:rPr>
+              <a:t>, “</a:t>
+            </a:r>
+            <a:r>
+              <a:rPr lang="en-US" sz="2400" dirty="0">
+                <a:solidFill>
+                  <a:srgbClr val="000000"/>
+                </a:solidFill>
+              </a:rPr>
+              <a:t>Python Machine Learning: Machine Learning and Deep Learning with Python, scikit-learn, and TensorFlow 2”, </a:t>
+            </a:r>
+            <a:r>
+              <a:rPr lang="pt-BR" sz="2400" dirty="0" err="1">
+                <a:solidFill>
+                  <a:srgbClr val="000000"/>
+                </a:solidFill>
+              </a:rPr>
+              <a:t>Packt</a:t>
+            </a:r>
+            <a:r>
+              <a:rPr lang="pt-BR" sz="2400" dirty="0">
+                <a:solidFill>
+                  <a:srgbClr val="000000"/>
+                </a:solidFill>
+              </a:rPr>
+              <a:t> </a:t>
+            </a:r>
+            <a:r>
+              <a:rPr lang="pt-BR" sz="2400" dirty="0" err="1">
+                <a:solidFill>
+                  <a:srgbClr val="000000"/>
+                </a:solidFill>
+              </a:rPr>
+              <a:t>Publishing</a:t>
+            </a:r>
+            <a:r>
+              <a:rPr lang="pt-BR" sz="2400" dirty="0">
+                <a:solidFill>
+                  <a:srgbClr val="000000"/>
+                </a:solidFill>
+              </a:rPr>
+              <a:t>, 2019.</a:t>
+            </a:r>
+            <a:br>
+              <a:rPr lang="en-US" sz="2400" dirty="0">
+                <a:solidFill>
+                  <a:srgbClr val="000000"/>
+                </a:solidFill>
+              </a:rPr>
+            </a:br>
+            <a:r>
+              <a:rPr lang="en-US" sz="2400" dirty="0">
+                <a:solidFill>
+                  <a:srgbClr val="000000"/>
+                </a:solidFill>
+              </a:rPr>
+              <a:t>[5] </a:t>
+            </a:r>
+            <a:r>
+              <a:rPr lang="pt-BR" sz="2400" dirty="0">
+                <a:solidFill>
+                  <a:srgbClr val="000000"/>
+                </a:solidFill>
+              </a:rPr>
+              <a:t>Ivan </a:t>
+            </a:r>
+            <a:r>
+              <a:rPr lang="pt-BR" sz="2400" dirty="0" err="1">
+                <a:solidFill>
+                  <a:srgbClr val="000000"/>
+                </a:solidFill>
+              </a:rPr>
+              <a:t>Vasilev</a:t>
+            </a:r>
+            <a:r>
+              <a:rPr lang="pt-BR" sz="2400" dirty="0">
+                <a:solidFill>
+                  <a:srgbClr val="000000"/>
+                </a:solidFill>
+              </a:rPr>
+              <a:t>, </a:t>
+            </a:r>
+            <a:r>
+              <a:rPr lang="en-US" sz="2400" dirty="0">
+                <a:solidFill>
+                  <a:srgbClr val="000000"/>
+                </a:solidFill>
+              </a:rPr>
+              <a:t>“Advanced Deep Learning with Python: Design and implement advanced next-generation AI solutions using TensorFlow and </a:t>
+            </a:r>
+            <a:r>
+              <a:rPr lang="en-US" sz="2400" dirty="0" err="1">
+                <a:solidFill>
+                  <a:srgbClr val="000000"/>
+                </a:solidFill>
+              </a:rPr>
+              <a:t>PyTorch</a:t>
+            </a:r>
+            <a:r>
+              <a:rPr lang="en-US" sz="2400" dirty="0">
+                <a:solidFill>
+                  <a:srgbClr val="000000"/>
+                </a:solidFill>
+              </a:rPr>
+              <a:t>”, </a:t>
+            </a:r>
+            <a:r>
+              <a:rPr lang="pt-BR" sz="2400" dirty="0" err="1">
+                <a:solidFill>
+                  <a:srgbClr val="000000"/>
+                </a:solidFill>
+              </a:rPr>
+              <a:t>Packt</a:t>
+            </a:r>
+            <a:r>
+              <a:rPr lang="pt-BR" sz="2400" dirty="0">
+                <a:solidFill>
+                  <a:srgbClr val="000000"/>
+                </a:solidFill>
+              </a:rPr>
+              <a:t> </a:t>
+            </a:r>
+            <a:r>
+              <a:rPr lang="pt-BR" sz="2400" dirty="0" err="1">
+                <a:solidFill>
+                  <a:srgbClr val="000000"/>
+                </a:solidFill>
+              </a:rPr>
+              <a:t>Publishing</a:t>
+            </a:r>
+            <a:r>
+              <a:rPr lang="pt-BR" sz="2400" dirty="0">
+                <a:solidFill>
+                  <a:srgbClr val="000000"/>
+                </a:solidFill>
+              </a:rPr>
+              <a:t>, 2019.</a:t>
+            </a:r>
+          </a:p>
+          <a:p>
+            <a:pPr marL="0" indent="0">
+              <a:spcBef>
+                <a:spcPts val="0"/>
+              </a:spcBef>
+              <a:buNone/>
+            </a:pPr>
+            <a:r>
+              <a:rPr lang="pt-BR" sz="2400" dirty="0">
+                <a:solidFill>
+                  <a:srgbClr val="000000"/>
+                </a:solidFill>
+              </a:rPr>
+              <a:t>[6] </a:t>
+            </a:r>
+            <a:r>
+              <a:rPr lang="pt-BR" sz="2400" dirty="0" err="1">
+                <a:solidFill>
+                  <a:srgbClr val="000000"/>
+                </a:solidFill>
+              </a:rPr>
+              <a:t>Aurélien</a:t>
+            </a:r>
+            <a:r>
+              <a:rPr lang="pt-BR" sz="2400" dirty="0">
+                <a:solidFill>
+                  <a:srgbClr val="000000"/>
+                </a:solidFill>
+              </a:rPr>
+              <a:t> </a:t>
+            </a:r>
+            <a:r>
+              <a:rPr lang="pt-BR" sz="2400" dirty="0" err="1">
+                <a:solidFill>
+                  <a:srgbClr val="000000"/>
+                </a:solidFill>
+              </a:rPr>
+              <a:t>Géron</a:t>
+            </a:r>
+            <a:r>
+              <a:rPr lang="pt-BR" sz="2400" dirty="0">
+                <a:solidFill>
+                  <a:srgbClr val="000000"/>
+                </a:solidFill>
+              </a:rPr>
+              <a:t>, "Hands-On Machine Learning </a:t>
+            </a:r>
+            <a:r>
+              <a:rPr lang="pt-BR" sz="2400" dirty="0" err="1">
+                <a:solidFill>
+                  <a:srgbClr val="000000"/>
+                </a:solidFill>
+              </a:rPr>
+              <a:t>with</a:t>
+            </a:r>
+            <a:r>
+              <a:rPr lang="pt-BR" sz="2400" dirty="0">
+                <a:solidFill>
+                  <a:srgbClr val="000000"/>
+                </a:solidFill>
+              </a:rPr>
+              <a:t> </a:t>
+            </a:r>
+            <a:r>
+              <a:rPr lang="pt-BR" sz="2400" dirty="0" err="1">
+                <a:solidFill>
+                  <a:srgbClr val="000000"/>
+                </a:solidFill>
+              </a:rPr>
+              <a:t>Scikit-Learn</a:t>
+            </a:r>
+            <a:r>
+              <a:rPr lang="pt-BR" sz="2400" dirty="0">
+                <a:solidFill>
+                  <a:srgbClr val="000000"/>
+                </a:solidFill>
+              </a:rPr>
+              <a:t> </a:t>
+            </a:r>
+            <a:r>
+              <a:rPr lang="pt-BR" sz="2400" dirty="0" err="1">
+                <a:solidFill>
+                  <a:srgbClr val="000000"/>
+                </a:solidFill>
+              </a:rPr>
+              <a:t>and</a:t>
+            </a:r>
+            <a:r>
+              <a:rPr lang="pt-BR" sz="2400" dirty="0">
+                <a:solidFill>
+                  <a:srgbClr val="000000"/>
+                </a:solidFill>
+              </a:rPr>
+              <a:t> TensorFlow: </a:t>
+            </a:r>
+            <a:r>
+              <a:rPr lang="pt-BR" sz="2400" dirty="0" err="1">
+                <a:solidFill>
+                  <a:srgbClr val="000000"/>
+                </a:solidFill>
+              </a:rPr>
+              <a:t>Concepts</a:t>
+            </a:r>
+            <a:r>
+              <a:rPr lang="pt-BR" sz="2400" dirty="0">
+                <a:solidFill>
+                  <a:srgbClr val="000000"/>
+                </a:solidFill>
+              </a:rPr>
+              <a:t>, Tools, </a:t>
+            </a:r>
+            <a:r>
+              <a:rPr lang="pt-BR" sz="2400" dirty="0" err="1">
+                <a:solidFill>
+                  <a:srgbClr val="000000"/>
+                </a:solidFill>
+              </a:rPr>
+              <a:t>and</a:t>
+            </a:r>
+            <a:r>
+              <a:rPr lang="pt-BR" sz="2400" dirty="0">
+                <a:solidFill>
+                  <a:srgbClr val="000000"/>
+                </a:solidFill>
+              </a:rPr>
+              <a:t> </a:t>
+            </a:r>
+            <a:r>
+              <a:rPr lang="pt-BR" sz="2400" dirty="0" err="1">
+                <a:solidFill>
+                  <a:srgbClr val="000000"/>
+                </a:solidFill>
+              </a:rPr>
+              <a:t>Techniques</a:t>
+            </a:r>
+            <a:r>
+              <a:rPr lang="pt-BR" sz="2400" dirty="0">
+                <a:solidFill>
+                  <a:srgbClr val="000000"/>
+                </a:solidFill>
+              </a:rPr>
+              <a:t> </a:t>
+            </a:r>
+            <a:r>
+              <a:rPr lang="pt-BR" sz="2400" dirty="0" err="1">
+                <a:solidFill>
+                  <a:srgbClr val="000000"/>
+                </a:solidFill>
+              </a:rPr>
+              <a:t>to</a:t>
+            </a:r>
+            <a:r>
+              <a:rPr lang="pt-BR" sz="2400" dirty="0">
+                <a:solidFill>
+                  <a:srgbClr val="000000"/>
+                </a:solidFill>
+              </a:rPr>
+              <a:t> Build </a:t>
+            </a:r>
+            <a:r>
+              <a:rPr lang="pt-BR" sz="2400" dirty="0" err="1">
+                <a:solidFill>
+                  <a:srgbClr val="000000"/>
+                </a:solidFill>
+              </a:rPr>
+              <a:t>Intelligent</a:t>
+            </a:r>
+            <a:r>
+              <a:rPr lang="pt-BR" sz="2400" dirty="0">
+                <a:solidFill>
+                  <a:srgbClr val="000000"/>
+                </a:solidFill>
+              </a:rPr>
+              <a:t> Systems", 3rd ed., O'Reilly Media, 2022.</a:t>
+            </a:r>
+          </a:p>
+          <a:p>
+            <a:pPr marL="0" indent="0">
+              <a:spcBef>
+                <a:spcPts val="0"/>
+              </a:spcBef>
+              <a:buNone/>
+            </a:pPr>
+            <a:r>
+              <a:rPr lang="en-US" sz="2400" dirty="0">
+                <a:solidFill>
+                  <a:srgbClr val="000000"/>
+                </a:solidFill>
+              </a:rPr>
+              <a:t>[7] </a:t>
+            </a:r>
+            <a:r>
+              <a:rPr lang="en-US" sz="2400" dirty="0" err="1">
+                <a:solidFill>
+                  <a:srgbClr val="000000"/>
+                </a:solidFill>
+              </a:rPr>
+              <a:t>Raschka</a:t>
+            </a:r>
+            <a:r>
+              <a:rPr lang="en-US" sz="2400" dirty="0">
+                <a:solidFill>
+                  <a:srgbClr val="000000"/>
+                </a:solidFill>
+              </a:rPr>
+              <a:t>, Sebastian, et al., “Machine Learning with </a:t>
+            </a:r>
+            <a:r>
+              <a:rPr lang="en-US" sz="2400" dirty="0" err="1">
+                <a:solidFill>
+                  <a:srgbClr val="000000"/>
+                </a:solidFill>
+              </a:rPr>
+              <a:t>PyTorch</a:t>
+            </a:r>
+            <a:r>
+              <a:rPr lang="en-US" sz="2400" dirty="0">
+                <a:solidFill>
+                  <a:srgbClr val="000000"/>
+                </a:solidFill>
+              </a:rPr>
+              <a:t> and Scikit-Learn: Develop machine learning and deep learning models with Python”, </a:t>
+            </a:r>
+            <a:r>
+              <a:rPr lang="en-US" sz="2400" dirty="0" err="1">
+                <a:solidFill>
+                  <a:srgbClr val="000000"/>
+                </a:solidFill>
+              </a:rPr>
+              <a:t>Packt</a:t>
+            </a:r>
+            <a:r>
+              <a:rPr lang="en-US" sz="2400" dirty="0">
+                <a:solidFill>
+                  <a:srgbClr val="000000"/>
+                </a:solidFill>
+              </a:rPr>
+              <a:t> Publishing Ltd, 2022.</a:t>
+            </a:r>
+            <a:endParaRPr lang="pt-BR" sz="2400" dirty="0">
+              <a:solidFill>
+                <a:srgbClr val="000000"/>
+              </a:solidFill>
+            </a:endParaRPr>
+          </a:p>
+          <a:p>
+            <a:pPr marL="0" indent="0">
+              <a:spcBef>
+                <a:spcPts val="0"/>
+              </a:spcBef>
+              <a:buNone/>
+            </a:pPr>
+            <a:r>
+              <a:rPr lang="pt-BR" sz="2400" dirty="0">
+                <a:solidFill>
+                  <a:srgbClr val="000000"/>
+                </a:solidFill>
+              </a:rPr>
+              <a:t>[8] C. M. Bishop, "</a:t>
+            </a:r>
+            <a:r>
+              <a:rPr lang="pt-BR" sz="2400" dirty="0" err="1">
+                <a:solidFill>
+                  <a:srgbClr val="000000"/>
+                </a:solidFill>
+              </a:rPr>
+              <a:t>Pattern</a:t>
+            </a:r>
+            <a:r>
+              <a:rPr lang="pt-BR" sz="2400" dirty="0">
+                <a:solidFill>
+                  <a:srgbClr val="000000"/>
+                </a:solidFill>
+              </a:rPr>
+              <a:t> </a:t>
+            </a:r>
+            <a:r>
+              <a:rPr lang="pt-BR" sz="2400" dirty="0" err="1">
+                <a:solidFill>
+                  <a:srgbClr val="000000"/>
+                </a:solidFill>
+              </a:rPr>
+              <a:t>Recognition</a:t>
+            </a:r>
+            <a:r>
+              <a:rPr lang="pt-BR" sz="2400" dirty="0">
+                <a:solidFill>
+                  <a:srgbClr val="000000"/>
+                </a:solidFill>
+              </a:rPr>
+              <a:t> </a:t>
+            </a:r>
+            <a:r>
+              <a:rPr lang="pt-BR" sz="2400" dirty="0" err="1">
+                <a:solidFill>
+                  <a:srgbClr val="000000"/>
+                </a:solidFill>
+              </a:rPr>
+              <a:t>and</a:t>
+            </a:r>
+            <a:r>
+              <a:rPr lang="pt-BR" sz="2400" dirty="0">
+                <a:solidFill>
+                  <a:srgbClr val="000000"/>
+                </a:solidFill>
+              </a:rPr>
+              <a:t> Machine Learning", Springer, 2006.</a:t>
+            </a:r>
+          </a:p>
+          <a:p>
+            <a:pPr marL="0" indent="0">
+              <a:spcBef>
+                <a:spcPts val="0"/>
+              </a:spcBef>
+              <a:buNone/>
+            </a:pPr>
+            <a:r>
+              <a:rPr lang="pt-BR" sz="2400">
+                <a:solidFill>
+                  <a:srgbClr val="000000"/>
+                </a:solidFill>
+              </a:rPr>
+              <a:t>[9] </a:t>
+            </a:r>
+            <a:r>
+              <a:rPr lang="pt-BR" sz="2400" dirty="0">
+                <a:solidFill>
+                  <a:srgbClr val="000000"/>
+                </a:solidFill>
+              </a:rPr>
+              <a:t>“Livros”, </a:t>
+            </a:r>
+            <a:r>
+              <a:rPr lang="pt-BR" sz="2400" dirty="0">
+                <a:solidFill>
+                  <a:srgbClr val="000000"/>
+                </a:solidFill>
+                <a:hlinkClick r:id="rId6"/>
+              </a:rPr>
+              <a:t>http://tinyurl.com/tp558-books</a:t>
+            </a:r>
+            <a:endParaRPr lang="pt-BR" sz="2400" dirty="0">
+              <a:solidFill>
+                <a:srgbClr val="000000"/>
+              </a:solidFill>
+            </a:endParaRPr>
           </a:p>
         </p:txBody>
       </p:sp>
     </p:spTree>
     <p:extLst>
       <p:ext uri="{BB962C8B-B14F-4D97-AF65-F5344CB8AC3E}">
-        <p14:creationId xmlns:p14="http://schemas.microsoft.com/office/powerpoint/2010/main" val="1412900488"/>
+        <p14:creationId xmlns:p14="http://schemas.microsoft.com/office/powerpoint/2010/main" val="2247946137"/>
       </p:ext>
     </p:extLst>
   </p:cSld>
@@ -8284,6 +8270,200 @@
       </p:grpSpPr>
       <p:sp>
         <p:nvSpPr>
+          <p:cNvPr id="2" name="Title 1"/>
+          <p:cNvSpPr>
+            <a:spLocks noGrp="1"/>
+          </p:cNvSpPr>
+          <p:nvPr>
+            <p:ph type="title"/>
+          </p:nvPr>
+        </p:nvSpPr>
+        <p:spPr/>
+        <p:txBody>
+          <a:bodyPr/>
+          <a:lstStyle/>
+          <a:p>
+            <a:r>
+              <a:rPr lang="en-US" dirty="0" err="1"/>
+              <a:t>Avisos</a:t>
+            </a:r>
+            <a:endParaRPr lang="nl-BE" dirty="0"/>
+          </a:p>
+        </p:txBody>
+      </p:sp>
+      <p:sp>
+        <p:nvSpPr>
+          <p:cNvPr id="3" name="Content Placeholder 2"/>
+          <p:cNvSpPr>
+            <a:spLocks noGrp="1"/>
+          </p:cNvSpPr>
+          <p:nvPr>
+            <p:ph idx="1"/>
+          </p:nvPr>
+        </p:nvSpPr>
+        <p:spPr>
+          <a:xfrm>
+            <a:off x="838199" y="1825624"/>
+            <a:ext cx="11104419" cy="5032376"/>
+          </a:xfrm>
+        </p:spPr>
+        <p:txBody>
+          <a:bodyPr>
+            <a:normAutofit/>
+          </a:bodyPr>
+          <a:lstStyle/>
+          <a:p>
+            <a:r>
+              <a:rPr lang="pt-BR" dirty="0"/>
+              <a:t>Todo material do curso está disponível no GitHub:</a:t>
+            </a:r>
+          </a:p>
+          <a:p>
+            <a:pPr lvl="1">
+              <a:buFont typeface="Wingdings" panose="05000000000000000000" pitchFamily="2" charset="2"/>
+              <a:buChar char="§"/>
+            </a:pPr>
+            <a:r>
+              <a:rPr lang="pt-BR" dirty="0">
+                <a:hlinkClick r:id="rId2"/>
+              </a:rPr>
+              <a:t>https://github.com/zz4fap/tp558-adv-ml</a:t>
+            </a:r>
+            <a:endParaRPr lang="pt-BR" dirty="0"/>
+          </a:p>
+          <a:p>
+            <a:r>
+              <a:rPr lang="pt-BR" dirty="0"/>
+              <a:t>Como usar o Google </a:t>
+            </a:r>
+            <a:r>
+              <a:rPr lang="pt-BR" dirty="0" err="1"/>
+              <a:t>Colab</a:t>
+            </a:r>
+            <a:endParaRPr lang="pt-BR" dirty="0"/>
+          </a:p>
+          <a:p>
+            <a:pPr lvl="1">
+              <a:buFont typeface="Wingdings" panose="05000000000000000000" pitchFamily="2" charset="2"/>
+              <a:buChar char="§"/>
+            </a:pPr>
+            <a:r>
+              <a:rPr lang="pt-BR" dirty="0">
+                <a:hlinkClick r:id="rId3"/>
+              </a:rPr>
+              <a:t>https://www.youtube.com/watch?v=inN8seMm7UI&amp;ab_channel=TensorFlow</a:t>
+            </a:r>
+          </a:p>
+          <a:p>
+            <a:pPr lvl="1">
+              <a:buFont typeface="Wingdings" panose="05000000000000000000" pitchFamily="2" charset="2"/>
+              <a:buChar char="§"/>
+            </a:pPr>
+            <a:r>
+              <a:rPr lang="pt-BR" b="0" i="0" dirty="0">
+                <a:solidFill>
+                  <a:srgbClr val="222222"/>
+                </a:solidFill>
+                <a:effectLst/>
+                <a:latin typeface="Arial" panose="020B0604020202020204" pitchFamily="34" charset="0"/>
+                <a:hlinkClick r:id="rId4"/>
+              </a:rPr>
+              <a:t>https://www.youtube.com/watch?v=inN8seMm7UI</a:t>
+            </a:r>
+            <a:endParaRPr lang="pt-BR" b="0" i="0" dirty="0">
+              <a:solidFill>
+                <a:srgbClr val="222222"/>
+              </a:solidFill>
+              <a:effectLst/>
+              <a:latin typeface="Arial" panose="020B0604020202020204" pitchFamily="34" charset="0"/>
+            </a:endParaRPr>
+          </a:p>
+          <a:p>
+            <a:r>
+              <a:rPr lang="pt-BR" dirty="0"/>
+              <a:t>Python Crash </a:t>
+            </a:r>
+            <a:r>
+              <a:rPr lang="pt-BR" dirty="0" err="1"/>
+              <a:t>Course</a:t>
+            </a:r>
+            <a:endParaRPr lang="pt-BR" dirty="0">
+              <a:hlinkClick r:id="rId3"/>
+            </a:endParaRPr>
+          </a:p>
+          <a:p>
+            <a:pPr lvl="1">
+              <a:buFont typeface="Wingdings" panose="05000000000000000000" pitchFamily="2" charset="2"/>
+              <a:buChar char="§"/>
+            </a:pPr>
+            <a:r>
+              <a:rPr lang="pt-BR" dirty="0">
+                <a:hlinkClick r:id="rId3"/>
+              </a:rPr>
+              <a:t>https://www.youtube.com/watch?v=pq4NNIYar9o&amp;list=PLRc6ZYt68prVXAhwY1JD6DFc3BJGmJriq&amp;pp=gAQBiAQB</a:t>
+            </a:r>
+            <a:endParaRPr lang="pt-BR" dirty="0"/>
+          </a:p>
+          <a:p>
+            <a:r>
+              <a:rPr lang="pt-BR" dirty="0"/>
+              <a:t>Horário de Atendimento</a:t>
+            </a:r>
+          </a:p>
+          <a:p>
+            <a:pPr lvl="1">
+              <a:buFont typeface="Wingdings" panose="05000000000000000000" pitchFamily="2" charset="2"/>
+              <a:buChar char="§"/>
+            </a:pPr>
+            <a:r>
+              <a:rPr lang="pt-BR" dirty="0"/>
+              <a:t>Todas as quartas-feiras das 17:30 às 18:30.</a:t>
+            </a:r>
+          </a:p>
+          <a:p>
+            <a:pPr lvl="1">
+              <a:buFont typeface="Wingdings" panose="05000000000000000000" pitchFamily="2" charset="2"/>
+              <a:buChar char="§"/>
+            </a:pPr>
+            <a:r>
+              <a:rPr lang="pt-BR" dirty="0"/>
+              <a:t>Presencialmente ou remotamente.</a:t>
+            </a:r>
+          </a:p>
+        </p:txBody>
+      </p:sp>
+    </p:spTree>
+    <p:extLst>
+      <p:ext uri="{BB962C8B-B14F-4D97-AF65-F5344CB8AC3E}">
+        <p14:creationId xmlns:p14="http://schemas.microsoft.com/office/powerpoint/2010/main" val="1412900488"/>
+      </p:ext>
+    </p:extLst>
+  </p:cSld>
+  <p:clrMapOvr>
+    <a:masterClrMapping/>
+  </p:clrMapOvr>
+</p:sld>
+</file>
+
+<file path=ppt/slides/slide23.xml><?xml version="1.0" encoding="utf-8"?>
+<p:sld xmlns:a="http://schemas.openxmlformats.org/drawingml/2006/main" xmlns:r="http://schemas.openxmlformats.org/officeDocument/2006/relationships" xmlns:p="http://schemas.openxmlformats.org/presentationml/2006/main">
+  <p:cSld>
+    <p:spTree>
+      <p:nvGrpSpPr>
+        <p:cNvPr id="1" name=""/>
+        <p:cNvGrpSpPr/>
+        <p:nvPr/>
+      </p:nvGrpSpPr>
+      <p:grpSpPr>
+        <a:xfrm>
+          <a:off x="0" y="0"/>
+          <a:ext cx="0" cy="0"/>
+          <a:chOff x="0" y="0"/>
+          <a:chExt cx="0" cy="0"/>
+        </a:xfrm>
+      </p:grpSpPr>
+      <p:sp>
+        <p:nvSpPr>
           <p:cNvPr id="4" name="Título 1">
             <a:extLst>
               <a:ext uri="{FF2B5EF4-FFF2-40B4-BE49-F238E27FC236}">
@@ -8351,7 +8531,7 @@
 </p:sld>
 </file>
 
-<file path=ppt/slides/slide23.xml><?xml version="1.0" encoding="utf-8"?>
+<file path=ppt/slides/slide24.xml><?xml version="1.0" encoding="utf-8"?>
 <p:sld xmlns:a="http://schemas.openxmlformats.org/drawingml/2006/main" xmlns:r="http://schemas.openxmlformats.org/officeDocument/2006/relationships" xmlns:p="http://schemas.openxmlformats.org/presentationml/2006/main">
   <p:cSld>
     <p:spTree>

--- a/slides/TP558_1_Introdução_ao_curso.pptx
+++ b/slides/TP558_1_Introdução_ao_curso.pptx
@@ -298,7 +298,7 @@
           <a:p>
             <a:fld id="{144F1436-6906-4D93-B7A2-786C327BFA14}" type="datetimeFigureOut">
               <a:rPr lang="nl-BE" smtClean="0"/>
-              <a:t>18/03/2024</a:t>
+              <a:t>20/03/2024</a:t>
             </a:fld>
             <a:endParaRPr lang="nl-BE"/>
           </a:p>
@@ -463,7 +463,7 @@
           <a:p>
             <a:fld id="{AA8CD09E-2914-4F47-B6C1-51B2C31814C9}" type="datetimeFigureOut">
               <a:rPr lang="pt-BR" smtClean="0"/>
-              <a:t>18/03/2024</a:t>
+              <a:t>20/03/2024</a:t>
             </a:fld>
             <a:endParaRPr lang="pt-BR"/>
           </a:p>
@@ -1249,7 +1249,7 @@
           <a:p>
             <a:fld id="{63289F7E-B80B-496E-81B4-D396C37C9454}" type="datetimeFigureOut">
               <a:rPr lang="pt-BR" smtClean="0"/>
-              <a:t>18/03/2024</a:t>
+              <a:t>20/03/2024</a:t>
             </a:fld>
             <a:endParaRPr lang="pt-BR"/>
           </a:p>
@@ -1447,7 +1447,7 @@
           <a:p>
             <a:fld id="{63289F7E-B80B-496E-81B4-D396C37C9454}" type="datetimeFigureOut">
               <a:rPr lang="pt-BR" smtClean="0"/>
-              <a:t>18/03/2024</a:t>
+              <a:t>20/03/2024</a:t>
             </a:fld>
             <a:endParaRPr lang="pt-BR"/>
           </a:p>
@@ -1655,7 +1655,7 @@
           <a:p>
             <a:fld id="{63289F7E-B80B-496E-81B4-D396C37C9454}" type="datetimeFigureOut">
               <a:rPr lang="pt-BR" smtClean="0"/>
-              <a:t>18/03/2024</a:t>
+              <a:t>20/03/2024</a:t>
             </a:fld>
             <a:endParaRPr lang="pt-BR"/>
           </a:p>
@@ -1853,7 +1853,7 @@
           <a:p>
             <a:fld id="{63289F7E-B80B-496E-81B4-D396C37C9454}" type="datetimeFigureOut">
               <a:rPr lang="pt-BR" smtClean="0"/>
-              <a:t>18/03/2024</a:t>
+              <a:t>20/03/2024</a:t>
             </a:fld>
             <a:endParaRPr lang="pt-BR"/>
           </a:p>
@@ -2128,7 +2128,7 @@
           <a:p>
             <a:fld id="{63289F7E-B80B-496E-81B4-D396C37C9454}" type="datetimeFigureOut">
               <a:rPr lang="pt-BR" smtClean="0"/>
-              <a:t>18/03/2024</a:t>
+              <a:t>20/03/2024</a:t>
             </a:fld>
             <a:endParaRPr lang="pt-BR"/>
           </a:p>
@@ -2393,7 +2393,7 @@
           <a:p>
             <a:fld id="{63289F7E-B80B-496E-81B4-D396C37C9454}" type="datetimeFigureOut">
               <a:rPr lang="pt-BR" smtClean="0"/>
-              <a:t>18/03/2024</a:t>
+              <a:t>20/03/2024</a:t>
             </a:fld>
             <a:endParaRPr lang="pt-BR"/>
           </a:p>
@@ -2805,7 +2805,7 @@
           <a:p>
             <a:fld id="{63289F7E-B80B-496E-81B4-D396C37C9454}" type="datetimeFigureOut">
               <a:rPr lang="pt-BR" smtClean="0"/>
-              <a:t>18/03/2024</a:t>
+              <a:t>20/03/2024</a:t>
             </a:fld>
             <a:endParaRPr lang="pt-BR"/>
           </a:p>
@@ -2946,7 +2946,7 @@
           <a:p>
             <a:fld id="{63289F7E-B80B-496E-81B4-D396C37C9454}" type="datetimeFigureOut">
               <a:rPr lang="pt-BR" smtClean="0"/>
-              <a:t>18/03/2024</a:t>
+              <a:t>20/03/2024</a:t>
             </a:fld>
             <a:endParaRPr lang="pt-BR"/>
           </a:p>
@@ -3059,7 +3059,7 @@
           <a:p>
             <a:fld id="{63289F7E-B80B-496E-81B4-D396C37C9454}" type="datetimeFigureOut">
               <a:rPr lang="pt-BR" smtClean="0"/>
-              <a:t>18/03/2024</a:t>
+              <a:t>20/03/2024</a:t>
             </a:fld>
             <a:endParaRPr lang="pt-BR"/>
           </a:p>
@@ -3370,7 +3370,7 @@
           <a:p>
             <a:fld id="{63289F7E-B80B-496E-81B4-D396C37C9454}" type="datetimeFigureOut">
               <a:rPr lang="pt-BR" smtClean="0"/>
-              <a:t>18/03/2024</a:t>
+              <a:t>20/03/2024</a:t>
             </a:fld>
             <a:endParaRPr lang="pt-BR"/>
           </a:p>
@@ -3658,7 +3658,7 @@
           <a:p>
             <a:fld id="{63289F7E-B80B-496E-81B4-D396C37C9454}" type="datetimeFigureOut">
               <a:rPr lang="pt-BR" smtClean="0"/>
-              <a:t>18/03/2024</a:t>
+              <a:t>20/03/2024</a:t>
             </a:fld>
             <a:endParaRPr lang="pt-BR"/>
           </a:p>
@@ -3899,7 +3899,7 @@
           <a:p>
             <a:fld id="{63289F7E-B80B-496E-81B4-D396C37C9454}" type="datetimeFigureOut">
               <a:rPr lang="pt-BR" smtClean="0"/>
-              <a:t>18/03/2024</a:t>
+              <a:t>20/03/2024</a:t>
             </a:fld>
             <a:endParaRPr lang="pt-BR"/>
           </a:p>
@@ -6693,6 +6693,86 @@
               </a:rPr>
               <a:t>https://paperswithcode.com/paper/graph-neural-network-for-traffic-forecasting</a:t>
             </a:r>
+            <a:endParaRPr lang="pt-BR" dirty="0"/>
+          </a:p>
+          <a:p>
+            <a:r>
+              <a:rPr lang="pt-BR" dirty="0" err="1"/>
+              <a:t>Spiking</a:t>
+            </a:r>
+            <a:r>
+              <a:rPr lang="pt-BR" dirty="0"/>
+              <a:t> Neural Networks</a:t>
+            </a:r>
+          </a:p>
+          <a:p>
+            <a:pPr lvl="1">
+              <a:buFont typeface="Wingdings" panose="05000000000000000000" pitchFamily="2" charset="2"/>
+              <a:buChar char="ü"/>
+            </a:pPr>
+            <a:r>
+              <a:rPr lang="pt-BR" dirty="0">
+                <a:hlinkClick r:id="rId4"/>
+              </a:rPr>
+              <a:t>https://arxiv.org/abs/2109.12894</a:t>
+            </a:r>
+            <a:endParaRPr lang="pt-BR" dirty="0"/>
+          </a:p>
+          <a:p>
+            <a:pPr lvl="1">
+              <a:buFont typeface="Wingdings" panose="05000000000000000000" pitchFamily="2" charset="2"/>
+              <a:buChar char="ü"/>
+            </a:pPr>
+            <a:r>
+              <a:rPr lang="pt-BR" dirty="0">
+                <a:hlinkClick r:id="rId5"/>
+              </a:rPr>
+              <a:t>https://analyticsindiamag.com/</a:t>
+            </a:r>
+            <a:r>
+              <a:rPr lang="pt-BR">
+                <a:hlinkClick r:id="rId5"/>
+              </a:rPr>
+              <a:t>a-tutorial-on-spiking-neural-networks-for-beginners/</a:t>
+            </a:r>
+            <a:endParaRPr lang="pt-BR" dirty="0"/>
+          </a:p>
+          <a:p>
+            <a:pPr lvl="1">
+              <a:buFont typeface="Wingdings" panose="05000000000000000000" pitchFamily="2" charset="2"/>
+              <a:buChar char="ü"/>
+            </a:pPr>
+            <a:r>
+              <a:rPr lang="pt-BR">
+                <a:hlinkClick r:id="rId6"/>
+              </a:rPr>
+              <a:t>https</a:t>
+            </a:r>
+            <a:r>
+              <a:rPr lang="pt-BR" dirty="0">
+                <a:hlinkClick r:id="rId6"/>
+              </a:rPr>
+              <a:t>://guillaume-chevalier.com/spiking-neural-network-snn-with-pytorch-where-backpropagation-engenders-stdp-hebbian-learning/</a:t>
+            </a:r>
+            <a:endParaRPr lang="pt-BR" dirty="0"/>
+          </a:p>
+          <a:p>
+            <a:pPr lvl="1">
+              <a:buFont typeface="Wingdings" panose="05000000000000000000" pitchFamily="2" charset="2"/>
+              <a:buChar char="ü"/>
+            </a:pPr>
+            <a:r>
+              <a:rPr lang="pt-BR" dirty="0">
+                <a:hlinkClick r:id="rId7"/>
+              </a:rPr>
+              <a:t>https://snntorch.readthedocs.io/en/latest/tutorials/index.html</a:t>
+            </a:r>
+            <a:endParaRPr lang="pt-BR" dirty="0"/>
+          </a:p>
+          <a:p>
+            <a:pPr marL="457200" lvl="1" indent="0">
+              <a:buNone/>
+            </a:pPr>
             <a:endParaRPr lang="pt-BR" dirty="0"/>
           </a:p>
           <a:p>

--- a/slides/TP558_1_Introdução_ao_curso.pptx
+++ b/slides/TP558_1_Introdução_ao_curso.pptx
@@ -298,7 +298,7 @@
           <a:p>
             <a:fld id="{144F1436-6906-4D93-B7A2-786C327BFA14}" type="datetimeFigureOut">
               <a:rPr lang="nl-BE" smtClean="0"/>
-              <a:t>20/03/2024</a:t>
+              <a:t>28/03/2024</a:t>
             </a:fld>
             <a:endParaRPr lang="nl-BE"/>
           </a:p>
@@ -463,7 +463,7 @@
           <a:p>
             <a:fld id="{AA8CD09E-2914-4F47-B6C1-51B2C31814C9}" type="datetimeFigureOut">
               <a:rPr lang="pt-BR" smtClean="0"/>
-              <a:t>20/03/2024</a:t>
+              <a:t>28/03/2024</a:t>
             </a:fld>
             <a:endParaRPr lang="pt-BR"/>
           </a:p>
@@ -1249,7 +1249,7 @@
           <a:p>
             <a:fld id="{63289F7E-B80B-496E-81B4-D396C37C9454}" type="datetimeFigureOut">
               <a:rPr lang="pt-BR" smtClean="0"/>
-              <a:t>20/03/2024</a:t>
+              <a:t>28/03/2024</a:t>
             </a:fld>
             <a:endParaRPr lang="pt-BR"/>
           </a:p>
@@ -1447,7 +1447,7 @@
           <a:p>
             <a:fld id="{63289F7E-B80B-496E-81B4-D396C37C9454}" type="datetimeFigureOut">
               <a:rPr lang="pt-BR" smtClean="0"/>
-              <a:t>20/03/2024</a:t>
+              <a:t>28/03/2024</a:t>
             </a:fld>
             <a:endParaRPr lang="pt-BR"/>
           </a:p>
@@ -1655,7 +1655,7 @@
           <a:p>
             <a:fld id="{63289F7E-B80B-496E-81B4-D396C37C9454}" type="datetimeFigureOut">
               <a:rPr lang="pt-BR" smtClean="0"/>
-              <a:t>20/03/2024</a:t>
+              <a:t>28/03/2024</a:t>
             </a:fld>
             <a:endParaRPr lang="pt-BR"/>
           </a:p>
@@ -1853,7 +1853,7 @@
           <a:p>
             <a:fld id="{63289F7E-B80B-496E-81B4-D396C37C9454}" type="datetimeFigureOut">
               <a:rPr lang="pt-BR" smtClean="0"/>
-              <a:t>20/03/2024</a:t>
+              <a:t>28/03/2024</a:t>
             </a:fld>
             <a:endParaRPr lang="pt-BR"/>
           </a:p>
@@ -2128,7 +2128,7 @@
           <a:p>
             <a:fld id="{63289F7E-B80B-496E-81B4-D396C37C9454}" type="datetimeFigureOut">
               <a:rPr lang="pt-BR" smtClean="0"/>
-              <a:t>20/03/2024</a:t>
+              <a:t>28/03/2024</a:t>
             </a:fld>
             <a:endParaRPr lang="pt-BR"/>
           </a:p>
@@ -2393,7 +2393,7 @@
           <a:p>
             <a:fld id="{63289F7E-B80B-496E-81B4-D396C37C9454}" type="datetimeFigureOut">
               <a:rPr lang="pt-BR" smtClean="0"/>
-              <a:t>20/03/2024</a:t>
+              <a:t>28/03/2024</a:t>
             </a:fld>
             <a:endParaRPr lang="pt-BR"/>
           </a:p>
@@ -2805,7 +2805,7 @@
           <a:p>
             <a:fld id="{63289F7E-B80B-496E-81B4-D396C37C9454}" type="datetimeFigureOut">
               <a:rPr lang="pt-BR" smtClean="0"/>
-              <a:t>20/03/2024</a:t>
+              <a:t>28/03/2024</a:t>
             </a:fld>
             <a:endParaRPr lang="pt-BR"/>
           </a:p>
@@ -2946,7 +2946,7 @@
           <a:p>
             <a:fld id="{63289F7E-B80B-496E-81B4-D396C37C9454}" type="datetimeFigureOut">
               <a:rPr lang="pt-BR" smtClean="0"/>
-              <a:t>20/03/2024</a:t>
+              <a:t>28/03/2024</a:t>
             </a:fld>
             <a:endParaRPr lang="pt-BR"/>
           </a:p>
@@ -3059,7 +3059,7 @@
           <a:p>
             <a:fld id="{63289F7E-B80B-496E-81B4-D396C37C9454}" type="datetimeFigureOut">
               <a:rPr lang="pt-BR" smtClean="0"/>
-              <a:t>20/03/2024</a:t>
+              <a:t>28/03/2024</a:t>
             </a:fld>
             <a:endParaRPr lang="pt-BR"/>
           </a:p>
@@ -3370,7 +3370,7 @@
           <a:p>
             <a:fld id="{63289F7E-B80B-496E-81B4-D396C37C9454}" type="datetimeFigureOut">
               <a:rPr lang="pt-BR" smtClean="0"/>
-              <a:t>20/03/2024</a:t>
+              <a:t>28/03/2024</a:t>
             </a:fld>
             <a:endParaRPr lang="pt-BR"/>
           </a:p>
@@ -3658,7 +3658,7 @@
           <a:p>
             <a:fld id="{63289F7E-B80B-496E-81B4-D396C37C9454}" type="datetimeFigureOut">
               <a:rPr lang="pt-BR" smtClean="0"/>
-              <a:t>20/03/2024</a:t>
+              <a:t>28/03/2024</a:t>
             </a:fld>
             <a:endParaRPr lang="pt-BR"/>
           </a:p>
@@ -3899,7 +3899,7 @@
           <a:p>
             <a:fld id="{63289F7E-B80B-496E-81B4-D396C37C9454}" type="datetimeFigureOut">
               <a:rPr lang="pt-BR" smtClean="0"/>
-              <a:t>20/03/2024</a:t>
+              <a:t>28/03/2024</a:t>
             </a:fld>
             <a:endParaRPr lang="pt-BR"/>
           </a:p>
@@ -5438,6 +5438,48 @@
                 <a:hlinkClick r:id="rId5"/>
               </a:rPr>
               <a:t>https://docs.edgeimpulse.com/docs/tutorials/end-to-end-tutorials/object-detection/detect-objects-using-fomo</a:t>
+            </a:r>
+            <a:endParaRPr lang="pt-BR" dirty="0"/>
+          </a:p>
+          <a:p>
+            <a:pPr lvl="1">
+              <a:buFont typeface="Wingdings" panose="05000000000000000000" pitchFamily="2" charset="2"/>
+              <a:buChar char="§"/>
+            </a:pPr>
+            <a:r>
+              <a:rPr lang="en-US" dirty="0"/>
+              <a:t>DETRs Beat YOLOs on Real-time Object Detection</a:t>
+            </a:r>
+          </a:p>
+          <a:p>
+            <a:pPr lvl="2">
+              <a:buFont typeface="Wingdings" panose="05000000000000000000" pitchFamily="2" charset="2"/>
+              <a:buChar char="ü"/>
+            </a:pPr>
+            <a:r>
+              <a:rPr lang="pt-BR" dirty="0">
+                <a:hlinkClick r:id="rId6"/>
+              </a:rPr>
+              <a:t>https://arxiv.org/abs/2304.08069</a:t>
+            </a:r>
+            <a:endParaRPr lang="en-US" dirty="0"/>
+          </a:p>
+          <a:p>
+            <a:pPr lvl="2">
+              <a:buFont typeface="Wingdings" panose="05000000000000000000" pitchFamily="2" charset="2"/>
+              <a:buChar char="ü"/>
+            </a:pPr>
+            <a:r>
+              <a:rPr lang="pt-BR" dirty="0">
+                <a:hlinkClick r:id="rId7"/>
+              </a:rPr>
+              <a:t>https://github.com/lyuwenyu</a:t>
+            </a:r>
+            <a:r>
+              <a:rPr lang="pt-BR">
+                <a:hlinkClick r:id="rId7"/>
+              </a:rPr>
+              <a:t>/RT-DETR</a:t>
             </a:r>
             <a:endParaRPr lang="pt-BR" dirty="0"/>
           </a:p>

--- a/slides/TP558_1_Introdução_ao_curso.pptx
+++ b/slides/TP558_1_Introdução_ao_curso.pptx
@@ -298,7 +298,7 @@
           <a:p>
             <a:fld id="{144F1436-6906-4D93-B7A2-786C327BFA14}" type="datetimeFigureOut">
               <a:rPr lang="nl-BE" smtClean="0"/>
-              <a:t>28/03/2024</a:t>
+              <a:t>13/04/2024</a:t>
             </a:fld>
             <a:endParaRPr lang="nl-BE"/>
           </a:p>
@@ -463,7 +463,7 @@
           <a:p>
             <a:fld id="{AA8CD09E-2914-4F47-B6C1-51B2C31814C9}" type="datetimeFigureOut">
               <a:rPr lang="pt-BR" smtClean="0"/>
-              <a:t>28/03/2024</a:t>
+              <a:t>13/04/2024</a:t>
             </a:fld>
             <a:endParaRPr lang="pt-BR"/>
           </a:p>
@@ -1249,7 +1249,7 @@
           <a:p>
             <a:fld id="{63289F7E-B80B-496E-81B4-D396C37C9454}" type="datetimeFigureOut">
               <a:rPr lang="pt-BR" smtClean="0"/>
-              <a:t>28/03/2024</a:t>
+              <a:t>13/04/2024</a:t>
             </a:fld>
             <a:endParaRPr lang="pt-BR"/>
           </a:p>
@@ -1447,7 +1447,7 @@
           <a:p>
             <a:fld id="{63289F7E-B80B-496E-81B4-D396C37C9454}" type="datetimeFigureOut">
               <a:rPr lang="pt-BR" smtClean="0"/>
-              <a:t>28/03/2024</a:t>
+              <a:t>13/04/2024</a:t>
             </a:fld>
             <a:endParaRPr lang="pt-BR"/>
           </a:p>
@@ -1655,7 +1655,7 @@
           <a:p>
             <a:fld id="{63289F7E-B80B-496E-81B4-D396C37C9454}" type="datetimeFigureOut">
               <a:rPr lang="pt-BR" smtClean="0"/>
-              <a:t>28/03/2024</a:t>
+              <a:t>13/04/2024</a:t>
             </a:fld>
             <a:endParaRPr lang="pt-BR"/>
           </a:p>
@@ -1853,7 +1853,7 @@
           <a:p>
             <a:fld id="{63289F7E-B80B-496E-81B4-D396C37C9454}" type="datetimeFigureOut">
               <a:rPr lang="pt-BR" smtClean="0"/>
-              <a:t>28/03/2024</a:t>
+              <a:t>13/04/2024</a:t>
             </a:fld>
             <a:endParaRPr lang="pt-BR"/>
           </a:p>
@@ -2128,7 +2128,7 @@
           <a:p>
             <a:fld id="{63289F7E-B80B-496E-81B4-D396C37C9454}" type="datetimeFigureOut">
               <a:rPr lang="pt-BR" smtClean="0"/>
-              <a:t>28/03/2024</a:t>
+              <a:t>13/04/2024</a:t>
             </a:fld>
             <a:endParaRPr lang="pt-BR"/>
           </a:p>
@@ -2393,7 +2393,7 @@
           <a:p>
             <a:fld id="{63289F7E-B80B-496E-81B4-D396C37C9454}" type="datetimeFigureOut">
               <a:rPr lang="pt-BR" smtClean="0"/>
-              <a:t>28/03/2024</a:t>
+              <a:t>13/04/2024</a:t>
             </a:fld>
             <a:endParaRPr lang="pt-BR"/>
           </a:p>
@@ -2805,7 +2805,7 @@
           <a:p>
             <a:fld id="{63289F7E-B80B-496E-81B4-D396C37C9454}" type="datetimeFigureOut">
               <a:rPr lang="pt-BR" smtClean="0"/>
-              <a:t>28/03/2024</a:t>
+              <a:t>13/04/2024</a:t>
             </a:fld>
             <a:endParaRPr lang="pt-BR"/>
           </a:p>
@@ -2946,7 +2946,7 @@
           <a:p>
             <a:fld id="{63289F7E-B80B-496E-81B4-D396C37C9454}" type="datetimeFigureOut">
               <a:rPr lang="pt-BR" smtClean="0"/>
-              <a:t>28/03/2024</a:t>
+              <a:t>13/04/2024</a:t>
             </a:fld>
             <a:endParaRPr lang="pt-BR"/>
           </a:p>
@@ -3059,7 +3059,7 @@
           <a:p>
             <a:fld id="{63289F7E-B80B-496E-81B4-D396C37C9454}" type="datetimeFigureOut">
               <a:rPr lang="pt-BR" smtClean="0"/>
-              <a:t>28/03/2024</a:t>
+              <a:t>13/04/2024</a:t>
             </a:fld>
             <a:endParaRPr lang="pt-BR"/>
           </a:p>
@@ -3370,7 +3370,7 @@
           <a:p>
             <a:fld id="{63289F7E-B80B-496E-81B4-D396C37C9454}" type="datetimeFigureOut">
               <a:rPr lang="pt-BR" smtClean="0"/>
-              <a:t>28/03/2024</a:t>
+              <a:t>13/04/2024</a:t>
             </a:fld>
             <a:endParaRPr lang="pt-BR"/>
           </a:p>
@@ -3658,7 +3658,7 @@
           <a:p>
             <a:fld id="{63289F7E-B80B-496E-81B4-D396C37C9454}" type="datetimeFigureOut">
               <a:rPr lang="pt-BR" smtClean="0"/>
-              <a:t>28/03/2024</a:t>
+              <a:t>13/04/2024</a:t>
             </a:fld>
             <a:endParaRPr lang="pt-BR"/>
           </a:p>
@@ -3899,7 +3899,7 @@
           <a:p>
             <a:fld id="{63289F7E-B80B-496E-81B4-D396C37C9454}" type="datetimeFigureOut">
               <a:rPr lang="pt-BR" smtClean="0"/>
-              <a:t>28/03/2024</a:t>
+              <a:t>13/04/2024</a:t>
             </a:fld>
             <a:endParaRPr lang="pt-BR"/>
           </a:p>
@@ -5195,14 +5195,85 @@
               <a:buChar char="ü"/>
             </a:pPr>
             <a:r>
-              <a:rPr lang="pt-BR">
+              <a:rPr lang="pt-BR" dirty="0">
                 <a:hlinkClick r:id="rId2"/>
               </a:rPr>
               <a:t>https://github.com/WongKinYiu/yolov9?tab=readme-ov-file</a:t>
             </a:r>
-            <a:endParaRPr lang="pt-BR" dirty="0">
+          </a:p>
+          <a:p>
+            <a:pPr lvl="1">
+              <a:buFont typeface="Wingdings" panose="05000000000000000000" pitchFamily="2" charset="2"/>
+              <a:buChar char="§"/>
+            </a:pPr>
+            <a:r>
+              <a:rPr lang="en-US" b="0" i="0" dirty="0">
+                <a:solidFill>
+                  <a:srgbClr val="000000"/>
+                </a:solidFill>
+                <a:effectLst/>
+                <a:highlight>
+                  <a:srgbClr val="FFFFFF"/>
+                </a:highlight>
+              </a:rPr>
+              <a:t>YOLO-World: Real-Time Open-Vocabulary Object Detection</a:t>
+            </a:r>
+          </a:p>
+          <a:p>
+            <a:pPr lvl="2">
+              <a:buFont typeface="Wingdings" panose="05000000000000000000" pitchFamily="2" charset="2"/>
+              <a:buChar char="ü"/>
+            </a:pPr>
+            <a:r>
+              <a:rPr lang="pt-BR" dirty="0">
+                <a:hlinkClick r:id="rId2"/>
+              </a:rPr>
+              <a:t>https://arxiv.org/abs/2401.17270</a:t>
+            </a:r>
+            <a:endParaRPr lang="en-US" dirty="0">
+              <a:solidFill>
+                <a:srgbClr val="000000"/>
+              </a:solidFill>
+              <a:highlight>
+                <a:srgbClr val="FFFFFF"/>
+              </a:highlight>
+              <a:latin typeface="Arial" panose="020B0604020202020204" pitchFamily="34" charset="0"/>
               <a:hlinkClick r:id="rId2"/>
             </a:endParaRPr>
+          </a:p>
+          <a:p>
+            <a:pPr lvl="2">
+              <a:buFont typeface="Wingdings" panose="05000000000000000000" pitchFamily="2" charset="2"/>
+              <a:buChar char="ü"/>
+            </a:pPr>
+            <a:r>
+              <a:rPr lang="pt-BR" dirty="0">
+                <a:hlinkClick r:id="rId2"/>
+              </a:rPr>
+              <a:t>https://colab.research.google.com/github/roboflow-ai/notebooks/blob/main/notebooks/zero-shot-object-detection-with-yolo-world.ipynb</a:t>
+            </a:r>
+            <a:endParaRPr lang="en-US" dirty="0">
+              <a:solidFill>
+                <a:srgbClr val="000000"/>
+              </a:solidFill>
+              <a:highlight>
+                <a:srgbClr val="FFFFFF"/>
+              </a:highlight>
+              <a:latin typeface="Arial" panose="020B0604020202020204" pitchFamily="34" charset="0"/>
+              <a:hlinkClick r:id="rId2"/>
+            </a:endParaRPr>
+          </a:p>
+          <a:p>
+            <a:pPr lvl="2">
+              <a:buFont typeface="Wingdings" panose="05000000000000000000" pitchFamily="2" charset="2"/>
+              <a:buChar char="ü"/>
+            </a:pPr>
+            <a:r>
+              <a:rPr lang="pt-BR" dirty="0">
+                <a:hlinkClick r:id="rId2"/>
+              </a:rPr>
+              <a:t>https://www.youtube.com/watch?v=X7gKBGVz4vs&amp;feature=youtu.be</a:t>
+            </a:r>
           </a:p>
           <a:p>
             <a:pPr lvl="2">

--- a/slides/TP558_1_Introdução_ao_curso.pptx
+++ b/slides/TP558_1_Introdução_ao_curso.pptx
@@ -298,7 +298,7 @@
           <a:p>
             <a:fld id="{144F1436-6906-4D93-B7A2-786C327BFA14}" type="datetimeFigureOut">
               <a:rPr lang="nl-BE" smtClean="0"/>
-              <a:t>13/04/2024</a:t>
+              <a:t>3/05/2024</a:t>
             </a:fld>
             <a:endParaRPr lang="nl-BE"/>
           </a:p>
@@ -463,7 +463,7 @@
           <a:p>
             <a:fld id="{AA8CD09E-2914-4F47-B6C1-51B2C31814C9}" type="datetimeFigureOut">
               <a:rPr lang="pt-BR" smtClean="0"/>
-              <a:t>13/04/2024</a:t>
+              <a:t>03/05/2024</a:t>
             </a:fld>
             <a:endParaRPr lang="pt-BR"/>
           </a:p>
@@ -1249,7 +1249,7 @@
           <a:p>
             <a:fld id="{63289F7E-B80B-496E-81B4-D396C37C9454}" type="datetimeFigureOut">
               <a:rPr lang="pt-BR" smtClean="0"/>
-              <a:t>13/04/2024</a:t>
+              <a:t>03/05/2024</a:t>
             </a:fld>
             <a:endParaRPr lang="pt-BR"/>
           </a:p>
@@ -1447,7 +1447,7 @@
           <a:p>
             <a:fld id="{63289F7E-B80B-496E-81B4-D396C37C9454}" type="datetimeFigureOut">
               <a:rPr lang="pt-BR" smtClean="0"/>
-              <a:t>13/04/2024</a:t>
+              <a:t>03/05/2024</a:t>
             </a:fld>
             <a:endParaRPr lang="pt-BR"/>
           </a:p>
@@ -1655,7 +1655,7 @@
           <a:p>
             <a:fld id="{63289F7E-B80B-496E-81B4-D396C37C9454}" type="datetimeFigureOut">
               <a:rPr lang="pt-BR" smtClean="0"/>
-              <a:t>13/04/2024</a:t>
+              <a:t>03/05/2024</a:t>
             </a:fld>
             <a:endParaRPr lang="pt-BR"/>
           </a:p>
@@ -1853,7 +1853,7 @@
           <a:p>
             <a:fld id="{63289F7E-B80B-496E-81B4-D396C37C9454}" type="datetimeFigureOut">
               <a:rPr lang="pt-BR" smtClean="0"/>
-              <a:t>13/04/2024</a:t>
+              <a:t>03/05/2024</a:t>
             </a:fld>
             <a:endParaRPr lang="pt-BR"/>
           </a:p>
@@ -2128,7 +2128,7 @@
           <a:p>
             <a:fld id="{63289F7E-B80B-496E-81B4-D396C37C9454}" type="datetimeFigureOut">
               <a:rPr lang="pt-BR" smtClean="0"/>
-              <a:t>13/04/2024</a:t>
+              <a:t>03/05/2024</a:t>
             </a:fld>
             <a:endParaRPr lang="pt-BR"/>
           </a:p>
@@ -2393,7 +2393,7 @@
           <a:p>
             <a:fld id="{63289F7E-B80B-496E-81B4-D396C37C9454}" type="datetimeFigureOut">
               <a:rPr lang="pt-BR" smtClean="0"/>
-              <a:t>13/04/2024</a:t>
+              <a:t>03/05/2024</a:t>
             </a:fld>
             <a:endParaRPr lang="pt-BR"/>
           </a:p>
@@ -2805,7 +2805,7 @@
           <a:p>
             <a:fld id="{63289F7E-B80B-496E-81B4-D396C37C9454}" type="datetimeFigureOut">
               <a:rPr lang="pt-BR" smtClean="0"/>
-              <a:t>13/04/2024</a:t>
+              <a:t>03/05/2024</a:t>
             </a:fld>
             <a:endParaRPr lang="pt-BR"/>
           </a:p>
@@ -2946,7 +2946,7 @@
           <a:p>
             <a:fld id="{63289F7E-B80B-496E-81B4-D396C37C9454}" type="datetimeFigureOut">
               <a:rPr lang="pt-BR" smtClean="0"/>
-              <a:t>13/04/2024</a:t>
+              <a:t>03/05/2024</a:t>
             </a:fld>
             <a:endParaRPr lang="pt-BR"/>
           </a:p>
@@ -3059,7 +3059,7 @@
           <a:p>
             <a:fld id="{63289F7E-B80B-496E-81B4-D396C37C9454}" type="datetimeFigureOut">
               <a:rPr lang="pt-BR" smtClean="0"/>
-              <a:t>13/04/2024</a:t>
+              <a:t>03/05/2024</a:t>
             </a:fld>
             <a:endParaRPr lang="pt-BR"/>
           </a:p>
@@ -3370,7 +3370,7 @@
           <a:p>
             <a:fld id="{63289F7E-B80B-496E-81B4-D396C37C9454}" type="datetimeFigureOut">
               <a:rPr lang="pt-BR" smtClean="0"/>
-              <a:t>13/04/2024</a:t>
+              <a:t>03/05/2024</a:t>
             </a:fld>
             <a:endParaRPr lang="pt-BR"/>
           </a:p>
@@ -3658,7 +3658,7 @@
           <a:p>
             <a:fld id="{63289F7E-B80B-496E-81B4-D396C37C9454}" type="datetimeFigureOut">
               <a:rPr lang="pt-BR" smtClean="0"/>
-              <a:t>13/04/2024</a:t>
+              <a:t>03/05/2024</a:t>
             </a:fld>
             <a:endParaRPr lang="pt-BR"/>
           </a:p>
@@ -3899,7 +3899,7 @@
           <a:p>
             <a:fld id="{63289F7E-B80B-496E-81B4-D396C37C9454}" type="datetimeFigureOut">
               <a:rPr lang="pt-BR" smtClean="0"/>
-              <a:t>13/04/2024</a:t>
+              <a:t>03/05/2024</a:t>
             </a:fld>
             <a:endParaRPr lang="pt-BR"/>
           </a:p>
@@ -7533,6 +7533,56 @@
               </a:rPr>
               <a:t>https://keras.io/examples/vision/gradient_centralization/</a:t>
             </a:r>
+            <a:endParaRPr lang="pt-BR" dirty="0"/>
+          </a:p>
+          <a:p>
+            <a:pPr lvl="1">
+              <a:buFont typeface="Wingdings" panose="05000000000000000000" pitchFamily="2" charset="2"/>
+              <a:buChar char="§"/>
+            </a:pPr>
+            <a:r>
+              <a:rPr lang="en-US" dirty="0" err="1">
+                <a:effectLst/>
+              </a:rPr>
+              <a:t>VeLO</a:t>
+            </a:r>
+            <a:r>
+              <a:rPr lang="en-US" dirty="0">
+                <a:effectLst/>
+              </a:rPr>
+              <a:t>: Training Versatile Learned Optimizers by Scaling Up</a:t>
+            </a:r>
+          </a:p>
+          <a:p>
+            <a:pPr lvl="2">
+              <a:buFont typeface="Wingdings" panose="05000000000000000000" pitchFamily="2" charset="2"/>
+              <a:buChar char="ü"/>
+            </a:pPr>
+            <a:r>
+              <a:rPr lang="pt-BR" dirty="0">
+                <a:hlinkClick r:id="rId6"/>
+              </a:rPr>
+              <a:t>https://arxiv.org/pdf/2211.09760</a:t>
+            </a:r>
+            <a:endParaRPr lang="pt-BR" dirty="0"/>
+          </a:p>
+          <a:p>
+            <a:pPr lvl="2">
+              <a:buFont typeface="Wingdings" panose="05000000000000000000" pitchFamily="2" charset="2"/>
+              <a:buChar char="ü"/>
+            </a:pPr>
+            <a:r>
+              <a:rPr lang="pt-BR">
+                <a:hlinkClick r:id="rId7"/>
+              </a:rPr>
+              <a:t>https://velo-code.github.io/</a:t>
+            </a:r>
+            <a:endParaRPr lang="pt-BR"/>
+          </a:p>
+          <a:p>
+            <a:pPr marL="914400" lvl="2" indent="0">
+              <a:buNone/>
+            </a:pPr>
             <a:br>
               <a:rPr lang="pt-BR" dirty="0"/>
             </a:br>

--- a/slides/TP558_1_Introdução_ao_curso.pptx
+++ b/slides/TP558_1_Introdução_ao_curso.pptx
@@ -298,7 +298,7 @@
           <a:p>
             <a:fld id="{144F1436-6906-4D93-B7A2-786C327BFA14}" type="datetimeFigureOut">
               <a:rPr lang="nl-BE" smtClean="0"/>
-              <a:t>3/05/2024</a:t>
+              <a:t>28/06/2024</a:t>
             </a:fld>
             <a:endParaRPr lang="nl-BE"/>
           </a:p>
@@ -463,7 +463,7 @@
           <a:p>
             <a:fld id="{AA8CD09E-2914-4F47-B6C1-51B2C31814C9}" type="datetimeFigureOut">
               <a:rPr lang="pt-BR" smtClean="0"/>
-              <a:t>03/05/2024</a:t>
+              <a:t>28/06/2024</a:t>
             </a:fld>
             <a:endParaRPr lang="pt-BR"/>
           </a:p>
@@ -1249,7 +1249,7 @@
           <a:p>
             <a:fld id="{63289F7E-B80B-496E-81B4-D396C37C9454}" type="datetimeFigureOut">
               <a:rPr lang="pt-BR" smtClean="0"/>
-              <a:t>03/05/2024</a:t>
+              <a:t>28/06/2024</a:t>
             </a:fld>
             <a:endParaRPr lang="pt-BR"/>
           </a:p>
@@ -1447,7 +1447,7 @@
           <a:p>
             <a:fld id="{63289F7E-B80B-496E-81B4-D396C37C9454}" type="datetimeFigureOut">
               <a:rPr lang="pt-BR" smtClean="0"/>
-              <a:t>03/05/2024</a:t>
+              <a:t>28/06/2024</a:t>
             </a:fld>
             <a:endParaRPr lang="pt-BR"/>
           </a:p>
@@ -1655,7 +1655,7 @@
           <a:p>
             <a:fld id="{63289F7E-B80B-496E-81B4-D396C37C9454}" type="datetimeFigureOut">
               <a:rPr lang="pt-BR" smtClean="0"/>
-              <a:t>03/05/2024</a:t>
+              <a:t>28/06/2024</a:t>
             </a:fld>
             <a:endParaRPr lang="pt-BR"/>
           </a:p>
@@ -1853,7 +1853,7 @@
           <a:p>
             <a:fld id="{63289F7E-B80B-496E-81B4-D396C37C9454}" type="datetimeFigureOut">
               <a:rPr lang="pt-BR" smtClean="0"/>
-              <a:t>03/05/2024</a:t>
+              <a:t>28/06/2024</a:t>
             </a:fld>
             <a:endParaRPr lang="pt-BR"/>
           </a:p>
@@ -2128,7 +2128,7 @@
           <a:p>
             <a:fld id="{63289F7E-B80B-496E-81B4-D396C37C9454}" type="datetimeFigureOut">
               <a:rPr lang="pt-BR" smtClean="0"/>
-              <a:t>03/05/2024</a:t>
+              <a:t>28/06/2024</a:t>
             </a:fld>
             <a:endParaRPr lang="pt-BR"/>
           </a:p>
@@ -2393,7 +2393,7 @@
           <a:p>
             <a:fld id="{63289F7E-B80B-496E-81B4-D396C37C9454}" type="datetimeFigureOut">
               <a:rPr lang="pt-BR" smtClean="0"/>
-              <a:t>03/05/2024</a:t>
+              <a:t>28/06/2024</a:t>
             </a:fld>
             <a:endParaRPr lang="pt-BR"/>
           </a:p>
@@ -2805,7 +2805,7 @@
           <a:p>
             <a:fld id="{63289F7E-B80B-496E-81B4-D396C37C9454}" type="datetimeFigureOut">
               <a:rPr lang="pt-BR" smtClean="0"/>
-              <a:t>03/05/2024</a:t>
+              <a:t>28/06/2024</a:t>
             </a:fld>
             <a:endParaRPr lang="pt-BR"/>
           </a:p>
@@ -2946,7 +2946,7 @@
           <a:p>
             <a:fld id="{63289F7E-B80B-496E-81B4-D396C37C9454}" type="datetimeFigureOut">
               <a:rPr lang="pt-BR" smtClean="0"/>
-              <a:t>03/05/2024</a:t>
+              <a:t>28/06/2024</a:t>
             </a:fld>
             <a:endParaRPr lang="pt-BR"/>
           </a:p>
@@ -3059,7 +3059,7 @@
           <a:p>
             <a:fld id="{63289F7E-B80B-496E-81B4-D396C37C9454}" type="datetimeFigureOut">
               <a:rPr lang="pt-BR" smtClean="0"/>
-              <a:t>03/05/2024</a:t>
+              <a:t>28/06/2024</a:t>
             </a:fld>
             <a:endParaRPr lang="pt-BR"/>
           </a:p>
@@ -3370,7 +3370,7 @@
           <a:p>
             <a:fld id="{63289F7E-B80B-496E-81B4-D396C37C9454}" type="datetimeFigureOut">
               <a:rPr lang="pt-BR" smtClean="0"/>
-              <a:t>03/05/2024</a:t>
+              <a:t>28/06/2024</a:t>
             </a:fld>
             <a:endParaRPr lang="pt-BR"/>
           </a:p>
@@ -3658,7 +3658,7 @@
           <a:p>
             <a:fld id="{63289F7E-B80B-496E-81B4-D396C37C9454}" type="datetimeFigureOut">
               <a:rPr lang="pt-BR" smtClean="0"/>
-              <a:t>03/05/2024</a:t>
+              <a:t>28/06/2024</a:t>
             </a:fld>
             <a:endParaRPr lang="pt-BR"/>
           </a:p>
@@ -3899,7 +3899,7 @@
           <a:p>
             <a:fld id="{63289F7E-B80B-496E-81B4-D396C37C9454}" type="datetimeFigureOut">
               <a:rPr lang="pt-BR" smtClean="0"/>
-              <a:t>03/05/2024</a:t>
+              <a:t>28/06/2024</a:t>
             </a:fld>
             <a:endParaRPr lang="pt-BR"/>
           </a:p>
@@ -9573,7 +9573,7 @@
             </a:pPr>
             <a:r>
               <a:rPr lang="pt-BR" dirty="0"/>
-              <a:t>Seminários (S): 40%</a:t>
+              <a:t>Seminários (S): 50%</a:t>
             </a:r>
           </a:p>
           <a:p>
@@ -9634,7 +9634,7 @@
             </a:pPr>
             <a:r>
               <a:rPr lang="pt-BR" dirty="0"/>
-              <a:t>Proposta do projeto final (PPF): 20%</a:t>
+              <a:t>Proposta do projeto final (PPF): 10%</a:t>
             </a:r>
           </a:p>
           <a:p>
@@ -9740,7 +9740,7 @@
             </a:pPr>
             <a:r>
               <a:rPr lang="pt-BR" dirty="0"/>
-              <a:t>NF = S*40% + Q*10% + PPF*20% + PF*30%</a:t>
+              <a:t>NF = S*50% + Q*10% + PPF*10% + PF*30%</a:t>
             </a:r>
           </a:p>
         </p:txBody>

--- a/slides/TP558_1_Introdução_ao_curso.pptx
+++ b/slides/TP558_1_Introdução_ao_curso.pptx
@@ -7061,9 +7061,34 @@
             <a:endParaRPr lang="pt-BR" dirty="0"/>
           </a:p>
           <a:p>
-            <a:pPr marL="457200" lvl="1" indent="0">
-              <a:buNone/>
-            </a:pPr>
+            <a:r>
+              <a:rPr lang="pt-BR" dirty="0" err="1"/>
+              <a:t>Kolmogorov</a:t>
+            </a:r>
+            <a:r>
+              <a:rPr lang="pt-BR" dirty="0"/>
+              <a:t>-Arnold Networks (</a:t>
+            </a:r>
+            <a:r>
+              <a:rPr lang="pt-BR" dirty="0" err="1"/>
+              <a:t>KANs</a:t>
+            </a:r>
+            <a:r>
+              <a:rPr lang="pt-BR" dirty="0"/>
+              <a:t>)</a:t>
+            </a:r>
+          </a:p>
+          <a:p>
+            <a:pPr lvl="1">
+              <a:buFont typeface="Wingdings" panose="05000000000000000000" pitchFamily="2" charset="2"/>
+              <a:buChar char="ü"/>
+            </a:pPr>
+            <a:r>
+              <a:rPr lang="pt-BR" dirty="0">
+                <a:hlinkClick r:id="rId4"/>
+              </a:rPr>
+              <a:t>https://arxiv.org/abs/2404.19756</a:t>
+            </a:r>
             <a:endParaRPr lang="pt-BR" dirty="0"/>
           </a:p>
           <a:p>
@@ -7071,18 +7096,18 @@
               <a:buFont typeface="Wingdings" panose="05000000000000000000" pitchFamily="2" charset="2"/>
               <a:buChar char="ü"/>
             </a:pPr>
-            <a:endParaRPr lang="pt-BR" dirty="0"/>
-          </a:p>
-          <a:p>
-            <a:pPr marL="457200" lvl="1" indent="0">
-              <a:buNone/>
-            </a:pPr>
-            <a:endParaRPr lang="pt-BR" dirty="0"/>
-          </a:p>
-          <a:p>
-            <a:pPr marL="0" indent="0">
-              <a:buNone/>
-            </a:pPr>
+            <a:r>
+              <a:rPr lang="pt-BR" dirty="0">
+                <a:hlinkClick r:id="rId5"/>
+              </a:rPr>
+              <a:t>https://github.com/KindXiaoming/pykan?tab</a:t>
+            </a:r>
+            <a:r>
+              <a:rPr lang="pt-BR">
+                <a:hlinkClick r:id="rId5"/>
+              </a:rPr>
+              <a:t>=readme-ov-file</a:t>
+            </a:r>
             <a:endParaRPr lang="pt-BR" dirty="0"/>
           </a:p>
           <a:p>

--- a/slides/TP558_1_Introdução_ao_curso.pptx
+++ b/slides/TP558_1_Introdução_ao_curso.pptx
@@ -7014,8 +7014,8 @@
         </p:nvSpPr>
         <p:spPr>
           <a:xfrm>
-            <a:off x="838200" y="1825625"/>
-            <a:ext cx="10907486" cy="4351338"/>
+            <a:off x="838200" y="1825624"/>
+            <a:ext cx="10907486" cy="5032375"/>
           </a:xfrm>
         </p:spPr>
         <p:txBody>
@@ -7100,44 +7100,44 @@
               <a:rPr lang="pt-BR" dirty="0">
                 <a:hlinkClick r:id="rId5"/>
               </a:rPr>
-              <a:t>https://github.com/KindXiaoming/pykan?tab</a:t>
-            </a:r>
-            <a:r>
-              <a:rPr lang="pt-BR">
-                <a:hlinkClick r:id="rId5"/>
-              </a:rPr>
-              <a:t>=readme-ov-file</a:t>
+              <a:t>https://github.com/KindXiaoming/pykan?tab=readme-ov-file</a:t>
             </a:r>
             <a:endParaRPr lang="pt-BR" dirty="0"/>
           </a:p>
           <a:p>
-            <a:pPr>
+            <a:r>
+              <a:rPr lang="en-US" dirty="0" err="1"/>
+              <a:t>DiffMOT</a:t>
+            </a:r>
+            <a:r>
+              <a:rPr lang="en-US" dirty="0"/>
+              <a:t>: A Real-time Diffusion-based Multiple Object Tracker with Non-linear Prediction</a:t>
+            </a:r>
+          </a:p>
+          <a:p>
+            <a:pPr lvl="1">
               <a:buFont typeface="Wingdings" panose="05000000000000000000" pitchFamily="2" charset="2"/>
               <a:buChar char="ü"/>
             </a:pPr>
+            <a:r>
+              <a:rPr lang="pt-BR" dirty="0">
+                <a:hlinkClick r:id="rId6"/>
+              </a:rPr>
+              <a:t>https://arxiv.org/abs/2403.02075</a:t>
+            </a:r>
             <a:endParaRPr lang="pt-BR" dirty="0"/>
           </a:p>
           <a:p>
-            <a:pPr lvl="2">
+            <a:pPr lvl="1">
               <a:buFont typeface="Wingdings" panose="05000000000000000000" pitchFamily="2" charset="2"/>
               <a:buChar char="ü"/>
             </a:pPr>
-            <a:endParaRPr lang="pt-BR" dirty="0"/>
-          </a:p>
-          <a:p>
-            <a:pPr marL="914400" lvl="2" indent="0">
-              <a:buNone/>
-            </a:pPr>
-            <a:endParaRPr lang="pt-BR" dirty="0"/>
-          </a:p>
-          <a:p>
-            <a:pPr marL="914400" lvl="2" indent="0">
-              <a:buNone/>
-            </a:pPr>
-            <a:endParaRPr lang="pt-BR" dirty="0"/>
-          </a:p>
-          <a:p>
-            <a:pPr lvl="1"/>
+            <a:r>
+              <a:rPr lang="pt-BR" dirty="0">
+                <a:hlinkClick r:id="rId7"/>
+              </a:rPr>
+              <a:t>https://github.com/Kroery/DiffMOT</a:t>
+            </a:r>
             <a:endParaRPr lang="pt-BR" dirty="0"/>
           </a:p>
         </p:txBody>

--- a/slides/TP558_1_Introdução_ao_curso.pptx
+++ b/slides/TP558_1_Introdução_ao_curso.pptx
@@ -7020,7 +7020,7 @@
         </p:spPr>
         <p:txBody>
           <a:bodyPr>
-            <a:normAutofit/>
+            <a:normAutofit lnSpcReduction="10000"/>
           </a:bodyPr>
           <a:lstStyle/>
           <a:p>
@@ -7138,6 +7138,58 @@
               </a:rPr>
               <a:t>https://github.com/Kroery/DiffMOT</a:t>
             </a:r>
+            <a:endParaRPr lang="pt-BR" dirty="0"/>
+          </a:p>
+          <a:p>
+            <a:pPr algn="l"/>
+            <a:r>
+              <a:rPr lang="pt-BR" dirty="0" err="1"/>
+              <a:t>Liquid</a:t>
+            </a:r>
+            <a:r>
+              <a:rPr lang="pt-BR" dirty="0"/>
+              <a:t> Time-</a:t>
+            </a:r>
+            <a:r>
+              <a:rPr lang="pt-BR" dirty="0" err="1"/>
+              <a:t>constant</a:t>
+            </a:r>
+            <a:r>
+              <a:rPr lang="pt-BR" dirty="0"/>
+              <a:t> Networks</a:t>
+            </a:r>
+            <a:endParaRPr lang="pt-BR" dirty="0">
+              <a:hlinkClick r:id="rId8"/>
+            </a:endParaRPr>
+          </a:p>
+          <a:p>
+            <a:pPr lvl="1">
+              <a:buFont typeface="Wingdings" panose="05000000000000000000" pitchFamily="2" charset="2"/>
+              <a:buChar char="ü"/>
+            </a:pPr>
+            <a:r>
+              <a:rPr lang="pt-BR" dirty="0">
+                <a:hlinkClick r:id="rId8"/>
+              </a:rPr>
+              <a:t>https://arxiv.org/abs/2006.04439</a:t>
+            </a:r>
+            <a:endParaRPr lang="pt-BR" dirty="0"/>
+          </a:p>
+          <a:p>
+            <a:pPr lvl="1">
+              <a:buFont typeface="Wingdings" panose="05000000000000000000" pitchFamily="2" charset="2"/>
+              <a:buChar char="ü"/>
+            </a:pPr>
+            <a:r>
+              <a:rPr lang="pt-BR" dirty="0">
+                <a:hlinkClick r:id="rId9"/>
+              </a:rPr>
+              <a:t>https://github.com/raminmh/liquid_time_constant_networks</a:t>
+            </a:r>
+            <a:endParaRPr lang="pt-BR" dirty="0"/>
+          </a:p>
+          <a:p>
+            <a:pPr lvl="1"/>
             <a:endParaRPr lang="pt-BR" dirty="0"/>
           </a:p>
         </p:txBody>

--- a/slides/TP558_1_Introdução_ao_curso.pptx
+++ b/slides/TP558_1_Introdução_ao_curso.pptx
@@ -5769,7 +5769,7 @@
           <a:p>
             <a:pPr lvl="2">
               <a:buFont typeface="Wingdings" panose="05000000000000000000" pitchFamily="2" charset="2"/>
-              <a:buChar char="§"/>
+              <a:buChar char="ü"/>
             </a:pPr>
             <a:r>
               <a:rPr lang="en-US" dirty="0">
@@ -5782,7 +5782,7 @@
           <a:p>
             <a:pPr lvl="2">
               <a:buFont typeface="Wingdings" panose="05000000000000000000" pitchFamily="2" charset="2"/>
-              <a:buChar char="§"/>
+              <a:buChar char="ü"/>
             </a:pPr>
             <a:r>
               <a:rPr lang="pt-BR" dirty="0">
@@ -10254,7 +10254,7 @@
           <a:p>
             <a:pPr lvl="2">
               <a:buFont typeface="Wingdings" panose="05000000000000000000" pitchFamily="2" charset="2"/>
-              <a:buChar char="§"/>
+              <a:buChar char="ü"/>
             </a:pPr>
             <a:r>
               <a:rPr lang="pt-BR" dirty="0">
@@ -10274,7 +10274,7 @@
           <a:p>
             <a:pPr lvl="2">
               <a:buFont typeface="Wingdings" panose="05000000000000000000" pitchFamily="2" charset="2"/>
-              <a:buChar char="§"/>
+              <a:buChar char="ü"/>
             </a:pPr>
             <a:r>
               <a:rPr lang="pt-BR" dirty="0">
